--- a/ReactJSNew/Reactjs.pptx
+++ b/ReactJSNew/Reactjs.pptx
@@ -262,7 +262,7 @@
           <a:p>
             <a:fld id="{9A5E46BC-724F-4E92-A585-0C922623FDCA}" type="datetimeFigureOut">
               <a:rPr lang="en-US" smtClean="0"/>
-              <a:t>9/11/2023</a:t>
+              <a:t>9/13/2023</a:t>
             </a:fld>
             <a:endParaRPr lang="en-US"/>
           </a:p>
@@ -460,7 +460,7 @@
           <a:p>
             <a:fld id="{9A5E46BC-724F-4E92-A585-0C922623FDCA}" type="datetimeFigureOut">
               <a:rPr lang="en-US" smtClean="0"/>
-              <a:t>9/11/2023</a:t>
+              <a:t>9/13/2023</a:t>
             </a:fld>
             <a:endParaRPr lang="en-US"/>
           </a:p>
@@ -668,7 +668,7 @@
           <a:p>
             <a:fld id="{9A5E46BC-724F-4E92-A585-0C922623FDCA}" type="datetimeFigureOut">
               <a:rPr lang="en-US" smtClean="0"/>
-              <a:t>9/11/2023</a:t>
+              <a:t>9/13/2023</a:t>
             </a:fld>
             <a:endParaRPr lang="en-US"/>
           </a:p>
@@ -866,7 +866,7 @@
           <a:p>
             <a:fld id="{9A5E46BC-724F-4E92-A585-0C922623FDCA}" type="datetimeFigureOut">
               <a:rPr lang="en-US" smtClean="0"/>
-              <a:t>9/11/2023</a:t>
+              <a:t>9/13/2023</a:t>
             </a:fld>
             <a:endParaRPr lang="en-US"/>
           </a:p>
@@ -1141,7 +1141,7 @@
           <a:p>
             <a:fld id="{9A5E46BC-724F-4E92-A585-0C922623FDCA}" type="datetimeFigureOut">
               <a:rPr lang="en-US" smtClean="0"/>
-              <a:t>9/11/2023</a:t>
+              <a:t>9/13/2023</a:t>
             </a:fld>
             <a:endParaRPr lang="en-US"/>
           </a:p>
@@ -1406,7 +1406,7 @@
           <a:p>
             <a:fld id="{9A5E46BC-724F-4E92-A585-0C922623FDCA}" type="datetimeFigureOut">
               <a:rPr lang="en-US" smtClean="0"/>
-              <a:t>9/11/2023</a:t>
+              <a:t>9/13/2023</a:t>
             </a:fld>
             <a:endParaRPr lang="en-US"/>
           </a:p>
@@ -1818,7 +1818,7 @@
           <a:p>
             <a:fld id="{9A5E46BC-724F-4E92-A585-0C922623FDCA}" type="datetimeFigureOut">
               <a:rPr lang="en-US" smtClean="0"/>
-              <a:t>9/11/2023</a:t>
+              <a:t>9/13/2023</a:t>
             </a:fld>
             <a:endParaRPr lang="en-US"/>
           </a:p>
@@ -1959,7 +1959,7 @@
           <a:p>
             <a:fld id="{9A5E46BC-724F-4E92-A585-0C922623FDCA}" type="datetimeFigureOut">
               <a:rPr lang="en-US" smtClean="0"/>
-              <a:t>9/11/2023</a:t>
+              <a:t>9/13/2023</a:t>
             </a:fld>
             <a:endParaRPr lang="en-US"/>
           </a:p>
@@ -2072,7 +2072,7 @@
           <a:p>
             <a:fld id="{9A5E46BC-724F-4E92-A585-0C922623FDCA}" type="datetimeFigureOut">
               <a:rPr lang="en-US" smtClean="0"/>
-              <a:t>9/11/2023</a:t>
+              <a:t>9/13/2023</a:t>
             </a:fld>
             <a:endParaRPr lang="en-US"/>
           </a:p>
@@ -2383,7 +2383,7 @@
           <a:p>
             <a:fld id="{9A5E46BC-724F-4E92-A585-0C922623FDCA}" type="datetimeFigureOut">
               <a:rPr lang="en-US" smtClean="0"/>
-              <a:t>9/11/2023</a:t>
+              <a:t>9/13/2023</a:t>
             </a:fld>
             <a:endParaRPr lang="en-US"/>
           </a:p>
@@ -2671,7 +2671,7 @@
           <a:p>
             <a:fld id="{9A5E46BC-724F-4E92-A585-0C922623FDCA}" type="datetimeFigureOut">
               <a:rPr lang="en-US" smtClean="0"/>
-              <a:t>9/11/2023</a:t>
+              <a:t>9/13/2023</a:t>
             </a:fld>
             <a:endParaRPr lang="en-US"/>
           </a:p>
@@ -2912,7 +2912,7 @@
           <a:p>
             <a:fld id="{9A5E46BC-724F-4E92-A585-0C922623FDCA}" type="datetimeFigureOut">
               <a:rPr lang="en-US" smtClean="0"/>
-              <a:t>9/11/2023</a:t>
+              <a:t>9/13/2023</a:t>
             </a:fld>
             <a:endParaRPr lang="en-US"/>
           </a:p>
@@ -3962,7 +3962,7 @@
         <p:spPr/>
         <p:txBody>
           <a:bodyPr numCol="2">
-            <a:normAutofit lnSpcReduction="10000"/>
+            <a:normAutofit fontScale="85000" lnSpcReduction="20000"/>
           </a:bodyPr>
           <a:lstStyle/>
           <a:p>
@@ -4081,6 +4081,49 @@
             <a:r>
               <a:rPr lang="en-US" dirty="0"/>
               <a:t>Component Props</a:t>
+            </a:r>
+          </a:p>
+          <a:p>
+            <a:r>
+              <a:rPr lang="en-US" dirty="0"/>
+              <a:t>Rendering and </a:t>
+            </a:r>
+            <a:r>
+              <a:rPr lang="en-US" dirty="0" err="1"/>
+              <a:t>Rerendering</a:t>
+            </a:r>
+            <a:endParaRPr lang="en-US" dirty="0"/>
+          </a:p>
+          <a:p>
+            <a:r>
+              <a:rPr lang="en-US" dirty="0" err="1"/>
+              <a:t>SearchBox</a:t>
+            </a:r>
+            <a:r>
+              <a:rPr lang="en-US" dirty="0"/>
+              <a:t> Component</a:t>
+            </a:r>
+          </a:p>
+          <a:p>
+            <a:r>
+              <a:rPr lang="en-US" dirty="0"/>
+              <a:t>CSS in React</a:t>
+            </a:r>
+          </a:p>
+          <a:p>
+            <a:r>
+              <a:rPr lang="en-US" dirty="0" err="1"/>
+              <a:t>Cardlist</a:t>
+            </a:r>
+            <a:r>
+              <a:rPr lang="en-US" dirty="0"/>
+              <a:t> component</a:t>
+            </a:r>
+          </a:p>
+          <a:p>
+            <a:r>
+              <a:rPr lang="en-US" dirty="0"/>
+              <a:t>Finishing touches</a:t>
             </a:r>
           </a:p>
         </p:txBody>

--- a/ReactJSNew/Reactjs.pptx
+++ b/ReactJSNew/Reactjs.pptx
@@ -262,7 +262,7 @@
           <a:p>
             <a:fld id="{9A5E46BC-724F-4E92-A585-0C922623FDCA}" type="datetimeFigureOut">
               <a:rPr lang="en-US" smtClean="0"/>
-              <a:t>9/13/2023</a:t>
+              <a:t>9/14/2023</a:t>
             </a:fld>
             <a:endParaRPr lang="en-US"/>
           </a:p>
@@ -460,7 +460,7 @@
           <a:p>
             <a:fld id="{9A5E46BC-724F-4E92-A585-0C922623FDCA}" type="datetimeFigureOut">
               <a:rPr lang="en-US" smtClean="0"/>
-              <a:t>9/13/2023</a:t>
+              <a:t>9/14/2023</a:t>
             </a:fld>
             <a:endParaRPr lang="en-US"/>
           </a:p>
@@ -668,7 +668,7 @@
           <a:p>
             <a:fld id="{9A5E46BC-724F-4E92-A585-0C922623FDCA}" type="datetimeFigureOut">
               <a:rPr lang="en-US" smtClean="0"/>
-              <a:t>9/13/2023</a:t>
+              <a:t>9/14/2023</a:t>
             </a:fld>
             <a:endParaRPr lang="en-US"/>
           </a:p>
@@ -866,7 +866,7 @@
           <a:p>
             <a:fld id="{9A5E46BC-724F-4E92-A585-0C922623FDCA}" type="datetimeFigureOut">
               <a:rPr lang="en-US" smtClean="0"/>
-              <a:t>9/13/2023</a:t>
+              <a:t>9/14/2023</a:t>
             </a:fld>
             <a:endParaRPr lang="en-US"/>
           </a:p>
@@ -1141,7 +1141,7 @@
           <a:p>
             <a:fld id="{9A5E46BC-724F-4E92-A585-0C922623FDCA}" type="datetimeFigureOut">
               <a:rPr lang="en-US" smtClean="0"/>
-              <a:t>9/13/2023</a:t>
+              <a:t>9/14/2023</a:t>
             </a:fld>
             <a:endParaRPr lang="en-US"/>
           </a:p>
@@ -1406,7 +1406,7 @@
           <a:p>
             <a:fld id="{9A5E46BC-724F-4E92-A585-0C922623FDCA}" type="datetimeFigureOut">
               <a:rPr lang="en-US" smtClean="0"/>
-              <a:t>9/13/2023</a:t>
+              <a:t>9/14/2023</a:t>
             </a:fld>
             <a:endParaRPr lang="en-US"/>
           </a:p>
@@ -1818,7 +1818,7 @@
           <a:p>
             <a:fld id="{9A5E46BC-724F-4E92-A585-0C922623FDCA}" type="datetimeFigureOut">
               <a:rPr lang="en-US" smtClean="0"/>
-              <a:t>9/13/2023</a:t>
+              <a:t>9/14/2023</a:t>
             </a:fld>
             <a:endParaRPr lang="en-US"/>
           </a:p>
@@ -1959,7 +1959,7 @@
           <a:p>
             <a:fld id="{9A5E46BC-724F-4E92-A585-0C922623FDCA}" type="datetimeFigureOut">
               <a:rPr lang="en-US" smtClean="0"/>
-              <a:t>9/13/2023</a:t>
+              <a:t>9/14/2023</a:t>
             </a:fld>
             <a:endParaRPr lang="en-US"/>
           </a:p>
@@ -2072,7 +2072,7 @@
           <a:p>
             <a:fld id="{9A5E46BC-724F-4E92-A585-0C922623FDCA}" type="datetimeFigureOut">
               <a:rPr lang="en-US" smtClean="0"/>
-              <a:t>9/13/2023</a:t>
+              <a:t>9/14/2023</a:t>
             </a:fld>
             <a:endParaRPr lang="en-US"/>
           </a:p>
@@ -2383,7 +2383,7 @@
           <a:p>
             <a:fld id="{9A5E46BC-724F-4E92-A585-0C922623FDCA}" type="datetimeFigureOut">
               <a:rPr lang="en-US" smtClean="0"/>
-              <a:t>9/13/2023</a:t>
+              <a:t>9/14/2023</a:t>
             </a:fld>
             <a:endParaRPr lang="en-US"/>
           </a:p>
@@ -2671,7 +2671,7 @@
           <a:p>
             <a:fld id="{9A5E46BC-724F-4E92-A585-0C922623FDCA}" type="datetimeFigureOut">
               <a:rPr lang="en-US" smtClean="0"/>
-              <a:t>9/13/2023</a:t>
+              <a:t>9/14/2023</a:t>
             </a:fld>
             <a:endParaRPr lang="en-US"/>
           </a:p>
@@ -2912,7 +2912,7 @@
           <a:p>
             <a:fld id="{9A5E46BC-724F-4E92-A585-0C922623FDCA}" type="datetimeFigureOut">
               <a:rPr lang="en-US" smtClean="0"/>
-              <a:t>9/13/2023</a:t>
+              <a:t>9/14/2023</a:t>
             </a:fld>
             <a:endParaRPr lang="en-US"/>
           </a:p>
@@ -3734,6 +3734,9 @@
             </a:lvl9pPr>
           </a:lstStyle>
           <a:p>
+            <a:pPr marL="0" indent="0">
+              <a:buNone/>
+            </a:pPr>
             <a:r>
               <a:rPr lang="en-US" dirty="0"/>
               <a:t>Keywords</a:t>
@@ -3962,7 +3965,7 @@
         <p:spPr/>
         <p:txBody>
           <a:bodyPr numCol="2">
-            <a:normAutofit fontScale="85000" lnSpcReduction="20000"/>
+            <a:normAutofit fontScale="47500" lnSpcReduction="20000"/>
           </a:bodyPr>
           <a:lstStyle/>
           <a:p>
@@ -4125,6 +4128,87 @@
               <a:rPr lang="en-US" dirty="0"/>
               <a:t>Finishing touches</a:t>
             </a:r>
+          </a:p>
+          <a:p>
+            <a:r>
+              <a:rPr lang="en-US" dirty="0"/>
+              <a:t>Class Component Lifecycle Methods Breakdown</a:t>
+            </a:r>
+          </a:p>
+          <a:p>
+            <a:r>
+              <a:rPr lang="en-US" dirty="0"/>
+              <a:t>Functional Component intro</a:t>
+            </a:r>
+          </a:p>
+          <a:p>
+            <a:r>
+              <a:rPr lang="en-US" dirty="0"/>
+              <a:t>Pure &amp; Impure functions</a:t>
+            </a:r>
+          </a:p>
+          <a:p>
+            <a:r>
+              <a:rPr lang="en-US" dirty="0"/>
+              <a:t>Hooks </a:t>
+            </a:r>
+            <a:r>
+              <a:rPr lang="en-US" dirty="0" err="1"/>
+              <a:t>useState</a:t>
+            </a:r>
+            <a:endParaRPr lang="en-US" dirty="0"/>
+          </a:p>
+          <a:p>
+            <a:r>
+              <a:rPr lang="en-US" dirty="0"/>
+              <a:t>Functional component </a:t>
+            </a:r>
+            <a:r>
+              <a:rPr lang="en-US" dirty="0" err="1"/>
+              <a:t>Rerendering</a:t>
+            </a:r>
+            <a:endParaRPr lang="en-US" dirty="0"/>
+          </a:p>
+          <a:p>
+            <a:r>
+              <a:rPr lang="en-US" dirty="0"/>
+              <a:t>Infinite </a:t>
+            </a:r>
+            <a:r>
+              <a:rPr lang="en-US" dirty="0" err="1"/>
+              <a:t>Rerendering</a:t>
+            </a:r>
+            <a:endParaRPr lang="en-US" dirty="0"/>
+          </a:p>
+          <a:p>
+            <a:r>
+              <a:rPr lang="en-US" dirty="0"/>
+              <a:t>Hooks </a:t>
+            </a:r>
+            <a:r>
+              <a:rPr lang="en-US" dirty="0" err="1"/>
+              <a:t>useEffect</a:t>
+            </a:r>
+            <a:endParaRPr lang="en-US" dirty="0"/>
+          </a:p>
+          <a:p>
+            <a:r>
+              <a:rPr lang="en-US" dirty="0"/>
+              <a:t>Remaining Components</a:t>
+            </a:r>
+          </a:p>
+          <a:p>
+            <a:r>
+              <a:rPr lang="en-US" dirty="0"/>
+              <a:t>Migrating project to REACTDOMv18</a:t>
+            </a:r>
+          </a:p>
+          <a:p>
+            <a:r>
+              <a:rPr lang="en-US" dirty="0" err="1"/>
+              <a:t>StrictMode</a:t>
+            </a:r>
+            <a:endParaRPr lang="en-US" dirty="0"/>
           </a:p>
         </p:txBody>
       </p:sp>

--- a/ReactJSNew/Reactjs.pptx
+++ b/ReactJSNew/Reactjs.pptx
@@ -9,6 +9,7 @@
     <p:sldId id="257" r:id="rId3"/>
     <p:sldId id="258" r:id="rId4"/>
     <p:sldId id="259" r:id="rId5"/>
+    <p:sldId id="260" r:id="rId6"/>
   </p:sldIdLst>
   <p:sldSz cx="12192000" cy="6858000"/>
   <p:notesSz cx="6858000" cy="9144000"/>
@@ -262,7 +263,7 @@
           <a:p>
             <a:fld id="{9A5E46BC-724F-4E92-A585-0C922623FDCA}" type="datetimeFigureOut">
               <a:rPr lang="en-US" smtClean="0"/>
-              <a:t>9/14/2023</a:t>
+              <a:t>9/15/2023</a:t>
             </a:fld>
             <a:endParaRPr lang="en-US"/>
           </a:p>
@@ -460,7 +461,7 @@
           <a:p>
             <a:fld id="{9A5E46BC-724F-4E92-A585-0C922623FDCA}" type="datetimeFigureOut">
               <a:rPr lang="en-US" smtClean="0"/>
-              <a:t>9/14/2023</a:t>
+              <a:t>9/15/2023</a:t>
             </a:fld>
             <a:endParaRPr lang="en-US"/>
           </a:p>
@@ -668,7 +669,7 @@
           <a:p>
             <a:fld id="{9A5E46BC-724F-4E92-A585-0C922623FDCA}" type="datetimeFigureOut">
               <a:rPr lang="en-US" smtClean="0"/>
-              <a:t>9/14/2023</a:t>
+              <a:t>9/15/2023</a:t>
             </a:fld>
             <a:endParaRPr lang="en-US"/>
           </a:p>
@@ -866,7 +867,7 @@
           <a:p>
             <a:fld id="{9A5E46BC-724F-4E92-A585-0C922623FDCA}" type="datetimeFigureOut">
               <a:rPr lang="en-US" smtClean="0"/>
-              <a:t>9/14/2023</a:t>
+              <a:t>9/15/2023</a:t>
             </a:fld>
             <a:endParaRPr lang="en-US"/>
           </a:p>
@@ -1141,7 +1142,7 @@
           <a:p>
             <a:fld id="{9A5E46BC-724F-4E92-A585-0C922623FDCA}" type="datetimeFigureOut">
               <a:rPr lang="en-US" smtClean="0"/>
-              <a:t>9/14/2023</a:t>
+              <a:t>9/15/2023</a:t>
             </a:fld>
             <a:endParaRPr lang="en-US"/>
           </a:p>
@@ -1406,7 +1407,7 @@
           <a:p>
             <a:fld id="{9A5E46BC-724F-4E92-A585-0C922623FDCA}" type="datetimeFigureOut">
               <a:rPr lang="en-US" smtClean="0"/>
-              <a:t>9/14/2023</a:t>
+              <a:t>9/15/2023</a:t>
             </a:fld>
             <a:endParaRPr lang="en-US"/>
           </a:p>
@@ -1818,7 +1819,7 @@
           <a:p>
             <a:fld id="{9A5E46BC-724F-4E92-A585-0C922623FDCA}" type="datetimeFigureOut">
               <a:rPr lang="en-US" smtClean="0"/>
-              <a:t>9/14/2023</a:t>
+              <a:t>9/15/2023</a:t>
             </a:fld>
             <a:endParaRPr lang="en-US"/>
           </a:p>
@@ -1959,7 +1960,7 @@
           <a:p>
             <a:fld id="{9A5E46BC-724F-4E92-A585-0C922623FDCA}" type="datetimeFigureOut">
               <a:rPr lang="en-US" smtClean="0"/>
-              <a:t>9/14/2023</a:t>
+              <a:t>9/15/2023</a:t>
             </a:fld>
             <a:endParaRPr lang="en-US"/>
           </a:p>
@@ -2072,7 +2073,7 @@
           <a:p>
             <a:fld id="{9A5E46BC-724F-4E92-A585-0C922623FDCA}" type="datetimeFigureOut">
               <a:rPr lang="en-US" smtClean="0"/>
-              <a:t>9/14/2023</a:t>
+              <a:t>9/15/2023</a:t>
             </a:fld>
             <a:endParaRPr lang="en-US"/>
           </a:p>
@@ -2383,7 +2384,7 @@
           <a:p>
             <a:fld id="{9A5E46BC-724F-4E92-A585-0C922623FDCA}" type="datetimeFigureOut">
               <a:rPr lang="en-US" smtClean="0"/>
-              <a:t>9/14/2023</a:t>
+              <a:t>9/15/2023</a:t>
             </a:fld>
             <a:endParaRPr lang="en-US"/>
           </a:p>
@@ -2671,7 +2672,7 @@
           <a:p>
             <a:fld id="{9A5E46BC-724F-4E92-A585-0C922623FDCA}" type="datetimeFigureOut">
               <a:rPr lang="en-US" smtClean="0"/>
-              <a:t>9/14/2023</a:t>
+              <a:t>9/15/2023</a:t>
             </a:fld>
             <a:endParaRPr lang="en-US"/>
           </a:p>
@@ -2912,7 +2913,7 @@
           <a:p>
             <a:fld id="{9A5E46BC-724F-4E92-A585-0C922623FDCA}" type="datetimeFigureOut">
               <a:rPr lang="en-US" smtClean="0"/>
-              <a:t>9/14/2023</a:t>
+              <a:t>9/15/2023</a:t>
             </a:fld>
             <a:endParaRPr lang="en-US"/>
           </a:p>
@@ -4225,6 +4226,122 @@
 </p:sld>
 </file>
 
+<file path=ppt/slides/slide5.xml><?xml version="1.0" encoding="utf-8"?>
+<p:sld xmlns:a="http://schemas.openxmlformats.org/drawingml/2006/main" xmlns:r="http://schemas.openxmlformats.org/officeDocument/2006/relationships" xmlns:p="http://schemas.openxmlformats.org/presentationml/2006/main">
+  <p:cSld>
+    <p:spTree>
+      <p:nvGrpSpPr>
+        <p:cNvPr id="1" name=""/>
+        <p:cNvGrpSpPr/>
+        <p:nvPr/>
+      </p:nvGrpSpPr>
+      <p:grpSpPr>
+        <a:xfrm>
+          <a:off x="0" y="0"/>
+          <a:ext cx="0" cy="0"/>
+          <a:chOff x="0" y="0"/>
+          <a:chExt cx="0" cy="0"/>
+        </a:xfrm>
+      </p:grpSpPr>
+      <p:sp>
+        <p:nvSpPr>
+          <p:cNvPr id="2" name="Title 1">
+            <a:extLst>
+              <a:ext uri="{FF2B5EF4-FFF2-40B4-BE49-F238E27FC236}">
+                <a16:creationId xmlns:a16="http://schemas.microsoft.com/office/drawing/2014/main" id="{6A2DC4D8-87FC-AB51-521A-A8E34318F10C}"/>
+              </a:ext>
+            </a:extLst>
+          </p:cNvPr>
+          <p:cNvSpPr>
+            <a:spLocks noGrp="1"/>
+          </p:cNvSpPr>
+          <p:nvPr>
+            <p:ph type="title"/>
+          </p:nvPr>
+        </p:nvSpPr>
+        <p:spPr/>
+        <p:txBody>
+          <a:bodyPr/>
+          <a:lstStyle/>
+          <a:p>
+            <a:r>
+              <a:rPr lang="en-US" dirty="0"/>
+              <a:t>Capstone - Project</a:t>
+            </a:r>
+          </a:p>
+        </p:txBody>
+      </p:sp>
+      <p:sp>
+        <p:nvSpPr>
+          <p:cNvPr id="3" name="Content Placeholder 2">
+            <a:extLst>
+              <a:ext uri="{FF2B5EF4-FFF2-40B4-BE49-F238E27FC236}">
+                <a16:creationId xmlns:a16="http://schemas.microsoft.com/office/drawing/2014/main" id="{CF7ABBAC-C3F6-F46E-0157-28AC94A0DB1D}"/>
+              </a:ext>
+            </a:extLst>
+          </p:cNvPr>
+          <p:cNvSpPr>
+            <a:spLocks noGrp="1"/>
+          </p:cNvSpPr>
+          <p:nvPr>
+            <p:ph idx="1"/>
+          </p:nvPr>
+        </p:nvSpPr>
+        <p:spPr/>
+        <p:txBody>
+          <a:bodyPr/>
+          <a:lstStyle/>
+          <a:p>
+            <a:r>
+              <a:rPr lang="en-US" dirty="0"/>
+              <a:t>Project Setup</a:t>
+            </a:r>
+          </a:p>
+          <a:p>
+            <a:r>
+              <a:rPr lang="en-US" dirty="0"/>
+              <a:t>Setting Up Our Categories</a:t>
+            </a:r>
+          </a:p>
+          <a:p>
+            <a:r>
+              <a:rPr lang="en-US" dirty="0"/>
+              <a:t>Adding Sass</a:t>
+            </a:r>
+          </a:p>
+          <a:p>
+            <a:r>
+              <a:rPr lang="en-US" dirty="0"/>
+              <a:t>Category Item Component</a:t>
+            </a:r>
+          </a:p>
+          <a:p>
+            <a:r>
+              <a:rPr lang="en-US" dirty="0"/>
+              <a:t>Directory Component</a:t>
+            </a:r>
+          </a:p>
+          <a:p>
+            <a:r>
+              <a:rPr lang="en-US" dirty="0"/>
+              <a:t>Adding Fonts</a:t>
+            </a:r>
+          </a:p>
+        </p:txBody>
+      </p:sp>
+    </p:spTree>
+    <p:extLst>
+      <p:ext uri="{BB962C8B-B14F-4D97-AF65-F5344CB8AC3E}">
+        <p14:creationId xmlns:p14="http://schemas.microsoft.com/office/powerpoint/2010/main" val="3308266144"/>
+      </p:ext>
+    </p:extLst>
+  </p:cSld>
+  <p:clrMapOvr>
+    <a:masterClrMapping/>
+  </p:clrMapOvr>
+</p:sld>
+</file>
+
 <file path=ppt/theme/theme1.xml><?xml version="1.0" encoding="utf-8"?>
 <a:theme xmlns:a="http://schemas.openxmlformats.org/drawingml/2006/main" name="Office Theme">
   <a:themeElements>

--- a/ReactJSNew/Reactjs.pptx
+++ b/ReactJSNew/Reactjs.pptx
@@ -263,7 +263,7 @@
           <a:p>
             <a:fld id="{9A5E46BC-724F-4E92-A585-0C922623FDCA}" type="datetimeFigureOut">
               <a:rPr lang="en-US" smtClean="0"/>
-              <a:t>9/15/2023</a:t>
+              <a:t>9/18/2023</a:t>
             </a:fld>
             <a:endParaRPr lang="en-US"/>
           </a:p>
@@ -461,7 +461,7 @@
           <a:p>
             <a:fld id="{9A5E46BC-724F-4E92-A585-0C922623FDCA}" type="datetimeFigureOut">
               <a:rPr lang="en-US" smtClean="0"/>
-              <a:t>9/15/2023</a:t>
+              <a:t>9/18/2023</a:t>
             </a:fld>
             <a:endParaRPr lang="en-US"/>
           </a:p>
@@ -669,7 +669,7 @@
           <a:p>
             <a:fld id="{9A5E46BC-724F-4E92-A585-0C922623FDCA}" type="datetimeFigureOut">
               <a:rPr lang="en-US" smtClean="0"/>
-              <a:t>9/15/2023</a:t>
+              <a:t>9/18/2023</a:t>
             </a:fld>
             <a:endParaRPr lang="en-US"/>
           </a:p>
@@ -867,7 +867,7 @@
           <a:p>
             <a:fld id="{9A5E46BC-724F-4E92-A585-0C922623FDCA}" type="datetimeFigureOut">
               <a:rPr lang="en-US" smtClean="0"/>
-              <a:t>9/15/2023</a:t>
+              <a:t>9/18/2023</a:t>
             </a:fld>
             <a:endParaRPr lang="en-US"/>
           </a:p>
@@ -1142,7 +1142,7 @@
           <a:p>
             <a:fld id="{9A5E46BC-724F-4E92-A585-0C922623FDCA}" type="datetimeFigureOut">
               <a:rPr lang="en-US" smtClean="0"/>
-              <a:t>9/15/2023</a:t>
+              <a:t>9/18/2023</a:t>
             </a:fld>
             <a:endParaRPr lang="en-US"/>
           </a:p>
@@ -1407,7 +1407,7 @@
           <a:p>
             <a:fld id="{9A5E46BC-724F-4E92-A585-0C922623FDCA}" type="datetimeFigureOut">
               <a:rPr lang="en-US" smtClean="0"/>
-              <a:t>9/15/2023</a:t>
+              <a:t>9/18/2023</a:t>
             </a:fld>
             <a:endParaRPr lang="en-US"/>
           </a:p>
@@ -1819,7 +1819,7 @@
           <a:p>
             <a:fld id="{9A5E46BC-724F-4E92-A585-0C922623FDCA}" type="datetimeFigureOut">
               <a:rPr lang="en-US" smtClean="0"/>
-              <a:t>9/15/2023</a:t>
+              <a:t>9/18/2023</a:t>
             </a:fld>
             <a:endParaRPr lang="en-US"/>
           </a:p>
@@ -1960,7 +1960,7 @@
           <a:p>
             <a:fld id="{9A5E46BC-724F-4E92-A585-0C922623FDCA}" type="datetimeFigureOut">
               <a:rPr lang="en-US" smtClean="0"/>
-              <a:t>9/15/2023</a:t>
+              <a:t>9/18/2023</a:t>
             </a:fld>
             <a:endParaRPr lang="en-US"/>
           </a:p>
@@ -2073,7 +2073,7 @@
           <a:p>
             <a:fld id="{9A5E46BC-724F-4E92-A585-0C922623FDCA}" type="datetimeFigureOut">
               <a:rPr lang="en-US" smtClean="0"/>
-              <a:t>9/15/2023</a:t>
+              <a:t>9/18/2023</a:t>
             </a:fld>
             <a:endParaRPr lang="en-US"/>
           </a:p>
@@ -2384,7 +2384,7 @@
           <a:p>
             <a:fld id="{9A5E46BC-724F-4E92-A585-0C922623FDCA}" type="datetimeFigureOut">
               <a:rPr lang="en-US" smtClean="0"/>
-              <a:t>9/15/2023</a:t>
+              <a:t>9/18/2023</a:t>
             </a:fld>
             <a:endParaRPr lang="en-US"/>
           </a:p>
@@ -2672,7 +2672,7 @@
           <a:p>
             <a:fld id="{9A5E46BC-724F-4E92-A585-0C922623FDCA}" type="datetimeFigureOut">
               <a:rPr lang="en-US" smtClean="0"/>
-              <a:t>9/15/2023</a:t>
+              <a:t>9/18/2023</a:t>
             </a:fld>
             <a:endParaRPr lang="en-US"/>
           </a:p>
@@ -2913,7 +2913,7 @@
           <a:p>
             <a:fld id="{9A5E46BC-724F-4E92-A585-0C922623FDCA}" type="datetimeFigureOut">
               <a:rPr lang="en-US" smtClean="0"/>
-              <a:t>9/15/2023</a:t>
+              <a:t>9/18/2023</a:t>
             </a:fld>
             <a:endParaRPr lang="en-US"/>
           </a:p>
@@ -4289,7 +4289,9 @@
         </p:nvSpPr>
         <p:spPr/>
         <p:txBody>
-          <a:bodyPr/>
+          <a:bodyPr numCol="2">
+            <a:normAutofit/>
+          </a:bodyPr>
           <a:lstStyle/>
           <a:p>
             <a:r>
@@ -4325,6 +4327,48 @@
             <a:r>
               <a:rPr lang="en-US" dirty="0"/>
               <a:t>Adding Fonts</a:t>
+            </a:r>
+          </a:p>
+          <a:p>
+            <a:r>
+              <a:rPr lang="en-US" dirty="0"/>
+              <a:t>Routing</a:t>
+            </a:r>
+          </a:p>
+          <a:p>
+            <a:r>
+              <a:rPr lang="en-US" dirty="0"/>
+              <a:t>Sub-route</a:t>
+            </a:r>
+          </a:p>
+          <a:p>
+            <a:r>
+              <a:rPr lang="en-US" dirty="0"/>
+              <a:t>Setting Up Our Homepage</a:t>
+            </a:r>
+          </a:p>
+          <a:p>
+            <a:r>
+              <a:rPr lang="en-US" dirty="0"/>
+              <a:t>React Router Outlet</a:t>
+            </a:r>
+          </a:p>
+          <a:p>
+            <a:r>
+              <a:rPr lang="en-US" dirty="0"/>
+              <a:t>Navigation Bar Component</a:t>
+            </a:r>
+          </a:p>
+          <a:p>
+            <a:r>
+              <a:rPr lang="en-US" dirty="0"/>
+              <a:t>React Router Link</a:t>
+            </a:r>
+          </a:p>
+          <a:p>
+            <a:r>
+              <a:rPr lang="en-US" dirty="0"/>
+              <a:t>Styling for Navigation Logo</a:t>
             </a:r>
           </a:p>
         </p:txBody>

--- a/ReactJSNew/Reactjs.pptx
+++ b/ReactJSNew/Reactjs.pptx
@@ -10,6 +10,10 @@
     <p:sldId id="258" r:id="rId4"/>
     <p:sldId id="259" r:id="rId5"/>
     <p:sldId id="260" r:id="rId6"/>
+    <p:sldId id="261" r:id="rId7"/>
+    <p:sldId id="262" r:id="rId8"/>
+    <p:sldId id="263" r:id="rId9"/>
+    <p:sldId id="264" r:id="rId10"/>
   </p:sldIdLst>
   <p:sldSz cx="12192000" cy="6858000"/>
   <p:notesSz cx="6858000" cy="9144000"/>
@@ -263,7 +267,7 @@
           <a:p>
             <a:fld id="{9A5E46BC-724F-4E92-A585-0C922623FDCA}" type="datetimeFigureOut">
               <a:rPr lang="en-US" smtClean="0"/>
-              <a:t>9/18/2023</a:t>
+              <a:t>9/21/2023</a:t>
             </a:fld>
             <a:endParaRPr lang="en-US"/>
           </a:p>
@@ -461,7 +465,7 @@
           <a:p>
             <a:fld id="{9A5E46BC-724F-4E92-A585-0C922623FDCA}" type="datetimeFigureOut">
               <a:rPr lang="en-US" smtClean="0"/>
-              <a:t>9/18/2023</a:t>
+              <a:t>9/21/2023</a:t>
             </a:fld>
             <a:endParaRPr lang="en-US"/>
           </a:p>
@@ -669,7 +673,7 @@
           <a:p>
             <a:fld id="{9A5E46BC-724F-4E92-A585-0C922623FDCA}" type="datetimeFigureOut">
               <a:rPr lang="en-US" smtClean="0"/>
-              <a:t>9/18/2023</a:t>
+              <a:t>9/21/2023</a:t>
             </a:fld>
             <a:endParaRPr lang="en-US"/>
           </a:p>
@@ -867,7 +871,7 @@
           <a:p>
             <a:fld id="{9A5E46BC-724F-4E92-A585-0C922623FDCA}" type="datetimeFigureOut">
               <a:rPr lang="en-US" smtClean="0"/>
-              <a:t>9/18/2023</a:t>
+              <a:t>9/21/2023</a:t>
             </a:fld>
             <a:endParaRPr lang="en-US"/>
           </a:p>
@@ -1142,7 +1146,7 @@
           <a:p>
             <a:fld id="{9A5E46BC-724F-4E92-A585-0C922623FDCA}" type="datetimeFigureOut">
               <a:rPr lang="en-US" smtClean="0"/>
-              <a:t>9/18/2023</a:t>
+              <a:t>9/21/2023</a:t>
             </a:fld>
             <a:endParaRPr lang="en-US"/>
           </a:p>
@@ -1407,7 +1411,7 @@
           <a:p>
             <a:fld id="{9A5E46BC-724F-4E92-A585-0C922623FDCA}" type="datetimeFigureOut">
               <a:rPr lang="en-US" smtClean="0"/>
-              <a:t>9/18/2023</a:t>
+              <a:t>9/21/2023</a:t>
             </a:fld>
             <a:endParaRPr lang="en-US"/>
           </a:p>
@@ -1819,7 +1823,7 @@
           <a:p>
             <a:fld id="{9A5E46BC-724F-4E92-A585-0C922623FDCA}" type="datetimeFigureOut">
               <a:rPr lang="en-US" smtClean="0"/>
-              <a:t>9/18/2023</a:t>
+              <a:t>9/21/2023</a:t>
             </a:fld>
             <a:endParaRPr lang="en-US"/>
           </a:p>
@@ -1960,7 +1964,7 @@
           <a:p>
             <a:fld id="{9A5E46BC-724F-4E92-A585-0C922623FDCA}" type="datetimeFigureOut">
               <a:rPr lang="en-US" smtClean="0"/>
-              <a:t>9/18/2023</a:t>
+              <a:t>9/21/2023</a:t>
             </a:fld>
             <a:endParaRPr lang="en-US"/>
           </a:p>
@@ -2073,7 +2077,7 @@
           <a:p>
             <a:fld id="{9A5E46BC-724F-4E92-A585-0C922623FDCA}" type="datetimeFigureOut">
               <a:rPr lang="en-US" smtClean="0"/>
-              <a:t>9/18/2023</a:t>
+              <a:t>9/21/2023</a:t>
             </a:fld>
             <a:endParaRPr lang="en-US"/>
           </a:p>
@@ -2384,7 +2388,7 @@
           <a:p>
             <a:fld id="{9A5E46BC-724F-4E92-A585-0C922623FDCA}" type="datetimeFigureOut">
               <a:rPr lang="en-US" smtClean="0"/>
-              <a:t>9/18/2023</a:t>
+              <a:t>9/21/2023</a:t>
             </a:fld>
             <a:endParaRPr lang="en-US"/>
           </a:p>
@@ -2672,7 +2676,7 @@
           <a:p>
             <a:fld id="{9A5E46BC-724F-4E92-A585-0C922623FDCA}" type="datetimeFigureOut">
               <a:rPr lang="en-US" smtClean="0"/>
-              <a:t>9/18/2023</a:t>
+              <a:t>9/21/2023</a:t>
             </a:fld>
             <a:endParaRPr lang="en-US"/>
           </a:p>
@@ -2913,7 +2917,7 @@
           <a:p>
             <a:fld id="{9A5E46BC-724F-4E92-A585-0C922623FDCA}" type="datetimeFigureOut">
               <a:rPr lang="en-US" smtClean="0"/>
-              <a:t>9/18/2023</a:t>
+              <a:t>9/21/2023</a:t>
             </a:fld>
             <a:endParaRPr lang="en-US"/>
           </a:p>
@@ -4371,12 +4375,1118 @@
               <a:t>Styling for Navigation Logo</a:t>
             </a:r>
           </a:p>
+          <a:p>
+            <a:r>
+              <a:rPr lang="en-US" dirty="0"/>
+              <a:t>Setting Up Firebase</a:t>
+            </a:r>
+          </a:p>
         </p:txBody>
       </p:sp>
     </p:spTree>
     <p:extLst>
       <p:ext uri="{BB962C8B-B14F-4D97-AF65-F5344CB8AC3E}">
         <p14:creationId xmlns:p14="http://schemas.microsoft.com/office/powerpoint/2010/main" val="3308266144"/>
+      </p:ext>
+    </p:extLst>
+  </p:cSld>
+  <p:clrMapOvr>
+    <a:masterClrMapping/>
+  </p:clrMapOvr>
+</p:sld>
+</file>
+
+<file path=ppt/slides/slide6.xml><?xml version="1.0" encoding="utf-8"?>
+<p:sld xmlns:a="http://schemas.openxmlformats.org/drawingml/2006/main" xmlns:r="http://schemas.openxmlformats.org/officeDocument/2006/relationships" xmlns:p="http://schemas.openxmlformats.org/presentationml/2006/main">
+  <p:cSld>
+    <p:spTree>
+      <p:nvGrpSpPr>
+        <p:cNvPr id="1" name=""/>
+        <p:cNvGrpSpPr/>
+        <p:nvPr/>
+      </p:nvGrpSpPr>
+      <p:grpSpPr>
+        <a:xfrm>
+          <a:off x="0" y="0"/>
+          <a:ext cx="0" cy="0"/>
+          <a:chOff x="0" y="0"/>
+          <a:chExt cx="0" cy="0"/>
+        </a:xfrm>
+      </p:grpSpPr>
+      <p:sp>
+        <p:nvSpPr>
+          <p:cNvPr id="4" name="TextBox 3">
+            <a:extLst>
+              <a:ext uri="{FF2B5EF4-FFF2-40B4-BE49-F238E27FC236}">
+                <a16:creationId xmlns:a16="http://schemas.microsoft.com/office/drawing/2014/main" id="{1FF126B4-BB35-7426-B23D-46D3DE257BF7}"/>
+              </a:ext>
+            </a:extLst>
+          </p:cNvPr>
+          <p:cNvSpPr txBox="1"/>
+          <p:nvPr/>
+        </p:nvSpPr>
+        <p:spPr>
+          <a:xfrm>
+            <a:off x="478971" y="275771"/>
+            <a:ext cx="2078774" cy="369332"/>
+          </a:xfrm>
+          <a:prstGeom prst="rect">
+            <a:avLst/>
+          </a:prstGeom>
+          <a:noFill/>
+        </p:spPr>
+        <p:txBody>
+          <a:bodyPr wrap="none" rtlCol="0">
+            <a:spAutoFit/>
+          </a:bodyPr>
+          <a:lstStyle/>
+          <a:p>
+            <a:r>
+              <a:rPr lang="en-US" dirty="0"/>
+              <a:t>Authentication Flow</a:t>
+            </a:r>
+          </a:p>
+        </p:txBody>
+      </p:sp>
+      <p:sp>
+        <p:nvSpPr>
+          <p:cNvPr id="5" name="TextBox 4">
+            <a:extLst>
+              <a:ext uri="{FF2B5EF4-FFF2-40B4-BE49-F238E27FC236}">
+                <a16:creationId xmlns:a16="http://schemas.microsoft.com/office/drawing/2014/main" id="{0B123926-8DC5-BC12-9658-A7222247CA3F}"/>
+              </a:ext>
+            </a:extLst>
+          </p:cNvPr>
+          <p:cNvSpPr txBox="1"/>
+          <p:nvPr/>
+        </p:nvSpPr>
+        <p:spPr>
+          <a:xfrm>
+            <a:off x="1190171" y="2380343"/>
+            <a:ext cx="9811658" cy="2554545"/>
+          </a:xfrm>
+          <a:prstGeom prst="rect">
+            <a:avLst/>
+          </a:prstGeom>
+          <a:noFill/>
+        </p:spPr>
+        <p:txBody>
+          <a:bodyPr wrap="square" rtlCol="0">
+            <a:spAutoFit/>
+          </a:bodyPr>
+          <a:lstStyle/>
+          <a:p>
+            <a:r>
+              <a:rPr lang="en-US" sz="4000" dirty="0"/>
+              <a:t>C – Create </a:t>
+            </a:r>
+          </a:p>
+          <a:p>
+            <a:r>
+              <a:rPr lang="en-US" sz="4000" dirty="0"/>
+              <a:t>R – Read </a:t>
+            </a:r>
+          </a:p>
+          <a:p>
+            <a:r>
+              <a:rPr lang="en-US" sz="4000" dirty="0"/>
+              <a:t>U – Update </a:t>
+            </a:r>
+          </a:p>
+          <a:p>
+            <a:r>
+              <a:rPr lang="en-US" sz="4000" dirty="0"/>
+              <a:t>D – Delete </a:t>
+            </a:r>
+          </a:p>
+        </p:txBody>
+      </p:sp>
+    </p:spTree>
+    <p:extLst>
+      <p:ext uri="{BB962C8B-B14F-4D97-AF65-F5344CB8AC3E}">
+        <p14:creationId xmlns:p14="http://schemas.microsoft.com/office/powerpoint/2010/main" val="3929491012"/>
+      </p:ext>
+    </p:extLst>
+  </p:cSld>
+  <p:clrMapOvr>
+    <a:masterClrMapping/>
+  </p:clrMapOvr>
+</p:sld>
+</file>
+
+<file path=ppt/slides/slide7.xml><?xml version="1.0" encoding="utf-8"?>
+<p:sld xmlns:a="http://schemas.openxmlformats.org/drawingml/2006/main" xmlns:r="http://schemas.openxmlformats.org/officeDocument/2006/relationships" xmlns:p="http://schemas.openxmlformats.org/presentationml/2006/main">
+  <p:cSld>
+    <p:spTree>
+      <p:nvGrpSpPr>
+        <p:cNvPr id="1" name=""/>
+        <p:cNvGrpSpPr/>
+        <p:nvPr/>
+      </p:nvGrpSpPr>
+      <p:grpSpPr>
+        <a:xfrm>
+          <a:off x="0" y="0"/>
+          <a:ext cx="0" cy="0"/>
+          <a:chOff x="0" y="0"/>
+          <a:chExt cx="0" cy="0"/>
+        </a:xfrm>
+      </p:grpSpPr>
+      <p:sp>
+        <p:nvSpPr>
+          <p:cNvPr id="4" name="Rectangle: Diagonal Corners Rounded 3">
+            <a:extLst>
+              <a:ext uri="{FF2B5EF4-FFF2-40B4-BE49-F238E27FC236}">
+                <a16:creationId xmlns:a16="http://schemas.microsoft.com/office/drawing/2014/main" id="{8EF0B082-E97C-ABBF-298A-A43AB32573CA}"/>
+              </a:ext>
+            </a:extLst>
+          </p:cNvPr>
+          <p:cNvSpPr/>
+          <p:nvPr/>
+        </p:nvSpPr>
+        <p:spPr>
+          <a:xfrm>
+            <a:off x="9390743" y="1407886"/>
+            <a:ext cx="2061028" cy="2743200"/>
+          </a:xfrm>
+          <a:prstGeom prst="round2DiagRect">
+            <a:avLst/>
+          </a:prstGeom>
+        </p:spPr>
+        <p:style>
+          <a:lnRef idx="2">
+            <a:schemeClr val="accent1">
+              <a:shade val="15000"/>
+            </a:schemeClr>
+          </a:lnRef>
+          <a:fillRef idx="1">
+            <a:schemeClr val="accent1"/>
+          </a:fillRef>
+          <a:effectRef idx="0">
+            <a:schemeClr val="accent1"/>
+          </a:effectRef>
+          <a:fontRef idx="minor">
+            <a:schemeClr val="lt1"/>
+          </a:fontRef>
+        </p:style>
+        <p:txBody>
+          <a:bodyPr rtlCol="0" anchor="ctr"/>
+          <a:lstStyle/>
+          <a:p>
+            <a:pPr algn="ctr"/>
+            <a:r>
+              <a:rPr lang="en-US" sz="3600" dirty="0"/>
+              <a:t>Firebase</a:t>
+            </a:r>
+          </a:p>
+        </p:txBody>
+      </p:sp>
+      <p:sp>
+        <p:nvSpPr>
+          <p:cNvPr id="5" name="Chord 4">
+            <a:extLst>
+              <a:ext uri="{FF2B5EF4-FFF2-40B4-BE49-F238E27FC236}">
+                <a16:creationId xmlns:a16="http://schemas.microsoft.com/office/drawing/2014/main" id="{AAF1DF0F-C4E4-B541-DB37-9551360DC078}"/>
+              </a:ext>
+            </a:extLst>
+          </p:cNvPr>
+          <p:cNvSpPr/>
+          <p:nvPr/>
+        </p:nvSpPr>
+        <p:spPr>
+          <a:xfrm>
+            <a:off x="595086" y="1262743"/>
+            <a:ext cx="2699657" cy="2046514"/>
+          </a:xfrm>
+          <a:prstGeom prst="chord">
+            <a:avLst/>
+          </a:prstGeom>
+        </p:spPr>
+        <p:style>
+          <a:lnRef idx="2">
+            <a:schemeClr val="accent1">
+              <a:shade val="15000"/>
+            </a:schemeClr>
+          </a:lnRef>
+          <a:fillRef idx="1">
+            <a:schemeClr val="accent1"/>
+          </a:fillRef>
+          <a:effectRef idx="0">
+            <a:schemeClr val="accent1"/>
+          </a:effectRef>
+          <a:fontRef idx="minor">
+            <a:schemeClr val="lt1"/>
+          </a:fontRef>
+        </p:style>
+        <p:txBody>
+          <a:bodyPr rtlCol="0" anchor="ctr"/>
+          <a:lstStyle/>
+          <a:p>
+            <a:r>
+              <a:rPr lang="en-US" sz="2800" dirty="0">
+                <a:ln w="0"/>
+                <a:solidFill>
+                  <a:schemeClr val="tx1"/>
+                </a:solidFill>
+                <a:effectLst>
+                  <a:outerShdw blurRad="38100" dist="19050" dir="2700000" algn="tl" rotWithShape="0">
+                    <a:schemeClr val="dk1">
+                      <a:alpha val="40000"/>
+                    </a:schemeClr>
+                  </a:outerShdw>
+                </a:effectLst>
+              </a:rPr>
+              <a:t>Clothing App</a:t>
+            </a:r>
+          </a:p>
+        </p:txBody>
+      </p:sp>
+      <p:cxnSp>
+        <p:nvCxnSpPr>
+          <p:cNvPr id="7" name="Straight Arrow Connector 6">
+            <a:extLst>
+              <a:ext uri="{FF2B5EF4-FFF2-40B4-BE49-F238E27FC236}">
+                <a16:creationId xmlns:a16="http://schemas.microsoft.com/office/drawing/2014/main" id="{55B2D674-CEFB-4F62-55FB-C081DEA2ECF7}"/>
+              </a:ext>
+            </a:extLst>
+          </p:cNvPr>
+          <p:cNvCxnSpPr/>
+          <p:nvPr/>
+        </p:nvCxnSpPr>
+        <p:spPr>
+          <a:xfrm>
+            <a:off x="2699657" y="1857829"/>
+            <a:ext cx="6066972" cy="0"/>
+          </a:xfrm>
+          <a:prstGeom prst="straightConnector1">
+            <a:avLst/>
+          </a:prstGeom>
+          <a:ln w="57150">
+            <a:tailEnd type="triangle"/>
+          </a:ln>
+        </p:spPr>
+        <p:style>
+          <a:lnRef idx="1">
+            <a:schemeClr val="dk1"/>
+          </a:lnRef>
+          <a:fillRef idx="0">
+            <a:schemeClr val="dk1"/>
+          </a:fillRef>
+          <a:effectRef idx="0">
+            <a:schemeClr val="dk1"/>
+          </a:effectRef>
+          <a:fontRef idx="minor">
+            <a:schemeClr val="tx1"/>
+          </a:fontRef>
+        </p:style>
+      </p:cxnSp>
+      <p:cxnSp>
+        <p:nvCxnSpPr>
+          <p:cNvPr id="8" name="Straight Arrow Connector 7">
+            <a:extLst>
+              <a:ext uri="{FF2B5EF4-FFF2-40B4-BE49-F238E27FC236}">
+                <a16:creationId xmlns:a16="http://schemas.microsoft.com/office/drawing/2014/main" id="{6199E5EC-1C58-77FA-B462-10810E0D6747}"/>
+              </a:ext>
+            </a:extLst>
+          </p:cNvPr>
+          <p:cNvCxnSpPr>
+            <a:cxnSpLocks/>
+          </p:cNvCxnSpPr>
+          <p:nvPr/>
+        </p:nvCxnSpPr>
+        <p:spPr>
+          <a:xfrm flipH="1">
+            <a:off x="2852057" y="2772229"/>
+            <a:ext cx="5711372" cy="0"/>
+          </a:xfrm>
+          <a:prstGeom prst="straightConnector1">
+            <a:avLst/>
+          </a:prstGeom>
+          <a:ln w="57150">
+            <a:tailEnd type="triangle"/>
+          </a:ln>
+        </p:spPr>
+        <p:style>
+          <a:lnRef idx="1">
+            <a:schemeClr val="dk1"/>
+          </a:lnRef>
+          <a:fillRef idx="0">
+            <a:schemeClr val="dk1"/>
+          </a:fillRef>
+          <a:effectRef idx="0">
+            <a:schemeClr val="dk1"/>
+          </a:effectRef>
+          <a:fontRef idx="minor">
+            <a:schemeClr val="tx1"/>
+          </a:fontRef>
+        </p:style>
+      </p:cxnSp>
+      <p:sp>
+        <p:nvSpPr>
+          <p:cNvPr id="11" name="TextBox 10">
+            <a:extLst>
+              <a:ext uri="{FF2B5EF4-FFF2-40B4-BE49-F238E27FC236}">
+                <a16:creationId xmlns:a16="http://schemas.microsoft.com/office/drawing/2014/main" id="{52C62800-B634-E9BB-1674-57CB71BBE2BD}"/>
+              </a:ext>
+            </a:extLst>
+          </p:cNvPr>
+          <p:cNvSpPr txBox="1"/>
+          <p:nvPr/>
+        </p:nvSpPr>
+        <p:spPr>
+          <a:xfrm>
+            <a:off x="4586513" y="2772229"/>
+            <a:ext cx="1900007" cy="523220"/>
+          </a:xfrm>
+          <a:prstGeom prst="rect">
+            <a:avLst/>
+          </a:prstGeom>
+          <a:noFill/>
+        </p:spPr>
+        <p:txBody>
+          <a:bodyPr wrap="none" rtlCol="0">
+            <a:spAutoFit/>
+          </a:bodyPr>
+          <a:lstStyle/>
+          <a:p>
+            <a:r>
+              <a:rPr lang="en-US" sz="2800" dirty="0"/>
+              <a:t>Return data</a:t>
+            </a:r>
+          </a:p>
+        </p:txBody>
+      </p:sp>
+      <p:sp>
+        <p:nvSpPr>
+          <p:cNvPr id="12" name="TextBox 11">
+            <a:extLst>
+              <a:ext uri="{FF2B5EF4-FFF2-40B4-BE49-F238E27FC236}">
+                <a16:creationId xmlns:a16="http://schemas.microsoft.com/office/drawing/2014/main" id="{E4A5CB6B-D6C0-B0E5-DCD7-18C56DE967AA}"/>
+              </a:ext>
+            </a:extLst>
+          </p:cNvPr>
+          <p:cNvSpPr txBox="1"/>
+          <p:nvPr/>
+        </p:nvSpPr>
+        <p:spPr>
+          <a:xfrm>
+            <a:off x="4586513" y="1262743"/>
+            <a:ext cx="1704313" cy="523220"/>
+          </a:xfrm>
+          <a:prstGeom prst="rect">
+            <a:avLst/>
+          </a:prstGeom>
+          <a:noFill/>
+        </p:spPr>
+        <p:txBody>
+          <a:bodyPr wrap="none" rtlCol="0">
+            <a:spAutoFit/>
+          </a:bodyPr>
+          <a:lstStyle/>
+          <a:p>
+            <a:r>
+              <a:rPr lang="en-US" sz="2800" dirty="0"/>
+              <a:t>Fetch data</a:t>
+            </a:r>
+          </a:p>
+        </p:txBody>
+      </p:sp>
+    </p:spTree>
+    <p:extLst>
+      <p:ext uri="{BB962C8B-B14F-4D97-AF65-F5344CB8AC3E}">
+        <p14:creationId xmlns:p14="http://schemas.microsoft.com/office/powerpoint/2010/main" val="3288831332"/>
+      </p:ext>
+    </p:extLst>
+  </p:cSld>
+  <p:clrMapOvr>
+    <a:masterClrMapping/>
+  </p:clrMapOvr>
+</p:sld>
+</file>
+
+<file path=ppt/slides/slide8.xml><?xml version="1.0" encoding="utf-8"?>
+<p:sld xmlns:a="http://schemas.openxmlformats.org/drawingml/2006/main" xmlns:r="http://schemas.openxmlformats.org/officeDocument/2006/relationships" xmlns:p="http://schemas.openxmlformats.org/presentationml/2006/main">
+  <p:cSld>
+    <p:spTree>
+      <p:nvGrpSpPr>
+        <p:cNvPr id="1" name=""/>
+        <p:cNvGrpSpPr/>
+        <p:nvPr/>
+      </p:nvGrpSpPr>
+      <p:grpSpPr>
+        <a:xfrm>
+          <a:off x="0" y="0"/>
+          <a:ext cx="0" cy="0"/>
+          <a:chOff x="0" y="0"/>
+          <a:chExt cx="0" cy="0"/>
+        </a:xfrm>
+      </p:grpSpPr>
+      <p:sp>
+        <p:nvSpPr>
+          <p:cNvPr id="4" name="Rectangle: Diagonal Corners Rounded 3">
+            <a:extLst>
+              <a:ext uri="{FF2B5EF4-FFF2-40B4-BE49-F238E27FC236}">
+                <a16:creationId xmlns:a16="http://schemas.microsoft.com/office/drawing/2014/main" id="{8EF0B082-E97C-ABBF-298A-A43AB32573CA}"/>
+              </a:ext>
+            </a:extLst>
+          </p:cNvPr>
+          <p:cNvSpPr/>
+          <p:nvPr/>
+        </p:nvSpPr>
+        <p:spPr>
+          <a:xfrm>
+            <a:off x="9042399" y="152753"/>
+            <a:ext cx="2061028" cy="2743200"/>
+          </a:xfrm>
+          <a:prstGeom prst="round2DiagRect">
+            <a:avLst/>
+          </a:prstGeom>
+        </p:spPr>
+        <p:style>
+          <a:lnRef idx="2">
+            <a:schemeClr val="accent1">
+              <a:shade val="15000"/>
+            </a:schemeClr>
+          </a:lnRef>
+          <a:fillRef idx="1">
+            <a:schemeClr val="accent1"/>
+          </a:fillRef>
+          <a:effectRef idx="0">
+            <a:schemeClr val="accent1"/>
+          </a:effectRef>
+          <a:fontRef idx="minor">
+            <a:schemeClr val="lt1"/>
+          </a:fontRef>
+        </p:style>
+        <p:txBody>
+          <a:bodyPr rtlCol="0" anchor="ctr"/>
+          <a:lstStyle/>
+          <a:p>
+            <a:pPr algn="ctr"/>
+            <a:r>
+              <a:rPr lang="en-US" sz="3600" dirty="0"/>
+              <a:t>Firebase</a:t>
+            </a:r>
+          </a:p>
+        </p:txBody>
+      </p:sp>
+      <p:sp>
+        <p:nvSpPr>
+          <p:cNvPr id="5" name="Chord 4">
+            <a:extLst>
+              <a:ext uri="{FF2B5EF4-FFF2-40B4-BE49-F238E27FC236}">
+                <a16:creationId xmlns:a16="http://schemas.microsoft.com/office/drawing/2014/main" id="{AAF1DF0F-C4E4-B541-DB37-9551360DC078}"/>
+              </a:ext>
+            </a:extLst>
+          </p:cNvPr>
+          <p:cNvSpPr/>
+          <p:nvPr/>
+        </p:nvSpPr>
+        <p:spPr>
+          <a:xfrm>
+            <a:off x="986971" y="2101333"/>
+            <a:ext cx="2699657" cy="2046514"/>
+          </a:xfrm>
+          <a:prstGeom prst="chord">
+            <a:avLst/>
+          </a:prstGeom>
+        </p:spPr>
+        <p:style>
+          <a:lnRef idx="2">
+            <a:schemeClr val="accent1">
+              <a:shade val="15000"/>
+            </a:schemeClr>
+          </a:lnRef>
+          <a:fillRef idx="1">
+            <a:schemeClr val="accent1"/>
+          </a:fillRef>
+          <a:effectRef idx="0">
+            <a:schemeClr val="accent1"/>
+          </a:effectRef>
+          <a:fontRef idx="minor">
+            <a:schemeClr val="lt1"/>
+          </a:fontRef>
+        </p:style>
+        <p:txBody>
+          <a:bodyPr rtlCol="0" anchor="ctr"/>
+          <a:lstStyle/>
+          <a:p>
+            <a:r>
+              <a:rPr lang="en-US" sz="2800" dirty="0">
+                <a:ln w="0"/>
+                <a:solidFill>
+                  <a:schemeClr val="tx1"/>
+                </a:solidFill>
+                <a:effectLst>
+                  <a:outerShdw blurRad="38100" dist="19050" dir="2700000" algn="tl" rotWithShape="0">
+                    <a:schemeClr val="dk1">
+                      <a:alpha val="40000"/>
+                    </a:schemeClr>
+                  </a:outerShdw>
+                </a:effectLst>
+              </a:rPr>
+              <a:t>Clothing App</a:t>
+            </a:r>
+          </a:p>
+        </p:txBody>
+      </p:sp>
+      <p:sp>
+        <p:nvSpPr>
+          <p:cNvPr id="2" name="TextBox 1">
+            <a:extLst>
+              <a:ext uri="{FF2B5EF4-FFF2-40B4-BE49-F238E27FC236}">
+                <a16:creationId xmlns:a16="http://schemas.microsoft.com/office/drawing/2014/main" id="{EC6EC623-F47F-0CCE-A457-0CA5F47EC9AF}"/>
+              </a:ext>
+            </a:extLst>
+          </p:cNvPr>
+          <p:cNvSpPr txBox="1"/>
+          <p:nvPr/>
+        </p:nvSpPr>
+        <p:spPr>
+          <a:xfrm>
+            <a:off x="1498726" y="4249839"/>
+            <a:ext cx="1284262" cy="369332"/>
+          </a:xfrm>
+          <a:prstGeom prst="rect">
+            <a:avLst/>
+          </a:prstGeom>
+          <a:noFill/>
+        </p:spPr>
+        <p:txBody>
+          <a:bodyPr wrap="none" rtlCol="0">
+            <a:spAutoFit/>
+          </a:bodyPr>
+          <a:lstStyle/>
+          <a:p>
+            <a:r>
+              <a:rPr lang="en-US" dirty="0" err="1"/>
+              <a:t>Auth_token</a:t>
+            </a:r>
+            <a:endParaRPr lang="en-US" dirty="0"/>
+          </a:p>
+        </p:txBody>
+      </p:sp>
+      <p:sp>
+        <p:nvSpPr>
+          <p:cNvPr id="3" name="Cloud 2">
+            <a:extLst>
+              <a:ext uri="{FF2B5EF4-FFF2-40B4-BE49-F238E27FC236}">
+                <a16:creationId xmlns:a16="http://schemas.microsoft.com/office/drawing/2014/main" id="{C752B468-B429-5D17-CFCF-D08333FA2B16}"/>
+              </a:ext>
+            </a:extLst>
+          </p:cNvPr>
+          <p:cNvSpPr/>
+          <p:nvPr/>
+        </p:nvSpPr>
+        <p:spPr>
+          <a:xfrm>
+            <a:off x="8215085" y="4619171"/>
+            <a:ext cx="3715657" cy="1661886"/>
+          </a:xfrm>
+          <a:prstGeom prst="cloud">
+            <a:avLst/>
+          </a:prstGeom>
+        </p:spPr>
+        <p:style>
+          <a:lnRef idx="2">
+            <a:schemeClr val="accent1">
+              <a:shade val="15000"/>
+            </a:schemeClr>
+          </a:lnRef>
+          <a:fillRef idx="1">
+            <a:schemeClr val="accent1"/>
+          </a:fillRef>
+          <a:effectRef idx="0">
+            <a:schemeClr val="accent1"/>
+          </a:effectRef>
+          <a:fontRef idx="minor">
+            <a:schemeClr val="lt1"/>
+          </a:fontRef>
+        </p:style>
+        <p:txBody>
+          <a:bodyPr rtlCol="0" anchor="ctr"/>
+          <a:lstStyle/>
+          <a:p>
+            <a:pPr algn="ctr"/>
+            <a:r>
+              <a:rPr lang="en-US" sz="3600" dirty="0"/>
+              <a:t>Google</a:t>
+            </a:r>
+          </a:p>
+        </p:txBody>
+      </p:sp>
+      <p:cxnSp>
+        <p:nvCxnSpPr>
+          <p:cNvPr id="9" name="Straight Arrow Connector 8">
+            <a:extLst>
+              <a:ext uri="{FF2B5EF4-FFF2-40B4-BE49-F238E27FC236}">
+                <a16:creationId xmlns:a16="http://schemas.microsoft.com/office/drawing/2014/main" id="{D865665A-1A1B-9773-2E77-76BC8FEAB0EB}"/>
+              </a:ext>
+            </a:extLst>
+          </p:cNvPr>
+          <p:cNvCxnSpPr/>
+          <p:nvPr/>
+        </p:nvCxnSpPr>
+        <p:spPr>
+          <a:xfrm flipH="1" flipV="1">
+            <a:off x="3294743" y="3733410"/>
+            <a:ext cx="4441371" cy="2144876"/>
+          </a:xfrm>
+          <a:prstGeom prst="straightConnector1">
+            <a:avLst/>
+          </a:prstGeom>
+          <a:ln>
+            <a:tailEnd type="triangle"/>
+          </a:ln>
+        </p:spPr>
+        <p:style>
+          <a:lnRef idx="1">
+            <a:schemeClr val="accent1"/>
+          </a:lnRef>
+          <a:fillRef idx="0">
+            <a:schemeClr val="accent1"/>
+          </a:fillRef>
+          <a:effectRef idx="0">
+            <a:schemeClr val="accent1"/>
+          </a:effectRef>
+          <a:fontRef idx="minor">
+            <a:schemeClr val="tx1"/>
+          </a:fontRef>
+        </p:style>
+      </p:cxnSp>
+      <p:sp>
+        <p:nvSpPr>
+          <p:cNvPr id="10" name="TextBox 9">
+            <a:extLst>
+              <a:ext uri="{FF2B5EF4-FFF2-40B4-BE49-F238E27FC236}">
+                <a16:creationId xmlns:a16="http://schemas.microsoft.com/office/drawing/2014/main" id="{3845BEEF-29FC-BAD9-D828-ABA4611D85C7}"/>
+              </a:ext>
+            </a:extLst>
+          </p:cNvPr>
+          <p:cNvSpPr txBox="1"/>
+          <p:nvPr/>
+        </p:nvSpPr>
+        <p:spPr>
+          <a:xfrm>
+            <a:off x="5167086" y="4252686"/>
+            <a:ext cx="1485471" cy="369332"/>
+          </a:xfrm>
+          <a:prstGeom prst="rect">
+            <a:avLst/>
+          </a:prstGeom>
+          <a:noFill/>
+        </p:spPr>
+        <p:txBody>
+          <a:bodyPr wrap="none" rtlCol="0">
+            <a:spAutoFit/>
+          </a:bodyPr>
+          <a:lstStyle/>
+          <a:p>
+            <a:r>
+              <a:rPr lang="en-US" dirty="0"/>
+              <a:t>Respond back</a:t>
+            </a:r>
+          </a:p>
+        </p:txBody>
+      </p:sp>
+      <p:cxnSp>
+        <p:nvCxnSpPr>
+          <p:cNvPr id="14" name="Straight Arrow Connector 13">
+            <a:extLst>
+              <a:ext uri="{FF2B5EF4-FFF2-40B4-BE49-F238E27FC236}">
+                <a16:creationId xmlns:a16="http://schemas.microsoft.com/office/drawing/2014/main" id="{1F43554D-89D6-9AA5-3E52-399B9461F1EC}"/>
+              </a:ext>
+            </a:extLst>
+          </p:cNvPr>
+          <p:cNvCxnSpPr/>
+          <p:nvPr/>
+        </p:nvCxnSpPr>
+        <p:spPr>
+          <a:xfrm flipV="1">
+            <a:off x="3294743" y="1770743"/>
+            <a:ext cx="4920342" cy="1538514"/>
+          </a:xfrm>
+          <a:prstGeom prst="straightConnector1">
+            <a:avLst/>
+          </a:prstGeom>
+          <a:ln>
+            <a:tailEnd type="triangle"/>
+          </a:ln>
+        </p:spPr>
+        <p:style>
+          <a:lnRef idx="1">
+            <a:schemeClr val="accent1"/>
+          </a:lnRef>
+          <a:fillRef idx="0">
+            <a:schemeClr val="accent1"/>
+          </a:fillRef>
+          <a:effectRef idx="0">
+            <a:schemeClr val="accent1"/>
+          </a:effectRef>
+          <a:fontRef idx="minor">
+            <a:schemeClr val="tx1"/>
+          </a:fontRef>
+        </p:style>
+      </p:cxnSp>
+      <p:sp>
+        <p:nvSpPr>
+          <p:cNvPr id="15" name="TextBox 14">
+            <a:extLst>
+              <a:ext uri="{FF2B5EF4-FFF2-40B4-BE49-F238E27FC236}">
+                <a16:creationId xmlns:a16="http://schemas.microsoft.com/office/drawing/2014/main" id="{809ACF24-EE6B-2104-B962-35968E2E3CCF}"/>
+              </a:ext>
+            </a:extLst>
+          </p:cNvPr>
+          <p:cNvSpPr txBox="1"/>
+          <p:nvPr/>
+        </p:nvSpPr>
+        <p:spPr>
+          <a:xfrm>
+            <a:off x="4252686" y="2177143"/>
+            <a:ext cx="1232966" cy="369332"/>
+          </a:xfrm>
+          <a:prstGeom prst="rect">
+            <a:avLst/>
+          </a:prstGeom>
+          <a:noFill/>
+        </p:spPr>
+        <p:txBody>
+          <a:bodyPr wrap="none" rtlCol="0">
+            <a:spAutoFit/>
+          </a:bodyPr>
+          <a:lstStyle/>
+          <a:p>
+            <a:r>
+              <a:rPr lang="en-US" dirty="0"/>
+              <a:t>Send token</a:t>
+            </a:r>
+          </a:p>
+        </p:txBody>
+      </p:sp>
+      <p:sp>
+        <p:nvSpPr>
+          <p:cNvPr id="16" name="TextBox 15">
+            <a:extLst>
+              <a:ext uri="{FF2B5EF4-FFF2-40B4-BE49-F238E27FC236}">
+                <a16:creationId xmlns:a16="http://schemas.microsoft.com/office/drawing/2014/main" id="{06C04C12-6E4B-AFF1-8A29-8A3B3E71B306}"/>
+              </a:ext>
+            </a:extLst>
+          </p:cNvPr>
+          <p:cNvSpPr txBox="1"/>
+          <p:nvPr/>
+        </p:nvSpPr>
+        <p:spPr>
+          <a:xfrm>
+            <a:off x="9317917" y="2994746"/>
+            <a:ext cx="1284262" cy="369332"/>
+          </a:xfrm>
+          <a:prstGeom prst="rect">
+            <a:avLst/>
+          </a:prstGeom>
+          <a:noFill/>
+        </p:spPr>
+        <p:txBody>
+          <a:bodyPr wrap="none" rtlCol="0">
+            <a:spAutoFit/>
+          </a:bodyPr>
+          <a:lstStyle/>
+          <a:p>
+            <a:r>
+              <a:rPr lang="en-US" dirty="0" err="1"/>
+              <a:t>Auth_token</a:t>
+            </a:r>
+            <a:endParaRPr lang="en-US" dirty="0"/>
+          </a:p>
+        </p:txBody>
+      </p:sp>
+      <p:cxnSp>
+        <p:nvCxnSpPr>
+          <p:cNvPr id="18" name="Straight Arrow Connector 17">
+            <a:extLst>
+              <a:ext uri="{FF2B5EF4-FFF2-40B4-BE49-F238E27FC236}">
+                <a16:creationId xmlns:a16="http://schemas.microsoft.com/office/drawing/2014/main" id="{4E615CF2-705D-B0ED-1267-CF0F2E3BB610}"/>
+              </a:ext>
+            </a:extLst>
+          </p:cNvPr>
+          <p:cNvCxnSpPr/>
+          <p:nvPr/>
+        </p:nvCxnSpPr>
+        <p:spPr>
+          <a:xfrm>
+            <a:off x="8534400" y="2895953"/>
+            <a:ext cx="928914" cy="1541399"/>
+          </a:xfrm>
+          <a:prstGeom prst="straightConnector1">
+            <a:avLst/>
+          </a:prstGeom>
+          <a:ln>
+            <a:tailEnd type="triangle"/>
+          </a:ln>
+        </p:spPr>
+        <p:style>
+          <a:lnRef idx="1">
+            <a:schemeClr val="accent1"/>
+          </a:lnRef>
+          <a:fillRef idx="0">
+            <a:schemeClr val="accent1"/>
+          </a:fillRef>
+          <a:effectRef idx="0">
+            <a:schemeClr val="accent1"/>
+          </a:effectRef>
+          <a:fontRef idx="minor">
+            <a:schemeClr val="tx1"/>
+          </a:fontRef>
+        </p:style>
+      </p:cxnSp>
+      <p:sp>
+        <p:nvSpPr>
+          <p:cNvPr id="19" name="TextBox 18">
+            <a:extLst>
+              <a:ext uri="{FF2B5EF4-FFF2-40B4-BE49-F238E27FC236}">
+                <a16:creationId xmlns:a16="http://schemas.microsoft.com/office/drawing/2014/main" id="{9696925C-1B05-FC91-67C9-65CC30EC9C55}"/>
+              </a:ext>
+            </a:extLst>
+          </p:cNvPr>
+          <p:cNvSpPr txBox="1"/>
+          <p:nvPr/>
+        </p:nvSpPr>
+        <p:spPr>
+          <a:xfrm>
+            <a:off x="8215085" y="4020457"/>
+            <a:ext cx="1312411" cy="369332"/>
+          </a:xfrm>
+          <a:prstGeom prst="rect">
+            <a:avLst/>
+          </a:prstGeom>
+          <a:noFill/>
+        </p:spPr>
+        <p:txBody>
+          <a:bodyPr wrap="none" rtlCol="0">
+            <a:spAutoFit/>
+          </a:bodyPr>
+          <a:lstStyle/>
+          <a:p>
+            <a:r>
+              <a:rPr lang="en-US" dirty="0"/>
+              <a:t>Verify token</a:t>
+            </a:r>
+          </a:p>
+        </p:txBody>
+      </p:sp>
+      <p:cxnSp>
+        <p:nvCxnSpPr>
+          <p:cNvPr id="21" name="Straight Arrow Connector 20">
+            <a:extLst>
+              <a:ext uri="{FF2B5EF4-FFF2-40B4-BE49-F238E27FC236}">
+                <a16:creationId xmlns:a16="http://schemas.microsoft.com/office/drawing/2014/main" id="{3FBDD4A0-0B07-B05E-C95E-123FA0F5F281}"/>
+              </a:ext>
+            </a:extLst>
+          </p:cNvPr>
+          <p:cNvCxnSpPr/>
+          <p:nvPr/>
+        </p:nvCxnSpPr>
+        <p:spPr>
+          <a:xfrm flipH="1" flipV="1">
+            <a:off x="11103427" y="2994746"/>
+            <a:ext cx="377373" cy="1395043"/>
+          </a:xfrm>
+          <a:prstGeom prst="straightConnector1">
+            <a:avLst/>
+          </a:prstGeom>
+          <a:ln>
+            <a:tailEnd type="triangle"/>
+          </a:ln>
+        </p:spPr>
+        <p:style>
+          <a:lnRef idx="1">
+            <a:schemeClr val="accent1"/>
+          </a:lnRef>
+          <a:fillRef idx="0">
+            <a:schemeClr val="accent1"/>
+          </a:fillRef>
+          <a:effectRef idx="0">
+            <a:schemeClr val="accent1"/>
+          </a:effectRef>
+          <a:fontRef idx="minor">
+            <a:schemeClr val="tx1"/>
+          </a:fontRef>
+        </p:style>
+      </p:cxnSp>
+      <p:sp>
+        <p:nvSpPr>
+          <p:cNvPr id="22" name="TextBox 21">
+            <a:extLst>
+              <a:ext uri="{FF2B5EF4-FFF2-40B4-BE49-F238E27FC236}">
+                <a16:creationId xmlns:a16="http://schemas.microsoft.com/office/drawing/2014/main" id="{44876FE4-BCC5-73BD-83CC-A12B22898AF3}"/>
+              </a:ext>
+            </a:extLst>
+          </p:cNvPr>
+          <p:cNvSpPr txBox="1"/>
+          <p:nvPr/>
+        </p:nvSpPr>
+        <p:spPr>
+          <a:xfrm>
+            <a:off x="10421257" y="3875314"/>
+            <a:ext cx="1521763" cy="369332"/>
+          </a:xfrm>
+          <a:prstGeom prst="rect">
+            <a:avLst/>
+          </a:prstGeom>
+          <a:noFill/>
+        </p:spPr>
+        <p:txBody>
+          <a:bodyPr wrap="none" rtlCol="0">
+            <a:spAutoFit/>
+          </a:bodyPr>
+          <a:lstStyle/>
+          <a:p>
+            <a:r>
+              <a:rPr lang="en-US" dirty="0"/>
+              <a:t>Confirm token</a:t>
+            </a:r>
+          </a:p>
+        </p:txBody>
+      </p:sp>
+      <p:cxnSp>
+        <p:nvCxnSpPr>
+          <p:cNvPr id="24" name="Straight Arrow Connector 23">
+            <a:extLst>
+              <a:ext uri="{FF2B5EF4-FFF2-40B4-BE49-F238E27FC236}">
+                <a16:creationId xmlns:a16="http://schemas.microsoft.com/office/drawing/2014/main" id="{8E9FC7EE-8D01-6060-C0EA-FF70B1218734}"/>
+              </a:ext>
+            </a:extLst>
+          </p:cNvPr>
+          <p:cNvCxnSpPr/>
+          <p:nvPr/>
+        </p:nvCxnSpPr>
+        <p:spPr>
+          <a:xfrm flipH="1">
+            <a:off x="2815771" y="449943"/>
+            <a:ext cx="6055519" cy="1596571"/>
+          </a:xfrm>
+          <a:prstGeom prst="straightConnector1">
+            <a:avLst/>
+          </a:prstGeom>
+          <a:ln>
+            <a:tailEnd type="triangle"/>
+          </a:ln>
+        </p:spPr>
+        <p:style>
+          <a:lnRef idx="1">
+            <a:schemeClr val="dk1"/>
+          </a:lnRef>
+          <a:fillRef idx="0">
+            <a:schemeClr val="dk1"/>
+          </a:fillRef>
+          <a:effectRef idx="0">
+            <a:schemeClr val="dk1"/>
+          </a:effectRef>
+          <a:fontRef idx="minor">
+            <a:schemeClr val="tx1"/>
+          </a:fontRef>
+        </p:style>
+      </p:cxnSp>
+      <p:sp>
+        <p:nvSpPr>
+          <p:cNvPr id="25" name="TextBox 24">
+            <a:extLst>
+              <a:ext uri="{FF2B5EF4-FFF2-40B4-BE49-F238E27FC236}">
+                <a16:creationId xmlns:a16="http://schemas.microsoft.com/office/drawing/2014/main" id="{4C53FD28-A116-8E59-CEEE-5A1CA59298EC}"/>
+              </a:ext>
+            </a:extLst>
+          </p:cNvPr>
+          <p:cNvSpPr txBox="1"/>
+          <p:nvPr/>
+        </p:nvSpPr>
+        <p:spPr>
+          <a:xfrm>
+            <a:off x="3889829" y="1045029"/>
+            <a:ext cx="1726498" cy="369332"/>
+          </a:xfrm>
+          <a:prstGeom prst="rect">
+            <a:avLst/>
+          </a:prstGeom>
+          <a:noFill/>
+        </p:spPr>
+        <p:txBody>
+          <a:bodyPr wrap="none" rtlCol="0">
+            <a:spAutoFit/>
+          </a:bodyPr>
+          <a:lstStyle/>
+          <a:p>
+            <a:r>
+              <a:rPr lang="en-US" dirty="0"/>
+              <a:t>Return response</a:t>
+            </a:r>
+          </a:p>
+        </p:txBody>
+      </p:sp>
+    </p:spTree>
+    <p:extLst>
+      <p:ext uri="{BB962C8B-B14F-4D97-AF65-F5344CB8AC3E}">
+        <p14:creationId xmlns:p14="http://schemas.microsoft.com/office/powerpoint/2010/main" val="4009548158"/>
+      </p:ext>
+    </p:extLst>
+  </p:cSld>
+  <p:clrMapOvr>
+    <a:masterClrMapping/>
+  </p:clrMapOvr>
+</p:sld>
+</file>
+
+<file path=ppt/slides/slide9.xml><?xml version="1.0" encoding="utf-8"?>
+<p:sld xmlns:a="http://schemas.openxmlformats.org/drawingml/2006/main" xmlns:r="http://schemas.openxmlformats.org/officeDocument/2006/relationships" xmlns:p="http://schemas.openxmlformats.org/presentationml/2006/main">
+  <p:cSld>
+    <p:spTree>
+      <p:nvGrpSpPr>
+        <p:cNvPr id="1" name=""/>
+        <p:cNvGrpSpPr/>
+        <p:nvPr/>
+      </p:nvGrpSpPr>
+      <p:grpSpPr>
+        <a:xfrm>
+          <a:off x="0" y="0"/>
+          <a:ext cx="0" cy="0"/>
+          <a:chOff x="0" y="0"/>
+          <a:chExt cx="0" cy="0"/>
+        </a:xfrm>
+      </p:grpSpPr>
+      <p:sp>
+        <p:nvSpPr>
+          <p:cNvPr id="3" name="Content Placeholder 2">
+            <a:extLst>
+              <a:ext uri="{FF2B5EF4-FFF2-40B4-BE49-F238E27FC236}">
+                <a16:creationId xmlns:a16="http://schemas.microsoft.com/office/drawing/2014/main" id="{19763195-B3D1-599A-5947-1949B05CCD4C}"/>
+              </a:ext>
+            </a:extLst>
+          </p:cNvPr>
+          <p:cNvSpPr>
+            <a:spLocks noGrp="1"/>
+          </p:cNvSpPr>
+          <p:nvPr>
+            <p:ph idx="1"/>
+          </p:nvPr>
+        </p:nvSpPr>
+        <p:spPr>
+          <a:xfrm>
+            <a:off x="838200" y="304800"/>
+            <a:ext cx="10515600" cy="5872163"/>
+          </a:xfrm>
+        </p:spPr>
+        <p:txBody>
+          <a:bodyPr/>
+          <a:lstStyle/>
+          <a:p>
+            <a:r>
+              <a:rPr lang="en-US" dirty="0"/>
+              <a:t>Generalizing Form Input Component</a:t>
+            </a:r>
+          </a:p>
+        </p:txBody>
+      </p:sp>
+    </p:spTree>
+    <p:extLst>
+      <p:ext uri="{BB962C8B-B14F-4D97-AF65-F5344CB8AC3E}">
+        <p14:creationId xmlns:p14="http://schemas.microsoft.com/office/powerpoint/2010/main" val="2533297870"/>
       </p:ext>
     </p:extLst>
   </p:cSld>

--- a/ReactJSNew/Reactjs.pptx
+++ b/ReactJSNew/Reactjs.pptx
@@ -267,7 +267,7 @@
           <a:p>
             <a:fld id="{9A5E46BC-724F-4E92-A585-0C922623FDCA}" type="datetimeFigureOut">
               <a:rPr lang="en-US" smtClean="0"/>
-              <a:t>9/21/2023</a:t>
+              <a:t>9/25/2023</a:t>
             </a:fld>
             <a:endParaRPr lang="en-US"/>
           </a:p>
@@ -465,7 +465,7 @@
           <a:p>
             <a:fld id="{9A5E46BC-724F-4E92-A585-0C922623FDCA}" type="datetimeFigureOut">
               <a:rPr lang="en-US" smtClean="0"/>
-              <a:t>9/21/2023</a:t>
+              <a:t>9/25/2023</a:t>
             </a:fld>
             <a:endParaRPr lang="en-US"/>
           </a:p>
@@ -673,7 +673,7 @@
           <a:p>
             <a:fld id="{9A5E46BC-724F-4E92-A585-0C922623FDCA}" type="datetimeFigureOut">
               <a:rPr lang="en-US" smtClean="0"/>
-              <a:t>9/21/2023</a:t>
+              <a:t>9/25/2023</a:t>
             </a:fld>
             <a:endParaRPr lang="en-US"/>
           </a:p>
@@ -871,7 +871,7 @@
           <a:p>
             <a:fld id="{9A5E46BC-724F-4E92-A585-0C922623FDCA}" type="datetimeFigureOut">
               <a:rPr lang="en-US" smtClean="0"/>
-              <a:t>9/21/2023</a:t>
+              <a:t>9/25/2023</a:t>
             </a:fld>
             <a:endParaRPr lang="en-US"/>
           </a:p>
@@ -1146,7 +1146,7 @@
           <a:p>
             <a:fld id="{9A5E46BC-724F-4E92-A585-0C922623FDCA}" type="datetimeFigureOut">
               <a:rPr lang="en-US" smtClean="0"/>
-              <a:t>9/21/2023</a:t>
+              <a:t>9/25/2023</a:t>
             </a:fld>
             <a:endParaRPr lang="en-US"/>
           </a:p>
@@ -1411,7 +1411,7 @@
           <a:p>
             <a:fld id="{9A5E46BC-724F-4E92-A585-0C922623FDCA}" type="datetimeFigureOut">
               <a:rPr lang="en-US" smtClean="0"/>
-              <a:t>9/21/2023</a:t>
+              <a:t>9/25/2023</a:t>
             </a:fld>
             <a:endParaRPr lang="en-US"/>
           </a:p>
@@ -1823,7 +1823,7 @@
           <a:p>
             <a:fld id="{9A5E46BC-724F-4E92-A585-0C922623FDCA}" type="datetimeFigureOut">
               <a:rPr lang="en-US" smtClean="0"/>
-              <a:t>9/21/2023</a:t>
+              <a:t>9/25/2023</a:t>
             </a:fld>
             <a:endParaRPr lang="en-US"/>
           </a:p>
@@ -1964,7 +1964,7 @@
           <a:p>
             <a:fld id="{9A5E46BC-724F-4E92-A585-0C922623FDCA}" type="datetimeFigureOut">
               <a:rPr lang="en-US" smtClean="0"/>
-              <a:t>9/21/2023</a:t>
+              <a:t>9/25/2023</a:t>
             </a:fld>
             <a:endParaRPr lang="en-US"/>
           </a:p>
@@ -2077,7 +2077,7 @@
           <a:p>
             <a:fld id="{9A5E46BC-724F-4E92-A585-0C922623FDCA}" type="datetimeFigureOut">
               <a:rPr lang="en-US" smtClean="0"/>
-              <a:t>9/21/2023</a:t>
+              <a:t>9/25/2023</a:t>
             </a:fld>
             <a:endParaRPr lang="en-US"/>
           </a:p>
@@ -2388,7 +2388,7 @@
           <a:p>
             <a:fld id="{9A5E46BC-724F-4E92-A585-0C922623FDCA}" type="datetimeFigureOut">
               <a:rPr lang="en-US" smtClean="0"/>
-              <a:t>9/21/2023</a:t>
+              <a:t>9/25/2023</a:t>
             </a:fld>
             <a:endParaRPr lang="en-US"/>
           </a:p>
@@ -2676,7 +2676,7 @@
           <a:p>
             <a:fld id="{9A5E46BC-724F-4E92-A585-0C922623FDCA}" type="datetimeFigureOut">
               <a:rPr lang="en-US" smtClean="0"/>
-              <a:t>9/21/2023</a:t>
+              <a:t>9/25/2023</a:t>
             </a:fld>
             <a:endParaRPr lang="en-US"/>
           </a:p>
@@ -2917,7 +2917,7 @@
           <a:p>
             <a:fld id="{9A5E46BC-724F-4E92-A585-0C922623FDCA}" type="datetimeFigureOut">
               <a:rPr lang="en-US" smtClean="0"/>
-              <a:t>9/21/2023</a:t>
+              <a:t>9/25/2023</a:t>
             </a:fld>
             <a:endParaRPr lang="en-US"/>
           </a:p>
@@ -5481,6 +5481,54 @@
               <a:t>Generalizing Form Input Component</a:t>
             </a:r>
           </a:p>
+          <a:p>
+            <a:r>
+              <a:rPr lang="en-US" dirty="0"/>
+              <a:t>Firestore Data Models</a:t>
+            </a:r>
+          </a:p>
+          <a:p>
+            <a:r>
+              <a:rPr lang="en-US" dirty="0"/>
+              <a:t>Setting up user Documents</a:t>
+            </a:r>
+          </a:p>
+          <a:p>
+            <a:r>
+              <a:rPr lang="en-US" dirty="0"/>
+              <a:t>Finish Creating User Documents</a:t>
+            </a:r>
+          </a:p>
+          <a:p>
+            <a:r>
+              <a:rPr lang="en-US" dirty="0"/>
+              <a:t>Sign In with Redirect</a:t>
+            </a:r>
+          </a:p>
+          <a:p>
+            <a:r>
+              <a:rPr lang="en-US" dirty="0"/>
+              <a:t>Sign Up Form</a:t>
+            </a:r>
+          </a:p>
+          <a:p>
+            <a:r>
+              <a:rPr lang="en-US" dirty="0"/>
+              <a:t>Sign Up with email password </a:t>
+            </a:r>
+          </a:p>
+          <a:p>
+            <a:r>
+              <a:rPr lang="en-US" dirty="0"/>
+              <a:t>Generalizing Form Input Component</a:t>
+            </a:r>
+          </a:p>
+          <a:p>
+            <a:r>
+              <a:rPr lang="en-US" dirty="0"/>
+              <a:t>Custom button component</a:t>
+            </a:r>
+          </a:p>
         </p:txBody>
       </p:sp>
     </p:spTree>

--- a/ReactJSNew/Reactjs.pptx
+++ b/ReactJSNew/Reactjs.pptx
@@ -267,7 +267,7 @@
           <a:p>
             <a:fld id="{9A5E46BC-724F-4E92-A585-0C922623FDCA}" type="datetimeFigureOut">
               <a:rPr lang="en-US" smtClean="0"/>
-              <a:t>9/25/2023</a:t>
+              <a:t>9/26/2023</a:t>
             </a:fld>
             <a:endParaRPr lang="en-US"/>
           </a:p>
@@ -465,7 +465,7 @@
           <a:p>
             <a:fld id="{9A5E46BC-724F-4E92-A585-0C922623FDCA}" type="datetimeFigureOut">
               <a:rPr lang="en-US" smtClean="0"/>
-              <a:t>9/25/2023</a:t>
+              <a:t>9/26/2023</a:t>
             </a:fld>
             <a:endParaRPr lang="en-US"/>
           </a:p>
@@ -673,7 +673,7 @@
           <a:p>
             <a:fld id="{9A5E46BC-724F-4E92-A585-0C922623FDCA}" type="datetimeFigureOut">
               <a:rPr lang="en-US" smtClean="0"/>
-              <a:t>9/25/2023</a:t>
+              <a:t>9/26/2023</a:t>
             </a:fld>
             <a:endParaRPr lang="en-US"/>
           </a:p>
@@ -871,7 +871,7 @@
           <a:p>
             <a:fld id="{9A5E46BC-724F-4E92-A585-0C922623FDCA}" type="datetimeFigureOut">
               <a:rPr lang="en-US" smtClean="0"/>
-              <a:t>9/25/2023</a:t>
+              <a:t>9/26/2023</a:t>
             </a:fld>
             <a:endParaRPr lang="en-US"/>
           </a:p>
@@ -1146,7 +1146,7 @@
           <a:p>
             <a:fld id="{9A5E46BC-724F-4E92-A585-0C922623FDCA}" type="datetimeFigureOut">
               <a:rPr lang="en-US" smtClean="0"/>
-              <a:t>9/25/2023</a:t>
+              <a:t>9/26/2023</a:t>
             </a:fld>
             <a:endParaRPr lang="en-US"/>
           </a:p>
@@ -1411,7 +1411,7 @@
           <a:p>
             <a:fld id="{9A5E46BC-724F-4E92-A585-0C922623FDCA}" type="datetimeFigureOut">
               <a:rPr lang="en-US" smtClean="0"/>
-              <a:t>9/25/2023</a:t>
+              <a:t>9/26/2023</a:t>
             </a:fld>
             <a:endParaRPr lang="en-US"/>
           </a:p>
@@ -1823,7 +1823,7 @@
           <a:p>
             <a:fld id="{9A5E46BC-724F-4E92-A585-0C922623FDCA}" type="datetimeFigureOut">
               <a:rPr lang="en-US" smtClean="0"/>
-              <a:t>9/25/2023</a:t>
+              <a:t>9/26/2023</a:t>
             </a:fld>
             <a:endParaRPr lang="en-US"/>
           </a:p>
@@ -1964,7 +1964,7 @@
           <a:p>
             <a:fld id="{9A5E46BC-724F-4E92-A585-0C922623FDCA}" type="datetimeFigureOut">
               <a:rPr lang="en-US" smtClean="0"/>
-              <a:t>9/25/2023</a:t>
+              <a:t>9/26/2023</a:t>
             </a:fld>
             <a:endParaRPr lang="en-US"/>
           </a:p>
@@ -2077,7 +2077,7 @@
           <a:p>
             <a:fld id="{9A5E46BC-724F-4E92-A585-0C922623FDCA}" type="datetimeFigureOut">
               <a:rPr lang="en-US" smtClean="0"/>
-              <a:t>9/25/2023</a:t>
+              <a:t>9/26/2023</a:t>
             </a:fld>
             <a:endParaRPr lang="en-US"/>
           </a:p>
@@ -2388,7 +2388,7 @@
           <a:p>
             <a:fld id="{9A5E46BC-724F-4E92-A585-0C922623FDCA}" type="datetimeFigureOut">
               <a:rPr lang="en-US" smtClean="0"/>
-              <a:t>9/25/2023</a:t>
+              <a:t>9/26/2023</a:t>
             </a:fld>
             <a:endParaRPr lang="en-US"/>
           </a:p>
@@ -2676,7 +2676,7 @@
           <a:p>
             <a:fld id="{9A5E46BC-724F-4E92-A585-0C922623FDCA}" type="datetimeFigureOut">
               <a:rPr lang="en-US" smtClean="0"/>
-              <a:t>9/25/2023</a:t>
+              <a:t>9/26/2023</a:t>
             </a:fld>
             <a:endParaRPr lang="en-US"/>
           </a:p>
@@ -2917,7 +2917,7 @@
           <a:p>
             <a:fld id="{9A5E46BC-724F-4E92-A585-0C922623FDCA}" type="datetimeFigureOut">
               <a:rPr lang="en-US" smtClean="0"/>
-              <a:t>9/25/2023</a:t>
+              <a:t>9/26/2023</a:t>
             </a:fld>
             <a:endParaRPr lang="en-US"/>
           </a:p>
@@ -5529,6 +5529,18 @@
               <a:t>Custom button component</a:t>
             </a:r>
           </a:p>
+          <a:p>
+            <a:r>
+              <a:rPr lang="en-US" dirty="0"/>
+              <a:t>Sign In Form</a:t>
+            </a:r>
+          </a:p>
+          <a:p>
+            <a:r>
+              <a:rPr lang="en-US" dirty="0"/>
+              <a:t>Finishing Authentication Page</a:t>
+            </a:r>
+          </a:p>
         </p:txBody>
       </p:sp>
     </p:spTree>

--- a/ReactJSNew/Reactjs.pptx
+++ b/ReactJSNew/Reactjs.pptx
@@ -14,6 +14,11 @@
     <p:sldId id="262" r:id="rId8"/>
     <p:sldId id="263" r:id="rId9"/>
     <p:sldId id="264" r:id="rId10"/>
+    <p:sldId id="265" r:id="rId11"/>
+    <p:sldId id="266" r:id="rId12"/>
+    <p:sldId id="267" r:id="rId13"/>
+    <p:sldId id="268" r:id="rId14"/>
+    <p:sldId id="269" r:id="rId15"/>
   </p:sldIdLst>
   <p:sldSz cx="12192000" cy="6858000"/>
   <p:notesSz cx="6858000" cy="9144000"/>
@@ -267,7 +272,7 @@
           <a:p>
             <a:fld id="{9A5E46BC-724F-4E92-A585-0C922623FDCA}" type="datetimeFigureOut">
               <a:rPr lang="en-US" smtClean="0"/>
-              <a:t>9/26/2023</a:t>
+              <a:t>9/27/2023</a:t>
             </a:fld>
             <a:endParaRPr lang="en-US"/>
           </a:p>
@@ -465,7 +470,7 @@
           <a:p>
             <a:fld id="{9A5E46BC-724F-4E92-A585-0C922623FDCA}" type="datetimeFigureOut">
               <a:rPr lang="en-US" smtClean="0"/>
-              <a:t>9/26/2023</a:t>
+              <a:t>9/27/2023</a:t>
             </a:fld>
             <a:endParaRPr lang="en-US"/>
           </a:p>
@@ -673,7 +678,7 @@
           <a:p>
             <a:fld id="{9A5E46BC-724F-4E92-A585-0C922623FDCA}" type="datetimeFigureOut">
               <a:rPr lang="en-US" smtClean="0"/>
-              <a:t>9/26/2023</a:t>
+              <a:t>9/27/2023</a:t>
             </a:fld>
             <a:endParaRPr lang="en-US"/>
           </a:p>
@@ -871,7 +876,7 @@
           <a:p>
             <a:fld id="{9A5E46BC-724F-4E92-A585-0C922623FDCA}" type="datetimeFigureOut">
               <a:rPr lang="en-US" smtClean="0"/>
-              <a:t>9/26/2023</a:t>
+              <a:t>9/27/2023</a:t>
             </a:fld>
             <a:endParaRPr lang="en-US"/>
           </a:p>
@@ -1146,7 +1151,7 @@
           <a:p>
             <a:fld id="{9A5E46BC-724F-4E92-A585-0C922623FDCA}" type="datetimeFigureOut">
               <a:rPr lang="en-US" smtClean="0"/>
-              <a:t>9/26/2023</a:t>
+              <a:t>9/27/2023</a:t>
             </a:fld>
             <a:endParaRPr lang="en-US"/>
           </a:p>
@@ -1411,7 +1416,7 @@
           <a:p>
             <a:fld id="{9A5E46BC-724F-4E92-A585-0C922623FDCA}" type="datetimeFigureOut">
               <a:rPr lang="en-US" smtClean="0"/>
-              <a:t>9/26/2023</a:t>
+              <a:t>9/27/2023</a:t>
             </a:fld>
             <a:endParaRPr lang="en-US"/>
           </a:p>
@@ -1823,7 +1828,7 @@
           <a:p>
             <a:fld id="{9A5E46BC-724F-4E92-A585-0C922623FDCA}" type="datetimeFigureOut">
               <a:rPr lang="en-US" smtClean="0"/>
-              <a:t>9/26/2023</a:t>
+              <a:t>9/27/2023</a:t>
             </a:fld>
             <a:endParaRPr lang="en-US"/>
           </a:p>
@@ -1964,7 +1969,7 @@
           <a:p>
             <a:fld id="{9A5E46BC-724F-4E92-A585-0C922623FDCA}" type="datetimeFigureOut">
               <a:rPr lang="en-US" smtClean="0"/>
-              <a:t>9/26/2023</a:t>
+              <a:t>9/27/2023</a:t>
             </a:fld>
             <a:endParaRPr lang="en-US"/>
           </a:p>
@@ -2077,7 +2082,7 @@
           <a:p>
             <a:fld id="{9A5E46BC-724F-4E92-A585-0C922623FDCA}" type="datetimeFigureOut">
               <a:rPr lang="en-US" smtClean="0"/>
-              <a:t>9/26/2023</a:t>
+              <a:t>9/27/2023</a:t>
             </a:fld>
             <a:endParaRPr lang="en-US"/>
           </a:p>
@@ -2388,7 +2393,7 @@
           <a:p>
             <a:fld id="{9A5E46BC-724F-4E92-A585-0C922623FDCA}" type="datetimeFigureOut">
               <a:rPr lang="en-US" smtClean="0"/>
-              <a:t>9/26/2023</a:t>
+              <a:t>9/27/2023</a:t>
             </a:fld>
             <a:endParaRPr lang="en-US"/>
           </a:p>
@@ -2676,7 +2681,7 @@
           <a:p>
             <a:fld id="{9A5E46BC-724F-4E92-A585-0C922623FDCA}" type="datetimeFigureOut">
               <a:rPr lang="en-US" smtClean="0"/>
-              <a:t>9/26/2023</a:t>
+              <a:t>9/27/2023</a:t>
             </a:fld>
             <a:endParaRPr lang="en-US"/>
           </a:p>
@@ -2917,7 +2922,7 @@
           <a:p>
             <a:fld id="{9A5E46BC-724F-4E92-A585-0C922623FDCA}" type="datetimeFigureOut">
               <a:rPr lang="en-US" smtClean="0"/>
-              <a:t>9/26/2023</a:t>
+              <a:t>9/27/2023</a:t>
             </a:fld>
             <a:endParaRPr lang="en-US"/>
           </a:p>
@@ -3467,6 +3472,4437 @@
 </p:sld>
 </file>
 
+<file path=ppt/slides/slide10.xml><?xml version="1.0" encoding="utf-8"?>
+<p:sld xmlns:a="http://schemas.openxmlformats.org/drawingml/2006/main" xmlns:r="http://schemas.openxmlformats.org/officeDocument/2006/relationships" xmlns:p="http://schemas.openxmlformats.org/presentationml/2006/main">
+  <p:cSld>
+    <p:spTree>
+      <p:nvGrpSpPr>
+        <p:cNvPr id="1" name=""/>
+        <p:cNvGrpSpPr/>
+        <p:nvPr/>
+      </p:nvGrpSpPr>
+      <p:grpSpPr>
+        <a:xfrm>
+          <a:off x="0" y="0"/>
+          <a:ext cx="0" cy="0"/>
+          <a:chOff x="0" y="0"/>
+          <a:chExt cx="0" cy="0"/>
+        </a:xfrm>
+      </p:grpSpPr>
+      <p:sp>
+        <p:nvSpPr>
+          <p:cNvPr id="2" name="Title 1">
+            <a:extLst>
+              <a:ext uri="{FF2B5EF4-FFF2-40B4-BE49-F238E27FC236}">
+                <a16:creationId xmlns:a16="http://schemas.microsoft.com/office/drawing/2014/main" id="{AEC1970E-DCB2-2B0A-D6E1-0FE38376802F}"/>
+              </a:ext>
+            </a:extLst>
+          </p:cNvPr>
+          <p:cNvSpPr>
+            <a:spLocks noGrp="1"/>
+          </p:cNvSpPr>
+          <p:nvPr>
+            <p:ph type="title"/>
+          </p:nvPr>
+        </p:nvSpPr>
+        <p:spPr>
+          <a:xfrm>
+            <a:off x="838200" y="365126"/>
+            <a:ext cx="10149114" cy="723446"/>
+          </a:xfrm>
+        </p:spPr>
+        <p:txBody>
+          <a:bodyPr/>
+          <a:lstStyle/>
+          <a:p>
+            <a:r>
+              <a:rPr lang="en-US" dirty="0"/>
+              <a:t>Context</a:t>
+            </a:r>
+          </a:p>
+        </p:txBody>
+      </p:sp>
+      <p:sp>
+        <p:nvSpPr>
+          <p:cNvPr id="4" name="Flowchart: Connector 3">
+            <a:extLst>
+              <a:ext uri="{FF2B5EF4-FFF2-40B4-BE49-F238E27FC236}">
+                <a16:creationId xmlns:a16="http://schemas.microsoft.com/office/drawing/2014/main" id="{0DEE531A-24A1-0176-44E4-C9C5D48551C1}"/>
+              </a:ext>
+            </a:extLst>
+          </p:cNvPr>
+          <p:cNvSpPr/>
+          <p:nvPr/>
+        </p:nvSpPr>
+        <p:spPr>
+          <a:xfrm>
+            <a:off x="4992914" y="348344"/>
+            <a:ext cx="1669143" cy="1219200"/>
+          </a:xfrm>
+          <a:prstGeom prst="flowChartConnector">
+            <a:avLst/>
+          </a:prstGeom>
+        </p:spPr>
+        <p:style>
+          <a:lnRef idx="2">
+            <a:schemeClr val="accent1">
+              <a:shade val="15000"/>
+            </a:schemeClr>
+          </a:lnRef>
+          <a:fillRef idx="1">
+            <a:schemeClr val="accent1"/>
+          </a:fillRef>
+          <a:effectRef idx="0">
+            <a:schemeClr val="accent1"/>
+          </a:effectRef>
+          <a:fontRef idx="minor">
+            <a:schemeClr val="lt1"/>
+          </a:fontRef>
+        </p:style>
+        <p:txBody>
+          <a:bodyPr rtlCol="0" anchor="ctr"/>
+          <a:lstStyle/>
+          <a:p>
+            <a:pPr algn="ctr"/>
+            <a:r>
+              <a:rPr lang="en-US" dirty="0"/>
+              <a:t>App</a:t>
+            </a:r>
+          </a:p>
+        </p:txBody>
+      </p:sp>
+      <p:sp>
+        <p:nvSpPr>
+          <p:cNvPr id="5" name="Oval 4">
+            <a:extLst>
+              <a:ext uri="{FF2B5EF4-FFF2-40B4-BE49-F238E27FC236}">
+                <a16:creationId xmlns:a16="http://schemas.microsoft.com/office/drawing/2014/main" id="{863F4397-394A-C97F-1809-837A1B495064}"/>
+              </a:ext>
+            </a:extLst>
+          </p:cNvPr>
+          <p:cNvSpPr/>
+          <p:nvPr/>
+        </p:nvSpPr>
+        <p:spPr>
+          <a:xfrm>
+            <a:off x="9027886" y="2206171"/>
+            <a:ext cx="1756228" cy="1001486"/>
+          </a:xfrm>
+          <a:prstGeom prst="ellipse">
+            <a:avLst/>
+          </a:prstGeom>
+        </p:spPr>
+        <p:style>
+          <a:lnRef idx="2">
+            <a:schemeClr val="accent1">
+              <a:shade val="15000"/>
+            </a:schemeClr>
+          </a:lnRef>
+          <a:fillRef idx="1">
+            <a:schemeClr val="accent1"/>
+          </a:fillRef>
+          <a:effectRef idx="0">
+            <a:schemeClr val="accent1"/>
+          </a:effectRef>
+          <a:fontRef idx="minor">
+            <a:schemeClr val="lt1"/>
+          </a:fontRef>
+        </p:style>
+        <p:txBody>
+          <a:bodyPr rtlCol="0" anchor="ctr"/>
+          <a:lstStyle/>
+          <a:p>
+            <a:pPr algn="ctr"/>
+            <a:r>
+              <a:rPr lang="en-US" dirty="0"/>
+              <a:t>orders</a:t>
+            </a:r>
+          </a:p>
+        </p:txBody>
+      </p:sp>
+      <p:sp>
+        <p:nvSpPr>
+          <p:cNvPr id="6" name="Oval 5">
+            <a:extLst>
+              <a:ext uri="{FF2B5EF4-FFF2-40B4-BE49-F238E27FC236}">
+                <a16:creationId xmlns:a16="http://schemas.microsoft.com/office/drawing/2014/main" id="{AE62C8D7-8F16-32B5-DBDB-F3E83418D725}"/>
+              </a:ext>
+            </a:extLst>
+          </p:cNvPr>
+          <p:cNvSpPr/>
+          <p:nvPr/>
+        </p:nvSpPr>
+        <p:spPr>
+          <a:xfrm>
+            <a:off x="3907973" y="3128277"/>
+            <a:ext cx="1756228" cy="1001486"/>
+          </a:xfrm>
+          <a:prstGeom prst="ellipse">
+            <a:avLst/>
+          </a:prstGeom>
+        </p:spPr>
+        <p:style>
+          <a:lnRef idx="2">
+            <a:schemeClr val="accent1">
+              <a:shade val="15000"/>
+            </a:schemeClr>
+          </a:lnRef>
+          <a:fillRef idx="1">
+            <a:schemeClr val="accent1"/>
+          </a:fillRef>
+          <a:effectRef idx="0">
+            <a:schemeClr val="accent1"/>
+          </a:effectRef>
+          <a:fontRef idx="minor">
+            <a:schemeClr val="lt1"/>
+          </a:fontRef>
+        </p:style>
+        <p:txBody>
+          <a:bodyPr rtlCol="0" anchor="ctr"/>
+          <a:lstStyle/>
+          <a:p>
+            <a:pPr algn="ctr"/>
+            <a:r>
+              <a:rPr lang="en-US" dirty="0"/>
+              <a:t>auth</a:t>
+            </a:r>
+          </a:p>
+        </p:txBody>
+      </p:sp>
+      <p:sp>
+        <p:nvSpPr>
+          <p:cNvPr id="7" name="Oval 6">
+            <a:extLst>
+              <a:ext uri="{FF2B5EF4-FFF2-40B4-BE49-F238E27FC236}">
+                <a16:creationId xmlns:a16="http://schemas.microsoft.com/office/drawing/2014/main" id="{C5AD8CEC-8971-260F-FABC-CB13EE600396}"/>
+              </a:ext>
+            </a:extLst>
+          </p:cNvPr>
+          <p:cNvSpPr/>
+          <p:nvPr/>
+        </p:nvSpPr>
+        <p:spPr>
+          <a:xfrm>
+            <a:off x="870856" y="2305502"/>
+            <a:ext cx="1756228" cy="1001486"/>
+          </a:xfrm>
+          <a:prstGeom prst="ellipse">
+            <a:avLst/>
+          </a:prstGeom>
+        </p:spPr>
+        <p:style>
+          <a:lnRef idx="2">
+            <a:schemeClr val="accent1">
+              <a:shade val="15000"/>
+            </a:schemeClr>
+          </a:lnRef>
+          <a:fillRef idx="1">
+            <a:schemeClr val="accent1"/>
+          </a:fillRef>
+          <a:effectRef idx="0">
+            <a:schemeClr val="accent1"/>
+          </a:effectRef>
+          <a:fontRef idx="minor">
+            <a:schemeClr val="lt1"/>
+          </a:fontRef>
+        </p:style>
+        <p:txBody>
+          <a:bodyPr rtlCol="0" anchor="ctr"/>
+          <a:lstStyle/>
+          <a:p>
+            <a:pPr algn="ctr"/>
+            <a:r>
+              <a:rPr lang="en-US" dirty="0"/>
+              <a:t>Settings</a:t>
+            </a:r>
+          </a:p>
+        </p:txBody>
+      </p:sp>
+      <p:sp>
+        <p:nvSpPr>
+          <p:cNvPr id="8" name="Oval 7">
+            <a:extLst>
+              <a:ext uri="{FF2B5EF4-FFF2-40B4-BE49-F238E27FC236}">
+                <a16:creationId xmlns:a16="http://schemas.microsoft.com/office/drawing/2014/main" id="{1FB3DF46-F399-B5E0-791D-C230439A99AB}"/>
+              </a:ext>
+            </a:extLst>
+          </p:cNvPr>
+          <p:cNvSpPr/>
+          <p:nvPr/>
+        </p:nvSpPr>
+        <p:spPr>
+          <a:xfrm>
+            <a:off x="261256" y="4148816"/>
+            <a:ext cx="1756228" cy="1001486"/>
+          </a:xfrm>
+          <a:prstGeom prst="ellipse">
+            <a:avLst/>
+          </a:prstGeom>
+        </p:spPr>
+        <p:style>
+          <a:lnRef idx="2">
+            <a:schemeClr val="accent1">
+              <a:shade val="15000"/>
+            </a:schemeClr>
+          </a:lnRef>
+          <a:fillRef idx="1">
+            <a:schemeClr val="accent1"/>
+          </a:fillRef>
+          <a:effectRef idx="0">
+            <a:schemeClr val="accent1"/>
+          </a:effectRef>
+          <a:fontRef idx="minor">
+            <a:schemeClr val="lt1"/>
+          </a:fontRef>
+        </p:style>
+        <p:txBody>
+          <a:bodyPr rtlCol="0" anchor="ctr"/>
+          <a:lstStyle/>
+          <a:p>
+            <a:pPr algn="ctr"/>
+            <a:r>
+              <a:rPr lang="en-US" dirty="0"/>
+              <a:t>user</a:t>
+            </a:r>
+          </a:p>
+        </p:txBody>
+      </p:sp>
+      <p:sp>
+        <p:nvSpPr>
+          <p:cNvPr id="9" name="Oval 8">
+            <a:extLst>
+              <a:ext uri="{FF2B5EF4-FFF2-40B4-BE49-F238E27FC236}">
+                <a16:creationId xmlns:a16="http://schemas.microsoft.com/office/drawing/2014/main" id="{42770EFB-355D-B5BA-FA68-203E47713E9E}"/>
+              </a:ext>
+            </a:extLst>
+          </p:cNvPr>
+          <p:cNvSpPr/>
+          <p:nvPr/>
+        </p:nvSpPr>
+        <p:spPr>
+          <a:xfrm>
+            <a:off x="261256" y="5496376"/>
+            <a:ext cx="1756228" cy="1001486"/>
+          </a:xfrm>
+          <a:prstGeom prst="ellipse">
+            <a:avLst/>
+          </a:prstGeom>
+        </p:spPr>
+        <p:style>
+          <a:lnRef idx="2">
+            <a:schemeClr val="accent1">
+              <a:shade val="15000"/>
+            </a:schemeClr>
+          </a:lnRef>
+          <a:fillRef idx="1">
+            <a:schemeClr val="accent1"/>
+          </a:fillRef>
+          <a:effectRef idx="0">
+            <a:schemeClr val="accent1"/>
+          </a:effectRef>
+          <a:fontRef idx="minor">
+            <a:schemeClr val="lt1"/>
+          </a:fontRef>
+        </p:style>
+        <p:txBody>
+          <a:bodyPr rtlCol="0" anchor="ctr"/>
+          <a:lstStyle/>
+          <a:p>
+            <a:pPr algn="ctr"/>
+            <a:r>
+              <a:rPr lang="en-US" dirty="0"/>
+              <a:t>profile</a:t>
+            </a:r>
+          </a:p>
+        </p:txBody>
+      </p:sp>
+      <p:sp>
+        <p:nvSpPr>
+          <p:cNvPr id="10" name="Oval 9">
+            <a:extLst>
+              <a:ext uri="{FF2B5EF4-FFF2-40B4-BE49-F238E27FC236}">
+                <a16:creationId xmlns:a16="http://schemas.microsoft.com/office/drawing/2014/main" id="{3FFBC3B0-F21F-BDFD-C4BF-4E7EDC4A8DD3}"/>
+              </a:ext>
+            </a:extLst>
+          </p:cNvPr>
+          <p:cNvSpPr/>
+          <p:nvPr/>
+        </p:nvSpPr>
+        <p:spPr>
+          <a:xfrm>
+            <a:off x="2889248" y="5156652"/>
+            <a:ext cx="1756228" cy="1001486"/>
+          </a:xfrm>
+          <a:prstGeom prst="ellipse">
+            <a:avLst/>
+          </a:prstGeom>
+        </p:spPr>
+        <p:style>
+          <a:lnRef idx="2">
+            <a:schemeClr val="accent1">
+              <a:shade val="15000"/>
+            </a:schemeClr>
+          </a:lnRef>
+          <a:fillRef idx="1">
+            <a:schemeClr val="accent1"/>
+          </a:fillRef>
+          <a:effectRef idx="0">
+            <a:schemeClr val="accent1"/>
+          </a:effectRef>
+          <a:fontRef idx="minor">
+            <a:schemeClr val="lt1"/>
+          </a:fontRef>
+        </p:style>
+        <p:txBody>
+          <a:bodyPr rtlCol="0" anchor="ctr"/>
+          <a:lstStyle/>
+          <a:p>
+            <a:pPr algn="ctr"/>
+            <a:r>
+              <a:rPr lang="en-US" dirty="0"/>
+              <a:t>Sign in</a:t>
+            </a:r>
+          </a:p>
+        </p:txBody>
+      </p:sp>
+      <p:sp>
+        <p:nvSpPr>
+          <p:cNvPr id="11" name="Oval 10">
+            <a:extLst>
+              <a:ext uri="{FF2B5EF4-FFF2-40B4-BE49-F238E27FC236}">
+                <a16:creationId xmlns:a16="http://schemas.microsoft.com/office/drawing/2014/main" id="{A0D0640C-ABD4-002B-BCBD-9DAE7531A2F8}"/>
+              </a:ext>
+            </a:extLst>
+          </p:cNvPr>
+          <p:cNvSpPr/>
+          <p:nvPr/>
+        </p:nvSpPr>
+        <p:spPr>
+          <a:xfrm>
+            <a:off x="5523590" y="5156652"/>
+            <a:ext cx="1756228" cy="1001486"/>
+          </a:xfrm>
+          <a:prstGeom prst="ellipse">
+            <a:avLst/>
+          </a:prstGeom>
+        </p:spPr>
+        <p:style>
+          <a:lnRef idx="2">
+            <a:schemeClr val="accent1">
+              <a:shade val="15000"/>
+            </a:schemeClr>
+          </a:lnRef>
+          <a:fillRef idx="1">
+            <a:schemeClr val="accent1"/>
+          </a:fillRef>
+          <a:effectRef idx="0">
+            <a:schemeClr val="accent1"/>
+          </a:effectRef>
+          <a:fontRef idx="minor">
+            <a:schemeClr val="lt1"/>
+          </a:fontRef>
+        </p:style>
+        <p:txBody>
+          <a:bodyPr rtlCol="0" anchor="ctr"/>
+          <a:lstStyle/>
+          <a:p>
+            <a:pPr algn="ctr"/>
+            <a:r>
+              <a:rPr lang="en-US" dirty="0"/>
+              <a:t>Sign Up</a:t>
+            </a:r>
+          </a:p>
+        </p:txBody>
+      </p:sp>
+      <p:sp>
+        <p:nvSpPr>
+          <p:cNvPr id="12" name="Oval 11">
+            <a:extLst>
+              <a:ext uri="{FF2B5EF4-FFF2-40B4-BE49-F238E27FC236}">
+                <a16:creationId xmlns:a16="http://schemas.microsoft.com/office/drawing/2014/main" id="{35664FD2-791F-26CE-C9DC-CD3C2E5B7C64}"/>
+              </a:ext>
+            </a:extLst>
+          </p:cNvPr>
+          <p:cNvSpPr/>
+          <p:nvPr/>
+        </p:nvSpPr>
+        <p:spPr>
+          <a:xfrm>
+            <a:off x="7279818" y="3842651"/>
+            <a:ext cx="1756228" cy="1001486"/>
+          </a:xfrm>
+          <a:prstGeom prst="ellipse">
+            <a:avLst/>
+          </a:prstGeom>
+        </p:spPr>
+        <p:style>
+          <a:lnRef idx="2">
+            <a:schemeClr val="accent1">
+              <a:shade val="15000"/>
+            </a:schemeClr>
+          </a:lnRef>
+          <a:fillRef idx="1">
+            <a:schemeClr val="accent1"/>
+          </a:fillRef>
+          <a:effectRef idx="0">
+            <a:schemeClr val="accent1"/>
+          </a:effectRef>
+          <a:fontRef idx="minor">
+            <a:schemeClr val="lt1"/>
+          </a:fontRef>
+        </p:style>
+        <p:txBody>
+          <a:bodyPr rtlCol="0" anchor="ctr"/>
+          <a:lstStyle/>
+          <a:p>
+            <a:pPr algn="ctr"/>
+            <a:r>
+              <a:rPr lang="en-US" dirty="0"/>
+              <a:t>history</a:t>
+            </a:r>
+          </a:p>
+        </p:txBody>
+      </p:sp>
+      <p:sp>
+        <p:nvSpPr>
+          <p:cNvPr id="13" name="Oval 12">
+            <a:extLst>
+              <a:ext uri="{FF2B5EF4-FFF2-40B4-BE49-F238E27FC236}">
+                <a16:creationId xmlns:a16="http://schemas.microsoft.com/office/drawing/2014/main" id="{5A7ACDBF-5049-230B-59FB-255F16E39283}"/>
+              </a:ext>
+            </a:extLst>
+          </p:cNvPr>
+          <p:cNvSpPr/>
+          <p:nvPr/>
+        </p:nvSpPr>
+        <p:spPr>
+          <a:xfrm>
+            <a:off x="10109200" y="4484456"/>
+            <a:ext cx="1756228" cy="1001486"/>
+          </a:xfrm>
+          <a:prstGeom prst="ellipse">
+            <a:avLst/>
+          </a:prstGeom>
+        </p:spPr>
+        <p:style>
+          <a:lnRef idx="2">
+            <a:schemeClr val="accent1">
+              <a:shade val="15000"/>
+            </a:schemeClr>
+          </a:lnRef>
+          <a:fillRef idx="1">
+            <a:schemeClr val="accent1"/>
+          </a:fillRef>
+          <a:effectRef idx="0">
+            <a:schemeClr val="accent1"/>
+          </a:effectRef>
+          <a:fontRef idx="minor">
+            <a:schemeClr val="lt1"/>
+          </a:fontRef>
+        </p:style>
+        <p:txBody>
+          <a:bodyPr rtlCol="0" anchor="ctr"/>
+          <a:lstStyle/>
+          <a:p>
+            <a:pPr algn="ctr"/>
+            <a:r>
+              <a:rPr lang="en-US" dirty="0"/>
+              <a:t>returns</a:t>
+            </a:r>
+          </a:p>
+        </p:txBody>
+      </p:sp>
+      <p:cxnSp>
+        <p:nvCxnSpPr>
+          <p:cNvPr id="15" name="Connector: Elbow 14">
+            <a:extLst>
+              <a:ext uri="{FF2B5EF4-FFF2-40B4-BE49-F238E27FC236}">
+                <a16:creationId xmlns:a16="http://schemas.microsoft.com/office/drawing/2014/main" id="{4FF8FCB6-1918-1A5F-7C5B-08A67C3D6C00}"/>
+              </a:ext>
+            </a:extLst>
+          </p:cNvPr>
+          <p:cNvCxnSpPr>
+            <a:stCxn id="4" idx="4"/>
+            <a:endCxn id="6" idx="0"/>
+          </p:cNvCxnSpPr>
+          <p:nvPr/>
+        </p:nvCxnSpPr>
+        <p:spPr>
+          <a:xfrm rot="5400000">
+            <a:off x="4526421" y="1827211"/>
+            <a:ext cx="1560733" cy="1041399"/>
+          </a:xfrm>
+          <a:prstGeom prst="bentConnector3">
+            <a:avLst/>
+          </a:prstGeom>
+        </p:spPr>
+        <p:style>
+          <a:lnRef idx="1">
+            <a:schemeClr val="accent1"/>
+          </a:lnRef>
+          <a:fillRef idx="0">
+            <a:schemeClr val="accent1"/>
+          </a:fillRef>
+          <a:effectRef idx="0">
+            <a:schemeClr val="accent1"/>
+          </a:effectRef>
+          <a:fontRef idx="minor">
+            <a:schemeClr val="tx1"/>
+          </a:fontRef>
+        </p:style>
+      </p:cxnSp>
+      <p:cxnSp>
+        <p:nvCxnSpPr>
+          <p:cNvPr id="17" name="Connector: Elbow 16">
+            <a:extLst>
+              <a:ext uri="{FF2B5EF4-FFF2-40B4-BE49-F238E27FC236}">
+                <a16:creationId xmlns:a16="http://schemas.microsoft.com/office/drawing/2014/main" id="{E2EE3B05-0CB3-9F8B-E87C-81F7413E0572}"/>
+              </a:ext>
+            </a:extLst>
+          </p:cNvPr>
+          <p:cNvCxnSpPr>
+            <a:stCxn id="4" idx="2"/>
+            <a:endCxn id="7" idx="0"/>
+          </p:cNvCxnSpPr>
+          <p:nvPr/>
+        </p:nvCxnSpPr>
+        <p:spPr>
+          <a:xfrm rot="10800000" flipV="1">
+            <a:off x="1748970" y="957944"/>
+            <a:ext cx="3243944" cy="1347558"/>
+          </a:xfrm>
+          <a:prstGeom prst="bentConnector2">
+            <a:avLst/>
+          </a:prstGeom>
+        </p:spPr>
+        <p:style>
+          <a:lnRef idx="1">
+            <a:schemeClr val="accent1"/>
+          </a:lnRef>
+          <a:fillRef idx="0">
+            <a:schemeClr val="accent1"/>
+          </a:fillRef>
+          <a:effectRef idx="0">
+            <a:schemeClr val="accent1"/>
+          </a:effectRef>
+          <a:fontRef idx="minor">
+            <a:schemeClr val="tx1"/>
+          </a:fontRef>
+        </p:style>
+      </p:cxnSp>
+      <p:cxnSp>
+        <p:nvCxnSpPr>
+          <p:cNvPr id="19" name="Connector: Elbow 18">
+            <a:extLst>
+              <a:ext uri="{FF2B5EF4-FFF2-40B4-BE49-F238E27FC236}">
+                <a16:creationId xmlns:a16="http://schemas.microsoft.com/office/drawing/2014/main" id="{28B8D7F7-4A52-F099-8934-54616F937E00}"/>
+              </a:ext>
+            </a:extLst>
+          </p:cNvPr>
+          <p:cNvCxnSpPr>
+            <a:stCxn id="4" idx="6"/>
+            <a:endCxn id="5" idx="0"/>
+          </p:cNvCxnSpPr>
+          <p:nvPr/>
+        </p:nvCxnSpPr>
+        <p:spPr>
+          <a:xfrm>
+            <a:off x="6662057" y="957944"/>
+            <a:ext cx="3243943" cy="1248227"/>
+          </a:xfrm>
+          <a:prstGeom prst="bentConnector2">
+            <a:avLst/>
+          </a:prstGeom>
+        </p:spPr>
+        <p:style>
+          <a:lnRef idx="1">
+            <a:schemeClr val="accent1"/>
+          </a:lnRef>
+          <a:fillRef idx="0">
+            <a:schemeClr val="accent1"/>
+          </a:fillRef>
+          <a:effectRef idx="0">
+            <a:schemeClr val="accent1"/>
+          </a:effectRef>
+          <a:fontRef idx="minor">
+            <a:schemeClr val="tx1"/>
+          </a:fontRef>
+        </p:style>
+      </p:cxnSp>
+      <p:cxnSp>
+        <p:nvCxnSpPr>
+          <p:cNvPr id="21" name="Connector: Elbow 20">
+            <a:extLst>
+              <a:ext uri="{FF2B5EF4-FFF2-40B4-BE49-F238E27FC236}">
+                <a16:creationId xmlns:a16="http://schemas.microsoft.com/office/drawing/2014/main" id="{593FCC46-3E83-7180-B695-3DB81DC76C4B}"/>
+              </a:ext>
+            </a:extLst>
+          </p:cNvPr>
+          <p:cNvCxnSpPr>
+            <a:stCxn id="7" idx="4"/>
+            <a:endCxn id="8" idx="0"/>
+          </p:cNvCxnSpPr>
+          <p:nvPr/>
+        </p:nvCxnSpPr>
+        <p:spPr>
+          <a:xfrm rot="5400000">
+            <a:off x="1023256" y="3423102"/>
+            <a:ext cx="841828" cy="609600"/>
+          </a:xfrm>
+          <a:prstGeom prst="bentConnector3">
+            <a:avLst/>
+          </a:prstGeom>
+        </p:spPr>
+        <p:style>
+          <a:lnRef idx="1">
+            <a:schemeClr val="accent1"/>
+          </a:lnRef>
+          <a:fillRef idx="0">
+            <a:schemeClr val="accent1"/>
+          </a:fillRef>
+          <a:effectRef idx="0">
+            <a:schemeClr val="accent1"/>
+          </a:effectRef>
+          <a:fontRef idx="minor">
+            <a:schemeClr val="tx1"/>
+          </a:fontRef>
+        </p:style>
+      </p:cxnSp>
+      <p:cxnSp>
+        <p:nvCxnSpPr>
+          <p:cNvPr id="23" name="Connector: Elbow 22">
+            <a:extLst>
+              <a:ext uri="{FF2B5EF4-FFF2-40B4-BE49-F238E27FC236}">
+                <a16:creationId xmlns:a16="http://schemas.microsoft.com/office/drawing/2014/main" id="{1ED06FA0-E509-79BD-78B2-DB4CF6F9CA6C}"/>
+              </a:ext>
+            </a:extLst>
+          </p:cNvPr>
+          <p:cNvCxnSpPr>
+            <a:stCxn id="8" idx="4"/>
+            <a:endCxn id="9" idx="0"/>
+          </p:cNvCxnSpPr>
+          <p:nvPr/>
+        </p:nvCxnSpPr>
+        <p:spPr>
+          <a:xfrm rot="5400000">
+            <a:off x="966333" y="5323339"/>
+            <a:ext cx="346074" cy="12700"/>
+          </a:xfrm>
+          <a:prstGeom prst="bentConnector3">
+            <a:avLst/>
+          </a:prstGeom>
+        </p:spPr>
+        <p:style>
+          <a:lnRef idx="1">
+            <a:schemeClr val="accent1"/>
+          </a:lnRef>
+          <a:fillRef idx="0">
+            <a:schemeClr val="accent1"/>
+          </a:fillRef>
+          <a:effectRef idx="0">
+            <a:schemeClr val="accent1"/>
+          </a:effectRef>
+          <a:fontRef idx="minor">
+            <a:schemeClr val="tx1"/>
+          </a:fontRef>
+        </p:style>
+      </p:cxnSp>
+      <p:cxnSp>
+        <p:nvCxnSpPr>
+          <p:cNvPr id="25" name="Connector: Elbow 24">
+            <a:extLst>
+              <a:ext uri="{FF2B5EF4-FFF2-40B4-BE49-F238E27FC236}">
+                <a16:creationId xmlns:a16="http://schemas.microsoft.com/office/drawing/2014/main" id="{382828CA-B497-BC3E-8CAE-EE065020F560}"/>
+              </a:ext>
+            </a:extLst>
+          </p:cNvPr>
+          <p:cNvCxnSpPr>
+            <a:stCxn id="6" idx="4"/>
+            <a:endCxn id="10" idx="0"/>
+          </p:cNvCxnSpPr>
+          <p:nvPr/>
+        </p:nvCxnSpPr>
+        <p:spPr>
+          <a:xfrm rot="5400000">
+            <a:off x="3763281" y="4133845"/>
+            <a:ext cx="1026889" cy="1018725"/>
+          </a:xfrm>
+          <a:prstGeom prst="bentConnector3">
+            <a:avLst/>
+          </a:prstGeom>
+        </p:spPr>
+        <p:style>
+          <a:lnRef idx="1">
+            <a:schemeClr val="accent1"/>
+          </a:lnRef>
+          <a:fillRef idx="0">
+            <a:schemeClr val="accent1"/>
+          </a:fillRef>
+          <a:effectRef idx="0">
+            <a:schemeClr val="accent1"/>
+          </a:effectRef>
+          <a:fontRef idx="minor">
+            <a:schemeClr val="tx1"/>
+          </a:fontRef>
+        </p:style>
+      </p:cxnSp>
+      <p:cxnSp>
+        <p:nvCxnSpPr>
+          <p:cNvPr id="27" name="Connector: Elbow 26">
+            <a:extLst>
+              <a:ext uri="{FF2B5EF4-FFF2-40B4-BE49-F238E27FC236}">
+                <a16:creationId xmlns:a16="http://schemas.microsoft.com/office/drawing/2014/main" id="{1707E679-D061-2F74-AB87-13F3AF97F16F}"/>
+              </a:ext>
+            </a:extLst>
+          </p:cNvPr>
+          <p:cNvCxnSpPr>
+            <a:stCxn id="6" idx="4"/>
+            <a:endCxn id="11" idx="0"/>
+          </p:cNvCxnSpPr>
+          <p:nvPr/>
+        </p:nvCxnSpPr>
+        <p:spPr>
+          <a:xfrm rot="16200000" flipH="1">
+            <a:off x="5080451" y="3835398"/>
+            <a:ext cx="1026889" cy="1615617"/>
+          </a:xfrm>
+          <a:prstGeom prst="bentConnector3">
+            <a:avLst/>
+          </a:prstGeom>
+        </p:spPr>
+        <p:style>
+          <a:lnRef idx="1">
+            <a:schemeClr val="accent1"/>
+          </a:lnRef>
+          <a:fillRef idx="0">
+            <a:schemeClr val="accent1"/>
+          </a:fillRef>
+          <a:effectRef idx="0">
+            <a:schemeClr val="accent1"/>
+          </a:effectRef>
+          <a:fontRef idx="minor">
+            <a:schemeClr val="tx1"/>
+          </a:fontRef>
+        </p:style>
+      </p:cxnSp>
+      <p:cxnSp>
+        <p:nvCxnSpPr>
+          <p:cNvPr id="29" name="Connector: Elbow 28">
+            <a:extLst>
+              <a:ext uri="{FF2B5EF4-FFF2-40B4-BE49-F238E27FC236}">
+                <a16:creationId xmlns:a16="http://schemas.microsoft.com/office/drawing/2014/main" id="{454226FE-D8B4-61FA-F916-8E5DF0D351DA}"/>
+              </a:ext>
+            </a:extLst>
+          </p:cNvPr>
+          <p:cNvCxnSpPr>
+            <a:stCxn id="5" idx="4"/>
+            <a:endCxn id="12" idx="0"/>
+          </p:cNvCxnSpPr>
+          <p:nvPr/>
+        </p:nvCxnSpPr>
+        <p:spPr>
+          <a:xfrm rot="5400000">
+            <a:off x="8714469" y="2651120"/>
+            <a:ext cx="634994" cy="1748068"/>
+          </a:xfrm>
+          <a:prstGeom prst="bentConnector3">
+            <a:avLst/>
+          </a:prstGeom>
+        </p:spPr>
+        <p:style>
+          <a:lnRef idx="1">
+            <a:schemeClr val="accent1"/>
+          </a:lnRef>
+          <a:fillRef idx="0">
+            <a:schemeClr val="accent1"/>
+          </a:fillRef>
+          <a:effectRef idx="0">
+            <a:schemeClr val="accent1"/>
+          </a:effectRef>
+          <a:fontRef idx="minor">
+            <a:schemeClr val="tx1"/>
+          </a:fontRef>
+        </p:style>
+      </p:cxnSp>
+      <p:cxnSp>
+        <p:nvCxnSpPr>
+          <p:cNvPr id="31" name="Connector: Elbow 30">
+            <a:extLst>
+              <a:ext uri="{FF2B5EF4-FFF2-40B4-BE49-F238E27FC236}">
+                <a16:creationId xmlns:a16="http://schemas.microsoft.com/office/drawing/2014/main" id="{A86DB53A-B9B4-6B8E-FABB-5DC9A09FD9B2}"/>
+              </a:ext>
+            </a:extLst>
+          </p:cNvPr>
+          <p:cNvCxnSpPr>
+            <a:stCxn id="5" idx="6"/>
+            <a:endCxn id="13" idx="0"/>
+          </p:cNvCxnSpPr>
+          <p:nvPr/>
+        </p:nvCxnSpPr>
+        <p:spPr>
+          <a:xfrm>
+            <a:off x="10784114" y="2706914"/>
+            <a:ext cx="203200" cy="1777542"/>
+          </a:xfrm>
+          <a:prstGeom prst="bentConnector2">
+            <a:avLst/>
+          </a:prstGeom>
+        </p:spPr>
+        <p:style>
+          <a:lnRef idx="1">
+            <a:schemeClr val="accent1"/>
+          </a:lnRef>
+          <a:fillRef idx="0">
+            <a:schemeClr val="accent1"/>
+          </a:fillRef>
+          <a:effectRef idx="0">
+            <a:schemeClr val="accent1"/>
+          </a:effectRef>
+          <a:fontRef idx="minor">
+            <a:schemeClr val="tx1"/>
+          </a:fontRef>
+        </p:style>
+      </p:cxnSp>
+    </p:spTree>
+    <p:extLst>
+      <p:ext uri="{BB962C8B-B14F-4D97-AF65-F5344CB8AC3E}">
+        <p14:creationId xmlns:p14="http://schemas.microsoft.com/office/powerpoint/2010/main" val="4208312101"/>
+      </p:ext>
+    </p:extLst>
+  </p:cSld>
+  <p:clrMapOvr>
+    <a:masterClrMapping/>
+  </p:clrMapOvr>
+</p:sld>
+</file>
+
+<file path=ppt/slides/slide11.xml><?xml version="1.0" encoding="utf-8"?>
+<p:sld xmlns:a="http://schemas.openxmlformats.org/drawingml/2006/main" xmlns:r="http://schemas.openxmlformats.org/officeDocument/2006/relationships" xmlns:p="http://schemas.openxmlformats.org/presentationml/2006/main">
+  <p:cSld>
+    <p:spTree>
+      <p:nvGrpSpPr>
+        <p:cNvPr id="1" name=""/>
+        <p:cNvGrpSpPr/>
+        <p:nvPr/>
+      </p:nvGrpSpPr>
+      <p:grpSpPr>
+        <a:xfrm>
+          <a:off x="0" y="0"/>
+          <a:ext cx="0" cy="0"/>
+          <a:chOff x="0" y="0"/>
+          <a:chExt cx="0" cy="0"/>
+        </a:xfrm>
+      </p:grpSpPr>
+      <p:sp>
+        <p:nvSpPr>
+          <p:cNvPr id="2" name="Title 1">
+            <a:extLst>
+              <a:ext uri="{FF2B5EF4-FFF2-40B4-BE49-F238E27FC236}">
+                <a16:creationId xmlns:a16="http://schemas.microsoft.com/office/drawing/2014/main" id="{AEC1970E-DCB2-2B0A-D6E1-0FE38376802F}"/>
+              </a:ext>
+            </a:extLst>
+          </p:cNvPr>
+          <p:cNvSpPr>
+            <a:spLocks noGrp="1"/>
+          </p:cNvSpPr>
+          <p:nvPr>
+            <p:ph type="title"/>
+          </p:nvPr>
+        </p:nvSpPr>
+        <p:spPr>
+          <a:xfrm>
+            <a:off x="838200" y="365126"/>
+            <a:ext cx="10149114" cy="723446"/>
+          </a:xfrm>
+        </p:spPr>
+        <p:txBody>
+          <a:bodyPr/>
+          <a:lstStyle/>
+          <a:p>
+            <a:r>
+              <a:rPr lang="en-US" dirty="0"/>
+              <a:t>Context</a:t>
+            </a:r>
+          </a:p>
+        </p:txBody>
+      </p:sp>
+      <p:sp>
+        <p:nvSpPr>
+          <p:cNvPr id="4" name="Flowchart: Connector 3">
+            <a:extLst>
+              <a:ext uri="{FF2B5EF4-FFF2-40B4-BE49-F238E27FC236}">
+                <a16:creationId xmlns:a16="http://schemas.microsoft.com/office/drawing/2014/main" id="{0DEE531A-24A1-0176-44E4-C9C5D48551C1}"/>
+              </a:ext>
+            </a:extLst>
+          </p:cNvPr>
+          <p:cNvSpPr/>
+          <p:nvPr/>
+        </p:nvSpPr>
+        <p:spPr>
+          <a:xfrm>
+            <a:off x="4992914" y="348344"/>
+            <a:ext cx="1669143" cy="1219200"/>
+          </a:xfrm>
+          <a:prstGeom prst="flowChartConnector">
+            <a:avLst/>
+          </a:prstGeom>
+        </p:spPr>
+        <p:style>
+          <a:lnRef idx="2">
+            <a:schemeClr val="accent1">
+              <a:shade val="15000"/>
+            </a:schemeClr>
+          </a:lnRef>
+          <a:fillRef idx="1">
+            <a:schemeClr val="accent1"/>
+          </a:fillRef>
+          <a:effectRef idx="0">
+            <a:schemeClr val="accent1"/>
+          </a:effectRef>
+          <a:fontRef idx="minor">
+            <a:schemeClr val="lt1"/>
+          </a:fontRef>
+        </p:style>
+        <p:txBody>
+          <a:bodyPr rtlCol="0" anchor="ctr"/>
+          <a:lstStyle/>
+          <a:p>
+            <a:pPr algn="ctr"/>
+            <a:r>
+              <a:rPr lang="en-US" dirty="0"/>
+              <a:t>App</a:t>
+            </a:r>
+          </a:p>
+        </p:txBody>
+      </p:sp>
+      <p:sp>
+        <p:nvSpPr>
+          <p:cNvPr id="5" name="Oval 4">
+            <a:extLst>
+              <a:ext uri="{FF2B5EF4-FFF2-40B4-BE49-F238E27FC236}">
+                <a16:creationId xmlns:a16="http://schemas.microsoft.com/office/drawing/2014/main" id="{863F4397-394A-C97F-1809-837A1B495064}"/>
+              </a:ext>
+            </a:extLst>
+          </p:cNvPr>
+          <p:cNvSpPr/>
+          <p:nvPr/>
+        </p:nvSpPr>
+        <p:spPr>
+          <a:xfrm>
+            <a:off x="6995886" y="1964868"/>
+            <a:ext cx="1756228" cy="1001486"/>
+          </a:xfrm>
+          <a:prstGeom prst="ellipse">
+            <a:avLst/>
+          </a:prstGeom>
+        </p:spPr>
+        <p:style>
+          <a:lnRef idx="2">
+            <a:schemeClr val="accent1">
+              <a:shade val="15000"/>
+            </a:schemeClr>
+          </a:lnRef>
+          <a:fillRef idx="1">
+            <a:schemeClr val="accent1"/>
+          </a:fillRef>
+          <a:effectRef idx="0">
+            <a:schemeClr val="accent1"/>
+          </a:effectRef>
+          <a:fontRef idx="minor">
+            <a:schemeClr val="lt1"/>
+          </a:fontRef>
+        </p:style>
+        <p:txBody>
+          <a:bodyPr rtlCol="0" anchor="ctr"/>
+          <a:lstStyle/>
+          <a:p>
+            <a:pPr algn="ctr"/>
+            <a:r>
+              <a:rPr lang="en-US" dirty="0"/>
+              <a:t>orders</a:t>
+            </a:r>
+          </a:p>
+        </p:txBody>
+      </p:sp>
+      <p:sp>
+        <p:nvSpPr>
+          <p:cNvPr id="6" name="Oval 5">
+            <a:extLst>
+              <a:ext uri="{FF2B5EF4-FFF2-40B4-BE49-F238E27FC236}">
+                <a16:creationId xmlns:a16="http://schemas.microsoft.com/office/drawing/2014/main" id="{AE62C8D7-8F16-32B5-DBDB-F3E83418D725}"/>
+              </a:ext>
+            </a:extLst>
+          </p:cNvPr>
+          <p:cNvSpPr/>
+          <p:nvPr/>
+        </p:nvSpPr>
+        <p:spPr>
+          <a:xfrm>
+            <a:off x="3907973" y="3128277"/>
+            <a:ext cx="1756228" cy="1001486"/>
+          </a:xfrm>
+          <a:prstGeom prst="ellipse">
+            <a:avLst/>
+          </a:prstGeom>
+        </p:spPr>
+        <p:style>
+          <a:lnRef idx="2">
+            <a:schemeClr val="accent1">
+              <a:shade val="15000"/>
+            </a:schemeClr>
+          </a:lnRef>
+          <a:fillRef idx="1">
+            <a:schemeClr val="accent1"/>
+          </a:fillRef>
+          <a:effectRef idx="0">
+            <a:schemeClr val="accent1"/>
+          </a:effectRef>
+          <a:fontRef idx="minor">
+            <a:schemeClr val="lt1"/>
+          </a:fontRef>
+        </p:style>
+        <p:txBody>
+          <a:bodyPr rtlCol="0" anchor="ctr"/>
+          <a:lstStyle/>
+          <a:p>
+            <a:pPr algn="ctr"/>
+            <a:r>
+              <a:rPr lang="en-US" dirty="0"/>
+              <a:t>auth</a:t>
+            </a:r>
+          </a:p>
+        </p:txBody>
+      </p:sp>
+      <p:sp>
+        <p:nvSpPr>
+          <p:cNvPr id="7" name="Oval 6">
+            <a:extLst>
+              <a:ext uri="{FF2B5EF4-FFF2-40B4-BE49-F238E27FC236}">
+                <a16:creationId xmlns:a16="http://schemas.microsoft.com/office/drawing/2014/main" id="{C5AD8CEC-8971-260F-FABC-CB13EE600396}"/>
+              </a:ext>
+            </a:extLst>
+          </p:cNvPr>
+          <p:cNvSpPr/>
+          <p:nvPr/>
+        </p:nvSpPr>
+        <p:spPr>
+          <a:xfrm>
+            <a:off x="870856" y="2305502"/>
+            <a:ext cx="1756228" cy="1001486"/>
+          </a:xfrm>
+          <a:prstGeom prst="ellipse">
+            <a:avLst/>
+          </a:prstGeom>
+        </p:spPr>
+        <p:style>
+          <a:lnRef idx="2">
+            <a:schemeClr val="accent1">
+              <a:shade val="15000"/>
+            </a:schemeClr>
+          </a:lnRef>
+          <a:fillRef idx="1">
+            <a:schemeClr val="accent1"/>
+          </a:fillRef>
+          <a:effectRef idx="0">
+            <a:schemeClr val="accent1"/>
+          </a:effectRef>
+          <a:fontRef idx="minor">
+            <a:schemeClr val="lt1"/>
+          </a:fontRef>
+        </p:style>
+        <p:txBody>
+          <a:bodyPr rtlCol="0" anchor="ctr"/>
+          <a:lstStyle/>
+          <a:p>
+            <a:pPr algn="ctr"/>
+            <a:r>
+              <a:rPr lang="en-US" dirty="0"/>
+              <a:t>Settings</a:t>
+            </a:r>
+          </a:p>
+        </p:txBody>
+      </p:sp>
+      <p:sp>
+        <p:nvSpPr>
+          <p:cNvPr id="8" name="Oval 7">
+            <a:extLst>
+              <a:ext uri="{FF2B5EF4-FFF2-40B4-BE49-F238E27FC236}">
+                <a16:creationId xmlns:a16="http://schemas.microsoft.com/office/drawing/2014/main" id="{1FB3DF46-F399-B5E0-791D-C230439A99AB}"/>
+              </a:ext>
+            </a:extLst>
+          </p:cNvPr>
+          <p:cNvSpPr/>
+          <p:nvPr/>
+        </p:nvSpPr>
+        <p:spPr>
+          <a:xfrm>
+            <a:off x="261256" y="4148816"/>
+            <a:ext cx="1756228" cy="1001486"/>
+          </a:xfrm>
+          <a:prstGeom prst="ellipse">
+            <a:avLst/>
+          </a:prstGeom>
+        </p:spPr>
+        <p:style>
+          <a:lnRef idx="2">
+            <a:schemeClr val="accent1">
+              <a:shade val="15000"/>
+            </a:schemeClr>
+          </a:lnRef>
+          <a:fillRef idx="1">
+            <a:schemeClr val="accent1"/>
+          </a:fillRef>
+          <a:effectRef idx="0">
+            <a:schemeClr val="accent1"/>
+          </a:effectRef>
+          <a:fontRef idx="minor">
+            <a:schemeClr val="lt1"/>
+          </a:fontRef>
+        </p:style>
+        <p:txBody>
+          <a:bodyPr rtlCol="0" anchor="ctr"/>
+          <a:lstStyle/>
+          <a:p>
+            <a:pPr algn="ctr"/>
+            <a:r>
+              <a:rPr lang="en-US" dirty="0"/>
+              <a:t>user</a:t>
+            </a:r>
+          </a:p>
+        </p:txBody>
+      </p:sp>
+      <p:sp>
+        <p:nvSpPr>
+          <p:cNvPr id="9" name="Oval 8">
+            <a:extLst>
+              <a:ext uri="{FF2B5EF4-FFF2-40B4-BE49-F238E27FC236}">
+                <a16:creationId xmlns:a16="http://schemas.microsoft.com/office/drawing/2014/main" id="{42770EFB-355D-B5BA-FA68-203E47713E9E}"/>
+              </a:ext>
+            </a:extLst>
+          </p:cNvPr>
+          <p:cNvSpPr/>
+          <p:nvPr/>
+        </p:nvSpPr>
+        <p:spPr>
+          <a:xfrm>
+            <a:off x="261256" y="5496376"/>
+            <a:ext cx="1756228" cy="1001486"/>
+          </a:xfrm>
+          <a:prstGeom prst="ellipse">
+            <a:avLst/>
+          </a:prstGeom>
+          <a:solidFill>
+            <a:schemeClr val="accent2">
+              <a:lumMod val="75000"/>
+            </a:schemeClr>
+          </a:solidFill>
+        </p:spPr>
+        <p:style>
+          <a:lnRef idx="2">
+            <a:schemeClr val="accent1">
+              <a:shade val="15000"/>
+            </a:schemeClr>
+          </a:lnRef>
+          <a:fillRef idx="1">
+            <a:schemeClr val="accent1"/>
+          </a:fillRef>
+          <a:effectRef idx="0">
+            <a:schemeClr val="accent1"/>
+          </a:effectRef>
+          <a:fontRef idx="minor">
+            <a:schemeClr val="lt1"/>
+          </a:fontRef>
+        </p:style>
+        <p:txBody>
+          <a:bodyPr rtlCol="0" anchor="ctr"/>
+          <a:lstStyle/>
+          <a:p>
+            <a:pPr algn="ctr"/>
+            <a:r>
+              <a:rPr lang="en-US" dirty="0"/>
+              <a:t>profile</a:t>
+            </a:r>
+          </a:p>
+        </p:txBody>
+      </p:sp>
+      <p:sp>
+        <p:nvSpPr>
+          <p:cNvPr id="10" name="Oval 9">
+            <a:extLst>
+              <a:ext uri="{FF2B5EF4-FFF2-40B4-BE49-F238E27FC236}">
+                <a16:creationId xmlns:a16="http://schemas.microsoft.com/office/drawing/2014/main" id="{3FFBC3B0-F21F-BDFD-C4BF-4E7EDC4A8DD3}"/>
+              </a:ext>
+            </a:extLst>
+          </p:cNvPr>
+          <p:cNvSpPr/>
+          <p:nvPr/>
+        </p:nvSpPr>
+        <p:spPr>
+          <a:xfrm>
+            <a:off x="2889248" y="5156652"/>
+            <a:ext cx="1756228" cy="1001486"/>
+          </a:xfrm>
+          <a:prstGeom prst="ellipse">
+            <a:avLst/>
+          </a:prstGeom>
+          <a:solidFill>
+            <a:srgbClr val="92D050"/>
+          </a:solidFill>
+        </p:spPr>
+        <p:style>
+          <a:lnRef idx="2">
+            <a:schemeClr val="accent1">
+              <a:shade val="15000"/>
+            </a:schemeClr>
+          </a:lnRef>
+          <a:fillRef idx="1">
+            <a:schemeClr val="accent1"/>
+          </a:fillRef>
+          <a:effectRef idx="0">
+            <a:schemeClr val="accent1"/>
+          </a:effectRef>
+          <a:fontRef idx="minor">
+            <a:schemeClr val="lt1"/>
+          </a:fontRef>
+        </p:style>
+        <p:txBody>
+          <a:bodyPr rtlCol="0" anchor="ctr"/>
+          <a:lstStyle/>
+          <a:p>
+            <a:pPr algn="ctr"/>
+            <a:r>
+              <a:rPr lang="en-US" dirty="0"/>
+              <a:t>Sign in</a:t>
+            </a:r>
+          </a:p>
+        </p:txBody>
+      </p:sp>
+      <p:sp>
+        <p:nvSpPr>
+          <p:cNvPr id="11" name="Oval 10">
+            <a:extLst>
+              <a:ext uri="{FF2B5EF4-FFF2-40B4-BE49-F238E27FC236}">
+                <a16:creationId xmlns:a16="http://schemas.microsoft.com/office/drawing/2014/main" id="{A0D0640C-ABD4-002B-BCBD-9DAE7531A2F8}"/>
+              </a:ext>
+            </a:extLst>
+          </p:cNvPr>
+          <p:cNvSpPr/>
+          <p:nvPr/>
+        </p:nvSpPr>
+        <p:spPr>
+          <a:xfrm>
+            <a:off x="5523590" y="5156652"/>
+            <a:ext cx="1756228" cy="1001486"/>
+          </a:xfrm>
+          <a:prstGeom prst="ellipse">
+            <a:avLst/>
+          </a:prstGeom>
+          <a:solidFill>
+            <a:srgbClr val="92D050"/>
+          </a:solidFill>
+        </p:spPr>
+        <p:style>
+          <a:lnRef idx="2">
+            <a:schemeClr val="accent1">
+              <a:shade val="15000"/>
+            </a:schemeClr>
+          </a:lnRef>
+          <a:fillRef idx="1">
+            <a:schemeClr val="accent1"/>
+          </a:fillRef>
+          <a:effectRef idx="0">
+            <a:schemeClr val="accent1"/>
+          </a:effectRef>
+          <a:fontRef idx="minor">
+            <a:schemeClr val="lt1"/>
+          </a:fontRef>
+        </p:style>
+        <p:txBody>
+          <a:bodyPr rtlCol="0" anchor="ctr"/>
+          <a:lstStyle/>
+          <a:p>
+            <a:pPr algn="ctr"/>
+            <a:r>
+              <a:rPr lang="en-US" dirty="0"/>
+              <a:t>Sign Up</a:t>
+            </a:r>
+          </a:p>
+        </p:txBody>
+      </p:sp>
+      <p:sp>
+        <p:nvSpPr>
+          <p:cNvPr id="12" name="Oval 11">
+            <a:extLst>
+              <a:ext uri="{FF2B5EF4-FFF2-40B4-BE49-F238E27FC236}">
+                <a16:creationId xmlns:a16="http://schemas.microsoft.com/office/drawing/2014/main" id="{35664FD2-791F-26CE-C9DC-CD3C2E5B7C64}"/>
+              </a:ext>
+            </a:extLst>
+          </p:cNvPr>
+          <p:cNvSpPr/>
+          <p:nvPr/>
+        </p:nvSpPr>
+        <p:spPr>
+          <a:xfrm>
+            <a:off x="6411687" y="3204022"/>
+            <a:ext cx="1756228" cy="1001486"/>
+          </a:xfrm>
+          <a:prstGeom prst="ellipse">
+            <a:avLst/>
+          </a:prstGeom>
+          <a:solidFill>
+            <a:schemeClr val="accent2">
+              <a:lumMod val="75000"/>
+            </a:schemeClr>
+          </a:solidFill>
+        </p:spPr>
+        <p:style>
+          <a:lnRef idx="2">
+            <a:schemeClr val="accent1">
+              <a:shade val="15000"/>
+            </a:schemeClr>
+          </a:lnRef>
+          <a:fillRef idx="1">
+            <a:schemeClr val="accent1"/>
+          </a:fillRef>
+          <a:effectRef idx="0">
+            <a:schemeClr val="accent1"/>
+          </a:effectRef>
+          <a:fontRef idx="minor">
+            <a:schemeClr val="lt1"/>
+          </a:fontRef>
+        </p:style>
+        <p:txBody>
+          <a:bodyPr rtlCol="0" anchor="ctr"/>
+          <a:lstStyle/>
+          <a:p>
+            <a:pPr algn="ctr"/>
+            <a:r>
+              <a:rPr lang="en-US" dirty="0"/>
+              <a:t>history</a:t>
+            </a:r>
+          </a:p>
+        </p:txBody>
+      </p:sp>
+      <p:sp>
+        <p:nvSpPr>
+          <p:cNvPr id="13" name="Oval 12">
+            <a:extLst>
+              <a:ext uri="{FF2B5EF4-FFF2-40B4-BE49-F238E27FC236}">
+                <a16:creationId xmlns:a16="http://schemas.microsoft.com/office/drawing/2014/main" id="{5A7ACDBF-5049-230B-59FB-255F16E39283}"/>
+              </a:ext>
+            </a:extLst>
+          </p:cNvPr>
+          <p:cNvSpPr/>
+          <p:nvPr/>
+        </p:nvSpPr>
+        <p:spPr>
+          <a:xfrm>
+            <a:off x="8294915" y="3263898"/>
+            <a:ext cx="1756228" cy="1001486"/>
+          </a:xfrm>
+          <a:prstGeom prst="ellipse">
+            <a:avLst/>
+          </a:prstGeom>
+          <a:solidFill>
+            <a:schemeClr val="accent2">
+              <a:lumMod val="75000"/>
+            </a:schemeClr>
+          </a:solidFill>
+        </p:spPr>
+        <p:style>
+          <a:lnRef idx="2">
+            <a:schemeClr val="accent1">
+              <a:shade val="15000"/>
+            </a:schemeClr>
+          </a:lnRef>
+          <a:fillRef idx="1">
+            <a:schemeClr val="accent1"/>
+          </a:fillRef>
+          <a:effectRef idx="0">
+            <a:schemeClr val="accent1"/>
+          </a:effectRef>
+          <a:fontRef idx="minor">
+            <a:schemeClr val="lt1"/>
+          </a:fontRef>
+        </p:style>
+        <p:txBody>
+          <a:bodyPr rtlCol="0" anchor="ctr"/>
+          <a:lstStyle/>
+          <a:p>
+            <a:pPr algn="ctr"/>
+            <a:r>
+              <a:rPr lang="en-US" dirty="0"/>
+              <a:t>returns</a:t>
+            </a:r>
+          </a:p>
+        </p:txBody>
+      </p:sp>
+      <p:cxnSp>
+        <p:nvCxnSpPr>
+          <p:cNvPr id="15" name="Connector: Elbow 14">
+            <a:extLst>
+              <a:ext uri="{FF2B5EF4-FFF2-40B4-BE49-F238E27FC236}">
+                <a16:creationId xmlns:a16="http://schemas.microsoft.com/office/drawing/2014/main" id="{4FF8FCB6-1918-1A5F-7C5B-08A67C3D6C00}"/>
+              </a:ext>
+            </a:extLst>
+          </p:cNvPr>
+          <p:cNvCxnSpPr>
+            <a:stCxn id="4" idx="4"/>
+            <a:endCxn id="6" idx="0"/>
+          </p:cNvCxnSpPr>
+          <p:nvPr/>
+        </p:nvCxnSpPr>
+        <p:spPr>
+          <a:xfrm rot="5400000">
+            <a:off x="4526421" y="1827211"/>
+            <a:ext cx="1560733" cy="1041399"/>
+          </a:xfrm>
+          <a:prstGeom prst="bentConnector3">
+            <a:avLst/>
+          </a:prstGeom>
+        </p:spPr>
+        <p:style>
+          <a:lnRef idx="1">
+            <a:schemeClr val="accent1"/>
+          </a:lnRef>
+          <a:fillRef idx="0">
+            <a:schemeClr val="accent1"/>
+          </a:fillRef>
+          <a:effectRef idx="0">
+            <a:schemeClr val="accent1"/>
+          </a:effectRef>
+          <a:fontRef idx="minor">
+            <a:schemeClr val="tx1"/>
+          </a:fontRef>
+        </p:style>
+      </p:cxnSp>
+      <p:cxnSp>
+        <p:nvCxnSpPr>
+          <p:cNvPr id="17" name="Connector: Elbow 16">
+            <a:extLst>
+              <a:ext uri="{FF2B5EF4-FFF2-40B4-BE49-F238E27FC236}">
+                <a16:creationId xmlns:a16="http://schemas.microsoft.com/office/drawing/2014/main" id="{E2EE3B05-0CB3-9F8B-E87C-81F7413E0572}"/>
+              </a:ext>
+            </a:extLst>
+          </p:cNvPr>
+          <p:cNvCxnSpPr>
+            <a:stCxn id="4" idx="2"/>
+            <a:endCxn id="7" idx="0"/>
+          </p:cNvCxnSpPr>
+          <p:nvPr/>
+        </p:nvCxnSpPr>
+        <p:spPr>
+          <a:xfrm rot="10800000" flipV="1">
+            <a:off x="1748970" y="957944"/>
+            <a:ext cx="3243944" cy="1347558"/>
+          </a:xfrm>
+          <a:prstGeom prst="bentConnector2">
+            <a:avLst/>
+          </a:prstGeom>
+        </p:spPr>
+        <p:style>
+          <a:lnRef idx="1">
+            <a:schemeClr val="accent1"/>
+          </a:lnRef>
+          <a:fillRef idx="0">
+            <a:schemeClr val="accent1"/>
+          </a:fillRef>
+          <a:effectRef idx="0">
+            <a:schemeClr val="accent1"/>
+          </a:effectRef>
+          <a:fontRef idx="minor">
+            <a:schemeClr val="tx1"/>
+          </a:fontRef>
+        </p:style>
+      </p:cxnSp>
+      <p:cxnSp>
+        <p:nvCxnSpPr>
+          <p:cNvPr id="19" name="Connector: Elbow 18">
+            <a:extLst>
+              <a:ext uri="{FF2B5EF4-FFF2-40B4-BE49-F238E27FC236}">
+                <a16:creationId xmlns:a16="http://schemas.microsoft.com/office/drawing/2014/main" id="{28B8D7F7-4A52-F099-8934-54616F937E00}"/>
+              </a:ext>
+            </a:extLst>
+          </p:cNvPr>
+          <p:cNvCxnSpPr>
+            <a:stCxn id="4" idx="6"/>
+            <a:endCxn id="5" idx="0"/>
+          </p:cNvCxnSpPr>
+          <p:nvPr/>
+        </p:nvCxnSpPr>
+        <p:spPr>
+          <a:xfrm>
+            <a:off x="6662057" y="957944"/>
+            <a:ext cx="1211943" cy="1006924"/>
+          </a:xfrm>
+          <a:prstGeom prst="bentConnector2">
+            <a:avLst/>
+          </a:prstGeom>
+        </p:spPr>
+        <p:style>
+          <a:lnRef idx="1">
+            <a:schemeClr val="accent1"/>
+          </a:lnRef>
+          <a:fillRef idx="0">
+            <a:schemeClr val="accent1"/>
+          </a:fillRef>
+          <a:effectRef idx="0">
+            <a:schemeClr val="accent1"/>
+          </a:effectRef>
+          <a:fontRef idx="minor">
+            <a:schemeClr val="tx1"/>
+          </a:fontRef>
+        </p:style>
+      </p:cxnSp>
+      <p:cxnSp>
+        <p:nvCxnSpPr>
+          <p:cNvPr id="21" name="Connector: Elbow 20">
+            <a:extLst>
+              <a:ext uri="{FF2B5EF4-FFF2-40B4-BE49-F238E27FC236}">
+                <a16:creationId xmlns:a16="http://schemas.microsoft.com/office/drawing/2014/main" id="{593FCC46-3E83-7180-B695-3DB81DC76C4B}"/>
+              </a:ext>
+            </a:extLst>
+          </p:cNvPr>
+          <p:cNvCxnSpPr>
+            <a:stCxn id="7" idx="4"/>
+            <a:endCxn id="8" idx="0"/>
+          </p:cNvCxnSpPr>
+          <p:nvPr/>
+        </p:nvCxnSpPr>
+        <p:spPr>
+          <a:xfrm rot="5400000">
+            <a:off x="1023256" y="3423102"/>
+            <a:ext cx="841828" cy="609600"/>
+          </a:xfrm>
+          <a:prstGeom prst="bentConnector3">
+            <a:avLst/>
+          </a:prstGeom>
+        </p:spPr>
+        <p:style>
+          <a:lnRef idx="1">
+            <a:schemeClr val="accent1"/>
+          </a:lnRef>
+          <a:fillRef idx="0">
+            <a:schemeClr val="accent1"/>
+          </a:fillRef>
+          <a:effectRef idx="0">
+            <a:schemeClr val="accent1"/>
+          </a:effectRef>
+          <a:fontRef idx="minor">
+            <a:schemeClr val="tx1"/>
+          </a:fontRef>
+        </p:style>
+      </p:cxnSp>
+      <p:cxnSp>
+        <p:nvCxnSpPr>
+          <p:cNvPr id="23" name="Connector: Elbow 22">
+            <a:extLst>
+              <a:ext uri="{FF2B5EF4-FFF2-40B4-BE49-F238E27FC236}">
+                <a16:creationId xmlns:a16="http://schemas.microsoft.com/office/drawing/2014/main" id="{1ED06FA0-E509-79BD-78B2-DB4CF6F9CA6C}"/>
+              </a:ext>
+            </a:extLst>
+          </p:cNvPr>
+          <p:cNvCxnSpPr>
+            <a:stCxn id="8" idx="4"/>
+            <a:endCxn id="9" idx="0"/>
+          </p:cNvCxnSpPr>
+          <p:nvPr/>
+        </p:nvCxnSpPr>
+        <p:spPr>
+          <a:xfrm rot="5400000">
+            <a:off x="966333" y="5323339"/>
+            <a:ext cx="346074" cy="12700"/>
+          </a:xfrm>
+          <a:prstGeom prst="bentConnector3">
+            <a:avLst/>
+          </a:prstGeom>
+        </p:spPr>
+        <p:style>
+          <a:lnRef idx="1">
+            <a:schemeClr val="accent1"/>
+          </a:lnRef>
+          <a:fillRef idx="0">
+            <a:schemeClr val="accent1"/>
+          </a:fillRef>
+          <a:effectRef idx="0">
+            <a:schemeClr val="accent1"/>
+          </a:effectRef>
+          <a:fontRef idx="minor">
+            <a:schemeClr val="tx1"/>
+          </a:fontRef>
+        </p:style>
+      </p:cxnSp>
+      <p:cxnSp>
+        <p:nvCxnSpPr>
+          <p:cNvPr id="25" name="Connector: Elbow 24">
+            <a:extLst>
+              <a:ext uri="{FF2B5EF4-FFF2-40B4-BE49-F238E27FC236}">
+                <a16:creationId xmlns:a16="http://schemas.microsoft.com/office/drawing/2014/main" id="{382828CA-B497-BC3E-8CAE-EE065020F560}"/>
+              </a:ext>
+            </a:extLst>
+          </p:cNvPr>
+          <p:cNvCxnSpPr>
+            <a:stCxn id="6" idx="4"/>
+            <a:endCxn id="10" idx="0"/>
+          </p:cNvCxnSpPr>
+          <p:nvPr/>
+        </p:nvCxnSpPr>
+        <p:spPr>
+          <a:xfrm rot="5400000">
+            <a:off x="3763281" y="4133845"/>
+            <a:ext cx="1026889" cy="1018725"/>
+          </a:xfrm>
+          <a:prstGeom prst="bentConnector3">
+            <a:avLst/>
+          </a:prstGeom>
+        </p:spPr>
+        <p:style>
+          <a:lnRef idx="1">
+            <a:schemeClr val="accent1"/>
+          </a:lnRef>
+          <a:fillRef idx="0">
+            <a:schemeClr val="accent1"/>
+          </a:fillRef>
+          <a:effectRef idx="0">
+            <a:schemeClr val="accent1"/>
+          </a:effectRef>
+          <a:fontRef idx="minor">
+            <a:schemeClr val="tx1"/>
+          </a:fontRef>
+        </p:style>
+      </p:cxnSp>
+      <p:cxnSp>
+        <p:nvCxnSpPr>
+          <p:cNvPr id="27" name="Connector: Elbow 26">
+            <a:extLst>
+              <a:ext uri="{FF2B5EF4-FFF2-40B4-BE49-F238E27FC236}">
+                <a16:creationId xmlns:a16="http://schemas.microsoft.com/office/drawing/2014/main" id="{1707E679-D061-2F74-AB87-13F3AF97F16F}"/>
+              </a:ext>
+            </a:extLst>
+          </p:cNvPr>
+          <p:cNvCxnSpPr>
+            <a:stCxn id="6" idx="4"/>
+            <a:endCxn id="11" idx="0"/>
+          </p:cNvCxnSpPr>
+          <p:nvPr/>
+        </p:nvCxnSpPr>
+        <p:spPr>
+          <a:xfrm rot="16200000" flipH="1">
+            <a:off x="5080451" y="3835398"/>
+            <a:ext cx="1026889" cy="1615617"/>
+          </a:xfrm>
+          <a:prstGeom prst="bentConnector3">
+            <a:avLst/>
+          </a:prstGeom>
+        </p:spPr>
+        <p:style>
+          <a:lnRef idx="1">
+            <a:schemeClr val="accent1"/>
+          </a:lnRef>
+          <a:fillRef idx="0">
+            <a:schemeClr val="accent1"/>
+          </a:fillRef>
+          <a:effectRef idx="0">
+            <a:schemeClr val="accent1"/>
+          </a:effectRef>
+          <a:fontRef idx="minor">
+            <a:schemeClr val="tx1"/>
+          </a:fontRef>
+        </p:style>
+      </p:cxnSp>
+      <p:cxnSp>
+        <p:nvCxnSpPr>
+          <p:cNvPr id="29" name="Connector: Elbow 28">
+            <a:extLst>
+              <a:ext uri="{FF2B5EF4-FFF2-40B4-BE49-F238E27FC236}">
+                <a16:creationId xmlns:a16="http://schemas.microsoft.com/office/drawing/2014/main" id="{454226FE-D8B4-61FA-F916-8E5DF0D351DA}"/>
+              </a:ext>
+            </a:extLst>
+          </p:cNvPr>
+          <p:cNvCxnSpPr>
+            <a:stCxn id="5" idx="4"/>
+            <a:endCxn id="12" idx="0"/>
+          </p:cNvCxnSpPr>
+          <p:nvPr/>
+        </p:nvCxnSpPr>
+        <p:spPr>
+          <a:xfrm rot="5400000">
+            <a:off x="7463067" y="2793089"/>
+            <a:ext cx="237668" cy="584199"/>
+          </a:xfrm>
+          <a:prstGeom prst="bentConnector3">
+            <a:avLst/>
+          </a:prstGeom>
+        </p:spPr>
+        <p:style>
+          <a:lnRef idx="1">
+            <a:schemeClr val="accent1"/>
+          </a:lnRef>
+          <a:fillRef idx="0">
+            <a:schemeClr val="accent1"/>
+          </a:fillRef>
+          <a:effectRef idx="0">
+            <a:schemeClr val="accent1"/>
+          </a:effectRef>
+          <a:fontRef idx="minor">
+            <a:schemeClr val="tx1"/>
+          </a:fontRef>
+        </p:style>
+      </p:cxnSp>
+      <p:cxnSp>
+        <p:nvCxnSpPr>
+          <p:cNvPr id="31" name="Connector: Elbow 30">
+            <a:extLst>
+              <a:ext uri="{FF2B5EF4-FFF2-40B4-BE49-F238E27FC236}">
+                <a16:creationId xmlns:a16="http://schemas.microsoft.com/office/drawing/2014/main" id="{A86DB53A-B9B4-6B8E-FABB-5DC9A09FD9B2}"/>
+              </a:ext>
+            </a:extLst>
+          </p:cNvPr>
+          <p:cNvCxnSpPr>
+            <a:stCxn id="5" idx="6"/>
+            <a:endCxn id="13" idx="0"/>
+          </p:cNvCxnSpPr>
+          <p:nvPr/>
+        </p:nvCxnSpPr>
+        <p:spPr>
+          <a:xfrm>
+            <a:off x="8752114" y="2465611"/>
+            <a:ext cx="420915" cy="798287"/>
+          </a:xfrm>
+          <a:prstGeom prst="bentConnector2">
+            <a:avLst/>
+          </a:prstGeom>
+        </p:spPr>
+        <p:style>
+          <a:lnRef idx="1">
+            <a:schemeClr val="accent1"/>
+          </a:lnRef>
+          <a:fillRef idx="0">
+            <a:schemeClr val="accent1"/>
+          </a:fillRef>
+          <a:effectRef idx="0">
+            <a:schemeClr val="accent1"/>
+          </a:effectRef>
+          <a:fontRef idx="minor">
+            <a:schemeClr val="tx1"/>
+          </a:fontRef>
+        </p:style>
+      </p:cxnSp>
+      <p:sp>
+        <p:nvSpPr>
+          <p:cNvPr id="3" name="Flowchart: Connector 2">
+            <a:extLst>
+              <a:ext uri="{FF2B5EF4-FFF2-40B4-BE49-F238E27FC236}">
+                <a16:creationId xmlns:a16="http://schemas.microsoft.com/office/drawing/2014/main" id="{B866F5E7-5391-197D-2CBF-1E8EA752DDD7}"/>
+              </a:ext>
+            </a:extLst>
+          </p:cNvPr>
+          <p:cNvSpPr/>
+          <p:nvPr/>
+        </p:nvSpPr>
+        <p:spPr>
+          <a:xfrm>
+            <a:off x="10319657" y="289154"/>
+            <a:ext cx="667657" cy="456743"/>
+          </a:xfrm>
+          <a:prstGeom prst="flowChartConnector">
+            <a:avLst/>
+          </a:prstGeom>
+          <a:solidFill>
+            <a:srgbClr val="92D050"/>
+          </a:solidFill>
+        </p:spPr>
+        <p:style>
+          <a:lnRef idx="2">
+            <a:schemeClr val="accent1">
+              <a:shade val="15000"/>
+            </a:schemeClr>
+          </a:lnRef>
+          <a:fillRef idx="1">
+            <a:schemeClr val="accent1"/>
+          </a:fillRef>
+          <a:effectRef idx="0">
+            <a:schemeClr val="accent1"/>
+          </a:effectRef>
+          <a:fontRef idx="minor">
+            <a:schemeClr val="lt1"/>
+          </a:fontRef>
+        </p:style>
+        <p:txBody>
+          <a:bodyPr rtlCol="0" anchor="ctr"/>
+          <a:lstStyle/>
+          <a:p>
+            <a:pPr algn="ctr"/>
+            <a:endParaRPr lang="en-US"/>
+          </a:p>
+        </p:txBody>
+      </p:sp>
+      <p:sp>
+        <p:nvSpPr>
+          <p:cNvPr id="14" name="TextBox 13">
+            <a:extLst>
+              <a:ext uri="{FF2B5EF4-FFF2-40B4-BE49-F238E27FC236}">
+                <a16:creationId xmlns:a16="http://schemas.microsoft.com/office/drawing/2014/main" id="{0E7557B9-CD0C-768D-68D6-5F1789146561}"/>
+              </a:ext>
+            </a:extLst>
+          </p:cNvPr>
+          <p:cNvSpPr txBox="1"/>
+          <p:nvPr/>
+        </p:nvSpPr>
+        <p:spPr>
+          <a:xfrm>
+            <a:off x="10963487" y="374422"/>
+            <a:ext cx="1085425" cy="369332"/>
+          </a:xfrm>
+          <a:prstGeom prst="rect">
+            <a:avLst/>
+          </a:prstGeom>
+          <a:noFill/>
+        </p:spPr>
+        <p:txBody>
+          <a:bodyPr wrap="none" rtlCol="0">
+            <a:spAutoFit/>
+          </a:bodyPr>
+          <a:lstStyle/>
+          <a:p>
+            <a:r>
+              <a:rPr lang="en-US" dirty="0"/>
+              <a:t>User data</a:t>
+            </a:r>
+          </a:p>
+        </p:txBody>
+      </p:sp>
+      <p:sp>
+        <p:nvSpPr>
+          <p:cNvPr id="16" name="Flowchart: Connector 15">
+            <a:extLst>
+              <a:ext uri="{FF2B5EF4-FFF2-40B4-BE49-F238E27FC236}">
+                <a16:creationId xmlns:a16="http://schemas.microsoft.com/office/drawing/2014/main" id="{DC2F98ED-8AE9-AE60-E6CB-DA758B3E423B}"/>
+              </a:ext>
+            </a:extLst>
+          </p:cNvPr>
+          <p:cNvSpPr/>
+          <p:nvPr/>
+        </p:nvSpPr>
+        <p:spPr>
+          <a:xfrm>
+            <a:off x="10319657" y="1199472"/>
+            <a:ext cx="667657" cy="456743"/>
+          </a:xfrm>
+          <a:prstGeom prst="flowChartConnector">
+            <a:avLst/>
+          </a:prstGeom>
+          <a:solidFill>
+            <a:schemeClr val="accent2">
+              <a:lumMod val="75000"/>
+            </a:schemeClr>
+          </a:solidFill>
+        </p:spPr>
+        <p:style>
+          <a:lnRef idx="2">
+            <a:schemeClr val="accent1">
+              <a:shade val="15000"/>
+            </a:schemeClr>
+          </a:lnRef>
+          <a:fillRef idx="1">
+            <a:schemeClr val="accent1"/>
+          </a:fillRef>
+          <a:effectRef idx="0">
+            <a:schemeClr val="accent1"/>
+          </a:effectRef>
+          <a:fontRef idx="minor">
+            <a:schemeClr val="lt1"/>
+          </a:fontRef>
+        </p:style>
+        <p:txBody>
+          <a:bodyPr rtlCol="0" anchor="ctr"/>
+          <a:lstStyle/>
+          <a:p>
+            <a:pPr algn="ctr"/>
+            <a:endParaRPr lang="en-US"/>
+          </a:p>
+        </p:txBody>
+      </p:sp>
+      <p:sp>
+        <p:nvSpPr>
+          <p:cNvPr id="18" name="TextBox 17">
+            <a:extLst>
+              <a:ext uri="{FF2B5EF4-FFF2-40B4-BE49-F238E27FC236}">
+                <a16:creationId xmlns:a16="http://schemas.microsoft.com/office/drawing/2014/main" id="{F8A82533-8871-9BED-BDE4-F127EE59D4E4}"/>
+              </a:ext>
+            </a:extLst>
+          </p:cNvPr>
+          <p:cNvSpPr txBox="1"/>
+          <p:nvPr/>
+        </p:nvSpPr>
+        <p:spPr>
+          <a:xfrm>
+            <a:off x="10963487" y="1284740"/>
+            <a:ext cx="1085425" cy="646331"/>
+          </a:xfrm>
+          <a:prstGeom prst="rect">
+            <a:avLst/>
+          </a:prstGeom>
+          <a:noFill/>
+        </p:spPr>
+        <p:txBody>
+          <a:bodyPr wrap="none" rtlCol="0">
+            <a:spAutoFit/>
+          </a:bodyPr>
+          <a:lstStyle/>
+          <a:p>
+            <a:r>
+              <a:rPr lang="en-US" dirty="0"/>
+              <a:t>Needs </a:t>
+            </a:r>
+          </a:p>
+          <a:p>
+            <a:r>
+              <a:rPr lang="en-US" dirty="0"/>
+              <a:t>User data</a:t>
+            </a:r>
+          </a:p>
+        </p:txBody>
+      </p:sp>
+    </p:spTree>
+    <p:extLst>
+      <p:ext uri="{BB962C8B-B14F-4D97-AF65-F5344CB8AC3E}">
+        <p14:creationId xmlns:p14="http://schemas.microsoft.com/office/powerpoint/2010/main" val="2717324435"/>
+      </p:ext>
+    </p:extLst>
+  </p:cSld>
+  <p:clrMapOvr>
+    <a:masterClrMapping/>
+  </p:clrMapOvr>
+</p:sld>
+</file>
+
+<file path=ppt/slides/slide12.xml><?xml version="1.0" encoding="utf-8"?>
+<p:sld xmlns:a="http://schemas.openxmlformats.org/drawingml/2006/main" xmlns:r="http://schemas.openxmlformats.org/officeDocument/2006/relationships" xmlns:p="http://schemas.openxmlformats.org/presentationml/2006/main">
+  <p:cSld>
+    <p:spTree>
+      <p:nvGrpSpPr>
+        <p:cNvPr id="1" name=""/>
+        <p:cNvGrpSpPr/>
+        <p:nvPr/>
+      </p:nvGrpSpPr>
+      <p:grpSpPr>
+        <a:xfrm>
+          <a:off x="0" y="0"/>
+          <a:ext cx="0" cy="0"/>
+          <a:chOff x="0" y="0"/>
+          <a:chExt cx="0" cy="0"/>
+        </a:xfrm>
+      </p:grpSpPr>
+      <p:sp>
+        <p:nvSpPr>
+          <p:cNvPr id="2" name="Title 1">
+            <a:extLst>
+              <a:ext uri="{FF2B5EF4-FFF2-40B4-BE49-F238E27FC236}">
+                <a16:creationId xmlns:a16="http://schemas.microsoft.com/office/drawing/2014/main" id="{AEC1970E-DCB2-2B0A-D6E1-0FE38376802F}"/>
+              </a:ext>
+            </a:extLst>
+          </p:cNvPr>
+          <p:cNvSpPr>
+            <a:spLocks noGrp="1"/>
+          </p:cNvSpPr>
+          <p:nvPr>
+            <p:ph type="title"/>
+          </p:nvPr>
+        </p:nvSpPr>
+        <p:spPr>
+          <a:xfrm>
+            <a:off x="838200" y="365126"/>
+            <a:ext cx="10149114" cy="723446"/>
+          </a:xfrm>
+        </p:spPr>
+        <p:txBody>
+          <a:bodyPr/>
+          <a:lstStyle/>
+          <a:p>
+            <a:r>
+              <a:rPr lang="en-US" dirty="0"/>
+              <a:t>Context</a:t>
+            </a:r>
+          </a:p>
+        </p:txBody>
+      </p:sp>
+      <p:sp>
+        <p:nvSpPr>
+          <p:cNvPr id="4" name="Flowchart: Connector 3">
+            <a:extLst>
+              <a:ext uri="{FF2B5EF4-FFF2-40B4-BE49-F238E27FC236}">
+                <a16:creationId xmlns:a16="http://schemas.microsoft.com/office/drawing/2014/main" id="{0DEE531A-24A1-0176-44E4-C9C5D48551C1}"/>
+              </a:ext>
+            </a:extLst>
+          </p:cNvPr>
+          <p:cNvSpPr/>
+          <p:nvPr/>
+        </p:nvSpPr>
+        <p:spPr>
+          <a:xfrm>
+            <a:off x="4992914" y="348344"/>
+            <a:ext cx="1669143" cy="1219200"/>
+          </a:xfrm>
+          <a:prstGeom prst="flowChartConnector">
+            <a:avLst/>
+          </a:prstGeom>
+          <a:solidFill>
+            <a:srgbClr val="FF6600"/>
+          </a:solidFill>
+        </p:spPr>
+        <p:style>
+          <a:lnRef idx="2">
+            <a:schemeClr val="accent1">
+              <a:shade val="15000"/>
+            </a:schemeClr>
+          </a:lnRef>
+          <a:fillRef idx="1">
+            <a:schemeClr val="accent1"/>
+          </a:fillRef>
+          <a:effectRef idx="0">
+            <a:schemeClr val="accent1"/>
+          </a:effectRef>
+          <a:fontRef idx="minor">
+            <a:schemeClr val="lt1"/>
+          </a:fontRef>
+        </p:style>
+        <p:txBody>
+          <a:bodyPr rtlCol="0" anchor="ctr"/>
+          <a:lstStyle/>
+          <a:p>
+            <a:pPr algn="ctr"/>
+            <a:r>
+              <a:rPr lang="en-US" dirty="0">
+                <a:solidFill>
+                  <a:schemeClr val="tx1"/>
+                </a:solidFill>
+              </a:rPr>
+              <a:t>App</a:t>
+            </a:r>
+          </a:p>
+        </p:txBody>
+      </p:sp>
+      <p:sp>
+        <p:nvSpPr>
+          <p:cNvPr id="5" name="Oval 4">
+            <a:extLst>
+              <a:ext uri="{FF2B5EF4-FFF2-40B4-BE49-F238E27FC236}">
+                <a16:creationId xmlns:a16="http://schemas.microsoft.com/office/drawing/2014/main" id="{863F4397-394A-C97F-1809-837A1B495064}"/>
+              </a:ext>
+            </a:extLst>
+          </p:cNvPr>
+          <p:cNvSpPr/>
+          <p:nvPr/>
+        </p:nvSpPr>
+        <p:spPr>
+          <a:xfrm>
+            <a:off x="6995886" y="1964868"/>
+            <a:ext cx="1756228" cy="1001486"/>
+          </a:xfrm>
+          <a:prstGeom prst="ellipse">
+            <a:avLst/>
+          </a:prstGeom>
+          <a:solidFill>
+            <a:srgbClr val="FF6600"/>
+          </a:solidFill>
+        </p:spPr>
+        <p:style>
+          <a:lnRef idx="2">
+            <a:schemeClr val="accent1">
+              <a:shade val="15000"/>
+            </a:schemeClr>
+          </a:lnRef>
+          <a:fillRef idx="1">
+            <a:schemeClr val="accent1"/>
+          </a:fillRef>
+          <a:effectRef idx="0">
+            <a:schemeClr val="accent1"/>
+          </a:effectRef>
+          <a:fontRef idx="minor">
+            <a:schemeClr val="lt1"/>
+          </a:fontRef>
+        </p:style>
+        <p:txBody>
+          <a:bodyPr rtlCol="0" anchor="ctr"/>
+          <a:lstStyle/>
+          <a:p>
+            <a:pPr algn="ctr"/>
+            <a:r>
+              <a:rPr lang="en-US" dirty="0">
+                <a:solidFill>
+                  <a:schemeClr val="tx1"/>
+                </a:solidFill>
+              </a:rPr>
+              <a:t>orders</a:t>
+            </a:r>
+          </a:p>
+        </p:txBody>
+      </p:sp>
+      <p:sp>
+        <p:nvSpPr>
+          <p:cNvPr id="6" name="Oval 5">
+            <a:extLst>
+              <a:ext uri="{FF2B5EF4-FFF2-40B4-BE49-F238E27FC236}">
+                <a16:creationId xmlns:a16="http://schemas.microsoft.com/office/drawing/2014/main" id="{AE62C8D7-8F16-32B5-DBDB-F3E83418D725}"/>
+              </a:ext>
+            </a:extLst>
+          </p:cNvPr>
+          <p:cNvSpPr/>
+          <p:nvPr/>
+        </p:nvSpPr>
+        <p:spPr>
+          <a:xfrm>
+            <a:off x="3907973" y="3128277"/>
+            <a:ext cx="1756228" cy="1001486"/>
+          </a:xfrm>
+          <a:prstGeom prst="ellipse">
+            <a:avLst/>
+          </a:prstGeom>
+          <a:solidFill>
+            <a:srgbClr val="FF6600"/>
+          </a:solidFill>
+        </p:spPr>
+        <p:style>
+          <a:lnRef idx="2">
+            <a:schemeClr val="accent1">
+              <a:shade val="15000"/>
+            </a:schemeClr>
+          </a:lnRef>
+          <a:fillRef idx="1">
+            <a:schemeClr val="accent1"/>
+          </a:fillRef>
+          <a:effectRef idx="0">
+            <a:schemeClr val="accent1"/>
+          </a:effectRef>
+          <a:fontRef idx="minor">
+            <a:schemeClr val="lt1"/>
+          </a:fontRef>
+        </p:style>
+        <p:txBody>
+          <a:bodyPr rtlCol="0" anchor="ctr"/>
+          <a:lstStyle/>
+          <a:p>
+            <a:pPr algn="ctr"/>
+            <a:r>
+              <a:rPr lang="en-US" dirty="0">
+                <a:solidFill>
+                  <a:schemeClr val="tx1"/>
+                </a:solidFill>
+              </a:rPr>
+              <a:t>auth</a:t>
+            </a:r>
+          </a:p>
+        </p:txBody>
+      </p:sp>
+      <p:sp>
+        <p:nvSpPr>
+          <p:cNvPr id="7" name="Oval 6">
+            <a:extLst>
+              <a:ext uri="{FF2B5EF4-FFF2-40B4-BE49-F238E27FC236}">
+                <a16:creationId xmlns:a16="http://schemas.microsoft.com/office/drawing/2014/main" id="{C5AD8CEC-8971-260F-FABC-CB13EE600396}"/>
+              </a:ext>
+            </a:extLst>
+          </p:cNvPr>
+          <p:cNvSpPr/>
+          <p:nvPr/>
+        </p:nvSpPr>
+        <p:spPr>
+          <a:xfrm>
+            <a:off x="870856" y="2305502"/>
+            <a:ext cx="1756228" cy="1001486"/>
+          </a:xfrm>
+          <a:prstGeom prst="ellipse">
+            <a:avLst/>
+          </a:prstGeom>
+          <a:solidFill>
+            <a:srgbClr val="FF6600"/>
+          </a:solidFill>
+        </p:spPr>
+        <p:style>
+          <a:lnRef idx="2">
+            <a:schemeClr val="accent1">
+              <a:shade val="15000"/>
+            </a:schemeClr>
+          </a:lnRef>
+          <a:fillRef idx="1">
+            <a:schemeClr val="accent1"/>
+          </a:fillRef>
+          <a:effectRef idx="0">
+            <a:schemeClr val="accent1"/>
+          </a:effectRef>
+          <a:fontRef idx="minor">
+            <a:schemeClr val="lt1"/>
+          </a:fontRef>
+        </p:style>
+        <p:txBody>
+          <a:bodyPr rtlCol="0" anchor="ctr"/>
+          <a:lstStyle/>
+          <a:p>
+            <a:pPr algn="ctr"/>
+            <a:r>
+              <a:rPr lang="en-US" dirty="0">
+                <a:solidFill>
+                  <a:schemeClr val="tx1"/>
+                </a:solidFill>
+              </a:rPr>
+              <a:t>Settings</a:t>
+            </a:r>
+          </a:p>
+        </p:txBody>
+      </p:sp>
+      <p:sp>
+        <p:nvSpPr>
+          <p:cNvPr id="8" name="Oval 7">
+            <a:extLst>
+              <a:ext uri="{FF2B5EF4-FFF2-40B4-BE49-F238E27FC236}">
+                <a16:creationId xmlns:a16="http://schemas.microsoft.com/office/drawing/2014/main" id="{1FB3DF46-F399-B5E0-791D-C230439A99AB}"/>
+              </a:ext>
+            </a:extLst>
+          </p:cNvPr>
+          <p:cNvSpPr/>
+          <p:nvPr/>
+        </p:nvSpPr>
+        <p:spPr>
+          <a:xfrm>
+            <a:off x="261256" y="4148816"/>
+            <a:ext cx="1756228" cy="1001486"/>
+          </a:xfrm>
+          <a:prstGeom prst="ellipse">
+            <a:avLst/>
+          </a:prstGeom>
+          <a:solidFill>
+            <a:srgbClr val="FF6600"/>
+          </a:solidFill>
+        </p:spPr>
+        <p:style>
+          <a:lnRef idx="2">
+            <a:schemeClr val="accent1">
+              <a:shade val="15000"/>
+            </a:schemeClr>
+          </a:lnRef>
+          <a:fillRef idx="1">
+            <a:schemeClr val="accent1"/>
+          </a:fillRef>
+          <a:effectRef idx="0">
+            <a:schemeClr val="accent1"/>
+          </a:effectRef>
+          <a:fontRef idx="minor">
+            <a:schemeClr val="lt1"/>
+          </a:fontRef>
+        </p:style>
+        <p:txBody>
+          <a:bodyPr rtlCol="0" anchor="ctr"/>
+          <a:lstStyle/>
+          <a:p>
+            <a:pPr algn="ctr"/>
+            <a:r>
+              <a:rPr lang="en-US" dirty="0">
+                <a:solidFill>
+                  <a:schemeClr val="tx1"/>
+                </a:solidFill>
+              </a:rPr>
+              <a:t>user</a:t>
+            </a:r>
+          </a:p>
+        </p:txBody>
+      </p:sp>
+      <p:sp>
+        <p:nvSpPr>
+          <p:cNvPr id="9" name="Oval 8">
+            <a:extLst>
+              <a:ext uri="{FF2B5EF4-FFF2-40B4-BE49-F238E27FC236}">
+                <a16:creationId xmlns:a16="http://schemas.microsoft.com/office/drawing/2014/main" id="{42770EFB-355D-B5BA-FA68-203E47713E9E}"/>
+              </a:ext>
+            </a:extLst>
+          </p:cNvPr>
+          <p:cNvSpPr/>
+          <p:nvPr/>
+        </p:nvSpPr>
+        <p:spPr>
+          <a:xfrm>
+            <a:off x="261256" y="5496376"/>
+            <a:ext cx="1756228" cy="1001486"/>
+          </a:xfrm>
+          <a:prstGeom prst="ellipse">
+            <a:avLst/>
+          </a:prstGeom>
+          <a:solidFill>
+            <a:srgbClr val="92D050"/>
+          </a:solidFill>
+        </p:spPr>
+        <p:style>
+          <a:lnRef idx="2">
+            <a:schemeClr val="accent1">
+              <a:shade val="15000"/>
+            </a:schemeClr>
+          </a:lnRef>
+          <a:fillRef idx="1">
+            <a:schemeClr val="accent1"/>
+          </a:fillRef>
+          <a:effectRef idx="0">
+            <a:schemeClr val="accent1"/>
+          </a:effectRef>
+          <a:fontRef idx="minor">
+            <a:schemeClr val="lt1"/>
+          </a:fontRef>
+        </p:style>
+        <p:txBody>
+          <a:bodyPr rtlCol="0" anchor="ctr"/>
+          <a:lstStyle/>
+          <a:p>
+            <a:pPr algn="ctr"/>
+            <a:r>
+              <a:rPr lang="en-US" dirty="0">
+                <a:solidFill>
+                  <a:schemeClr val="tx1"/>
+                </a:solidFill>
+              </a:rPr>
+              <a:t>profile</a:t>
+            </a:r>
+          </a:p>
+        </p:txBody>
+      </p:sp>
+      <p:sp>
+        <p:nvSpPr>
+          <p:cNvPr id="10" name="Oval 9">
+            <a:extLst>
+              <a:ext uri="{FF2B5EF4-FFF2-40B4-BE49-F238E27FC236}">
+                <a16:creationId xmlns:a16="http://schemas.microsoft.com/office/drawing/2014/main" id="{3FFBC3B0-F21F-BDFD-C4BF-4E7EDC4A8DD3}"/>
+              </a:ext>
+            </a:extLst>
+          </p:cNvPr>
+          <p:cNvSpPr/>
+          <p:nvPr/>
+        </p:nvSpPr>
+        <p:spPr>
+          <a:xfrm>
+            <a:off x="2889248" y="5156652"/>
+            <a:ext cx="1756228" cy="1001486"/>
+          </a:xfrm>
+          <a:prstGeom prst="ellipse">
+            <a:avLst/>
+          </a:prstGeom>
+          <a:solidFill>
+            <a:srgbClr val="92D050"/>
+          </a:solidFill>
+        </p:spPr>
+        <p:style>
+          <a:lnRef idx="2">
+            <a:schemeClr val="accent1">
+              <a:shade val="15000"/>
+            </a:schemeClr>
+          </a:lnRef>
+          <a:fillRef idx="1">
+            <a:schemeClr val="accent1"/>
+          </a:fillRef>
+          <a:effectRef idx="0">
+            <a:schemeClr val="accent1"/>
+          </a:effectRef>
+          <a:fontRef idx="minor">
+            <a:schemeClr val="lt1"/>
+          </a:fontRef>
+        </p:style>
+        <p:txBody>
+          <a:bodyPr rtlCol="0" anchor="ctr"/>
+          <a:lstStyle/>
+          <a:p>
+            <a:pPr algn="ctr"/>
+            <a:r>
+              <a:rPr lang="en-US" dirty="0">
+                <a:solidFill>
+                  <a:schemeClr val="tx1"/>
+                </a:solidFill>
+              </a:rPr>
+              <a:t>Sign in</a:t>
+            </a:r>
+          </a:p>
+        </p:txBody>
+      </p:sp>
+      <p:sp>
+        <p:nvSpPr>
+          <p:cNvPr id="11" name="Oval 10">
+            <a:extLst>
+              <a:ext uri="{FF2B5EF4-FFF2-40B4-BE49-F238E27FC236}">
+                <a16:creationId xmlns:a16="http://schemas.microsoft.com/office/drawing/2014/main" id="{A0D0640C-ABD4-002B-BCBD-9DAE7531A2F8}"/>
+              </a:ext>
+            </a:extLst>
+          </p:cNvPr>
+          <p:cNvSpPr/>
+          <p:nvPr/>
+        </p:nvSpPr>
+        <p:spPr>
+          <a:xfrm>
+            <a:off x="5523590" y="5156652"/>
+            <a:ext cx="1756228" cy="1001486"/>
+          </a:xfrm>
+          <a:prstGeom prst="ellipse">
+            <a:avLst/>
+          </a:prstGeom>
+          <a:solidFill>
+            <a:srgbClr val="92D050"/>
+          </a:solidFill>
+        </p:spPr>
+        <p:style>
+          <a:lnRef idx="2">
+            <a:schemeClr val="accent1">
+              <a:shade val="15000"/>
+            </a:schemeClr>
+          </a:lnRef>
+          <a:fillRef idx="1">
+            <a:schemeClr val="accent1"/>
+          </a:fillRef>
+          <a:effectRef idx="0">
+            <a:schemeClr val="accent1"/>
+          </a:effectRef>
+          <a:fontRef idx="minor">
+            <a:schemeClr val="lt1"/>
+          </a:fontRef>
+        </p:style>
+        <p:txBody>
+          <a:bodyPr rtlCol="0" anchor="ctr"/>
+          <a:lstStyle/>
+          <a:p>
+            <a:pPr algn="ctr"/>
+            <a:r>
+              <a:rPr lang="en-US" dirty="0">
+                <a:solidFill>
+                  <a:schemeClr val="tx1"/>
+                </a:solidFill>
+              </a:rPr>
+              <a:t>Sign Up</a:t>
+            </a:r>
+          </a:p>
+        </p:txBody>
+      </p:sp>
+      <p:sp>
+        <p:nvSpPr>
+          <p:cNvPr id="12" name="Oval 11">
+            <a:extLst>
+              <a:ext uri="{FF2B5EF4-FFF2-40B4-BE49-F238E27FC236}">
+                <a16:creationId xmlns:a16="http://schemas.microsoft.com/office/drawing/2014/main" id="{35664FD2-791F-26CE-C9DC-CD3C2E5B7C64}"/>
+              </a:ext>
+            </a:extLst>
+          </p:cNvPr>
+          <p:cNvSpPr/>
+          <p:nvPr/>
+        </p:nvSpPr>
+        <p:spPr>
+          <a:xfrm>
+            <a:off x="6411687" y="3204022"/>
+            <a:ext cx="1756228" cy="1001486"/>
+          </a:xfrm>
+          <a:prstGeom prst="ellipse">
+            <a:avLst/>
+          </a:prstGeom>
+          <a:solidFill>
+            <a:srgbClr val="92D050"/>
+          </a:solidFill>
+        </p:spPr>
+        <p:style>
+          <a:lnRef idx="2">
+            <a:schemeClr val="accent1">
+              <a:shade val="15000"/>
+            </a:schemeClr>
+          </a:lnRef>
+          <a:fillRef idx="1">
+            <a:schemeClr val="accent1"/>
+          </a:fillRef>
+          <a:effectRef idx="0">
+            <a:schemeClr val="accent1"/>
+          </a:effectRef>
+          <a:fontRef idx="minor">
+            <a:schemeClr val="lt1"/>
+          </a:fontRef>
+        </p:style>
+        <p:txBody>
+          <a:bodyPr rtlCol="0" anchor="ctr"/>
+          <a:lstStyle/>
+          <a:p>
+            <a:pPr algn="ctr"/>
+            <a:r>
+              <a:rPr lang="en-US" dirty="0">
+                <a:solidFill>
+                  <a:schemeClr val="tx1"/>
+                </a:solidFill>
+              </a:rPr>
+              <a:t>history</a:t>
+            </a:r>
+          </a:p>
+        </p:txBody>
+      </p:sp>
+      <p:sp>
+        <p:nvSpPr>
+          <p:cNvPr id="13" name="Oval 12">
+            <a:extLst>
+              <a:ext uri="{FF2B5EF4-FFF2-40B4-BE49-F238E27FC236}">
+                <a16:creationId xmlns:a16="http://schemas.microsoft.com/office/drawing/2014/main" id="{5A7ACDBF-5049-230B-59FB-255F16E39283}"/>
+              </a:ext>
+            </a:extLst>
+          </p:cNvPr>
+          <p:cNvSpPr/>
+          <p:nvPr/>
+        </p:nvSpPr>
+        <p:spPr>
+          <a:xfrm>
+            <a:off x="8294915" y="3263898"/>
+            <a:ext cx="1756228" cy="1001486"/>
+          </a:xfrm>
+          <a:prstGeom prst="ellipse">
+            <a:avLst/>
+          </a:prstGeom>
+          <a:solidFill>
+            <a:srgbClr val="92D050"/>
+          </a:solidFill>
+        </p:spPr>
+        <p:style>
+          <a:lnRef idx="2">
+            <a:schemeClr val="accent1">
+              <a:shade val="15000"/>
+            </a:schemeClr>
+          </a:lnRef>
+          <a:fillRef idx="1">
+            <a:schemeClr val="accent1"/>
+          </a:fillRef>
+          <a:effectRef idx="0">
+            <a:schemeClr val="accent1"/>
+          </a:effectRef>
+          <a:fontRef idx="minor">
+            <a:schemeClr val="lt1"/>
+          </a:fontRef>
+        </p:style>
+        <p:txBody>
+          <a:bodyPr rtlCol="0" anchor="ctr"/>
+          <a:lstStyle/>
+          <a:p>
+            <a:pPr algn="ctr"/>
+            <a:r>
+              <a:rPr lang="en-US" dirty="0">
+                <a:solidFill>
+                  <a:schemeClr val="tx1"/>
+                </a:solidFill>
+              </a:rPr>
+              <a:t>returns</a:t>
+            </a:r>
+          </a:p>
+        </p:txBody>
+      </p:sp>
+      <p:cxnSp>
+        <p:nvCxnSpPr>
+          <p:cNvPr id="15" name="Connector: Elbow 14">
+            <a:extLst>
+              <a:ext uri="{FF2B5EF4-FFF2-40B4-BE49-F238E27FC236}">
+                <a16:creationId xmlns:a16="http://schemas.microsoft.com/office/drawing/2014/main" id="{4FF8FCB6-1918-1A5F-7C5B-08A67C3D6C00}"/>
+              </a:ext>
+            </a:extLst>
+          </p:cNvPr>
+          <p:cNvCxnSpPr>
+            <a:stCxn id="4" idx="4"/>
+            <a:endCxn id="6" idx="0"/>
+          </p:cNvCxnSpPr>
+          <p:nvPr/>
+        </p:nvCxnSpPr>
+        <p:spPr>
+          <a:xfrm rot="5400000">
+            <a:off x="4526421" y="1827211"/>
+            <a:ext cx="1560733" cy="1041399"/>
+          </a:xfrm>
+          <a:prstGeom prst="bentConnector3">
+            <a:avLst/>
+          </a:prstGeom>
+        </p:spPr>
+        <p:style>
+          <a:lnRef idx="1">
+            <a:schemeClr val="accent1"/>
+          </a:lnRef>
+          <a:fillRef idx="0">
+            <a:schemeClr val="accent1"/>
+          </a:fillRef>
+          <a:effectRef idx="0">
+            <a:schemeClr val="accent1"/>
+          </a:effectRef>
+          <a:fontRef idx="minor">
+            <a:schemeClr val="tx1"/>
+          </a:fontRef>
+        </p:style>
+      </p:cxnSp>
+      <p:cxnSp>
+        <p:nvCxnSpPr>
+          <p:cNvPr id="17" name="Connector: Elbow 16">
+            <a:extLst>
+              <a:ext uri="{FF2B5EF4-FFF2-40B4-BE49-F238E27FC236}">
+                <a16:creationId xmlns:a16="http://schemas.microsoft.com/office/drawing/2014/main" id="{E2EE3B05-0CB3-9F8B-E87C-81F7413E0572}"/>
+              </a:ext>
+            </a:extLst>
+          </p:cNvPr>
+          <p:cNvCxnSpPr>
+            <a:stCxn id="4" idx="2"/>
+            <a:endCxn id="7" idx="0"/>
+          </p:cNvCxnSpPr>
+          <p:nvPr/>
+        </p:nvCxnSpPr>
+        <p:spPr>
+          <a:xfrm rot="10800000" flipV="1">
+            <a:off x="1748970" y="957944"/>
+            <a:ext cx="3243944" cy="1347558"/>
+          </a:xfrm>
+          <a:prstGeom prst="bentConnector2">
+            <a:avLst/>
+          </a:prstGeom>
+        </p:spPr>
+        <p:style>
+          <a:lnRef idx="1">
+            <a:schemeClr val="accent1"/>
+          </a:lnRef>
+          <a:fillRef idx="0">
+            <a:schemeClr val="accent1"/>
+          </a:fillRef>
+          <a:effectRef idx="0">
+            <a:schemeClr val="accent1"/>
+          </a:effectRef>
+          <a:fontRef idx="minor">
+            <a:schemeClr val="tx1"/>
+          </a:fontRef>
+        </p:style>
+      </p:cxnSp>
+      <p:cxnSp>
+        <p:nvCxnSpPr>
+          <p:cNvPr id="19" name="Connector: Elbow 18">
+            <a:extLst>
+              <a:ext uri="{FF2B5EF4-FFF2-40B4-BE49-F238E27FC236}">
+                <a16:creationId xmlns:a16="http://schemas.microsoft.com/office/drawing/2014/main" id="{28B8D7F7-4A52-F099-8934-54616F937E00}"/>
+              </a:ext>
+            </a:extLst>
+          </p:cNvPr>
+          <p:cNvCxnSpPr>
+            <a:stCxn id="4" idx="6"/>
+            <a:endCxn id="5" idx="0"/>
+          </p:cNvCxnSpPr>
+          <p:nvPr/>
+        </p:nvCxnSpPr>
+        <p:spPr>
+          <a:xfrm>
+            <a:off x="6662057" y="957944"/>
+            <a:ext cx="1211943" cy="1006924"/>
+          </a:xfrm>
+          <a:prstGeom prst="bentConnector2">
+            <a:avLst/>
+          </a:prstGeom>
+        </p:spPr>
+        <p:style>
+          <a:lnRef idx="1">
+            <a:schemeClr val="accent1"/>
+          </a:lnRef>
+          <a:fillRef idx="0">
+            <a:schemeClr val="accent1"/>
+          </a:fillRef>
+          <a:effectRef idx="0">
+            <a:schemeClr val="accent1"/>
+          </a:effectRef>
+          <a:fontRef idx="minor">
+            <a:schemeClr val="tx1"/>
+          </a:fontRef>
+        </p:style>
+      </p:cxnSp>
+      <p:cxnSp>
+        <p:nvCxnSpPr>
+          <p:cNvPr id="21" name="Connector: Elbow 20">
+            <a:extLst>
+              <a:ext uri="{FF2B5EF4-FFF2-40B4-BE49-F238E27FC236}">
+                <a16:creationId xmlns:a16="http://schemas.microsoft.com/office/drawing/2014/main" id="{593FCC46-3E83-7180-B695-3DB81DC76C4B}"/>
+              </a:ext>
+            </a:extLst>
+          </p:cNvPr>
+          <p:cNvCxnSpPr>
+            <a:stCxn id="7" idx="4"/>
+            <a:endCxn id="8" idx="0"/>
+          </p:cNvCxnSpPr>
+          <p:nvPr/>
+        </p:nvCxnSpPr>
+        <p:spPr>
+          <a:xfrm rot="5400000">
+            <a:off x="1023256" y="3423102"/>
+            <a:ext cx="841828" cy="609600"/>
+          </a:xfrm>
+          <a:prstGeom prst="bentConnector3">
+            <a:avLst/>
+          </a:prstGeom>
+        </p:spPr>
+        <p:style>
+          <a:lnRef idx="1">
+            <a:schemeClr val="accent1"/>
+          </a:lnRef>
+          <a:fillRef idx="0">
+            <a:schemeClr val="accent1"/>
+          </a:fillRef>
+          <a:effectRef idx="0">
+            <a:schemeClr val="accent1"/>
+          </a:effectRef>
+          <a:fontRef idx="minor">
+            <a:schemeClr val="tx1"/>
+          </a:fontRef>
+        </p:style>
+      </p:cxnSp>
+      <p:cxnSp>
+        <p:nvCxnSpPr>
+          <p:cNvPr id="23" name="Connector: Elbow 22">
+            <a:extLst>
+              <a:ext uri="{FF2B5EF4-FFF2-40B4-BE49-F238E27FC236}">
+                <a16:creationId xmlns:a16="http://schemas.microsoft.com/office/drawing/2014/main" id="{1ED06FA0-E509-79BD-78B2-DB4CF6F9CA6C}"/>
+              </a:ext>
+            </a:extLst>
+          </p:cNvPr>
+          <p:cNvCxnSpPr>
+            <a:stCxn id="8" idx="4"/>
+            <a:endCxn id="9" idx="0"/>
+          </p:cNvCxnSpPr>
+          <p:nvPr/>
+        </p:nvCxnSpPr>
+        <p:spPr>
+          <a:xfrm rot="5400000">
+            <a:off x="966333" y="5323339"/>
+            <a:ext cx="346074" cy="12700"/>
+          </a:xfrm>
+          <a:prstGeom prst="bentConnector3">
+            <a:avLst/>
+          </a:prstGeom>
+        </p:spPr>
+        <p:style>
+          <a:lnRef idx="1">
+            <a:schemeClr val="accent1"/>
+          </a:lnRef>
+          <a:fillRef idx="0">
+            <a:schemeClr val="accent1"/>
+          </a:fillRef>
+          <a:effectRef idx="0">
+            <a:schemeClr val="accent1"/>
+          </a:effectRef>
+          <a:fontRef idx="minor">
+            <a:schemeClr val="tx1"/>
+          </a:fontRef>
+        </p:style>
+      </p:cxnSp>
+      <p:cxnSp>
+        <p:nvCxnSpPr>
+          <p:cNvPr id="25" name="Connector: Elbow 24">
+            <a:extLst>
+              <a:ext uri="{FF2B5EF4-FFF2-40B4-BE49-F238E27FC236}">
+                <a16:creationId xmlns:a16="http://schemas.microsoft.com/office/drawing/2014/main" id="{382828CA-B497-BC3E-8CAE-EE065020F560}"/>
+              </a:ext>
+            </a:extLst>
+          </p:cNvPr>
+          <p:cNvCxnSpPr>
+            <a:stCxn id="6" idx="4"/>
+            <a:endCxn id="10" idx="0"/>
+          </p:cNvCxnSpPr>
+          <p:nvPr/>
+        </p:nvCxnSpPr>
+        <p:spPr>
+          <a:xfrm rot="5400000">
+            <a:off x="3763281" y="4133845"/>
+            <a:ext cx="1026889" cy="1018725"/>
+          </a:xfrm>
+          <a:prstGeom prst="bentConnector3">
+            <a:avLst/>
+          </a:prstGeom>
+        </p:spPr>
+        <p:style>
+          <a:lnRef idx="1">
+            <a:schemeClr val="accent1"/>
+          </a:lnRef>
+          <a:fillRef idx="0">
+            <a:schemeClr val="accent1"/>
+          </a:fillRef>
+          <a:effectRef idx="0">
+            <a:schemeClr val="accent1"/>
+          </a:effectRef>
+          <a:fontRef idx="minor">
+            <a:schemeClr val="tx1"/>
+          </a:fontRef>
+        </p:style>
+      </p:cxnSp>
+      <p:cxnSp>
+        <p:nvCxnSpPr>
+          <p:cNvPr id="27" name="Connector: Elbow 26">
+            <a:extLst>
+              <a:ext uri="{FF2B5EF4-FFF2-40B4-BE49-F238E27FC236}">
+                <a16:creationId xmlns:a16="http://schemas.microsoft.com/office/drawing/2014/main" id="{1707E679-D061-2F74-AB87-13F3AF97F16F}"/>
+              </a:ext>
+            </a:extLst>
+          </p:cNvPr>
+          <p:cNvCxnSpPr>
+            <a:stCxn id="6" idx="4"/>
+            <a:endCxn id="11" idx="0"/>
+          </p:cNvCxnSpPr>
+          <p:nvPr/>
+        </p:nvCxnSpPr>
+        <p:spPr>
+          <a:xfrm rot="16200000" flipH="1">
+            <a:off x="5080451" y="3835398"/>
+            <a:ext cx="1026889" cy="1615617"/>
+          </a:xfrm>
+          <a:prstGeom prst="bentConnector3">
+            <a:avLst/>
+          </a:prstGeom>
+        </p:spPr>
+        <p:style>
+          <a:lnRef idx="1">
+            <a:schemeClr val="accent1"/>
+          </a:lnRef>
+          <a:fillRef idx="0">
+            <a:schemeClr val="accent1"/>
+          </a:fillRef>
+          <a:effectRef idx="0">
+            <a:schemeClr val="accent1"/>
+          </a:effectRef>
+          <a:fontRef idx="minor">
+            <a:schemeClr val="tx1"/>
+          </a:fontRef>
+        </p:style>
+      </p:cxnSp>
+      <p:cxnSp>
+        <p:nvCxnSpPr>
+          <p:cNvPr id="29" name="Connector: Elbow 28">
+            <a:extLst>
+              <a:ext uri="{FF2B5EF4-FFF2-40B4-BE49-F238E27FC236}">
+                <a16:creationId xmlns:a16="http://schemas.microsoft.com/office/drawing/2014/main" id="{454226FE-D8B4-61FA-F916-8E5DF0D351DA}"/>
+              </a:ext>
+            </a:extLst>
+          </p:cNvPr>
+          <p:cNvCxnSpPr>
+            <a:stCxn id="5" idx="4"/>
+            <a:endCxn id="12" idx="0"/>
+          </p:cNvCxnSpPr>
+          <p:nvPr/>
+        </p:nvCxnSpPr>
+        <p:spPr>
+          <a:xfrm rot="5400000">
+            <a:off x="7463067" y="2793089"/>
+            <a:ext cx="237668" cy="584199"/>
+          </a:xfrm>
+          <a:prstGeom prst="bentConnector3">
+            <a:avLst/>
+          </a:prstGeom>
+        </p:spPr>
+        <p:style>
+          <a:lnRef idx="1">
+            <a:schemeClr val="accent1"/>
+          </a:lnRef>
+          <a:fillRef idx="0">
+            <a:schemeClr val="accent1"/>
+          </a:fillRef>
+          <a:effectRef idx="0">
+            <a:schemeClr val="accent1"/>
+          </a:effectRef>
+          <a:fontRef idx="minor">
+            <a:schemeClr val="tx1"/>
+          </a:fontRef>
+        </p:style>
+      </p:cxnSp>
+      <p:cxnSp>
+        <p:nvCxnSpPr>
+          <p:cNvPr id="31" name="Connector: Elbow 30">
+            <a:extLst>
+              <a:ext uri="{FF2B5EF4-FFF2-40B4-BE49-F238E27FC236}">
+                <a16:creationId xmlns:a16="http://schemas.microsoft.com/office/drawing/2014/main" id="{A86DB53A-B9B4-6B8E-FABB-5DC9A09FD9B2}"/>
+              </a:ext>
+            </a:extLst>
+          </p:cNvPr>
+          <p:cNvCxnSpPr>
+            <a:stCxn id="5" idx="6"/>
+            <a:endCxn id="13" idx="0"/>
+          </p:cNvCxnSpPr>
+          <p:nvPr/>
+        </p:nvCxnSpPr>
+        <p:spPr>
+          <a:xfrm>
+            <a:off x="8752114" y="2465611"/>
+            <a:ext cx="420915" cy="798287"/>
+          </a:xfrm>
+          <a:prstGeom prst="bentConnector2">
+            <a:avLst/>
+          </a:prstGeom>
+        </p:spPr>
+        <p:style>
+          <a:lnRef idx="1">
+            <a:schemeClr val="accent1"/>
+          </a:lnRef>
+          <a:fillRef idx="0">
+            <a:schemeClr val="accent1"/>
+          </a:fillRef>
+          <a:effectRef idx="0">
+            <a:schemeClr val="accent1"/>
+          </a:effectRef>
+          <a:fontRef idx="minor">
+            <a:schemeClr val="tx1"/>
+          </a:fontRef>
+        </p:style>
+      </p:cxnSp>
+      <p:sp>
+        <p:nvSpPr>
+          <p:cNvPr id="3" name="Flowchart: Connector 2">
+            <a:extLst>
+              <a:ext uri="{FF2B5EF4-FFF2-40B4-BE49-F238E27FC236}">
+                <a16:creationId xmlns:a16="http://schemas.microsoft.com/office/drawing/2014/main" id="{B866F5E7-5391-197D-2CBF-1E8EA752DDD7}"/>
+              </a:ext>
+            </a:extLst>
+          </p:cNvPr>
+          <p:cNvSpPr/>
+          <p:nvPr/>
+        </p:nvSpPr>
+        <p:spPr>
+          <a:xfrm>
+            <a:off x="10319657" y="289154"/>
+            <a:ext cx="667657" cy="456743"/>
+          </a:xfrm>
+          <a:prstGeom prst="flowChartConnector">
+            <a:avLst/>
+          </a:prstGeom>
+          <a:solidFill>
+            <a:srgbClr val="92D050"/>
+          </a:solidFill>
+        </p:spPr>
+        <p:style>
+          <a:lnRef idx="2">
+            <a:schemeClr val="accent1">
+              <a:shade val="15000"/>
+            </a:schemeClr>
+          </a:lnRef>
+          <a:fillRef idx="1">
+            <a:schemeClr val="accent1"/>
+          </a:fillRef>
+          <a:effectRef idx="0">
+            <a:schemeClr val="accent1"/>
+          </a:effectRef>
+          <a:fontRef idx="minor">
+            <a:schemeClr val="lt1"/>
+          </a:fontRef>
+        </p:style>
+        <p:txBody>
+          <a:bodyPr rtlCol="0" anchor="ctr"/>
+          <a:lstStyle/>
+          <a:p>
+            <a:pPr algn="ctr"/>
+            <a:endParaRPr lang="en-US">
+              <a:solidFill>
+                <a:schemeClr val="tx1"/>
+              </a:solidFill>
+            </a:endParaRPr>
+          </a:p>
+        </p:txBody>
+      </p:sp>
+      <p:sp>
+        <p:nvSpPr>
+          <p:cNvPr id="14" name="TextBox 13">
+            <a:extLst>
+              <a:ext uri="{FF2B5EF4-FFF2-40B4-BE49-F238E27FC236}">
+                <a16:creationId xmlns:a16="http://schemas.microsoft.com/office/drawing/2014/main" id="{0E7557B9-CD0C-768D-68D6-5F1789146561}"/>
+              </a:ext>
+            </a:extLst>
+          </p:cNvPr>
+          <p:cNvSpPr txBox="1"/>
+          <p:nvPr/>
+        </p:nvSpPr>
+        <p:spPr>
+          <a:xfrm>
+            <a:off x="10963487" y="374422"/>
+            <a:ext cx="1085425" cy="369332"/>
+          </a:xfrm>
+          <a:prstGeom prst="rect">
+            <a:avLst/>
+          </a:prstGeom>
+          <a:noFill/>
+        </p:spPr>
+        <p:txBody>
+          <a:bodyPr wrap="none" rtlCol="0">
+            <a:spAutoFit/>
+          </a:bodyPr>
+          <a:lstStyle/>
+          <a:p>
+            <a:r>
+              <a:rPr lang="en-US" dirty="0"/>
+              <a:t>User data</a:t>
+            </a:r>
+          </a:p>
+        </p:txBody>
+      </p:sp>
+      <p:sp>
+        <p:nvSpPr>
+          <p:cNvPr id="16" name="Flowchart: Connector 15">
+            <a:extLst>
+              <a:ext uri="{FF2B5EF4-FFF2-40B4-BE49-F238E27FC236}">
+                <a16:creationId xmlns:a16="http://schemas.microsoft.com/office/drawing/2014/main" id="{DC2F98ED-8AE9-AE60-E6CB-DA758B3E423B}"/>
+              </a:ext>
+            </a:extLst>
+          </p:cNvPr>
+          <p:cNvSpPr/>
+          <p:nvPr/>
+        </p:nvSpPr>
+        <p:spPr>
+          <a:xfrm>
+            <a:off x="10319657" y="1199472"/>
+            <a:ext cx="667657" cy="456743"/>
+          </a:xfrm>
+          <a:prstGeom prst="flowChartConnector">
+            <a:avLst/>
+          </a:prstGeom>
+          <a:solidFill>
+            <a:schemeClr val="accent2">
+              <a:lumMod val="75000"/>
+            </a:schemeClr>
+          </a:solidFill>
+        </p:spPr>
+        <p:style>
+          <a:lnRef idx="2">
+            <a:schemeClr val="accent1">
+              <a:shade val="15000"/>
+            </a:schemeClr>
+          </a:lnRef>
+          <a:fillRef idx="1">
+            <a:schemeClr val="accent1"/>
+          </a:fillRef>
+          <a:effectRef idx="0">
+            <a:schemeClr val="accent1"/>
+          </a:effectRef>
+          <a:fontRef idx="minor">
+            <a:schemeClr val="lt1"/>
+          </a:fontRef>
+        </p:style>
+        <p:txBody>
+          <a:bodyPr rtlCol="0" anchor="ctr"/>
+          <a:lstStyle/>
+          <a:p>
+            <a:pPr algn="ctr"/>
+            <a:endParaRPr lang="en-US">
+              <a:solidFill>
+                <a:schemeClr val="tx1"/>
+              </a:solidFill>
+            </a:endParaRPr>
+          </a:p>
+        </p:txBody>
+      </p:sp>
+      <p:sp>
+        <p:nvSpPr>
+          <p:cNvPr id="18" name="TextBox 17">
+            <a:extLst>
+              <a:ext uri="{FF2B5EF4-FFF2-40B4-BE49-F238E27FC236}">
+                <a16:creationId xmlns:a16="http://schemas.microsoft.com/office/drawing/2014/main" id="{F8A82533-8871-9BED-BDE4-F127EE59D4E4}"/>
+              </a:ext>
+            </a:extLst>
+          </p:cNvPr>
+          <p:cNvSpPr txBox="1"/>
+          <p:nvPr/>
+        </p:nvSpPr>
+        <p:spPr>
+          <a:xfrm>
+            <a:off x="10963487" y="1284740"/>
+            <a:ext cx="1085425" cy="646331"/>
+          </a:xfrm>
+          <a:prstGeom prst="rect">
+            <a:avLst/>
+          </a:prstGeom>
+          <a:noFill/>
+        </p:spPr>
+        <p:txBody>
+          <a:bodyPr wrap="none" rtlCol="0">
+            <a:spAutoFit/>
+          </a:bodyPr>
+          <a:lstStyle/>
+          <a:p>
+            <a:r>
+              <a:rPr lang="en-US" dirty="0"/>
+              <a:t>Needs </a:t>
+            </a:r>
+          </a:p>
+          <a:p>
+            <a:r>
+              <a:rPr lang="en-US" dirty="0"/>
+              <a:t>User data</a:t>
+            </a:r>
+          </a:p>
+        </p:txBody>
+      </p:sp>
+    </p:spTree>
+    <p:extLst>
+      <p:ext uri="{BB962C8B-B14F-4D97-AF65-F5344CB8AC3E}">
+        <p14:creationId xmlns:p14="http://schemas.microsoft.com/office/powerpoint/2010/main" val="3059243556"/>
+      </p:ext>
+    </p:extLst>
+  </p:cSld>
+  <p:clrMapOvr>
+    <a:masterClrMapping/>
+  </p:clrMapOvr>
+</p:sld>
+</file>
+
+<file path=ppt/slides/slide13.xml><?xml version="1.0" encoding="utf-8"?>
+<p:sld xmlns:a="http://schemas.openxmlformats.org/drawingml/2006/main" xmlns:r="http://schemas.openxmlformats.org/officeDocument/2006/relationships" xmlns:p="http://schemas.openxmlformats.org/presentationml/2006/main">
+  <p:cSld>
+    <p:spTree>
+      <p:nvGrpSpPr>
+        <p:cNvPr id="1" name=""/>
+        <p:cNvGrpSpPr/>
+        <p:nvPr/>
+      </p:nvGrpSpPr>
+      <p:grpSpPr>
+        <a:xfrm>
+          <a:off x="0" y="0"/>
+          <a:ext cx="0" cy="0"/>
+          <a:chOff x="0" y="0"/>
+          <a:chExt cx="0" cy="0"/>
+        </a:xfrm>
+      </p:grpSpPr>
+      <p:sp>
+        <p:nvSpPr>
+          <p:cNvPr id="2" name="Title 1">
+            <a:extLst>
+              <a:ext uri="{FF2B5EF4-FFF2-40B4-BE49-F238E27FC236}">
+                <a16:creationId xmlns:a16="http://schemas.microsoft.com/office/drawing/2014/main" id="{AEC1970E-DCB2-2B0A-D6E1-0FE38376802F}"/>
+              </a:ext>
+            </a:extLst>
+          </p:cNvPr>
+          <p:cNvSpPr>
+            <a:spLocks noGrp="1"/>
+          </p:cNvSpPr>
+          <p:nvPr>
+            <p:ph type="title"/>
+          </p:nvPr>
+        </p:nvSpPr>
+        <p:spPr>
+          <a:xfrm>
+            <a:off x="838200" y="365126"/>
+            <a:ext cx="10149114" cy="723446"/>
+          </a:xfrm>
+        </p:spPr>
+        <p:txBody>
+          <a:bodyPr/>
+          <a:lstStyle/>
+          <a:p>
+            <a:r>
+              <a:rPr lang="en-US" dirty="0"/>
+              <a:t>Context</a:t>
+            </a:r>
+          </a:p>
+        </p:txBody>
+      </p:sp>
+      <p:sp>
+        <p:nvSpPr>
+          <p:cNvPr id="4" name="Flowchart: Connector 3">
+            <a:extLst>
+              <a:ext uri="{FF2B5EF4-FFF2-40B4-BE49-F238E27FC236}">
+                <a16:creationId xmlns:a16="http://schemas.microsoft.com/office/drawing/2014/main" id="{0DEE531A-24A1-0176-44E4-C9C5D48551C1}"/>
+              </a:ext>
+            </a:extLst>
+          </p:cNvPr>
+          <p:cNvSpPr/>
+          <p:nvPr/>
+        </p:nvSpPr>
+        <p:spPr>
+          <a:xfrm>
+            <a:off x="4992914" y="348344"/>
+            <a:ext cx="1669143" cy="1219200"/>
+          </a:xfrm>
+          <a:prstGeom prst="flowChartConnector">
+            <a:avLst/>
+          </a:prstGeom>
+          <a:noFill/>
+        </p:spPr>
+        <p:style>
+          <a:lnRef idx="2">
+            <a:schemeClr val="accent1">
+              <a:shade val="15000"/>
+            </a:schemeClr>
+          </a:lnRef>
+          <a:fillRef idx="1">
+            <a:schemeClr val="accent1"/>
+          </a:fillRef>
+          <a:effectRef idx="0">
+            <a:schemeClr val="accent1"/>
+          </a:effectRef>
+          <a:fontRef idx="minor">
+            <a:schemeClr val="lt1"/>
+          </a:fontRef>
+        </p:style>
+        <p:txBody>
+          <a:bodyPr rtlCol="0" anchor="ctr"/>
+          <a:lstStyle/>
+          <a:p>
+            <a:pPr algn="ctr"/>
+            <a:r>
+              <a:rPr lang="en-US" dirty="0">
+                <a:solidFill>
+                  <a:schemeClr val="tx1"/>
+                </a:solidFill>
+              </a:rPr>
+              <a:t>App</a:t>
+            </a:r>
+          </a:p>
+        </p:txBody>
+      </p:sp>
+      <p:sp>
+        <p:nvSpPr>
+          <p:cNvPr id="5" name="Oval 4">
+            <a:extLst>
+              <a:ext uri="{FF2B5EF4-FFF2-40B4-BE49-F238E27FC236}">
+                <a16:creationId xmlns:a16="http://schemas.microsoft.com/office/drawing/2014/main" id="{863F4397-394A-C97F-1809-837A1B495064}"/>
+              </a:ext>
+            </a:extLst>
+          </p:cNvPr>
+          <p:cNvSpPr/>
+          <p:nvPr/>
+        </p:nvSpPr>
+        <p:spPr>
+          <a:xfrm>
+            <a:off x="6995886" y="1964868"/>
+            <a:ext cx="1756228" cy="1001486"/>
+          </a:xfrm>
+          <a:prstGeom prst="ellipse">
+            <a:avLst/>
+          </a:prstGeom>
+          <a:noFill/>
+        </p:spPr>
+        <p:style>
+          <a:lnRef idx="2">
+            <a:schemeClr val="accent1">
+              <a:shade val="15000"/>
+            </a:schemeClr>
+          </a:lnRef>
+          <a:fillRef idx="1">
+            <a:schemeClr val="accent1"/>
+          </a:fillRef>
+          <a:effectRef idx="0">
+            <a:schemeClr val="accent1"/>
+          </a:effectRef>
+          <a:fontRef idx="minor">
+            <a:schemeClr val="lt1"/>
+          </a:fontRef>
+        </p:style>
+        <p:txBody>
+          <a:bodyPr rtlCol="0" anchor="ctr"/>
+          <a:lstStyle/>
+          <a:p>
+            <a:pPr algn="ctr"/>
+            <a:r>
+              <a:rPr lang="en-US" dirty="0">
+                <a:solidFill>
+                  <a:schemeClr val="tx1"/>
+                </a:solidFill>
+              </a:rPr>
+              <a:t>orders</a:t>
+            </a:r>
+          </a:p>
+        </p:txBody>
+      </p:sp>
+      <p:sp>
+        <p:nvSpPr>
+          <p:cNvPr id="6" name="Oval 5">
+            <a:extLst>
+              <a:ext uri="{FF2B5EF4-FFF2-40B4-BE49-F238E27FC236}">
+                <a16:creationId xmlns:a16="http://schemas.microsoft.com/office/drawing/2014/main" id="{AE62C8D7-8F16-32B5-DBDB-F3E83418D725}"/>
+              </a:ext>
+            </a:extLst>
+          </p:cNvPr>
+          <p:cNvSpPr/>
+          <p:nvPr/>
+        </p:nvSpPr>
+        <p:spPr>
+          <a:xfrm>
+            <a:off x="3907973" y="3128277"/>
+            <a:ext cx="1756228" cy="1001486"/>
+          </a:xfrm>
+          <a:prstGeom prst="ellipse">
+            <a:avLst/>
+          </a:prstGeom>
+          <a:noFill/>
+        </p:spPr>
+        <p:style>
+          <a:lnRef idx="2">
+            <a:schemeClr val="accent1">
+              <a:shade val="15000"/>
+            </a:schemeClr>
+          </a:lnRef>
+          <a:fillRef idx="1">
+            <a:schemeClr val="accent1"/>
+          </a:fillRef>
+          <a:effectRef idx="0">
+            <a:schemeClr val="accent1"/>
+          </a:effectRef>
+          <a:fontRef idx="minor">
+            <a:schemeClr val="lt1"/>
+          </a:fontRef>
+        </p:style>
+        <p:txBody>
+          <a:bodyPr rtlCol="0" anchor="ctr"/>
+          <a:lstStyle/>
+          <a:p>
+            <a:pPr algn="ctr"/>
+            <a:r>
+              <a:rPr lang="en-US" dirty="0">
+                <a:solidFill>
+                  <a:schemeClr val="tx1"/>
+                </a:solidFill>
+              </a:rPr>
+              <a:t>auth</a:t>
+            </a:r>
+          </a:p>
+        </p:txBody>
+      </p:sp>
+      <p:sp>
+        <p:nvSpPr>
+          <p:cNvPr id="7" name="Oval 6">
+            <a:extLst>
+              <a:ext uri="{FF2B5EF4-FFF2-40B4-BE49-F238E27FC236}">
+                <a16:creationId xmlns:a16="http://schemas.microsoft.com/office/drawing/2014/main" id="{C5AD8CEC-8971-260F-FABC-CB13EE600396}"/>
+              </a:ext>
+            </a:extLst>
+          </p:cNvPr>
+          <p:cNvSpPr/>
+          <p:nvPr/>
+        </p:nvSpPr>
+        <p:spPr>
+          <a:xfrm>
+            <a:off x="870856" y="2305502"/>
+            <a:ext cx="1756228" cy="1001486"/>
+          </a:xfrm>
+          <a:prstGeom prst="ellipse">
+            <a:avLst/>
+          </a:prstGeom>
+          <a:noFill/>
+        </p:spPr>
+        <p:style>
+          <a:lnRef idx="2">
+            <a:schemeClr val="accent1">
+              <a:shade val="15000"/>
+            </a:schemeClr>
+          </a:lnRef>
+          <a:fillRef idx="1">
+            <a:schemeClr val="accent1"/>
+          </a:fillRef>
+          <a:effectRef idx="0">
+            <a:schemeClr val="accent1"/>
+          </a:effectRef>
+          <a:fontRef idx="minor">
+            <a:schemeClr val="lt1"/>
+          </a:fontRef>
+        </p:style>
+        <p:txBody>
+          <a:bodyPr rtlCol="0" anchor="ctr"/>
+          <a:lstStyle/>
+          <a:p>
+            <a:pPr algn="ctr"/>
+            <a:r>
+              <a:rPr lang="en-US" dirty="0">
+                <a:solidFill>
+                  <a:schemeClr val="tx1"/>
+                </a:solidFill>
+              </a:rPr>
+              <a:t>Settings</a:t>
+            </a:r>
+          </a:p>
+        </p:txBody>
+      </p:sp>
+      <p:sp>
+        <p:nvSpPr>
+          <p:cNvPr id="8" name="Oval 7">
+            <a:extLst>
+              <a:ext uri="{FF2B5EF4-FFF2-40B4-BE49-F238E27FC236}">
+                <a16:creationId xmlns:a16="http://schemas.microsoft.com/office/drawing/2014/main" id="{1FB3DF46-F399-B5E0-791D-C230439A99AB}"/>
+              </a:ext>
+            </a:extLst>
+          </p:cNvPr>
+          <p:cNvSpPr/>
+          <p:nvPr/>
+        </p:nvSpPr>
+        <p:spPr>
+          <a:xfrm>
+            <a:off x="261256" y="4148816"/>
+            <a:ext cx="1756228" cy="1001486"/>
+          </a:xfrm>
+          <a:prstGeom prst="ellipse">
+            <a:avLst/>
+          </a:prstGeom>
+          <a:noFill/>
+        </p:spPr>
+        <p:style>
+          <a:lnRef idx="2">
+            <a:schemeClr val="accent1">
+              <a:shade val="15000"/>
+            </a:schemeClr>
+          </a:lnRef>
+          <a:fillRef idx="1">
+            <a:schemeClr val="accent1"/>
+          </a:fillRef>
+          <a:effectRef idx="0">
+            <a:schemeClr val="accent1"/>
+          </a:effectRef>
+          <a:fontRef idx="minor">
+            <a:schemeClr val="lt1"/>
+          </a:fontRef>
+        </p:style>
+        <p:txBody>
+          <a:bodyPr rtlCol="0" anchor="ctr"/>
+          <a:lstStyle/>
+          <a:p>
+            <a:pPr algn="ctr"/>
+            <a:r>
+              <a:rPr lang="en-US" dirty="0">
+                <a:solidFill>
+                  <a:schemeClr val="tx1"/>
+                </a:solidFill>
+              </a:rPr>
+              <a:t>user</a:t>
+            </a:r>
+          </a:p>
+        </p:txBody>
+      </p:sp>
+      <p:sp>
+        <p:nvSpPr>
+          <p:cNvPr id="9" name="Oval 8">
+            <a:extLst>
+              <a:ext uri="{FF2B5EF4-FFF2-40B4-BE49-F238E27FC236}">
+                <a16:creationId xmlns:a16="http://schemas.microsoft.com/office/drawing/2014/main" id="{42770EFB-355D-B5BA-FA68-203E47713E9E}"/>
+              </a:ext>
+            </a:extLst>
+          </p:cNvPr>
+          <p:cNvSpPr/>
+          <p:nvPr/>
+        </p:nvSpPr>
+        <p:spPr>
+          <a:xfrm>
+            <a:off x="261256" y="5496376"/>
+            <a:ext cx="1756228" cy="1001486"/>
+          </a:xfrm>
+          <a:prstGeom prst="ellipse">
+            <a:avLst/>
+          </a:prstGeom>
+          <a:solidFill>
+            <a:srgbClr val="92D050"/>
+          </a:solidFill>
+        </p:spPr>
+        <p:style>
+          <a:lnRef idx="2">
+            <a:schemeClr val="accent1">
+              <a:shade val="15000"/>
+            </a:schemeClr>
+          </a:lnRef>
+          <a:fillRef idx="1">
+            <a:schemeClr val="accent1"/>
+          </a:fillRef>
+          <a:effectRef idx="0">
+            <a:schemeClr val="accent1"/>
+          </a:effectRef>
+          <a:fontRef idx="minor">
+            <a:schemeClr val="lt1"/>
+          </a:fontRef>
+        </p:style>
+        <p:txBody>
+          <a:bodyPr rtlCol="0" anchor="ctr"/>
+          <a:lstStyle/>
+          <a:p>
+            <a:pPr algn="ctr"/>
+            <a:r>
+              <a:rPr lang="en-US" dirty="0">
+                <a:solidFill>
+                  <a:schemeClr val="tx1"/>
+                </a:solidFill>
+              </a:rPr>
+              <a:t>profile</a:t>
+            </a:r>
+          </a:p>
+        </p:txBody>
+      </p:sp>
+      <p:sp>
+        <p:nvSpPr>
+          <p:cNvPr id="10" name="Oval 9">
+            <a:extLst>
+              <a:ext uri="{FF2B5EF4-FFF2-40B4-BE49-F238E27FC236}">
+                <a16:creationId xmlns:a16="http://schemas.microsoft.com/office/drawing/2014/main" id="{3FFBC3B0-F21F-BDFD-C4BF-4E7EDC4A8DD3}"/>
+              </a:ext>
+            </a:extLst>
+          </p:cNvPr>
+          <p:cNvSpPr/>
+          <p:nvPr/>
+        </p:nvSpPr>
+        <p:spPr>
+          <a:xfrm>
+            <a:off x="2889248" y="5156652"/>
+            <a:ext cx="1756228" cy="1001486"/>
+          </a:xfrm>
+          <a:prstGeom prst="ellipse">
+            <a:avLst/>
+          </a:prstGeom>
+          <a:solidFill>
+            <a:srgbClr val="92D050"/>
+          </a:solidFill>
+        </p:spPr>
+        <p:style>
+          <a:lnRef idx="2">
+            <a:schemeClr val="accent1">
+              <a:shade val="15000"/>
+            </a:schemeClr>
+          </a:lnRef>
+          <a:fillRef idx="1">
+            <a:schemeClr val="accent1"/>
+          </a:fillRef>
+          <a:effectRef idx="0">
+            <a:schemeClr val="accent1"/>
+          </a:effectRef>
+          <a:fontRef idx="minor">
+            <a:schemeClr val="lt1"/>
+          </a:fontRef>
+        </p:style>
+        <p:txBody>
+          <a:bodyPr rtlCol="0" anchor="ctr"/>
+          <a:lstStyle/>
+          <a:p>
+            <a:pPr algn="ctr"/>
+            <a:r>
+              <a:rPr lang="en-US" dirty="0">
+                <a:solidFill>
+                  <a:schemeClr val="tx1"/>
+                </a:solidFill>
+              </a:rPr>
+              <a:t>Sign in</a:t>
+            </a:r>
+          </a:p>
+        </p:txBody>
+      </p:sp>
+      <p:sp>
+        <p:nvSpPr>
+          <p:cNvPr id="11" name="Oval 10">
+            <a:extLst>
+              <a:ext uri="{FF2B5EF4-FFF2-40B4-BE49-F238E27FC236}">
+                <a16:creationId xmlns:a16="http://schemas.microsoft.com/office/drawing/2014/main" id="{A0D0640C-ABD4-002B-BCBD-9DAE7531A2F8}"/>
+              </a:ext>
+            </a:extLst>
+          </p:cNvPr>
+          <p:cNvSpPr/>
+          <p:nvPr/>
+        </p:nvSpPr>
+        <p:spPr>
+          <a:xfrm>
+            <a:off x="5523590" y="5156652"/>
+            <a:ext cx="1756228" cy="1001486"/>
+          </a:xfrm>
+          <a:prstGeom prst="ellipse">
+            <a:avLst/>
+          </a:prstGeom>
+          <a:solidFill>
+            <a:srgbClr val="92D050"/>
+          </a:solidFill>
+        </p:spPr>
+        <p:style>
+          <a:lnRef idx="2">
+            <a:schemeClr val="accent1">
+              <a:shade val="15000"/>
+            </a:schemeClr>
+          </a:lnRef>
+          <a:fillRef idx="1">
+            <a:schemeClr val="accent1"/>
+          </a:fillRef>
+          <a:effectRef idx="0">
+            <a:schemeClr val="accent1"/>
+          </a:effectRef>
+          <a:fontRef idx="minor">
+            <a:schemeClr val="lt1"/>
+          </a:fontRef>
+        </p:style>
+        <p:txBody>
+          <a:bodyPr rtlCol="0" anchor="ctr"/>
+          <a:lstStyle/>
+          <a:p>
+            <a:pPr algn="ctr"/>
+            <a:r>
+              <a:rPr lang="en-US" dirty="0">
+                <a:solidFill>
+                  <a:schemeClr val="tx1"/>
+                </a:solidFill>
+              </a:rPr>
+              <a:t>Sign Up</a:t>
+            </a:r>
+          </a:p>
+        </p:txBody>
+      </p:sp>
+      <p:sp>
+        <p:nvSpPr>
+          <p:cNvPr id="12" name="Oval 11">
+            <a:extLst>
+              <a:ext uri="{FF2B5EF4-FFF2-40B4-BE49-F238E27FC236}">
+                <a16:creationId xmlns:a16="http://schemas.microsoft.com/office/drawing/2014/main" id="{35664FD2-791F-26CE-C9DC-CD3C2E5B7C64}"/>
+              </a:ext>
+            </a:extLst>
+          </p:cNvPr>
+          <p:cNvSpPr/>
+          <p:nvPr/>
+        </p:nvSpPr>
+        <p:spPr>
+          <a:xfrm>
+            <a:off x="6411687" y="3204022"/>
+            <a:ext cx="1756228" cy="1001486"/>
+          </a:xfrm>
+          <a:prstGeom prst="ellipse">
+            <a:avLst/>
+          </a:prstGeom>
+          <a:solidFill>
+            <a:srgbClr val="92D050"/>
+          </a:solidFill>
+        </p:spPr>
+        <p:style>
+          <a:lnRef idx="2">
+            <a:schemeClr val="accent1">
+              <a:shade val="15000"/>
+            </a:schemeClr>
+          </a:lnRef>
+          <a:fillRef idx="1">
+            <a:schemeClr val="accent1"/>
+          </a:fillRef>
+          <a:effectRef idx="0">
+            <a:schemeClr val="accent1"/>
+          </a:effectRef>
+          <a:fontRef idx="minor">
+            <a:schemeClr val="lt1"/>
+          </a:fontRef>
+        </p:style>
+        <p:txBody>
+          <a:bodyPr rtlCol="0" anchor="ctr"/>
+          <a:lstStyle/>
+          <a:p>
+            <a:pPr algn="ctr"/>
+            <a:r>
+              <a:rPr lang="en-US" dirty="0">
+                <a:solidFill>
+                  <a:schemeClr val="tx1"/>
+                </a:solidFill>
+              </a:rPr>
+              <a:t>history</a:t>
+            </a:r>
+          </a:p>
+        </p:txBody>
+      </p:sp>
+      <p:sp>
+        <p:nvSpPr>
+          <p:cNvPr id="13" name="Oval 12">
+            <a:extLst>
+              <a:ext uri="{FF2B5EF4-FFF2-40B4-BE49-F238E27FC236}">
+                <a16:creationId xmlns:a16="http://schemas.microsoft.com/office/drawing/2014/main" id="{5A7ACDBF-5049-230B-59FB-255F16E39283}"/>
+              </a:ext>
+            </a:extLst>
+          </p:cNvPr>
+          <p:cNvSpPr/>
+          <p:nvPr/>
+        </p:nvSpPr>
+        <p:spPr>
+          <a:xfrm>
+            <a:off x="8294915" y="3263898"/>
+            <a:ext cx="1756228" cy="1001486"/>
+          </a:xfrm>
+          <a:prstGeom prst="ellipse">
+            <a:avLst/>
+          </a:prstGeom>
+          <a:solidFill>
+            <a:srgbClr val="92D050"/>
+          </a:solidFill>
+        </p:spPr>
+        <p:style>
+          <a:lnRef idx="2">
+            <a:schemeClr val="accent1">
+              <a:shade val="15000"/>
+            </a:schemeClr>
+          </a:lnRef>
+          <a:fillRef idx="1">
+            <a:schemeClr val="accent1"/>
+          </a:fillRef>
+          <a:effectRef idx="0">
+            <a:schemeClr val="accent1"/>
+          </a:effectRef>
+          <a:fontRef idx="minor">
+            <a:schemeClr val="lt1"/>
+          </a:fontRef>
+        </p:style>
+        <p:txBody>
+          <a:bodyPr rtlCol="0" anchor="ctr"/>
+          <a:lstStyle/>
+          <a:p>
+            <a:pPr algn="ctr"/>
+            <a:r>
+              <a:rPr lang="en-US" dirty="0">
+                <a:solidFill>
+                  <a:schemeClr val="tx1"/>
+                </a:solidFill>
+              </a:rPr>
+              <a:t>returns</a:t>
+            </a:r>
+          </a:p>
+        </p:txBody>
+      </p:sp>
+      <p:cxnSp>
+        <p:nvCxnSpPr>
+          <p:cNvPr id="15" name="Connector: Elbow 14">
+            <a:extLst>
+              <a:ext uri="{FF2B5EF4-FFF2-40B4-BE49-F238E27FC236}">
+                <a16:creationId xmlns:a16="http://schemas.microsoft.com/office/drawing/2014/main" id="{4FF8FCB6-1918-1A5F-7C5B-08A67C3D6C00}"/>
+              </a:ext>
+            </a:extLst>
+          </p:cNvPr>
+          <p:cNvCxnSpPr>
+            <a:stCxn id="4" idx="4"/>
+            <a:endCxn id="6" idx="0"/>
+          </p:cNvCxnSpPr>
+          <p:nvPr/>
+        </p:nvCxnSpPr>
+        <p:spPr>
+          <a:xfrm rot="5400000">
+            <a:off x="4526421" y="1827211"/>
+            <a:ext cx="1560733" cy="1041399"/>
+          </a:xfrm>
+          <a:prstGeom prst="bentConnector3">
+            <a:avLst/>
+          </a:prstGeom>
+        </p:spPr>
+        <p:style>
+          <a:lnRef idx="1">
+            <a:schemeClr val="accent1"/>
+          </a:lnRef>
+          <a:fillRef idx="0">
+            <a:schemeClr val="accent1"/>
+          </a:fillRef>
+          <a:effectRef idx="0">
+            <a:schemeClr val="accent1"/>
+          </a:effectRef>
+          <a:fontRef idx="minor">
+            <a:schemeClr val="tx1"/>
+          </a:fontRef>
+        </p:style>
+      </p:cxnSp>
+      <p:cxnSp>
+        <p:nvCxnSpPr>
+          <p:cNvPr id="17" name="Connector: Elbow 16">
+            <a:extLst>
+              <a:ext uri="{FF2B5EF4-FFF2-40B4-BE49-F238E27FC236}">
+                <a16:creationId xmlns:a16="http://schemas.microsoft.com/office/drawing/2014/main" id="{E2EE3B05-0CB3-9F8B-E87C-81F7413E0572}"/>
+              </a:ext>
+            </a:extLst>
+          </p:cNvPr>
+          <p:cNvCxnSpPr>
+            <a:stCxn id="4" idx="2"/>
+            <a:endCxn id="7" idx="0"/>
+          </p:cNvCxnSpPr>
+          <p:nvPr/>
+        </p:nvCxnSpPr>
+        <p:spPr>
+          <a:xfrm rot="10800000" flipV="1">
+            <a:off x="1748970" y="957944"/>
+            <a:ext cx="3243944" cy="1347558"/>
+          </a:xfrm>
+          <a:prstGeom prst="bentConnector2">
+            <a:avLst/>
+          </a:prstGeom>
+        </p:spPr>
+        <p:style>
+          <a:lnRef idx="1">
+            <a:schemeClr val="accent1"/>
+          </a:lnRef>
+          <a:fillRef idx="0">
+            <a:schemeClr val="accent1"/>
+          </a:fillRef>
+          <a:effectRef idx="0">
+            <a:schemeClr val="accent1"/>
+          </a:effectRef>
+          <a:fontRef idx="minor">
+            <a:schemeClr val="tx1"/>
+          </a:fontRef>
+        </p:style>
+      </p:cxnSp>
+      <p:cxnSp>
+        <p:nvCxnSpPr>
+          <p:cNvPr id="19" name="Connector: Elbow 18">
+            <a:extLst>
+              <a:ext uri="{FF2B5EF4-FFF2-40B4-BE49-F238E27FC236}">
+                <a16:creationId xmlns:a16="http://schemas.microsoft.com/office/drawing/2014/main" id="{28B8D7F7-4A52-F099-8934-54616F937E00}"/>
+              </a:ext>
+            </a:extLst>
+          </p:cNvPr>
+          <p:cNvCxnSpPr>
+            <a:stCxn id="4" idx="6"/>
+            <a:endCxn id="5" idx="0"/>
+          </p:cNvCxnSpPr>
+          <p:nvPr/>
+        </p:nvCxnSpPr>
+        <p:spPr>
+          <a:xfrm>
+            <a:off x="6662057" y="957944"/>
+            <a:ext cx="1211943" cy="1006924"/>
+          </a:xfrm>
+          <a:prstGeom prst="bentConnector2">
+            <a:avLst/>
+          </a:prstGeom>
+        </p:spPr>
+        <p:style>
+          <a:lnRef idx="1">
+            <a:schemeClr val="accent1"/>
+          </a:lnRef>
+          <a:fillRef idx="0">
+            <a:schemeClr val="accent1"/>
+          </a:fillRef>
+          <a:effectRef idx="0">
+            <a:schemeClr val="accent1"/>
+          </a:effectRef>
+          <a:fontRef idx="minor">
+            <a:schemeClr val="tx1"/>
+          </a:fontRef>
+        </p:style>
+      </p:cxnSp>
+      <p:cxnSp>
+        <p:nvCxnSpPr>
+          <p:cNvPr id="21" name="Connector: Elbow 20">
+            <a:extLst>
+              <a:ext uri="{FF2B5EF4-FFF2-40B4-BE49-F238E27FC236}">
+                <a16:creationId xmlns:a16="http://schemas.microsoft.com/office/drawing/2014/main" id="{593FCC46-3E83-7180-B695-3DB81DC76C4B}"/>
+              </a:ext>
+            </a:extLst>
+          </p:cNvPr>
+          <p:cNvCxnSpPr>
+            <a:stCxn id="7" idx="4"/>
+            <a:endCxn id="8" idx="0"/>
+          </p:cNvCxnSpPr>
+          <p:nvPr/>
+        </p:nvCxnSpPr>
+        <p:spPr>
+          <a:xfrm rot="5400000">
+            <a:off x="1023256" y="3423102"/>
+            <a:ext cx="841828" cy="609600"/>
+          </a:xfrm>
+          <a:prstGeom prst="bentConnector3">
+            <a:avLst/>
+          </a:prstGeom>
+        </p:spPr>
+        <p:style>
+          <a:lnRef idx="1">
+            <a:schemeClr val="accent1"/>
+          </a:lnRef>
+          <a:fillRef idx="0">
+            <a:schemeClr val="accent1"/>
+          </a:fillRef>
+          <a:effectRef idx="0">
+            <a:schemeClr val="accent1"/>
+          </a:effectRef>
+          <a:fontRef idx="minor">
+            <a:schemeClr val="tx1"/>
+          </a:fontRef>
+        </p:style>
+      </p:cxnSp>
+      <p:cxnSp>
+        <p:nvCxnSpPr>
+          <p:cNvPr id="23" name="Connector: Elbow 22">
+            <a:extLst>
+              <a:ext uri="{FF2B5EF4-FFF2-40B4-BE49-F238E27FC236}">
+                <a16:creationId xmlns:a16="http://schemas.microsoft.com/office/drawing/2014/main" id="{1ED06FA0-E509-79BD-78B2-DB4CF6F9CA6C}"/>
+              </a:ext>
+            </a:extLst>
+          </p:cNvPr>
+          <p:cNvCxnSpPr>
+            <a:stCxn id="8" idx="4"/>
+            <a:endCxn id="9" idx="0"/>
+          </p:cNvCxnSpPr>
+          <p:nvPr/>
+        </p:nvCxnSpPr>
+        <p:spPr>
+          <a:xfrm rot="5400000">
+            <a:off x="966333" y="5323339"/>
+            <a:ext cx="346074" cy="12700"/>
+          </a:xfrm>
+          <a:prstGeom prst="bentConnector3">
+            <a:avLst/>
+          </a:prstGeom>
+        </p:spPr>
+        <p:style>
+          <a:lnRef idx="1">
+            <a:schemeClr val="accent1"/>
+          </a:lnRef>
+          <a:fillRef idx="0">
+            <a:schemeClr val="accent1"/>
+          </a:fillRef>
+          <a:effectRef idx="0">
+            <a:schemeClr val="accent1"/>
+          </a:effectRef>
+          <a:fontRef idx="minor">
+            <a:schemeClr val="tx1"/>
+          </a:fontRef>
+        </p:style>
+      </p:cxnSp>
+      <p:cxnSp>
+        <p:nvCxnSpPr>
+          <p:cNvPr id="25" name="Connector: Elbow 24">
+            <a:extLst>
+              <a:ext uri="{FF2B5EF4-FFF2-40B4-BE49-F238E27FC236}">
+                <a16:creationId xmlns:a16="http://schemas.microsoft.com/office/drawing/2014/main" id="{382828CA-B497-BC3E-8CAE-EE065020F560}"/>
+              </a:ext>
+            </a:extLst>
+          </p:cNvPr>
+          <p:cNvCxnSpPr>
+            <a:stCxn id="6" idx="4"/>
+            <a:endCxn id="10" idx="0"/>
+          </p:cNvCxnSpPr>
+          <p:nvPr/>
+        </p:nvCxnSpPr>
+        <p:spPr>
+          <a:xfrm rot="5400000">
+            <a:off x="3763281" y="4133845"/>
+            <a:ext cx="1026889" cy="1018725"/>
+          </a:xfrm>
+          <a:prstGeom prst="bentConnector3">
+            <a:avLst/>
+          </a:prstGeom>
+        </p:spPr>
+        <p:style>
+          <a:lnRef idx="1">
+            <a:schemeClr val="accent1"/>
+          </a:lnRef>
+          <a:fillRef idx="0">
+            <a:schemeClr val="accent1"/>
+          </a:fillRef>
+          <a:effectRef idx="0">
+            <a:schemeClr val="accent1"/>
+          </a:effectRef>
+          <a:fontRef idx="minor">
+            <a:schemeClr val="tx1"/>
+          </a:fontRef>
+        </p:style>
+      </p:cxnSp>
+      <p:cxnSp>
+        <p:nvCxnSpPr>
+          <p:cNvPr id="27" name="Connector: Elbow 26">
+            <a:extLst>
+              <a:ext uri="{FF2B5EF4-FFF2-40B4-BE49-F238E27FC236}">
+                <a16:creationId xmlns:a16="http://schemas.microsoft.com/office/drawing/2014/main" id="{1707E679-D061-2F74-AB87-13F3AF97F16F}"/>
+              </a:ext>
+            </a:extLst>
+          </p:cNvPr>
+          <p:cNvCxnSpPr>
+            <a:stCxn id="6" idx="4"/>
+            <a:endCxn id="11" idx="0"/>
+          </p:cNvCxnSpPr>
+          <p:nvPr/>
+        </p:nvCxnSpPr>
+        <p:spPr>
+          <a:xfrm rot="16200000" flipH="1">
+            <a:off x="5080451" y="3835398"/>
+            <a:ext cx="1026889" cy="1615617"/>
+          </a:xfrm>
+          <a:prstGeom prst="bentConnector3">
+            <a:avLst/>
+          </a:prstGeom>
+        </p:spPr>
+        <p:style>
+          <a:lnRef idx="1">
+            <a:schemeClr val="accent1"/>
+          </a:lnRef>
+          <a:fillRef idx="0">
+            <a:schemeClr val="accent1"/>
+          </a:fillRef>
+          <a:effectRef idx="0">
+            <a:schemeClr val="accent1"/>
+          </a:effectRef>
+          <a:fontRef idx="minor">
+            <a:schemeClr val="tx1"/>
+          </a:fontRef>
+        </p:style>
+      </p:cxnSp>
+      <p:cxnSp>
+        <p:nvCxnSpPr>
+          <p:cNvPr id="29" name="Connector: Elbow 28">
+            <a:extLst>
+              <a:ext uri="{FF2B5EF4-FFF2-40B4-BE49-F238E27FC236}">
+                <a16:creationId xmlns:a16="http://schemas.microsoft.com/office/drawing/2014/main" id="{454226FE-D8B4-61FA-F916-8E5DF0D351DA}"/>
+              </a:ext>
+            </a:extLst>
+          </p:cNvPr>
+          <p:cNvCxnSpPr>
+            <a:stCxn id="5" idx="4"/>
+            <a:endCxn id="12" idx="0"/>
+          </p:cNvCxnSpPr>
+          <p:nvPr/>
+        </p:nvCxnSpPr>
+        <p:spPr>
+          <a:xfrm rot="5400000">
+            <a:off x="7463067" y="2793089"/>
+            <a:ext cx="237668" cy="584199"/>
+          </a:xfrm>
+          <a:prstGeom prst="bentConnector3">
+            <a:avLst/>
+          </a:prstGeom>
+        </p:spPr>
+        <p:style>
+          <a:lnRef idx="1">
+            <a:schemeClr val="accent1"/>
+          </a:lnRef>
+          <a:fillRef idx="0">
+            <a:schemeClr val="accent1"/>
+          </a:fillRef>
+          <a:effectRef idx="0">
+            <a:schemeClr val="accent1"/>
+          </a:effectRef>
+          <a:fontRef idx="minor">
+            <a:schemeClr val="tx1"/>
+          </a:fontRef>
+        </p:style>
+      </p:cxnSp>
+      <p:cxnSp>
+        <p:nvCxnSpPr>
+          <p:cNvPr id="31" name="Connector: Elbow 30">
+            <a:extLst>
+              <a:ext uri="{FF2B5EF4-FFF2-40B4-BE49-F238E27FC236}">
+                <a16:creationId xmlns:a16="http://schemas.microsoft.com/office/drawing/2014/main" id="{A86DB53A-B9B4-6B8E-FABB-5DC9A09FD9B2}"/>
+              </a:ext>
+            </a:extLst>
+          </p:cNvPr>
+          <p:cNvCxnSpPr>
+            <a:stCxn id="5" idx="6"/>
+            <a:endCxn id="13" idx="0"/>
+          </p:cNvCxnSpPr>
+          <p:nvPr/>
+        </p:nvCxnSpPr>
+        <p:spPr>
+          <a:xfrm>
+            <a:off x="8752114" y="2465611"/>
+            <a:ext cx="420915" cy="798287"/>
+          </a:xfrm>
+          <a:prstGeom prst="bentConnector2">
+            <a:avLst/>
+          </a:prstGeom>
+        </p:spPr>
+        <p:style>
+          <a:lnRef idx="1">
+            <a:schemeClr val="accent1"/>
+          </a:lnRef>
+          <a:fillRef idx="0">
+            <a:schemeClr val="accent1"/>
+          </a:fillRef>
+          <a:effectRef idx="0">
+            <a:schemeClr val="accent1"/>
+          </a:effectRef>
+          <a:fontRef idx="minor">
+            <a:schemeClr val="tx1"/>
+          </a:fontRef>
+        </p:style>
+      </p:cxnSp>
+      <p:sp>
+        <p:nvSpPr>
+          <p:cNvPr id="3" name="Flowchart: Connector 2">
+            <a:extLst>
+              <a:ext uri="{FF2B5EF4-FFF2-40B4-BE49-F238E27FC236}">
+                <a16:creationId xmlns:a16="http://schemas.microsoft.com/office/drawing/2014/main" id="{B866F5E7-5391-197D-2CBF-1E8EA752DDD7}"/>
+              </a:ext>
+            </a:extLst>
+          </p:cNvPr>
+          <p:cNvSpPr/>
+          <p:nvPr/>
+        </p:nvSpPr>
+        <p:spPr>
+          <a:xfrm>
+            <a:off x="10319657" y="289154"/>
+            <a:ext cx="667657" cy="456743"/>
+          </a:xfrm>
+          <a:prstGeom prst="flowChartConnector">
+            <a:avLst/>
+          </a:prstGeom>
+          <a:solidFill>
+            <a:srgbClr val="92D050"/>
+          </a:solidFill>
+        </p:spPr>
+        <p:style>
+          <a:lnRef idx="2">
+            <a:schemeClr val="accent1">
+              <a:shade val="15000"/>
+            </a:schemeClr>
+          </a:lnRef>
+          <a:fillRef idx="1">
+            <a:schemeClr val="accent1"/>
+          </a:fillRef>
+          <a:effectRef idx="0">
+            <a:schemeClr val="accent1"/>
+          </a:effectRef>
+          <a:fontRef idx="minor">
+            <a:schemeClr val="lt1"/>
+          </a:fontRef>
+        </p:style>
+        <p:txBody>
+          <a:bodyPr rtlCol="0" anchor="ctr"/>
+          <a:lstStyle/>
+          <a:p>
+            <a:pPr algn="ctr"/>
+            <a:endParaRPr lang="en-US">
+              <a:solidFill>
+                <a:schemeClr val="tx1"/>
+              </a:solidFill>
+            </a:endParaRPr>
+          </a:p>
+        </p:txBody>
+      </p:sp>
+      <p:sp>
+        <p:nvSpPr>
+          <p:cNvPr id="14" name="TextBox 13">
+            <a:extLst>
+              <a:ext uri="{FF2B5EF4-FFF2-40B4-BE49-F238E27FC236}">
+                <a16:creationId xmlns:a16="http://schemas.microsoft.com/office/drawing/2014/main" id="{0E7557B9-CD0C-768D-68D6-5F1789146561}"/>
+              </a:ext>
+            </a:extLst>
+          </p:cNvPr>
+          <p:cNvSpPr txBox="1"/>
+          <p:nvPr/>
+        </p:nvSpPr>
+        <p:spPr>
+          <a:xfrm>
+            <a:off x="10963487" y="374422"/>
+            <a:ext cx="1085425" cy="369332"/>
+          </a:xfrm>
+          <a:prstGeom prst="rect">
+            <a:avLst/>
+          </a:prstGeom>
+          <a:noFill/>
+        </p:spPr>
+        <p:txBody>
+          <a:bodyPr wrap="none" rtlCol="0">
+            <a:spAutoFit/>
+          </a:bodyPr>
+          <a:lstStyle/>
+          <a:p>
+            <a:r>
+              <a:rPr lang="en-US" dirty="0"/>
+              <a:t>User data</a:t>
+            </a:r>
+          </a:p>
+        </p:txBody>
+      </p:sp>
+      <p:sp>
+        <p:nvSpPr>
+          <p:cNvPr id="16" name="Flowchart: Connector 15">
+            <a:extLst>
+              <a:ext uri="{FF2B5EF4-FFF2-40B4-BE49-F238E27FC236}">
+                <a16:creationId xmlns:a16="http://schemas.microsoft.com/office/drawing/2014/main" id="{DC2F98ED-8AE9-AE60-E6CB-DA758B3E423B}"/>
+              </a:ext>
+            </a:extLst>
+          </p:cNvPr>
+          <p:cNvSpPr/>
+          <p:nvPr/>
+        </p:nvSpPr>
+        <p:spPr>
+          <a:xfrm>
+            <a:off x="10319657" y="1199472"/>
+            <a:ext cx="667657" cy="456743"/>
+          </a:xfrm>
+          <a:prstGeom prst="flowChartConnector">
+            <a:avLst/>
+          </a:prstGeom>
+          <a:solidFill>
+            <a:schemeClr val="accent2">
+              <a:lumMod val="75000"/>
+            </a:schemeClr>
+          </a:solidFill>
+        </p:spPr>
+        <p:style>
+          <a:lnRef idx="2">
+            <a:schemeClr val="accent1">
+              <a:shade val="15000"/>
+            </a:schemeClr>
+          </a:lnRef>
+          <a:fillRef idx="1">
+            <a:schemeClr val="accent1"/>
+          </a:fillRef>
+          <a:effectRef idx="0">
+            <a:schemeClr val="accent1"/>
+          </a:effectRef>
+          <a:fontRef idx="minor">
+            <a:schemeClr val="lt1"/>
+          </a:fontRef>
+        </p:style>
+        <p:txBody>
+          <a:bodyPr rtlCol="0" anchor="ctr"/>
+          <a:lstStyle/>
+          <a:p>
+            <a:pPr algn="ctr"/>
+            <a:endParaRPr lang="en-US">
+              <a:solidFill>
+                <a:schemeClr val="tx1"/>
+              </a:solidFill>
+            </a:endParaRPr>
+          </a:p>
+        </p:txBody>
+      </p:sp>
+      <p:sp>
+        <p:nvSpPr>
+          <p:cNvPr id="18" name="TextBox 17">
+            <a:extLst>
+              <a:ext uri="{FF2B5EF4-FFF2-40B4-BE49-F238E27FC236}">
+                <a16:creationId xmlns:a16="http://schemas.microsoft.com/office/drawing/2014/main" id="{F8A82533-8871-9BED-BDE4-F127EE59D4E4}"/>
+              </a:ext>
+            </a:extLst>
+          </p:cNvPr>
+          <p:cNvSpPr txBox="1"/>
+          <p:nvPr/>
+        </p:nvSpPr>
+        <p:spPr>
+          <a:xfrm>
+            <a:off x="10963487" y="1284740"/>
+            <a:ext cx="1085425" cy="646331"/>
+          </a:xfrm>
+          <a:prstGeom prst="rect">
+            <a:avLst/>
+          </a:prstGeom>
+          <a:noFill/>
+        </p:spPr>
+        <p:txBody>
+          <a:bodyPr wrap="none" rtlCol="0">
+            <a:spAutoFit/>
+          </a:bodyPr>
+          <a:lstStyle/>
+          <a:p>
+            <a:r>
+              <a:rPr lang="en-US" dirty="0"/>
+              <a:t>Needs </a:t>
+            </a:r>
+          </a:p>
+          <a:p>
+            <a:r>
+              <a:rPr lang="en-US" dirty="0"/>
+              <a:t>User data</a:t>
+            </a:r>
+          </a:p>
+        </p:txBody>
+      </p:sp>
+      <p:sp>
+        <p:nvSpPr>
+          <p:cNvPr id="20" name="TextBox 19">
+            <a:extLst>
+              <a:ext uri="{FF2B5EF4-FFF2-40B4-BE49-F238E27FC236}">
+                <a16:creationId xmlns:a16="http://schemas.microsoft.com/office/drawing/2014/main" id="{E5435CF1-A404-3CC5-E1C1-7BCD850DCA53}"/>
+              </a:ext>
+            </a:extLst>
+          </p:cNvPr>
+          <p:cNvSpPr txBox="1"/>
+          <p:nvPr/>
+        </p:nvSpPr>
+        <p:spPr>
+          <a:xfrm>
+            <a:off x="8752114" y="4963886"/>
+            <a:ext cx="2498633" cy="646331"/>
+          </a:xfrm>
+          <a:prstGeom prst="rect">
+            <a:avLst/>
+          </a:prstGeom>
+          <a:noFill/>
+        </p:spPr>
+        <p:txBody>
+          <a:bodyPr wrap="none" rtlCol="0">
+            <a:spAutoFit/>
+          </a:bodyPr>
+          <a:lstStyle/>
+          <a:p>
+            <a:r>
+              <a:rPr lang="en-US" sz="3600" b="1" dirty="0">
+                <a:solidFill>
+                  <a:srgbClr val="92D050"/>
+                </a:solidFill>
+              </a:rPr>
+              <a:t>{ user data }</a:t>
+            </a:r>
+          </a:p>
+        </p:txBody>
+      </p:sp>
+    </p:spTree>
+    <p:extLst>
+      <p:ext uri="{BB962C8B-B14F-4D97-AF65-F5344CB8AC3E}">
+        <p14:creationId xmlns:p14="http://schemas.microsoft.com/office/powerpoint/2010/main" val="2387946441"/>
+      </p:ext>
+    </p:extLst>
+  </p:cSld>
+  <p:clrMapOvr>
+    <a:masterClrMapping/>
+  </p:clrMapOvr>
+</p:sld>
+</file>
+
+<file path=ppt/slides/slide14.xml><?xml version="1.0" encoding="utf-8"?>
+<p:sld xmlns:a="http://schemas.openxmlformats.org/drawingml/2006/main" xmlns:r="http://schemas.openxmlformats.org/officeDocument/2006/relationships" xmlns:p="http://schemas.openxmlformats.org/presentationml/2006/main">
+  <p:cSld>
+    <p:spTree>
+      <p:nvGrpSpPr>
+        <p:cNvPr id="1" name=""/>
+        <p:cNvGrpSpPr/>
+        <p:nvPr/>
+      </p:nvGrpSpPr>
+      <p:grpSpPr>
+        <a:xfrm>
+          <a:off x="0" y="0"/>
+          <a:ext cx="0" cy="0"/>
+          <a:chOff x="0" y="0"/>
+          <a:chExt cx="0" cy="0"/>
+        </a:xfrm>
+      </p:grpSpPr>
+      <p:sp>
+        <p:nvSpPr>
+          <p:cNvPr id="3" name="Content Placeholder 2">
+            <a:extLst>
+              <a:ext uri="{FF2B5EF4-FFF2-40B4-BE49-F238E27FC236}">
+                <a16:creationId xmlns:a16="http://schemas.microsoft.com/office/drawing/2014/main" id="{62B42430-E1D1-4352-7EEE-EEE2CB577EC1}"/>
+              </a:ext>
+            </a:extLst>
+          </p:cNvPr>
+          <p:cNvSpPr>
+            <a:spLocks noGrp="1"/>
+          </p:cNvSpPr>
+          <p:nvPr>
+            <p:ph idx="1"/>
+          </p:nvPr>
+        </p:nvSpPr>
+        <p:spPr>
+          <a:xfrm>
+            <a:off x="838200" y="261257"/>
+            <a:ext cx="10515600" cy="5915706"/>
+          </a:xfrm>
+        </p:spPr>
+        <p:txBody>
+          <a:bodyPr/>
+          <a:lstStyle/>
+          <a:p>
+            <a:r>
+              <a:rPr lang="en-US" dirty="0"/>
+              <a:t>Need for Context</a:t>
+            </a:r>
+          </a:p>
+          <a:p>
+            <a:r>
+              <a:rPr lang="en-US" dirty="0"/>
+              <a:t>User Context</a:t>
+            </a:r>
+          </a:p>
+          <a:p>
+            <a:r>
+              <a:rPr lang="en-US" dirty="0"/>
+              <a:t>Rerendering Form Context</a:t>
+            </a:r>
+          </a:p>
+          <a:p>
+            <a:r>
+              <a:rPr lang="en-US" dirty="0"/>
+              <a:t>Signing Out</a:t>
+            </a:r>
+          </a:p>
+        </p:txBody>
+      </p:sp>
+    </p:spTree>
+    <p:extLst>
+      <p:ext uri="{BB962C8B-B14F-4D97-AF65-F5344CB8AC3E}">
+        <p14:creationId xmlns:p14="http://schemas.microsoft.com/office/powerpoint/2010/main" val="388547669"/>
+      </p:ext>
+    </p:extLst>
+  </p:cSld>
+  <p:clrMapOvr>
+    <a:masterClrMapping/>
+  </p:clrMapOvr>
+</p:sld>
+</file>
+
 <file path=ppt/slides/slide2.xml><?xml version="1.0" encoding="utf-8"?>
 <p:sld xmlns:a="http://schemas.openxmlformats.org/drawingml/2006/main" xmlns:r="http://schemas.openxmlformats.org/officeDocument/2006/relationships" xmlns:p="http://schemas.openxmlformats.org/presentationml/2006/main">
   <p:cSld>
@@ -4094,13 +8530,8 @@
           <a:p>
             <a:r>
               <a:rPr lang="en-US" dirty="0"/>
-              <a:t>Rendering and </a:t>
-            </a:r>
-            <a:r>
-              <a:rPr lang="en-US" dirty="0" err="1"/>
-              <a:t>Rerendering</a:t>
-            </a:r>
-            <a:endParaRPr lang="en-US" dirty="0"/>
+              <a:t>Rendering and Rerendering</a:t>
+            </a:r>
           </a:p>
           <a:p>
             <a:r>
@@ -4166,24 +8597,14 @@
           <a:p>
             <a:r>
               <a:rPr lang="en-US" dirty="0"/>
-              <a:t>Functional component </a:t>
-            </a:r>
-            <a:r>
-              <a:rPr lang="en-US" dirty="0" err="1"/>
-              <a:t>Rerendering</a:t>
-            </a:r>
-            <a:endParaRPr lang="en-US" dirty="0"/>
-          </a:p>
-          <a:p>
-            <a:r>
-              <a:rPr lang="en-US" dirty="0"/>
-              <a:t>Infinite </a:t>
-            </a:r>
-            <a:r>
-              <a:rPr lang="en-US" dirty="0" err="1"/>
-              <a:t>Rerendering</a:t>
-            </a:r>
-            <a:endParaRPr lang="en-US" dirty="0"/>
+              <a:t>Functional component Rerendering</a:t>
+            </a:r>
+          </a:p>
+          <a:p>
+            <a:r>
+              <a:rPr lang="en-US" dirty="0"/>
+              <a:t>Infinite Rerendering</a:t>
+            </a:r>
           </a:p>
           <a:p>
             <a:r>

--- a/ReactJSNew/Reactjs.pptx
+++ b/ReactJSNew/Reactjs.pptx
@@ -19,6 +19,13 @@
     <p:sldId id="267" r:id="rId13"/>
     <p:sldId id="268" r:id="rId14"/>
     <p:sldId id="269" r:id="rId15"/>
+    <p:sldId id="270" r:id="rId16"/>
+    <p:sldId id="271" r:id="rId17"/>
+    <p:sldId id="272" r:id="rId18"/>
+    <p:sldId id="273" r:id="rId19"/>
+    <p:sldId id="274" r:id="rId20"/>
+    <p:sldId id="275" r:id="rId21"/>
+    <p:sldId id="276" r:id="rId22"/>
   </p:sldIdLst>
   <p:sldSz cx="12192000" cy="6858000"/>
   <p:notesSz cx="6858000" cy="9144000"/>
@@ -272,7 +279,7 @@
           <a:p>
             <a:fld id="{9A5E46BC-724F-4E92-A585-0C922623FDCA}" type="datetimeFigureOut">
               <a:rPr lang="en-US" smtClean="0"/>
-              <a:t>9/27/2023</a:t>
+              <a:t>9/28/2023</a:t>
             </a:fld>
             <a:endParaRPr lang="en-US"/>
           </a:p>
@@ -470,7 +477,7 @@
           <a:p>
             <a:fld id="{9A5E46BC-724F-4E92-A585-0C922623FDCA}" type="datetimeFigureOut">
               <a:rPr lang="en-US" smtClean="0"/>
-              <a:t>9/27/2023</a:t>
+              <a:t>9/28/2023</a:t>
             </a:fld>
             <a:endParaRPr lang="en-US"/>
           </a:p>
@@ -678,7 +685,7 @@
           <a:p>
             <a:fld id="{9A5E46BC-724F-4E92-A585-0C922623FDCA}" type="datetimeFigureOut">
               <a:rPr lang="en-US" smtClean="0"/>
-              <a:t>9/27/2023</a:t>
+              <a:t>9/28/2023</a:t>
             </a:fld>
             <a:endParaRPr lang="en-US"/>
           </a:p>
@@ -876,7 +883,7 @@
           <a:p>
             <a:fld id="{9A5E46BC-724F-4E92-A585-0C922623FDCA}" type="datetimeFigureOut">
               <a:rPr lang="en-US" smtClean="0"/>
-              <a:t>9/27/2023</a:t>
+              <a:t>9/28/2023</a:t>
             </a:fld>
             <a:endParaRPr lang="en-US"/>
           </a:p>
@@ -1151,7 +1158,7 @@
           <a:p>
             <a:fld id="{9A5E46BC-724F-4E92-A585-0C922623FDCA}" type="datetimeFigureOut">
               <a:rPr lang="en-US" smtClean="0"/>
-              <a:t>9/27/2023</a:t>
+              <a:t>9/28/2023</a:t>
             </a:fld>
             <a:endParaRPr lang="en-US"/>
           </a:p>
@@ -1416,7 +1423,7 @@
           <a:p>
             <a:fld id="{9A5E46BC-724F-4E92-A585-0C922623FDCA}" type="datetimeFigureOut">
               <a:rPr lang="en-US" smtClean="0"/>
-              <a:t>9/27/2023</a:t>
+              <a:t>9/28/2023</a:t>
             </a:fld>
             <a:endParaRPr lang="en-US"/>
           </a:p>
@@ -1828,7 +1835,7 @@
           <a:p>
             <a:fld id="{9A5E46BC-724F-4E92-A585-0C922623FDCA}" type="datetimeFigureOut">
               <a:rPr lang="en-US" smtClean="0"/>
-              <a:t>9/27/2023</a:t>
+              <a:t>9/28/2023</a:t>
             </a:fld>
             <a:endParaRPr lang="en-US"/>
           </a:p>
@@ -1969,7 +1976,7 @@
           <a:p>
             <a:fld id="{9A5E46BC-724F-4E92-A585-0C922623FDCA}" type="datetimeFigureOut">
               <a:rPr lang="en-US" smtClean="0"/>
-              <a:t>9/27/2023</a:t>
+              <a:t>9/28/2023</a:t>
             </a:fld>
             <a:endParaRPr lang="en-US"/>
           </a:p>
@@ -2082,7 +2089,7 @@
           <a:p>
             <a:fld id="{9A5E46BC-724F-4E92-A585-0C922623FDCA}" type="datetimeFigureOut">
               <a:rPr lang="en-US" smtClean="0"/>
-              <a:t>9/27/2023</a:t>
+              <a:t>9/28/2023</a:t>
             </a:fld>
             <a:endParaRPr lang="en-US"/>
           </a:p>
@@ -2393,7 +2400,7 @@
           <a:p>
             <a:fld id="{9A5E46BC-724F-4E92-A585-0C922623FDCA}" type="datetimeFigureOut">
               <a:rPr lang="en-US" smtClean="0"/>
-              <a:t>9/27/2023</a:t>
+              <a:t>9/28/2023</a:t>
             </a:fld>
             <a:endParaRPr lang="en-US"/>
           </a:p>
@@ -2681,7 +2688,7 @@
           <a:p>
             <a:fld id="{9A5E46BC-724F-4E92-A585-0C922623FDCA}" type="datetimeFigureOut">
               <a:rPr lang="en-US" smtClean="0"/>
-              <a:t>9/27/2023</a:t>
+              <a:t>9/28/2023</a:t>
             </a:fld>
             <a:endParaRPr lang="en-US"/>
           </a:p>
@@ -2922,7 +2929,7 @@
           <a:p>
             <a:fld id="{9A5E46BC-724F-4E92-A585-0C922623FDCA}" type="datetimeFigureOut">
               <a:rPr lang="en-US" smtClean="0"/>
-              <a:t>9/27/2023</a:t>
+              <a:t>9/28/2023</a:t>
             </a:fld>
             <a:endParaRPr lang="en-US"/>
           </a:p>
@@ -7903,6 +7910,6639 @@
 </p:sld>
 </file>
 
+<file path=ppt/slides/slide15.xml><?xml version="1.0" encoding="utf-8"?>
+<p:sld xmlns:a="http://schemas.openxmlformats.org/drawingml/2006/main" xmlns:r="http://schemas.openxmlformats.org/officeDocument/2006/relationships" xmlns:p="http://schemas.openxmlformats.org/presentationml/2006/main">
+  <p:cSld>
+    <p:spTree>
+      <p:nvGrpSpPr>
+        <p:cNvPr id="1" name=""/>
+        <p:cNvGrpSpPr/>
+        <p:nvPr/>
+      </p:nvGrpSpPr>
+      <p:grpSpPr>
+        <a:xfrm>
+          <a:off x="0" y="0"/>
+          <a:ext cx="0" cy="0"/>
+          <a:chOff x="0" y="0"/>
+          <a:chExt cx="0" cy="0"/>
+        </a:xfrm>
+      </p:grpSpPr>
+      <p:sp>
+        <p:nvSpPr>
+          <p:cNvPr id="2" name="Title 1">
+            <a:extLst>
+              <a:ext uri="{FF2B5EF4-FFF2-40B4-BE49-F238E27FC236}">
+                <a16:creationId xmlns:a16="http://schemas.microsoft.com/office/drawing/2014/main" id="{6C78C2FB-2808-349A-F62B-C2792F39C83B}"/>
+              </a:ext>
+            </a:extLst>
+          </p:cNvPr>
+          <p:cNvSpPr>
+            <a:spLocks noGrp="1"/>
+          </p:cNvSpPr>
+          <p:nvPr>
+            <p:ph type="title"/>
+          </p:nvPr>
+        </p:nvSpPr>
+        <p:spPr/>
+        <p:txBody>
+          <a:bodyPr/>
+          <a:lstStyle/>
+          <a:p>
+            <a:r>
+              <a:rPr lang="en-US" dirty="0"/>
+              <a:t>Observer </a:t>
+            </a:r>
+            <a:r>
+              <a:rPr lang="en-US" dirty="0" err="1"/>
+              <a:t>onAuthStateChange</a:t>
+            </a:r>
+            <a:endParaRPr lang="en-US" dirty="0"/>
+          </a:p>
+        </p:txBody>
+      </p:sp>
+      <p:sp>
+        <p:nvSpPr>
+          <p:cNvPr id="3" name="Content Placeholder 2">
+            <a:extLst>
+              <a:ext uri="{FF2B5EF4-FFF2-40B4-BE49-F238E27FC236}">
+                <a16:creationId xmlns:a16="http://schemas.microsoft.com/office/drawing/2014/main" id="{7937FE14-2777-C4F7-2327-669711AA285C}"/>
+              </a:ext>
+            </a:extLst>
+          </p:cNvPr>
+          <p:cNvSpPr>
+            <a:spLocks noGrp="1"/>
+          </p:cNvSpPr>
+          <p:nvPr>
+            <p:ph idx="1"/>
+          </p:nvPr>
+        </p:nvSpPr>
+        <p:spPr/>
+        <p:txBody>
+          <a:bodyPr/>
+          <a:lstStyle/>
+          <a:p>
+            <a:r>
+              <a:rPr lang="en-US" dirty="0"/>
+              <a:t>Observer Pattern</a:t>
+            </a:r>
+          </a:p>
+        </p:txBody>
+      </p:sp>
+    </p:spTree>
+    <p:extLst>
+      <p:ext uri="{BB962C8B-B14F-4D97-AF65-F5344CB8AC3E}">
+        <p14:creationId xmlns:p14="http://schemas.microsoft.com/office/powerpoint/2010/main" val="3867789178"/>
+      </p:ext>
+    </p:extLst>
+  </p:cSld>
+  <p:clrMapOvr>
+    <a:masterClrMapping/>
+  </p:clrMapOvr>
+</p:sld>
+</file>
+
+<file path=ppt/slides/slide16.xml><?xml version="1.0" encoding="utf-8"?>
+<p:sld xmlns:a="http://schemas.openxmlformats.org/drawingml/2006/main" xmlns:r="http://schemas.openxmlformats.org/officeDocument/2006/relationships" xmlns:p="http://schemas.openxmlformats.org/presentationml/2006/main">
+  <p:cSld>
+    <p:spTree>
+      <p:nvGrpSpPr>
+        <p:cNvPr id="1" name=""/>
+        <p:cNvGrpSpPr/>
+        <p:nvPr/>
+      </p:nvGrpSpPr>
+      <p:grpSpPr>
+        <a:xfrm>
+          <a:off x="0" y="0"/>
+          <a:ext cx="0" cy="0"/>
+          <a:chOff x="0" y="0"/>
+          <a:chExt cx="0" cy="0"/>
+        </a:xfrm>
+      </p:grpSpPr>
+      <p:sp>
+        <p:nvSpPr>
+          <p:cNvPr id="2" name="Title 1">
+            <a:extLst>
+              <a:ext uri="{FF2B5EF4-FFF2-40B4-BE49-F238E27FC236}">
+                <a16:creationId xmlns:a16="http://schemas.microsoft.com/office/drawing/2014/main" id="{63731E63-FDC9-E85A-2818-3B263BEBB533}"/>
+              </a:ext>
+            </a:extLst>
+          </p:cNvPr>
+          <p:cNvSpPr>
+            <a:spLocks noGrp="1"/>
+          </p:cNvSpPr>
+          <p:nvPr>
+            <p:ph type="title"/>
+          </p:nvPr>
+        </p:nvSpPr>
+        <p:spPr>
+          <a:xfrm>
+            <a:off x="576946" y="336097"/>
+            <a:ext cx="10515600" cy="1325563"/>
+          </a:xfrm>
+        </p:spPr>
+        <p:txBody>
+          <a:bodyPr/>
+          <a:lstStyle/>
+          <a:p>
+            <a:pPr algn="ctr"/>
+            <a:r>
+              <a:rPr lang="en-US" dirty="0"/>
+              <a:t>Stream</a:t>
+            </a:r>
+            <a:br>
+              <a:rPr lang="en-US" dirty="0"/>
+            </a:br>
+            <a:r>
+              <a:rPr lang="en-US" dirty="0"/>
+              <a:t>Click Stream</a:t>
+            </a:r>
+          </a:p>
+        </p:txBody>
+      </p:sp>
+      <p:grpSp>
+        <p:nvGrpSpPr>
+          <p:cNvPr id="24" name="Group 23">
+            <a:extLst>
+              <a:ext uri="{FF2B5EF4-FFF2-40B4-BE49-F238E27FC236}">
+                <a16:creationId xmlns:a16="http://schemas.microsoft.com/office/drawing/2014/main" id="{D9A94F3D-B001-DDB6-FA72-BDF699ECFE4F}"/>
+              </a:ext>
+            </a:extLst>
+          </p:cNvPr>
+          <p:cNvGrpSpPr/>
+          <p:nvPr/>
+        </p:nvGrpSpPr>
+        <p:grpSpPr>
+          <a:xfrm>
+            <a:off x="348346" y="2286007"/>
+            <a:ext cx="11045371" cy="1142993"/>
+            <a:chOff x="609600" y="2286007"/>
+            <a:chExt cx="13237032" cy="1320785"/>
+          </a:xfrm>
+        </p:grpSpPr>
+        <p:grpSp>
+          <p:nvGrpSpPr>
+            <p:cNvPr id="8" name="Group 7">
+              <a:extLst>
+                <a:ext uri="{FF2B5EF4-FFF2-40B4-BE49-F238E27FC236}">
+                  <a16:creationId xmlns:a16="http://schemas.microsoft.com/office/drawing/2014/main" id="{05146E17-9539-F482-46DB-DE996D54CD4A}"/>
+                </a:ext>
+              </a:extLst>
+            </p:cNvPr>
+            <p:cNvGrpSpPr/>
+            <p:nvPr/>
+          </p:nvGrpSpPr>
+          <p:grpSpPr>
+            <a:xfrm>
+              <a:off x="609600" y="2336803"/>
+              <a:ext cx="2206172" cy="1219193"/>
+              <a:chOff x="609600" y="2336803"/>
+              <a:chExt cx="2206172" cy="1219193"/>
+            </a:xfrm>
+          </p:grpSpPr>
+          <p:cxnSp>
+            <p:nvCxnSpPr>
+              <p:cNvPr id="5" name="Straight Arrow Connector 4">
+                <a:extLst>
+                  <a:ext uri="{FF2B5EF4-FFF2-40B4-BE49-F238E27FC236}">
+                    <a16:creationId xmlns:a16="http://schemas.microsoft.com/office/drawing/2014/main" id="{0E6E7C38-1049-C44B-CE58-9CEF30C7B269}"/>
+                  </a:ext>
+                </a:extLst>
+              </p:cNvPr>
+              <p:cNvCxnSpPr>
+                <a:cxnSpLocks/>
+              </p:cNvCxnSpPr>
+              <p:nvPr/>
+            </p:nvCxnSpPr>
+            <p:spPr>
+              <a:xfrm>
+                <a:off x="609600" y="2946400"/>
+                <a:ext cx="653143" cy="0"/>
+              </a:xfrm>
+              <a:prstGeom prst="straightConnector1">
+                <a:avLst/>
+              </a:prstGeom>
+              <a:ln w="38100">
+                <a:tailEnd type="triangle"/>
+              </a:ln>
+            </p:spPr>
+            <p:style>
+              <a:lnRef idx="1">
+                <a:schemeClr val="dk1"/>
+              </a:lnRef>
+              <a:fillRef idx="0">
+                <a:schemeClr val="dk1"/>
+              </a:fillRef>
+              <a:effectRef idx="0">
+                <a:schemeClr val="dk1"/>
+              </a:effectRef>
+              <a:fontRef idx="minor">
+                <a:schemeClr val="tx1"/>
+              </a:fontRef>
+            </p:style>
+          </p:cxnSp>
+          <p:sp>
+            <p:nvSpPr>
+              <p:cNvPr id="6" name="Oval 5">
+                <a:extLst>
+                  <a:ext uri="{FF2B5EF4-FFF2-40B4-BE49-F238E27FC236}">
+                    <a16:creationId xmlns:a16="http://schemas.microsoft.com/office/drawing/2014/main" id="{6540995B-131E-66BA-7ED0-16E0A448BC96}"/>
+                  </a:ext>
+                </a:extLst>
+              </p:cNvPr>
+              <p:cNvSpPr/>
+              <p:nvPr/>
+            </p:nvSpPr>
+            <p:spPr>
+              <a:xfrm>
+                <a:off x="1262743" y="2336803"/>
+                <a:ext cx="1553029" cy="1219193"/>
+              </a:xfrm>
+              <a:prstGeom prst="ellipse">
+                <a:avLst/>
+              </a:prstGeom>
+              <a:noFill/>
+              <a:ln w="38100">
+                <a:solidFill>
+                  <a:schemeClr val="tx1"/>
+                </a:solidFill>
+              </a:ln>
+            </p:spPr>
+            <p:style>
+              <a:lnRef idx="2">
+                <a:schemeClr val="accent1">
+                  <a:shade val="15000"/>
+                </a:schemeClr>
+              </a:lnRef>
+              <a:fillRef idx="1">
+                <a:schemeClr val="accent1"/>
+              </a:fillRef>
+              <a:effectRef idx="0">
+                <a:schemeClr val="accent1"/>
+              </a:effectRef>
+              <a:fontRef idx="minor">
+                <a:schemeClr val="lt1"/>
+              </a:fontRef>
+            </p:style>
+            <p:txBody>
+              <a:bodyPr rtlCol="0" anchor="ctr"/>
+              <a:lstStyle/>
+              <a:p>
+                <a:pPr algn="ctr"/>
+                <a:endParaRPr lang="en-US"/>
+              </a:p>
+            </p:txBody>
+          </p:sp>
+        </p:grpSp>
+        <p:grpSp>
+          <p:nvGrpSpPr>
+            <p:cNvPr id="9" name="Group 8">
+              <a:extLst>
+                <a:ext uri="{FF2B5EF4-FFF2-40B4-BE49-F238E27FC236}">
+                  <a16:creationId xmlns:a16="http://schemas.microsoft.com/office/drawing/2014/main" id="{2BC8E9B1-26A1-738D-399A-F8A0E608EC60}"/>
+                </a:ext>
+              </a:extLst>
+            </p:cNvPr>
+            <p:cNvGrpSpPr/>
+            <p:nvPr/>
+          </p:nvGrpSpPr>
+          <p:grpSpPr>
+            <a:xfrm>
+              <a:off x="2815772" y="2387599"/>
+              <a:ext cx="2206172" cy="1219193"/>
+              <a:chOff x="609600" y="2336803"/>
+              <a:chExt cx="2206172" cy="1219193"/>
+            </a:xfrm>
+          </p:grpSpPr>
+          <p:cxnSp>
+            <p:nvCxnSpPr>
+              <p:cNvPr id="10" name="Straight Arrow Connector 9">
+                <a:extLst>
+                  <a:ext uri="{FF2B5EF4-FFF2-40B4-BE49-F238E27FC236}">
+                    <a16:creationId xmlns:a16="http://schemas.microsoft.com/office/drawing/2014/main" id="{F91A94BB-B98B-993F-0697-7E05597D4005}"/>
+                  </a:ext>
+                </a:extLst>
+              </p:cNvPr>
+              <p:cNvCxnSpPr>
+                <a:cxnSpLocks/>
+              </p:cNvCxnSpPr>
+              <p:nvPr/>
+            </p:nvCxnSpPr>
+            <p:spPr>
+              <a:xfrm>
+                <a:off x="609600" y="2946400"/>
+                <a:ext cx="653143" cy="0"/>
+              </a:xfrm>
+              <a:prstGeom prst="straightConnector1">
+                <a:avLst/>
+              </a:prstGeom>
+              <a:ln w="38100">
+                <a:tailEnd type="triangle"/>
+              </a:ln>
+            </p:spPr>
+            <p:style>
+              <a:lnRef idx="1">
+                <a:schemeClr val="dk1"/>
+              </a:lnRef>
+              <a:fillRef idx="0">
+                <a:schemeClr val="dk1"/>
+              </a:fillRef>
+              <a:effectRef idx="0">
+                <a:schemeClr val="dk1"/>
+              </a:effectRef>
+              <a:fontRef idx="minor">
+                <a:schemeClr val="tx1"/>
+              </a:fontRef>
+            </p:style>
+          </p:cxnSp>
+          <p:sp>
+            <p:nvSpPr>
+              <p:cNvPr id="11" name="Oval 10">
+                <a:extLst>
+                  <a:ext uri="{FF2B5EF4-FFF2-40B4-BE49-F238E27FC236}">
+                    <a16:creationId xmlns:a16="http://schemas.microsoft.com/office/drawing/2014/main" id="{0DCC9603-887C-D4F2-0B56-166892591F70}"/>
+                  </a:ext>
+                </a:extLst>
+              </p:cNvPr>
+              <p:cNvSpPr/>
+              <p:nvPr/>
+            </p:nvSpPr>
+            <p:spPr>
+              <a:xfrm>
+                <a:off x="1262743" y="2336803"/>
+                <a:ext cx="1553029" cy="1219193"/>
+              </a:xfrm>
+              <a:prstGeom prst="ellipse">
+                <a:avLst/>
+              </a:prstGeom>
+              <a:noFill/>
+              <a:ln w="38100">
+                <a:solidFill>
+                  <a:schemeClr val="tx1"/>
+                </a:solidFill>
+              </a:ln>
+            </p:spPr>
+            <p:style>
+              <a:lnRef idx="2">
+                <a:schemeClr val="accent1">
+                  <a:shade val="15000"/>
+                </a:schemeClr>
+              </a:lnRef>
+              <a:fillRef idx="1">
+                <a:schemeClr val="accent1"/>
+              </a:fillRef>
+              <a:effectRef idx="0">
+                <a:schemeClr val="accent1"/>
+              </a:effectRef>
+              <a:fontRef idx="minor">
+                <a:schemeClr val="lt1"/>
+              </a:fontRef>
+            </p:style>
+            <p:txBody>
+              <a:bodyPr rtlCol="0" anchor="ctr"/>
+              <a:lstStyle/>
+              <a:p>
+                <a:pPr algn="ctr"/>
+                <a:endParaRPr lang="en-US"/>
+              </a:p>
+            </p:txBody>
+          </p:sp>
+        </p:grpSp>
+        <p:grpSp>
+          <p:nvGrpSpPr>
+            <p:cNvPr id="12" name="Group 11">
+              <a:extLst>
+                <a:ext uri="{FF2B5EF4-FFF2-40B4-BE49-F238E27FC236}">
+                  <a16:creationId xmlns:a16="http://schemas.microsoft.com/office/drawing/2014/main" id="{A4A14245-179A-BAB0-12FA-1B07D64870E6}"/>
+                </a:ext>
+              </a:extLst>
+            </p:cNvPr>
+            <p:cNvGrpSpPr/>
+            <p:nvPr/>
+          </p:nvGrpSpPr>
+          <p:grpSpPr>
+            <a:xfrm>
+              <a:off x="5021944" y="2336803"/>
+              <a:ext cx="2206172" cy="1219193"/>
+              <a:chOff x="609600" y="2336803"/>
+              <a:chExt cx="2206172" cy="1219193"/>
+            </a:xfrm>
+          </p:grpSpPr>
+          <p:cxnSp>
+            <p:nvCxnSpPr>
+              <p:cNvPr id="13" name="Straight Arrow Connector 12">
+                <a:extLst>
+                  <a:ext uri="{FF2B5EF4-FFF2-40B4-BE49-F238E27FC236}">
+                    <a16:creationId xmlns:a16="http://schemas.microsoft.com/office/drawing/2014/main" id="{472637F8-DF98-EC51-DEB6-3D3A18DF50C4}"/>
+                  </a:ext>
+                </a:extLst>
+              </p:cNvPr>
+              <p:cNvCxnSpPr>
+                <a:cxnSpLocks/>
+              </p:cNvCxnSpPr>
+              <p:nvPr/>
+            </p:nvCxnSpPr>
+            <p:spPr>
+              <a:xfrm>
+                <a:off x="609600" y="2946400"/>
+                <a:ext cx="653143" cy="0"/>
+              </a:xfrm>
+              <a:prstGeom prst="straightConnector1">
+                <a:avLst/>
+              </a:prstGeom>
+              <a:ln w="38100">
+                <a:tailEnd type="triangle"/>
+              </a:ln>
+            </p:spPr>
+            <p:style>
+              <a:lnRef idx="1">
+                <a:schemeClr val="dk1"/>
+              </a:lnRef>
+              <a:fillRef idx="0">
+                <a:schemeClr val="dk1"/>
+              </a:fillRef>
+              <a:effectRef idx="0">
+                <a:schemeClr val="dk1"/>
+              </a:effectRef>
+              <a:fontRef idx="minor">
+                <a:schemeClr val="tx1"/>
+              </a:fontRef>
+            </p:style>
+          </p:cxnSp>
+          <p:sp>
+            <p:nvSpPr>
+              <p:cNvPr id="14" name="Oval 13">
+                <a:extLst>
+                  <a:ext uri="{FF2B5EF4-FFF2-40B4-BE49-F238E27FC236}">
+                    <a16:creationId xmlns:a16="http://schemas.microsoft.com/office/drawing/2014/main" id="{1BB49EBE-7D4F-00E9-DFBD-E7CE04AF8AFC}"/>
+                  </a:ext>
+                </a:extLst>
+              </p:cNvPr>
+              <p:cNvSpPr/>
+              <p:nvPr/>
+            </p:nvSpPr>
+            <p:spPr>
+              <a:xfrm>
+                <a:off x="1262743" y="2336803"/>
+                <a:ext cx="1553029" cy="1219193"/>
+              </a:xfrm>
+              <a:prstGeom prst="ellipse">
+                <a:avLst/>
+              </a:prstGeom>
+              <a:noFill/>
+              <a:ln w="38100">
+                <a:solidFill>
+                  <a:schemeClr val="tx1"/>
+                </a:solidFill>
+              </a:ln>
+            </p:spPr>
+            <p:style>
+              <a:lnRef idx="2">
+                <a:schemeClr val="accent1">
+                  <a:shade val="15000"/>
+                </a:schemeClr>
+              </a:lnRef>
+              <a:fillRef idx="1">
+                <a:schemeClr val="accent1"/>
+              </a:fillRef>
+              <a:effectRef idx="0">
+                <a:schemeClr val="accent1"/>
+              </a:effectRef>
+              <a:fontRef idx="minor">
+                <a:schemeClr val="lt1"/>
+              </a:fontRef>
+            </p:style>
+            <p:txBody>
+              <a:bodyPr rtlCol="0" anchor="ctr"/>
+              <a:lstStyle/>
+              <a:p>
+                <a:pPr algn="ctr"/>
+                <a:endParaRPr lang="en-US"/>
+              </a:p>
+            </p:txBody>
+          </p:sp>
+        </p:grpSp>
+        <p:grpSp>
+          <p:nvGrpSpPr>
+            <p:cNvPr id="15" name="Group 14">
+              <a:extLst>
+                <a:ext uri="{FF2B5EF4-FFF2-40B4-BE49-F238E27FC236}">
+                  <a16:creationId xmlns:a16="http://schemas.microsoft.com/office/drawing/2014/main" id="{0D577487-351A-B4F0-BE9C-07BE3D083391}"/>
+                </a:ext>
+              </a:extLst>
+            </p:cNvPr>
+            <p:cNvGrpSpPr/>
+            <p:nvPr/>
+          </p:nvGrpSpPr>
+          <p:grpSpPr>
+            <a:xfrm>
+              <a:off x="7228116" y="2286007"/>
+              <a:ext cx="2206172" cy="1219193"/>
+              <a:chOff x="609600" y="2336803"/>
+              <a:chExt cx="2206172" cy="1219193"/>
+            </a:xfrm>
+          </p:grpSpPr>
+          <p:cxnSp>
+            <p:nvCxnSpPr>
+              <p:cNvPr id="16" name="Straight Arrow Connector 15">
+                <a:extLst>
+                  <a:ext uri="{FF2B5EF4-FFF2-40B4-BE49-F238E27FC236}">
+                    <a16:creationId xmlns:a16="http://schemas.microsoft.com/office/drawing/2014/main" id="{C16FBFAA-82FB-B6DE-FFB0-57BF5B09BBAC}"/>
+                  </a:ext>
+                </a:extLst>
+              </p:cNvPr>
+              <p:cNvCxnSpPr>
+                <a:cxnSpLocks/>
+              </p:cNvCxnSpPr>
+              <p:nvPr/>
+            </p:nvCxnSpPr>
+            <p:spPr>
+              <a:xfrm>
+                <a:off x="609600" y="2946400"/>
+                <a:ext cx="653143" cy="0"/>
+              </a:xfrm>
+              <a:prstGeom prst="straightConnector1">
+                <a:avLst/>
+              </a:prstGeom>
+              <a:ln w="38100">
+                <a:tailEnd type="triangle"/>
+              </a:ln>
+            </p:spPr>
+            <p:style>
+              <a:lnRef idx="1">
+                <a:schemeClr val="dk1"/>
+              </a:lnRef>
+              <a:fillRef idx="0">
+                <a:schemeClr val="dk1"/>
+              </a:fillRef>
+              <a:effectRef idx="0">
+                <a:schemeClr val="dk1"/>
+              </a:effectRef>
+              <a:fontRef idx="minor">
+                <a:schemeClr val="tx1"/>
+              </a:fontRef>
+            </p:style>
+          </p:cxnSp>
+          <p:sp>
+            <p:nvSpPr>
+              <p:cNvPr id="17" name="Oval 16">
+                <a:extLst>
+                  <a:ext uri="{FF2B5EF4-FFF2-40B4-BE49-F238E27FC236}">
+                    <a16:creationId xmlns:a16="http://schemas.microsoft.com/office/drawing/2014/main" id="{15316F59-FB05-DDF9-6073-4EAF5F72AD93}"/>
+                  </a:ext>
+                </a:extLst>
+              </p:cNvPr>
+              <p:cNvSpPr/>
+              <p:nvPr/>
+            </p:nvSpPr>
+            <p:spPr>
+              <a:xfrm>
+                <a:off x="1262743" y="2336803"/>
+                <a:ext cx="1553029" cy="1219193"/>
+              </a:xfrm>
+              <a:prstGeom prst="ellipse">
+                <a:avLst/>
+              </a:prstGeom>
+              <a:noFill/>
+              <a:ln w="38100">
+                <a:solidFill>
+                  <a:schemeClr val="tx1"/>
+                </a:solidFill>
+              </a:ln>
+            </p:spPr>
+            <p:style>
+              <a:lnRef idx="2">
+                <a:schemeClr val="accent1">
+                  <a:shade val="15000"/>
+                </a:schemeClr>
+              </a:lnRef>
+              <a:fillRef idx="1">
+                <a:schemeClr val="accent1"/>
+              </a:fillRef>
+              <a:effectRef idx="0">
+                <a:schemeClr val="accent1"/>
+              </a:effectRef>
+              <a:fontRef idx="minor">
+                <a:schemeClr val="lt1"/>
+              </a:fontRef>
+            </p:style>
+            <p:txBody>
+              <a:bodyPr rtlCol="0" anchor="ctr"/>
+              <a:lstStyle/>
+              <a:p>
+                <a:pPr algn="ctr"/>
+                <a:endParaRPr lang="en-US"/>
+              </a:p>
+            </p:txBody>
+          </p:sp>
+        </p:grpSp>
+        <p:grpSp>
+          <p:nvGrpSpPr>
+            <p:cNvPr id="18" name="Group 17">
+              <a:extLst>
+                <a:ext uri="{FF2B5EF4-FFF2-40B4-BE49-F238E27FC236}">
+                  <a16:creationId xmlns:a16="http://schemas.microsoft.com/office/drawing/2014/main" id="{B8C5B0ED-D22C-BC92-9FF7-D1F13A1A72CB}"/>
+                </a:ext>
+              </a:extLst>
+            </p:cNvPr>
+            <p:cNvGrpSpPr/>
+            <p:nvPr/>
+          </p:nvGrpSpPr>
+          <p:grpSpPr>
+            <a:xfrm>
+              <a:off x="9434288" y="2336803"/>
+              <a:ext cx="2206172" cy="1219193"/>
+              <a:chOff x="609600" y="2336803"/>
+              <a:chExt cx="2206172" cy="1219193"/>
+            </a:xfrm>
+          </p:grpSpPr>
+          <p:cxnSp>
+            <p:nvCxnSpPr>
+              <p:cNvPr id="19" name="Straight Arrow Connector 18">
+                <a:extLst>
+                  <a:ext uri="{FF2B5EF4-FFF2-40B4-BE49-F238E27FC236}">
+                    <a16:creationId xmlns:a16="http://schemas.microsoft.com/office/drawing/2014/main" id="{BCC7D9ED-EA14-34DF-2A7E-0005773960FF}"/>
+                  </a:ext>
+                </a:extLst>
+              </p:cNvPr>
+              <p:cNvCxnSpPr>
+                <a:cxnSpLocks/>
+              </p:cNvCxnSpPr>
+              <p:nvPr/>
+            </p:nvCxnSpPr>
+            <p:spPr>
+              <a:xfrm>
+                <a:off x="609600" y="2946400"/>
+                <a:ext cx="653143" cy="0"/>
+              </a:xfrm>
+              <a:prstGeom prst="straightConnector1">
+                <a:avLst/>
+              </a:prstGeom>
+              <a:ln w="38100">
+                <a:tailEnd type="triangle"/>
+              </a:ln>
+            </p:spPr>
+            <p:style>
+              <a:lnRef idx="1">
+                <a:schemeClr val="dk1"/>
+              </a:lnRef>
+              <a:fillRef idx="0">
+                <a:schemeClr val="dk1"/>
+              </a:fillRef>
+              <a:effectRef idx="0">
+                <a:schemeClr val="dk1"/>
+              </a:effectRef>
+              <a:fontRef idx="minor">
+                <a:schemeClr val="tx1"/>
+              </a:fontRef>
+            </p:style>
+          </p:cxnSp>
+          <p:sp>
+            <p:nvSpPr>
+              <p:cNvPr id="20" name="Oval 19">
+                <a:extLst>
+                  <a:ext uri="{FF2B5EF4-FFF2-40B4-BE49-F238E27FC236}">
+                    <a16:creationId xmlns:a16="http://schemas.microsoft.com/office/drawing/2014/main" id="{1451E793-8F64-AE17-5E78-89F29B1EF1C3}"/>
+                  </a:ext>
+                </a:extLst>
+              </p:cNvPr>
+              <p:cNvSpPr/>
+              <p:nvPr/>
+            </p:nvSpPr>
+            <p:spPr>
+              <a:xfrm>
+                <a:off x="1262743" y="2336803"/>
+                <a:ext cx="1553029" cy="1219193"/>
+              </a:xfrm>
+              <a:prstGeom prst="ellipse">
+                <a:avLst/>
+              </a:prstGeom>
+              <a:noFill/>
+              <a:ln w="38100">
+                <a:solidFill>
+                  <a:schemeClr val="tx1"/>
+                </a:solidFill>
+              </a:ln>
+            </p:spPr>
+            <p:style>
+              <a:lnRef idx="2">
+                <a:schemeClr val="accent1">
+                  <a:shade val="15000"/>
+                </a:schemeClr>
+              </a:lnRef>
+              <a:fillRef idx="1">
+                <a:schemeClr val="accent1"/>
+              </a:fillRef>
+              <a:effectRef idx="0">
+                <a:schemeClr val="accent1"/>
+              </a:effectRef>
+              <a:fontRef idx="minor">
+                <a:schemeClr val="lt1"/>
+              </a:fontRef>
+            </p:style>
+            <p:txBody>
+              <a:bodyPr rtlCol="0" anchor="ctr"/>
+              <a:lstStyle/>
+              <a:p>
+                <a:pPr algn="ctr"/>
+                <a:endParaRPr lang="en-US"/>
+              </a:p>
+            </p:txBody>
+          </p:sp>
+        </p:grpSp>
+        <p:grpSp>
+          <p:nvGrpSpPr>
+            <p:cNvPr id="21" name="Group 20">
+              <a:extLst>
+                <a:ext uri="{FF2B5EF4-FFF2-40B4-BE49-F238E27FC236}">
+                  <a16:creationId xmlns:a16="http://schemas.microsoft.com/office/drawing/2014/main" id="{8F0FD0EB-B364-C808-6677-4B480F0D1270}"/>
+                </a:ext>
+              </a:extLst>
+            </p:cNvPr>
+            <p:cNvGrpSpPr/>
+            <p:nvPr/>
+          </p:nvGrpSpPr>
+          <p:grpSpPr>
+            <a:xfrm>
+              <a:off x="11640460" y="2286007"/>
+              <a:ext cx="2206172" cy="1219193"/>
+              <a:chOff x="609600" y="2336803"/>
+              <a:chExt cx="2206172" cy="1219193"/>
+            </a:xfrm>
+          </p:grpSpPr>
+          <p:cxnSp>
+            <p:nvCxnSpPr>
+              <p:cNvPr id="22" name="Straight Arrow Connector 21">
+                <a:extLst>
+                  <a:ext uri="{FF2B5EF4-FFF2-40B4-BE49-F238E27FC236}">
+                    <a16:creationId xmlns:a16="http://schemas.microsoft.com/office/drawing/2014/main" id="{C4C2ED35-B319-32D8-B2D4-E4562AA7F885}"/>
+                  </a:ext>
+                </a:extLst>
+              </p:cNvPr>
+              <p:cNvCxnSpPr>
+                <a:cxnSpLocks/>
+              </p:cNvCxnSpPr>
+              <p:nvPr/>
+            </p:nvCxnSpPr>
+            <p:spPr>
+              <a:xfrm>
+                <a:off x="609600" y="2946400"/>
+                <a:ext cx="653143" cy="0"/>
+              </a:xfrm>
+              <a:prstGeom prst="straightConnector1">
+                <a:avLst/>
+              </a:prstGeom>
+              <a:ln w="38100">
+                <a:tailEnd type="triangle"/>
+              </a:ln>
+            </p:spPr>
+            <p:style>
+              <a:lnRef idx="1">
+                <a:schemeClr val="dk1"/>
+              </a:lnRef>
+              <a:fillRef idx="0">
+                <a:schemeClr val="dk1"/>
+              </a:fillRef>
+              <a:effectRef idx="0">
+                <a:schemeClr val="dk1"/>
+              </a:effectRef>
+              <a:fontRef idx="minor">
+                <a:schemeClr val="tx1"/>
+              </a:fontRef>
+            </p:style>
+          </p:cxnSp>
+          <p:sp>
+            <p:nvSpPr>
+              <p:cNvPr id="23" name="Oval 22">
+                <a:extLst>
+                  <a:ext uri="{FF2B5EF4-FFF2-40B4-BE49-F238E27FC236}">
+                    <a16:creationId xmlns:a16="http://schemas.microsoft.com/office/drawing/2014/main" id="{F08A3444-BBBE-6DB5-832F-37D977BE1FFE}"/>
+                  </a:ext>
+                </a:extLst>
+              </p:cNvPr>
+              <p:cNvSpPr/>
+              <p:nvPr/>
+            </p:nvSpPr>
+            <p:spPr>
+              <a:xfrm>
+                <a:off x="1262743" y="2336803"/>
+                <a:ext cx="1553029" cy="1219193"/>
+              </a:xfrm>
+              <a:prstGeom prst="ellipse">
+                <a:avLst/>
+              </a:prstGeom>
+              <a:noFill/>
+              <a:ln w="38100">
+                <a:solidFill>
+                  <a:schemeClr val="tx1"/>
+                </a:solidFill>
+              </a:ln>
+            </p:spPr>
+            <p:style>
+              <a:lnRef idx="2">
+                <a:schemeClr val="accent1">
+                  <a:shade val="15000"/>
+                </a:schemeClr>
+              </a:lnRef>
+              <a:fillRef idx="1">
+                <a:schemeClr val="accent1"/>
+              </a:fillRef>
+              <a:effectRef idx="0">
+                <a:schemeClr val="accent1"/>
+              </a:effectRef>
+              <a:fontRef idx="minor">
+                <a:schemeClr val="lt1"/>
+              </a:fontRef>
+            </p:style>
+            <p:txBody>
+              <a:bodyPr rtlCol="0" anchor="ctr"/>
+              <a:lstStyle/>
+              <a:p>
+                <a:pPr algn="ctr"/>
+                <a:endParaRPr lang="en-US"/>
+              </a:p>
+            </p:txBody>
+          </p:sp>
+        </p:grpSp>
+      </p:grpSp>
+      <p:grpSp>
+        <p:nvGrpSpPr>
+          <p:cNvPr id="29" name="Group 28">
+            <a:extLst>
+              <a:ext uri="{FF2B5EF4-FFF2-40B4-BE49-F238E27FC236}">
+                <a16:creationId xmlns:a16="http://schemas.microsoft.com/office/drawing/2014/main" id="{F0B84065-1C5A-06E0-A88A-E5DB07FA0E74}"/>
+              </a:ext>
+            </a:extLst>
+          </p:cNvPr>
+          <p:cNvGrpSpPr/>
+          <p:nvPr/>
+        </p:nvGrpSpPr>
+        <p:grpSpPr>
+          <a:xfrm>
+            <a:off x="390656" y="2901462"/>
+            <a:ext cx="460382" cy="1560700"/>
+            <a:chOff x="651910" y="2901462"/>
+            <a:chExt cx="460382" cy="1560700"/>
+          </a:xfrm>
+        </p:grpSpPr>
+        <p:cxnSp>
+          <p:nvCxnSpPr>
+            <p:cNvPr id="26" name="Straight Arrow Connector 25">
+              <a:extLst>
+                <a:ext uri="{FF2B5EF4-FFF2-40B4-BE49-F238E27FC236}">
+                  <a16:creationId xmlns:a16="http://schemas.microsoft.com/office/drawing/2014/main" id="{3DFA143B-2722-EB14-C580-0AF82E30F19E}"/>
+                </a:ext>
+              </a:extLst>
+            </p:cNvPr>
+            <p:cNvCxnSpPr>
+              <a:cxnSpLocks/>
+            </p:cNvCxnSpPr>
+            <p:nvPr/>
+          </p:nvCxnSpPr>
+          <p:spPr>
+            <a:xfrm flipV="1">
+              <a:off x="838200" y="2901462"/>
+              <a:ext cx="0" cy="1132115"/>
+            </a:xfrm>
+            <a:prstGeom prst="straightConnector1">
+              <a:avLst/>
+            </a:prstGeom>
+            <a:ln>
+              <a:tailEnd type="triangle"/>
+            </a:ln>
+          </p:spPr>
+          <p:style>
+            <a:lnRef idx="1">
+              <a:schemeClr val="accent1"/>
+            </a:lnRef>
+            <a:fillRef idx="0">
+              <a:schemeClr val="accent1"/>
+            </a:fillRef>
+            <a:effectRef idx="0">
+              <a:schemeClr val="accent1"/>
+            </a:effectRef>
+            <a:fontRef idx="minor">
+              <a:schemeClr val="tx1"/>
+            </a:fontRef>
+          </p:style>
+        </p:cxnSp>
+        <p:sp>
+          <p:nvSpPr>
+            <p:cNvPr id="28" name="TextBox 27">
+              <a:extLst>
+                <a:ext uri="{FF2B5EF4-FFF2-40B4-BE49-F238E27FC236}">
+                  <a16:creationId xmlns:a16="http://schemas.microsoft.com/office/drawing/2014/main" id="{C80CD9ED-E4F3-BF35-87DC-C1A5D1D3D5B6}"/>
+                </a:ext>
+              </a:extLst>
+            </p:cNvPr>
+            <p:cNvSpPr txBox="1"/>
+            <p:nvPr/>
+          </p:nvSpPr>
+          <p:spPr>
+            <a:xfrm>
+              <a:off x="651910" y="4000497"/>
+              <a:ext cx="460382" cy="461665"/>
+            </a:xfrm>
+            <a:prstGeom prst="rect">
+              <a:avLst/>
+            </a:prstGeom>
+            <a:noFill/>
+          </p:spPr>
+          <p:txBody>
+            <a:bodyPr wrap="none" rtlCol="0">
+              <a:spAutoFit/>
+            </a:bodyPr>
+            <a:lstStyle/>
+            <a:p>
+              <a:r>
+                <a:rPr lang="en-US" sz="2400" dirty="0"/>
+                <a:t>5s</a:t>
+              </a:r>
+            </a:p>
+          </p:txBody>
+        </p:sp>
+      </p:grpSp>
+      <p:grpSp>
+        <p:nvGrpSpPr>
+          <p:cNvPr id="30" name="Group 29">
+            <a:extLst>
+              <a:ext uri="{FF2B5EF4-FFF2-40B4-BE49-F238E27FC236}">
+                <a16:creationId xmlns:a16="http://schemas.microsoft.com/office/drawing/2014/main" id="{87C0931B-9B0F-CD2C-74C3-E291341A4450}"/>
+              </a:ext>
+            </a:extLst>
+          </p:cNvPr>
+          <p:cNvGrpSpPr/>
+          <p:nvPr/>
+        </p:nvGrpSpPr>
+        <p:grpSpPr>
+          <a:xfrm>
+            <a:off x="2275451" y="3009553"/>
+            <a:ext cx="615874" cy="1560700"/>
+            <a:chOff x="651910" y="2901462"/>
+            <a:chExt cx="615874" cy="1560700"/>
+          </a:xfrm>
+        </p:grpSpPr>
+        <p:cxnSp>
+          <p:nvCxnSpPr>
+            <p:cNvPr id="31" name="Straight Arrow Connector 30">
+              <a:extLst>
+                <a:ext uri="{FF2B5EF4-FFF2-40B4-BE49-F238E27FC236}">
+                  <a16:creationId xmlns:a16="http://schemas.microsoft.com/office/drawing/2014/main" id="{EE96BCD0-1C68-5D15-2D45-851DC875FB26}"/>
+                </a:ext>
+              </a:extLst>
+            </p:cNvPr>
+            <p:cNvCxnSpPr>
+              <a:cxnSpLocks/>
+            </p:cNvCxnSpPr>
+            <p:nvPr/>
+          </p:nvCxnSpPr>
+          <p:spPr>
+            <a:xfrm flipV="1">
+              <a:off x="838200" y="2901462"/>
+              <a:ext cx="0" cy="1132115"/>
+            </a:xfrm>
+            <a:prstGeom prst="straightConnector1">
+              <a:avLst/>
+            </a:prstGeom>
+            <a:ln>
+              <a:tailEnd type="triangle"/>
+            </a:ln>
+          </p:spPr>
+          <p:style>
+            <a:lnRef idx="1">
+              <a:schemeClr val="accent1"/>
+            </a:lnRef>
+            <a:fillRef idx="0">
+              <a:schemeClr val="accent1"/>
+            </a:fillRef>
+            <a:effectRef idx="0">
+              <a:schemeClr val="accent1"/>
+            </a:effectRef>
+            <a:fontRef idx="minor">
+              <a:schemeClr val="tx1"/>
+            </a:fontRef>
+          </p:style>
+        </p:cxnSp>
+        <p:sp>
+          <p:nvSpPr>
+            <p:cNvPr id="32" name="TextBox 31">
+              <a:extLst>
+                <a:ext uri="{FF2B5EF4-FFF2-40B4-BE49-F238E27FC236}">
+                  <a16:creationId xmlns:a16="http://schemas.microsoft.com/office/drawing/2014/main" id="{AEDCA6CF-914F-292E-42CF-32B81406E3E4}"/>
+                </a:ext>
+              </a:extLst>
+            </p:cNvPr>
+            <p:cNvSpPr txBox="1"/>
+            <p:nvPr/>
+          </p:nvSpPr>
+          <p:spPr>
+            <a:xfrm>
+              <a:off x="651910" y="4000497"/>
+              <a:ext cx="615874" cy="461665"/>
+            </a:xfrm>
+            <a:prstGeom prst="rect">
+              <a:avLst/>
+            </a:prstGeom>
+            <a:noFill/>
+          </p:spPr>
+          <p:txBody>
+            <a:bodyPr wrap="none" rtlCol="0">
+              <a:spAutoFit/>
+            </a:bodyPr>
+            <a:lstStyle/>
+            <a:p>
+              <a:r>
+                <a:rPr lang="en-US" sz="2400" dirty="0"/>
+                <a:t>30s</a:t>
+              </a:r>
+            </a:p>
+          </p:txBody>
+        </p:sp>
+      </p:grpSp>
+      <p:grpSp>
+        <p:nvGrpSpPr>
+          <p:cNvPr id="33" name="Group 32">
+            <a:extLst>
+              <a:ext uri="{FF2B5EF4-FFF2-40B4-BE49-F238E27FC236}">
+                <a16:creationId xmlns:a16="http://schemas.microsoft.com/office/drawing/2014/main" id="{7EA6B11E-25AB-9C95-7D7E-6AEC9168519C}"/>
+              </a:ext>
+            </a:extLst>
+          </p:cNvPr>
+          <p:cNvGrpSpPr/>
+          <p:nvPr/>
+        </p:nvGrpSpPr>
+        <p:grpSpPr>
+          <a:xfrm>
+            <a:off x="4158656" y="3220147"/>
+            <a:ext cx="585417" cy="1560700"/>
+            <a:chOff x="651910" y="2901462"/>
+            <a:chExt cx="585417" cy="1560700"/>
+          </a:xfrm>
+        </p:grpSpPr>
+        <p:cxnSp>
+          <p:nvCxnSpPr>
+            <p:cNvPr id="34" name="Straight Arrow Connector 33">
+              <a:extLst>
+                <a:ext uri="{FF2B5EF4-FFF2-40B4-BE49-F238E27FC236}">
+                  <a16:creationId xmlns:a16="http://schemas.microsoft.com/office/drawing/2014/main" id="{789596B0-E825-49F3-5AC8-0A2629BA4076}"/>
+                </a:ext>
+              </a:extLst>
+            </p:cNvPr>
+            <p:cNvCxnSpPr>
+              <a:cxnSpLocks/>
+            </p:cNvCxnSpPr>
+            <p:nvPr/>
+          </p:nvCxnSpPr>
+          <p:spPr>
+            <a:xfrm flipV="1">
+              <a:off x="838200" y="2901462"/>
+              <a:ext cx="0" cy="1132115"/>
+            </a:xfrm>
+            <a:prstGeom prst="straightConnector1">
+              <a:avLst/>
+            </a:prstGeom>
+            <a:ln>
+              <a:tailEnd type="triangle"/>
+            </a:ln>
+          </p:spPr>
+          <p:style>
+            <a:lnRef idx="1">
+              <a:schemeClr val="accent1"/>
+            </a:lnRef>
+            <a:fillRef idx="0">
+              <a:schemeClr val="accent1"/>
+            </a:fillRef>
+            <a:effectRef idx="0">
+              <a:schemeClr val="accent1"/>
+            </a:effectRef>
+            <a:fontRef idx="minor">
+              <a:schemeClr val="tx1"/>
+            </a:fontRef>
+          </p:style>
+        </p:cxnSp>
+        <p:sp>
+          <p:nvSpPr>
+            <p:cNvPr id="35" name="TextBox 34">
+              <a:extLst>
+                <a:ext uri="{FF2B5EF4-FFF2-40B4-BE49-F238E27FC236}">
+                  <a16:creationId xmlns:a16="http://schemas.microsoft.com/office/drawing/2014/main" id="{D615CCC7-11FE-1065-EFBE-645AE1337E95}"/>
+                </a:ext>
+              </a:extLst>
+            </p:cNvPr>
+            <p:cNvSpPr txBox="1"/>
+            <p:nvPr/>
+          </p:nvSpPr>
+          <p:spPr>
+            <a:xfrm>
+              <a:off x="651910" y="4000497"/>
+              <a:ext cx="585417" cy="461665"/>
+            </a:xfrm>
+            <a:prstGeom prst="rect">
+              <a:avLst/>
+            </a:prstGeom>
+            <a:noFill/>
+          </p:spPr>
+          <p:txBody>
+            <a:bodyPr wrap="none" rtlCol="0">
+              <a:spAutoFit/>
+            </a:bodyPr>
+            <a:lstStyle/>
+            <a:p>
+              <a:r>
+                <a:rPr lang="en-US" sz="2400" dirty="0"/>
+                <a:t>2m</a:t>
+              </a:r>
+            </a:p>
+          </p:txBody>
+        </p:sp>
+      </p:grpSp>
+      <p:grpSp>
+        <p:nvGrpSpPr>
+          <p:cNvPr id="36" name="Group 35">
+            <a:extLst>
+              <a:ext uri="{FF2B5EF4-FFF2-40B4-BE49-F238E27FC236}">
+                <a16:creationId xmlns:a16="http://schemas.microsoft.com/office/drawing/2014/main" id="{B7330AAD-E553-75C0-4117-ABEA6A662234}"/>
+              </a:ext>
+            </a:extLst>
+          </p:cNvPr>
+          <p:cNvGrpSpPr/>
+          <p:nvPr/>
+        </p:nvGrpSpPr>
+        <p:grpSpPr>
+          <a:xfrm>
+            <a:off x="5834746" y="3044313"/>
+            <a:ext cx="460382" cy="1560700"/>
+            <a:chOff x="651910" y="2901462"/>
+            <a:chExt cx="460382" cy="1560700"/>
+          </a:xfrm>
+        </p:grpSpPr>
+        <p:cxnSp>
+          <p:nvCxnSpPr>
+            <p:cNvPr id="37" name="Straight Arrow Connector 36">
+              <a:extLst>
+                <a:ext uri="{FF2B5EF4-FFF2-40B4-BE49-F238E27FC236}">
+                  <a16:creationId xmlns:a16="http://schemas.microsoft.com/office/drawing/2014/main" id="{3BE26675-0BE0-083E-5AAC-C35B513B4398}"/>
+                </a:ext>
+              </a:extLst>
+            </p:cNvPr>
+            <p:cNvCxnSpPr>
+              <a:cxnSpLocks/>
+            </p:cNvCxnSpPr>
+            <p:nvPr/>
+          </p:nvCxnSpPr>
+          <p:spPr>
+            <a:xfrm flipV="1">
+              <a:off x="838200" y="2901462"/>
+              <a:ext cx="0" cy="1132115"/>
+            </a:xfrm>
+            <a:prstGeom prst="straightConnector1">
+              <a:avLst/>
+            </a:prstGeom>
+            <a:ln>
+              <a:tailEnd type="triangle"/>
+            </a:ln>
+          </p:spPr>
+          <p:style>
+            <a:lnRef idx="1">
+              <a:schemeClr val="accent1"/>
+            </a:lnRef>
+            <a:fillRef idx="0">
+              <a:schemeClr val="accent1"/>
+            </a:fillRef>
+            <a:effectRef idx="0">
+              <a:schemeClr val="accent1"/>
+            </a:effectRef>
+            <a:fontRef idx="minor">
+              <a:schemeClr val="tx1"/>
+            </a:fontRef>
+          </p:style>
+        </p:cxnSp>
+        <p:sp>
+          <p:nvSpPr>
+            <p:cNvPr id="38" name="TextBox 37">
+              <a:extLst>
+                <a:ext uri="{FF2B5EF4-FFF2-40B4-BE49-F238E27FC236}">
+                  <a16:creationId xmlns:a16="http://schemas.microsoft.com/office/drawing/2014/main" id="{B937D447-8425-34D0-2FDB-124251D72B03}"/>
+                </a:ext>
+              </a:extLst>
+            </p:cNvPr>
+            <p:cNvSpPr txBox="1"/>
+            <p:nvPr/>
+          </p:nvSpPr>
+          <p:spPr>
+            <a:xfrm>
+              <a:off x="651910" y="4000497"/>
+              <a:ext cx="460382" cy="461665"/>
+            </a:xfrm>
+            <a:prstGeom prst="rect">
+              <a:avLst/>
+            </a:prstGeom>
+            <a:noFill/>
+          </p:spPr>
+          <p:txBody>
+            <a:bodyPr wrap="none" rtlCol="0">
+              <a:spAutoFit/>
+            </a:bodyPr>
+            <a:lstStyle/>
+            <a:p>
+              <a:r>
+                <a:rPr lang="en-US" sz="2400" dirty="0"/>
+                <a:t>5s</a:t>
+              </a:r>
+            </a:p>
+          </p:txBody>
+        </p:sp>
+      </p:grpSp>
+      <p:grpSp>
+        <p:nvGrpSpPr>
+          <p:cNvPr id="39" name="Group 38">
+            <a:extLst>
+              <a:ext uri="{FF2B5EF4-FFF2-40B4-BE49-F238E27FC236}">
+                <a16:creationId xmlns:a16="http://schemas.microsoft.com/office/drawing/2014/main" id="{D48E5378-7EDB-6E3E-31C9-07CD3690C9F5}"/>
+              </a:ext>
+            </a:extLst>
+          </p:cNvPr>
+          <p:cNvGrpSpPr/>
+          <p:nvPr/>
+        </p:nvGrpSpPr>
+        <p:grpSpPr>
+          <a:xfrm>
+            <a:off x="7719541" y="3152404"/>
+            <a:ext cx="460382" cy="1560700"/>
+            <a:chOff x="651910" y="2901462"/>
+            <a:chExt cx="460382" cy="1560700"/>
+          </a:xfrm>
+        </p:grpSpPr>
+        <p:cxnSp>
+          <p:nvCxnSpPr>
+            <p:cNvPr id="40" name="Straight Arrow Connector 39">
+              <a:extLst>
+                <a:ext uri="{FF2B5EF4-FFF2-40B4-BE49-F238E27FC236}">
+                  <a16:creationId xmlns:a16="http://schemas.microsoft.com/office/drawing/2014/main" id="{67F264BA-1892-DDB4-C8C5-4E584C519BB2}"/>
+                </a:ext>
+              </a:extLst>
+            </p:cNvPr>
+            <p:cNvCxnSpPr>
+              <a:cxnSpLocks/>
+            </p:cNvCxnSpPr>
+            <p:nvPr/>
+          </p:nvCxnSpPr>
+          <p:spPr>
+            <a:xfrm flipV="1">
+              <a:off x="838200" y="2901462"/>
+              <a:ext cx="0" cy="1132115"/>
+            </a:xfrm>
+            <a:prstGeom prst="straightConnector1">
+              <a:avLst/>
+            </a:prstGeom>
+            <a:ln>
+              <a:tailEnd type="triangle"/>
+            </a:ln>
+          </p:spPr>
+          <p:style>
+            <a:lnRef idx="1">
+              <a:schemeClr val="accent1"/>
+            </a:lnRef>
+            <a:fillRef idx="0">
+              <a:schemeClr val="accent1"/>
+            </a:fillRef>
+            <a:effectRef idx="0">
+              <a:schemeClr val="accent1"/>
+            </a:effectRef>
+            <a:fontRef idx="minor">
+              <a:schemeClr val="tx1"/>
+            </a:fontRef>
+          </p:style>
+        </p:cxnSp>
+        <p:sp>
+          <p:nvSpPr>
+            <p:cNvPr id="41" name="TextBox 40">
+              <a:extLst>
+                <a:ext uri="{FF2B5EF4-FFF2-40B4-BE49-F238E27FC236}">
+                  <a16:creationId xmlns:a16="http://schemas.microsoft.com/office/drawing/2014/main" id="{ACE5C31D-11EB-05FC-740E-14BA0E124B28}"/>
+                </a:ext>
+              </a:extLst>
+            </p:cNvPr>
+            <p:cNvSpPr txBox="1"/>
+            <p:nvPr/>
+          </p:nvSpPr>
+          <p:spPr>
+            <a:xfrm>
+              <a:off x="651910" y="4000497"/>
+              <a:ext cx="460382" cy="461665"/>
+            </a:xfrm>
+            <a:prstGeom prst="rect">
+              <a:avLst/>
+            </a:prstGeom>
+            <a:noFill/>
+          </p:spPr>
+          <p:txBody>
+            <a:bodyPr wrap="none" rtlCol="0">
+              <a:spAutoFit/>
+            </a:bodyPr>
+            <a:lstStyle/>
+            <a:p>
+              <a:r>
+                <a:rPr lang="en-US" sz="2400" dirty="0"/>
+                <a:t>5s</a:t>
+              </a:r>
+            </a:p>
+          </p:txBody>
+        </p:sp>
+      </p:grpSp>
+      <p:grpSp>
+        <p:nvGrpSpPr>
+          <p:cNvPr id="42" name="Group 41">
+            <a:extLst>
+              <a:ext uri="{FF2B5EF4-FFF2-40B4-BE49-F238E27FC236}">
+                <a16:creationId xmlns:a16="http://schemas.microsoft.com/office/drawing/2014/main" id="{EDF701B8-BF1B-DAD7-AD50-41A418FAD2F4}"/>
+              </a:ext>
+            </a:extLst>
+          </p:cNvPr>
+          <p:cNvGrpSpPr/>
+          <p:nvPr/>
+        </p:nvGrpSpPr>
+        <p:grpSpPr>
+          <a:xfrm>
+            <a:off x="9602746" y="3362998"/>
+            <a:ext cx="460382" cy="1560700"/>
+            <a:chOff x="651910" y="2901462"/>
+            <a:chExt cx="460382" cy="1560700"/>
+          </a:xfrm>
+        </p:grpSpPr>
+        <p:cxnSp>
+          <p:nvCxnSpPr>
+            <p:cNvPr id="43" name="Straight Arrow Connector 42">
+              <a:extLst>
+                <a:ext uri="{FF2B5EF4-FFF2-40B4-BE49-F238E27FC236}">
+                  <a16:creationId xmlns:a16="http://schemas.microsoft.com/office/drawing/2014/main" id="{89F29697-73FD-8D53-6A6C-D90786F13A8F}"/>
+                </a:ext>
+              </a:extLst>
+            </p:cNvPr>
+            <p:cNvCxnSpPr>
+              <a:cxnSpLocks/>
+            </p:cNvCxnSpPr>
+            <p:nvPr/>
+          </p:nvCxnSpPr>
+          <p:spPr>
+            <a:xfrm flipV="1">
+              <a:off x="838200" y="2901462"/>
+              <a:ext cx="0" cy="1132115"/>
+            </a:xfrm>
+            <a:prstGeom prst="straightConnector1">
+              <a:avLst/>
+            </a:prstGeom>
+            <a:ln>
+              <a:tailEnd type="triangle"/>
+            </a:ln>
+          </p:spPr>
+          <p:style>
+            <a:lnRef idx="1">
+              <a:schemeClr val="accent1"/>
+            </a:lnRef>
+            <a:fillRef idx="0">
+              <a:schemeClr val="accent1"/>
+            </a:fillRef>
+            <a:effectRef idx="0">
+              <a:schemeClr val="accent1"/>
+            </a:effectRef>
+            <a:fontRef idx="minor">
+              <a:schemeClr val="tx1"/>
+            </a:fontRef>
+          </p:style>
+        </p:cxnSp>
+        <p:sp>
+          <p:nvSpPr>
+            <p:cNvPr id="44" name="TextBox 43">
+              <a:extLst>
+                <a:ext uri="{FF2B5EF4-FFF2-40B4-BE49-F238E27FC236}">
+                  <a16:creationId xmlns:a16="http://schemas.microsoft.com/office/drawing/2014/main" id="{CFAD9D85-67E2-8BE5-44D5-F1A5058C966C}"/>
+                </a:ext>
+              </a:extLst>
+            </p:cNvPr>
+            <p:cNvSpPr txBox="1"/>
+            <p:nvPr/>
+          </p:nvSpPr>
+          <p:spPr>
+            <a:xfrm>
+              <a:off x="651910" y="4000497"/>
+              <a:ext cx="460382" cy="461665"/>
+            </a:xfrm>
+            <a:prstGeom prst="rect">
+              <a:avLst/>
+            </a:prstGeom>
+            <a:noFill/>
+          </p:spPr>
+          <p:txBody>
+            <a:bodyPr wrap="none" rtlCol="0">
+              <a:spAutoFit/>
+            </a:bodyPr>
+            <a:lstStyle/>
+            <a:p>
+              <a:r>
+                <a:rPr lang="en-US" sz="2400" dirty="0"/>
+                <a:t>5s</a:t>
+              </a:r>
+            </a:p>
+          </p:txBody>
+        </p:sp>
+      </p:grpSp>
+      <p:grpSp>
+        <p:nvGrpSpPr>
+          <p:cNvPr id="45" name="Group 44">
+            <a:extLst>
+              <a:ext uri="{FF2B5EF4-FFF2-40B4-BE49-F238E27FC236}">
+                <a16:creationId xmlns:a16="http://schemas.microsoft.com/office/drawing/2014/main" id="{B385AC9E-3A5F-E27A-FD97-EB206512C3B6}"/>
+              </a:ext>
+            </a:extLst>
+          </p:cNvPr>
+          <p:cNvGrpSpPr/>
+          <p:nvPr/>
+        </p:nvGrpSpPr>
+        <p:grpSpPr>
+          <a:xfrm>
+            <a:off x="11393717" y="3139986"/>
+            <a:ext cx="609462" cy="1560700"/>
+            <a:chOff x="651910" y="2901462"/>
+            <a:chExt cx="609462" cy="1560700"/>
+          </a:xfrm>
+        </p:grpSpPr>
+        <p:cxnSp>
+          <p:nvCxnSpPr>
+            <p:cNvPr id="46" name="Straight Arrow Connector 45">
+              <a:extLst>
+                <a:ext uri="{FF2B5EF4-FFF2-40B4-BE49-F238E27FC236}">
+                  <a16:creationId xmlns:a16="http://schemas.microsoft.com/office/drawing/2014/main" id="{C4A02A63-14DC-6F93-BCC8-4F259D5ADCDB}"/>
+                </a:ext>
+              </a:extLst>
+            </p:cNvPr>
+            <p:cNvCxnSpPr>
+              <a:cxnSpLocks/>
+            </p:cNvCxnSpPr>
+            <p:nvPr/>
+          </p:nvCxnSpPr>
+          <p:spPr>
+            <a:xfrm flipV="1">
+              <a:off x="838200" y="2901462"/>
+              <a:ext cx="0" cy="1132115"/>
+            </a:xfrm>
+            <a:prstGeom prst="straightConnector1">
+              <a:avLst/>
+            </a:prstGeom>
+            <a:ln>
+              <a:tailEnd type="triangle"/>
+            </a:ln>
+          </p:spPr>
+          <p:style>
+            <a:lnRef idx="1">
+              <a:schemeClr val="accent1"/>
+            </a:lnRef>
+            <a:fillRef idx="0">
+              <a:schemeClr val="accent1"/>
+            </a:fillRef>
+            <a:effectRef idx="0">
+              <a:schemeClr val="accent1"/>
+            </a:effectRef>
+            <a:fontRef idx="minor">
+              <a:schemeClr val="tx1"/>
+            </a:fontRef>
+          </p:style>
+        </p:cxnSp>
+        <p:sp>
+          <p:nvSpPr>
+            <p:cNvPr id="47" name="TextBox 46">
+              <a:extLst>
+                <a:ext uri="{FF2B5EF4-FFF2-40B4-BE49-F238E27FC236}">
+                  <a16:creationId xmlns:a16="http://schemas.microsoft.com/office/drawing/2014/main" id="{77B825F6-2FD7-529A-8EB4-FA6856974E3A}"/>
+                </a:ext>
+              </a:extLst>
+            </p:cNvPr>
+            <p:cNvSpPr txBox="1"/>
+            <p:nvPr/>
+          </p:nvSpPr>
+          <p:spPr>
+            <a:xfrm>
+              <a:off x="651910" y="4000497"/>
+              <a:ext cx="609462" cy="461665"/>
+            </a:xfrm>
+            <a:prstGeom prst="rect">
+              <a:avLst/>
+            </a:prstGeom>
+            <a:noFill/>
+          </p:spPr>
+          <p:txBody>
+            <a:bodyPr wrap="none" rtlCol="0">
+              <a:spAutoFit/>
+            </a:bodyPr>
+            <a:lstStyle/>
+            <a:p>
+              <a:r>
+                <a:rPr lang="en-US" sz="2400" dirty="0"/>
+                <a:t>1hr</a:t>
+              </a:r>
+            </a:p>
+          </p:txBody>
+        </p:sp>
+      </p:grpSp>
+      <p:cxnSp>
+        <p:nvCxnSpPr>
+          <p:cNvPr id="48" name="Straight Arrow Connector 47">
+            <a:extLst>
+              <a:ext uri="{FF2B5EF4-FFF2-40B4-BE49-F238E27FC236}">
+                <a16:creationId xmlns:a16="http://schemas.microsoft.com/office/drawing/2014/main" id="{5D0A52D5-8B15-DF74-F423-76150F45FB39}"/>
+              </a:ext>
+            </a:extLst>
+          </p:cNvPr>
+          <p:cNvCxnSpPr>
+            <a:cxnSpLocks/>
+          </p:cNvCxnSpPr>
+          <p:nvPr/>
+        </p:nvCxnSpPr>
+        <p:spPr>
+          <a:xfrm>
+            <a:off x="11393717" y="2813545"/>
+            <a:ext cx="545002" cy="0"/>
+          </a:xfrm>
+          <a:prstGeom prst="straightConnector1">
+            <a:avLst/>
+          </a:prstGeom>
+          <a:ln w="38100">
+            <a:tailEnd type="triangle"/>
+          </a:ln>
+        </p:spPr>
+        <p:style>
+          <a:lnRef idx="1">
+            <a:schemeClr val="dk1"/>
+          </a:lnRef>
+          <a:fillRef idx="0">
+            <a:schemeClr val="dk1"/>
+          </a:fillRef>
+          <a:effectRef idx="0">
+            <a:schemeClr val="dk1"/>
+          </a:effectRef>
+          <a:fontRef idx="minor">
+            <a:schemeClr val="tx1"/>
+          </a:fontRef>
+        </p:style>
+      </p:cxnSp>
+    </p:spTree>
+    <p:extLst>
+      <p:ext uri="{BB962C8B-B14F-4D97-AF65-F5344CB8AC3E}">
+        <p14:creationId xmlns:p14="http://schemas.microsoft.com/office/powerpoint/2010/main" val="3939865495"/>
+      </p:ext>
+    </p:extLst>
+  </p:cSld>
+  <p:clrMapOvr>
+    <a:masterClrMapping/>
+  </p:clrMapOvr>
+</p:sld>
+</file>
+
+<file path=ppt/slides/slide17.xml><?xml version="1.0" encoding="utf-8"?>
+<p:sld xmlns:a="http://schemas.openxmlformats.org/drawingml/2006/main" xmlns:r="http://schemas.openxmlformats.org/officeDocument/2006/relationships" xmlns:p="http://schemas.openxmlformats.org/presentationml/2006/main">
+  <p:cSld>
+    <p:spTree>
+      <p:nvGrpSpPr>
+        <p:cNvPr id="1" name=""/>
+        <p:cNvGrpSpPr/>
+        <p:nvPr/>
+      </p:nvGrpSpPr>
+      <p:grpSpPr>
+        <a:xfrm>
+          <a:off x="0" y="0"/>
+          <a:ext cx="0" cy="0"/>
+          <a:chOff x="0" y="0"/>
+          <a:chExt cx="0" cy="0"/>
+        </a:xfrm>
+      </p:grpSpPr>
+      <p:grpSp>
+        <p:nvGrpSpPr>
+          <p:cNvPr id="24" name="Group 23">
+            <a:extLst>
+              <a:ext uri="{FF2B5EF4-FFF2-40B4-BE49-F238E27FC236}">
+                <a16:creationId xmlns:a16="http://schemas.microsoft.com/office/drawing/2014/main" id="{D9A94F3D-B001-DDB6-FA72-BDF699ECFE4F}"/>
+              </a:ext>
+            </a:extLst>
+          </p:cNvPr>
+          <p:cNvGrpSpPr/>
+          <p:nvPr/>
+        </p:nvGrpSpPr>
+        <p:grpSpPr>
+          <a:xfrm>
+            <a:off x="348346" y="166921"/>
+            <a:ext cx="11045371" cy="1142993"/>
+            <a:chOff x="609600" y="2286007"/>
+            <a:chExt cx="13237032" cy="1320785"/>
+          </a:xfrm>
+        </p:grpSpPr>
+        <p:grpSp>
+          <p:nvGrpSpPr>
+            <p:cNvPr id="8" name="Group 7">
+              <a:extLst>
+                <a:ext uri="{FF2B5EF4-FFF2-40B4-BE49-F238E27FC236}">
+                  <a16:creationId xmlns:a16="http://schemas.microsoft.com/office/drawing/2014/main" id="{05146E17-9539-F482-46DB-DE996D54CD4A}"/>
+                </a:ext>
+              </a:extLst>
+            </p:cNvPr>
+            <p:cNvGrpSpPr/>
+            <p:nvPr/>
+          </p:nvGrpSpPr>
+          <p:grpSpPr>
+            <a:xfrm>
+              <a:off x="609600" y="2336803"/>
+              <a:ext cx="2206172" cy="1219193"/>
+              <a:chOff x="609600" y="2336803"/>
+              <a:chExt cx="2206172" cy="1219193"/>
+            </a:xfrm>
+          </p:grpSpPr>
+          <p:cxnSp>
+            <p:nvCxnSpPr>
+              <p:cNvPr id="5" name="Straight Arrow Connector 4">
+                <a:extLst>
+                  <a:ext uri="{FF2B5EF4-FFF2-40B4-BE49-F238E27FC236}">
+                    <a16:creationId xmlns:a16="http://schemas.microsoft.com/office/drawing/2014/main" id="{0E6E7C38-1049-C44B-CE58-9CEF30C7B269}"/>
+                  </a:ext>
+                </a:extLst>
+              </p:cNvPr>
+              <p:cNvCxnSpPr>
+                <a:cxnSpLocks/>
+              </p:cNvCxnSpPr>
+              <p:nvPr/>
+            </p:nvCxnSpPr>
+            <p:spPr>
+              <a:xfrm>
+                <a:off x="609600" y="2946400"/>
+                <a:ext cx="653143" cy="0"/>
+              </a:xfrm>
+              <a:prstGeom prst="straightConnector1">
+                <a:avLst/>
+              </a:prstGeom>
+              <a:ln w="38100">
+                <a:tailEnd type="triangle"/>
+              </a:ln>
+            </p:spPr>
+            <p:style>
+              <a:lnRef idx="1">
+                <a:schemeClr val="dk1"/>
+              </a:lnRef>
+              <a:fillRef idx="0">
+                <a:schemeClr val="dk1"/>
+              </a:fillRef>
+              <a:effectRef idx="0">
+                <a:schemeClr val="dk1"/>
+              </a:effectRef>
+              <a:fontRef idx="minor">
+                <a:schemeClr val="tx1"/>
+              </a:fontRef>
+            </p:style>
+          </p:cxnSp>
+          <p:sp>
+            <p:nvSpPr>
+              <p:cNvPr id="6" name="Oval 5">
+                <a:extLst>
+                  <a:ext uri="{FF2B5EF4-FFF2-40B4-BE49-F238E27FC236}">
+                    <a16:creationId xmlns:a16="http://schemas.microsoft.com/office/drawing/2014/main" id="{6540995B-131E-66BA-7ED0-16E0A448BC96}"/>
+                  </a:ext>
+                </a:extLst>
+              </p:cNvPr>
+              <p:cNvSpPr/>
+              <p:nvPr/>
+            </p:nvSpPr>
+            <p:spPr>
+              <a:xfrm>
+                <a:off x="1262743" y="2336803"/>
+                <a:ext cx="1553029" cy="1219193"/>
+              </a:xfrm>
+              <a:prstGeom prst="ellipse">
+                <a:avLst/>
+              </a:prstGeom>
+              <a:noFill/>
+              <a:ln w="38100">
+                <a:solidFill>
+                  <a:schemeClr val="tx1"/>
+                </a:solidFill>
+              </a:ln>
+            </p:spPr>
+            <p:style>
+              <a:lnRef idx="2">
+                <a:schemeClr val="accent1">
+                  <a:shade val="15000"/>
+                </a:schemeClr>
+              </a:lnRef>
+              <a:fillRef idx="1">
+                <a:schemeClr val="accent1"/>
+              </a:fillRef>
+              <a:effectRef idx="0">
+                <a:schemeClr val="accent1"/>
+              </a:effectRef>
+              <a:fontRef idx="minor">
+                <a:schemeClr val="lt1"/>
+              </a:fontRef>
+            </p:style>
+            <p:txBody>
+              <a:bodyPr rtlCol="0" anchor="ctr"/>
+              <a:lstStyle/>
+              <a:p>
+                <a:pPr algn="ctr"/>
+                <a:endParaRPr lang="en-US"/>
+              </a:p>
+            </p:txBody>
+          </p:sp>
+        </p:grpSp>
+        <p:grpSp>
+          <p:nvGrpSpPr>
+            <p:cNvPr id="9" name="Group 8">
+              <a:extLst>
+                <a:ext uri="{FF2B5EF4-FFF2-40B4-BE49-F238E27FC236}">
+                  <a16:creationId xmlns:a16="http://schemas.microsoft.com/office/drawing/2014/main" id="{2BC8E9B1-26A1-738D-399A-F8A0E608EC60}"/>
+                </a:ext>
+              </a:extLst>
+            </p:cNvPr>
+            <p:cNvGrpSpPr/>
+            <p:nvPr/>
+          </p:nvGrpSpPr>
+          <p:grpSpPr>
+            <a:xfrm>
+              <a:off x="2815772" y="2387599"/>
+              <a:ext cx="2206172" cy="1219193"/>
+              <a:chOff x="609600" y="2336803"/>
+              <a:chExt cx="2206172" cy="1219193"/>
+            </a:xfrm>
+          </p:grpSpPr>
+          <p:cxnSp>
+            <p:nvCxnSpPr>
+              <p:cNvPr id="10" name="Straight Arrow Connector 9">
+                <a:extLst>
+                  <a:ext uri="{FF2B5EF4-FFF2-40B4-BE49-F238E27FC236}">
+                    <a16:creationId xmlns:a16="http://schemas.microsoft.com/office/drawing/2014/main" id="{F91A94BB-B98B-993F-0697-7E05597D4005}"/>
+                  </a:ext>
+                </a:extLst>
+              </p:cNvPr>
+              <p:cNvCxnSpPr>
+                <a:cxnSpLocks/>
+              </p:cNvCxnSpPr>
+              <p:nvPr/>
+            </p:nvCxnSpPr>
+            <p:spPr>
+              <a:xfrm>
+                <a:off x="609600" y="2946400"/>
+                <a:ext cx="653143" cy="0"/>
+              </a:xfrm>
+              <a:prstGeom prst="straightConnector1">
+                <a:avLst/>
+              </a:prstGeom>
+              <a:ln w="38100">
+                <a:tailEnd type="triangle"/>
+              </a:ln>
+            </p:spPr>
+            <p:style>
+              <a:lnRef idx="1">
+                <a:schemeClr val="dk1"/>
+              </a:lnRef>
+              <a:fillRef idx="0">
+                <a:schemeClr val="dk1"/>
+              </a:fillRef>
+              <a:effectRef idx="0">
+                <a:schemeClr val="dk1"/>
+              </a:effectRef>
+              <a:fontRef idx="minor">
+                <a:schemeClr val="tx1"/>
+              </a:fontRef>
+            </p:style>
+          </p:cxnSp>
+          <p:sp>
+            <p:nvSpPr>
+              <p:cNvPr id="11" name="Oval 10">
+                <a:extLst>
+                  <a:ext uri="{FF2B5EF4-FFF2-40B4-BE49-F238E27FC236}">
+                    <a16:creationId xmlns:a16="http://schemas.microsoft.com/office/drawing/2014/main" id="{0DCC9603-887C-D4F2-0B56-166892591F70}"/>
+                  </a:ext>
+                </a:extLst>
+              </p:cNvPr>
+              <p:cNvSpPr/>
+              <p:nvPr/>
+            </p:nvSpPr>
+            <p:spPr>
+              <a:xfrm>
+                <a:off x="1262743" y="2336803"/>
+                <a:ext cx="1553029" cy="1219193"/>
+              </a:xfrm>
+              <a:prstGeom prst="ellipse">
+                <a:avLst/>
+              </a:prstGeom>
+              <a:noFill/>
+              <a:ln w="38100">
+                <a:solidFill>
+                  <a:schemeClr val="tx1"/>
+                </a:solidFill>
+              </a:ln>
+            </p:spPr>
+            <p:style>
+              <a:lnRef idx="2">
+                <a:schemeClr val="accent1">
+                  <a:shade val="15000"/>
+                </a:schemeClr>
+              </a:lnRef>
+              <a:fillRef idx="1">
+                <a:schemeClr val="accent1"/>
+              </a:fillRef>
+              <a:effectRef idx="0">
+                <a:schemeClr val="accent1"/>
+              </a:effectRef>
+              <a:fontRef idx="minor">
+                <a:schemeClr val="lt1"/>
+              </a:fontRef>
+            </p:style>
+            <p:txBody>
+              <a:bodyPr rtlCol="0" anchor="ctr"/>
+              <a:lstStyle/>
+              <a:p>
+                <a:pPr algn="ctr"/>
+                <a:endParaRPr lang="en-US"/>
+              </a:p>
+            </p:txBody>
+          </p:sp>
+        </p:grpSp>
+        <p:grpSp>
+          <p:nvGrpSpPr>
+            <p:cNvPr id="12" name="Group 11">
+              <a:extLst>
+                <a:ext uri="{FF2B5EF4-FFF2-40B4-BE49-F238E27FC236}">
+                  <a16:creationId xmlns:a16="http://schemas.microsoft.com/office/drawing/2014/main" id="{A4A14245-179A-BAB0-12FA-1B07D64870E6}"/>
+                </a:ext>
+              </a:extLst>
+            </p:cNvPr>
+            <p:cNvGrpSpPr/>
+            <p:nvPr/>
+          </p:nvGrpSpPr>
+          <p:grpSpPr>
+            <a:xfrm>
+              <a:off x="5021944" y="2336803"/>
+              <a:ext cx="2206172" cy="1219193"/>
+              <a:chOff x="609600" y="2336803"/>
+              <a:chExt cx="2206172" cy="1219193"/>
+            </a:xfrm>
+          </p:grpSpPr>
+          <p:cxnSp>
+            <p:nvCxnSpPr>
+              <p:cNvPr id="13" name="Straight Arrow Connector 12">
+                <a:extLst>
+                  <a:ext uri="{FF2B5EF4-FFF2-40B4-BE49-F238E27FC236}">
+                    <a16:creationId xmlns:a16="http://schemas.microsoft.com/office/drawing/2014/main" id="{472637F8-DF98-EC51-DEB6-3D3A18DF50C4}"/>
+                  </a:ext>
+                </a:extLst>
+              </p:cNvPr>
+              <p:cNvCxnSpPr>
+                <a:cxnSpLocks/>
+              </p:cNvCxnSpPr>
+              <p:nvPr/>
+            </p:nvCxnSpPr>
+            <p:spPr>
+              <a:xfrm>
+                <a:off x="609600" y="2946400"/>
+                <a:ext cx="653143" cy="0"/>
+              </a:xfrm>
+              <a:prstGeom prst="straightConnector1">
+                <a:avLst/>
+              </a:prstGeom>
+              <a:ln w="38100">
+                <a:tailEnd type="triangle"/>
+              </a:ln>
+            </p:spPr>
+            <p:style>
+              <a:lnRef idx="1">
+                <a:schemeClr val="dk1"/>
+              </a:lnRef>
+              <a:fillRef idx="0">
+                <a:schemeClr val="dk1"/>
+              </a:fillRef>
+              <a:effectRef idx="0">
+                <a:schemeClr val="dk1"/>
+              </a:effectRef>
+              <a:fontRef idx="minor">
+                <a:schemeClr val="tx1"/>
+              </a:fontRef>
+            </p:style>
+          </p:cxnSp>
+          <p:sp>
+            <p:nvSpPr>
+              <p:cNvPr id="14" name="Oval 13">
+                <a:extLst>
+                  <a:ext uri="{FF2B5EF4-FFF2-40B4-BE49-F238E27FC236}">
+                    <a16:creationId xmlns:a16="http://schemas.microsoft.com/office/drawing/2014/main" id="{1BB49EBE-7D4F-00E9-DFBD-E7CE04AF8AFC}"/>
+                  </a:ext>
+                </a:extLst>
+              </p:cNvPr>
+              <p:cNvSpPr/>
+              <p:nvPr/>
+            </p:nvSpPr>
+            <p:spPr>
+              <a:xfrm>
+                <a:off x="1262743" y="2336803"/>
+                <a:ext cx="1553029" cy="1219193"/>
+              </a:xfrm>
+              <a:prstGeom prst="ellipse">
+                <a:avLst/>
+              </a:prstGeom>
+              <a:noFill/>
+              <a:ln w="38100">
+                <a:solidFill>
+                  <a:schemeClr val="tx1"/>
+                </a:solidFill>
+              </a:ln>
+            </p:spPr>
+            <p:style>
+              <a:lnRef idx="2">
+                <a:schemeClr val="accent1">
+                  <a:shade val="15000"/>
+                </a:schemeClr>
+              </a:lnRef>
+              <a:fillRef idx="1">
+                <a:schemeClr val="accent1"/>
+              </a:fillRef>
+              <a:effectRef idx="0">
+                <a:schemeClr val="accent1"/>
+              </a:effectRef>
+              <a:fontRef idx="minor">
+                <a:schemeClr val="lt1"/>
+              </a:fontRef>
+            </p:style>
+            <p:txBody>
+              <a:bodyPr rtlCol="0" anchor="ctr"/>
+              <a:lstStyle/>
+              <a:p>
+                <a:pPr algn="ctr"/>
+                <a:endParaRPr lang="en-US"/>
+              </a:p>
+            </p:txBody>
+          </p:sp>
+        </p:grpSp>
+        <p:grpSp>
+          <p:nvGrpSpPr>
+            <p:cNvPr id="15" name="Group 14">
+              <a:extLst>
+                <a:ext uri="{FF2B5EF4-FFF2-40B4-BE49-F238E27FC236}">
+                  <a16:creationId xmlns:a16="http://schemas.microsoft.com/office/drawing/2014/main" id="{0D577487-351A-B4F0-BE9C-07BE3D083391}"/>
+                </a:ext>
+              </a:extLst>
+            </p:cNvPr>
+            <p:cNvGrpSpPr/>
+            <p:nvPr/>
+          </p:nvGrpSpPr>
+          <p:grpSpPr>
+            <a:xfrm>
+              <a:off x="7228116" y="2286007"/>
+              <a:ext cx="2206172" cy="1219193"/>
+              <a:chOff x="609600" y="2336803"/>
+              <a:chExt cx="2206172" cy="1219193"/>
+            </a:xfrm>
+          </p:grpSpPr>
+          <p:cxnSp>
+            <p:nvCxnSpPr>
+              <p:cNvPr id="16" name="Straight Arrow Connector 15">
+                <a:extLst>
+                  <a:ext uri="{FF2B5EF4-FFF2-40B4-BE49-F238E27FC236}">
+                    <a16:creationId xmlns:a16="http://schemas.microsoft.com/office/drawing/2014/main" id="{C16FBFAA-82FB-B6DE-FFB0-57BF5B09BBAC}"/>
+                  </a:ext>
+                </a:extLst>
+              </p:cNvPr>
+              <p:cNvCxnSpPr>
+                <a:cxnSpLocks/>
+              </p:cNvCxnSpPr>
+              <p:nvPr/>
+            </p:nvCxnSpPr>
+            <p:spPr>
+              <a:xfrm>
+                <a:off x="609600" y="2946400"/>
+                <a:ext cx="653143" cy="0"/>
+              </a:xfrm>
+              <a:prstGeom prst="straightConnector1">
+                <a:avLst/>
+              </a:prstGeom>
+              <a:ln w="38100">
+                <a:tailEnd type="triangle"/>
+              </a:ln>
+            </p:spPr>
+            <p:style>
+              <a:lnRef idx="1">
+                <a:schemeClr val="dk1"/>
+              </a:lnRef>
+              <a:fillRef idx="0">
+                <a:schemeClr val="dk1"/>
+              </a:fillRef>
+              <a:effectRef idx="0">
+                <a:schemeClr val="dk1"/>
+              </a:effectRef>
+              <a:fontRef idx="minor">
+                <a:schemeClr val="tx1"/>
+              </a:fontRef>
+            </p:style>
+          </p:cxnSp>
+          <p:sp>
+            <p:nvSpPr>
+              <p:cNvPr id="17" name="Oval 16">
+                <a:extLst>
+                  <a:ext uri="{FF2B5EF4-FFF2-40B4-BE49-F238E27FC236}">
+                    <a16:creationId xmlns:a16="http://schemas.microsoft.com/office/drawing/2014/main" id="{15316F59-FB05-DDF9-6073-4EAF5F72AD93}"/>
+                  </a:ext>
+                </a:extLst>
+              </p:cNvPr>
+              <p:cNvSpPr/>
+              <p:nvPr/>
+            </p:nvSpPr>
+            <p:spPr>
+              <a:xfrm>
+                <a:off x="1262743" y="2336803"/>
+                <a:ext cx="1553029" cy="1219193"/>
+              </a:xfrm>
+              <a:prstGeom prst="ellipse">
+                <a:avLst/>
+              </a:prstGeom>
+              <a:noFill/>
+              <a:ln w="38100">
+                <a:solidFill>
+                  <a:schemeClr val="tx1"/>
+                </a:solidFill>
+              </a:ln>
+            </p:spPr>
+            <p:style>
+              <a:lnRef idx="2">
+                <a:schemeClr val="accent1">
+                  <a:shade val="15000"/>
+                </a:schemeClr>
+              </a:lnRef>
+              <a:fillRef idx="1">
+                <a:schemeClr val="accent1"/>
+              </a:fillRef>
+              <a:effectRef idx="0">
+                <a:schemeClr val="accent1"/>
+              </a:effectRef>
+              <a:fontRef idx="minor">
+                <a:schemeClr val="lt1"/>
+              </a:fontRef>
+            </p:style>
+            <p:txBody>
+              <a:bodyPr rtlCol="0" anchor="ctr"/>
+              <a:lstStyle/>
+              <a:p>
+                <a:pPr algn="ctr"/>
+                <a:endParaRPr lang="en-US"/>
+              </a:p>
+            </p:txBody>
+          </p:sp>
+        </p:grpSp>
+        <p:grpSp>
+          <p:nvGrpSpPr>
+            <p:cNvPr id="18" name="Group 17">
+              <a:extLst>
+                <a:ext uri="{FF2B5EF4-FFF2-40B4-BE49-F238E27FC236}">
+                  <a16:creationId xmlns:a16="http://schemas.microsoft.com/office/drawing/2014/main" id="{B8C5B0ED-D22C-BC92-9FF7-D1F13A1A72CB}"/>
+                </a:ext>
+              </a:extLst>
+            </p:cNvPr>
+            <p:cNvGrpSpPr/>
+            <p:nvPr/>
+          </p:nvGrpSpPr>
+          <p:grpSpPr>
+            <a:xfrm>
+              <a:off x="9434288" y="2336803"/>
+              <a:ext cx="2206172" cy="1219193"/>
+              <a:chOff x="609600" y="2336803"/>
+              <a:chExt cx="2206172" cy="1219193"/>
+            </a:xfrm>
+          </p:grpSpPr>
+          <p:cxnSp>
+            <p:nvCxnSpPr>
+              <p:cNvPr id="19" name="Straight Arrow Connector 18">
+                <a:extLst>
+                  <a:ext uri="{FF2B5EF4-FFF2-40B4-BE49-F238E27FC236}">
+                    <a16:creationId xmlns:a16="http://schemas.microsoft.com/office/drawing/2014/main" id="{BCC7D9ED-EA14-34DF-2A7E-0005773960FF}"/>
+                  </a:ext>
+                </a:extLst>
+              </p:cNvPr>
+              <p:cNvCxnSpPr>
+                <a:cxnSpLocks/>
+              </p:cNvCxnSpPr>
+              <p:nvPr/>
+            </p:nvCxnSpPr>
+            <p:spPr>
+              <a:xfrm>
+                <a:off x="609600" y="2946400"/>
+                <a:ext cx="653143" cy="0"/>
+              </a:xfrm>
+              <a:prstGeom prst="straightConnector1">
+                <a:avLst/>
+              </a:prstGeom>
+              <a:ln w="38100">
+                <a:tailEnd type="triangle"/>
+              </a:ln>
+            </p:spPr>
+            <p:style>
+              <a:lnRef idx="1">
+                <a:schemeClr val="dk1"/>
+              </a:lnRef>
+              <a:fillRef idx="0">
+                <a:schemeClr val="dk1"/>
+              </a:fillRef>
+              <a:effectRef idx="0">
+                <a:schemeClr val="dk1"/>
+              </a:effectRef>
+              <a:fontRef idx="minor">
+                <a:schemeClr val="tx1"/>
+              </a:fontRef>
+            </p:style>
+          </p:cxnSp>
+          <p:sp>
+            <p:nvSpPr>
+              <p:cNvPr id="20" name="Oval 19">
+                <a:extLst>
+                  <a:ext uri="{FF2B5EF4-FFF2-40B4-BE49-F238E27FC236}">
+                    <a16:creationId xmlns:a16="http://schemas.microsoft.com/office/drawing/2014/main" id="{1451E793-8F64-AE17-5E78-89F29B1EF1C3}"/>
+                  </a:ext>
+                </a:extLst>
+              </p:cNvPr>
+              <p:cNvSpPr/>
+              <p:nvPr/>
+            </p:nvSpPr>
+            <p:spPr>
+              <a:xfrm>
+                <a:off x="1262743" y="2336803"/>
+                <a:ext cx="1553029" cy="1219193"/>
+              </a:xfrm>
+              <a:prstGeom prst="ellipse">
+                <a:avLst/>
+              </a:prstGeom>
+              <a:noFill/>
+              <a:ln w="38100">
+                <a:solidFill>
+                  <a:schemeClr val="tx1"/>
+                </a:solidFill>
+              </a:ln>
+            </p:spPr>
+            <p:style>
+              <a:lnRef idx="2">
+                <a:schemeClr val="accent1">
+                  <a:shade val="15000"/>
+                </a:schemeClr>
+              </a:lnRef>
+              <a:fillRef idx="1">
+                <a:schemeClr val="accent1"/>
+              </a:fillRef>
+              <a:effectRef idx="0">
+                <a:schemeClr val="accent1"/>
+              </a:effectRef>
+              <a:fontRef idx="minor">
+                <a:schemeClr val="lt1"/>
+              </a:fontRef>
+            </p:style>
+            <p:txBody>
+              <a:bodyPr rtlCol="0" anchor="ctr"/>
+              <a:lstStyle/>
+              <a:p>
+                <a:pPr algn="ctr"/>
+                <a:endParaRPr lang="en-US"/>
+              </a:p>
+            </p:txBody>
+          </p:sp>
+        </p:grpSp>
+        <p:grpSp>
+          <p:nvGrpSpPr>
+            <p:cNvPr id="21" name="Group 20">
+              <a:extLst>
+                <a:ext uri="{FF2B5EF4-FFF2-40B4-BE49-F238E27FC236}">
+                  <a16:creationId xmlns:a16="http://schemas.microsoft.com/office/drawing/2014/main" id="{8F0FD0EB-B364-C808-6677-4B480F0D1270}"/>
+                </a:ext>
+              </a:extLst>
+            </p:cNvPr>
+            <p:cNvGrpSpPr/>
+            <p:nvPr/>
+          </p:nvGrpSpPr>
+          <p:grpSpPr>
+            <a:xfrm>
+              <a:off x="11640460" y="2286007"/>
+              <a:ext cx="2206172" cy="1219193"/>
+              <a:chOff x="609600" y="2336803"/>
+              <a:chExt cx="2206172" cy="1219193"/>
+            </a:xfrm>
+          </p:grpSpPr>
+          <p:cxnSp>
+            <p:nvCxnSpPr>
+              <p:cNvPr id="22" name="Straight Arrow Connector 21">
+                <a:extLst>
+                  <a:ext uri="{FF2B5EF4-FFF2-40B4-BE49-F238E27FC236}">
+                    <a16:creationId xmlns:a16="http://schemas.microsoft.com/office/drawing/2014/main" id="{C4C2ED35-B319-32D8-B2D4-E4562AA7F885}"/>
+                  </a:ext>
+                </a:extLst>
+              </p:cNvPr>
+              <p:cNvCxnSpPr>
+                <a:cxnSpLocks/>
+              </p:cNvCxnSpPr>
+              <p:nvPr/>
+            </p:nvCxnSpPr>
+            <p:spPr>
+              <a:xfrm>
+                <a:off x="609600" y="2946400"/>
+                <a:ext cx="653143" cy="0"/>
+              </a:xfrm>
+              <a:prstGeom prst="straightConnector1">
+                <a:avLst/>
+              </a:prstGeom>
+              <a:ln w="38100">
+                <a:tailEnd type="triangle"/>
+              </a:ln>
+            </p:spPr>
+            <p:style>
+              <a:lnRef idx="1">
+                <a:schemeClr val="dk1"/>
+              </a:lnRef>
+              <a:fillRef idx="0">
+                <a:schemeClr val="dk1"/>
+              </a:fillRef>
+              <a:effectRef idx="0">
+                <a:schemeClr val="dk1"/>
+              </a:effectRef>
+              <a:fontRef idx="minor">
+                <a:schemeClr val="tx1"/>
+              </a:fontRef>
+            </p:style>
+          </p:cxnSp>
+          <p:sp>
+            <p:nvSpPr>
+              <p:cNvPr id="23" name="Oval 22">
+                <a:extLst>
+                  <a:ext uri="{FF2B5EF4-FFF2-40B4-BE49-F238E27FC236}">
+                    <a16:creationId xmlns:a16="http://schemas.microsoft.com/office/drawing/2014/main" id="{F08A3444-BBBE-6DB5-832F-37D977BE1FFE}"/>
+                  </a:ext>
+                </a:extLst>
+              </p:cNvPr>
+              <p:cNvSpPr/>
+              <p:nvPr/>
+            </p:nvSpPr>
+            <p:spPr>
+              <a:xfrm>
+                <a:off x="1262743" y="2336803"/>
+                <a:ext cx="1553029" cy="1219193"/>
+              </a:xfrm>
+              <a:prstGeom prst="ellipse">
+                <a:avLst/>
+              </a:prstGeom>
+              <a:noFill/>
+              <a:ln w="38100">
+                <a:solidFill>
+                  <a:schemeClr val="tx1"/>
+                </a:solidFill>
+              </a:ln>
+            </p:spPr>
+            <p:style>
+              <a:lnRef idx="2">
+                <a:schemeClr val="accent1">
+                  <a:shade val="15000"/>
+                </a:schemeClr>
+              </a:lnRef>
+              <a:fillRef idx="1">
+                <a:schemeClr val="accent1"/>
+              </a:fillRef>
+              <a:effectRef idx="0">
+                <a:schemeClr val="accent1"/>
+              </a:effectRef>
+              <a:fontRef idx="minor">
+                <a:schemeClr val="lt1"/>
+              </a:fontRef>
+            </p:style>
+            <p:txBody>
+              <a:bodyPr rtlCol="0" anchor="ctr"/>
+              <a:lstStyle/>
+              <a:p>
+                <a:pPr algn="ctr"/>
+                <a:endParaRPr lang="en-US"/>
+              </a:p>
+            </p:txBody>
+          </p:sp>
+        </p:grpSp>
+      </p:grpSp>
+      <p:grpSp>
+        <p:nvGrpSpPr>
+          <p:cNvPr id="29" name="Group 28">
+            <a:extLst>
+              <a:ext uri="{FF2B5EF4-FFF2-40B4-BE49-F238E27FC236}">
+                <a16:creationId xmlns:a16="http://schemas.microsoft.com/office/drawing/2014/main" id="{F0B84065-1C5A-06E0-A88A-E5DB07FA0E74}"/>
+              </a:ext>
+            </a:extLst>
+          </p:cNvPr>
+          <p:cNvGrpSpPr/>
+          <p:nvPr/>
+        </p:nvGrpSpPr>
+        <p:grpSpPr>
+          <a:xfrm>
+            <a:off x="390656" y="782376"/>
+            <a:ext cx="460382" cy="1560700"/>
+            <a:chOff x="651910" y="2901462"/>
+            <a:chExt cx="460382" cy="1560700"/>
+          </a:xfrm>
+        </p:grpSpPr>
+        <p:cxnSp>
+          <p:nvCxnSpPr>
+            <p:cNvPr id="26" name="Straight Arrow Connector 25">
+              <a:extLst>
+                <a:ext uri="{FF2B5EF4-FFF2-40B4-BE49-F238E27FC236}">
+                  <a16:creationId xmlns:a16="http://schemas.microsoft.com/office/drawing/2014/main" id="{3DFA143B-2722-EB14-C580-0AF82E30F19E}"/>
+                </a:ext>
+              </a:extLst>
+            </p:cNvPr>
+            <p:cNvCxnSpPr>
+              <a:cxnSpLocks/>
+            </p:cNvCxnSpPr>
+            <p:nvPr/>
+          </p:nvCxnSpPr>
+          <p:spPr>
+            <a:xfrm flipV="1">
+              <a:off x="838200" y="2901462"/>
+              <a:ext cx="0" cy="1132115"/>
+            </a:xfrm>
+            <a:prstGeom prst="straightConnector1">
+              <a:avLst/>
+            </a:prstGeom>
+            <a:ln>
+              <a:tailEnd type="triangle"/>
+            </a:ln>
+          </p:spPr>
+          <p:style>
+            <a:lnRef idx="1">
+              <a:schemeClr val="accent1"/>
+            </a:lnRef>
+            <a:fillRef idx="0">
+              <a:schemeClr val="accent1"/>
+            </a:fillRef>
+            <a:effectRef idx="0">
+              <a:schemeClr val="accent1"/>
+            </a:effectRef>
+            <a:fontRef idx="minor">
+              <a:schemeClr val="tx1"/>
+            </a:fontRef>
+          </p:style>
+        </p:cxnSp>
+        <p:sp>
+          <p:nvSpPr>
+            <p:cNvPr id="28" name="TextBox 27">
+              <a:extLst>
+                <a:ext uri="{FF2B5EF4-FFF2-40B4-BE49-F238E27FC236}">
+                  <a16:creationId xmlns:a16="http://schemas.microsoft.com/office/drawing/2014/main" id="{C80CD9ED-E4F3-BF35-87DC-C1A5D1D3D5B6}"/>
+                </a:ext>
+              </a:extLst>
+            </p:cNvPr>
+            <p:cNvSpPr txBox="1"/>
+            <p:nvPr/>
+          </p:nvSpPr>
+          <p:spPr>
+            <a:xfrm>
+              <a:off x="651910" y="4000497"/>
+              <a:ext cx="460382" cy="461665"/>
+            </a:xfrm>
+            <a:prstGeom prst="rect">
+              <a:avLst/>
+            </a:prstGeom>
+            <a:noFill/>
+          </p:spPr>
+          <p:txBody>
+            <a:bodyPr wrap="none" rtlCol="0">
+              <a:spAutoFit/>
+            </a:bodyPr>
+            <a:lstStyle/>
+            <a:p>
+              <a:r>
+                <a:rPr lang="en-US" sz="2400" dirty="0"/>
+                <a:t>5s</a:t>
+              </a:r>
+            </a:p>
+          </p:txBody>
+        </p:sp>
+      </p:grpSp>
+      <p:grpSp>
+        <p:nvGrpSpPr>
+          <p:cNvPr id="30" name="Group 29">
+            <a:extLst>
+              <a:ext uri="{FF2B5EF4-FFF2-40B4-BE49-F238E27FC236}">
+                <a16:creationId xmlns:a16="http://schemas.microsoft.com/office/drawing/2014/main" id="{87C0931B-9B0F-CD2C-74C3-E291341A4450}"/>
+              </a:ext>
+            </a:extLst>
+          </p:cNvPr>
+          <p:cNvGrpSpPr/>
+          <p:nvPr/>
+        </p:nvGrpSpPr>
+        <p:grpSpPr>
+          <a:xfrm>
+            <a:off x="2275451" y="890467"/>
+            <a:ext cx="615874" cy="1560700"/>
+            <a:chOff x="651910" y="2901462"/>
+            <a:chExt cx="615874" cy="1560700"/>
+          </a:xfrm>
+        </p:grpSpPr>
+        <p:cxnSp>
+          <p:nvCxnSpPr>
+            <p:cNvPr id="31" name="Straight Arrow Connector 30">
+              <a:extLst>
+                <a:ext uri="{FF2B5EF4-FFF2-40B4-BE49-F238E27FC236}">
+                  <a16:creationId xmlns:a16="http://schemas.microsoft.com/office/drawing/2014/main" id="{EE96BCD0-1C68-5D15-2D45-851DC875FB26}"/>
+                </a:ext>
+              </a:extLst>
+            </p:cNvPr>
+            <p:cNvCxnSpPr>
+              <a:cxnSpLocks/>
+            </p:cNvCxnSpPr>
+            <p:nvPr/>
+          </p:nvCxnSpPr>
+          <p:spPr>
+            <a:xfrm flipV="1">
+              <a:off x="838200" y="2901462"/>
+              <a:ext cx="0" cy="1132115"/>
+            </a:xfrm>
+            <a:prstGeom prst="straightConnector1">
+              <a:avLst/>
+            </a:prstGeom>
+            <a:ln>
+              <a:tailEnd type="triangle"/>
+            </a:ln>
+          </p:spPr>
+          <p:style>
+            <a:lnRef idx="1">
+              <a:schemeClr val="accent1"/>
+            </a:lnRef>
+            <a:fillRef idx="0">
+              <a:schemeClr val="accent1"/>
+            </a:fillRef>
+            <a:effectRef idx="0">
+              <a:schemeClr val="accent1"/>
+            </a:effectRef>
+            <a:fontRef idx="minor">
+              <a:schemeClr val="tx1"/>
+            </a:fontRef>
+          </p:style>
+        </p:cxnSp>
+        <p:sp>
+          <p:nvSpPr>
+            <p:cNvPr id="32" name="TextBox 31">
+              <a:extLst>
+                <a:ext uri="{FF2B5EF4-FFF2-40B4-BE49-F238E27FC236}">
+                  <a16:creationId xmlns:a16="http://schemas.microsoft.com/office/drawing/2014/main" id="{AEDCA6CF-914F-292E-42CF-32B81406E3E4}"/>
+                </a:ext>
+              </a:extLst>
+            </p:cNvPr>
+            <p:cNvSpPr txBox="1"/>
+            <p:nvPr/>
+          </p:nvSpPr>
+          <p:spPr>
+            <a:xfrm>
+              <a:off x="651910" y="4000497"/>
+              <a:ext cx="615874" cy="461665"/>
+            </a:xfrm>
+            <a:prstGeom prst="rect">
+              <a:avLst/>
+            </a:prstGeom>
+            <a:noFill/>
+          </p:spPr>
+          <p:txBody>
+            <a:bodyPr wrap="none" rtlCol="0">
+              <a:spAutoFit/>
+            </a:bodyPr>
+            <a:lstStyle/>
+            <a:p>
+              <a:r>
+                <a:rPr lang="en-US" sz="2400" dirty="0"/>
+                <a:t>30s</a:t>
+              </a:r>
+            </a:p>
+          </p:txBody>
+        </p:sp>
+      </p:grpSp>
+      <p:grpSp>
+        <p:nvGrpSpPr>
+          <p:cNvPr id="33" name="Group 32">
+            <a:extLst>
+              <a:ext uri="{FF2B5EF4-FFF2-40B4-BE49-F238E27FC236}">
+                <a16:creationId xmlns:a16="http://schemas.microsoft.com/office/drawing/2014/main" id="{7EA6B11E-25AB-9C95-7D7E-6AEC9168519C}"/>
+              </a:ext>
+            </a:extLst>
+          </p:cNvPr>
+          <p:cNvGrpSpPr/>
+          <p:nvPr/>
+        </p:nvGrpSpPr>
+        <p:grpSpPr>
+          <a:xfrm>
+            <a:off x="4158656" y="1101061"/>
+            <a:ext cx="585417" cy="1560700"/>
+            <a:chOff x="651910" y="2901462"/>
+            <a:chExt cx="585417" cy="1560700"/>
+          </a:xfrm>
+        </p:grpSpPr>
+        <p:cxnSp>
+          <p:nvCxnSpPr>
+            <p:cNvPr id="34" name="Straight Arrow Connector 33">
+              <a:extLst>
+                <a:ext uri="{FF2B5EF4-FFF2-40B4-BE49-F238E27FC236}">
+                  <a16:creationId xmlns:a16="http://schemas.microsoft.com/office/drawing/2014/main" id="{789596B0-E825-49F3-5AC8-0A2629BA4076}"/>
+                </a:ext>
+              </a:extLst>
+            </p:cNvPr>
+            <p:cNvCxnSpPr>
+              <a:cxnSpLocks/>
+            </p:cNvCxnSpPr>
+            <p:nvPr/>
+          </p:nvCxnSpPr>
+          <p:spPr>
+            <a:xfrm flipV="1">
+              <a:off x="838200" y="2901462"/>
+              <a:ext cx="0" cy="1132115"/>
+            </a:xfrm>
+            <a:prstGeom prst="straightConnector1">
+              <a:avLst/>
+            </a:prstGeom>
+            <a:ln>
+              <a:tailEnd type="triangle"/>
+            </a:ln>
+          </p:spPr>
+          <p:style>
+            <a:lnRef idx="1">
+              <a:schemeClr val="accent1"/>
+            </a:lnRef>
+            <a:fillRef idx="0">
+              <a:schemeClr val="accent1"/>
+            </a:fillRef>
+            <a:effectRef idx="0">
+              <a:schemeClr val="accent1"/>
+            </a:effectRef>
+            <a:fontRef idx="minor">
+              <a:schemeClr val="tx1"/>
+            </a:fontRef>
+          </p:style>
+        </p:cxnSp>
+        <p:sp>
+          <p:nvSpPr>
+            <p:cNvPr id="35" name="TextBox 34">
+              <a:extLst>
+                <a:ext uri="{FF2B5EF4-FFF2-40B4-BE49-F238E27FC236}">
+                  <a16:creationId xmlns:a16="http://schemas.microsoft.com/office/drawing/2014/main" id="{D615CCC7-11FE-1065-EFBE-645AE1337E95}"/>
+                </a:ext>
+              </a:extLst>
+            </p:cNvPr>
+            <p:cNvSpPr txBox="1"/>
+            <p:nvPr/>
+          </p:nvSpPr>
+          <p:spPr>
+            <a:xfrm>
+              <a:off x="651910" y="4000497"/>
+              <a:ext cx="585417" cy="461665"/>
+            </a:xfrm>
+            <a:prstGeom prst="rect">
+              <a:avLst/>
+            </a:prstGeom>
+            <a:noFill/>
+          </p:spPr>
+          <p:txBody>
+            <a:bodyPr wrap="none" rtlCol="0">
+              <a:spAutoFit/>
+            </a:bodyPr>
+            <a:lstStyle/>
+            <a:p>
+              <a:r>
+                <a:rPr lang="en-US" sz="2400" dirty="0"/>
+                <a:t>2m</a:t>
+              </a:r>
+            </a:p>
+          </p:txBody>
+        </p:sp>
+      </p:grpSp>
+      <p:grpSp>
+        <p:nvGrpSpPr>
+          <p:cNvPr id="36" name="Group 35">
+            <a:extLst>
+              <a:ext uri="{FF2B5EF4-FFF2-40B4-BE49-F238E27FC236}">
+                <a16:creationId xmlns:a16="http://schemas.microsoft.com/office/drawing/2014/main" id="{B7330AAD-E553-75C0-4117-ABEA6A662234}"/>
+              </a:ext>
+            </a:extLst>
+          </p:cNvPr>
+          <p:cNvGrpSpPr/>
+          <p:nvPr/>
+        </p:nvGrpSpPr>
+        <p:grpSpPr>
+          <a:xfrm>
+            <a:off x="5834746" y="925227"/>
+            <a:ext cx="460382" cy="1560700"/>
+            <a:chOff x="651910" y="2901462"/>
+            <a:chExt cx="460382" cy="1560700"/>
+          </a:xfrm>
+        </p:grpSpPr>
+        <p:cxnSp>
+          <p:nvCxnSpPr>
+            <p:cNvPr id="37" name="Straight Arrow Connector 36">
+              <a:extLst>
+                <a:ext uri="{FF2B5EF4-FFF2-40B4-BE49-F238E27FC236}">
+                  <a16:creationId xmlns:a16="http://schemas.microsoft.com/office/drawing/2014/main" id="{3BE26675-0BE0-083E-5AAC-C35B513B4398}"/>
+                </a:ext>
+              </a:extLst>
+            </p:cNvPr>
+            <p:cNvCxnSpPr>
+              <a:cxnSpLocks/>
+            </p:cNvCxnSpPr>
+            <p:nvPr/>
+          </p:nvCxnSpPr>
+          <p:spPr>
+            <a:xfrm flipV="1">
+              <a:off x="838200" y="2901462"/>
+              <a:ext cx="0" cy="1132115"/>
+            </a:xfrm>
+            <a:prstGeom prst="straightConnector1">
+              <a:avLst/>
+            </a:prstGeom>
+            <a:ln>
+              <a:tailEnd type="triangle"/>
+            </a:ln>
+          </p:spPr>
+          <p:style>
+            <a:lnRef idx="1">
+              <a:schemeClr val="accent1"/>
+            </a:lnRef>
+            <a:fillRef idx="0">
+              <a:schemeClr val="accent1"/>
+            </a:fillRef>
+            <a:effectRef idx="0">
+              <a:schemeClr val="accent1"/>
+            </a:effectRef>
+            <a:fontRef idx="minor">
+              <a:schemeClr val="tx1"/>
+            </a:fontRef>
+          </p:style>
+        </p:cxnSp>
+        <p:sp>
+          <p:nvSpPr>
+            <p:cNvPr id="38" name="TextBox 37">
+              <a:extLst>
+                <a:ext uri="{FF2B5EF4-FFF2-40B4-BE49-F238E27FC236}">
+                  <a16:creationId xmlns:a16="http://schemas.microsoft.com/office/drawing/2014/main" id="{B937D447-8425-34D0-2FDB-124251D72B03}"/>
+                </a:ext>
+              </a:extLst>
+            </p:cNvPr>
+            <p:cNvSpPr txBox="1"/>
+            <p:nvPr/>
+          </p:nvSpPr>
+          <p:spPr>
+            <a:xfrm>
+              <a:off x="651910" y="4000497"/>
+              <a:ext cx="460382" cy="461665"/>
+            </a:xfrm>
+            <a:prstGeom prst="rect">
+              <a:avLst/>
+            </a:prstGeom>
+            <a:noFill/>
+          </p:spPr>
+          <p:txBody>
+            <a:bodyPr wrap="none" rtlCol="0">
+              <a:spAutoFit/>
+            </a:bodyPr>
+            <a:lstStyle/>
+            <a:p>
+              <a:r>
+                <a:rPr lang="en-US" sz="2400" dirty="0"/>
+                <a:t>5s</a:t>
+              </a:r>
+            </a:p>
+          </p:txBody>
+        </p:sp>
+      </p:grpSp>
+      <p:grpSp>
+        <p:nvGrpSpPr>
+          <p:cNvPr id="39" name="Group 38">
+            <a:extLst>
+              <a:ext uri="{FF2B5EF4-FFF2-40B4-BE49-F238E27FC236}">
+                <a16:creationId xmlns:a16="http://schemas.microsoft.com/office/drawing/2014/main" id="{D48E5378-7EDB-6E3E-31C9-07CD3690C9F5}"/>
+              </a:ext>
+            </a:extLst>
+          </p:cNvPr>
+          <p:cNvGrpSpPr/>
+          <p:nvPr/>
+        </p:nvGrpSpPr>
+        <p:grpSpPr>
+          <a:xfrm>
+            <a:off x="7719541" y="1033318"/>
+            <a:ext cx="460382" cy="1560700"/>
+            <a:chOff x="651910" y="2901462"/>
+            <a:chExt cx="460382" cy="1560700"/>
+          </a:xfrm>
+        </p:grpSpPr>
+        <p:cxnSp>
+          <p:nvCxnSpPr>
+            <p:cNvPr id="40" name="Straight Arrow Connector 39">
+              <a:extLst>
+                <a:ext uri="{FF2B5EF4-FFF2-40B4-BE49-F238E27FC236}">
+                  <a16:creationId xmlns:a16="http://schemas.microsoft.com/office/drawing/2014/main" id="{67F264BA-1892-DDB4-C8C5-4E584C519BB2}"/>
+                </a:ext>
+              </a:extLst>
+            </p:cNvPr>
+            <p:cNvCxnSpPr>
+              <a:cxnSpLocks/>
+            </p:cNvCxnSpPr>
+            <p:nvPr/>
+          </p:nvCxnSpPr>
+          <p:spPr>
+            <a:xfrm flipV="1">
+              <a:off x="838200" y="2901462"/>
+              <a:ext cx="0" cy="1132115"/>
+            </a:xfrm>
+            <a:prstGeom prst="straightConnector1">
+              <a:avLst/>
+            </a:prstGeom>
+            <a:ln>
+              <a:tailEnd type="triangle"/>
+            </a:ln>
+          </p:spPr>
+          <p:style>
+            <a:lnRef idx="1">
+              <a:schemeClr val="accent1"/>
+            </a:lnRef>
+            <a:fillRef idx="0">
+              <a:schemeClr val="accent1"/>
+            </a:fillRef>
+            <a:effectRef idx="0">
+              <a:schemeClr val="accent1"/>
+            </a:effectRef>
+            <a:fontRef idx="minor">
+              <a:schemeClr val="tx1"/>
+            </a:fontRef>
+          </p:style>
+        </p:cxnSp>
+        <p:sp>
+          <p:nvSpPr>
+            <p:cNvPr id="41" name="TextBox 40">
+              <a:extLst>
+                <a:ext uri="{FF2B5EF4-FFF2-40B4-BE49-F238E27FC236}">
+                  <a16:creationId xmlns:a16="http://schemas.microsoft.com/office/drawing/2014/main" id="{ACE5C31D-11EB-05FC-740E-14BA0E124B28}"/>
+                </a:ext>
+              </a:extLst>
+            </p:cNvPr>
+            <p:cNvSpPr txBox="1"/>
+            <p:nvPr/>
+          </p:nvSpPr>
+          <p:spPr>
+            <a:xfrm>
+              <a:off x="651910" y="4000497"/>
+              <a:ext cx="460382" cy="461665"/>
+            </a:xfrm>
+            <a:prstGeom prst="rect">
+              <a:avLst/>
+            </a:prstGeom>
+            <a:noFill/>
+          </p:spPr>
+          <p:txBody>
+            <a:bodyPr wrap="none" rtlCol="0">
+              <a:spAutoFit/>
+            </a:bodyPr>
+            <a:lstStyle/>
+            <a:p>
+              <a:r>
+                <a:rPr lang="en-US" sz="2400" dirty="0"/>
+                <a:t>5s</a:t>
+              </a:r>
+            </a:p>
+          </p:txBody>
+        </p:sp>
+      </p:grpSp>
+      <p:grpSp>
+        <p:nvGrpSpPr>
+          <p:cNvPr id="42" name="Group 41">
+            <a:extLst>
+              <a:ext uri="{FF2B5EF4-FFF2-40B4-BE49-F238E27FC236}">
+                <a16:creationId xmlns:a16="http://schemas.microsoft.com/office/drawing/2014/main" id="{EDF701B8-BF1B-DAD7-AD50-41A418FAD2F4}"/>
+              </a:ext>
+            </a:extLst>
+          </p:cNvPr>
+          <p:cNvGrpSpPr/>
+          <p:nvPr/>
+        </p:nvGrpSpPr>
+        <p:grpSpPr>
+          <a:xfrm>
+            <a:off x="9602746" y="1243912"/>
+            <a:ext cx="460382" cy="1560700"/>
+            <a:chOff x="651910" y="2901462"/>
+            <a:chExt cx="460382" cy="1560700"/>
+          </a:xfrm>
+        </p:grpSpPr>
+        <p:cxnSp>
+          <p:nvCxnSpPr>
+            <p:cNvPr id="43" name="Straight Arrow Connector 42">
+              <a:extLst>
+                <a:ext uri="{FF2B5EF4-FFF2-40B4-BE49-F238E27FC236}">
+                  <a16:creationId xmlns:a16="http://schemas.microsoft.com/office/drawing/2014/main" id="{89F29697-73FD-8D53-6A6C-D90786F13A8F}"/>
+                </a:ext>
+              </a:extLst>
+            </p:cNvPr>
+            <p:cNvCxnSpPr>
+              <a:cxnSpLocks/>
+            </p:cNvCxnSpPr>
+            <p:nvPr/>
+          </p:nvCxnSpPr>
+          <p:spPr>
+            <a:xfrm flipV="1">
+              <a:off x="838200" y="2901462"/>
+              <a:ext cx="0" cy="1132115"/>
+            </a:xfrm>
+            <a:prstGeom prst="straightConnector1">
+              <a:avLst/>
+            </a:prstGeom>
+            <a:ln>
+              <a:tailEnd type="triangle"/>
+            </a:ln>
+          </p:spPr>
+          <p:style>
+            <a:lnRef idx="1">
+              <a:schemeClr val="accent1"/>
+            </a:lnRef>
+            <a:fillRef idx="0">
+              <a:schemeClr val="accent1"/>
+            </a:fillRef>
+            <a:effectRef idx="0">
+              <a:schemeClr val="accent1"/>
+            </a:effectRef>
+            <a:fontRef idx="minor">
+              <a:schemeClr val="tx1"/>
+            </a:fontRef>
+          </p:style>
+        </p:cxnSp>
+        <p:sp>
+          <p:nvSpPr>
+            <p:cNvPr id="44" name="TextBox 43">
+              <a:extLst>
+                <a:ext uri="{FF2B5EF4-FFF2-40B4-BE49-F238E27FC236}">
+                  <a16:creationId xmlns:a16="http://schemas.microsoft.com/office/drawing/2014/main" id="{CFAD9D85-67E2-8BE5-44D5-F1A5058C966C}"/>
+                </a:ext>
+              </a:extLst>
+            </p:cNvPr>
+            <p:cNvSpPr txBox="1"/>
+            <p:nvPr/>
+          </p:nvSpPr>
+          <p:spPr>
+            <a:xfrm>
+              <a:off x="651910" y="4000497"/>
+              <a:ext cx="460382" cy="461665"/>
+            </a:xfrm>
+            <a:prstGeom prst="rect">
+              <a:avLst/>
+            </a:prstGeom>
+            <a:noFill/>
+          </p:spPr>
+          <p:txBody>
+            <a:bodyPr wrap="none" rtlCol="0">
+              <a:spAutoFit/>
+            </a:bodyPr>
+            <a:lstStyle/>
+            <a:p>
+              <a:r>
+                <a:rPr lang="en-US" sz="2400" dirty="0"/>
+                <a:t>5s</a:t>
+              </a:r>
+            </a:p>
+          </p:txBody>
+        </p:sp>
+      </p:grpSp>
+      <p:grpSp>
+        <p:nvGrpSpPr>
+          <p:cNvPr id="45" name="Group 44">
+            <a:extLst>
+              <a:ext uri="{FF2B5EF4-FFF2-40B4-BE49-F238E27FC236}">
+                <a16:creationId xmlns:a16="http://schemas.microsoft.com/office/drawing/2014/main" id="{B385AC9E-3A5F-E27A-FD97-EB206512C3B6}"/>
+              </a:ext>
+            </a:extLst>
+          </p:cNvPr>
+          <p:cNvGrpSpPr/>
+          <p:nvPr/>
+        </p:nvGrpSpPr>
+        <p:grpSpPr>
+          <a:xfrm>
+            <a:off x="11393717" y="1020900"/>
+            <a:ext cx="609462" cy="1560700"/>
+            <a:chOff x="651910" y="2901462"/>
+            <a:chExt cx="609462" cy="1560700"/>
+          </a:xfrm>
+        </p:grpSpPr>
+        <p:cxnSp>
+          <p:nvCxnSpPr>
+            <p:cNvPr id="46" name="Straight Arrow Connector 45">
+              <a:extLst>
+                <a:ext uri="{FF2B5EF4-FFF2-40B4-BE49-F238E27FC236}">
+                  <a16:creationId xmlns:a16="http://schemas.microsoft.com/office/drawing/2014/main" id="{C4A02A63-14DC-6F93-BCC8-4F259D5ADCDB}"/>
+                </a:ext>
+              </a:extLst>
+            </p:cNvPr>
+            <p:cNvCxnSpPr>
+              <a:cxnSpLocks/>
+            </p:cNvCxnSpPr>
+            <p:nvPr/>
+          </p:nvCxnSpPr>
+          <p:spPr>
+            <a:xfrm flipV="1">
+              <a:off x="838200" y="2901462"/>
+              <a:ext cx="0" cy="1132115"/>
+            </a:xfrm>
+            <a:prstGeom prst="straightConnector1">
+              <a:avLst/>
+            </a:prstGeom>
+            <a:ln>
+              <a:tailEnd type="triangle"/>
+            </a:ln>
+          </p:spPr>
+          <p:style>
+            <a:lnRef idx="1">
+              <a:schemeClr val="accent1"/>
+            </a:lnRef>
+            <a:fillRef idx="0">
+              <a:schemeClr val="accent1"/>
+            </a:fillRef>
+            <a:effectRef idx="0">
+              <a:schemeClr val="accent1"/>
+            </a:effectRef>
+            <a:fontRef idx="minor">
+              <a:schemeClr val="tx1"/>
+            </a:fontRef>
+          </p:style>
+        </p:cxnSp>
+        <p:sp>
+          <p:nvSpPr>
+            <p:cNvPr id="47" name="TextBox 46">
+              <a:extLst>
+                <a:ext uri="{FF2B5EF4-FFF2-40B4-BE49-F238E27FC236}">
+                  <a16:creationId xmlns:a16="http://schemas.microsoft.com/office/drawing/2014/main" id="{77B825F6-2FD7-529A-8EB4-FA6856974E3A}"/>
+                </a:ext>
+              </a:extLst>
+            </p:cNvPr>
+            <p:cNvSpPr txBox="1"/>
+            <p:nvPr/>
+          </p:nvSpPr>
+          <p:spPr>
+            <a:xfrm>
+              <a:off x="651910" y="4000497"/>
+              <a:ext cx="609462" cy="461665"/>
+            </a:xfrm>
+            <a:prstGeom prst="rect">
+              <a:avLst/>
+            </a:prstGeom>
+            <a:noFill/>
+          </p:spPr>
+          <p:txBody>
+            <a:bodyPr wrap="none" rtlCol="0">
+              <a:spAutoFit/>
+            </a:bodyPr>
+            <a:lstStyle/>
+            <a:p>
+              <a:r>
+                <a:rPr lang="en-US" sz="2400" dirty="0"/>
+                <a:t>1hr</a:t>
+              </a:r>
+            </a:p>
+          </p:txBody>
+        </p:sp>
+      </p:grpSp>
+      <p:cxnSp>
+        <p:nvCxnSpPr>
+          <p:cNvPr id="48" name="Straight Arrow Connector 47">
+            <a:extLst>
+              <a:ext uri="{FF2B5EF4-FFF2-40B4-BE49-F238E27FC236}">
+                <a16:creationId xmlns:a16="http://schemas.microsoft.com/office/drawing/2014/main" id="{5D0A52D5-8B15-DF74-F423-76150F45FB39}"/>
+              </a:ext>
+            </a:extLst>
+          </p:cNvPr>
+          <p:cNvCxnSpPr>
+            <a:cxnSpLocks/>
+          </p:cNvCxnSpPr>
+          <p:nvPr/>
+        </p:nvCxnSpPr>
+        <p:spPr>
+          <a:xfrm>
+            <a:off x="11393717" y="694459"/>
+            <a:ext cx="545002" cy="0"/>
+          </a:xfrm>
+          <a:prstGeom prst="straightConnector1">
+            <a:avLst/>
+          </a:prstGeom>
+          <a:ln w="38100">
+            <a:tailEnd type="triangle"/>
+          </a:ln>
+        </p:spPr>
+        <p:style>
+          <a:lnRef idx="1">
+            <a:schemeClr val="dk1"/>
+          </a:lnRef>
+          <a:fillRef idx="0">
+            <a:schemeClr val="dk1"/>
+          </a:fillRef>
+          <a:effectRef idx="0">
+            <a:schemeClr val="dk1"/>
+          </a:effectRef>
+          <a:fontRef idx="minor">
+            <a:schemeClr val="tx1"/>
+          </a:fontRef>
+        </p:style>
+      </p:cxnSp>
+      <p:cxnSp>
+        <p:nvCxnSpPr>
+          <p:cNvPr id="25" name="Straight Arrow Connector 24">
+            <a:extLst>
+              <a:ext uri="{FF2B5EF4-FFF2-40B4-BE49-F238E27FC236}">
+                <a16:creationId xmlns:a16="http://schemas.microsoft.com/office/drawing/2014/main" id="{47F7A371-6E09-2943-D0B2-8F483AE17481}"/>
+              </a:ext>
+            </a:extLst>
+          </p:cNvPr>
+          <p:cNvCxnSpPr>
+            <a:endCxn id="38" idx="2"/>
+          </p:cNvCxnSpPr>
+          <p:nvPr/>
+        </p:nvCxnSpPr>
+        <p:spPr>
+          <a:xfrm flipH="1" flipV="1">
+            <a:off x="6064937" y="2485927"/>
+            <a:ext cx="31063" cy="1128130"/>
+          </a:xfrm>
+          <a:prstGeom prst="straightConnector1">
+            <a:avLst/>
+          </a:prstGeom>
+          <a:ln>
+            <a:tailEnd type="triangle"/>
+          </a:ln>
+        </p:spPr>
+        <p:style>
+          <a:lnRef idx="1">
+            <a:schemeClr val="accent1"/>
+          </a:lnRef>
+          <a:fillRef idx="0">
+            <a:schemeClr val="accent1"/>
+          </a:fillRef>
+          <a:effectRef idx="0">
+            <a:schemeClr val="accent1"/>
+          </a:effectRef>
+          <a:fontRef idx="minor">
+            <a:schemeClr val="tx1"/>
+          </a:fontRef>
+        </p:style>
+      </p:cxnSp>
+      <p:sp>
+        <p:nvSpPr>
+          <p:cNvPr id="27" name="TextBox 26">
+            <a:extLst>
+              <a:ext uri="{FF2B5EF4-FFF2-40B4-BE49-F238E27FC236}">
+                <a16:creationId xmlns:a16="http://schemas.microsoft.com/office/drawing/2014/main" id="{A3BBDBE8-E3F9-3F2E-E70A-80CEB8CC67D8}"/>
+              </a:ext>
+            </a:extLst>
+          </p:cNvPr>
+          <p:cNvSpPr txBox="1"/>
+          <p:nvPr/>
+        </p:nvSpPr>
+        <p:spPr>
+          <a:xfrm>
+            <a:off x="6416034" y="3049992"/>
+            <a:ext cx="1074781" cy="369332"/>
+          </a:xfrm>
+          <a:prstGeom prst="rect">
+            <a:avLst/>
+          </a:prstGeom>
+          <a:noFill/>
+        </p:spPr>
+        <p:txBody>
+          <a:bodyPr wrap="none" rtlCol="0">
+            <a:spAutoFit/>
+          </a:bodyPr>
+          <a:lstStyle/>
+          <a:p>
+            <a:r>
+              <a:rPr lang="en-US" dirty="0"/>
+              <a:t>subscribe</a:t>
+            </a:r>
+          </a:p>
+        </p:txBody>
+      </p:sp>
+      <p:sp>
+        <p:nvSpPr>
+          <p:cNvPr id="49" name="TextBox 48">
+            <a:extLst>
+              <a:ext uri="{FF2B5EF4-FFF2-40B4-BE49-F238E27FC236}">
+                <a16:creationId xmlns:a16="http://schemas.microsoft.com/office/drawing/2014/main" id="{EEC282C4-A988-8900-EF33-25E167F9765D}"/>
+              </a:ext>
+            </a:extLst>
+          </p:cNvPr>
+          <p:cNvSpPr txBox="1"/>
+          <p:nvPr/>
+        </p:nvSpPr>
+        <p:spPr>
+          <a:xfrm>
+            <a:off x="893348" y="4528457"/>
+            <a:ext cx="10538654" cy="1938992"/>
+          </a:xfrm>
+          <a:prstGeom prst="rect">
+            <a:avLst/>
+          </a:prstGeom>
+          <a:noFill/>
+        </p:spPr>
+        <p:txBody>
+          <a:bodyPr wrap="none" rtlCol="0">
+            <a:spAutoFit/>
+          </a:bodyPr>
+          <a:lstStyle/>
+          <a:p>
+            <a:r>
+              <a:rPr lang="en-US" sz="4000" dirty="0"/>
+              <a:t>next:	 (</a:t>
+            </a:r>
+            <a:r>
+              <a:rPr lang="en-US" sz="4000" dirty="0" err="1"/>
+              <a:t>nextVal</a:t>
+            </a:r>
+            <a:r>
+              <a:rPr lang="en-US" sz="4000" dirty="0"/>
+              <a:t>) =&gt; {// do something with </a:t>
+            </a:r>
+            <a:r>
+              <a:rPr lang="en-US" sz="4000" dirty="0" err="1"/>
+              <a:t>val</a:t>
+            </a:r>
+            <a:r>
+              <a:rPr lang="en-US" sz="4000" dirty="0"/>
+              <a:t>}</a:t>
+            </a:r>
+          </a:p>
+          <a:p>
+            <a:r>
+              <a:rPr lang="en-US" sz="4000" dirty="0"/>
+              <a:t>error: 	(error)	=&gt; {// do something with error},</a:t>
+            </a:r>
+          </a:p>
+          <a:p>
+            <a:r>
+              <a:rPr lang="en-US" sz="4000" dirty="0"/>
+              <a:t>complete: () =&gt;{ do something when finished}</a:t>
+            </a:r>
+          </a:p>
+        </p:txBody>
+      </p:sp>
+      <p:sp>
+        <p:nvSpPr>
+          <p:cNvPr id="50" name="TextBox 49">
+            <a:extLst>
+              <a:ext uri="{FF2B5EF4-FFF2-40B4-BE49-F238E27FC236}">
+                <a16:creationId xmlns:a16="http://schemas.microsoft.com/office/drawing/2014/main" id="{3ADC1872-408A-9C76-1772-1771EB448748}"/>
+              </a:ext>
+            </a:extLst>
+          </p:cNvPr>
+          <p:cNvSpPr txBox="1"/>
+          <p:nvPr/>
+        </p:nvSpPr>
+        <p:spPr>
+          <a:xfrm>
+            <a:off x="203104" y="4572415"/>
+            <a:ext cx="647934" cy="1862048"/>
+          </a:xfrm>
+          <a:prstGeom prst="rect">
+            <a:avLst/>
+          </a:prstGeom>
+          <a:noFill/>
+        </p:spPr>
+        <p:txBody>
+          <a:bodyPr wrap="none" rtlCol="0">
+            <a:spAutoFit/>
+          </a:bodyPr>
+          <a:lstStyle/>
+          <a:p>
+            <a:r>
+              <a:rPr lang="en-US" sz="11500" dirty="0"/>
+              <a:t>{</a:t>
+            </a:r>
+            <a:endParaRPr lang="en-US" dirty="0"/>
+          </a:p>
+        </p:txBody>
+      </p:sp>
+      <p:sp>
+        <p:nvSpPr>
+          <p:cNvPr id="51" name="TextBox 50">
+            <a:extLst>
+              <a:ext uri="{FF2B5EF4-FFF2-40B4-BE49-F238E27FC236}">
+                <a16:creationId xmlns:a16="http://schemas.microsoft.com/office/drawing/2014/main" id="{19489977-B898-3E9B-BC6A-76FFC1DB3B69}"/>
+              </a:ext>
+            </a:extLst>
+          </p:cNvPr>
+          <p:cNvSpPr txBox="1"/>
+          <p:nvPr/>
+        </p:nvSpPr>
+        <p:spPr>
+          <a:xfrm rot="10800000">
+            <a:off x="11256040" y="4553549"/>
+            <a:ext cx="647934" cy="1862048"/>
+          </a:xfrm>
+          <a:prstGeom prst="rect">
+            <a:avLst/>
+          </a:prstGeom>
+          <a:noFill/>
+        </p:spPr>
+        <p:txBody>
+          <a:bodyPr wrap="none" rtlCol="0">
+            <a:spAutoFit/>
+          </a:bodyPr>
+          <a:lstStyle/>
+          <a:p>
+            <a:r>
+              <a:rPr lang="en-US" sz="11500" dirty="0"/>
+              <a:t>{</a:t>
+            </a:r>
+            <a:endParaRPr lang="en-US" dirty="0"/>
+          </a:p>
+        </p:txBody>
+      </p:sp>
+    </p:spTree>
+    <p:extLst>
+      <p:ext uri="{BB962C8B-B14F-4D97-AF65-F5344CB8AC3E}">
+        <p14:creationId xmlns:p14="http://schemas.microsoft.com/office/powerpoint/2010/main" val="116961531"/>
+      </p:ext>
+    </p:extLst>
+  </p:cSld>
+  <p:clrMapOvr>
+    <a:masterClrMapping/>
+  </p:clrMapOvr>
+</p:sld>
+</file>
+
+<file path=ppt/slides/slide18.xml><?xml version="1.0" encoding="utf-8"?>
+<p:sld xmlns:a="http://schemas.openxmlformats.org/drawingml/2006/main" xmlns:r="http://schemas.openxmlformats.org/officeDocument/2006/relationships" xmlns:p="http://schemas.openxmlformats.org/presentationml/2006/main">
+  <p:cSld>
+    <p:spTree>
+      <p:nvGrpSpPr>
+        <p:cNvPr id="1" name=""/>
+        <p:cNvGrpSpPr/>
+        <p:nvPr/>
+      </p:nvGrpSpPr>
+      <p:grpSpPr>
+        <a:xfrm>
+          <a:off x="0" y="0"/>
+          <a:ext cx="0" cy="0"/>
+          <a:chOff x="0" y="0"/>
+          <a:chExt cx="0" cy="0"/>
+        </a:xfrm>
+      </p:grpSpPr>
+      <p:grpSp>
+        <p:nvGrpSpPr>
+          <p:cNvPr id="24" name="Group 23">
+            <a:extLst>
+              <a:ext uri="{FF2B5EF4-FFF2-40B4-BE49-F238E27FC236}">
+                <a16:creationId xmlns:a16="http://schemas.microsoft.com/office/drawing/2014/main" id="{D9A94F3D-B001-DDB6-FA72-BDF699ECFE4F}"/>
+              </a:ext>
+            </a:extLst>
+          </p:cNvPr>
+          <p:cNvGrpSpPr/>
+          <p:nvPr/>
+        </p:nvGrpSpPr>
+        <p:grpSpPr>
+          <a:xfrm>
+            <a:off x="348346" y="166921"/>
+            <a:ext cx="11045371" cy="1142993"/>
+            <a:chOff x="609600" y="2286007"/>
+            <a:chExt cx="13237032" cy="1320785"/>
+          </a:xfrm>
+        </p:grpSpPr>
+        <p:grpSp>
+          <p:nvGrpSpPr>
+            <p:cNvPr id="8" name="Group 7">
+              <a:extLst>
+                <a:ext uri="{FF2B5EF4-FFF2-40B4-BE49-F238E27FC236}">
+                  <a16:creationId xmlns:a16="http://schemas.microsoft.com/office/drawing/2014/main" id="{05146E17-9539-F482-46DB-DE996D54CD4A}"/>
+                </a:ext>
+              </a:extLst>
+            </p:cNvPr>
+            <p:cNvGrpSpPr/>
+            <p:nvPr/>
+          </p:nvGrpSpPr>
+          <p:grpSpPr>
+            <a:xfrm>
+              <a:off x="609600" y="2336803"/>
+              <a:ext cx="2206172" cy="1219193"/>
+              <a:chOff x="609600" y="2336803"/>
+              <a:chExt cx="2206172" cy="1219193"/>
+            </a:xfrm>
+          </p:grpSpPr>
+          <p:cxnSp>
+            <p:nvCxnSpPr>
+              <p:cNvPr id="5" name="Straight Arrow Connector 4">
+                <a:extLst>
+                  <a:ext uri="{FF2B5EF4-FFF2-40B4-BE49-F238E27FC236}">
+                    <a16:creationId xmlns:a16="http://schemas.microsoft.com/office/drawing/2014/main" id="{0E6E7C38-1049-C44B-CE58-9CEF30C7B269}"/>
+                  </a:ext>
+                </a:extLst>
+              </p:cNvPr>
+              <p:cNvCxnSpPr>
+                <a:cxnSpLocks/>
+              </p:cNvCxnSpPr>
+              <p:nvPr/>
+            </p:nvCxnSpPr>
+            <p:spPr>
+              <a:xfrm>
+                <a:off x="609600" y="2946400"/>
+                <a:ext cx="653143" cy="0"/>
+              </a:xfrm>
+              <a:prstGeom prst="straightConnector1">
+                <a:avLst/>
+              </a:prstGeom>
+              <a:ln w="38100">
+                <a:tailEnd type="triangle"/>
+              </a:ln>
+            </p:spPr>
+            <p:style>
+              <a:lnRef idx="1">
+                <a:schemeClr val="dk1"/>
+              </a:lnRef>
+              <a:fillRef idx="0">
+                <a:schemeClr val="dk1"/>
+              </a:fillRef>
+              <a:effectRef idx="0">
+                <a:schemeClr val="dk1"/>
+              </a:effectRef>
+              <a:fontRef idx="minor">
+                <a:schemeClr val="tx1"/>
+              </a:fontRef>
+            </p:style>
+          </p:cxnSp>
+          <p:sp>
+            <p:nvSpPr>
+              <p:cNvPr id="6" name="Oval 5">
+                <a:extLst>
+                  <a:ext uri="{FF2B5EF4-FFF2-40B4-BE49-F238E27FC236}">
+                    <a16:creationId xmlns:a16="http://schemas.microsoft.com/office/drawing/2014/main" id="{6540995B-131E-66BA-7ED0-16E0A448BC96}"/>
+                  </a:ext>
+                </a:extLst>
+              </p:cNvPr>
+              <p:cNvSpPr/>
+              <p:nvPr/>
+            </p:nvSpPr>
+            <p:spPr>
+              <a:xfrm>
+                <a:off x="1262743" y="2336803"/>
+                <a:ext cx="1553029" cy="1219193"/>
+              </a:xfrm>
+              <a:prstGeom prst="ellipse">
+                <a:avLst/>
+              </a:prstGeom>
+              <a:solidFill>
+                <a:schemeClr val="accent6"/>
+              </a:solidFill>
+              <a:ln w="38100">
+                <a:solidFill>
+                  <a:schemeClr val="tx1"/>
+                </a:solidFill>
+              </a:ln>
+            </p:spPr>
+            <p:style>
+              <a:lnRef idx="2">
+                <a:schemeClr val="accent1">
+                  <a:shade val="15000"/>
+                </a:schemeClr>
+              </a:lnRef>
+              <a:fillRef idx="1">
+                <a:schemeClr val="accent1"/>
+              </a:fillRef>
+              <a:effectRef idx="0">
+                <a:schemeClr val="accent1"/>
+              </a:effectRef>
+              <a:fontRef idx="minor">
+                <a:schemeClr val="lt1"/>
+              </a:fontRef>
+            </p:style>
+            <p:txBody>
+              <a:bodyPr rtlCol="0" anchor="ctr"/>
+              <a:lstStyle/>
+              <a:p>
+                <a:pPr algn="ctr"/>
+                <a:endParaRPr lang="en-US"/>
+              </a:p>
+            </p:txBody>
+          </p:sp>
+        </p:grpSp>
+        <p:grpSp>
+          <p:nvGrpSpPr>
+            <p:cNvPr id="9" name="Group 8">
+              <a:extLst>
+                <a:ext uri="{FF2B5EF4-FFF2-40B4-BE49-F238E27FC236}">
+                  <a16:creationId xmlns:a16="http://schemas.microsoft.com/office/drawing/2014/main" id="{2BC8E9B1-26A1-738D-399A-F8A0E608EC60}"/>
+                </a:ext>
+              </a:extLst>
+            </p:cNvPr>
+            <p:cNvGrpSpPr/>
+            <p:nvPr/>
+          </p:nvGrpSpPr>
+          <p:grpSpPr>
+            <a:xfrm>
+              <a:off x="2815772" y="2387599"/>
+              <a:ext cx="2206172" cy="1219193"/>
+              <a:chOff x="609600" y="2336803"/>
+              <a:chExt cx="2206172" cy="1219193"/>
+            </a:xfrm>
+          </p:grpSpPr>
+          <p:cxnSp>
+            <p:nvCxnSpPr>
+              <p:cNvPr id="10" name="Straight Arrow Connector 9">
+                <a:extLst>
+                  <a:ext uri="{FF2B5EF4-FFF2-40B4-BE49-F238E27FC236}">
+                    <a16:creationId xmlns:a16="http://schemas.microsoft.com/office/drawing/2014/main" id="{F91A94BB-B98B-993F-0697-7E05597D4005}"/>
+                  </a:ext>
+                </a:extLst>
+              </p:cNvPr>
+              <p:cNvCxnSpPr>
+                <a:cxnSpLocks/>
+              </p:cNvCxnSpPr>
+              <p:nvPr/>
+            </p:nvCxnSpPr>
+            <p:spPr>
+              <a:xfrm>
+                <a:off x="609600" y="2946400"/>
+                <a:ext cx="653143" cy="0"/>
+              </a:xfrm>
+              <a:prstGeom prst="straightConnector1">
+                <a:avLst/>
+              </a:prstGeom>
+              <a:ln w="38100">
+                <a:tailEnd type="triangle"/>
+              </a:ln>
+            </p:spPr>
+            <p:style>
+              <a:lnRef idx="1">
+                <a:schemeClr val="dk1"/>
+              </a:lnRef>
+              <a:fillRef idx="0">
+                <a:schemeClr val="dk1"/>
+              </a:fillRef>
+              <a:effectRef idx="0">
+                <a:schemeClr val="dk1"/>
+              </a:effectRef>
+              <a:fontRef idx="minor">
+                <a:schemeClr val="tx1"/>
+              </a:fontRef>
+            </p:style>
+          </p:cxnSp>
+          <p:sp>
+            <p:nvSpPr>
+              <p:cNvPr id="11" name="Oval 10">
+                <a:extLst>
+                  <a:ext uri="{FF2B5EF4-FFF2-40B4-BE49-F238E27FC236}">
+                    <a16:creationId xmlns:a16="http://schemas.microsoft.com/office/drawing/2014/main" id="{0DCC9603-887C-D4F2-0B56-166892591F70}"/>
+                  </a:ext>
+                </a:extLst>
+              </p:cNvPr>
+              <p:cNvSpPr/>
+              <p:nvPr/>
+            </p:nvSpPr>
+            <p:spPr>
+              <a:xfrm>
+                <a:off x="1262743" y="2336803"/>
+                <a:ext cx="1553029" cy="1219193"/>
+              </a:xfrm>
+              <a:prstGeom prst="ellipse">
+                <a:avLst/>
+              </a:prstGeom>
+              <a:solidFill>
+                <a:schemeClr val="accent6"/>
+              </a:solidFill>
+              <a:ln w="38100">
+                <a:solidFill>
+                  <a:schemeClr val="tx1"/>
+                </a:solidFill>
+              </a:ln>
+            </p:spPr>
+            <p:style>
+              <a:lnRef idx="2">
+                <a:schemeClr val="accent1">
+                  <a:shade val="15000"/>
+                </a:schemeClr>
+              </a:lnRef>
+              <a:fillRef idx="1">
+                <a:schemeClr val="accent1"/>
+              </a:fillRef>
+              <a:effectRef idx="0">
+                <a:schemeClr val="accent1"/>
+              </a:effectRef>
+              <a:fontRef idx="minor">
+                <a:schemeClr val="lt1"/>
+              </a:fontRef>
+            </p:style>
+            <p:txBody>
+              <a:bodyPr rtlCol="0" anchor="ctr"/>
+              <a:lstStyle/>
+              <a:p>
+                <a:pPr algn="ctr"/>
+                <a:endParaRPr lang="en-US"/>
+              </a:p>
+            </p:txBody>
+          </p:sp>
+        </p:grpSp>
+        <p:grpSp>
+          <p:nvGrpSpPr>
+            <p:cNvPr id="12" name="Group 11">
+              <a:extLst>
+                <a:ext uri="{FF2B5EF4-FFF2-40B4-BE49-F238E27FC236}">
+                  <a16:creationId xmlns:a16="http://schemas.microsoft.com/office/drawing/2014/main" id="{A4A14245-179A-BAB0-12FA-1B07D64870E6}"/>
+                </a:ext>
+              </a:extLst>
+            </p:cNvPr>
+            <p:cNvGrpSpPr/>
+            <p:nvPr/>
+          </p:nvGrpSpPr>
+          <p:grpSpPr>
+            <a:xfrm>
+              <a:off x="5021944" y="2336803"/>
+              <a:ext cx="2206172" cy="1219193"/>
+              <a:chOff x="609600" y="2336803"/>
+              <a:chExt cx="2206172" cy="1219193"/>
+            </a:xfrm>
+          </p:grpSpPr>
+          <p:cxnSp>
+            <p:nvCxnSpPr>
+              <p:cNvPr id="13" name="Straight Arrow Connector 12">
+                <a:extLst>
+                  <a:ext uri="{FF2B5EF4-FFF2-40B4-BE49-F238E27FC236}">
+                    <a16:creationId xmlns:a16="http://schemas.microsoft.com/office/drawing/2014/main" id="{472637F8-DF98-EC51-DEB6-3D3A18DF50C4}"/>
+                  </a:ext>
+                </a:extLst>
+              </p:cNvPr>
+              <p:cNvCxnSpPr>
+                <a:cxnSpLocks/>
+              </p:cNvCxnSpPr>
+              <p:nvPr/>
+            </p:nvCxnSpPr>
+            <p:spPr>
+              <a:xfrm>
+                <a:off x="609600" y="2946400"/>
+                <a:ext cx="653143" cy="0"/>
+              </a:xfrm>
+              <a:prstGeom prst="straightConnector1">
+                <a:avLst/>
+              </a:prstGeom>
+              <a:ln w="38100">
+                <a:tailEnd type="triangle"/>
+              </a:ln>
+            </p:spPr>
+            <p:style>
+              <a:lnRef idx="1">
+                <a:schemeClr val="dk1"/>
+              </a:lnRef>
+              <a:fillRef idx="0">
+                <a:schemeClr val="dk1"/>
+              </a:fillRef>
+              <a:effectRef idx="0">
+                <a:schemeClr val="dk1"/>
+              </a:effectRef>
+              <a:fontRef idx="minor">
+                <a:schemeClr val="tx1"/>
+              </a:fontRef>
+            </p:style>
+          </p:cxnSp>
+          <p:sp>
+            <p:nvSpPr>
+              <p:cNvPr id="14" name="Oval 13">
+                <a:extLst>
+                  <a:ext uri="{FF2B5EF4-FFF2-40B4-BE49-F238E27FC236}">
+                    <a16:creationId xmlns:a16="http://schemas.microsoft.com/office/drawing/2014/main" id="{1BB49EBE-7D4F-00E9-DFBD-E7CE04AF8AFC}"/>
+                  </a:ext>
+                </a:extLst>
+              </p:cNvPr>
+              <p:cNvSpPr/>
+              <p:nvPr/>
+            </p:nvSpPr>
+            <p:spPr>
+              <a:xfrm>
+                <a:off x="1262743" y="2336803"/>
+                <a:ext cx="1553029" cy="1219193"/>
+              </a:xfrm>
+              <a:prstGeom prst="ellipse">
+                <a:avLst/>
+              </a:prstGeom>
+              <a:solidFill>
+                <a:schemeClr val="accent6"/>
+              </a:solidFill>
+              <a:ln w="38100">
+                <a:solidFill>
+                  <a:schemeClr val="tx1"/>
+                </a:solidFill>
+              </a:ln>
+            </p:spPr>
+            <p:style>
+              <a:lnRef idx="2">
+                <a:schemeClr val="accent1">
+                  <a:shade val="15000"/>
+                </a:schemeClr>
+              </a:lnRef>
+              <a:fillRef idx="1">
+                <a:schemeClr val="accent1"/>
+              </a:fillRef>
+              <a:effectRef idx="0">
+                <a:schemeClr val="accent1"/>
+              </a:effectRef>
+              <a:fontRef idx="minor">
+                <a:schemeClr val="lt1"/>
+              </a:fontRef>
+            </p:style>
+            <p:txBody>
+              <a:bodyPr rtlCol="0" anchor="ctr"/>
+              <a:lstStyle/>
+              <a:p>
+                <a:pPr algn="ctr"/>
+                <a:endParaRPr lang="en-US"/>
+              </a:p>
+            </p:txBody>
+          </p:sp>
+        </p:grpSp>
+        <p:grpSp>
+          <p:nvGrpSpPr>
+            <p:cNvPr id="15" name="Group 14">
+              <a:extLst>
+                <a:ext uri="{FF2B5EF4-FFF2-40B4-BE49-F238E27FC236}">
+                  <a16:creationId xmlns:a16="http://schemas.microsoft.com/office/drawing/2014/main" id="{0D577487-351A-B4F0-BE9C-07BE3D083391}"/>
+                </a:ext>
+              </a:extLst>
+            </p:cNvPr>
+            <p:cNvGrpSpPr/>
+            <p:nvPr/>
+          </p:nvGrpSpPr>
+          <p:grpSpPr>
+            <a:xfrm>
+              <a:off x="7228116" y="2286007"/>
+              <a:ext cx="2206172" cy="1219193"/>
+              <a:chOff x="609600" y="2336803"/>
+              <a:chExt cx="2206172" cy="1219193"/>
+            </a:xfrm>
+          </p:grpSpPr>
+          <p:cxnSp>
+            <p:nvCxnSpPr>
+              <p:cNvPr id="16" name="Straight Arrow Connector 15">
+                <a:extLst>
+                  <a:ext uri="{FF2B5EF4-FFF2-40B4-BE49-F238E27FC236}">
+                    <a16:creationId xmlns:a16="http://schemas.microsoft.com/office/drawing/2014/main" id="{C16FBFAA-82FB-B6DE-FFB0-57BF5B09BBAC}"/>
+                  </a:ext>
+                </a:extLst>
+              </p:cNvPr>
+              <p:cNvCxnSpPr>
+                <a:cxnSpLocks/>
+              </p:cNvCxnSpPr>
+              <p:nvPr/>
+            </p:nvCxnSpPr>
+            <p:spPr>
+              <a:xfrm>
+                <a:off x="609600" y="2946400"/>
+                <a:ext cx="653143" cy="0"/>
+              </a:xfrm>
+              <a:prstGeom prst="straightConnector1">
+                <a:avLst/>
+              </a:prstGeom>
+              <a:ln w="38100">
+                <a:tailEnd type="triangle"/>
+              </a:ln>
+            </p:spPr>
+            <p:style>
+              <a:lnRef idx="1">
+                <a:schemeClr val="dk1"/>
+              </a:lnRef>
+              <a:fillRef idx="0">
+                <a:schemeClr val="dk1"/>
+              </a:fillRef>
+              <a:effectRef idx="0">
+                <a:schemeClr val="dk1"/>
+              </a:effectRef>
+              <a:fontRef idx="minor">
+                <a:schemeClr val="tx1"/>
+              </a:fontRef>
+            </p:style>
+          </p:cxnSp>
+          <p:sp>
+            <p:nvSpPr>
+              <p:cNvPr id="17" name="Oval 16">
+                <a:extLst>
+                  <a:ext uri="{FF2B5EF4-FFF2-40B4-BE49-F238E27FC236}">
+                    <a16:creationId xmlns:a16="http://schemas.microsoft.com/office/drawing/2014/main" id="{15316F59-FB05-DDF9-6073-4EAF5F72AD93}"/>
+                  </a:ext>
+                </a:extLst>
+              </p:cNvPr>
+              <p:cNvSpPr/>
+              <p:nvPr/>
+            </p:nvSpPr>
+            <p:spPr>
+              <a:xfrm>
+                <a:off x="1262743" y="2336803"/>
+                <a:ext cx="1553029" cy="1219193"/>
+              </a:xfrm>
+              <a:prstGeom prst="ellipse">
+                <a:avLst/>
+              </a:prstGeom>
+              <a:solidFill>
+                <a:schemeClr val="accent6"/>
+              </a:solidFill>
+              <a:ln w="38100">
+                <a:solidFill>
+                  <a:schemeClr val="tx1"/>
+                </a:solidFill>
+              </a:ln>
+            </p:spPr>
+            <p:style>
+              <a:lnRef idx="2">
+                <a:schemeClr val="accent1">
+                  <a:shade val="15000"/>
+                </a:schemeClr>
+              </a:lnRef>
+              <a:fillRef idx="1">
+                <a:schemeClr val="accent1"/>
+              </a:fillRef>
+              <a:effectRef idx="0">
+                <a:schemeClr val="accent1"/>
+              </a:effectRef>
+              <a:fontRef idx="minor">
+                <a:schemeClr val="lt1"/>
+              </a:fontRef>
+            </p:style>
+            <p:txBody>
+              <a:bodyPr rtlCol="0" anchor="ctr"/>
+              <a:lstStyle/>
+              <a:p>
+                <a:pPr algn="ctr"/>
+                <a:endParaRPr lang="en-US"/>
+              </a:p>
+            </p:txBody>
+          </p:sp>
+        </p:grpSp>
+        <p:grpSp>
+          <p:nvGrpSpPr>
+            <p:cNvPr id="18" name="Group 17">
+              <a:extLst>
+                <a:ext uri="{FF2B5EF4-FFF2-40B4-BE49-F238E27FC236}">
+                  <a16:creationId xmlns:a16="http://schemas.microsoft.com/office/drawing/2014/main" id="{B8C5B0ED-D22C-BC92-9FF7-D1F13A1A72CB}"/>
+                </a:ext>
+              </a:extLst>
+            </p:cNvPr>
+            <p:cNvGrpSpPr/>
+            <p:nvPr/>
+          </p:nvGrpSpPr>
+          <p:grpSpPr>
+            <a:xfrm>
+              <a:off x="9434288" y="2336803"/>
+              <a:ext cx="2206172" cy="1219193"/>
+              <a:chOff x="609600" y="2336803"/>
+              <a:chExt cx="2206172" cy="1219193"/>
+            </a:xfrm>
+          </p:grpSpPr>
+          <p:cxnSp>
+            <p:nvCxnSpPr>
+              <p:cNvPr id="19" name="Straight Arrow Connector 18">
+                <a:extLst>
+                  <a:ext uri="{FF2B5EF4-FFF2-40B4-BE49-F238E27FC236}">
+                    <a16:creationId xmlns:a16="http://schemas.microsoft.com/office/drawing/2014/main" id="{BCC7D9ED-EA14-34DF-2A7E-0005773960FF}"/>
+                  </a:ext>
+                </a:extLst>
+              </p:cNvPr>
+              <p:cNvCxnSpPr>
+                <a:cxnSpLocks/>
+              </p:cNvCxnSpPr>
+              <p:nvPr/>
+            </p:nvCxnSpPr>
+            <p:spPr>
+              <a:xfrm>
+                <a:off x="609600" y="2946400"/>
+                <a:ext cx="653143" cy="0"/>
+              </a:xfrm>
+              <a:prstGeom prst="straightConnector1">
+                <a:avLst/>
+              </a:prstGeom>
+              <a:ln w="38100">
+                <a:tailEnd type="triangle"/>
+              </a:ln>
+            </p:spPr>
+            <p:style>
+              <a:lnRef idx="1">
+                <a:schemeClr val="dk1"/>
+              </a:lnRef>
+              <a:fillRef idx="0">
+                <a:schemeClr val="dk1"/>
+              </a:fillRef>
+              <a:effectRef idx="0">
+                <a:schemeClr val="dk1"/>
+              </a:effectRef>
+              <a:fontRef idx="minor">
+                <a:schemeClr val="tx1"/>
+              </a:fontRef>
+            </p:style>
+          </p:cxnSp>
+          <p:sp>
+            <p:nvSpPr>
+              <p:cNvPr id="20" name="Oval 19">
+                <a:extLst>
+                  <a:ext uri="{FF2B5EF4-FFF2-40B4-BE49-F238E27FC236}">
+                    <a16:creationId xmlns:a16="http://schemas.microsoft.com/office/drawing/2014/main" id="{1451E793-8F64-AE17-5E78-89F29B1EF1C3}"/>
+                  </a:ext>
+                </a:extLst>
+              </p:cNvPr>
+              <p:cNvSpPr/>
+              <p:nvPr/>
+            </p:nvSpPr>
+            <p:spPr>
+              <a:xfrm>
+                <a:off x="1262743" y="2336803"/>
+                <a:ext cx="1553029" cy="1219193"/>
+              </a:xfrm>
+              <a:prstGeom prst="ellipse">
+                <a:avLst/>
+              </a:prstGeom>
+              <a:solidFill>
+                <a:schemeClr val="accent6"/>
+              </a:solidFill>
+              <a:ln w="38100">
+                <a:solidFill>
+                  <a:schemeClr val="tx1"/>
+                </a:solidFill>
+              </a:ln>
+            </p:spPr>
+            <p:style>
+              <a:lnRef idx="2">
+                <a:schemeClr val="accent1">
+                  <a:shade val="15000"/>
+                </a:schemeClr>
+              </a:lnRef>
+              <a:fillRef idx="1">
+                <a:schemeClr val="accent1"/>
+              </a:fillRef>
+              <a:effectRef idx="0">
+                <a:schemeClr val="accent1"/>
+              </a:effectRef>
+              <a:fontRef idx="minor">
+                <a:schemeClr val="lt1"/>
+              </a:fontRef>
+            </p:style>
+            <p:txBody>
+              <a:bodyPr rtlCol="0" anchor="ctr"/>
+              <a:lstStyle/>
+              <a:p>
+                <a:pPr algn="ctr"/>
+                <a:endParaRPr lang="en-US"/>
+              </a:p>
+            </p:txBody>
+          </p:sp>
+        </p:grpSp>
+        <p:grpSp>
+          <p:nvGrpSpPr>
+            <p:cNvPr id="21" name="Group 20">
+              <a:extLst>
+                <a:ext uri="{FF2B5EF4-FFF2-40B4-BE49-F238E27FC236}">
+                  <a16:creationId xmlns:a16="http://schemas.microsoft.com/office/drawing/2014/main" id="{8F0FD0EB-B364-C808-6677-4B480F0D1270}"/>
+                </a:ext>
+              </a:extLst>
+            </p:cNvPr>
+            <p:cNvGrpSpPr/>
+            <p:nvPr/>
+          </p:nvGrpSpPr>
+          <p:grpSpPr>
+            <a:xfrm>
+              <a:off x="11640460" y="2286007"/>
+              <a:ext cx="2206172" cy="1219193"/>
+              <a:chOff x="609600" y="2336803"/>
+              <a:chExt cx="2206172" cy="1219193"/>
+            </a:xfrm>
+          </p:grpSpPr>
+          <p:cxnSp>
+            <p:nvCxnSpPr>
+              <p:cNvPr id="22" name="Straight Arrow Connector 21">
+                <a:extLst>
+                  <a:ext uri="{FF2B5EF4-FFF2-40B4-BE49-F238E27FC236}">
+                    <a16:creationId xmlns:a16="http://schemas.microsoft.com/office/drawing/2014/main" id="{C4C2ED35-B319-32D8-B2D4-E4562AA7F885}"/>
+                  </a:ext>
+                </a:extLst>
+              </p:cNvPr>
+              <p:cNvCxnSpPr>
+                <a:cxnSpLocks/>
+              </p:cNvCxnSpPr>
+              <p:nvPr/>
+            </p:nvCxnSpPr>
+            <p:spPr>
+              <a:xfrm>
+                <a:off x="609600" y="2946400"/>
+                <a:ext cx="653143" cy="0"/>
+              </a:xfrm>
+              <a:prstGeom prst="straightConnector1">
+                <a:avLst/>
+              </a:prstGeom>
+              <a:ln w="38100">
+                <a:tailEnd type="triangle"/>
+              </a:ln>
+            </p:spPr>
+            <p:style>
+              <a:lnRef idx="1">
+                <a:schemeClr val="dk1"/>
+              </a:lnRef>
+              <a:fillRef idx="0">
+                <a:schemeClr val="dk1"/>
+              </a:fillRef>
+              <a:effectRef idx="0">
+                <a:schemeClr val="dk1"/>
+              </a:effectRef>
+              <a:fontRef idx="minor">
+                <a:schemeClr val="tx1"/>
+              </a:fontRef>
+            </p:style>
+          </p:cxnSp>
+          <p:sp>
+            <p:nvSpPr>
+              <p:cNvPr id="23" name="Oval 22">
+                <a:extLst>
+                  <a:ext uri="{FF2B5EF4-FFF2-40B4-BE49-F238E27FC236}">
+                    <a16:creationId xmlns:a16="http://schemas.microsoft.com/office/drawing/2014/main" id="{F08A3444-BBBE-6DB5-832F-37D977BE1FFE}"/>
+                  </a:ext>
+                </a:extLst>
+              </p:cNvPr>
+              <p:cNvSpPr/>
+              <p:nvPr/>
+            </p:nvSpPr>
+            <p:spPr>
+              <a:xfrm>
+                <a:off x="1262743" y="2336803"/>
+                <a:ext cx="1553029" cy="1219193"/>
+              </a:xfrm>
+              <a:prstGeom prst="ellipse">
+                <a:avLst/>
+              </a:prstGeom>
+              <a:solidFill>
+                <a:schemeClr val="accent6"/>
+              </a:solidFill>
+              <a:ln w="38100">
+                <a:solidFill>
+                  <a:schemeClr val="tx1"/>
+                </a:solidFill>
+              </a:ln>
+            </p:spPr>
+            <p:style>
+              <a:lnRef idx="2">
+                <a:schemeClr val="accent1">
+                  <a:shade val="15000"/>
+                </a:schemeClr>
+              </a:lnRef>
+              <a:fillRef idx="1">
+                <a:schemeClr val="accent1"/>
+              </a:fillRef>
+              <a:effectRef idx="0">
+                <a:schemeClr val="accent1"/>
+              </a:effectRef>
+              <a:fontRef idx="minor">
+                <a:schemeClr val="lt1"/>
+              </a:fontRef>
+            </p:style>
+            <p:txBody>
+              <a:bodyPr rtlCol="0" anchor="ctr"/>
+              <a:lstStyle/>
+              <a:p>
+                <a:pPr algn="ctr"/>
+                <a:endParaRPr lang="en-US"/>
+              </a:p>
+            </p:txBody>
+          </p:sp>
+        </p:grpSp>
+      </p:grpSp>
+      <p:grpSp>
+        <p:nvGrpSpPr>
+          <p:cNvPr id="29" name="Group 28">
+            <a:extLst>
+              <a:ext uri="{FF2B5EF4-FFF2-40B4-BE49-F238E27FC236}">
+                <a16:creationId xmlns:a16="http://schemas.microsoft.com/office/drawing/2014/main" id="{F0B84065-1C5A-06E0-A88A-E5DB07FA0E74}"/>
+              </a:ext>
+            </a:extLst>
+          </p:cNvPr>
+          <p:cNvGrpSpPr/>
+          <p:nvPr/>
+        </p:nvGrpSpPr>
+        <p:grpSpPr>
+          <a:xfrm>
+            <a:off x="390656" y="782376"/>
+            <a:ext cx="460382" cy="1560700"/>
+            <a:chOff x="651910" y="2901462"/>
+            <a:chExt cx="460382" cy="1560700"/>
+          </a:xfrm>
+        </p:grpSpPr>
+        <p:cxnSp>
+          <p:nvCxnSpPr>
+            <p:cNvPr id="26" name="Straight Arrow Connector 25">
+              <a:extLst>
+                <a:ext uri="{FF2B5EF4-FFF2-40B4-BE49-F238E27FC236}">
+                  <a16:creationId xmlns:a16="http://schemas.microsoft.com/office/drawing/2014/main" id="{3DFA143B-2722-EB14-C580-0AF82E30F19E}"/>
+                </a:ext>
+              </a:extLst>
+            </p:cNvPr>
+            <p:cNvCxnSpPr>
+              <a:cxnSpLocks/>
+            </p:cNvCxnSpPr>
+            <p:nvPr/>
+          </p:nvCxnSpPr>
+          <p:spPr>
+            <a:xfrm flipV="1">
+              <a:off x="838200" y="2901462"/>
+              <a:ext cx="0" cy="1132115"/>
+            </a:xfrm>
+            <a:prstGeom prst="straightConnector1">
+              <a:avLst/>
+            </a:prstGeom>
+            <a:ln>
+              <a:tailEnd type="triangle"/>
+            </a:ln>
+          </p:spPr>
+          <p:style>
+            <a:lnRef idx="1">
+              <a:schemeClr val="accent1"/>
+            </a:lnRef>
+            <a:fillRef idx="0">
+              <a:schemeClr val="accent1"/>
+            </a:fillRef>
+            <a:effectRef idx="0">
+              <a:schemeClr val="accent1"/>
+            </a:effectRef>
+            <a:fontRef idx="minor">
+              <a:schemeClr val="tx1"/>
+            </a:fontRef>
+          </p:style>
+        </p:cxnSp>
+        <p:sp>
+          <p:nvSpPr>
+            <p:cNvPr id="28" name="TextBox 27">
+              <a:extLst>
+                <a:ext uri="{FF2B5EF4-FFF2-40B4-BE49-F238E27FC236}">
+                  <a16:creationId xmlns:a16="http://schemas.microsoft.com/office/drawing/2014/main" id="{C80CD9ED-E4F3-BF35-87DC-C1A5D1D3D5B6}"/>
+                </a:ext>
+              </a:extLst>
+            </p:cNvPr>
+            <p:cNvSpPr txBox="1"/>
+            <p:nvPr/>
+          </p:nvSpPr>
+          <p:spPr>
+            <a:xfrm>
+              <a:off x="651910" y="4000497"/>
+              <a:ext cx="460382" cy="461665"/>
+            </a:xfrm>
+            <a:prstGeom prst="rect">
+              <a:avLst/>
+            </a:prstGeom>
+            <a:noFill/>
+          </p:spPr>
+          <p:txBody>
+            <a:bodyPr wrap="none" rtlCol="0">
+              <a:spAutoFit/>
+            </a:bodyPr>
+            <a:lstStyle/>
+            <a:p>
+              <a:r>
+                <a:rPr lang="en-US" sz="2400" dirty="0"/>
+                <a:t>5s</a:t>
+              </a:r>
+            </a:p>
+          </p:txBody>
+        </p:sp>
+      </p:grpSp>
+      <p:grpSp>
+        <p:nvGrpSpPr>
+          <p:cNvPr id="30" name="Group 29">
+            <a:extLst>
+              <a:ext uri="{FF2B5EF4-FFF2-40B4-BE49-F238E27FC236}">
+                <a16:creationId xmlns:a16="http://schemas.microsoft.com/office/drawing/2014/main" id="{87C0931B-9B0F-CD2C-74C3-E291341A4450}"/>
+              </a:ext>
+            </a:extLst>
+          </p:cNvPr>
+          <p:cNvGrpSpPr/>
+          <p:nvPr/>
+        </p:nvGrpSpPr>
+        <p:grpSpPr>
+          <a:xfrm>
+            <a:off x="2275451" y="890467"/>
+            <a:ext cx="615874" cy="1560700"/>
+            <a:chOff x="651910" y="2901462"/>
+            <a:chExt cx="615874" cy="1560700"/>
+          </a:xfrm>
+        </p:grpSpPr>
+        <p:cxnSp>
+          <p:nvCxnSpPr>
+            <p:cNvPr id="31" name="Straight Arrow Connector 30">
+              <a:extLst>
+                <a:ext uri="{FF2B5EF4-FFF2-40B4-BE49-F238E27FC236}">
+                  <a16:creationId xmlns:a16="http://schemas.microsoft.com/office/drawing/2014/main" id="{EE96BCD0-1C68-5D15-2D45-851DC875FB26}"/>
+                </a:ext>
+              </a:extLst>
+            </p:cNvPr>
+            <p:cNvCxnSpPr>
+              <a:cxnSpLocks/>
+            </p:cNvCxnSpPr>
+            <p:nvPr/>
+          </p:nvCxnSpPr>
+          <p:spPr>
+            <a:xfrm flipV="1">
+              <a:off x="838200" y="2901462"/>
+              <a:ext cx="0" cy="1132115"/>
+            </a:xfrm>
+            <a:prstGeom prst="straightConnector1">
+              <a:avLst/>
+            </a:prstGeom>
+            <a:ln>
+              <a:tailEnd type="triangle"/>
+            </a:ln>
+          </p:spPr>
+          <p:style>
+            <a:lnRef idx="1">
+              <a:schemeClr val="accent1"/>
+            </a:lnRef>
+            <a:fillRef idx="0">
+              <a:schemeClr val="accent1"/>
+            </a:fillRef>
+            <a:effectRef idx="0">
+              <a:schemeClr val="accent1"/>
+            </a:effectRef>
+            <a:fontRef idx="minor">
+              <a:schemeClr val="tx1"/>
+            </a:fontRef>
+          </p:style>
+        </p:cxnSp>
+        <p:sp>
+          <p:nvSpPr>
+            <p:cNvPr id="32" name="TextBox 31">
+              <a:extLst>
+                <a:ext uri="{FF2B5EF4-FFF2-40B4-BE49-F238E27FC236}">
+                  <a16:creationId xmlns:a16="http://schemas.microsoft.com/office/drawing/2014/main" id="{AEDCA6CF-914F-292E-42CF-32B81406E3E4}"/>
+                </a:ext>
+              </a:extLst>
+            </p:cNvPr>
+            <p:cNvSpPr txBox="1"/>
+            <p:nvPr/>
+          </p:nvSpPr>
+          <p:spPr>
+            <a:xfrm>
+              <a:off x="651910" y="4000497"/>
+              <a:ext cx="615874" cy="461665"/>
+            </a:xfrm>
+            <a:prstGeom prst="rect">
+              <a:avLst/>
+            </a:prstGeom>
+            <a:noFill/>
+          </p:spPr>
+          <p:txBody>
+            <a:bodyPr wrap="none" rtlCol="0">
+              <a:spAutoFit/>
+            </a:bodyPr>
+            <a:lstStyle/>
+            <a:p>
+              <a:r>
+                <a:rPr lang="en-US" sz="2400" dirty="0"/>
+                <a:t>30s</a:t>
+              </a:r>
+            </a:p>
+          </p:txBody>
+        </p:sp>
+      </p:grpSp>
+      <p:grpSp>
+        <p:nvGrpSpPr>
+          <p:cNvPr id="33" name="Group 32">
+            <a:extLst>
+              <a:ext uri="{FF2B5EF4-FFF2-40B4-BE49-F238E27FC236}">
+                <a16:creationId xmlns:a16="http://schemas.microsoft.com/office/drawing/2014/main" id="{7EA6B11E-25AB-9C95-7D7E-6AEC9168519C}"/>
+              </a:ext>
+            </a:extLst>
+          </p:cNvPr>
+          <p:cNvGrpSpPr/>
+          <p:nvPr/>
+        </p:nvGrpSpPr>
+        <p:grpSpPr>
+          <a:xfrm>
+            <a:off x="4158656" y="1101061"/>
+            <a:ext cx="585417" cy="1560700"/>
+            <a:chOff x="651910" y="2901462"/>
+            <a:chExt cx="585417" cy="1560700"/>
+          </a:xfrm>
+        </p:grpSpPr>
+        <p:cxnSp>
+          <p:nvCxnSpPr>
+            <p:cNvPr id="34" name="Straight Arrow Connector 33">
+              <a:extLst>
+                <a:ext uri="{FF2B5EF4-FFF2-40B4-BE49-F238E27FC236}">
+                  <a16:creationId xmlns:a16="http://schemas.microsoft.com/office/drawing/2014/main" id="{789596B0-E825-49F3-5AC8-0A2629BA4076}"/>
+                </a:ext>
+              </a:extLst>
+            </p:cNvPr>
+            <p:cNvCxnSpPr>
+              <a:cxnSpLocks/>
+            </p:cNvCxnSpPr>
+            <p:nvPr/>
+          </p:nvCxnSpPr>
+          <p:spPr>
+            <a:xfrm flipV="1">
+              <a:off x="838200" y="2901462"/>
+              <a:ext cx="0" cy="1132115"/>
+            </a:xfrm>
+            <a:prstGeom prst="straightConnector1">
+              <a:avLst/>
+            </a:prstGeom>
+            <a:ln>
+              <a:tailEnd type="triangle"/>
+            </a:ln>
+          </p:spPr>
+          <p:style>
+            <a:lnRef idx="1">
+              <a:schemeClr val="accent1"/>
+            </a:lnRef>
+            <a:fillRef idx="0">
+              <a:schemeClr val="accent1"/>
+            </a:fillRef>
+            <a:effectRef idx="0">
+              <a:schemeClr val="accent1"/>
+            </a:effectRef>
+            <a:fontRef idx="minor">
+              <a:schemeClr val="tx1"/>
+            </a:fontRef>
+          </p:style>
+        </p:cxnSp>
+        <p:sp>
+          <p:nvSpPr>
+            <p:cNvPr id="35" name="TextBox 34">
+              <a:extLst>
+                <a:ext uri="{FF2B5EF4-FFF2-40B4-BE49-F238E27FC236}">
+                  <a16:creationId xmlns:a16="http://schemas.microsoft.com/office/drawing/2014/main" id="{D615CCC7-11FE-1065-EFBE-645AE1337E95}"/>
+                </a:ext>
+              </a:extLst>
+            </p:cNvPr>
+            <p:cNvSpPr txBox="1"/>
+            <p:nvPr/>
+          </p:nvSpPr>
+          <p:spPr>
+            <a:xfrm>
+              <a:off x="651910" y="4000497"/>
+              <a:ext cx="585417" cy="461665"/>
+            </a:xfrm>
+            <a:prstGeom prst="rect">
+              <a:avLst/>
+            </a:prstGeom>
+            <a:noFill/>
+          </p:spPr>
+          <p:txBody>
+            <a:bodyPr wrap="none" rtlCol="0">
+              <a:spAutoFit/>
+            </a:bodyPr>
+            <a:lstStyle/>
+            <a:p>
+              <a:r>
+                <a:rPr lang="en-US" sz="2400" dirty="0"/>
+                <a:t>2m</a:t>
+              </a:r>
+            </a:p>
+          </p:txBody>
+        </p:sp>
+      </p:grpSp>
+      <p:grpSp>
+        <p:nvGrpSpPr>
+          <p:cNvPr id="36" name="Group 35">
+            <a:extLst>
+              <a:ext uri="{FF2B5EF4-FFF2-40B4-BE49-F238E27FC236}">
+                <a16:creationId xmlns:a16="http://schemas.microsoft.com/office/drawing/2014/main" id="{B7330AAD-E553-75C0-4117-ABEA6A662234}"/>
+              </a:ext>
+            </a:extLst>
+          </p:cNvPr>
+          <p:cNvGrpSpPr/>
+          <p:nvPr/>
+        </p:nvGrpSpPr>
+        <p:grpSpPr>
+          <a:xfrm>
+            <a:off x="5834746" y="925227"/>
+            <a:ext cx="460382" cy="1560700"/>
+            <a:chOff x="651910" y="2901462"/>
+            <a:chExt cx="460382" cy="1560700"/>
+          </a:xfrm>
+        </p:grpSpPr>
+        <p:cxnSp>
+          <p:nvCxnSpPr>
+            <p:cNvPr id="37" name="Straight Arrow Connector 36">
+              <a:extLst>
+                <a:ext uri="{FF2B5EF4-FFF2-40B4-BE49-F238E27FC236}">
+                  <a16:creationId xmlns:a16="http://schemas.microsoft.com/office/drawing/2014/main" id="{3BE26675-0BE0-083E-5AAC-C35B513B4398}"/>
+                </a:ext>
+              </a:extLst>
+            </p:cNvPr>
+            <p:cNvCxnSpPr>
+              <a:cxnSpLocks/>
+            </p:cNvCxnSpPr>
+            <p:nvPr/>
+          </p:nvCxnSpPr>
+          <p:spPr>
+            <a:xfrm flipV="1">
+              <a:off x="838200" y="2901462"/>
+              <a:ext cx="0" cy="1132115"/>
+            </a:xfrm>
+            <a:prstGeom prst="straightConnector1">
+              <a:avLst/>
+            </a:prstGeom>
+            <a:ln>
+              <a:tailEnd type="triangle"/>
+            </a:ln>
+          </p:spPr>
+          <p:style>
+            <a:lnRef idx="1">
+              <a:schemeClr val="accent1"/>
+            </a:lnRef>
+            <a:fillRef idx="0">
+              <a:schemeClr val="accent1"/>
+            </a:fillRef>
+            <a:effectRef idx="0">
+              <a:schemeClr val="accent1"/>
+            </a:effectRef>
+            <a:fontRef idx="minor">
+              <a:schemeClr val="tx1"/>
+            </a:fontRef>
+          </p:style>
+        </p:cxnSp>
+        <p:sp>
+          <p:nvSpPr>
+            <p:cNvPr id="38" name="TextBox 37">
+              <a:extLst>
+                <a:ext uri="{FF2B5EF4-FFF2-40B4-BE49-F238E27FC236}">
+                  <a16:creationId xmlns:a16="http://schemas.microsoft.com/office/drawing/2014/main" id="{B937D447-8425-34D0-2FDB-124251D72B03}"/>
+                </a:ext>
+              </a:extLst>
+            </p:cNvPr>
+            <p:cNvSpPr txBox="1"/>
+            <p:nvPr/>
+          </p:nvSpPr>
+          <p:spPr>
+            <a:xfrm>
+              <a:off x="651910" y="4000497"/>
+              <a:ext cx="460382" cy="461665"/>
+            </a:xfrm>
+            <a:prstGeom prst="rect">
+              <a:avLst/>
+            </a:prstGeom>
+            <a:noFill/>
+          </p:spPr>
+          <p:txBody>
+            <a:bodyPr wrap="none" rtlCol="0">
+              <a:spAutoFit/>
+            </a:bodyPr>
+            <a:lstStyle/>
+            <a:p>
+              <a:r>
+                <a:rPr lang="en-US" sz="2400" dirty="0"/>
+                <a:t>5s</a:t>
+              </a:r>
+            </a:p>
+          </p:txBody>
+        </p:sp>
+      </p:grpSp>
+      <p:grpSp>
+        <p:nvGrpSpPr>
+          <p:cNvPr id="39" name="Group 38">
+            <a:extLst>
+              <a:ext uri="{FF2B5EF4-FFF2-40B4-BE49-F238E27FC236}">
+                <a16:creationId xmlns:a16="http://schemas.microsoft.com/office/drawing/2014/main" id="{D48E5378-7EDB-6E3E-31C9-07CD3690C9F5}"/>
+              </a:ext>
+            </a:extLst>
+          </p:cNvPr>
+          <p:cNvGrpSpPr/>
+          <p:nvPr/>
+        </p:nvGrpSpPr>
+        <p:grpSpPr>
+          <a:xfrm>
+            <a:off x="7719541" y="1033318"/>
+            <a:ext cx="460382" cy="1560700"/>
+            <a:chOff x="651910" y="2901462"/>
+            <a:chExt cx="460382" cy="1560700"/>
+          </a:xfrm>
+        </p:grpSpPr>
+        <p:cxnSp>
+          <p:nvCxnSpPr>
+            <p:cNvPr id="40" name="Straight Arrow Connector 39">
+              <a:extLst>
+                <a:ext uri="{FF2B5EF4-FFF2-40B4-BE49-F238E27FC236}">
+                  <a16:creationId xmlns:a16="http://schemas.microsoft.com/office/drawing/2014/main" id="{67F264BA-1892-DDB4-C8C5-4E584C519BB2}"/>
+                </a:ext>
+              </a:extLst>
+            </p:cNvPr>
+            <p:cNvCxnSpPr>
+              <a:cxnSpLocks/>
+            </p:cNvCxnSpPr>
+            <p:nvPr/>
+          </p:nvCxnSpPr>
+          <p:spPr>
+            <a:xfrm flipV="1">
+              <a:off x="838200" y="2901462"/>
+              <a:ext cx="0" cy="1132115"/>
+            </a:xfrm>
+            <a:prstGeom prst="straightConnector1">
+              <a:avLst/>
+            </a:prstGeom>
+            <a:ln>
+              <a:tailEnd type="triangle"/>
+            </a:ln>
+          </p:spPr>
+          <p:style>
+            <a:lnRef idx="1">
+              <a:schemeClr val="accent1"/>
+            </a:lnRef>
+            <a:fillRef idx="0">
+              <a:schemeClr val="accent1"/>
+            </a:fillRef>
+            <a:effectRef idx="0">
+              <a:schemeClr val="accent1"/>
+            </a:effectRef>
+            <a:fontRef idx="minor">
+              <a:schemeClr val="tx1"/>
+            </a:fontRef>
+          </p:style>
+        </p:cxnSp>
+        <p:sp>
+          <p:nvSpPr>
+            <p:cNvPr id="41" name="TextBox 40">
+              <a:extLst>
+                <a:ext uri="{FF2B5EF4-FFF2-40B4-BE49-F238E27FC236}">
+                  <a16:creationId xmlns:a16="http://schemas.microsoft.com/office/drawing/2014/main" id="{ACE5C31D-11EB-05FC-740E-14BA0E124B28}"/>
+                </a:ext>
+              </a:extLst>
+            </p:cNvPr>
+            <p:cNvSpPr txBox="1"/>
+            <p:nvPr/>
+          </p:nvSpPr>
+          <p:spPr>
+            <a:xfrm>
+              <a:off x="651910" y="4000497"/>
+              <a:ext cx="460382" cy="461665"/>
+            </a:xfrm>
+            <a:prstGeom prst="rect">
+              <a:avLst/>
+            </a:prstGeom>
+            <a:noFill/>
+          </p:spPr>
+          <p:txBody>
+            <a:bodyPr wrap="none" rtlCol="0">
+              <a:spAutoFit/>
+            </a:bodyPr>
+            <a:lstStyle/>
+            <a:p>
+              <a:r>
+                <a:rPr lang="en-US" sz="2400" dirty="0"/>
+                <a:t>5s</a:t>
+              </a:r>
+            </a:p>
+          </p:txBody>
+        </p:sp>
+      </p:grpSp>
+      <p:grpSp>
+        <p:nvGrpSpPr>
+          <p:cNvPr id="42" name="Group 41">
+            <a:extLst>
+              <a:ext uri="{FF2B5EF4-FFF2-40B4-BE49-F238E27FC236}">
+                <a16:creationId xmlns:a16="http://schemas.microsoft.com/office/drawing/2014/main" id="{EDF701B8-BF1B-DAD7-AD50-41A418FAD2F4}"/>
+              </a:ext>
+            </a:extLst>
+          </p:cNvPr>
+          <p:cNvGrpSpPr/>
+          <p:nvPr/>
+        </p:nvGrpSpPr>
+        <p:grpSpPr>
+          <a:xfrm>
+            <a:off x="9602746" y="1243912"/>
+            <a:ext cx="460382" cy="1560700"/>
+            <a:chOff x="651910" y="2901462"/>
+            <a:chExt cx="460382" cy="1560700"/>
+          </a:xfrm>
+        </p:grpSpPr>
+        <p:cxnSp>
+          <p:nvCxnSpPr>
+            <p:cNvPr id="43" name="Straight Arrow Connector 42">
+              <a:extLst>
+                <a:ext uri="{FF2B5EF4-FFF2-40B4-BE49-F238E27FC236}">
+                  <a16:creationId xmlns:a16="http://schemas.microsoft.com/office/drawing/2014/main" id="{89F29697-73FD-8D53-6A6C-D90786F13A8F}"/>
+                </a:ext>
+              </a:extLst>
+            </p:cNvPr>
+            <p:cNvCxnSpPr>
+              <a:cxnSpLocks/>
+            </p:cNvCxnSpPr>
+            <p:nvPr/>
+          </p:nvCxnSpPr>
+          <p:spPr>
+            <a:xfrm flipV="1">
+              <a:off x="838200" y="2901462"/>
+              <a:ext cx="0" cy="1132115"/>
+            </a:xfrm>
+            <a:prstGeom prst="straightConnector1">
+              <a:avLst/>
+            </a:prstGeom>
+            <a:ln>
+              <a:tailEnd type="triangle"/>
+            </a:ln>
+          </p:spPr>
+          <p:style>
+            <a:lnRef idx="1">
+              <a:schemeClr val="accent1"/>
+            </a:lnRef>
+            <a:fillRef idx="0">
+              <a:schemeClr val="accent1"/>
+            </a:fillRef>
+            <a:effectRef idx="0">
+              <a:schemeClr val="accent1"/>
+            </a:effectRef>
+            <a:fontRef idx="minor">
+              <a:schemeClr val="tx1"/>
+            </a:fontRef>
+          </p:style>
+        </p:cxnSp>
+        <p:sp>
+          <p:nvSpPr>
+            <p:cNvPr id="44" name="TextBox 43">
+              <a:extLst>
+                <a:ext uri="{FF2B5EF4-FFF2-40B4-BE49-F238E27FC236}">
+                  <a16:creationId xmlns:a16="http://schemas.microsoft.com/office/drawing/2014/main" id="{CFAD9D85-67E2-8BE5-44D5-F1A5058C966C}"/>
+                </a:ext>
+              </a:extLst>
+            </p:cNvPr>
+            <p:cNvSpPr txBox="1"/>
+            <p:nvPr/>
+          </p:nvSpPr>
+          <p:spPr>
+            <a:xfrm>
+              <a:off x="651910" y="4000497"/>
+              <a:ext cx="460382" cy="461665"/>
+            </a:xfrm>
+            <a:prstGeom prst="rect">
+              <a:avLst/>
+            </a:prstGeom>
+            <a:noFill/>
+          </p:spPr>
+          <p:txBody>
+            <a:bodyPr wrap="none" rtlCol="0">
+              <a:spAutoFit/>
+            </a:bodyPr>
+            <a:lstStyle/>
+            <a:p>
+              <a:r>
+                <a:rPr lang="en-US" sz="2400" dirty="0"/>
+                <a:t>5s</a:t>
+              </a:r>
+            </a:p>
+          </p:txBody>
+        </p:sp>
+      </p:grpSp>
+      <p:grpSp>
+        <p:nvGrpSpPr>
+          <p:cNvPr id="45" name="Group 44">
+            <a:extLst>
+              <a:ext uri="{FF2B5EF4-FFF2-40B4-BE49-F238E27FC236}">
+                <a16:creationId xmlns:a16="http://schemas.microsoft.com/office/drawing/2014/main" id="{B385AC9E-3A5F-E27A-FD97-EB206512C3B6}"/>
+              </a:ext>
+            </a:extLst>
+          </p:cNvPr>
+          <p:cNvGrpSpPr/>
+          <p:nvPr/>
+        </p:nvGrpSpPr>
+        <p:grpSpPr>
+          <a:xfrm>
+            <a:off x="11393717" y="1020900"/>
+            <a:ext cx="609462" cy="1560700"/>
+            <a:chOff x="651910" y="2901462"/>
+            <a:chExt cx="609462" cy="1560700"/>
+          </a:xfrm>
+        </p:grpSpPr>
+        <p:cxnSp>
+          <p:nvCxnSpPr>
+            <p:cNvPr id="46" name="Straight Arrow Connector 45">
+              <a:extLst>
+                <a:ext uri="{FF2B5EF4-FFF2-40B4-BE49-F238E27FC236}">
+                  <a16:creationId xmlns:a16="http://schemas.microsoft.com/office/drawing/2014/main" id="{C4A02A63-14DC-6F93-BCC8-4F259D5ADCDB}"/>
+                </a:ext>
+              </a:extLst>
+            </p:cNvPr>
+            <p:cNvCxnSpPr>
+              <a:cxnSpLocks/>
+            </p:cNvCxnSpPr>
+            <p:nvPr/>
+          </p:nvCxnSpPr>
+          <p:spPr>
+            <a:xfrm flipV="1">
+              <a:off x="838200" y="2901462"/>
+              <a:ext cx="0" cy="1132115"/>
+            </a:xfrm>
+            <a:prstGeom prst="straightConnector1">
+              <a:avLst/>
+            </a:prstGeom>
+            <a:ln>
+              <a:tailEnd type="triangle"/>
+            </a:ln>
+          </p:spPr>
+          <p:style>
+            <a:lnRef idx="1">
+              <a:schemeClr val="accent1"/>
+            </a:lnRef>
+            <a:fillRef idx="0">
+              <a:schemeClr val="accent1"/>
+            </a:fillRef>
+            <a:effectRef idx="0">
+              <a:schemeClr val="accent1"/>
+            </a:effectRef>
+            <a:fontRef idx="minor">
+              <a:schemeClr val="tx1"/>
+            </a:fontRef>
+          </p:style>
+        </p:cxnSp>
+        <p:sp>
+          <p:nvSpPr>
+            <p:cNvPr id="47" name="TextBox 46">
+              <a:extLst>
+                <a:ext uri="{FF2B5EF4-FFF2-40B4-BE49-F238E27FC236}">
+                  <a16:creationId xmlns:a16="http://schemas.microsoft.com/office/drawing/2014/main" id="{77B825F6-2FD7-529A-8EB4-FA6856974E3A}"/>
+                </a:ext>
+              </a:extLst>
+            </p:cNvPr>
+            <p:cNvSpPr txBox="1"/>
+            <p:nvPr/>
+          </p:nvSpPr>
+          <p:spPr>
+            <a:xfrm>
+              <a:off x="651910" y="4000497"/>
+              <a:ext cx="609462" cy="461665"/>
+            </a:xfrm>
+            <a:prstGeom prst="rect">
+              <a:avLst/>
+            </a:prstGeom>
+            <a:noFill/>
+          </p:spPr>
+          <p:txBody>
+            <a:bodyPr wrap="none" rtlCol="0">
+              <a:spAutoFit/>
+            </a:bodyPr>
+            <a:lstStyle/>
+            <a:p>
+              <a:r>
+                <a:rPr lang="en-US" sz="2400" dirty="0"/>
+                <a:t>1hr</a:t>
+              </a:r>
+            </a:p>
+          </p:txBody>
+        </p:sp>
+      </p:grpSp>
+      <p:cxnSp>
+        <p:nvCxnSpPr>
+          <p:cNvPr id="48" name="Straight Arrow Connector 47">
+            <a:extLst>
+              <a:ext uri="{FF2B5EF4-FFF2-40B4-BE49-F238E27FC236}">
+                <a16:creationId xmlns:a16="http://schemas.microsoft.com/office/drawing/2014/main" id="{5D0A52D5-8B15-DF74-F423-76150F45FB39}"/>
+              </a:ext>
+            </a:extLst>
+          </p:cNvPr>
+          <p:cNvCxnSpPr>
+            <a:cxnSpLocks/>
+          </p:cNvCxnSpPr>
+          <p:nvPr/>
+        </p:nvCxnSpPr>
+        <p:spPr>
+          <a:xfrm>
+            <a:off x="11393717" y="694459"/>
+            <a:ext cx="545002" cy="0"/>
+          </a:xfrm>
+          <a:prstGeom prst="straightConnector1">
+            <a:avLst/>
+          </a:prstGeom>
+          <a:ln w="38100">
+            <a:tailEnd type="triangle"/>
+          </a:ln>
+        </p:spPr>
+        <p:style>
+          <a:lnRef idx="1">
+            <a:schemeClr val="dk1"/>
+          </a:lnRef>
+          <a:fillRef idx="0">
+            <a:schemeClr val="dk1"/>
+          </a:fillRef>
+          <a:effectRef idx="0">
+            <a:schemeClr val="dk1"/>
+          </a:effectRef>
+          <a:fontRef idx="minor">
+            <a:schemeClr val="tx1"/>
+          </a:fontRef>
+        </p:style>
+      </p:cxnSp>
+      <p:cxnSp>
+        <p:nvCxnSpPr>
+          <p:cNvPr id="25" name="Straight Arrow Connector 24">
+            <a:extLst>
+              <a:ext uri="{FF2B5EF4-FFF2-40B4-BE49-F238E27FC236}">
+                <a16:creationId xmlns:a16="http://schemas.microsoft.com/office/drawing/2014/main" id="{47F7A371-6E09-2943-D0B2-8F483AE17481}"/>
+              </a:ext>
+            </a:extLst>
+          </p:cNvPr>
+          <p:cNvCxnSpPr>
+            <a:endCxn id="38" idx="2"/>
+          </p:cNvCxnSpPr>
+          <p:nvPr/>
+        </p:nvCxnSpPr>
+        <p:spPr>
+          <a:xfrm flipH="1" flipV="1">
+            <a:off x="6064937" y="2485927"/>
+            <a:ext cx="31063" cy="1128130"/>
+          </a:xfrm>
+          <a:prstGeom prst="straightConnector1">
+            <a:avLst/>
+          </a:prstGeom>
+          <a:ln>
+            <a:tailEnd type="triangle"/>
+          </a:ln>
+        </p:spPr>
+        <p:style>
+          <a:lnRef idx="1">
+            <a:schemeClr val="accent1"/>
+          </a:lnRef>
+          <a:fillRef idx="0">
+            <a:schemeClr val="accent1"/>
+          </a:fillRef>
+          <a:effectRef idx="0">
+            <a:schemeClr val="accent1"/>
+          </a:effectRef>
+          <a:fontRef idx="minor">
+            <a:schemeClr val="tx1"/>
+          </a:fontRef>
+        </p:style>
+      </p:cxnSp>
+      <p:sp>
+        <p:nvSpPr>
+          <p:cNvPr id="27" name="TextBox 26">
+            <a:extLst>
+              <a:ext uri="{FF2B5EF4-FFF2-40B4-BE49-F238E27FC236}">
+                <a16:creationId xmlns:a16="http://schemas.microsoft.com/office/drawing/2014/main" id="{A3BBDBE8-E3F9-3F2E-E70A-80CEB8CC67D8}"/>
+              </a:ext>
+            </a:extLst>
+          </p:cNvPr>
+          <p:cNvSpPr txBox="1"/>
+          <p:nvPr/>
+        </p:nvSpPr>
+        <p:spPr>
+          <a:xfrm>
+            <a:off x="6416034" y="3049992"/>
+            <a:ext cx="1074781" cy="369332"/>
+          </a:xfrm>
+          <a:prstGeom prst="rect">
+            <a:avLst/>
+          </a:prstGeom>
+          <a:noFill/>
+        </p:spPr>
+        <p:txBody>
+          <a:bodyPr wrap="none" rtlCol="0">
+            <a:spAutoFit/>
+          </a:bodyPr>
+          <a:lstStyle/>
+          <a:p>
+            <a:r>
+              <a:rPr lang="en-US" dirty="0"/>
+              <a:t>subscribe</a:t>
+            </a:r>
+          </a:p>
+        </p:txBody>
+      </p:sp>
+      <p:sp>
+        <p:nvSpPr>
+          <p:cNvPr id="49" name="TextBox 48">
+            <a:extLst>
+              <a:ext uri="{FF2B5EF4-FFF2-40B4-BE49-F238E27FC236}">
+                <a16:creationId xmlns:a16="http://schemas.microsoft.com/office/drawing/2014/main" id="{EEC282C4-A988-8900-EF33-25E167F9765D}"/>
+              </a:ext>
+            </a:extLst>
+          </p:cNvPr>
+          <p:cNvSpPr txBox="1"/>
+          <p:nvPr/>
+        </p:nvSpPr>
+        <p:spPr>
+          <a:xfrm>
+            <a:off x="893348" y="4528457"/>
+            <a:ext cx="10538654" cy="1938992"/>
+          </a:xfrm>
+          <a:prstGeom prst="rect">
+            <a:avLst/>
+          </a:prstGeom>
+          <a:noFill/>
+        </p:spPr>
+        <p:txBody>
+          <a:bodyPr wrap="none" rtlCol="0">
+            <a:spAutoFit/>
+          </a:bodyPr>
+          <a:lstStyle/>
+          <a:p>
+            <a:r>
+              <a:rPr lang="en-US" sz="4000" b="1" dirty="0">
+                <a:solidFill>
+                  <a:schemeClr val="accent6"/>
+                </a:solidFill>
+              </a:rPr>
+              <a:t>next:	 (</a:t>
+            </a:r>
+            <a:r>
+              <a:rPr lang="en-US" sz="4000" b="1" dirty="0" err="1">
+                <a:solidFill>
+                  <a:schemeClr val="accent6"/>
+                </a:solidFill>
+              </a:rPr>
+              <a:t>nextVal</a:t>
+            </a:r>
+            <a:r>
+              <a:rPr lang="en-US" sz="4000" b="1" dirty="0">
+                <a:solidFill>
+                  <a:schemeClr val="accent6"/>
+                </a:solidFill>
+              </a:rPr>
+              <a:t>) =&gt; {// do something with </a:t>
+            </a:r>
+            <a:r>
+              <a:rPr lang="en-US" sz="4000" b="1" dirty="0" err="1">
+                <a:solidFill>
+                  <a:schemeClr val="accent6"/>
+                </a:solidFill>
+              </a:rPr>
+              <a:t>val</a:t>
+            </a:r>
+            <a:r>
+              <a:rPr lang="en-US" sz="4000" b="1" dirty="0">
+                <a:solidFill>
+                  <a:schemeClr val="accent6"/>
+                </a:solidFill>
+              </a:rPr>
+              <a:t>}</a:t>
+            </a:r>
+          </a:p>
+          <a:p>
+            <a:r>
+              <a:rPr lang="en-US" sz="4000" dirty="0"/>
+              <a:t>error: 	(error)	=&gt; {// do something with error},</a:t>
+            </a:r>
+          </a:p>
+          <a:p>
+            <a:r>
+              <a:rPr lang="en-US" sz="4000" dirty="0"/>
+              <a:t>complete: () =&gt;{ do something when finished}</a:t>
+            </a:r>
+          </a:p>
+        </p:txBody>
+      </p:sp>
+      <p:sp>
+        <p:nvSpPr>
+          <p:cNvPr id="50" name="TextBox 49">
+            <a:extLst>
+              <a:ext uri="{FF2B5EF4-FFF2-40B4-BE49-F238E27FC236}">
+                <a16:creationId xmlns:a16="http://schemas.microsoft.com/office/drawing/2014/main" id="{3ADC1872-408A-9C76-1772-1771EB448748}"/>
+              </a:ext>
+            </a:extLst>
+          </p:cNvPr>
+          <p:cNvSpPr txBox="1"/>
+          <p:nvPr/>
+        </p:nvSpPr>
+        <p:spPr>
+          <a:xfrm>
+            <a:off x="203104" y="4572415"/>
+            <a:ext cx="647934" cy="1862048"/>
+          </a:xfrm>
+          <a:prstGeom prst="rect">
+            <a:avLst/>
+          </a:prstGeom>
+          <a:noFill/>
+        </p:spPr>
+        <p:txBody>
+          <a:bodyPr wrap="none" rtlCol="0">
+            <a:spAutoFit/>
+          </a:bodyPr>
+          <a:lstStyle/>
+          <a:p>
+            <a:r>
+              <a:rPr lang="en-US" sz="11500" dirty="0"/>
+              <a:t>{</a:t>
+            </a:r>
+            <a:endParaRPr lang="en-US" dirty="0"/>
+          </a:p>
+        </p:txBody>
+      </p:sp>
+      <p:sp>
+        <p:nvSpPr>
+          <p:cNvPr id="51" name="TextBox 50">
+            <a:extLst>
+              <a:ext uri="{FF2B5EF4-FFF2-40B4-BE49-F238E27FC236}">
+                <a16:creationId xmlns:a16="http://schemas.microsoft.com/office/drawing/2014/main" id="{19489977-B898-3E9B-BC6A-76FFC1DB3B69}"/>
+              </a:ext>
+            </a:extLst>
+          </p:cNvPr>
+          <p:cNvSpPr txBox="1"/>
+          <p:nvPr/>
+        </p:nvSpPr>
+        <p:spPr>
+          <a:xfrm rot="10800000">
+            <a:off x="11256040" y="4553549"/>
+            <a:ext cx="647934" cy="1862048"/>
+          </a:xfrm>
+          <a:prstGeom prst="rect">
+            <a:avLst/>
+          </a:prstGeom>
+          <a:noFill/>
+        </p:spPr>
+        <p:txBody>
+          <a:bodyPr wrap="none" rtlCol="0">
+            <a:spAutoFit/>
+          </a:bodyPr>
+          <a:lstStyle/>
+          <a:p>
+            <a:r>
+              <a:rPr lang="en-US" sz="11500" dirty="0"/>
+              <a:t>{</a:t>
+            </a:r>
+            <a:endParaRPr lang="en-US" dirty="0"/>
+          </a:p>
+        </p:txBody>
+      </p:sp>
+    </p:spTree>
+    <p:extLst>
+      <p:ext uri="{BB962C8B-B14F-4D97-AF65-F5344CB8AC3E}">
+        <p14:creationId xmlns:p14="http://schemas.microsoft.com/office/powerpoint/2010/main" val="3731372083"/>
+      </p:ext>
+    </p:extLst>
+  </p:cSld>
+  <p:clrMapOvr>
+    <a:masterClrMapping/>
+  </p:clrMapOvr>
+</p:sld>
+</file>
+
+<file path=ppt/slides/slide19.xml><?xml version="1.0" encoding="utf-8"?>
+<p:sld xmlns:a="http://schemas.openxmlformats.org/drawingml/2006/main" xmlns:r="http://schemas.openxmlformats.org/officeDocument/2006/relationships" xmlns:p="http://schemas.openxmlformats.org/presentationml/2006/main">
+  <p:cSld>
+    <p:spTree>
+      <p:nvGrpSpPr>
+        <p:cNvPr id="1" name=""/>
+        <p:cNvGrpSpPr/>
+        <p:nvPr/>
+      </p:nvGrpSpPr>
+      <p:grpSpPr>
+        <a:xfrm>
+          <a:off x="0" y="0"/>
+          <a:ext cx="0" cy="0"/>
+          <a:chOff x="0" y="0"/>
+          <a:chExt cx="0" cy="0"/>
+        </a:xfrm>
+      </p:grpSpPr>
+      <p:grpSp>
+        <p:nvGrpSpPr>
+          <p:cNvPr id="24" name="Group 23">
+            <a:extLst>
+              <a:ext uri="{FF2B5EF4-FFF2-40B4-BE49-F238E27FC236}">
+                <a16:creationId xmlns:a16="http://schemas.microsoft.com/office/drawing/2014/main" id="{D9A94F3D-B001-DDB6-FA72-BDF699ECFE4F}"/>
+              </a:ext>
+            </a:extLst>
+          </p:cNvPr>
+          <p:cNvGrpSpPr/>
+          <p:nvPr/>
+        </p:nvGrpSpPr>
+        <p:grpSpPr>
+          <a:xfrm>
+            <a:off x="348346" y="166921"/>
+            <a:ext cx="11045371" cy="1142993"/>
+            <a:chOff x="609600" y="2286007"/>
+            <a:chExt cx="13237032" cy="1320785"/>
+          </a:xfrm>
+        </p:grpSpPr>
+        <p:grpSp>
+          <p:nvGrpSpPr>
+            <p:cNvPr id="8" name="Group 7">
+              <a:extLst>
+                <a:ext uri="{FF2B5EF4-FFF2-40B4-BE49-F238E27FC236}">
+                  <a16:creationId xmlns:a16="http://schemas.microsoft.com/office/drawing/2014/main" id="{05146E17-9539-F482-46DB-DE996D54CD4A}"/>
+                </a:ext>
+              </a:extLst>
+            </p:cNvPr>
+            <p:cNvGrpSpPr/>
+            <p:nvPr/>
+          </p:nvGrpSpPr>
+          <p:grpSpPr>
+            <a:xfrm>
+              <a:off x="609600" y="2336803"/>
+              <a:ext cx="2206172" cy="1219193"/>
+              <a:chOff x="609600" y="2336803"/>
+              <a:chExt cx="2206172" cy="1219193"/>
+            </a:xfrm>
+          </p:grpSpPr>
+          <p:cxnSp>
+            <p:nvCxnSpPr>
+              <p:cNvPr id="5" name="Straight Arrow Connector 4">
+                <a:extLst>
+                  <a:ext uri="{FF2B5EF4-FFF2-40B4-BE49-F238E27FC236}">
+                    <a16:creationId xmlns:a16="http://schemas.microsoft.com/office/drawing/2014/main" id="{0E6E7C38-1049-C44B-CE58-9CEF30C7B269}"/>
+                  </a:ext>
+                </a:extLst>
+              </p:cNvPr>
+              <p:cNvCxnSpPr>
+                <a:cxnSpLocks/>
+              </p:cNvCxnSpPr>
+              <p:nvPr/>
+            </p:nvCxnSpPr>
+            <p:spPr>
+              <a:xfrm>
+                <a:off x="609600" y="2946400"/>
+                <a:ext cx="653143" cy="0"/>
+              </a:xfrm>
+              <a:prstGeom prst="straightConnector1">
+                <a:avLst/>
+              </a:prstGeom>
+              <a:ln w="38100">
+                <a:tailEnd type="triangle"/>
+              </a:ln>
+            </p:spPr>
+            <p:style>
+              <a:lnRef idx="1">
+                <a:schemeClr val="dk1"/>
+              </a:lnRef>
+              <a:fillRef idx="0">
+                <a:schemeClr val="dk1"/>
+              </a:fillRef>
+              <a:effectRef idx="0">
+                <a:schemeClr val="dk1"/>
+              </a:effectRef>
+              <a:fontRef idx="minor">
+                <a:schemeClr val="tx1"/>
+              </a:fontRef>
+            </p:style>
+          </p:cxnSp>
+          <p:sp>
+            <p:nvSpPr>
+              <p:cNvPr id="6" name="Oval 5">
+                <a:extLst>
+                  <a:ext uri="{FF2B5EF4-FFF2-40B4-BE49-F238E27FC236}">
+                    <a16:creationId xmlns:a16="http://schemas.microsoft.com/office/drawing/2014/main" id="{6540995B-131E-66BA-7ED0-16E0A448BC96}"/>
+                  </a:ext>
+                </a:extLst>
+              </p:cNvPr>
+              <p:cNvSpPr/>
+              <p:nvPr/>
+            </p:nvSpPr>
+            <p:spPr>
+              <a:xfrm>
+                <a:off x="1262743" y="2336803"/>
+                <a:ext cx="1553029" cy="1219193"/>
+              </a:xfrm>
+              <a:prstGeom prst="ellipse">
+                <a:avLst/>
+              </a:prstGeom>
+              <a:solidFill>
+                <a:schemeClr val="accent6"/>
+              </a:solidFill>
+              <a:ln w="38100">
+                <a:solidFill>
+                  <a:schemeClr val="tx1"/>
+                </a:solidFill>
+              </a:ln>
+            </p:spPr>
+            <p:style>
+              <a:lnRef idx="2">
+                <a:schemeClr val="accent1">
+                  <a:shade val="15000"/>
+                </a:schemeClr>
+              </a:lnRef>
+              <a:fillRef idx="1">
+                <a:schemeClr val="accent1"/>
+              </a:fillRef>
+              <a:effectRef idx="0">
+                <a:schemeClr val="accent1"/>
+              </a:effectRef>
+              <a:fontRef idx="minor">
+                <a:schemeClr val="lt1"/>
+              </a:fontRef>
+            </p:style>
+            <p:txBody>
+              <a:bodyPr rtlCol="0" anchor="ctr"/>
+              <a:lstStyle/>
+              <a:p>
+                <a:pPr algn="ctr"/>
+                <a:endParaRPr lang="en-US"/>
+              </a:p>
+            </p:txBody>
+          </p:sp>
+        </p:grpSp>
+        <p:grpSp>
+          <p:nvGrpSpPr>
+            <p:cNvPr id="9" name="Group 8">
+              <a:extLst>
+                <a:ext uri="{FF2B5EF4-FFF2-40B4-BE49-F238E27FC236}">
+                  <a16:creationId xmlns:a16="http://schemas.microsoft.com/office/drawing/2014/main" id="{2BC8E9B1-26A1-738D-399A-F8A0E608EC60}"/>
+                </a:ext>
+              </a:extLst>
+            </p:cNvPr>
+            <p:cNvGrpSpPr/>
+            <p:nvPr/>
+          </p:nvGrpSpPr>
+          <p:grpSpPr>
+            <a:xfrm>
+              <a:off x="2815772" y="2387599"/>
+              <a:ext cx="2206172" cy="1219193"/>
+              <a:chOff x="609600" y="2336803"/>
+              <a:chExt cx="2206172" cy="1219193"/>
+            </a:xfrm>
+          </p:grpSpPr>
+          <p:cxnSp>
+            <p:nvCxnSpPr>
+              <p:cNvPr id="10" name="Straight Arrow Connector 9">
+                <a:extLst>
+                  <a:ext uri="{FF2B5EF4-FFF2-40B4-BE49-F238E27FC236}">
+                    <a16:creationId xmlns:a16="http://schemas.microsoft.com/office/drawing/2014/main" id="{F91A94BB-B98B-993F-0697-7E05597D4005}"/>
+                  </a:ext>
+                </a:extLst>
+              </p:cNvPr>
+              <p:cNvCxnSpPr>
+                <a:cxnSpLocks/>
+              </p:cNvCxnSpPr>
+              <p:nvPr/>
+            </p:nvCxnSpPr>
+            <p:spPr>
+              <a:xfrm>
+                <a:off x="609600" y="2946400"/>
+                <a:ext cx="653143" cy="0"/>
+              </a:xfrm>
+              <a:prstGeom prst="straightConnector1">
+                <a:avLst/>
+              </a:prstGeom>
+              <a:ln w="38100">
+                <a:tailEnd type="triangle"/>
+              </a:ln>
+            </p:spPr>
+            <p:style>
+              <a:lnRef idx="1">
+                <a:schemeClr val="dk1"/>
+              </a:lnRef>
+              <a:fillRef idx="0">
+                <a:schemeClr val="dk1"/>
+              </a:fillRef>
+              <a:effectRef idx="0">
+                <a:schemeClr val="dk1"/>
+              </a:effectRef>
+              <a:fontRef idx="minor">
+                <a:schemeClr val="tx1"/>
+              </a:fontRef>
+            </p:style>
+          </p:cxnSp>
+          <p:sp>
+            <p:nvSpPr>
+              <p:cNvPr id="11" name="Oval 10">
+                <a:extLst>
+                  <a:ext uri="{FF2B5EF4-FFF2-40B4-BE49-F238E27FC236}">
+                    <a16:creationId xmlns:a16="http://schemas.microsoft.com/office/drawing/2014/main" id="{0DCC9603-887C-D4F2-0B56-166892591F70}"/>
+                  </a:ext>
+                </a:extLst>
+              </p:cNvPr>
+              <p:cNvSpPr/>
+              <p:nvPr/>
+            </p:nvSpPr>
+            <p:spPr>
+              <a:xfrm>
+                <a:off x="1262743" y="2336803"/>
+                <a:ext cx="1553029" cy="1219193"/>
+              </a:xfrm>
+              <a:prstGeom prst="ellipse">
+                <a:avLst/>
+              </a:prstGeom>
+              <a:solidFill>
+                <a:schemeClr val="accent6"/>
+              </a:solidFill>
+              <a:ln w="38100">
+                <a:solidFill>
+                  <a:schemeClr val="tx1"/>
+                </a:solidFill>
+              </a:ln>
+            </p:spPr>
+            <p:style>
+              <a:lnRef idx="2">
+                <a:schemeClr val="accent1">
+                  <a:shade val="15000"/>
+                </a:schemeClr>
+              </a:lnRef>
+              <a:fillRef idx="1">
+                <a:schemeClr val="accent1"/>
+              </a:fillRef>
+              <a:effectRef idx="0">
+                <a:schemeClr val="accent1"/>
+              </a:effectRef>
+              <a:fontRef idx="minor">
+                <a:schemeClr val="lt1"/>
+              </a:fontRef>
+            </p:style>
+            <p:txBody>
+              <a:bodyPr rtlCol="0" anchor="ctr"/>
+              <a:lstStyle/>
+              <a:p>
+                <a:pPr algn="ctr"/>
+                <a:endParaRPr lang="en-US"/>
+              </a:p>
+            </p:txBody>
+          </p:sp>
+        </p:grpSp>
+        <p:grpSp>
+          <p:nvGrpSpPr>
+            <p:cNvPr id="12" name="Group 11">
+              <a:extLst>
+                <a:ext uri="{FF2B5EF4-FFF2-40B4-BE49-F238E27FC236}">
+                  <a16:creationId xmlns:a16="http://schemas.microsoft.com/office/drawing/2014/main" id="{A4A14245-179A-BAB0-12FA-1B07D64870E6}"/>
+                </a:ext>
+              </a:extLst>
+            </p:cNvPr>
+            <p:cNvGrpSpPr/>
+            <p:nvPr/>
+          </p:nvGrpSpPr>
+          <p:grpSpPr>
+            <a:xfrm>
+              <a:off x="5021944" y="2336803"/>
+              <a:ext cx="2206172" cy="1219193"/>
+              <a:chOff x="609600" y="2336803"/>
+              <a:chExt cx="2206172" cy="1219193"/>
+            </a:xfrm>
+          </p:grpSpPr>
+          <p:cxnSp>
+            <p:nvCxnSpPr>
+              <p:cNvPr id="13" name="Straight Arrow Connector 12">
+                <a:extLst>
+                  <a:ext uri="{FF2B5EF4-FFF2-40B4-BE49-F238E27FC236}">
+                    <a16:creationId xmlns:a16="http://schemas.microsoft.com/office/drawing/2014/main" id="{472637F8-DF98-EC51-DEB6-3D3A18DF50C4}"/>
+                  </a:ext>
+                </a:extLst>
+              </p:cNvPr>
+              <p:cNvCxnSpPr>
+                <a:cxnSpLocks/>
+              </p:cNvCxnSpPr>
+              <p:nvPr/>
+            </p:nvCxnSpPr>
+            <p:spPr>
+              <a:xfrm>
+                <a:off x="609600" y="2946400"/>
+                <a:ext cx="653143" cy="0"/>
+              </a:xfrm>
+              <a:prstGeom prst="straightConnector1">
+                <a:avLst/>
+              </a:prstGeom>
+              <a:ln w="38100">
+                <a:tailEnd type="triangle"/>
+              </a:ln>
+            </p:spPr>
+            <p:style>
+              <a:lnRef idx="1">
+                <a:schemeClr val="dk1"/>
+              </a:lnRef>
+              <a:fillRef idx="0">
+                <a:schemeClr val="dk1"/>
+              </a:fillRef>
+              <a:effectRef idx="0">
+                <a:schemeClr val="dk1"/>
+              </a:effectRef>
+              <a:fontRef idx="minor">
+                <a:schemeClr val="tx1"/>
+              </a:fontRef>
+            </p:style>
+          </p:cxnSp>
+          <p:sp>
+            <p:nvSpPr>
+              <p:cNvPr id="14" name="Oval 13">
+                <a:extLst>
+                  <a:ext uri="{FF2B5EF4-FFF2-40B4-BE49-F238E27FC236}">
+                    <a16:creationId xmlns:a16="http://schemas.microsoft.com/office/drawing/2014/main" id="{1BB49EBE-7D4F-00E9-DFBD-E7CE04AF8AFC}"/>
+                  </a:ext>
+                </a:extLst>
+              </p:cNvPr>
+              <p:cNvSpPr/>
+              <p:nvPr/>
+            </p:nvSpPr>
+            <p:spPr>
+              <a:xfrm>
+                <a:off x="1262743" y="2336803"/>
+                <a:ext cx="1553029" cy="1219193"/>
+              </a:xfrm>
+              <a:prstGeom prst="ellipse">
+                <a:avLst/>
+              </a:prstGeom>
+              <a:solidFill>
+                <a:schemeClr val="accent6"/>
+              </a:solidFill>
+              <a:ln w="38100">
+                <a:solidFill>
+                  <a:schemeClr val="tx1"/>
+                </a:solidFill>
+              </a:ln>
+            </p:spPr>
+            <p:style>
+              <a:lnRef idx="2">
+                <a:schemeClr val="accent1">
+                  <a:shade val="15000"/>
+                </a:schemeClr>
+              </a:lnRef>
+              <a:fillRef idx="1">
+                <a:schemeClr val="accent1"/>
+              </a:fillRef>
+              <a:effectRef idx="0">
+                <a:schemeClr val="accent1"/>
+              </a:effectRef>
+              <a:fontRef idx="minor">
+                <a:schemeClr val="lt1"/>
+              </a:fontRef>
+            </p:style>
+            <p:txBody>
+              <a:bodyPr rtlCol="0" anchor="ctr"/>
+              <a:lstStyle/>
+              <a:p>
+                <a:pPr algn="ctr"/>
+                <a:endParaRPr lang="en-US"/>
+              </a:p>
+            </p:txBody>
+          </p:sp>
+        </p:grpSp>
+        <p:grpSp>
+          <p:nvGrpSpPr>
+            <p:cNvPr id="15" name="Group 14">
+              <a:extLst>
+                <a:ext uri="{FF2B5EF4-FFF2-40B4-BE49-F238E27FC236}">
+                  <a16:creationId xmlns:a16="http://schemas.microsoft.com/office/drawing/2014/main" id="{0D577487-351A-B4F0-BE9C-07BE3D083391}"/>
+                </a:ext>
+              </a:extLst>
+            </p:cNvPr>
+            <p:cNvGrpSpPr/>
+            <p:nvPr/>
+          </p:nvGrpSpPr>
+          <p:grpSpPr>
+            <a:xfrm>
+              <a:off x="7228116" y="2286007"/>
+              <a:ext cx="2206172" cy="1219193"/>
+              <a:chOff x="609600" y="2336803"/>
+              <a:chExt cx="2206172" cy="1219193"/>
+            </a:xfrm>
+          </p:grpSpPr>
+          <p:cxnSp>
+            <p:nvCxnSpPr>
+              <p:cNvPr id="16" name="Straight Arrow Connector 15">
+                <a:extLst>
+                  <a:ext uri="{FF2B5EF4-FFF2-40B4-BE49-F238E27FC236}">
+                    <a16:creationId xmlns:a16="http://schemas.microsoft.com/office/drawing/2014/main" id="{C16FBFAA-82FB-B6DE-FFB0-57BF5B09BBAC}"/>
+                  </a:ext>
+                </a:extLst>
+              </p:cNvPr>
+              <p:cNvCxnSpPr>
+                <a:cxnSpLocks/>
+              </p:cNvCxnSpPr>
+              <p:nvPr/>
+            </p:nvCxnSpPr>
+            <p:spPr>
+              <a:xfrm>
+                <a:off x="609600" y="2946400"/>
+                <a:ext cx="653143" cy="0"/>
+              </a:xfrm>
+              <a:prstGeom prst="straightConnector1">
+                <a:avLst/>
+              </a:prstGeom>
+              <a:ln w="38100">
+                <a:tailEnd type="triangle"/>
+              </a:ln>
+            </p:spPr>
+            <p:style>
+              <a:lnRef idx="1">
+                <a:schemeClr val="dk1"/>
+              </a:lnRef>
+              <a:fillRef idx="0">
+                <a:schemeClr val="dk1"/>
+              </a:fillRef>
+              <a:effectRef idx="0">
+                <a:schemeClr val="dk1"/>
+              </a:effectRef>
+              <a:fontRef idx="minor">
+                <a:schemeClr val="tx1"/>
+              </a:fontRef>
+            </p:style>
+          </p:cxnSp>
+          <p:sp>
+            <p:nvSpPr>
+              <p:cNvPr id="17" name="Oval 16">
+                <a:extLst>
+                  <a:ext uri="{FF2B5EF4-FFF2-40B4-BE49-F238E27FC236}">
+                    <a16:creationId xmlns:a16="http://schemas.microsoft.com/office/drawing/2014/main" id="{15316F59-FB05-DDF9-6073-4EAF5F72AD93}"/>
+                  </a:ext>
+                </a:extLst>
+              </p:cNvPr>
+              <p:cNvSpPr/>
+              <p:nvPr/>
+            </p:nvSpPr>
+            <p:spPr>
+              <a:xfrm>
+                <a:off x="1262743" y="2336803"/>
+                <a:ext cx="1553029" cy="1219193"/>
+              </a:xfrm>
+              <a:prstGeom prst="ellipse">
+                <a:avLst/>
+              </a:prstGeom>
+              <a:solidFill>
+                <a:schemeClr val="accent6"/>
+              </a:solidFill>
+              <a:ln w="38100">
+                <a:solidFill>
+                  <a:schemeClr val="tx1"/>
+                </a:solidFill>
+              </a:ln>
+            </p:spPr>
+            <p:style>
+              <a:lnRef idx="2">
+                <a:schemeClr val="accent1">
+                  <a:shade val="15000"/>
+                </a:schemeClr>
+              </a:lnRef>
+              <a:fillRef idx="1">
+                <a:schemeClr val="accent1"/>
+              </a:fillRef>
+              <a:effectRef idx="0">
+                <a:schemeClr val="accent1"/>
+              </a:effectRef>
+              <a:fontRef idx="minor">
+                <a:schemeClr val="lt1"/>
+              </a:fontRef>
+            </p:style>
+            <p:txBody>
+              <a:bodyPr rtlCol="0" anchor="ctr"/>
+              <a:lstStyle/>
+              <a:p>
+                <a:pPr algn="ctr"/>
+                <a:endParaRPr lang="en-US"/>
+              </a:p>
+            </p:txBody>
+          </p:sp>
+        </p:grpSp>
+        <p:grpSp>
+          <p:nvGrpSpPr>
+            <p:cNvPr id="18" name="Group 17">
+              <a:extLst>
+                <a:ext uri="{FF2B5EF4-FFF2-40B4-BE49-F238E27FC236}">
+                  <a16:creationId xmlns:a16="http://schemas.microsoft.com/office/drawing/2014/main" id="{B8C5B0ED-D22C-BC92-9FF7-D1F13A1A72CB}"/>
+                </a:ext>
+              </a:extLst>
+            </p:cNvPr>
+            <p:cNvGrpSpPr/>
+            <p:nvPr/>
+          </p:nvGrpSpPr>
+          <p:grpSpPr>
+            <a:xfrm>
+              <a:off x="9434288" y="2336803"/>
+              <a:ext cx="2206172" cy="1219193"/>
+              <a:chOff x="609600" y="2336803"/>
+              <a:chExt cx="2206172" cy="1219193"/>
+            </a:xfrm>
+          </p:grpSpPr>
+          <p:cxnSp>
+            <p:nvCxnSpPr>
+              <p:cNvPr id="19" name="Straight Arrow Connector 18">
+                <a:extLst>
+                  <a:ext uri="{FF2B5EF4-FFF2-40B4-BE49-F238E27FC236}">
+                    <a16:creationId xmlns:a16="http://schemas.microsoft.com/office/drawing/2014/main" id="{BCC7D9ED-EA14-34DF-2A7E-0005773960FF}"/>
+                  </a:ext>
+                </a:extLst>
+              </p:cNvPr>
+              <p:cNvCxnSpPr>
+                <a:cxnSpLocks/>
+              </p:cNvCxnSpPr>
+              <p:nvPr/>
+            </p:nvCxnSpPr>
+            <p:spPr>
+              <a:xfrm>
+                <a:off x="609600" y="2946400"/>
+                <a:ext cx="653143" cy="0"/>
+              </a:xfrm>
+              <a:prstGeom prst="straightConnector1">
+                <a:avLst/>
+              </a:prstGeom>
+              <a:ln w="38100">
+                <a:tailEnd type="triangle"/>
+              </a:ln>
+            </p:spPr>
+            <p:style>
+              <a:lnRef idx="1">
+                <a:schemeClr val="dk1"/>
+              </a:lnRef>
+              <a:fillRef idx="0">
+                <a:schemeClr val="dk1"/>
+              </a:fillRef>
+              <a:effectRef idx="0">
+                <a:schemeClr val="dk1"/>
+              </a:effectRef>
+              <a:fontRef idx="minor">
+                <a:schemeClr val="tx1"/>
+              </a:fontRef>
+            </p:style>
+          </p:cxnSp>
+          <p:sp>
+            <p:nvSpPr>
+              <p:cNvPr id="20" name="Oval 19">
+                <a:extLst>
+                  <a:ext uri="{FF2B5EF4-FFF2-40B4-BE49-F238E27FC236}">
+                    <a16:creationId xmlns:a16="http://schemas.microsoft.com/office/drawing/2014/main" id="{1451E793-8F64-AE17-5E78-89F29B1EF1C3}"/>
+                  </a:ext>
+                </a:extLst>
+              </p:cNvPr>
+              <p:cNvSpPr/>
+              <p:nvPr/>
+            </p:nvSpPr>
+            <p:spPr>
+              <a:xfrm>
+                <a:off x="1262743" y="2336803"/>
+                <a:ext cx="1553029" cy="1219193"/>
+              </a:xfrm>
+              <a:prstGeom prst="ellipse">
+                <a:avLst/>
+              </a:prstGeom>
+              <a:solidFill>
+                <a:schemeClr val="accent6"/>
+              </a:solidFill>
+              <a:ln w="38100">
+                <a:solidFill>
+                  <a:schemeClr val="tx1"/>
+                </a:solidFill>
+              </a:ln>
+            </p:spPr>
+            <p:style>
+              <a:lnRef idx="2">
+                <a:schemeClr val="accent1">
+                  <a:shade val="15000"/>
+                </a:schemeClr>
+              </a:lnRef>
+              <a:fillRef idx="1">
+                <a:schemeClr val="accent1"/>
+              </a:fillRef>
+              <a:effectRef idx="0">
+                <a:schemeClr val="accent1"/>
+              </a:effectRef>
+              <a:fontRef idx="minor">
+                <a:schemeClr val="lt1"/>
+              </a:fontRef>
+            </p:style>
+            <p:txBody>
+              <a:bodyPr rtlCol="0" anchor="ctr"/>
+              <a:lstStyle/>
+              <a:p>
+                <a:pPr algn="ctr"/>
+                <a:endParaRPr lang="en-US"/>
+              </a:p>
+            </p:txBody>
+          </p:sp>
+        </p:grpSp>
+        <p:grpSp>
+          <p:nvGrpSpPr>
+            <p:cNvPr id="21" name="Group 20">
+              <a:extLst>
+                <a:ext uri="{FF2B5EF4-FFF2-40B4-BE49-F238E27FC236}">
+                  <a16:creationId xmlns:a16="http://schemas.microsoft.com/office/drawing/2014/main" id="{8F0FD0EB-B364-C808-6677-4B480F0D1270}"/>
+                </a:ext>
+              </a:extLst>
+            </p:cNvPr>
+            <p:cNvGrpSpPr/>
+            <p:nvPr/>
+          </p:nvGrpSpPr>
+          <p:grpSpPr>
+            <a:xfrm>
+              <a:off x="11640460" y="2286007"/>
+              <a:ext cx="2206172" cy="1219193"/>
+              <a:chOff x="609600" y="2336803"/>
+              <a:chExt cx="2206172" cy="1219193"/>
+            </a:xfrm>
+          </p:grpSpPr>
+          <p:cxnSp>
+            <p:nvCxnSpPr>
+              <p:cNvPr id="22" name="Straight Arrow Connector 21">
+                <a:extLst>
+                  <a:ext uri="{FF2B5EF4-FFF2-40B4-BE49-F238E27FC236}">
+                    <a16:creationId xmlns:a16="http://schemas.microsoft.com/office/drawing/2014/main" id="{C4C2ED35-B319-32D8-B2D4-E4562AA7F885}"/>
+                  </a:ext>
+                </a:extLst>
+              </p:cNvPr>
+              <p:cNvCxnSpPr>
+                <a:cxnSpLocks/>
+              </p:cNvCxnSpPr>
+              <p:nvPr/>
+            </p:nvCxnSpPr>
+            <p:spPr>
+              <a:xfrm>
+                <a:off x="609600" y="2946400"/>
+                <a:ext cx="653143" cy="0"/>
+              </a:xfrm>
+              <a:prstGeom prst="straightConnector1">
+                <a:avLst/>
+              </a:prstGeom>
+              <a:ln w="38100">
+                <a:tailEnd type="triangle"/>
+              </a:ln>
+            </p:spPr>
+            <p:style>
+              <a:lnRef idx="1">
+                <a:schemeClr val="dk1"/>
+              </a:lnRef>
+              <a:fillRef idx="0">
+                <a:schemeClr val="dk1"/>
+              </a:fillRef>
+              <a:effectRef idx="0">
+                <a:schemeClr val="dk1"/>
+              </a:effectRef>
+              <a:fontRef idx="minor">
+                <a:schemeClr val="tx1"/>
+              </a:fontRef>
+            </p:style>
+          </p:cxnSp>
+          <p:sp>
+            <p:nvSpPr>
+              <p:cNvPr id="23" name="Oval 22">
+                <a:extLst>
+                  <a:ext uri="{FF2B5EF4-FFF2-40B4-BE49-F238E27FC236}">
+                    <a16:creationId xmlns:a16="http://schemas.microsoft.com/office/drawing/2014/main" id="{F08A3444-BBBE-6DB5-832F-37D977BE1FFE}"/>
+                  </a:ext>
+                </a:extLst>
+              </p:cNvPr>
+              <p:cNvSpPr/>
+              <p:nvPr/>
+            </p:nvSpPr>
+            <p:spPr>
+              <a:xfrm>
+                <a:off x="1262743" y="2336803"/>
+                <a:ext cx="1553029" cy="1219193"/>
+              </a:xfrm>
+              <a:prstGeom prst="ellipse">
+                <a:avLst/>
+              </a:prstGeom>
+              <a:solidFill>
+                <a:schemeClr val="accent6"/>
+              </a:solidFill>
+              <a:ln w="38100">
+                <a:solidFill>
+                  <a:schemeClr val="tx1"/>
+                </a:solidFill>
+              </a:ln>
+            </p:spPr>
+            <p:style>
+              <a:lnRef idx="2">
+                <a:schemeClr val="accent1">
+                  <a:shade val="15000"/>
+                </a:schemeClr>
+              </a:lnRef>
+              <a:fillRef idx="1">
+                <a:schemeClr val="accent1"/>
+              </a:fillRef>
+              <a:effectRef idx="0">
+                <a:schemeClr val="accent1"/>
+              </a:effectRef>
+              <a:fontRef idx="minor">
+                <a:schemeClr val="lt1"/>
+              </a:fontRef>
+            </p:style>
+            <p:txBody>
+              <a:bodyPr rtlCol="0" anchor="ctr"/>
+              <a:lstStyle/>
+              <a:p>
+                <a:pPr algn="ctr"/>
+                <a:endParaRPr lang="en-US"/>
+              </a:p>
+            </p:txBody>
+          </p:sp>
+        </p:grpSp>
+      </p:grpSp>
+      <p:grpSp>
+        <p:nvGrpSpPr>
+          <p:cNvPr id="29" name="Group 28">
+            <a:extLst>
+              <a:ext uri="{FF2B5EF4-FFF2-40B4-BE49-F238E27FC236}">
+                <a16:creationId xmlns:a16="http://schemas.microsoft.com/office/drawing/2014/main" id="{F0B84065-1C5A-06E0-A88A-E5DB07FA0E74}"/>
+              </a:ext>
+            </a:extLst>
+          </p:cNvPr>
+          <p:cNvGrpSpPr/>
+          <p:nvPr/>
+        </p:nvGrpSpPr>
+        <p:grpSpPr>
+          <a:xfrm>
+            <a:off x="390656" y="782376"/>
+            <a:ext cx="460382" cy="1560700"/>
+            <a:chOff x="651910" y="2901462"/>
+            <a:chExt cx="460382" cy="1560700"/>
+          </a:xfrm>
+        </p:grpSpPr>
+        <p:cxnSp>
+          <p:nvCxnSpPr>
+            <p:cNvPr id="26" name="Straight Arrow Connector 25">
+              <a:extLst>
+                <a:ext uri="{FF2B5EF4-FFF2-40B4-BE49-F238E27FC236}">
+                  <a16:creationId xmlns:a16="http://schemas.microsoft.com/office/drawing/2014/main" id="{3DFA143B-2722-EB14-C580-0AF82E30F19E}"/>
+                </a:ext>
+              </a:extLst>
+            </p:cNvPr>
+            <p:cNvCxnSpPr>
+              <a:cxnSpLocks/>
+            </p:cNvCxnSpPr>
+            <p:nvPr/>
+          </p:nvCxnSpPr>
+          <p:spPr>
+            <a:xfrm flipV="1">
+              <a:off x="838200" y="2901462"/>
+              <a:ext cx="0" cy="1132115"/>
+            </a:xfrm>
+            <a:prstGeom prst="straightConnector1">
+              <a:avLst/>
+            </a:prstGeom>
+            <a:ln>
+              <a:tailEnd type="triangle"/>
+            </a:ln>
+          </p:spPr>
+          <p:style>
+            <a:lnRef idx="1">
+              <a:schemeClr val="accent1"/>
+            </a:lnRef>
+            <a:fillRef idx="0">
+              <a:schemeClr val="accent1"/>
+            </a:fillRef>
+            <a:effectRef idx="0">
+              <a:schemeClr val="accent1"/>
+            </a:effectRef>
+            <a:fontRef idx="minor">
+              <a:schemeClr val="tx1"/>
+            </a:fontRef>
+          </p:style>
+        </p:cxnSp>
+        <p:sp>
+          <p:nvSpPr>
+            <p:cNvPr id="28" name="TextBox 27">
+              <a:extLst>
+                <a:ext uri="{FF2B5EF4-FFF2-40B4-BE49-F238E27FC236}">
+                  <a16:creationId xmlns:a16="http://schemas.microsoft.com/office/drawing/2014/main" id="{C80CD9ED-E4F3-BF35-87DC-C1A5D1D3D5B6}"/>
+                </a:ext>
+              </a:extLst>
+            </p:cNvPr>
+            <p:cNvSpPr txBox="1"/>
+            <p:nvPr/>
+          </p:nvSpPr>
+          <p:spPr>
+            <a:xfrm>
+              <a:off x="651910" y="4000497"/>
+              <a:ext cx="460382" cy="461665"/>
+            </a:xfrm>
+            <a:prstGeom prst="rect">
+              <a:avLst/>
+            </a:prstGeom>
+            <a:noFill/>
+          </p:spPr>
+          <p:txBody>
+            <a:bodyPr wrap="none" rtlCol="0">
+              <a:spAutoFit/>
+            </a:bodyPr>
+            <a:lstStyle/>
+            <a:p>
+              <a:r>
+                <a:rPr lang="en-US" sz="2400" dirty="0"/>
+                <a:t>5s</a:t>
+              </a:r>
+            </a:p>
+          </p:txBody>
+        </p:sp>
+      </p:grpSp>
+      <p:grpSp>
+        <p:nvGrpSpPr>
+          <p:cNvPr id="30" name="Group 29">
+            <a:extLst>
+              <a:ext uri="{FF2B5EF4-FFF2-40B4-BE49-F238E27FC236}">
+                <a16:creationId xmlns:a16="http://schemas.microsoft.com/office/drawing/2014/main" id="{87C0931B-9B0F-CD2C-74C3-E291341A4450}"/>
+              </a:ext>
+            </a:extLst>
+          </p:cNvPr>
+          <p:cNvGrpSpPr/>
+          <p:nvPr/>
+        </p:nvGrpSpPr>
+        <p:grpSpPr>
+          <a:xfrm>
+            <a:off x="2275451" y="890467"/>
+            <a:ext cx="615874" cy="1560700"/>
+            <a:chOff x="651910" y="2901462"/>
+            <a:chExt cx="615874" cy="1560700"/>
+          </a:xfrm>
+        </p:grpSpPr>
+        <p:cxnSp>
+          <p:nvCxnSpPr>
+            <p:cNvPr id="31" name="Straight Arrow Connector 30">
+              <a:extLst>
+                <a:ext uri="{FF2B5EF4-FFF2-40B4-BE49-F238E27FC236}">
+                  <a16:creationId xmlns:a16="http://schemas.microsoft.com/office/drawing/2014/main" id="{EE96BCD0-1C68-5D15-2D45-851DC875FB26}"/>
+                </a:ext>
+              </a:extLst>
+            </p:cNvPr>
+            <p:cNvCxnSpPr>
+              <a:cxnSpLocks/>
+            </p:cNvCxnSpPr>
+            <p:nvPr/>
+          </p:nvCxnSpPr>
+          <p:spPr>
+            <a:xfrm flipV="1">
+              <a:off x="838200" y="2901462"/>
+              <a:ext cx="0" cy="1132115"/>
+            </a:xfrm>
+            <a:prstGeom prst="straightConnector1">
+              <a:avLst/>
+            </a:prstGeom>
+            <a:ln>
+              <a:tailEnd type="triangle"/>
+            </a:ln>
+          </p:spPr>
+          <p:style>
+            <a:lnRef idx="1">
+              <a:schemeClr val="accent1"/>
+            </a:lnRef>
+            <a:fillRef idx="0">
+              <a:schemeClr val="accent1"/>
+            </a:fillRef>
+            <a:effectRef idx="0">
+              <a:schemeClr val="accent1"/>
+            </a:effectRef>
+            <a:fontRef idx="minor">
+              <a:schemeClr val="tx1"/>
+            </a:fontRef>
+          </p:style>
+        </p:cxnSp>
+        <p:sp>
+          <p:nvSpPr>
+            <p:cNvPr id="32" name="TextBox 31">
+              <a:extLst>
+                <a:ext uri="{FF2B5EF4-FFF2-40B4-BE49-F238E27FC236}">
+                  <a16:creationId xmlns:a16="http://schemas.microsoft.com/office/drawing/2014/main" id="{AEDCA6CF-914F-292E-42CF-32B81406E3E4}"/>
+                </a:ext>
+              </a:extLst>
+            </p:cNvPr>
+            <p:cNvSpPr txBox="1"/>
+            <p:nvPr/>
+          </p:nvSpPr>
+          <p:spPr>
+            <a:xfrm>
+              <a:off x="651910" y="4000497"/>
+              <a:ext cx="615874" cy="461665"/>
+            </a:xfrm>
+            <a:prstGeom prst="rect">
+              <a:avLst/>
+            </a:prstGeom>
+            <a:noFill/>
+          </p:spPr>
+          <p:txBody>
+            <a:bodyPr wrap="none" rtlCol="0">
+              <a:spAutoFit/>
+            </a:bodyPr>
+            <a:lstStyle/>
+            <a:p>
+              <a:r>
+                <a:rPr lang="en-US" sz="2400" dirty="0"/>
+                <a:t>30s</a:t>
+              </a:r>
+            </a:p>
+          </p:txBody>
+        </p:sp>
+      </p:grpSp>
+      <p:grpSp>
+        <p:nvGrpSpPr>
+          <p:cNvPr id="33" name="Group 32">
+            <a:extLst>
+              <a:ext uri="{FF2B5EF4-FFF2-40B4-BE49-F238E27FC236}">
+                <a16:creationId xmlns:a16="http://schemas.microsoft.com/office/drawing/2014/main" id="{7EA6B11E-25AB-9C95-7D7E-6AEC9168519C}"/>
+              </a:ext>
+            </a:extLst>
+          </p:cNvPr>
+          <p:cNvGrpSpPr/>
+          <p:nvPr/>
+        </p:nvGrpSpPr>
+        <p:grpSpPr>
+          <a:xfrm>
+            <a:off x="4158656" y="1101061"/>
+            <a:ext cx="585417" cy="1560700"/>
+            <a:chOff x="651910" y="2901462"/>
+            <a:chExt cx="585417" cy="1560700"/>
+          </a:xfrm>
+        </p:grpSpPr>
+        <p:cxnSp>
+          <p:nvCxnSpPr>
+            <p:cNvPr id="34" name="Straight Arrow Connector 33">
+              <a:extLst>
+                <a:ext uri="{FF2B5EF4-FFF2-40B4-BE49-F238E27FC236}">
+                  <a16:creationId xmlns:a16="http://schemas.microsoft.com/office/drawing/2014/main" id="{789596B0-E825-49F3-5AC8-0A2629BA4076}"/>
+                </a:ext>
+              </a:extLst>
+            </p:cNvPr>
+            <p:cNvCxnSpPr>
+              <a:cxnSpLocks/>
+            </p:cNvCxnSpPr>
+            <p:nvPr/>
+          </p:nvCxnSpPr>
+          <p:spPr>
+            <a:xfrm flipV="1">
+              <a:off x="838200" y="2901462"/>
+              <a:ext cx="0" cy="1132115"/>
+            </a:xfrm>
+            <a:prstGeom prst="straightConnector1">
+              <a:avLst/>
+            </a:prstGeom>
+            <a:ln>
+              <a:tailEnd type="triangle"/>
+            </a:ln>
+          </p:spPr>
+          <p:style>
+            <a:lnRef idx="1">
+              <a:schemeClr val="accent1"/>
+            </a:lnRef>
+            <a:fillRef idx="0">
+              <a:schemeClr val="accent1"/>
+            </a:fillRef>
+            <a:effectRef idx="0">
+              <a:schemeClr val="accent1"/>
+            </a:effectRef>
+            <a:fontRef idx="minor">
+              <a:schemeClr val="tx1"/>
+            </a:fontRef>
+          </p:style>
+        </p:cxnSp>
+        <p:sp>
+          <p:nvSpPr>
+            <p:cNvPr id="35" name="TextBox 34">
+              <a:extLst>
+                <a:ext uri="{FF2B5EF4-FFF2-40B4-BE49-F238E27FC236}">
+                  <a16:creationId xmlns:a16="http://schemas.microsoft.com/office/drawing/2014/main" id="{D615CCC7-11FE-1065-EFBE-645AE1337E95}"/>
+                </a:ext>
+              </a:extLst>
+            </p:cNvPr>
+            <p:cNvSpPr txBox="1"/>
+            <p:nvPr/>
+          </p:nvSpPr>
+          <p:spPr>
+            <a:xfrm>
+              <a:off x="651910" y="4000497"/>
+              <a:ext cx="585417" cy="461665"/>
+            </a:xfrm>
+            <a:prstGeom prst="rect">
+              <a:avLst/>
+            </a:prstGeom>
+            <a:noFill/>
+          </p:spPr>
+          <p:txBody>
+            <a:bodyPr wrap="none" rtlCol="0">
+              <a:spAutoFit/>
+            </a:bodyPr>
+            <a:lstStyle/>
+            <a:p>
+              <a:r>
+                <a:rPr lang="en-US" sz="2400" dirty="0"/>
+                <a:t>2m</a:t>
+              </a:r>
+            </a:p>
+          </p:txBody>
+        </p:sp>
+      </p:grpSp>
+      <p:grpSp>
+        <p:nvGrpSpPr>
+          <p:cNvPr id="36" name="Group 35">
+            <a:extLst>
+              <a:ext uri="{FF2B5EF4-FFF2-40B4-BE49-F238E27FC236}">
+                <a16:creationId xmlns:a16="http://schemas.microsoft.com/office/drawing/2014/main" id="{B7330AAD-E553-75C0-4117-ABEA6A662234}"/>
+              </a:ext>
+            </a:extLst>
+          </p:cNvPr>
+          <p:cNvGrpSpPr/>
+          <p:nvPr/>
+        </p:nvGrpSpPr>
+        <p:grpSpPr>
+          <a:xfrm>
+            <a:off x="5834746" y="925227"/>
+            <a:ext cx="460382" cy="1560700"/>
+            <a:chOff x="651910" y="2901462"/>
+            <a:chExt cx="460382" cy="1560700"/>
+          </a:xfrm>
+        </p:grpSpPr>
+        <p:cxnSp>
+          <p:nvCxnSpPr>
+            <p:cNvPr id="37" name="Straight Arrow Connector 36">
+              <a:extLst>
+                <a:ext uri="{FF2B5EF4-FFF2-40B4-BE49-F238E27FC236}">
+                  <a16:creationId xmlns:a16="http://schemas.microsoft.com/office/drawing/2014/main" id="{3BE26675-0BE0-083E-5AAC-C35B513B4398}"/>
+                </a:ext>
+              </a:extLst>
+            </p:cNvPr>
+            <p:cNvCxnSpPr>
+              <a:cxnSpLocks/>
+            </p:cNvCxnSpPr>
+            <p:nvPr/>
+          </p:nvCxnSpPr>
+          <p:spPr>
+            <a:xfrm flipV="1">
+              <a:off x="838200" y="2901462"/>
+              <a:ext cx="0" cy="1132115"/>
+            </a:xfrm>
+            <a:prstGeom prst="straightConnector1">
+              <a:avLst/>
+            </a:prstGeom>
+            <a:ln>
+              <a:tailEnd type="triangle"/>
+            </a:ln>
+          </p:spPr>
+          <p:style>
+            <a:lnRef idx="1">
+              <a:schemeClr val="accent1"/>
+            </a:lnRef>
+            <a:fillRef idx="0">
+              <a:schemeClr val="accent1"/>
+            </a:fillRef>
+            <a:effectRef idx="0">
+              <a:schemeClr val="accent1"/>
+            </a:effectRef>
+            <a:fontRef idx="minor">
+              <a:schemeClr val="tx1"/>
+            </a:fontRef>
+          </p:style>
+        </p:cxnSp>
+        <p:sp>
+          <p:nvSpPr>
+            <p:cNvPr id="38" name="TextBox 37">
+              <a:extLst>
+                <a:ext uri="{FF2B5EF4-FFF2-40B4-BE49-F238E27FC236}">
+                  <a16:creationId xmlns:a16="http://schemas.microsoft.com/office/drawing/2014/main" id="{B937D447-8425-34D0-2FDB-124251D72B03}"/>
+                </a:ext>
+              </a:extLst>
+            </p:cNvPr>
+            <p:cNvSpPr txBox="1"/>
+            <p:nvPr/>
+          </p:nvSpPr>
+          <p:spPr>
+            <a:xfrm>
+              <a:off x="651910" y="4000497"/>
+              <a:ext cx="460382" cy="461665"/>
+            </a:xfrm>
+            <a:prstGeom prst="rect">
+              <a:avLst/>
+            </a:prstGeom>
+            <a:noFill/>
+          </p:spPr>
+          <p:txBody>
+            <a:bodyPr wrap="none" rtlCol="0">
+              <a:spAutoFit/>
+            </a:bodyPr>
+            <a:lstStyle/>
+            <a:p>
+              <a:r>
+                <a:rPr lang="en-US" sz="2400" dirty="0"/>
+                <a:t>5s</a:t>
+              </a:r>
+            </a:p>
+          </p:txBody>
+        </p:sp>
+      </p:grpSp>
+      <p:grpSp>
+        <p:nvGrpSpPr>
+          <p:cNvPr id="39" name="Group 38">
+            <a:extLst>
+              <a:ext uri="{FF2B5EF4-FFF2-40B4-BE49-F238E27FC236}">
+                <a16:creationId xmlns:a16="http://schemas.microsoft.com/office/drawing/2014/main" id="{D48E5378-7EDB-6E3E-31C9-07CD3690C9F5}"/>
+              </a:ext>
+            </a:extLst>
+          </p:cNvPr>
+          <p:cNvGrpSpPr/>
+          <p:nvPr/>
+        </p:nvGrpSpPr>
+        <p:grpSpPr>
+          <a:xfrm>
+            <a:off x="7719541" y="1033318"/>
+            <a:ext cx="460382" cy="1560700"/>
+            <a:chOff x="651910" y="2901462"/>
+            <a:chExt cx="460382" cy="1560700"/>
+          </a:xfrm>
+        </p:grpSpPr>
+        <p:cxnSp>
+          <p:nvCxnSpPr>
+            <p:cNvPr id="40" name="Straight Arrow Connector 39">
+              <a:extLst>
+                <a:ext uri="{FF2B5EF4-FFF2-40B4-BE49-F238E27FC236}">
+                  <a16:creationId xmlns:a16="http://schemas.microsoft.com/office/drawing/2014/main" id="{67F264BA-1892-DDB4-C8C5-4E584C519BB2}"/>
+                </a:ext>
+              </a:extLst>
+            </p:cNvPr>
+            <p:cNvCxnSpPr>
+              <a:cxnSpLocks/>
+            </p:cNvCxnSpPr>
+            <p:nvPr/>
+          </p:nvCxnSpPr>
+          <p:spPr>
+            <a:xfrm flipV="1">
+              <a:off x="838200" y="2901462"/>
+              <a:ext cx="0" cy="1132115"/>
+            </a:xfrm>
+            <a:prstGeom prst="straightConnector1">
+              <a:avLst/>
+            </a:prstGeom>
+            <a:ln>
+              <a:tailEnd type="triangle"/>
+            </a:ln>
+          </p:spPr>
+          <p:style>
+            <a:lnRef idx="1">
+              <a:schemeClr val="accent1"/>
+            </a:lnRef>
+            <a:fillRef idx="0">
+              <a:schemeClr val="accent1"/>
+            </a:fillRef>
+            <a:effectRef idx="0">
+              <a:schemeClr val="accent1"/>
+            </a:effectRef>
+            <a:fontRef idx="minor">
+              <a:schemeClr val="tx1"/>
+            </a:fontRef>
+          </p:style>
+        </p:cxnSp>
+        <p:sp>
+          <p:nvSpPr>
+            <p:cNvPr id="41" name="TextBox 40">
+              <a:extLst>
+                <a:ext uri="{FF2B5EF4-FFF2-40B4-BE49-F238E27FC236}">
+                  <a16:creationId xmlns:a16="http://schemas.microsoft.com/office/drawing/2014/main" id="{ACE5C31D-11EB-05FC-740E-14BA0E124B28}"/>
+                </a:ext>
+              </a:extLst>
+            </p:cNvPr>
+            <p:cNvSpPr txBox="1"/>
+            <p:nvPr/>
+          </p:nvSpPr>
+          <p:spPr>
+            <a:xfrm>
+              <a:off x="651910" y="4000497"/>
+              <a:ext cx="460382" cy="461665"/>
+            </a:xfrm>
+            <a:prstGeom prst="rect">
+              <a:avLst/>
+            </a:prstGeom>
+            <a:noFill/>
+          </p:spPr>
+          <p:txBody>
+            <a:bodyPr wrap="none" rtlCol="0">
+              <a:spAutoFit/>
+            </a:bodyPr>
+            <a:lstStyle/>
+            <a:p>
+              <a:r>
+                <a:rPr lang="en-US" sz="2400" dirty="0"/>
+                <a:t>5s</a:t>
+              </a:r>
+            </a:p>
+          </p:txBody>
+        </p:sp>
+      </p:grpSp>
+      <p:grpSp>
+        <p:nvGrpSpPr>
+          <p:cNvPr id="42" name="Group 41">
+            <a:extLst>
+              <a:ext uri="{FF2B5EF4-FFF2-40B4-BE49-F238E27FC236}">
+                <a16:creationId xmlns:a16="http://schemas.microsoft.com/office/drawing/2014/main" id="{EDF701B8-BF1B-DAD7-AD50-41A418FAD2F4}"/>
+              </a:ext>
+            </a:extLst>
+          </p:cNvPr>
+          <p:cNvGrpSpPr/>
+          <p:nvPr/>
+        </p:nvGrpSpPr>
+        <p:grpSpPr>
+          <a:xfrm>
+            <a:off x="9602746" y="1243912"/>
+            <a:ext cx="460382" cy="1560700"/>
+            <a:chOff x="651910" y="2901462"/>
+            <a:chExt cx="460382" cy="1560700"/>
+          </a:xfrm>
+        </p:grpSpPr>
+        <p:cxnSp>
+          <p:nvCxnSpPr>
+            <p:cNvPr id="43" name="Straight Arrow Connector 42">
+              <a:extLst>
+                <a:ext uri="{FF2B5EF4-FFF2-40B4-BE49-F238E27FC236}">
+                  <a16:creationId xmlns:a16="http://schemas.microsoft.com/office/drawing/2014/main" id="{89F29697-73FD-8D53-6A6C-D90786F13A8F}"/>
+                </a:ext>
+              </a:extLst>
+            </p:cNvPr>
+            <p:cNvCxnSpPr>
+              <a:cxnSpLocks/>
+            </p:cNvCxnSpPr>
+            <p:nvPr/>
+          </p:nvCxnSpPr>
+          <p:spPr>
+            <a:xfrm flipV="1">
+              <a:off x="838200" y="2901462"/>
+              <a:ext cx="0" cy="1132115"/>
+            </a:xfrm>
+            <a:prstGeom prst="straightConnector1">
+              <a:avLst/>
+            </a:prstGeom>
+            <a:ln>
+              <a:tailEnd type="triangle"/>
+            </a:ln>
+          </p:spPr>
+          <p:style>
+            <a:lnRef idx="1">
+              <a:schemeClr val="accent1"/>
+            </a:lnRef>
+            <a:fillRef idx="0">
+              <a:schemeClr val="accent1"/>
+            </a:fillRef>
+            <a:effectRef idx="0">
+              <a:schemeClr val="accent1"/>
+            </a:effectRef>
+            <a:fontRef idx="minor">
+              <a:schemeClr val="tx1"/>
+            </a:fontRef>
+          </p:style>
+        </p:cxnSp>
+        <p:sp>
+          <p:nvSpPr>
+            <p:cNvPr id="44" name="TextBox 43">
+              <a:extLst>
+                <a:ext uri="{FF2B5EF4-FFF2-40B4-BE49-F238E27FC236}">
+                  <a16:creationId xmlns:a16="http://schemas.microsoft.com/office/drawing/2014/main" id="{CFAD9D85-67E2-8BE5-44D5-F1A5058C966C}"/>
+                </a:ext>
+              </a:extLst>
+            </p:cNvPr>
+            <p:cNvSpPr txBox="1"/>
+            <p:nvPr/>
+          </p:nvSpPr>
+          <p:spPr>
+            <a:xfrm>
+              <a:off x="651910" y="4000497"/>
+              <a:ext cx="460382" cy="461665"/>
+            </a:xfrm>
+            <a:prstGeom prst="rect">
+              <a:avLst/>
+            </a:prstGeom>
+            <a:noFill/>
+          </p:spPr>
+          <p:txBody>
+            <a:bodyPr wrap="none" rtlCol="0">
+              <a:spAutoFit/>
+            </a:bodyPr>
+            <a:lstStyle/>
+            <a:p>
+              <a:r>
+                <a:rPr lang="en-US" sz="2400" dirty="0"/>
+                <a:t>5s</a:t>
+              </a:r>
+            </a:p>
+          </p:txBody>
+        </p:sp>
+      </p:grpSp>
+      <p:grpSp>
+        <p:nvGrpSpPr>
+          <p:cNvPr id="45" name="Group 44">
+            <a:extLst>
+              <a:ext uri="{FF2B5EF4-FFF2-40B4-BE49-F238E27FC236}">
+                <a16:creationId xmlns:a16="http://schemas.microsoft.com/office/drawing/2014/main" id="{B385AC9E-3A5F-E27A-FD97-EB206512C3B6}"/>
+              </a:ext>
+            </a:extLst>
+          </p:cNvPr>
+          <p:cNvGrpSpPr/>
+          <p:nvPr/>
+        </p:nvGrpSpPr>
+        <p:grpSpPr>
+          <a:xfrm>
+            <a:off x="11393717" y="1020900"/>
+            <a:ext cx="609462" cy="1560700"/>
+            <a:chOff x="651910" y="2901462"/>
+            <a:chExt cx="609462" cy="1560700"/>
+          </a:xfrm>
+        </p:grpSpPr>
+        <p:cxnSp>
+          <p:nvCxnSpPr>
+            <p:cNvPr id="46" name="Straight Arrow Connector 45">
+              <a:extLst>
+                <a:ext uri="{FF2B5EF4-FFF2-40B4-BE49-F238E27FC236}">
+                  <a16:creationId xmlns:a16="http://schemas.microsoft.com/office/drawing/2014/main" id="{C4A02A63-14DC-6F93-BCC8-4F259D5ADCDB}"/>
+                </a:ext>
+              </a:extLst>
+            </p:cNvPr>
+            <p:cNvCxnSpPr>
+              <a:cxnSpLocks/>
+            </p:cNvCxnSpPr>
+            <p:nvPr/>
+          </p:nvCxnSpPr>
+          <p:spPr>
+            <a:xfrm flipV="1">
+              <a:off x="838200" y="2901462"/>
+              <a:ext cx="0" cy="1132115"/>
+            </a:xfrm>
+            <a:prstGeom prst="straightConnector1">
+              <a:avLst/>
+            </a:prstGeom>
+            <a:ln>
+              <a:tailEnd type="triangle"/>
+            </a:ln>
+          </p:spPr>
+          <p:style>
+            <a:lnRef idx="1">
+              <a:schemeClr val="accent1"/>
+            </a:lnRef>
+            <a:fillRef idx="0">
+              <a:schemeClr val="accent1"/>
+            </a:fillRef>
+            <a:effectRef idx="0">
+              <a:schemeClr val="accent1"/>
+            </a:effectRef>
+            <a:fontRef idx="minor">
+              <a:schemeClr val="tx1"/>
+            </a:fontRef>
+          </p:style>
+        </p:cxnSp>
+        <p:sp>
+          <p:nvSpPr>
+            <p:cNvPr id="47" name="TextBox 46">
+              <a:extLst>
+                <a:ext uri="{FF2B5EF4-FFF2-40B4-BE49-F238E27FC236}">
+                  <a16:creationId xmlns:a16="http://schemas.microsoft.com/office/drawing/2014/main" id="{77B825F6-2FD7-529A-8EB4-FA6856974E3A}"/>
+                </a:ext>
+              </a:extLst>
+            </p:cNvPr>
+            <p:cNvSpPr txBox="1"/>
+            <p:nvPr/>
+          </p:nvSpPr>
+          <p:spPr>
+            <a:xfrm>
+              <a:off x="651910" y="4000497"/>
+              <a:ext cx="609462" cy="461665"/>
+            </a:xfrm>
+            <a:prstGeom prst="rect">
+              <a:avLst/>
+            </a:prstGeom>
+            <a:noFill/>
+          </p:spPr>
+          <p:txBody>
+            <a:bodyPr wrap="none" rtlCol="0">
+              <a:spAutoFit/>
+            </a:bodyPr>
+            <a:lstStyle/>
+            <a:p>
+              <a:r>
+                <a:rPr lang="en-US" sz="2400" dirty="0"/>
+                <a:t>1hr</a:t>
+              </a:r>
+            </a:p>
+          </p:txBody>
+        </p:sp>
+      </p:grpSp>
+      <p:cxnSp>
+        <p:nvCxnSpPr>
+          <p:cNvPr id="48" name="Straight Arrow Connector 47">
+            <a:extLst>
+              <a:ext uri="{FF2B5EF4-FFF2-40B4-BE49-F238E27FC236}">
+                <a16:creationId xmlns:a16="http://schemas.microsoft.com/office/drawing/2014/main" id="{5D0A52D5-8B15-DF74-F423-76150F45FB39}"/>
+              </a:ext>
+            </a:extLst>
+          </p:cNvPr>
+          <p:cNvCxnSpPr>
+            <a:cxnSpLocks/>
+          </p:cNvCxnSpPr>
+          <p:nvPr/>
+        </p:nvCxnSpPr>
+        <p:spPr>
+          <a:xfrm>
+            <a:off x="11393717" y="694459"/>
+            <a:ext cx="545002" cy="0"/>
+          </a:xfrm>
+          <a:prstGeom prst="straightConnector1">
+            <a:avLst/>
+          </a:prstGeom>
+          <a:ln w="38100">
+            <a:tailEnd type="triangle"/>
+          </a:ln>
+        </p:spPr>
+        <p:style>
+          <a:lnRef idx="1">
+            <a:schemeClr val="dk1"/>
+          </a:lnRef>
+          <a:fillRef idx="0">
+            <a:schemeClr val="dk1"/>
+          </a:fillRef>
+          <a:effectRef idx="0">
+            <a:schemeClr val="dk1"/>
+          </a:effectRef>
+          <a:fontRef idx="minor">
+            <a:schemeClr val="tx1"/>
+          </a:fontRef>
+        </p:style>
+      </p:cxnSp>
+      <p:cxnSp>
+        <p:nvCxnSpPr>
+          <p:cNvPr id="25" name="Straight Arrow Connector 24">
+            <a:extLst>
+              <a:ext uri="{FF2B5EF4-FFF2-40B4-BE49-F238E27FC236}">
+                <a16:creationId xmlns:a16="http://schemas.microsoft.com/office/drawing/2014/main" id="{47F7A371-6E09-2943-D0B2-8F483AE17481}"/>
+              </a:ext>
+            </a:extLst>
+          </p:cNvPr>
+          <p:cNvCxnSpPr>
+            <a:endCxn id="38" idx="2"/>
+          </p:cNvCxnSpPr>
+          <p:nvPr/>
+        </p:nvCxnSpPr>
+        <p:spPr>
+          <a:xfrm flipH="1" flipV="1">
+            <a:off x="6064937" y="2485927"/>
+            <a:ext cx="31063" cy="1128130"/>
+          </a:xfrm>
+          <a:prstGeom prst="straightConnector1">
+            <a:avLst/>
+          </a:prstGeom>
+          <a:ln>
+            <a:tailEnd type="triangle"/>
+          </a:ln>
+        </p:spPr>
+        <p:style>
+          <a:lnRef idx="1">
+            <a:schemeClr val="accent1"/>
+          </a:lnRef>
+          <a:fillRef idx="0">
+            <a:schemeClr val="accent1"/>
+          </a:fillRef>
+          <a:effectRef idx="0">
+            <a:schemeClr val="accent1"/>
+          </a:effectRef>
+          <a:fontRef idx="minor">
+            <a:schemeClr val="tx1"/>
+          </a:fontRef>
+        </p:style>
+      </p:cxnSp>
+      <p:sp>
+        <p:nvSpPr>
+          <p:cNvPr id="27" name="TextBox 26">
+            <a:extLst>
+              <a:ext uri="{FF2B5EF4-FFF2-40B4-BE49-F238E27FC236}">
+                <a16:creationId xmlns:a16="http://schemas.microsoft.com/office/drawing/2014/main" id="{A3BBDBE8-E3F9-3F2E-E70A-80CEB8CC67D8}"/>
+              </a:ext>
+            </a:extLst>
+          </p:cNvPr>
+          <p:cNvSpPr txBox="1"/>
+          <p:nvPr/>
+        </p:nvSpPr>
+        <p:spPr>
+          <a:xfrm>
+            <a:off x="6416034" y="3049992"/>
+            <a:ext cx="1074781" cy="369332"/>
+          </a:xfrm>
+          <a:prstGeom prst="rect">
+            <a:avLst/>
+          </a:prstGeom>
+          <a:noFill/>
+        </p:spPr>
+        <p:txBody>
+          <a:bodyPr wrap="none" rtlCol="0">
+            <a:spAutoFit/>
+          </a:bodyPr>
+          <a:lstStyle/>
+          <a:p>
+            <a:r>
+              <a:rPr lang="en-US" dirty="0"/>
+              <a:t>subscribe</a:t>
+            </a:r>
+          </a:p>
+        </p:txBody>
+      </p:sp>
+      <p:sp>
+        <p:nvSpPr>
+          <p:cNvPr id="49" name="TextBox 48">
+            <a:extLst>
+              <a:ext uri="{FF2B5EF4-FFF2-40B4-BE49-F238E27FC236}">
+                <a16:creationId xmlns:a16="http://schemas.microsoft.com/office/drawing/2014/main" id="{EEC282C4-A988-8900-EF33-25E167F9765D}"/>
+              </a:ext>
+            </a:extLst>
+          </p:cNvPr>
+          <p:cNvSpPr txBox="1"/>
+          <p:nvPr/>
+        </p:nvSpPr>
+        <p:spPr>
+          <a:xfrm>
+            <a:off x="893348" y="4528457"/>
+            <a:ext cx="10538654" cy="1938992"/>
+          </a:xfrm>
+          <a:prstGeom prst="rect">
+            <a:avLst/>
+          </a:prstGeom>
+          <a:noFill/>
+        </p:spPr>
+        <p:txBody>
+          <a:bodyPr wrap="none" rtlCol="0">
+            <a:spAutoFit/>
+          </a:bodyPr>
+          <a:lstStyle/>
+          <a:p>
+            <a:r>
+              <a:rPr lang="en-US" sz="4000" b="1" dirty="0"/>
+              <a:t>next:	 (</a:t>
+            </a:r>
+            <a:r>
+              <a:rPr lang="en-US" sz="4000" b="1" dirty="0" err="1"/>
+              <a:t>nextVal</a:t>
+            </a:r>
+            <a:r>
+              <a:rPr lang="en-US" sz="4000" b="1" dirty="0"/>
+              <a:t>) =&gt; {// do something with </a:t>
+            </a:r>
+            <a:r>
+              <a:rPr lang="en-US" sz="4000" b="1" dirty="0" err="1"/>
+              <a:t>val</a:t>
+            </a:r>
+            <a:r>
+              <a:rPr lang="en-US" sz="4000" b="1" dirty="0"/>
+              <a:t>}</a:t>
+            </a:r>
+          </a:p>
+          <a:p>
+            <a:r>
+              <a:rPr lang="en-US" sz="4000" dirty="0"/>
+              <a:t>error: 	(error)	=&gt; {// do something with error},</a:t>
+            </a:r>
+          </a:p>
+          <a:p>
+            <a:r>
+              <a:rPr lang="en-US" sz="4000" b="1" dirty="0">
+                <a:solidFill>
+                  <a:srgbClr val="00B050"/>
+                </a:solidFill>
+              </a:rPr>
+              <a:t>complete: () =&gt;{ do something when finished}</a:t>
+            </a:r>
+          </a:p>
+        </p:txBody>
+      </p:sp>
+      <p:sp>
+        <p:nvSpPr>
+          <p:cNvPr id="50" name="TextBox 49">
+            <a:extLst>
+              <a:ext uri="{FF2B5EF4-FFF2-40B4-BE49-F238E27FC236}">
+                <a16:creationId xmlns:a16="http://schemas.microsoft.com/office/drawing/2014/main" id="{3ADC1872-408A-9C76-1772-1771EB448748}"/>
+              </a:ext>
+            </a:extLst>
+          </p:cNvPr>
+          <p:cNvSpPr txBox="1"/>
+          <p:nvPr/>
+        </p:nvSpPr>
+        <p:spPr>
+          <a:xfrm>
+            <a:off x="203104" y="4572415"/>
+            <a:ext cx="647934" cy="1862048"/>
+          </a:xfrm>
+          <a:prstGeom prst="rect">
+            <a:avLst/>
+          </a:prstGeom>
+          <a:noFill/>
+        </p:spPr>
+        <p:txBody>
+          <a:bodyPr wrap="none" rtlCol="0">
+            <a:spAutoFit/>
+          </a:bodyPr>
+          <a:lstStyle/>
+          <a:p>
+            <a:r>
+              <a:rPr lang="en-US" sz="11500" dirty="0"/>
+              <a:t>{</a:t>
+            </a:r>
+            <a:endParaRPr lang="en-US" dirty="0"/>
+          </a:p>
+        </p:txBody>
+      </p:sp>
+      <p:sp>
+        <p:nvSpPr>
+          <p:cNvPr id="51" name="TextBox 50">
+            <a:extLst>
+              <a:ext uri="{FF2B5EF4-FFF2-40B4-BE49-F238E27FC236}">
+                <a16:creationId xmlns:a16="http://schemas.microsoft.com/office/drawing/2014/main" id="{19489977-B898-3E9B-BC6A-76FFC1DB3B69}"/>
+              </a:ext>
+            </a:extLst>
+          </p:cNvPr>
+          <p:cNvSpPr txBox="1"/>
+          <p:nvPr/>
+        </p:nvSpPr>
+        <p:spPr>
+          <a:xfrm rot="10800000">
+            <a:off x="11256040" y="4553549"/>
+            <a:ext cx="647934" cy="1862048"/>
+          </a:xfrm>
+          <a:prstGeom prst="rect">
+            <a:avLst/>
+          </a:prstGeom>
+          <a:noFill/>
+        </p:spPr>
+        <p:txBody>
+          <a:bodyPr wrap="none" rtlCol="0">
+            <a:spAutoFit/>
+          </a:bodyPr>
+          <a:lstStyle/>
+          <a:p>
+            <a:r>
+              <a:rPr lang="en-US" sz="11500" dirty="0"/>
+              <a:t>{</a:t>
+            </a:r>
+            <a:endParaRPr lang="en-US" dirty="0"/>
+          </a:p>
+        </p:txBody>
+      </p:sp>
+    </p:spTree>
+    <p:extLst>
+      <p:ext uri="{BB962C8B-B14F-4D97-AF65-F5344CB8AC3E}">
+        <p14:creationId xmlns:p14="http://schemas.microsoft.com/office/powerpoint/2010/main" val="1260016672"/>
+      </p:ext>
+    </p:extLst>
+  </p:cSld>
+  <p:clrMapOvr>
+    <a:masterClrMapping/>
+  </p:clrMapOvr>
+</p:sld>
+</file>
+
 <file path=ppt/slides/slide2.xml><?xml version="1.0" encoding="utf-8"?>
 <p:sld xmlns:a="http://schemas.openxmlformats.org/drawingml/2006/main" xmlns:r="http://schemas.openxmlformats.org/officeDocument/2006/relationships" xmlns:p="http://schemas.openxmlformats.org/presentationml/2006/main">
   <p:cSld>
@@ -8226,6 +14866,1183 @@
     <p:extLst>
       <p:ext uri="{BB962C8B-B14F-4D97-AF65-F5344CB8AC3E}">
         <p14:creationId xmlns:p14="http://schemas.microsoft.com/office/powerpoint/2010/main" val="4270465314"/>
+      </p:ext>
+    </p:extLst>
+  </p:cSld>
+  <p:clrMapOvr>
+    <a:masterClrMapping/>
+  </p:clrMapOvr>
+</p:sld>
+</file>
+
+<file path=ppt/slides/slide20.xml><?xml version="1.0" encoding="utf-8"?>
+<p:sld xmlns:a="http://schemas.openxmlformats.org/drawingml/2006/main" xmlns:r="http://schemas.openxmlformats.org/officeDocument/2006/relationships" xmlns:p="http://schemas.openxmlformats.org/presentationml/2006/main">
+  <p:cSld>
+    <p:spTree>
+      <p:nvGrpSpPr>
+        <p:cNvPr id="1" name=""/>
+        <p:cNvGrpSpPr/>
+        <p:nvPr/>
+      </p:nvGrpSpPr>
+      <p:grpSpPr>
+        <a:xfrm>
+          <a:off x="0" y="0"/>
+          <a:ext cx="0" cy="0"/>
+          <a:chOff x="0" y="0"/>
+          <a:chExt cx="0" cy="0"/>
+        </a:xfrm>
+      </p:grpSpPr>
+      <p:grpSp>
+        <p:nvGrpSpPr>
+          <p:cNvPr id="24" name="Group 23">
+            <a:extLst>
+              <a:ext uri="{FF2B5EF4-FFF2-40B4-BE49-F238E27FC236}">
+                <a16:creationId xmlns:a16="http://schemas.microsoft.com/office/drawing/2014/main" id="{D9A94F3D-B001-DDB6-FA72-BDF699ECFE4F}"/>
+              </a:ext>
+            </a:extLst>
+          </p:cNvPr>
+          <p:cNvGrpSpPr/>
+          <p:nvPr/>
+        </p:nvGrpSpPr>
+        <p:grpSpPr>
+          <a:xfrm>
+            <a:off x="348346" y="210880"/>
+            <a:ext cx="6067689" cy="1099035"/>
+            <a:chOff x="609600" y="2336803"/>
+            <a:chExt cx="7271660" cy="1269989"/>
+          </a:xfrm>
+        </p:grpSpPr>
+        <p:grpSp>
+          <p:nvGrpSpPr>
+            <p:cNvPr id="8" name="Group 7">
+              <a:extLst>
+                <a:ext uri="{FF2B5EF4-FFF2-40B4-BE49-F238E27FC236}">
+                  <a16:creationId xmlns:a16="http://schemas.microsoft.com/office/drawing/2014/main" id="{05146E17-9539-F482-46DB-DE996D54CD4A}"/>
+                </a:ext>
+              </a:extLst>
+            </p:cNvPr>
+            <p:cNvGrpSpPr/>
+            <p:nvPr/>
+          </p:nvGrpSpPr>
+          <p:grpSpPr>
+            <a:xfrm>
+              <a:off x="609600" y="2336803"/>
+              <a:ext cx="2206172" cy="1219193"/>
+              <a:chOff x="609600" y="2336803"/>
+              <a:chExt cx="2206172" cy="1219193"/>
+            </a:xfrm>
+          </p:grpSpPr>
+          <p:cxnSp>
+            <p:nvCxnSpPr>
+              <p:cNvPr id="5" name="Straight Arrow Connector 4">
+                <a:extLst>
+                  <a:ext uri="{FF2B5EF4-FFF2-40B4-BE49-F238E27FC236}">
+                    <a16:creationId xmlns:a16="http://schemas.microsoft.com/office/drawing/2014/main" id="{0E6E7C38-1049-C44B-CE58-9CEF30C7B269}"/>
+                  </a:ext>
+                </a:extLst>
+              </p:cNvPr>
+              <p:cNvCxnSpPr>
+                <a:cxnSpLocks/>
+              </p:cNvCxnSpPr>
+              <p:nvPr/>
+            </p:nvCxnSpPr>
+            <p:spPr>
+              <a:xfrm>
+                <a:off x="609600" y="2946400"/>
+                <a:ext cx="653143" cy="0"/>
+              </a:xfrm>
+              <a:prstGeom prst="straightConnector1">
+                <a:avLst/>
+              </a:prstGeom>
+              <a:ln w="38100">
+                <a:tailEnd type="triangle"/>
+              </a:ln>
+            </p:spPr>
+            <p:style>
+              <a:lnRef idx="1">
+                <a:schemeClr val="dk1"/>
+              </a:lnRef>
+              <a:fillRef idx="0">
+                <a:schemeClr val="dk1"/>
+              </a:fillRef>
+              <a:effectRef idx="0">
+                <a:schemeClr val="dk1"/>
+              </a:effectRef>
+              <a:fontRef idx="minor">
+                <a:schemeClr val="tx1"/>
+              </a:fontRef>
+            </p:style>
+          </p:cxnSp>
+          <p:sp>
+            <p:nvSpPr>
+              <p:cNvPr id="6" name="Oval 5">
+                <a:extLst>
+                  <a:ext uri="{FF2B5EF4-FFF2-40B4-BE49-F238E27FC236}">
+                    <a16:creationId xmlns:a16="http://schemas.microsoft.com/office/drawing/2014/main" id="{6540995B-131E-66BA-7ED0-16E0A448BC96}"/>
+                  </a:ext>
+                </a:extLst>
+              </p:cNvPr>
+              <p:cNvSpPr/>
+              <p:nvPr/>
+            </p:nvSpPr>
+            <p:spPr>
+              <a:xfrm>
+                <a:off x="1262743" y="2336803"/>
+                <a:ext cx="1553029" cy="1219193"/>
+              </a:xfrm>
+              <a:prstGeom prst="ellipse">
+                <a:avLst/>
+              </a:prstGeom>
+              <a:solidFill>
+                <a:schemeClr val="accent6"/>
+              </a:solidFill>
+              <a:ln w="38100">
+                <a:solidFill>
+                  <a:schemeClr val="tx1"/>
+                </a:solidFill>
+              </a:ln>
+            </p:spPr>
+            <p:style>
+              <a:lnRef idx="2">
+                <a:schemeClr val="accent1">
+                  <a:shade val="15000"/>
+                </a:schemeClr>
+              </a:lnRef>
+              <a:fillRef idx="1">
+                <a:schemeClr val="accent1"/>
+              </a:fillRef>
+              <a:effectRef idx="0">
+                <a:schemeClr val="accent1"/>
+              </a:effectRef>
+              <a:fontRef idx="minor">
+                <a:schemeClr val="lt1"/>
+              </a:fontRef>
+            </p:style>
+            <p:txBody>
+              <a:bodyPr rtlCol="0" anchor="ctr"/>
+              <a:lstStyle/>
+              <a:p>
+                <a:pPr algn="ctr"/>
+                <a:endParaRPr lang="en-US"/>
+              </a:p>
+            </p:txBody>
+          </p:sp>
+        </p:grpSp>
+        <p:grpSp>
+          <p:nvGrpSpPr>
+            <p:cNvPr id="9" name="Group 8">
+              <a:extLst>
+                <a:ext uri="{FF2B5EF4-FFF2-40B4-BE49-F238E27FC236}">
+                  <a16:creationId xmlns:a16="http://schemas.microsoft.com/office/drawing/2014/main" id="{2BC8E9B1-26A1-738D-399A-F8A0E608EC60}"/>
+                </a:ext>
+              </a:extLst>
+            </p:cNvPr>
+            <p:cNvGrpSpPr/>
+            <p:nvPr/>
+          </p:nvGrpSpPr>
+          <p:grpSpPr>
+            <a:xfrm>
+              <a:off x="2815772" y="2387599"/>
+              <a:ext cx="2206172" cy="1219193"/>
+              <a:chOff x="609600" y="2336803"/>
+              <a:chExt cx="2206172" cy="1219193"/>
+            </a:xfrm>
+          </p:grpSpPr>
+          <p:cxnSp>
+            <p:nvCxnSpPr>
+              <p:cNvPr id="10" name="Straight Arrow Connector 9">
+                <a:extLst>
+                  <a:ext uri="{FF2B5EF4-FFF2-40B4-BE49-F238E27FC236}">
+                    <a16:creationId xmlns:a16="http://schemas.microsoft.com/office/drawing/2014/main" id="{F91A94BB-B98B-993F-0697-7E05597D4005}"/>
+                  </a:ext>
+                </a:extLst>
+              </p:cNvPr>
+              <p:cNvCxnSpPr>
+                <a:cxnSpLocks/>
+              </p:cNvCxnSpPr>
+              <p:nvPr/>
+            </p:nvCxnSpPr>
+            <p:spPr>
+              <a:xfrm>
+                <a:off x="609600" y="2946400"/>
+                <a:ext cx="653143" cy="0"/>
+              </a:xfrm>
+              <a:prstGeom prst="straightConnector1">
+                <a:avLst/>
+              </a:prstGeom>
+              <a:ln w="38100">
+                <a:tailEnd type="triangle"/>
+              </a:ln>
+            </p:spPr>
+            <p:style>
+              <a:lnRef idx="1">
+                <a:schemeClr val="dk1"/>
+              </a:lnRef>
+              <a:fillRef idx="0">
+                <a:schemeClr val="dk1"/>
+              </a:fillRef>
+              <a:effectRef idx="0">
+                <a:schemeClr val="dk1"/>
+              </a:effectRef>
+              <a:fontRef idx="minor">
+                <a:schemeClr val="tx1"/>
+              </a:fontRef>
+            </p:style>
+          </p:cxnSp>
+          <p:sp>
+            <p:nvSpPr>
+              <p:cNvPr id="11" name="Oval 10">
+                <a:extLst>
+                  <a:ext uri="{FF2B5EF4-FFF2-40B4-BE49-F238E27FC236}">
+                    <a16:creationId xmlns:a16="http://schemas.microsoft.com/office/drawing/2014/main" id="{0DCC9603-887C-D4F2-0B56-166892591F70}"/>
+                  </a:ext>
+                </a:extLst>
+              </p:cNvPr>
+              <p:cNvSpPr/>
+              <p:nvPr/>
+            </p:nvSpPr>
+            <p:spPr>
+              <a:xfrm>
+                <a:off x="1262743" y="2336803"/>
+                <a:ext cx="1553029" cy="1219193"/>
+              </a:xfrm>
+              <a:prstGeom prst="ellipse">
+                <a:avLst/>
+              </a:prstGeom>
+              <a:solidFill>
+                <a:schemeClr val="accent6"/>
+              </a:solidFill>
+              <a:ln w="38100">
+                <a:solidFill>
+                  <a:schemeClr val="tx1"/>
+                </a:solidFill>
+              </a:ln>
+            </p:spPr>
+            <p:style>
+              <a:lnRef idx="2">
+                <a:schemeClr val="accent1">
+                  <a:shade val="15000"/>
+                </a:schemeClr>
+              </a:lnRef>
+              <a:fillRef idx="1">
+                <a:schemeClr val="accent1"/>
+              </a:fillRef>
+              <a:effectRef idx="0">
+                <a:schemeClr val="accent1"/>
+              </a:effectRef>
+              <a:fontRef idx="minor">
+                <a:schemeClr val="lt1"/>
+              </a:fontRef>
+            </p:style>
+            <p:txBody>
+              <a:bodyPr rtlCol="0" anchor="ctr"/>
+              <a:lstStyle/>
+              <a:p>
+                <a:pPr algn="ctr"/>
+                <a:endParaRPr lang="en-US"/>
+              </a:p>
+            </p:txBody>
+          </p:sp>
+        </p:grpSp>
+        <p:grpSp>
+          <p:nvGrpSpPr>
+            <p:cNvPr id="12" name="Group 11">
+              <a:extLst>
+                <a:ext uri="{FF2B5EF4-FFF2-40B4-BE49-F238E27FC236}">
+                  <a16:creationId xmlns:a16="http://schemas.microsoft.com/office/drawing/2014/main" id="{A4A14245-179A-BAB0-12FA-1B07D64870E6}"/>
+                </a:ext>
+              </a:extLst>
+            </p:cNvPr>
+            <p:cNvGrpSpPr/>
+            <p:nvPr/>
+          </p:nvGrpSpPr>
+          <p:grpSpPr>
+            <a:xfrm>
+              <a:off x="5021944" y="2336803"/>
+              <a:ext cx="2206172" cy="1219193"/>
+              <a:chOff x="609600" y="2336803"/>
+              <a:chExt cx="2206172" cy="1219193"/>
+            </a:xfrm>
+          </p:grpSpPr>
+          <p:cxnSp>
+            <p:nvCxnSpPr>
+              <p:cNvPr id="13" name="Straight Arrow Connector 12">
+                <a:extLst>
+                  <a:ext uri="{FF2B5EF4-FFF2-40B4-BE49-F238E27FC236}">
+                    <a16:creationId xmlns:a16="http://schemas.microsoft.com/office/drawing/2014/main" id="{472637F8-DF98-EC51-DEB6-3D3A18DF50C4}"/>
+                  </a:ext>
+                </a:extLst>
+              </p:cNvPr>
+              <p:cNvCxnSpPr>
+                <a:cxnSpLocks/>
+              </p:cNvCxnSpPr>
+              <p:nvPr/>
+            </p:nvCxnSpPr>
+            <p:spPr>
+              <a:xfrm>
+                <a:off x="609600" y="2946400"/>
+                <a:ext cx="653143" cy="0"/>
+              </a:xfrm>
+              <a:prstGeom prst="straightConnector1">
+                <a:avLst/>
+              </a:prstGeom>
+              <a:ln w="38100">
+                <a:tailEnd type="triangle"/>
+              </a:ln>
+            </p:spPr>
+            <p:style>
+              <a:lnRef idx="1">
+                <a:schemeClr val="dk1"/>
+              </a:lnRef>
+              <a:fillRef idx="0">
+                <a:schemeClr val="dk1"/>
+              </a:fillRef>
+              <a:effectRef idx="0">
+                <a:schemeClr val="dk1"/>
+              </a:effectRef>
+              <a:fontRef idx="minor">
+                <a:schemeClr val="tx1"/>
+              </a:fontRef>
+            </p:style>
+          </p:cxnSp>
+          <p:sp>
+            <p:nvSpPr>
+              <p:cNvPr id="14" name="Oval 13">
+                <a:extLst>
+                  <a:ext uri="{FF2B5EF4-FFF2-40B4-BE49-F238E27FC236}">
+                    <a16:creationId xmlns:a16="http://schemas.microsoft.com/office/drawing/2014/main" id="{1BB49EBE-7D4F-00E9-DFBD-E7CE04AF8AFC}"/>
+                  </a:ext>
+                </a:extLst>
+              </p:cNvPr>
+              <p:cNvSpPr/>
+              <p:nvPr/>
+            </p:nvSpPr>
+            <p:spPr>
+              <a:xfrm>
+                <a:off x="1262743" y="2336803"/>
+                <a:ext cx="1553029" cy="1219193"/>
+              </a:xfrm>
+              <a:prstGeom prst="ellipse">
+                <a:avLst/>
+              </a:prstGeom>
+              <a:solidFill>
+                <a:schemeClr val="accent6"/>
+              </a:solidFill>
+              <a:ln w="38100">
+                <a:solidFill>
+                  <a:schemeClr val="tx1"/>
+                </a:solidFill>
+              </a:ln>
+            </p:spPr>
+            <p:style>
+              <a:lnRef idx="2">
+                <a:schemeClr val="accent1">
+                  <a:shade val="15000"/>
+                </a:schemeClr>
+              </a:lnRef>
+              <a:fillRef idx="1">
+                <a:schemeClr val="accent1"/>
+              </a:fillRef>
+              <a:effectRef idx="0">
+                <a:schemeClr val="accent1"/>
+              </a:effectRef>
+              <a:fontRef idx="minor">
+                <a:schemeClr val="lt1"/>
+              </a:fontRef>
+            </p:style>
+            <p:txBody>
+              <a:bodyPr rtlCol="0" anchor="ctr"/>
+              <a:lstStyle/>
+              <a:p>
+                <a:pPr algn="ctr"/>
+                <a:endParaRPr lang="en-US"/>
+              </a:p>
+            </p:txBody>
+          </p:sp>
+        </p:grpSp>
+        <p:cxnSp>
+          <p:nvCxnSpPr>
+            <p:cNvPr id="16" name="Straight Arrow Connector 15">
+              <a:extLst>
+                <a:ext uri="{FF2B5EF4-FFF2-40B4-BE49-F238E27FC236}">
+                  <a16:creationId xmlns:a16="http://schemas.microsoft.com/office/drawing/2014/main" id="{C16FBFAA-82FB-B6DE-FFB0-57BF5B09BBAC}"/>
+                </a:ext>
+              </a:extLst>
+            </p:cNvPr>
+            <p:cNvCxnSpPr>
+              <a:cxnSpLocks/>
+            </p:cNvCxnSpPr>
+            <p:nvPr/>
+          </p:nvCxnSpPr>
+          <p:spPr>
+            <a:xfrm>
+              <a:off x="7228117" y="2895603"/>
+              <a:ext cx="653143" cy="0"/>
+            </a:xfrm>
+            <a:prstGeom prst="straightConnector1">
+              <a:avLst/>
+            </a:prstGeom>
+            <a:ln w="38100">
+              <a:tailEnd type="triangle"/>
+            </a:ln>
+          </p:spPr>
+          <p:style>
+            <a:lnRef idx="1">
+              <a:schemeClr val="dk1"/>
+            </a:lnRef>
+            <a:fillRef idx="0">
+              <a:schemeClr val="dk1"/>
+            </a:fillRef>
+            <a:effectRef idx="0">
+              <a:schemeClr val="dk1"/>
+            </a:effectRef>
+            <a:fontRef idx="minor">
+              <a:schemeClr val="tx1"/>
+            </a:fontRef>
+          </p:style>
+        </p:cxnSp>
+      </p:grpSp>
+      <p:grpSp>
+        <p:nvGrpSpPr>
+          <p:cNvPr id="29" name="Group 28">
+            <a:extLst>
+              <a:ext uri="{FF2B5EF4-FFF2-40B4-BE49-F238E27FC236}">
+                <a16:creationId xmlns:a16="http://schemas.microsoft.com/office/drawing/2014/main" id="{F0B84065-1C5A-06E0-A88A-E5DB07FA0E74}"/>
+              </a:ext>
+            </a:extLst>
+          </p:cNvPr>
+          <p:cNvGrpSpPr/>
+          <p:nvPr/>
+        </p:nvGrpSpPr>
+        <p:grpSpPr>
+          <a:xfrm>
+            <a:off x="390656" y="782376"/>
+            <a:ext cx="460382" cy="1560700"/>
+            <a:chOff x="651910" y="2901462"/>
+            <a:chExt cx="460382" cy="1560700"/>
+          </a:xfrm>
+        </p:grpSpPr>
+        <p:cxnSp>
+          <p:nvCxnSpPr>
+            <p:cNvPr id="26" name="Straight Arrow Connector 25">
+              <a:extLst>
+                <a:ext uri="{FF2B5EF4-FFF2-40B4-BE49-F238E27FC236}">
+                  <a16:creationId xmlns:a16="http://schemas.microsoft.com/office/drawing/2014/main" id="{3DFA143B-2722-EB14-C580-0AF82E30F19E}"/>
+                </a:ext>
+              </a:extLst>
+            </p:cNvPr>
+            <p:cNvCxnSpPr>
+              <a:cxnSpLocks/>
+            </p:cNvCxnSpPr>
+            <p:nvPr/>
+          </p:nvCxnSpPr>
+          <p:spPr>
+            <a:xfrm flipV="1">
+              <a:off x="838200" y="2901462"/>
+              <a:ext cx="0" cy="1132115"/>
+            </a:xfrm>
+            <a:prstGeom prst="straightConnector1">
+              <a:avLst/>
+            </a:prstGeom>
+            <a:ln>
+              <a:tailEnd type="triangle"/>
+            </a:ln>
+          </p:spPr>
+          <p:style>
+            <a:lnRef idx="1">
+              <a:schemeClr val="accent1"/>
+            </a:lnRef>
+            <a:fillRef idx="0">
+              <a:schemeClr val="accent1"/>
+            </a:fillRef>
+            <a:effectRef idx="0">
+              <a:schemeClr val="accent1"/>
+            </a:effectRef>
+            <a:fontRef idx="minor">
+              <a:schemeClr val="tx1"/>
+            </a:fontRef>
+          </p:style>
+        </p:cxnSp>
+        <p:sp>
+          <p:nvSpPr>
+            <p:cNvPr id="28" name="TextBox 27">
+              <a:extLst>
+                <a:ext uri="{FF2B5EF4-FFF2-40B4-BE49-F238E27FC236}">
+                  <a16:creationId xmlns:a16="http://schemas.microsoft.com/office/drawing/2014/main" id="{C80CD9ED-E4F3-BF35-87DC-C1A5D1D3D5B6}"/>
+                </a:ext>
+              </a:extLst>
+            </p:cNvPr>
+            <p:cNvSpPr txBox="1"/>
+            <p:nvPr/>
+          </p:nvSpPr>
+          <p:spPr>
+            <a:xfrm>
+              <a:off x="651910" y="4000497"/>
+              <a:ext cx="460382" cy="461665"/>
+            </a:xfrm>
+            <a:prstGeom prst="rect">
+              <a:avLst/>
+            </a:prstGeom>
+            <a:noFill/>
+          </p:spPr>
+          <p:txBody>
+            <a:bodyPr wrap="none" rtlCol="0">
+              <a:spAutoFit/>
+            </a:bodyPr>
+            <a:lstStyle/>
+            <a:p>
+              <a:r>
+                <a:rPr lang="en-US" sz="2400" dirty="0"/>
+                <a:t>5s</a:t>
+              </a:r>
+            </a:p>
+          </p:txBody>
+        </p:sp>
+      </p:grpSp>
+      <p:grpSp>
+        <p:nvGrpSpPr>
+          <p:cNvPr id="30" name="Group 29">
+            <a:extLst>
+              <a:ext uri="{FF2B5EF4-FFF2-40B4-BE49-F238E27FC236}">
+                <a16:creationId xmlns:a16="http://schemas.microsoft.com/office/drawing/2014/main" id="{87C0931B-9B0F-CD2C-74C3-E291341A4450}"/>
+              </a:ext>
+            </a:extLst>
+          </p:cNvPr>
+          <p:cNvGrpSpPr/>
+          <p:nvPr/>
+        </p:nvGrpSpPr>
+        <p:grpSpPr>
+          <a:xfrm>
+            <a:off x="2275451" y="890467"/>
+            <a:ext cx="615874" cy="1560700"/>
+            <a:chOff x="651910" y="2901462"/>
+            <a:chExt cx="615874" cy="1560700"/>
+          </a:xfrm>
+        </p:grpSpPr>
+        <p:cxnSp>
+          <p:nvCxnSpPr>
+            <p:cNvPr id="31" name="Straight Arrow Connector 30">
+              <a:extLst>
+                <a:ext uri="{FF2B5EF4-FFF2-40B4-BE49-F238E27FC236}">
+                  <a16:creationId xmlns:a16="http://schemas.microsoft.com/office/drawing/2014/main" id="{EE96BCD0-1C68-5D15-2D45-851DC875FB26}"/>
+                </a:ext>
+              </a:extLst>
+            </p:cNvPr>
+            <p:cNvCxnSpPr>
+              <a:cxnSpLocks/>
+            </p:cNvCxnSpPr>
+            <p:nvPr/>
+          </p:nvCxnSpPr>
+          <p:spPr>
+            <a:xfrm flipV="1">
+              <a:off x="838200" y="2901462"/>
+              <a:ext cx="0" cy="1132115"/>
+            </a:xfrm>
+            <a:prstGeom prst="straightConnector1">
+              <a:avLst/>
+            </a:prstGeom>
+            <a:ln>
+              <a:tailEnd type="triangle"/>
+            </a:ln>
+          </p:spPr>
+          <p:style>
+            <a:lnRef idx="1">
+              <a:schemeClr val="accent1"/>
+            </a:lnRef>
+            <a:fillRef idx="0">
+              <a:schemeClr val="accent1"/>
+            </a:fillRef>
+            <a:effectRef idx="0">
+              <a:schemeClr val="accent1"/>
+            </a:effectRef>
+            <a:fontRef idx="minor">
+              <a:schemeClr val="tx1"/>
+            </a:fontRef>
+          </p:style>
+        </p:cxnSp>
+        <p:sp>
+          <p:nvSpPr>
+            <p:cNvPr id="32" name="TextBox 31">
+              <a:extLst>
+                <a:ext uri="{FF2B5EF4-FFF2-40B4-BE49-F238E27FC236}">
+                  <a16:creationId xmlns:a16="http://schemas.microsoft.com/office/drawing/2014/main" id="{AEDCA6CF-914F-292E-42CF-32B81406E3E4}"/>
+                </a:ext>
+              </a:extLst>
+            </p:cNvPr>
+            <p:cNvSpPr txBox="1"/>
+            <p:nvPr/>
+          </p:nvSpPr>
+          <p:spPr>
+            <a:xfrm>
+              <a:off x="651910" y="4000497"/>
+              <a:ext cx="615874" cy="461665"/>
+            </a:xfrm>
+            <a:prstGeom prst="rect">
+              <a:avLst/>
+            </a:prstGeom>
+            <a:noFill/>
+          </p:spPr>
+          <p:txBody>
+            <a:bodyPr wrap="none" rtlCol="0">
+              <a:spAutoFit/>
+            </a:bodyPr>
+            <a:lstStyle/>
+            <a:p>
+              <a:r>
+                <a:rPr lang="en-US" sz="2400" dirty="0"/>
+                <a:t>30s</a:t>
+              </a:r>
+            </a:p>
+          </p:txBody>
+        </p:sp>
+      </p:grpSp>
+      <p:grpSp>
+        <p:nvGrpSpPr>
+          <p:cNvPr id="33" name="Group 32">
+            <a:extLst>
+              <a:ext uri="{FF2B5EF4-FFF2-40B4-BE49-F238E27FC236}">
+                <a16:creationId xmlns:a16="http://schemas.microsoft.com/office/drawing/2014/main" id="{7EA6B11E-25AB-9C95-7D7E-6AEC9168519C}"/>
+              </a:ext>
+            </a:extLst>
+          </p:cNvPr>
+          <p:cNvGrpSpPr/>
+          <p:nvPr/>
+        </p:nvGrpSpPr>
+        <p:grpSpPr>
+          <a:xfrm>
+            <a:off x="4158656" y="1101061"/>
+            <a:ext cx="585417" cy="1560700"/>
+            <a:chOff x="651910" y="2901462"/>
+            <a:chExt cx="585417" cy="1560700"/>
+          </a:xfrm>
+        </p:grpSpPr>
+        <p:cxnSp>
+          <p:nvCxnSpPr>
+            <p:cNvPr id="34" name="Straight Arrow Connector 33">
+              <a:extLst>
+                <a:ext uri="{FF2B5EF4-FFF2-40B4-BE49-F238E27FC236}">
+                  <a16:creationId xmlns:a16="http://schemas.microsoft.com/office/drawing/2014/main" id="{789596B0-E825-49F3-5AC8-0A2629BA4076}"/>
+                </a:ext>
+              </a:extLst>
+            </p:cNvPr>
+            <p:cNvCxnSpPr>
+              <a:cxnSpLocks/>
+            </p:cNvCxnSpPr>
+            <p:nvPr/>
+          </p:nvCxnSpPr>
+          <p:spPr>
+            <a:xfrm flipV="1">
+              <a:off x="838200" y="2901462"/>
+              <a:ext cx="0" cy="1132115"/>
+            </a:xfrm>
+            <a:prstGeom prst="straightConnector1">
+              <a:avLst/>
+            </a:prstGeom>
+            <a:ln>
+              <a:tailEnd type="triangle"/>
+            </a:ln>
+          </p:spPr>
+          <p:style>
+            <a:lnRef idx="1">
+              <a:schemeClr val="accent1"/>
+            </a:lnRef>
+            <a:fillRef idx="0">
+              <a:schemeClr val="accent1"/>
+            </a:fillRef>
+            <a:effectRef idx="0">
+              <a:schemeClr val="accent1"/>
+            </a:effectRef>
+            <a:fontRef idx="minor">
+              <a:schemeClr val="tx1"/>
+            </a:fontRef>
+          </p:style>
+        </p:cxnSp>
+        <p:sp>
+          <p:nvSpPr>
+            <p:cNvPr id="35" name="TextBox 34">
+              <a:extLst>
+                <a:ext uri="{FF2B5EF4-FFF2-40B4-BE49-F238E27FC236}">
+                  <a16:creationId xmlns:a16="http://schemas.microsoft.com/office/drawing/2014/main" id="{D615CCC7-11FE-1065-EFBE-645AE1337E95}"/>
+                </a:ext>
+              </a:extLst>
+            </p:cNvPr>
+            <p:cNvSpPr txBox="1"/>
+            <p:nvPr/>
+          </p:nvSpPr>
+          <p:spPr>
+            <a:xfrm>
+              <a:off x="651910" y="4000497"/>
+              <a:ext cx="585417" cy="461665"/>
+            </a:xfrm>
+            <a:prstGeom prst="rect">
+              <a:avLst/>
+            </a:prstGeom>
+            <a:noFill/>
+          </p:spPr>
+          <p:txBody>
+            <a:bodyPr wrap="none" rtlCol="0">
+              <a:spAutoFit/>
+            </a:bodyPr>
+            <a:lstStyle/>
+            <a:p>
+              <a:r>
+                <a:rPr lang="en-US" sz="2400" dirty="0"/>
+                <a:t>2m</a:t>
+              </a:r>
+            </a:p>
+          </p:txBody>
+        </p:sp>
+      </p:grpSp>
+      <p:grpSp>
+        <p:nvGrpSpPr>
+          <p:cNvPr id="36" name="Group 35">
+            <a:extLst>
+              <a:ext uri="{FF2B5EF4-FFF2-40B4-BE49-F238E27FC236}">
+                <a16:creationId xmlns:a16="http://schemas.microsoft.com/office/drawing/2014/main" id="{B7330AAD-E553-75C0-4117-ABEA6A662234}"/>
+              </a:ext>
+            </a:extLst>
+          </p:cNvPr>
+          <p:cNvGrpSpPr/>
+          <p:nvPr/>
+        </p:nvGrpSpPr>
+        <p:grpSpPr>
+          <a:xfrm>
+            <a:off x="5834746" y="925227"/>
+            <a:ext cx="460382" cy="1560700"/>
+            <a:chOff x="651910" y="2901462"/>
+            <a:chExt cx="460382" cy="1560700"/>
+          </a:xfrm>
+        </p:grpSpPr>
+        <p:cxnSp>
+          <p:nvCxnSpPr>
+            <p:cNvPr id="37" name="Straight Arrow Connector 36">
+              <a:extLst>
+                <a:ext uri="{FF2B5EF4-FFF2-40B4-BE49-F238E27FC236}">
+                  <a16:creationId xmlns:a16="http://schemas.microsoft.com/office/drawing/2014/main" id="{3BE26675-0BE0-083E-5AAC-C35B513B4398}"/>
+                </a:ext>
+              </a:extLst>
+            </p:cNvPr>
+            <p:cNvCxnSpPr>
+              <a:cxnSpLocks/>
+            </p:cNvCxnSpPr>
+            <p:nvPr/>
+          </p:nvCxnSpPr>
+          <p:spPr>
+            <a:xfrm flipV="1">
+              <a:off x="838200" y="2901462"/>
+              <a:ext cx="0" cy="1132115"/>
+            </a:xfrm>
+            <a:prstGeom prst="straightConnector1">
+              <a:avLst/>
+            </a:prstGeom>
+            <a:ln>
+              <a:tailEnd type="triangle"/>
+            </a:ln>
+          </p:spPr>
+          <p:style>
+            <a:lnRef idx="1">
+              <a:schemeClr val="accent1"/>
+            </a:lnRef>
+            <a:fillRef idx="0">
+              <a:schemeClr val="accent1"/>
+            </a:fillRef>
+            <a:effectRef idx="0">
+              <a:schemeClr val="accent1"/>
+            </a:effectRef>
+            <a:fontRef idx="minor">
+              <a:schemeClr val="tx1"/>
+            </a:fontRef>
+          </p:style>
+        </p:cxnSp>
+        <p:sp>
+          <p:nvSpPr>
+            <p:cNvPr id="38" name="TextBox 37">
+              <a:extLst>
+                <a:ext uri="{FF2B5EF4-FFF2-40B4-BE49-F238E27FC236}">
+                  <a16:creationId xmlns:a16="http://schemas.microsoft.com/office/drawing/2014/main" id="{B937D447-8425-34D0-2FDB-124251D72B03}"/>
+                </a:ext>
+              </a:extLst>
+            </p:cNvPr>
+            <p:cNvSpPr txBox="1"/>
+            <p:nvPr/>
+          </p:nvSpPr>
+          <p:spPr>
+            <a:xfrm>
+              <a:off x="651910" y="4000497"/>
+              <a:ext cx="460382" cy="461665"/>
+            </a:xfrm>
+            <a:prstGeom prst="rect">
+              <a:avLst/>
+            </a:prstGeom>
+            <a:noFill/>
+          </p:spPr>
+          <p:txBody>
+            <a:bodyPr wrap="none" rtlCol="0">
+              <a:spAutoFit/>
+            </a:bodyPr>
+            <a:lstStyle/>
+            <a:p>
+              <a:r>
+                <a:rPr lang="en-US" sz="2400" dirty="0"/>
+                <a:t>5s</a:t>
+              </a:r>
+            </a:p>
+          </p:txBody>
+        </p:sp>
+      </p:grpSp>
+      <p:cxnSp>
+        <p:nvCxnSpPr>
+          <p:cNvPr id="25" name="Straight Arrow Connector 24">
+            <a:extLst>
+              <a:ext uri="{FF2B5EF4-FFF2-40B4-BE49-F238E27FC236}">
+                <a16:creationId xmlns:a16="http://schemas.microsoft.com/office/drawing/2014/main" id="{47F7A371-6E09-2943-D0B2-8F483AE17481}"/>
+              </a:ext>
+            </a:extLst>
+          </p:cNvPr>
+          <p:cNvCxnSpPr>
+            <a:endCxn id="38" idx="2"/>
+          </p:cNvCxnSpPr>
+          <p:nvPr/>
+        </p:nvCxnSpPr>
+        <p:spPr>
+          <a:xfrm flipH="1" flipV="1">
+            <a:off x="6064937" y="2485927"/>
+            <a:ext cx="31063" cy="1128130"/>
+          </a:xfrm>
+          <a:prstGeom prst="straightConnector1">
+            <a:avLst/>
+          </a:prstGeom>
+          <a:ln>
+            <a:tailEnd type="triangle"/>
+          </a:ln>
+        </p:spPr>
+        <p:style>
+          <a:lnRef idx="1">
+            <a:schemeClr val="accent1"/>
+          </a:lnRef>
+          <a:fillRef idx="0">
+            <a:schemeClr val="accent1"/>
+          </a:fillRef>
+          <a:effectRef idx="0">
+            <a:schemeClr val="accent1"/>
+          </a:effectRef>
+          <a:fontRef idx="minor">
+            <a:schemeClr val="tx1"/>
+          </a:fontRef>
+        </p:style>
+      </p:cxnSp>
+      <p:sp>
+        <p:nvSpPr>
+          <p:cNvPr id="27" name="TextBox 26">
+            <a:extLst>
+              <a:ext uri="{FF2B5EF4-FFF2-40B4-BE49-F238E27FC236}">
+                <a16:creationId xmlns:a16="http://schemas.microsoft.com/office/drawing/2014/main" id="{A3BBDBE8-E3F9-3F2E-E70A-80CEB8CC67D8}"/>
+              </a:ext>
+            </a:extLst>
+          </p:cNvPr>
+          <p:cNvSpPr txBox="1"/>
+          <p:nvPr/>
+        </p:nvSpPr>
+        <p:spPr>
+          <a:xfrm>
+            <a:off x="6416034" y="3049992"/>
+            <a:ext cx="1074781" cy="369332"/>
+          </a:xfrm>
+          <a:prstGeom prst="rect">
+            <a:avLst/>
+          </a:prstGeom>
+          <a:noFill/>
+        </p:spPr>
+        <p:txBody>
+          <a:bodyPr wrap="none" rtlCol="0">
+            <a:spAutoFit/>
+          </a:bodyPr>
+          <a:lstStyle/>
+          <a:p>
+            <a:r>
+              <a:rPr lang="en-US" dirty="0"/>
+              <a:t>subscribe</a:t>
+            </a:r>
+          </a:p>
+        </p:txBody>
+      </p:sp>
+      <p:sp>
+        <p:nvSpPr>
+          <p:cNvPr id="49" name="TextBox 48">
+            <a:extLst>
+              <a:ext uri="{FF2B5EF4-FFF2-40B4-BE49-F238E27FC236}">
+                <a16:creationId xmlns:a16="http://schemas.microsoft.com/office/drawing/2014/main" id="{EEC282C4-A988-8900-EF33-25E167F9765D}"/>
+              </a:ext>
+            </a:extLst>
+          </p:cNvPr>
+          <p:cNvSpPr txBox="1"/>
+          <p:nvPr/>
+        </p:nvSpPr>
+        <p:spPr>
+          <a:xfrm>
+            <a:off x="893348" y="4528457"/>
+            <a:ext cx="10538654" cy="1938992"/>
+          </a:xfrm>
+          <a:prstGeom prst="rect">
+            <a:avLst/>
+          </a:prstGeom>
+          <a:noFill/>
+        </p:spPr>
+        <p:txBody>
+          <a:bodyPr wrap="none" rtlCol="0">
+            <a:spAutoFit/>
+          </a:bodyPr>
+          <a:lstStyle/>
+          <a:p>
+            <a:r>
+              <a:rPr lang="en-US" sz="4000" b="1" dirty="0"/>
+              <a:t>next:	 (</a:t>
+            </a:r>
+            <a:r>
+              <a:rPr lang="en-US" sz="4000" b="1" dirty="0" err="1"/>
+              <a:t>nextVal</a:t>
+            </a:r>
+            <a:r>
+              <a:rPr lang="en-US" sz="4000" b="1" dirty="0"/>
+              <a:t>) =&gt; {// do something with </a:t>
+            </a:r>
+            <a:r>
+              <a:rPr lang="en-US" sz="4000" b="1" dirty="0" err="1"/>
+              <a:t>val</a:t>
+            </a:r>
+            <a:r>
+              <a:rPr lang="en-US" sz="4000" b="1" dirty="0"/>
+              <a:t>}</a:t>
+            </a:r>
+          </a:p>
+          <a:p>
+            <a:r>
+              <a:rPr lang="en-US" sz="4000" dirty="0">
+                <a:solidFill>
+                  <a:srgbClr val="FF0000"/>
+                </a:solidFill>
+              </a:rPr>
+              <a:t>error: 	(error)	=&gt; {// do something with error},</a:t>
+            </a:r>
+          </a:p>
+          <a:p>
+            <a:r>
+              <a:rPr lang="en-US" sz="4000" b="1" dirty="0"/>
+              <a:t>complete: () =&gt;{ do something when finished}</a:t>
+            </a:r>
+          </a:p>
+        </p:txBody>
+      </p:sp>
+      <p:sp>
+        <p:nvSpPr>
+          <p:cNvPr id="50" name="TextBox 49">
+            <a:extLst>
+              <a:ext uri="{FF2B5EF4-FFF2-40B4-BE49-F238E27FC236}">
+                <a16:creationId xmlns:a16="http://schemas.microsoft.com/office/drawing/2014/main" id="{3ADC1872-408A-9C76-1772-1771EB448748}"/>
+              </a:ext>
+            </a:extLst>
+          </p:cNvPr>
+          <p:cNvSpPr txBox="1"/>
+          <p:nvPr/>
+        </p:nvSpPr>
+        <p:spPr>
+          <a:xfrm>
+            <a:off x="203104" y="4572415"/>
+            <a:ext cx="647934" cy="1862048"/>
+          </a:xfrm>
+          <a:prstGeom prst="rect">
+            <a:avLst/>
+          </a:prstGeom>
+          <a:noFill/>
+        </p:spPr>
+        <p:txBody>
+          <a:bodyPr wrap="none" rtlCol="0">
+            <a:spAutoFit/>
+          </a:bodyPr>
+          <a:lstStyle/>
+          <a:p>
+            <a:r>
+              <a:rPr lang="en-US" sz="11500" dirty="0"/>
+              <a:t>{</a:t>
+            </a:r>
+            <a:endParaRPr lang="en-US" dirty="0"/>
+          </a:p>
+        </p:txBody>
+      </p:sp>
+      <p:sp>
+        <p:nvSpPr>
+          <p:cNvPr id="51" name="TextBox 50">
+            <a:extLst>
+              <a:ext uri="{FF2B5EF4-FFF2-40B4-BE49-F238E27FC236}">
+                <a16:creationId xmlns:a16="http://schemas.microsoft.com/office/drawing/2014/main" id="{19489977-B898-3E9B-BC6A-76FFC1DB3B69}"/>
+              </a:ext>
+            </a:extLst>
+          </p:cNvPr>
+          <p:cNvSpPr txBox="1"/>
+          <p:nvPr/>
+        </p:nvSpPr>
+        <p:spPr>
+          <a:xfrm rot="10800000">
+            <a:off x="11256040" y="4553549"/>
+            <a:ext cx="647934" cy="1862048"/>
+          </a:xfrm>
+          <a:prstGeom prst="rect">
+            <a:avLst/>
+          </a:prstGeom>
+          <a:noFill/>
+        </p:spPr>
+        <p:txBody>
+          <a:bodyPr wrap="none" rtlCol="0">
+            <a:spAutoFit/>
+          </a:bodyPr>
+          <a:lstStyle/>
+          <a:p>
+            <a:r>
+              <a:rPr lang="en-US" sz="11500" dirty="0"/>
+              <a:t>{</a:t>
+            </a:r>
+            <a:endParaRPr lang="en-US" dirty="0"/>
+          </a:p>
+        </p:txBody>
+      </p:sp>
+      <p:sp>
+        <p:nvSpPr>
+          <p:cNvPr id="2" name="Multiplication Sign 1">
+            <a:extLst>
+              <a:ext uri="{FF2B5EF4-FFF2-40B4-BE49-F238E27FC236}">
+                <a16:creationId xmlns:a16="http://schemas.microsoft.com/office/drawing/2014/main" id="{B8A14B45-8FC3-A4B0-33E1-D6AD89431937}"/>
+              </a:ext>
+            </a:extLst>
+          </p:cNvPr>
+          <p:cNvSpPr/>
+          <p:nvPr/>
+        </p:nvSpPr>
+        <p:spPr>
+          <a:xfrm>
+            <a:off x="6028760" y="-189899"/>
+            <a:ext cx="1796994" cy="1768717"/>
+          </a:xfrm>
+          <a:prstGeom prst="mathMultiply">
+            <a:avLst>
+              <a:gd name="adj1" fmla="val 7928"/>
+            </a:avLst>
+          </a:prstGeom>
+          <a:solidFill>
+            <a:srgbClr val="FF0000"/>
+          </a:solidFill>
+        </p:spPr>
+        <p:style>
+          <a:lnRef idx="2">
+            <a:schemeClr val="accent1">
+              <a:shade val="15000"/>
+            </a:schemeClr>
+          </a:lnRef>
+          <a:fillRef idx="1">
+            <a:schemeClr val="accent1"/>
+          </a:fillRef>
+          <a:effectRef idx="0">
+            <a:schemeClr val="accent1"/>
+          </a:effectRef>
+          <a:fontRef idx="minor">
+            <a:schemeClr val="lt1"/>
+          </a:fontRef>
+        </p:style>
+        <p:txBody>
+          <a:bodyPr rtlCol="0" anchor="ctr"/>
+          <a:lstStyle/>
+          <a:p>
+            <a:pPr algn="ctr"/>
+            <a:endParaRPr lang="en-US"/>
+          </a:p>
+        </p:txBody>
+      </p:sp>
+    </p:spTree>
+    <p:extLst>
+      <p:ext uri="{BB962C8B-B14F-4D97-AF65-F5344CB8AC3E}">
+        <p14:creationId xmlns:p14="http://schemas.microsoft.com/office/powerpoint/2010/main" val="1968570072"/>
+      </p:ext>
+    </p:extLst>
+  </p:cSld>
+  <p:clrMapOvr>
+    <a:masterClrMapping/>
+  </p:clrMapOvr>
+</p:sld>
+</file>
+
+<file path=ppt/slides/slide21.xml><?xml version="1.0" encoding="utf-8"?>
+<p:sld xmlns:a="http://schemas.openxmlformats.org/drawingml/2006/main" xmlns:r="http://schemas.openxmlformats.org/officeDocument/2006/relationships" xmlns:p="http://schemas.openxmlformats.org/presentationml/2006/main">
+  <p:cSld>
+    <p:spTree>
+      <p:nvGrpSpPr>
+        <p:cNvPr id="1" name=""/>
+        <p:cNvGrpSpPr/>
+        <p:nvPr/>
+      </p:nvGrpSpPr>
+      <p:grpSpPr>
+        <a:xfrm>
+          <a:off x="0" y="0"/>
+          <a:ext cx="0" cy="0"/>
+          <a:chOff x="0" y="0"/>
+          <a:chExt cx="0" cy="0"/>
+        </a:xfrm>
+      </p:grpSpPr>
+      <p:sp>
+        <p:nvSpPr>
+          <p:cNvPr id="2" name="Title 1">
+            <a:extLst>
+              <a:ext uri="{FF2B5EF4-FFF2-40B4-BE49-F238E27FC236}">
+                <a16:creationId xmlns:a16="http://schemas.microsoft.com/office/drawing/2014/main" id="{D72C13FB-C47F-EB1A-95CE-839E80564388}"/>
+              </a:ext>
+            </a:extLst>
+          </p:cNvPr>
+          <p:cNvSpPr>
+            <a:spLocks noGrp="1"/>
+          </p:cNvSpPr>
+          <p:nvPr>
+            <p:ph type="title"/>
+          </p:nvPr>
+        </p:nvSpPr>
+        <p:spPr/>
+        <p:txBody>
+          <a:bodyPr/>
+          <a:lstStyle/>
+          <a:p>
+            <a:r>
+              <a:rPr lang="en-US" dirty="0"/>
+              <a:t>Finalizing Auth Listener</a:t>
+            </a:r>
+          </a:p>
+        </p:txBody>
+      </p:sp>
+      <p:sp>
+        <p:nvSpPr>
+          <p:cNvPr id="3" name="Content Placeholder 2">
+            <a:extLst>
+              <a:ext uri="{FF2B5EF4-FFF2-40B4-BE49-F238E27FC236}">
+                <a16:creationId xmlns:a16="http://schemas.microsoft.com/office/drawing/2014/main" id="{BF6E938F-D2F4-7D75-052A-7690595BC463}"/>
+              </a:ext>
+            </a:extLst>
+          </p:cNvPr>
+          <p:cNvSpPr>
+            <a:spLocks noGrp="1"/>
+          </p:cNvSpPr>
+          <p:nvPr>
+            <p:ph idx="1"/>
+          </p:nvPr>
+        </p:nvSpPr>
+        <p:spPr/>
+        <p:txBody>
+          <a:bodyPr/>
+          <a:lstStyle/>
+          <a:p>
+            <a:endParaRPr lang="en-US"/>
+          </a:p>
+        </p:txBody>
+      </p:sp>
+    </p:spTree>
+    <p:extLst>
+      <p:ext uri="{BB962C8B-B14F-4D97-AF65-F5344CB8AC3E}">
+        <p14:creationId xmlns:p14="http://schemas.microsoft.com/office/powerpoint/2010/main" val="59620597"/>
       </p:ext>
     </p:extLst>
   </p:cSld>

--- a/ReactJSNew/Reactjs.pptx
+++ b/ReactJSNew/Reactjs.pptx
@@ -26,6 +26,7 @@
     <p:sldId id="274" r:id="rId20"/>
     <p:sldId id="275" r:id="rId21"/>
     <p:sldId id="276" r:id="rId22"/>
+    <p:sldId id="277" r:id="rId23"/>
   </p:sldIdLst>
   <p:sldSz cx="12192000" cy="6858000"/>
   <p:notesSz cx="6858000" cy="9144000"/>
@@ -279,7 +280,7 @@
           <a:p>
             <a:fld id="{9A5E46BC-724F-4E92-A585-0C922623FDCA}" type="datetimeFigureOut">
               <a:rPr lang="en-US" smtClean="0"/>
-              <a:t>9/28/2023</a:t>
+              <a:t>9/29/2023</a:t>
             </a:fld>
             <a:endParaRPr lang="en-US"/>
           </a:p>
@@ -477,7 +478,7 @@
           <a:p>
             <a:fld id="{9A5E46BC-724F-4E92-A585-0C922623FDCA}" type="datetimeFigureOut">
               <a:rPr lang="en-US" smtClean="0"/>
-              <a:t>9/28/2023</a:t>
+              <a:t>9/29/2023</a:t>
             </a:fld>
             <a:endParaRPr lang="en-US"/>
           </a:p>
@@ -685,7 +686,7 @@
           <a:p>
             <a:fld id="{9A5E46BC-724F-4E92-A585-0C922623FDCA}" type="datetimeFigureOut">
               <a:rPr lang="en-US" smtClean="0"/>
-              <a:t>9/28/2023</a:t>
+              <a:t>9/29/2023</a:t>
             </a:fld>
             <a:endParaRPr lang="en-US"/>
           </a:p>
@@ -883,7 +884,7 @@
           <a:p>
             <a:fld id="{9A5E46BC-724F-4E92-A585-0C922623FDCA}" type="datetimeFigureOut">
               <a:rPr lang="en-US" smtClean="0"/>
-              <a:t>9/28/2023</a:t>
+              <a:t>9/29/2023</a:t>
             </a:fld>
             <a:endParaRPr lang="en-US"/>
           </a:p>
@@ -1158,7 +1159,7 @@
           <a:p>
             <a:fld id="{9A5E46BC-724F-4E92-A585-0C922623FDCA}" type="datetimeFigureOut">
               <a:rPr lang="en-US" smtClean="0"/>
-              <a:t>9/28/2023</a:t>
+              <a:t>9/29/2023</a:t>
             </a:fld>
             <a:endParaRPr lang="en-US"/>
           </a:p>
@@ -1423,7 +1424,7 @@
           <a:p>
             <a:fld id="{9A5E46BC-724F-4E92-A585-0C922623FDCA}" type="datetimeFigureOut">
               <a:rPr lang="en-US" smtClean="0"/>
-              <a:t>9/28/2023</a:t>
+              <a:t>9/29/2023</a:t>
             </a:fld>
             <a:endParaRPr lang="en-US"/>
           </a:p>
@@ -1835,7 +1836,7 @@
           <a:p>
             <a:fld id="{9A5E46BC-724F-4E92-A585-0C922623FDCA}" type="datetimeFigureOut">
               <a:rPr lang="en-US" smtClean="0"/>
-              <a:t>9/28/2023</a:t>
+              <a:t>9/29/2023</a:t>
             </a:fld>
             <a:endParaRPr lang="en-US"/>
           </a:p>
@@ -1976,7 +1977,7 @@
           <a:p>
             <a:fld id="{9A5E46BC-724F-4E92-A585-0C922623FDCA}" type="datetimeFigureOut">
               <a:rPr lang="en-US" smtClean="0"/>
-              <a:t>9/28/2023</a:t>
+              <a:t>9/29/2023</a:t>
             </a:fld>
             <a:endParaRPr lang="en-US"/>
           </a:p>
@@ -2089,7 +2090,7 @@
           <a:p>
             <a:fld id="{9A5E46BC-724F-4E92-A585-0C922623FDCA}" type="datetimeFigureOut">
               <a:rPr lang="en-US" smtClean="0"/>
-              <a:t>9/28/2023</a:t>
+              <a:t>9/29/2023</a:t>
             </a:fld>
             <a:endParaRPr lang="en-US"/>
           </a:p>
@@ -2400,7 +2401,7 @@
           <a:p>
             <a:fld id="{9A5E46BC-724F-4E92-A585-0C922623FDCA}" type="datetimeFigureOut">
               <a:rPr lang="en-US" smtClean="0"/>
-              <a:t>9/28/2023</a:t>
+              <a:t>9/29/2023</a:t>
             </a:fld>
             <a:endParaRPr lang="en-US"/>
           </a:p>
@@ -2688,7 +2689,7 @@
           <a:p>
             <a:fld id="{9A5E46BC-724F-4E92-A585-0C922623FDCA}" type="datetimeFigureOut">
               <a:rPr lang="en-US" smtClean="0"/>
-              <a:t>9/28/2023</a:t>
+              <a:t>9/29/2023</a:t>
             </a:fld>
             <a:endParaRPr lang="en-US"/>
           </a:p>
@@ -2929,7 +2930,7 @@
           <a:p>
             <a:fld id="{9A5E46BC-724F-4E92-A585-0C922623FDCA}" type="datetimeFigureOut">
               <a:rPr lang="en-US" smtClean="0"/>
-              <a:t>9/28/2023</a:t>
+              <a:t>9/29/2023</a:t>
             </a:fld>
             <a:endParaRPr lang="en-US"/>
           </a:p>
@@ -16052,6 +16053,88 @@
 </p:sld>
 </file>
 
+<file path=ppt/slides/slide22.xml><?xml version="1.0" encoding="utf-8"?>
+<p:sld xmlns:a="http://schemas.openxmlformats.org/drawingml/2006/main" xmlns:r="http://schemas.openxmlformats.org/officeDocument/2006/relationships" xmlns:p="http://schemas.openxmlformats.org/presentationml/2006/main">
+  <p:cSld>
+    <p:spTree>
+      <p:nvGrpSpPr>
+        <p:cNvPr id="1" name=""/>
+        <p:cNvGrpSpPr/>
+        <p:nvPr/>
+      </p:nvGrpSpPr>
+      <p:grpSpPr>
+        <a:xfrm>
+          <a:off x="0" y="0"/>
+          <a:ext cx="0" cy="0"/>
+          <a:chOff x="0" y="0"/>
+          <a:chExt cx="0" cy="0"/>
+        </a:xfrm>
+      </p:grpSpPr>
+      <p:sp>
+        <p:nvSpPr>
+          <p:cNvPr id="3" name="Content Placeholder 2">
+            <a:extLst>
+              <a:ext uri="{FF2B5EF4-FFF2-40B4-BE49-F238E27FC236}">
+                <a16:creationId xmlns:a16="http://schemas.microsoft.com/office/drawing/2014/main" id="{39F3963D-D57E-D1C1-3F20-C2DE94205DFA}"/>
+              </a:ext>
+            </a:extLst>
+          </p:cNvPr>
+          <p:cNvSpPr>
+            <a:spLocks noGrp="1"/>
+          </p:cNvSpPr>
+          <p:nvPr>
+            <p:ph idx="1"/>
+          </p:nvPr>
+        </p:nvSpPr>
+        <p:spPr>
+          <a:xfrm>
+            <a:off x="838200" y="327546"/>
+            <a:ext cx="10515600" cy="5849417"/>
+          </a:xfrm>
+        </p:spPr>
+        <p:txBody>
+          <a:bodyPr/>
+          <a:lstStyle/>
+          <a:p>
+            <a:r>
+              <a:rPr lang="en-US" dirty="0"/>
+              <a:t>New Shop page</a:t>
+            </a:r>
+          </a:p>
+          <a:p>
+            <a:r>
+              <a:rPr lang="en-US" dirty="0"/>
+              <a:t>Products context</a:t>
+            </a:r>
+          </a:p>
+          <a:p>
+            <a:r>
+              <a:rPr lang="en-US" dirty="0"/>
+              <a:t>Product </a:t>
+            </a:r>
+            <a:r>
+              <a:rPr lang="en-US"/>
+              <a:t>card component</a:t>
+            </a:r>
+          </a:p>
+          <a:p>
+            <a:endParaRPr lang="en-US"/>
+          </a:p>
+        </p:txBody>
+      </p:sp>
+    </p:spTree>
+    <p:extLst>
+      <p:ext uri="{BB962C8B-B14F-4D97-AF65-F5344CB8AC3E}">
+        <p14:creationId xmlns:p14="http://schemas.microsoft.com/office/powerpoint/2010/main" val="3186367981"/>
+      </p:ext>
+    </p:extLst>
+  </p:cSld>
+  <p:clrMapOvr>
+    <a:masterClrMapping/>
+  </p:clrMapOvr>
+</p:sld>
+</file>
+
 <file path=ppt/slides/slide3.xml><?xml version="1.0" encoding="utf-8"?>
 <p:sld xmlns:a="http://schemas.openxmlformats.org/drawingml/2006/main" xmlns:r="http://schemas.openxmlformats.org/officeDocument/2006/relationships" xmlns:p="http://schemas.openxmlformats.org/presentationml/2006/main">
   <p:cSld>

--- a/ReactJSNew/Reactjs.pptx
+++ b/ReactJSNew/Reactjs.pptx
@@ -280,7 +280,7 @@
           <a:p>
             <a:fld id="{9A5E46BC-724F-4E92-A585-0C922623FDCA}" type="datetimeFigureOut">
               <a:rPr lang="en-US" smtClean="0"/>
-              <a:t>9/29/2023</a:t>
+              <a:t>10/4/2023</a:t>
             </a:fld>
             <a:endParaRPr lang="en-US"/>
           </a:p>
@@ -478,7 +478,7 @@
           <a:p>
             <a:fld id="{9A5E46BC-724F-4E92-A585-0C922623FDCA}" type="datetimeFigureOut">
               <a:rPr lang="en-US" smtClean="0"/>
-              <a:t>9/29/2023</a:t>
+              <a:t>10/4/2023</a:t>
             </a:fld>
             <a:endParaRPr lang="en-US"/>
           </a:p>
@@ -686,7 +686,7 @@
           <a:p>
             <a:fld id="{9A5E46BC-724F-4E92-A585-0C922623FDCA}" type="datetimeFigureOut">
               <a:rPr lang="en-US" smtClean="0"/>
-              <a:t>9/29/2023</a:t>
+              <a:t>10/4/2023</a:t>
             </a:fld>
             <a:endParaRPr lang="en-US"/>
           </a:p>
@@ -884,7 +884,7 @@
           <a:p>
             <a:fld id="{9A5E46BC-724F-4E92-A585-0C922623FDCA}" type="datetimeFigureOut">
               <a:rPr lang="en-US" smtClean="0"/>
-              <a:t>9/29/2023</a:t>
+              <a:t>10/4/2023</a:t>
             </a:fld>
             <a:endParaRPr lang="en-US"/>
           </a:p>
@@ -1159,7 +1159,7 @@
           <a:p>
             <a:fld id="{9A5E46BC-724F-4E92-A585-0C922623FDCA}" type="datetimeFigureOut">
               <a:rPr lang="en-US" smtClean="0"/>
-              <a:t>9/29/2023</a:t>
+              <a:t>10/4/2023</a:t>
             </a:fld>
             <a:endParaRPr lang="en-US"/>
           </a:p>
@@ -1424,7 +1424,7 @@
           <a:p>
             <a:fld id="{9A5E46BC-724F-4E92-A585-0C922623FDCA}" type="datetimeFigureOut">
               <a:rPr lang="en-US" smtClean="0"/>
-              <a:t>9/29/2023</a:t>
+              <a:t>10/4/2023</a:t>
             </a:fld>
             <a:endParaRPr lang="en-US"/>
           </a:p>
@@ -1836,7 +1836,7 @@
           <a:p>
             <a:fld id="{9A5E46BC-724F-4E92-A585-0C922623FDCA}" type="datetimeFigureOut">
               <a:rPr lang="en-US" smtClean="0"/>
-              <a:t>9/29/2023</a:t>
+              <a:t>10/4/2023</a:t>
             </a:fld>
             <a:endParaRPr lang="en-US"/>
           </a:p>
@@ -1977,7 +1977,7 @@
           <a:p>
             <a:fld id="{9A5E46BC-724F-4E92-A585-0C922623FDCA}" type="datetimeFigureOut">
               <a:rPr lang="en-US" smtClean="0"/>
-              <a:t>9/29/2023</a:t>
+              <a:t>10/4/2023</a:t>
             </a:fld>
             <a:endParaRPr lang="en-US"/>
           </a:p>
@@ -2090,7 +2090,7 @@
           <a:p>
             <a:fld id="{9A5E46BC-724F-4E92-A585-0C922623FDCA}" type="datetimeFigureOut">
               <a:rPr lang="en-US" smtClean="0"/>
-              <a:t>9/29/2023</a:t>
+              <a:t>10/4/2023</a:t>
             </a:fld>
             <a:endParaRPr lang="en-US"/>
           </a:p>
@@ -2401,7 +2401,7 @@
           <a:p>
             <a:fld id="{9A5E46BC-724F-4E92-A585-0C922623FDCA}" type="datetimeFigureOut">
               <a:rPr lang="en-US" smtClean="0"/>
-              <a:t>9/29/2023</a:t>
+              <a:t>10/4/2023</a:t>
             </a:fld>
             <a:endParaRPr lang="en-US"/>
           </a:p>
@@ -2689,7 +2689,7 @@
           <a:p>
             <a:fld id="{9A5E46BC-724F-4E92-A585-0C922623FDCA}" type="datetimeFigureOut">
               <a:rPr lang="en-US" smtClean="0"/>
-              <a:t>9/29/2023</a:t>
+              <a:t>10/4/2023</a:t>
             </a:fld>
             <a:endParaRPr lang="en-US"/>
           </a:p>
@@ -2930,7 +2930,7 @@
           <a:p>
             <a:fld id="{9A5E46BC-724F-4E92-A585-0C922623FDCA}" type="datetimeFigureOut">
               <a:rPr lang="en-US" smtClean="0"/>
-              <a:t>9/29/2023</a:t>
+              <a:t>10/4/2023</a:t>
             </a:fld>
             <a:endParaRPr lang="en-US"/>
           </a:p>
@@ -16110,15 +16110,29 @@
           <a:p>
             <a:r>
               <a:rPr lang="en-US" dirty="0"/>
-              <a:t>Product </a:t>
-            </a:r>
-            <a:r>
-              <a:rPr lang="en-US"/>
-              <a:t>card component</a:t>
-            </a:r>
-          </a:p>
-          <a:p>
-            <a:endParaRPr lang="en-US"/>
+              <a:t>Product card component</a:t>
+            </a:r>
+          </a:p>
+          <a:p>
+            <a:r>
+              <a:rPr lang="en-US" dirty="0"/>
+              <a:t>Cart Icon &amp; Dropdown</a:t>
+            </a:r>
+          </a:p>
+          <a:p>
+            <a:r>
+              <a:rPr lang="en-US" dirty="0"/>
+              <a:t>Toggle Cart Open</a:t>
+            </a:r>
+          </a:p>
+          <a:p>
+            <a:r>
+              <a:rPr lang="en-US" dirty="0"/>
+              <a:t>Add to Cart</a:t>
+            </a:r>
+          </a:p>
+          <a:p>
+            <a:endParaRPr lang="en-US" dirty="0"/>
           </a:p>
         </p:txBody>
       </p:sp>

--- a/ReactJSNew/Reactjs.pptx
+++ b/ReactJSNew/Reactjs.pptx
@@ -280,7 +280,7 @@
           <a:p>
             <a:fld id="{9A5E46BC-724F-4E92-A585-0C922623FDCA}" type="datetimeFigureOut">
               <a:rPr lang="en-US" smtClean="0"/>
-              <a:t>10/4/2023</a:t>
+              <a:t>10/5/2023</a:t>
             </a:fld>
             <a:endParaRPr lang="en-US"/>
           </a:p>
@@ -478,7 +478,7 @@
           <a:p>
             <a:fld id="{9A5E46BC-724F-4E92-A585-0C922623FDCA}" type="datetimeFigureOut">
               <a:rPr lang="en-US" smtClean="0"/>
-              <a:t>10/4/2023</a:t>
+              <a:t>10/5/2023</a:t>
             </a:fld>
             <a:endParaRPr lang="en-US"/>
           </a:p>
@@ -686,7 +686,7 @@
           <a:p>
             <a:fld id="{9A5E46BC-724F-4E92-A585-0C922623FDCA}" type="datetimeFigureOut">
               <a:rPr lang="en-US" smtClean="0"/>
-              <a:t>10/4/2023</a:t>
+              <a:t>10/5/2023</a:t>
             </a:fld>
             <a:endParaRPr lang="en-US"/>
           </a:p>
@@ -884,7 +884,7 @@
           <a:p>
             <a:fld id="{9A5E46BC-724F-4E92-A585-0C922623FDCA}" type="datetimeFigureOut">
               <a:rPr lang="en-US" smtClean="0"/>
-              <a:t>10/4/2023</a:t>
+              <a:t>10/5/2023</a:t>
             </a:fld>
             <a:endParaRPr lang="en-US"/>
           </a:p>
@@ -1159,7 +1159,7 @@
           <a:p>
             <a:fld id="{9A5E46BC-724F-4E92-A585-0C922623FDCA}" type="datetimeFigureOut">
               <a:rPr lang="en-US" smtClean="0"/>
-              <a:t>10/4/2023</a:t>
+              <a:t>10/5/2023</a:t>
             </a:fld>
             <a:endParaRPr lang="en-US"/>
           </a:p>
@@ -1424,7 +1424,7 @@
           <a:p>
             <a:fld id="{9A5E46BC-724F-4E92-A585-0C922623FDCA}" type="datetimeFigureOut">
               <a:rPr lang="en-US" smtClean="0"/>
-              <a:t>10/4/2023</a:t>
+              <a:t>10/5/2023</a:t>
             </a:fld>
             <a:endParaRPr lang="en-US"/>
           </a:p>
@@ -1836,7 +1836,7 @@
           <a:p>
             <a:fld id="{9A5E46BC-724F-4E92-A585-0C922623FDCA}" type="datetimeFigureOut">
               <a:rPr lang="en-US" smtClean="0"/>
-              <a:t>10/4/2023</a:t>
+              <a:t>10/5/2023</a:t>
             </a:fld>
             <a:endParaRPr lang="en-US"/>
           </a:p>
@@ -1977,7 +1977,7 @@
           <a:p>
             <a:fld id="{9A5E46BC-724F-4E92-A585-0C922623FDCA}" type="datetimeFigureOut">
               <a:rPr lang="en-US" smtClean="0"/>
-              <a:t>10/4/2023</a:t>
+              <a:t>10/5/2023</a:t>
             </a:fld>
             <a:endParaRPr lang="en-US"/>
           </a:p>
@@ -2090,7 +2090,7 @@
           <a:p>
             <a:fld id="{9A5E46BC-724F-4E92-A585-0C922623FDCA}" type="datetimeFigureOut">
               <a:rPr lang="en-US" smtClean="0"/>
-              <a:t>10/4/2023</a:t>
+              <a:t>10/5/2023</a:t>
             </a:fld>
             <a:endParaRPr lang="en-US"/>
           </a:p>
@@ -2401,7 +2401,7 @@
           <a:p>
             <a:fld id="{9A5E46BC-724F-4E92-A585-0C922623FDCA}" type="datetimeFigureOut">
               <a:rPr lang="en-US" smtClean="0"/>
-              <a:t>10/4/2023</a:t>
+              <a:t>10/5/2023</a:t>
             </a:fld>
             <a:endParaRPr lang="en-US"/>
           </a:p>
@@ -2689,7 +2689,7 @@
           <a:p>
             <a:fld id="{9A5E46BC-724F-4E92-A585-0C922623FDCA}" type="datetimeFigureOut">
               <a:rPr lang="en-US" smtClean="0"/>
-              <a:t>10/4/2023</a:t>
+              <a:t>10/5/2023</a:t>
             </a:fld>
             <a:endParaRPr lang="en-US"/>
           </a:p>
@@ -2930,7 +2930,7 @@
           <a:p>
             <a:fld id="{9A5E46BC-724F-4E92-A585-0C922623FDCA}" type="datetimeFigureOut">
               <a:rPr lang="en-US" smtClean="0"/>
-              <a:t>10/4/2023</a:t>
+              <a:t>10/5/2023</a:t>
             </a:fld>
             <a:endParaRPr lang="en-US"/>
           </a:p>
@@ -16132,6 +16132,21 @@
             </a:r>
           </a:p>
           <a:p>
+            <a:r>
+              <a:rPr lang="en-US" dirty="0"/>
+              <a:t>Cart Item Designs</a:t>
+            </a:r>
+          </a:p>
+          <a:p>
+            <a:r>
+              <a:rPr lang="en-US" dirty="0"/>
+              <a:t>Creating Checkout Page</a:t>
+            </a:r>
+          </a:p>
+          <a:p>
+            <a:endParaRPr lang="en-US" dirty="0"/>
+          </a:p>
+          <a:p>
             <a:endParaRPr lang="en-US" dirty="0"/>
           </a:p>
         </p:txBody>

--- a/ReactJSNew/Reactjs.pptx
+++ b/ReactJSNew/Reactjs.pptx
@@ -27,6 +27,7 @@
     <p:sldId id="275" r:id="rId21"/>
     <p:sldId id="276" r:id="rId22"/>
     <p:sldId id="277" r:id="rId23"/>
+    <p:sldId id="278" r:id="rId24"/>
   </p:sldIdLst>
   <p:sldSz cx="12192000" cy="6858000"/>
   <p:notesSz cx="6858000" cy="9144000"/>
@@ -280,7 +281,7 @@
           <a:p>
             <a:fld id="{9A5E46BC-724F-4E92-A585-0C922623FDCA}" type="datetimeFigureOut">
               <a:rPr lang="en-US" smtClean="0"/>
-              <a:t>10/5/2023</a:t>
+              <a:t>10/6/2023</a:t>
             </a:fld>
             <a:endParaRPr lang="en-US"/>
           </a:p>
@@ -478,7 +479,7 @@
           <a:p>
             <a:fld id="{9A5E46BC-724F-4E92-A585-0C922623FDCA}" type="datetimeFigureOut">
               <a:rPr lang="en-US" smtClean="0"/>
-              <a:t>10/5/2023</a:t>
+              <a:t>10/6/2023</a:t>
             </a:fld>
             <a:endParaRPr lang="en-US"/>
           </a:p>
@@ -686,7 +687,7 @@
           <a:p>
             <a:fld id="{9A5E46BC-724F-4E92-A585-0C922623FDCA}" type="datetimeFigureOut">
               <a:rPr lang="en-US" smtClean="0"/>
-              <a:t>10/5/2023</a:t>
+              <a:t>10/6/2023</a:t>
             </a:fld>
             <a:endParaRPr lang="en-US"/>
           </a:p>
@@ -884,7 +885,7 @@
           <a:p>
             <a:fld id="{9A5E46BC-724F-4E92-A585-0C922623FDCA}" type="datetimeFigureOut">
               <a:rPr lang="en-US" smtClean="0"/>
-              <a:t>10/5/2023</a:t>
+              <a:t>10/6/2023</a:t>
             </a:fld>
             <a:endParaRPr lang="en-US"/>
           </a:p>
@@ -1159,7 +1160,7 @@
           <a:p>
             <a:fld id="{9A5E46BC-724F-4E92-A585-0C922623FDCA}" type="datetimeFigureOut">
               <a:rPr lang="en-US" smtClean="0"/>
-              <a:t>10/5/2023</a:t>
+              <a:t>10/6/2023</a:t>
             </a:fld>
             <a:endParaRPr lang="en-US"/>
           </a:p>
@@ -1424,7 +1425,7 @@
           <a:p>
             <a:fld id="{9A5E46BC-724F-4E92-A585-0C922623FDCA}" type="datetimeFigureOut">
               <a:rPr lang="en-US" smtClean="0"/>
-              <a:t>10/5/2023</a:t>
+              <a:t>10/6/2023</a:t>
             </a:fld>
             <a:endParaRPr lang="en-US"/>
           </a:p>
@@ -1836,7 +1837,7 @@
           <a:p>
             <a:fld id="{9A5E46BC-724F-4E92-A585-0C922623FDCA}" type="datetimeFigureOut">
               <a:rPr lang="en-US" smtClean="0"/>
-              <a:t>10/5/2023</a:t>
+              <a:t>10/6/2023</a:t>
             </a:fld>
             <a:endParaRPr lang="en-US"/>
           </a:p>
@@ -1977,7 +1978,7 @@
           <a:p>
             <a:fld id="{9A5E46BC-724F-4E92-A585-0C922623FDCA}" type="datetimeFigureOut">
               <a:rPr lang="en-US" smtClean="0"/>
-              <a:t>10/5/2023</a:t>
+              <a:t>10/6/2023</a:t>
             </a:fld>
             <a:endParaRPr lang="en-US"/>
           </a:p>
@@ -2090,7 +2091,7 @@
           <a:p>
             <a:fld id="{9A5E46BC-724F-4E92-A585-0C922623FDCA}" type="datetimeFigureOut">
               <a:rPr lang="en-US" smtClean="0"/>
-              <a:t>10/5/2023</a:t>
+              <a:t>10/6/2023</a:t>
             </a:fld>
             <a:endParaRPr lang="en-US"/>
           </a:p>
@@ -2401,7 +2402,7 @@
           <a:p>
             <a:fld id="{9A5E46BC-724F-4E92-A585-0C922623FDCA}" type="datetimeFigureOut">
               <a:rPr lang="en-US" smtClean="0"/>
-              <a:t>10/5/2023</a:t>
+              <a:t>10/6/2023</a:t>
             </a:fld>
             <a:endParaRPr lang="en-US"/>
           </a:p>
@@ -2689,7 +2690,7 @@
           <a:p>
             <a:fld id="{9A5E46BC-724F-4E92-A585-0C922623FDCA}" type="datetimeFigureOut">
               <a:rPr lang="en-US" smtClean="0"/>
-              <a:t>10/5/2023</a:t>
+              <a:t>10/6/2023</a:t>
             </a:fld>
             <a:endParaRPr lang="en-US"/>
           </a:p>
@@ -2930,7 +2931,7 @@
           <a:p>
             <a:fld id="{9A5E46BC-724F-4E92-A585-0C922623FDCA}" type="datetimeFigureOut">
               <a:rPr lang="en-US" smtClean="0"/>
-              <a:t>10/5/2023</a:t>
+              <a:t>10/6/2023</a:t>
             </a:fld>
             <a:endParaRPr lang="en-US"/>
           </a:p>
@@ -16144,6 +16145,12 @@
             </a:r>
           </a:p>
           <a:p>
+            <a:r>
+              <a:rPr lang="en-US" dirty="0"/>
+              <a:t>Cart Total</a:t>
+            </a:r>
+          </a:p>
+          <a:p>
             <a:endParaRPr lang="en-US" dirty="0"/>
           </a:p>
           <a:p>
@@ -16155,6 +16162,98 @@
     <p:extLst>
       <p:ext uri="{BB962C8B-B14F-4D97-AF65-F5344CB8AC3E}">
         <p14:creationId xmlns:p14="http://schemas.microsoft.com/office/powerpoint/2010/main" val="3186367981"/>
+      </p:ext>
+    </p:extLst>
+  </p:cSld>
+  <p:clrMapOvr>
+    <a:masterClrMapping/>
+  </p:clrMapOvr>
+</p:sld>
+</file>
+
+<file path=ppt/slides/slide23.xml><?xml version="1.0" encoding="utf-8"?>
+<p:sld xmlns:a="http://schemas.openxmlformats.org/drawingml/2006/main" xmlns:r="http://schemas.openxmlformats.org/officeDocument/2006/relationships" xmlns:p="http://schemas.openxmlformats.org/presentationml/2006/main">
+  <p:cSld>
+    <p:spTree>
+      <p:nvGrpSpPr>
+        <p:cNvPr id="1" name=""/>
+        <p:cNvGrpSpPr/>
+        <p:nvPr/>
+      </p:nvGrpSpPr>
+      <p:grpSpPr>
+        <a:xfrm>
+          <a:off x="0" y="0"/>
+          <a:ext cx="0" cy="0"/>
+          <a:chOff x="0" y="0"/>
+          <a:chExt cx="0" cy="0"/>
+        </a:xfrm>
+      </p:grpSpPr>
+      <p:sp>
+        <p:nvSpPr>
+          <p:cNvPr id="2" name="Title 1">
+            <a:extLst>
+              <a:ext uri="{FF2B5EF4-FFF2-40B4-BE49-F238E27FC236}">
+                <a16:creationId xmlns:a16="http://schemas.microsoft.com/office/drawing/2014/main" id="{6711DC1C-391B-189B-687B-DA484551ED6A}"/>
+              </a:ext>
+            </a:extLst>
+          </p:cNvPr>
+          <p:cNvSpPr>
+            <a:spLocks noGrp="1"/>
+          </p:cNvSpPr>
+          <p:nvPr>
+            <p:ph type="title"/>
+          </p:nvPr>
+        </p:nvSpPr>
+        <p:spPr/>
+        <p:txBody>
+          <a:bodyPr/>
+          <a:lstStyle/>
+          <a:p>
+            <a:r>
+              <a:rPr lang="en-US" dirty="0"/>
+              <a:t>Firebase Database </a:t>
+            </a:r>
+            <a:r>
+              <a:rPr lang="en-US" dirty="0" err="1"/>
+              <a:t>NoSql</a:t>
+            </a:r>
+            <a:endParaRPr lang="en-US" dirty="0"/>
+          </a:p>
+        </p:txBody>
+      </p:sp>
+      <p:sp>
+        <p:nvSpPr>
+          <p:cNvPr id="3" name="Content Placeholder 2">
+            <a:extLst>
+              <a:ext uri="{FF2B5EF4-FFF2-40B4-BE49-F238E27FC236}">
+                <a16:creationId xmlns:a16="http://schemas.microsoft.com/office/drawing/2014/main" id="{2AA1A3EA-0B3F-52F4-4965-641696B7AAC2}"/>
+              </a:ext>
+            </a:extLst>
+          </p:cNvPr>
+          <p:cNvSpPr>
+            <a:spLocks noGrp="1"/>
+          </p:cNvSpPr>
+          <p:nvPr>
+            <p:ph idx="1"/>
+          </p:nvPr>
+        </p:nvSpPr>
+        <p:spPr/>
+        <p:txBody>
+          <a:bodyPr/>
+          <a:lstStyle/>
+          <a:p>
+            <a:r>
+              <a:rPr lang="en-US" dirty="0" err="1"/>
+              <a:t>addCollectionAndDocuments</a:t>
+            </a:r>
+            <a:endParaRPr lang="en-US" dirty="0"/>
+          </a:p>
+        </p:txBody>
+      </p:sp>
+    </p:spTree>
+    <p:extLst>
+      <p:ext uri="{BB962C8B-B14F-4D97-AF65-F5344CB8AC3E}">
+        <p14:creationId xmlns:p14="http://schemas.microsoft.com/office/powerpoint/2010/main" val="4259664430"/>
       </p:ext>
     </p:extLst>
   </p:cSld>

--- a/ReactJSNew/Reactjs.pptx
+++ b/ReactJSNew/Reactjs.pptx
@@ -281,7 +281,7 @@
           <a:p>
             <a:fld id="{9A5E46BC-724F-4E92-A585-0C922623FDCA}" type="datetimeFigureOut">
               <a:rPr lang="en-US" smtClean="0"/>
-              <a:t>10/6/2023</a:t>
+              <a:t>10/9/2023</a:t>
             </a:fld>
             <a:endParaRPr lang="en-US"/>
           </a:p>
@@ -479,7 +479,7 @@
           <a:p>
             <a:fld id="{9A5E46BC-724F-4E92-A585-0C922623FDCA}" type="datetimeFigureOut">
               <a:rPr lang="en-US" smtClean="0"/>
-              <a:t>10/6/2023</a:t>
+              <a:t>10/9/2023</a:t>
             </a:fld>
             <a:endParaRPr lang="en-US"/>
           </a:p>
@@ -687,7 +687,7 @@
           <a:p>
             <a:fld id="{9A5E46BC-724F-4E92-A585-0C922623FDCA}" type="datetimeFigureOut">
               <a:rPr lang="en-US" smtClean="0"/>
-              <a:t>10/6/2023</a:t>
+              <a:t>10/9/2023</a:t>
             </a:fld>
             <a:endParaRPr lang="en-US"/>
           </a:p>
@@ -885,7 +885,7 @@
           <a:p>
             <a:fld id="{9A5E46BC-724F-4E92-A585-0C922623FDCA}" type="datetimeFigureOut">
               <a:rPr lang="en-US" smtClean="0"/>
-              <a:t>10/6/2023</a:t>
+              <a:t>10/9/2023</a:t>
             </a:fld>
             <a:endParaRPr lang="en-US"/>
           </a:p>
@@ -1160,7 +1160,7 @@
           <a:p>
             <a:fld id="{9A5E46BC-724F-4E92-A585-0C922623FDCA}" type="datetimeFigureOut">
               <a:rPr lang="en-US" smtClean="0"/>
-              <a:t>10/6/2023</a:t>
+              <a:t>10/9/2023</a:t>
             </a:fld>
             <a:endParaRPr lang="en-US"/>
           </a:p>
@@ -1425,7 +1425,7 @@
           <a:p>
             <a:fld id="{9A5E46BC-724F-4E92-A585-0C922623FDCA}" type="datetimeFigureOut">
               <a:rPr lang="en-US" smtClean="0"/>
-              <a:t>10/6/2023</a:t>
+              <a:t>10/9/2023</a:t>
             </a:fld>
             <a:endParaRPr lang="en-US"/>
           </a:p>
@@ -1837,7 +1837,7 @@
           <a:p>
             <a:fld id="{9A5E46BC-724F-4E92-A585-0C922623FDCA}" type="datetimeFigureOut">
               <a:rPr lang="en-US" smtClean="0"/>
-              <a:t>10/6/2023</a:t>
+              <a:t>10/9/2023</a:t>
             </a:fld>
             <a:endParaRPr lang="en-US"/>
           </a:p>
@@ -1978,7 +1978,7 @@
           <a:p>
             <a:fld id="{9A5E46BC-724F-4E92-A585-0C922623FDCA}" type="datetimeFigureOut">
               <a:rPr lang="en-US" smtClean="0"/>
-              <a:t>10/6/2023</a:t>
+              <a:t>10/9/2023</a:t>
             </a:fld>
             <a:endParaRPr lang="en-US"/>
           </a:p>
@@ -2091,7 +2091,7 @@
           <a:p>
             <a:fld id="{9A5E46BC-724F-4E92-A585-0C922623FDCA}" type="datetimeFigureOut">
               <a:rPr lang="en-US" smtClean="0"/>
-              <a:t>10/6/2023</a:t>
+              <a:t>10/9/2023</a:t>
             </a:fld>
             <a:endParaRPr lang="en-US"/>
           </a:p>
@@ -2402,7 +2402,7 @@
           <a:p>
             <a:fld id="{9A5E46BC-724F-4E92-A585-0C922623FDCA}" type="datetimeFigureOut">
               <a:rPr lang="en-US" smtClean="0"/>
-              <a:t>10/6/2023</a:t>
+              <a:t>10/9/2023</a:t>
             </a:fld>
             <a:endParaRPr lang="en-US"/>
           </a:p>
@@ -2690,7 +2690,7 @@
           <a:p>
             <a:fld id="{9A5E46BC-724F-4E92-A585-0C922623FDCA}" type="datetimeFigureOut">
               <a:rPr lang="en-US" smtClean="0"/>
-              <a:t>10/6/2023</a:t>
+              <a:t>10/9/2023</a:t>
             </a:fld>
             <a:endParaRPr lang="en-US"/>
           </a:p>
@@ -2931,7 +2931,7 @@
           <a:p>
             <a:fld id="{9A5E46BC-724F-4E92-A585-0C922623FDCA}" type="datetimeFigureOut">
               <a:rPr lang="en-US" smtClean="0"/>
-              <a:t>10/6/2023</a:t>
+              <a:t>10/9/2023</a:t>
             </a:fld>
             <a:endParaRPr lang="en-US"/>
           </a:p>
@@ -16248,6 +16248,41 @@
             </a:r>
             <a:endParaRPr lang="en-US" dirty="0"/>
           </a:p>
+          <a:p>
+            <a:r>
+              <a:rPr lang="en-US" dirty="0"/>
+              <a:t>Using Our </a:t>
+            </a:r>
+            <a:r>
+              <a:rPr lang="en-US" dirty="0" err="1"/>
+              <a:t>CategoriesMap</a:t>
+            </a:r>
+            <a:endParaRPr lang="en-US" dirty="0"/>
+          </a:p>
+          <a:p>
+            <a:r>
+              <a:rPr lang="en-US" dirty="0"/>
+              <a:t>Category preview Component</a:t>
+            </a:r>
+          </a:p>
+          <a:p>
+            <a:r>
+              <a:rPr lang="en-US" dirty="0"/>
+              <a:t>Nested Routes in Shop</a:t>
+            </a:r>
+          </a:p>
+          <a:p>
+            <a:r>
+              <a:rPr lang="en-US" dirty="0"/>
+              <a:t>Category Page</a:t>
+            </a:r>
+          </a:p>
+          <a:p>
+            <a:r>
+              <a:rPr lang="en-US" dirty="0"/>
+              <a:t>Fixing Clashing Styles</a:t>
+            </a:r>
+          </a:p>
         </p:txBody>
       </p:sp>
     </p:spTree>

--- a/ReactJSNew/Reactjs.pptx
+++ b/ReactJSNew/Reactjs.pptx
@@ -5,29 +5,31 @@
     <p:sldMasterId id="2147483648" r:id="rId1"/>
   </p:sldMasterIdLst>
   <p:sldIdLst>
-    <p:sldId id="256" r:id="rId2"/>
-    <p:sldId id="257" r:id="rId3"/>
-    <p:sldId id="258" r:id="rId4"/>
-    <p:sldId id="259" r:id="rId5"/>
-    <p:sldId id="260" r:id="rId6"/>
-    <p:sldId id="261" r:id="rId7"/>
-    <p:sldId id="262" r:id="rId8"/>
-    <p:sldId id="263" r:id="rId9"/>
-    <p:sldId id="264" r:id="rId10"/>
-    <p:sldId id="265" r:id="rId11"/>
-    <p:sldId id="266" r:id="rId12"/>
-    <p:sldId id="267" r:id="rId13"/>
-    <p:sldId id="268" r:id="rId14"/>
-    <p:sldId id="269" r:id="rId15"/>
-    <p:sldId id="270" r:id="rId16"/>
-    <p:sldId id="271" r:id="rId17"/>
-    <p:sldId id="272" r:id="rId18"/>
-    <p:sldId id="273" r:id="rId19"/>
-    <p:sldId id="274" r:id="rId20"/>
-    <p:sldId id="275" r:id="rId21"/>
-    <p:sldId id="276" r:id="rId22"/>
-    <p:sldId id="277" r:id="rId23"/>
-    <p:sldId id="278" r:id="rId24"/>
+    <p:sldId id="280" r:id="rId2"/>
+    <p:sldId id="256" r:id="rId3"/>
+    <p:sldId id="257" r:id="rId4"/>
+    <p:sldId id="258" r:id="rId5"/>
+    <p:sldId id="259" r:id="rId6"/>
+    <p:sldId id="260" r:id="rId7"/>
+    <p:sldId id="261" r:id="rId8"/>
+    <p:sldId id="262" r:id="rId9"/>
+    <p:sldId id="263" r:id="rId10"/>
+    <p:sldId id="264" r:id="rId11"/>
+    <p:sldId id="265" r:id="rId12"/>
+    <p:sldId id="266" r:id="rId13"/>
+    <p:sldId id="267" r:id="rId14"/>
+    <p:sldId id="268" r:id="rId15"/>
+    <p:sldId id="269" r:id="rId16"/>
+    <p:sldId id="270" r:id="rId17"/>
+    <p:sldId id="271" r:id="rId18"/>
+    <p:sldId id="272" r:id="rId19"/>
+    <p:sldId id="273" r:id="rId20"/>
+    <p:sldId id="274" r:id="rId21"/>
+    <p:sldId id="275" r:id="rId22"/>
+    <p:sldId id="276" r:id="rId23"/>
+    <p:sldId id="277" r:id="rId24"/>
+    <p:sldId id="278" r:id="rId25"/>
+    <p:sldId id="279" r:id="rId26"/>
   </p:sldIdLst>
   <p:sldSz cx="12192000" cy="6858000"/>
   <p:notesSz cx="6858000" cy="9144000"/>
@@ -281,7 +283,7 @@
           <a:p>
             <a:fld id="{9A5E46BC-724F-4E92-A585-0C922623FDCA}" type="datetimeFigureOut">
               <a:rPr lang="en-US" smtClean="0"/>
-              <a:t>10/9/2023</a:t>
+              <a:t>10/11/2023</a:t>
             </a:fld>
             <a:endParaRPr lang="en-US"/>
           </a:p>
@@ -479,7 +481,7 @@
           <a:p>
             <a:fld id="{9A5E46BC-724F-4E92-A585-0C922623FDCA}" type="datetimeFigureOut">
               <a:rPr lang="en-US" smtClean="0"/>
-              <a:t>10/9/2023</a:t>
+              <a:t>10/11/2023</a:t>
             </a:fld>
             <a:endParaRPr lang="en-US"/>
           </a:p>
@@ -687,7 +689,7 @@
           <a:p>
             <a:fld id="{9A5E46BC-724F-4E92-A585-0C922623FDCA}" type="datetimeFigureOut">
               <a:rPr lang="en-US" smtClean="0"/>
-              <a:t>10/9/2023</a:t>
+              <a:t>10/11/2023</a:t>
             </a:fld>
             <a:endParaRPr lang="en-US"/>
           </a:p>
@@ -885,7 +887,7 @@
           <a:p>
             <a:fld id="{9A5E46BC-724F-4E92-A585-0C922623FDCA}" type="datetimeFigureOut">
               <a:rPr lang="en-US" smtClean="0"/>
-              <a:t>10/9/2023</a:t>
+              <a:t>10/11/2023</a:t>
             </a:fld>
             <a:endParaRPr lang="en-US"/>
           </a:p>
@@ -1160,7 +1162,7 @@
           <a:p>
             <a:fld id="{9A5E46BC-724F-4E92-A585-0C922623FDCA}" type="datetimeFigureOut">
               <a:rPr lang="en-US" smtClean="0"/>
-              <a:t>10/9/2023</a:t>
+              <a:t>10/11/2023</a:t>
             </a:fld>
             <a:endParaRPr lang="en-US"/>
           </a:p>
@@ -1425,7 +1427,7 @@
           <a:p>
             <a:fld id="{9A5E46BC-724F-4E92-A585-0C922623FDCA}" type="datetimeFigureOut">
               <a:rPr lang="en-US" smtClean="0"/>
-              <a:t>10/9/2023</a:t>
+              <a:t>10/11/2023</a:t>
             </a:fld>
             <a:endParaRPr lang="en-US"/>
           </a:p>
@@ -1837,7 +1839,7 @@
           <a:p>
             <a:fld id="{9A5E46BC-724F-4E92-A585-0C922623FDCA}" type="datetimeFigureOut">
               <a:rPr lang="en-US" smtClean="0"/>
-              <a:t>10/9/2023</a:t>
+              <a:t>10/11/2023</a:t>
             </a:fld>
             <a:endParaRPr lang="en-US"/>
           </a:p>
@@ -1978,7 +1980,7 @@
           <a:p>
             <a:fld id="{9A5E46BC-724F-4E92-A585-0C922623FDCA}" type="datetimeFigureOut">
               <a:rPr lang="en-US" smtClean="0"/>
-              <a:t>10/9/2023</a:t>
+              <a:t>10/11/2023</a:t>
             </a:fld>
             <a:endParaRPr lang="en-US"/>
           </a:p>
@@ -2091,7 +2093,7 @@
           <a:p>
             <a:fld id="{9A5E46BC-724F-4E92-A585-0C922623FDCA}" type="datetimeFigureOut">
               <a:rPr lang="en-US" smtClean="0"/>
-              <a:t>10/9/2023</a:t>
+              <a:t>10/11/2023</a:t>
             </a:fld>
             <a:endParaRPr lang="en-US"/>
           </a:p>
@@ -2402,7 +2404,7 @@
           <a:p>
             <a:fld id="{9A5E46BC-724F-4E92-A585-0C922623FDCA}" type="datetimeFigureOut">
               <a:rPr lang="en-US" smtClean="0"/>
-              <a:t>10/9/2023</a:t>
+              <a:t>10/11/2023</a:t>
             </a:fld>
             <a:endParaRPr lang="en-US"/>
           </a:p>
@@ -2690,7 +2692,7 @@
           <a:p>
             <a:fld id="{9A5E46BC-724F-4E92-A585-0C922623FDCA}" type="datetimeFigureOut">
               <a:rPr lang="en-US" smtClean="0"/>
-              <a:t>10/9/2023</a:t>
+              <a:t>10/11/2023</a:t>
             </a:fld>
             <a:endParaRPr lang="en-US"/>
           </a:p>
@@ -2931,7 +2933,7 @@
           <a:p>
             <a:fld id="{9A5E46BC-724F-4E92-A585-0C922623FDCA}" type="datetimeFigureOut">
               <a:rPr lang="en-US" smtClean="0"/>
-              <a:t>10/9/2023</a:t>
+              <a:t>10/11/2023</a:t>
             </a:fld>
             <a:endParaRPr lang="en-US"/>
           </a:p>
@@ -3353,7 +3355,7 @@
           <p:cNvPr id="2" name="Title 1">
             <a:extLst>
               <a:ext uri="{FF2B5EF4-FFF2-40B4-BE49-F238E27FC236}">
-                <a16:creationId xmlns:a16="http://schemas.microsoft.com/office/drawing/2014/main" id="{4D6B132C-539E-14EF-88A9-4898BD2ED831}"/>
+                <a16:creationId xmlns:a16="http://schemas.microsoft.com/office/drawing/2014/main" id="{B0ACC46E-6F3D-D94A-5751-4E8305669F0F}"/>
               </a:ext>
             </a:extLst>
           </p:cNvPr>
@@ -3361,117 +3363,110 @@
             <a:spLocks noGrp="1"/>
           </p:cNvSpPr>
           <p:nvPr>
-            <p:ph type="ctrTitle"/>
+            <p:ph type="title"/>
           </p:nvPr>
         </p:nvSpPr>
-        <p:spPr>
-          <a:xfrm>
-            <a:off x="1683657" y="570820"/>
-            <a:ext cx="9869714" cy="5321980"/>
-          </a:xfrm>
-        </p:spPr>
+        <p:spPr/>
         <p:txBody>
-          <a:bodyPr numCol="2" anchor="ctr">
-            <a:normAutofit fontScale="90000"/>
-          </a:bodyPr>
+          <a:bodyPr/>
           <a:lstStyle/>
           <a:p>
             <a:r>
               <a:rPr lang="en-US" dirty="0"/>
-              <a:t>React Basics</a:t>
-            </a:r>
-            <a:br>
+              <a:t>Interview Guide  point</a:t>
+            </a:r>
+          </a:p>
+        </p:txBody>
+      </p:sp>
+      <p:sp>
+        <p:nvSpPr>
+          <p:cNvPr id="3" name="Content Placeholder 2">
+            <a:extLst>
+              <a:ext uri="{FF2B5EF4-FFF2-40B4-BE49-F238E27FC236}">
+                <a16:creationId xmlns:a16="http://schemas.microsoft.com/office/drawing/2014/main" id="{0B2C0017-332D-241E-F0C9-9A2C76529A2D}"/>
+              </a:ext>
+            </a:extLst>
+          </p:cNvPr>
+          <p:cNvSpPr>
+            <a:spLocks noGrp="1"/>
+          </p:cNvSpPr>
+          <p:nvPr>
+            <p:ph idx="1"/>
+          </p:nvPr>
+        </p:nvSpPr>
+        <p:spPr/>
+        <p:txBody>
+          <a:bodyPr/>
+          <a:lstStyle/>
+          <a:p>
+            <a:r>
               <a:rPr lang="en-US" dirty="0"/>
-            </a:br>
+              <a:t>Project live – link</a:t>
+            </a:r>
+          </a:p>
+          <a:p>
             <a:r>
               <a:rPr lang="en-US" dirty="0"/>
-              <a:t>React Router</a:t>
-            </a:r>
-            <a:br>
-              <a:rPr lang="en-US" dirty="0"/>
-            </a:br>
-            <a:r>
-              <a:rPr lang="en-US" dirty="0"/>
-              <a:t>Context API</a:t>
-            </a:r>
-            <a:br>
-              <a:rPr lang="en-US" dirty="0"/>
-            </a:br>
-            <a:r>
-              <a:rPr lang="en-US" dirty="0"/>
-              <a:t>Hooks</a:t>
-            </a:r>
-            <a:br>
-              <a:rPr lang="en-US" dirty="0"/>
-            </a:br>
-            <a:r>
-              <a:rPr lang="en-US" dirty="0"/>
-              <a:t>Firebase</a:t>
-            </a:r>
-            <a:br>
-              <a:rPr lang="en-US" dirty="0"/>
-            </a:br>
-            <a:r>
-              <a:rPr lang="en-US" dirty="0"/>
-              <a:t>payments – stripe</a:t>
-            </a:r>
-            <a:br>
-              <a:rPr lang="en-US" dirty="0"/>
-            </a:br>
+              <a:t>Html-</a:t>
+            </a:r>
             <a:r>
               <a:rPr lang="en-US" dirty="0" err="1"/>
               <a:t>css</a:t>
             </a:r>
             <a:r>
               <a:rPr lang="en-US" dirty="0"/>
-              <a:t> in </a:t>
+              <a:t>- 1 project</a:t>
+            </a:r>
+          </a:p>
+          <a:p>
+            <a:r>
+              <a:rPr lang="en-US" dirty="0"/>
+              <a:t>JavaScript – 15 project</a:t>
+            </a:r>
+          </a:p>
+          <a:p>
+            <a:r>
+              <a:rPr lang="en-US" dirty="0"/>
+              <a:t>Node – </a:t>
             </a:r>
             <a:r>
               <a:rPr lang="en-US" dirty="0" err="1"/>
-              <a:t>jS</a:t>
-            </a:r>
-            <a:br>
+              <a:t>Sql</a:t>
+            </a:r>
+            <a:r>
               <a:rPr lang="en-US" dirty="0"/>
-            </a:br>
+              <a:t> – </a:t>
+            </a:r>
+            <a:r>
+              <a:rPr lang="en-US" dirty="0" err="1"/>
+              <a:t>MongoDb</a:t>
+            </a:r>
             <a:r>
               <a:rPr lang="en-US" dirty="0"/>
-              <a:t>Performance</a:t>
-            </a:r>
-            <a:br>
+              <a:t> – API</a:t>
+            </a:r>
+          </a:p>
+          <a:p>
+            <a:r>
               <a:rPr lang="en-US" dirty="0"/>
-            </a:br>
+              <a:t>React – Monster – Burger</a:t>
+            </a:r>
+          </a:p>
+          <a:p>
             <a:r>
               <a:rPr lang="en-US" dirty="0"/>
-              <a:t>PWA</a:t>
-            </a:r>
-            <a:br>
-              <a:rPr lang="en-US" dirty="0"/>
-            </a:br>
-            <a:r>
-              <a:rPr lang="en-US" dirty="0"/>
-              <a:t>Redux</a:t>
-            </a:r>
-            <a:br>
-              <a:rPr lang="en-US" dirty="0"/>
-            </a:br>
-            <a:r>
-              <a:rPr lang="en-US" dirty="0"/>
-              <a:t>Redux-Saga</a:t>
-            </a:r>
-            <a:br>
-              <a:rPr lang="en-US" dirty="0"/>
-            </a:br>
-            <a:r>
-              <a:rPr lang="en-US" dirty="0"/>
-              <a:t>Testing</a:t>
-            </a:r>
+              <a:t>Portfolio</a:t>
+            </a:r>
+          </a:p>
+          <a:p>
+            <a:endParaRPr lang="en-US" dirty="0"/>
           </a:p>
         </p:txBody>
       </p:sp>
     </p:spTree>
     <p:extLst>
       <p:ext uri="{BB962C8B-B14F-4D97-AF65-F5344CB8AC3E}">
-        <p14:creationId xmlns:p14="http://schemas.microsoft.com/office/powerpoint/2010/main" val="605087398"/>
+        <p14:creationId xmlns:p14="http://schemas.microsoft.com/office/powerpoint/2010/main" val="1544705782"/>
       </p:ext>
     </p:extLst>
   </p:cSld>
@@ -3500,10 +3495,10 @@
       </p:grpSpPr>
       <p:sp>
         <p:nvSpPr>
-          <p:cNvPr id="2" name="Title 1">
-            <a:extLst>
-              <a:ext uri="{FF2B5EF4-FFF2-40B4-BE49-F238E27FC236}">
-                <a16:creationId xmlns:a16="http://schemas.microsoft.com/office/drawing/2014/main" id="{AEC1970E-DCB2-2B0A-D6E1-0FE38376802F}"/>
+          <p:cNvPr id="3" name="Content Placeholder 2">
+            <a:extLst>
+              <a:ext uri="{FF2B5EF4-FFF2-40B4-BE49-F238E27FC236}">
+                <a16:creationId xmlns:a16="http://schemas.microsoft.com/office/drawing/2014/main" id="{19763195-B3D1-599A-5947-1949B05CCD4C}"/>
               </a:ext>
             </a:extLst>
           </p:cNvPr>
@@ -3511,13 +3506,13 @@
             <a:spLocks noGrp="1"/>
           </p:cNvSpPr>
           <p:nvPr>
-            <p:ph type="title"/>
+            <p:ph idx="1"/>
           </p:nvPr>
         </p:nvSpPr>
         <p:spPr>
           <a:xfrm>
-            <a:off x="838200" y="365126"/>
-            <a:ext cx="10149114" cy="723446"/>
+            <a:off x="838200" y="304800"/>
+            <a:ext cx="10515600" cy="5872163"/>
           </a:xfrm>
         </p:spPr>
         <p:txBody>
@@ -3526,856 +3521,75 @@
           <a:p>
             <a:r>
               <a:rPr lang="en-US" dirty="0"/>
-              <a:t>Context</a:t>
+              <a:t>Generalizing Form Input Component</a:t>
+            </a:r>
+          </a:p>
+          <a:p>
+            <a:r>
+              <a:rPr lang="en-US" dirty="0"/>
+              <a:t>Firestore Data Models</a:t>
+            </a:r>
+          </a:p>
+          <a:p>
+            <a:r>
+              <a:rPr lang="en-US" dirty="0"/>
+              <a:t>Setting up user Documents</a:t>
+            </a:r>
+          </a:p>
+          <a:p>
+            <a:r>
+              <a:rPr lang="en-US" dirty="0"/>
+              <a:t>Finish Creating User Documents</a:t>
+            </a:r>
+          </a:p>
+          <a:p>
+            <a:r>
+              <a:rPr lang="en-US" dirty="0"/>
+              <a:t>Sign In with Redirect</a:t>
+            </a:r>
+          </a:p>
+          <a:p>
+            <a:r>
+              <a:rPr lang="en-US" dirty="0"/>
+              <a:t>Sign Up Form</a:t>
+            </a:r>
+          </a:p>
+          <a:p>
+            <a:r>
+              <a:rPr lang="en-US" dirty="0"/>
+              <a:t>Sign Up with email password </a:t>
+            </a:r>
+          </a:p>
+          <a:p>
+            <a:r>
+              <a:rPr lang="en-US" dirty="0"/>
+              <a:t>Generalizing Form Input Component</a:t>
+            </a:r>
+          </a:p>
+          <a:p>
+            <a:r>
+              <a:rPr lang="en-US" dirty="0"/>
+              <a:t>Custom button component</a:t>
+            </a:r>
+          </a:p>
+          <a:p>
+            <a:r>
+              <a:rPr lang="en-US" dirty="0"/>
+              <a:t>Sign In Form</a:t>
+            </a:r>
+          </a:p>
+          <a:p>
+            <a:r>
+              <a:rPr lang="en-US" dirty="0"/>
+              <a:t>Finishing Authentication Page</a:t>
             </a:r>
           </a:p>
         </p:txBody>
       </p:sp>
-      <p:sp>
-        <p:nvSpPr>
-          <p:cNvPr id="4" name="Flowchart: Connector 3">
-            <a:extLst>
-              <a:ext uri="{FF2B5EF4-FFF2-40B4-BE49-F238E27FC236}">
-                <a16:creationId xmlns:a16="http://schemas.microsoft.com/office/drawing/2014/main" id="{0DEE531A-24A1-0176-44E4-C9C5D48551C1}"/>
-              </a:ext>
-            </a:extLst>
-          </p:cNvPr>
-          <p:cNvSpPr/>
-          <p:nvPr/>
-        </p:nvSpPr>
-        <p:spPr>
-          <a:xfrm>
-            <a:off x="4992914" y="348344"/>
-            <a:ext cx="1669143" cy="1219200"/>
-          </a:xfrm>
-          <a:prstGeom prst="flowChartConnector">
-            <a:avLst/>
-          </a:prstGeom>
-        </p:spPr>
-        <p:style>
-          <a:lnRef idx="2">
-            <a:schemeClr val="accent1">
-              <a:shade val="15000"/>
-            </a:schemeClr>
-          </a:lnRef>
-          <a:fillRef idx="1">
-            <a:schemeClr val="accent1"/>
-          </a:fillRef>
-          <a:effectRef idx="0">
-            <a:schemeClr val="accent1"/>
-          </a:effectRef>
-          <a:fontRef idx="minor">
-            <a:schemeClr val="lt1"/>
-          </a:fontRef>
-        </p:style>
-        <p:txBody>
-          <a:bodyPr rtlCol="0" anchor="ctr"/>
-          <a:lstStyle/>
-          <a:p>
-            <a:pPr algn="ctr"/>
-            <a:r>
-              <a:rPr lang="en-US" dirty="0"/>
-              <a:t>App</a:t>
-            </a:r>
-          </a:p>
-        </p:txBody>
-      </p:sp>
-      <p:sp>
-        <p:nvSpPr>
-          <p:cNvPr id="5" name="Oval 4">
-            <a:extLst>
-              <a:ext uri="{FF2B5EF4-FFF2-40B4-BE49-F238E27FC236}">
-                <a16:creationId xmlns:a16="http://schemas.microsoft.com/office/drawing/2014/main" id="{863F4397-394A-C97F-1809-837A1B495064}"/>
-              </a:ext>
-            </a:extLst>
-          </p:cNvPr>
-          <p:cNvSpPr/>
-          <p:nvPr/>
-        </p:nvSpPr>
-        <p:spPr>
-          <a:xfrm>
-            <a:off x="9027886" y="2206171"/>
-            <a:ext cx="1756228" cy="1001486"/>
-          </a:xfrm>
-          <a:prstGeom prst="ellipse">
-            <a:avLst/>
-          </a:prstGeom>
-        </p:spPr>
-        <p:style>
-          <a:lnRef idx="2">
-            <a:schemeClr val="accent1">
-              <a:shade val="15000"/>
-            </a:schemeClr>
-          </a:lnRef>
-          <a:fillRef idx="1">
-            <a:schemeClr val="accent1"/>
-          </a:fillRef>
-          <a:effectRef idx="0">
-            <a:schemeClr val="accent1"/>
-          </a:effectRef>
-          <a:fontRef idx="minor">
-            <a:schemeClr val="lt1"/>
-          </a:fontRef>
-        </p:style>
-        <p:txBody>
-          <a:bodyPr rtlCol="0" anchor="ctr"/>
-          <a:lstStyle/>
-          <a:p>
-            <a:pPr algn="ctr"/>
-            <a:r>
-              <a:rPr lang="en-US" dirty="0"/>
-              <a:t>orders</a:t>
-            </a:r>
-          </a:p>
-        </p:txBody>
-      </p:sp>
-      <p:sp>
-        <p:nvSpPr>
-          <p:cNvPr id="6" name="Oval 5">
-            <a:extLst>
-              <a:ext uri="{FF2B5EF4-FFF2-40B4-BE49-F238E27FC236}">
-                <a16:creationId xmlns:a16="http://schemas.microsoft.com/office/drawing/2014/main" id="{AE62C8D7-8F16-32B5-DBDB-F3E83418D725}"/>
-              </a:ext>
-            </a:extLst>
-          </p:cNvPr>
-          <p:cNvSpPr/>
-          <p:nvPr/>
-        </p:nvSpPr>
-        <p:spPr>
-          <a:xfrm>
-            <a:off x="3907973" y="3128277"/>
-            <a:ext cx="1756228" cy="1001486"/>
-          </a:xfrm>
-          <a:prstGeom prst="ellipse">
-            <a:avLst/>
-          </a:prstGeom>
-        </p:spPr>
-        <p:style>
-          <a:lnRef idx="2">
-            <a:schemeClr val="accent1">
-              <a:shade val="15000"/>
-            </a:schemeClr>
-          </a:lnRef>
-          <a:fillRef idx="1">
-            <a:schemeClr val="accent1"/>
-          </a:fillRef>
-          <a:effectRef idx="0">
-            <a:schemeClr val="accent1"/>
-          </a:effectRef>
-          <a:fontRef idx="minor">
-            <a:schemeClr val="lt1"/>
-          </a:fontRef>
-        </p:style>
-        <p:txBody>
-          <a:bodyPr rtlCol="0" anchor="ctr"/>
-          <a:lstStyle/>
-          <a:p>
-            <a:pPr algn="ctr"/>
-            <a:r>
-              <a:rPr lang="en-US" dirty="0"/>
-              <a:t>auth</a:t>
-            </a:r>
-          </a:p>
-        </p:txBody>
-      </p:sp>
-      <p:sp>
-        <p:nvSpPr>
-          <p:cNvPr id="7" name="Oval 6">
-            <a:extLst>
-              <a:ext uri="{FF2B5EF4-FFF2-40B4-BE49-F238E27FC236}">
-                <a16:creationId xmlns:a16="http://schemas.microsoft.com/office/drawing/2014/main" id="{C5AD8CEC-8971-260F-FABC-CB13EE600396}"/>
-              </a:ext>
-            </a:extLst>
-          </p:cNvPr>
-          <p:cNvSpPr/>
-          <p:nvPr/>
-        </p:nvSpPr>
-        <p:spPr>
-          <a:xfrm>
-            <a:off x="870856" y="2305502"/>
-            <a:ext cx="1756228" cy="1001486"/>
-          </a:xfrm>
-          <a:prstGeom prst="ellipse">
-            <a:avLst/>
-          </a:prstGeom>
-        </p:spPr>
-        <p:style>
-          <a:lnRef idx="2">
-            <a:schemeClr val="accent1">
-              <a:shade val="15000"/>
-            </a:schemeClr>
-          </a:lnRef>
-          <a:fillRef idx="1">
-            <a:schemeClr val="accent1"/>
-          </a:fillRef>
-          <a:effectRef idx="0">
-            <a:schemeClr val="accent1"/>
-          </a:effectRef>
-          <a:fontRef idx="minor">
-            <a:schemeClr val="lt1"/>
-          </a:fontRef>
-        </p:style>
-        <p:txBody>
-          <a:bodyPr rtlCol="0" anchor="ctr"/>
-          <a:lstStyle/>
-          <a:p>
-            <a:pPr algn="ctr"/>
-            <a:r>
-              <a:rPr lang="en-US" dirty="0"/>
-              <a:t>Settings</a:t>
-            </a:r>
-          </a:p>
-        </p:txBody>
-      </p:sp>
-      <p:sp>
-        <p:nvSpPr>
-          <p:cNvPr id="8" name="Oval 7">
-            <a:extLst>
-              <a:ext uri="{FF2B5EF4-FFF2-40B4-BE49-F238E27FC236}">
-                <a16:creationId xmlns:a16="http://schemas.microsoft.com/office/drawing/2014/main" id="{1FB3DF46-F399-B5E0-791D-C230439A99AB}"/>
-              </a:ext>
-            </a:extLst>
-          </p:cNvPr>
-          <p:cNvSpPr/>
-          <p:nvPr/>
-        </p:nvSpPr>
-        <p:spPr>
-          <a:xfrm>
-            <a:off x="261256" y="4148816"/>
-            <a:ext cx="1756228" cy="1001486"/>
-          </a:xfrm>
-          <a:prstGeom prst="ellipse">
-            <a:avLst/>
-          </a:prstGeom>
-        </p:spPr>
-        <p:style>
-          <a:lnRef idx="2">
-            <a:schemeClr val="accent1">
-              <a:shade val="15000"/>
-            </a:schemeClr>
-          </a:lnRef>
-          <a:fillRef idx="1">
-            <a:schemeClr val="accent1"/>
-          </a:fillRef>
-          <a:effectRef idx="0">
-            <a:schemeClr val="accent1"/>
-          </a:effectRef>
-          <a:fontRef idx="minor">
-            <a:schemeClr val="lt1"/>
-          </a:fontRef>
-        </p:style>
-        <p:txBody>
-          <a:bodyPr rtlCol="0" anchor="ctr"/>
-          <a:lstStyle/>
-          <a:p>
-            <a:pPr algn="ctr"/>
-            <a:r>
-              <a:rPr lang="en-US" dirty="0"/>
-              <a:t>user</a:t>
-            </a:r>
-          </a:p>
-        </p:txBody>
-      </p:sp>
-      <p:sp>
-        <p:nvSpPr>
-          <p:cNvPr id="9" name="Oval 8">
-            <a:extLst>
-              <a:ext uri="{FF2B5EF4-FFF2-40B4-BE49-F238E27FC236}">
-                <a16:creationId xmlns:a16="http://schemas.microsoft.com/office/drawing/2014/main" id="{42770EFB-355D-B5BA-FA68-203E47713E9E}"/>
-              </a:ext>
-            </a:extLst>
-          </p:cNvPr>
-          <p:cNvSpPr/>
-          <p:nvPr/>
-        </p:nvSpPr>
-        <p:spPr>
-          <a:xfrm>
-            <a:off x="261256" y="5496376"/>
-            <a:ext cx="1756228" cy="1001486"/>
-          </a:xfrm>
-          <a:prstGeom prst="ellipse">
-            <a:avLst/>
-          </a:prstGeom>
-        </p:spPr>
-        <p:style>
-          <a:lnRef idx="2">
-            <a:schemeClr val="accent1">
-              <a:shade val="15000"/>
-            </a:schemeClr>
-          </a:lnRef>
-          <a:fillRef idx="1">
-            <a:schemeClr val="accent1"/>
-          </a:fillRef>
-          <a:effectRef idx="0">
-            <a:schemeClr val="accent1"/>
-          </a:effectRef>
-          <a:fontRef idx="minor">
-            <a:schemeClr val="lt1"/>
-          </a:fontRef>
-        </p:style>
-        <p:txBody>
-          <a:bodyPr rtlCol="0" anchor="ctr"/>
-          <a:lstStyle/>
-          <a:p>
-            <a:pPr algn="ctr"/>
-            <a:r>
-              <a:rPr lang="en-US" dirty="0"/>
-              <a:t>profile</a:t>
-            </a:r>
-          </a:p>
-        </p:txBody>
-      </p:sp>
-      <p:sp>
-        <p:nvSpPr>
-          <p:cNvPr id="10" name="Oval 9">
-            <a:extLst>
-              <a:ext uri="{FF2B5EF4-FFF2-40B4-BE49-F238E27FC236}">
-                <a16:creationId xmlns:a16="http://schemas.microsoft.com/office/drawing/2014/main" id="{3FFBC3B0-F21F-BDFD-C4BF-4E7EDC4A8DD3}"/>
-              </a:ext>
-            </a:extLst>
-          </p:cNvPr>
-          <p:cNvSpPr/>
-          <p:nvPr/>
-        </p:nvSpPr>
-        <p:spPr>
-          <a:xfrm>
-            <a:off x="2889248" y="5156652"/>
-            <a:ext cx="1756228" cy="1001486"/>
-          </a:xfrm>
-          <a:prstGeom prst="ellipse">
-            <a:avLst/>
-          </a:prstGeom>
-        </p:spPr>
-        <p:style>
-          <a:lnRef idx="2">
-            <a:schemeClr val="accent1">
-              <a:shade val="15000"/>
-            </a:schemeClr>
-          </a:lnRef>
-          <a:fillRef idx="1">
-            <a:schemeClr val="accent1"/>
-          </a:fillRef>
-          <a:effectRef idx="0">
-            <a:schemeClr val="accent1"/>
-          </a:effectRef>
-          <a:fontRef idx="minor">
-            <a:schemeClr val="lt1"/>
-          </a:fontRef>
-        </p:style>
-        <p:txBody>
-          <a:bodyPr rtlCol="0" anchor="ctr"/>
-          <a:lstStyle/>
-          <a:p>
-            <a:pPr algn="ctr"/>
-            <a:r>
-              <a:rPr lang="en-US" dirty="0"/>
-              <a:t>Sign in</a:t>
-            </a:r>
-          </a:p>
-        </p:txBody>
-      </p:sp>
-      <p:sp>
-        <p:nvSpPr>
-          <p:cNvPr id="11" name="Oval 10">
-            <a:extLst>
-              <a:ext uri="{FF2B5EF4-FFF2-40B4-BE49-F238E27FC236}">
-                <a16:creationId xmlns:a16="http://schemas.microsoft.com/office/drawing/2014/main" id="{A0D0640C-ABD4-002B-BCBD-9DAE7531A2F8}"/>
-              </a:ext>
-            </a:extLst>
-          </p:cNvPr>
-          <p:cNvSpPr/>
-          <p:nvPr/>
-        </p:nvSpPr>
-        <p:spPr>
-          <a:xfrm>
-            <a:off x="5523590" y="5156652"/>
-            <a:ext cx="1756228" cy="1001486"/>
-          </a:xfrm>
-          <a:prstGeom prst="ellipse">
-            <a:avLst/>
-          </a:prstGeom>
-        </p:spPr>
-        <p:style>
-          <a:lnRef idx="2">
-            <a:schemeClr val="accent1">
-              <a:shade val="15000"/>
-            </a:schemeClr>
-          </a:lnRef>
-          <a:fillRef idx="1">
-            <a:schemeClr val="accent1"/>
-          </a:fillRef>
-          <a:effectRef idx="0">
-            <a:schemeClr val="accent1"/>
-          </a:effectRef>
-          <a:fontRef idx="minor">
-            <a:schemeClr val="lt1"/>
-          </a:fontRef>
-        </p:style>
-        <p:txBody>
-          <a:bodyPr rtlCol="0" anchor="ctr"/>
-          <a:lstStyle/>
-          <a:p>
-            <a:pPr algn="ctr"/>
-            <a:r>
-              <a:rPr lang="en-US" dirty="0"/>
-              <a:t>Sign Up</a:t>
-            </a:r>
-          </a:p>
-        </p:txBody>
-      </p:sp>
-      <p:sp>
-        <p:nvSpPr>
-          <p:cNvPr id="12" name="Oval 11">
-            <a:extLst>
-              <a:ext uri="{FF2B5EF4-FFF2-40B4-BE49-F238E27FC236}">
-                <a16:creationId xmlns:a16="http://schemas.microsoft.com/office/drawing/2014/main" id="{35664FD2-791F-26CE-C9DC-CD3C2E5B7C64}"/>
-              </a:ext>
-            </a:extLst>
-          </p:cNvPr>
-          <p:cNvSpPr/>
-          <p:nvPr/>
-        </p:nvSpPr>
-        <p:spPr>
-          <a:xfrm>
-            <a:off x="7279818" y="3842651"/>
-            <a:ext cx="1756228" cy="1001486"/>
-          </a:xfrm>
-          <a:prstGeom prst="ellipse">
-            <a:avLst/>
-          </a:prstGeom>
-        </p:spPr>
-        <p:style>
-          <a:lnRef idx="2">
-            <a:schemeClr val="accent1">
-              <a:shade val="15000"/>
-            </a:schemeClr>
-          </a:lnRef>
-          <a:fillRef idx="1">
-            <a:schemeClr val="accent1"/>
-          </a:fillRef>
-          <a:effectRef idx="0">
-            <a:schemeClr val="accent1"/>
-          </a:effectRef>
-          <a:fontRef idx="minor">
-            <a:schemeClr val="lt1"/>
-          </a:fontRef>
-        </p:style>
-        <p:txBody>
-          <a:bodyPr rtlCol="0" anchor="ctr"/>
-          <a:lstStyle/>
-          <a:p>
-            <a:pPr algn="ctr"/>
-            <a:r>
-              <a:rPr lang="en-US" dirty="0"/>
-              <a:t>history</a:t>
-            </a:r>
-          </a:p>
-        </p:txBody>
-      </p:sp>
-      <p:sp>
-        <p:nvSpPr>
-          <p:cNvPr id="13" name="Oval 12">
-            <a:extLst>
-              <a:ext uri="{FF2B5EF4-FFF2-40B4-BE49-F238E27FC236}">
-                <a16:creationId xmlns:a16="http://schemas.microsoft.com/office/drawing/2014/main" id="{5A7ACDBF-5049-230B-59FB-255F16E39283}"/>
-              </a:ext>
-            </a:extLst>
-          </p:cNvPr>
-          <p:cNvSpPr/>
-          <p:nvPr/>
-        </p:nvSpPr>
-        <p:spPr>
-          <a:xfrm>
-            <a:off x="10109200" y="4484456"/>
-            <a:ext cx="1756228" cy="1001486"/>
-          </a:xfrm>
-          <a:prstGeom prst="ellipse">
-            <a:avLst/>
-          </a:prstGeom>
-        </p:spPr>
-        <p:style>
-          <a:lnRef idx="2">
-            <a:schemeClr val="accent1">
-              <a:shade val="15000"/>
-            </a:schemeClr>
-          </a:lnRef>
-          <a:fillRef idx="1">
-            <a:schemeClr val="accent1"/>
-          </a:fillRef>
-          <a:effectRef idx="0">
-            <a:schemeClr val="accent1"/>
-          </a:effectRef>
-          <a:fontRef idx="minor">
-            <a:schemeClr val="lt1"/>
-          </a:fontRef>
-        </p:style>
-        <p:txBody>
-          <a:bodyPr rtlCol="0" anchor="ctr"/>
-          <a:lstStyle/>
-          <a:p>
-            <a:pPr algn="ctr"/>
-            <a:r>
-              <a:rPr lang="en-US" dirty="0"/>
-              <a:t>returns</a:t>
-            </a:r>
-          </a:p>
-        </p:txBody>
-      </p:sp>
-      <p:cxnSp>
-        <p:nvCxnSpPr>
-          <p:cNvPr id="15" name="Connector: Elbow 14">
-            <a:extLst>
-              <a:ext uri="{FF2B5EF4-FFF2-40B4-BE49-F238E27FC236}">
-                <a16:creationId xmlns:a16="http://schemas.microsoft.com/office/drawing/2014/main" id="{4FF8FCB6-1918-1A5F-7C5B-08A67C3D6C00}"/>
-              </a:ext>
-            </a:extLst>
-          </p:cNvPr>
-          <p:cNvCxnSpPr>
-            <a:stCxn id="4" idx="4"/>
-            <a:endCxn id="6" idx="0"/>
-          </p:cNvCxnSpPr>
-          <p:nvPr/>
-        </p:nvCxnSpPr>
-        <p:spPr>
-          <a:xfrm rot="5400000">
-            <a:off x="4526421" y="1827211"/>
-            <a:ext cx="1560733" cy="1041399"/>
-          </a:xfrm>
-          <a:prstGeom prst="bentConnector3">
-            <a:avLst/>
-          </a:prstGeom>
-        </p:spPr>
-        <p:style>
-          <a:lnRef idx="1">
-            <a:schemeClr val="accent1"/>
-          </a:lnRef>
-          <a:fillRef idx="0">
-            <a:schemeClr val="accent1"/>
-          </a:fillRef>
-          <a:effectRef idx="0">
-            <a:schemeClr val="accent1"/>
-          </a:effectRef>
-          <a:fontRef idx="minor">
-            <a:schemeClr val="tx1"/>
-          </a:fontRef>
-        </p:style>
-      </p:cxnSp>
-      <p:cxnSp>
-        <p:nvCxnSpPr>
-          <p:cNvPr id="17" name="Connector: Elbow 16">
-            <a:extLst>
-              <a:ext uri="{FF2B5EF4-FFF2-40B4-BE49-F238E27FC236}">
-                <a16:creationId xmlns:a16="http://schemas.microsoft.com/office/drawing/2014/main" id="{E2EE3B05-0CB3-9F8B-E87C-81F7413E0572}"/>
-              </a:ext>
-            </a:extLst>
-          </p:cNvPr>
-          <p:cNvCxnSpPr>
-            <a:stCxn id="4" idx="2"/>
-            <a:endCxn id="7" idx="0"/>
-          </p:cNvCxnSpPr>
-          <p:nvPr/>
-        </p:nvCxnSpPr>
-        <p:spPr>
-          <a:xfrm rot="10800000" flipV="1">
-            <a:off x="1748970" y="957944"/>
-            <a:ext cx="3243944" cy="1347558"/>
-          </a:xfrm>
-          <a:prstGeom prst="bentConnector2">
-            <a:avLst/>
-          </a:prstGeom>
-        </p:spPr>
-        <p:style>
-          <a:lnRef idx="1">
-            <a:schemeClr val="accent1"/>
-          </a:lnRef>
-          <a:fillRef idx="0">
-            <a:schemeClr val="accent1"/>
-          </a:fillRef>
-          <a:effectRef idx="0">
-            <a:schemeClr val="accent1"/>
-          </a:effectRef>
-          <a:fontRef idx="minor">
-            <a:schemeClr val="tx1"/>
-          </a:fontRef>
-        </p:style>
-      </p:cxnSp>
-      <p:cxnSp>
-        <p:nvCxnSpPr>
-          <p:cNvPr id="19" name="Connector: Elbow 18">
-            <a:extLst>
-              <a:ext uri="{FF2B5EF4-FFF2-40B4-BE49-F238E27FC236}">
-                <a16:creationId xmlns:a16="http://schemas.microsoft.com/office/drawing/2014/main" id="{28B8D7F7-4A52-F099-8934-54616F937E00}"/>
-              </a:ext>
-            </a:extLst>
-          </p:cNvPr>
-          <p:cNvCxnSpPr>
-            <a:stCxn id="4" idx="6"/>
-            <a:endCxn id="5" idx="0"/>
-          </p:cNvCxnSpPr>
-          <p:nvPr/>
-        </p:nvCxnSpPr>
-        <p:spPr>
-          <a:xfrm>
-            <a:off x="6662057" y="957944"/>
-            <a:ext cx="3243943" cy="1248227"/>
-          </a:xfrm>
-          <a:prstGeom prst="bentConnector2">
-            <a:avLst/>
-          </a:prstGeom>
-        </p:spPr>
-        <p:style>
-          <a:lnRef idx="1">
-            <a:schemeClr val="accent1"/>
-          </a:lnRef>
-          <a:fillRef idx="0">
-            <a:schemeClr val="accent1"/>
-          </a:fillRef>
-          <a:effectRef idx="0">
-            <a:schemeClr val="accent1"/>
-          </a:effectRef>
-          <a:fontRef idx="minor">
-            <a:schemeClr val="tx1"/>
-          </a:fontRef>
-        </p:style>
-      </p:cxnSp>
-      <p:cxnSp>
-        <p:nvCxnSpPr>
-          <p:cNvPr id="21" name="Connector: Elbow 20">
-            <a:extLst>
-              <a:ext uri="{FF2B5EF4-FFF2-40B4-BE49-F238E27FC236}">
-                <a16:creationId xmlns:a16="http://schemas.microsoft.com/office/drawing/2014/main" id="{593FCC46-3E83-7180-B695-3DB81DC76C4B}"/>
-              </a:ext>
-            </a:extLst>
-          </p:cNvPr>
-          <p:cNvCxnSpPr>
-            <a:stCxn id="7" idx="4"/>
-            <a:endCxn id="8" idx="0"/>
-          </p:cNvCxnSpPr>
-          <p:nvPr/>
-        </p:nvCxnSpPr>
-        <p:spPr>
-          <a:xfrm rot="5400000">
-            <a:off x="1023256" y="3423102"/>
-            <a:ext cx="841828" cy="609600"/>
-          </a:xfrm>
-          <a:prstGeom prst="bentConnector3">
-            <a:avLst/>
-          </a:prstGeom>
-        </p:spPr>
-        <p:style>
-          <a:lnRef idx="1">
-            <a:schemeClr val="accent1"/>
-          </a:lnRef>
-          <a:fillRef idx="0">
-            <a:schemeClr val="accent1"/>
-          </a:fillRef>
-          <a:effectRef idx="0">
-            <a:schemeClr val="accent1"/>
-          </a:effectRef>
-          <a:fontRef idx="minor">
-            <a:schemeClr val="tx1"/>
-          </a:fontRef>
-        </p:style>
-      </p:cxnSp>
-      <p:cxnSp>
-        <p:nvCxnSpPr>
-          <p:cNvPr id="23" name="Connector: Elbow 22">
-            <a:extLst>
-              <a:ext uri="{FF2B5EF4-FFF2-40B4-BE49-F238E27FC236}">
-                <a16:creationId xmlns:a16="http://schemas.microsoft.com/office/drawing/2014/main" id="{1ED06FA0-E509-79BD-78B2-DB4CF6F9CA6C}"/>
-              </a:ext>
-            </a:extLst>
-          </p:cNvPr>
-          <p:cNvCxnSpPr>
-            <a:stCxn id="8" idx="4"/>
-            <a:endCxn id="9" idx="0"/>
-          </p:cNvCxnSpPr>
-          <p:nvPr/>
-        </p:nvCxnSpPr>
-        <p:spPr>
-          <a:xfrm rot="5400000">
-            <a:off x="966333" y="5323339"/>
-            <a:ext cx="346074" cy="12700"/>
-          </a:xfrm>
-          <a:prstGeom prst="bentConnector3">
-            <a:avLst/>
-          </a:prstGeom>
-        </p:spPr>
-        <p:style>
-          <a:lnRef idx="1">
-            <a:schemeClr val="accent1"/>
-          </a:lnRef>
-          <a:fillRef idx="0">
-            <a:schemeClr val="accent1"/>
-          </a:fillRef>
-          <a:effectRef idx="0">
-            <a:schemeClr val="accent1"/>
-          </a:effectRef>
-          <a:fontRef idx="minor">
-            <a:schemeClr val="tx1"/>
-          </a:fontRef>
-        </p:style>
-      </p:cxnSp>
-      <p:cxnSp>
-        <p:nvCxnSpPr>
-          <p:cNvPr id="25" name="Connector: Elbow 24">
-            <a:extLst>
-              <a:ext uri="{FF2B5EF4-FFF2-40B4-BE49-F238E27FC236}">
-                <a16:creationId xmlns:a16="http://schemas.microsoft.com/office/drawing/2014/main" id="{382828CA-B497-BC3E-8CAE-EE065020F560}"/>
-              </a:ext>
-            </a:extLst>
-          </p:cNvPr>
-          <p:cNvCxnSpPr>
-            <a:stCxn id="6" idx="4"/>
-            <a:endCxn id="10" idx="0"/>
-          </p:cNvCxnSpPr>
-          <p:nvPr/>
-        </p:nvCxnSpPr>
-        <p:spPr>
-          <a:xfrm rot="5400000">
-            <a:off x="3763281" y="4133845"/>
-            <a:ext cx="1026889" cy="1018725"/>
-          </a:xfrm>
-          <a:prstGeom prst="bentConnector3">
-            <a:avLst/>
-          </a:prstGeom>
-        </p:spPr>
-        <p:style>
-          <a:lnRef idx="1">
-            <a:schemeClr val="accent1"/>
-          </a:lnRef>
-          <a:fillRef idx="0">
-            <a:schemeClr val="accent1"/>
-          </a:fillRef>
-          <a:effectRef idx="0">
-            <a:schemeClr val="accent1"/>
-          </a:effectRef>
-          <a:fontRef idx="minor">
-            <a:schemeClr val="tx1"/>
-          </a:fontRef>
-        </p:style>
-      </p:cxnSp>
-      <p:cxnSp>
-        <p:nvCxnSpPr>
-          <p:cNvPr id="27" name="Connector: Elbow 26">
-            <a:extLst>
-              <a:ext uri="{FF2B5EF4-FFF2-40B4-BE49-F238E27FC236}">
-                <a16:creationId xmlns:a16="http://schemas.microsoft.com/office/drawing/2014/main" id="{1707E679-D061-2F74-AB87-13F3AF97F16F}"/>
-              </a:ext>
-            </a:extLst>
-          </p:cNvPr>
-          <p:cNvCxnSpPr>
-            <a:stCxn id="6" idx="4"/>
-            <a:endCxn id="11" idx="0"/>
-          </p:cNvCxnSpPr>
-          <p:nvPr/>
-        </p:nvCxnSpPr>
-        <p:spPr>
-          <a:xfrm rot="16200000" flipH="1">
-            <a:off x="5080451" y="3835398"/>
-            <a:ext cx="1026889" cy="1615617"/>
-          </a:xfrm>
-          <a:prstGeom prst="bentConnector3">
-            <a:avLst/>
-          </a:prstGeom>
-        </p:spPr>
-        <p:style>
-          <a:lnRef idx="1">
-            <a:schemeClr val="accent1"/>
-          </a:lnRef>
-          <a:fillRef idx="0">
-            <a:schemeClr val="accent1"/>
-          </a:fillRef>
-          <a:effectRef idx="0">
-            <a:schemeClr val="accent1"/>
-          </a:effectRef>
-          <a:fontRef idx="minor">
-            <a:schemeClr val="tx1"/>
-          </a:fontRef>
-        </p:style>
-      </p:cxnSp>
-      <p:cxnSp>
-        <p:nvCxnSpPr>
-          <p:cNvPr id="29" name="Connector: Elbow 28">
-            <a:extLst>
-              <a:ext uri="{FF2B5EF4-FFF2-40B4-BE49-F238E27FC236}">
-                <a16:creationId xmlns:a16="http://schemas.microsoft.com/office/drawing/2014/main" id="{454226FE-D8B4-61FA-F916-8E5DF0D351DA}"/>
-              </a:ext>
-            </a:extLst>
-          </p:cNvPr>
-          <p:cNvCxnSpPr>
-            <a:stCxn id="5" idx="4"/>
-            <a:endCxn id="12" idx="0"/>
-          </p:cNvCxnSpPr>
-          <p:nvPr/>
-        </p:nvCxnSpPr>
-        <p:spPr>
-          <a:xfrm rot="5400000">
-            <a:off x="8714469" y="2651120"/>
-            <a:ext cx="634994" cy="1748068"/>
-          </a:xfrm>
-          <a:prstGeom prst="bentConnector3">
-            <a:avLst/>
-          </a:prstGeom>
-        </p:spPr>
-        <p:style>
-          <a:lnRef idx="1">
-            <a:schemeClr val="accent1"/>
-          </a:lnRef>
-          <a:fillRef idx="0">
-            <a:schemeClr val="accent1"/>
-          </a:fillRef>
-          <a:effectRef idx="0">
-            <a:schemeClr val="accent1"/>
-          </a:effectRef>
-          <a:fontRef idx="minor">
-            <a:schemeClr val="tx1"/>
-          </a:fontRef>
-        </p:style>
-      </p:cxnSp>
-      <p:cxnSp>
-        <p:nvCxnSpPr>
-          <p:cNvPr id="31" name="Connector: Elbow 30">
-            <a:extLst>
-              <a:ext uri="{FF2B5EF4-FFF2-40B4-BE49-F238E27FC236}">
-                <a16:creationId xmlns:a16="http://schemas.microsoft.com/office/drawing/2014/main" id="{A86DB53A-B9B4-6B8E-FABB-5DC9A09FD9B2}"/>
-              </a:ext>
-            </a:extLst>
-          </p:cNvPr>
-          <p:cNvCxnSpPr>
-            <a:stCxn id="5" idx="6"/>
-            <a:endCxn id="13" idx="0"/>
-          </p:cNvCxnSpPr>
-          <p:nvPr/>
-        </p:nvCxnSpPr>
-        <p:spPr>
-          <a:xfrm>
-            <a:off x="10784114" y="2706914"/>
-            <a:ext cx="203200" cy="1777542"/>
-          </a:xfrm>
-          <a:prstGeom prst="bentConnector2">
-            <a:avLst/>
-          </a:prstGeom>
-        </p:spPr>
-        <p:style>
-          <a:lnRef idx="1">
-            <a:schemeClr val="accent1"/>
-          </a:lnRef>
-          <a:fillRef idx="0">
-            <a:schemeClr val="accent1"/>
-          </a:fillRef>
-          <a:effectRef idx="0">
-            <a:schemeClr val="accent1"/>
-          </a:effectRef>
-          <a:fontRef idx="minor">
-            <a:schemeClr val="tx1"/>
-          </a:fontRef>
-        </p:style>
-      </p:cxnSp>
     </p:spTree>
     <p:extLst>
       <p:ext uri="{BB962C8B-B14F-4D97-AF65-F5344CB8AC3E}">
-        <p14:creationId xmlns:p14="http://schemas.microsoft.com/office/powerpoint/2010/main" val="4208312101"/>
+        <p14:creationId xmlns:p14="http://schemas.microsoft.com/office/powerpoint/2010/main" val="2533297870"/>
       </p:ext>
     </p:extLst>
   </p:cSld>
@@ -4498,7 +3712,7 @@
         </p:nvSpPr>
         <p:spPr>
           <a:xfrm>
-            <a:off x="6995886" y="1964868"/>
+            <a:off x="9027886" y="2206171"/>
             <a:ext cx="1756228" cy="1001486"/>
           </a:xfrm>
           <a:prstGeom prst="ellipse">
@@ -4700,11 +3914,6 @@
           <a:prstGeom prst="ellipse">
             <a:avLst/>
           </a:prstGeom>
-          <a:solidFill>
-            <a:schemeClr val="accent2">
-              <a:lumMod val="75000"/>
-            </a:schemeClr>
-          </a:solidFill>
         </p:spPr>
         <p:style>
           <a:lnRef idx="2">
@@ -4754,9 +3963,6 @@
           <a:prstGeom prst="ellipse">
             <a:avLst/>
           </a:prstGeom>
-          <a:solidFill>
-            <a:srgbClr val="92D050"/>
-          </a:solidFill>
         </p:spPr>
         <p:style>
           <a:lnRef idx="2">
@@ -4806,9 +4012,6 @@
           <a:prstGeom prst="ellipse">
             <a:avLst/>
           </a:prstGeom>
-          <a:solidFill>
-            <a:srgbClr val="92D050"/>
-          </a:solidFill>
         </p:spPr>
         <p:style>
           <a:lnRef idx="2">
@@ -4852,17 +4055,12 @@
         </p:nvSpPr>
         <p:spPr>
           <a:xfrm>
-            <a:off x="6411687" y="3204022"/>
+            <a:off x="7279818" y="3842651"/>
             <a:ext cx="1756228" cy="1001486"/>
           </a:xfrm>
           <a:prstGeom prst="ellipse">
             <a:avLst/>
           </a:prstGeom>
-          <a:solidFill>
-            <a:schemeClr val="accent2">
-              <a:lumMod val="75000"/>
-            </a:schemeClr>
-          </a:solidFill>
         </p:spPr>
         <p:style>
           <a:lnRef idx="2">
@@ -4906,17 +4104,12 @@
         </p:nvSpPr>
         <p:spPr>
           <a:xfrm>
-            <a:off x="8294915" y="3263898"/>
+            <a:off x="10109200" y="4484456"/>
             <a:ext cx="1756228" cy="1001486"/>
           </a:xfrm>
           <a:prstGeom prst="ellipse">
             <a:avLst/>
           </a:prstGeom>
-          <a:solidFill>
-            <a:schemeClr val="accent2">
-              <a:lumMod val="75000"/>
-            </a:schemeClr>
-          </a:solidFill>
         </p:spPr>
         <p:style>
           <a:lnRef idx="2">
@@ -5042,7 +4235,7 @@
         <p:spPr>
           <a:xfrm>
             <a:off x="6662057" y="957944"/>
-            <a:ext cx="1211943" cy="1006924"/>
+            <a:ext cx="3243943" cy="1248227"/>
           </a:xfrm>
           <a:prstGeom prst="bentConnector2">
             <a:avLst/>
@@ -5236,8 +4429,8 @@
         </p:nvCxnSpPr>
         <p:spPr>
           <a:xfrm rot="5400000">
-            <a:off x="7463067" y="2793089"/>
-            <a:ext cx="237668" cy="584199"/>
+            <a:off x="8714469" y="2651120"/>
+            <a:ext cx="634994" cy="1748068"/>
           </a:xfrm>
           <a:prstGeom prst="bentConnector3">
             <a:avLst/>
@@ -5275,8 +4468,8 @@
         </p:nvCxnSpPr>
         <p:spPr>
           <a:xfrm>
-            <a:off x="8752114" y="2465611"/>
-            <a:ext cx="420915" cy="798287"/>
+            <a:off x="10784114" y="2706914"/>
+            <a:ext cx="203200" cy="1777542"/>
           </a:xfrm>
           <a:prstGeom prst="bentConnector2">
             <a:avLst/>
@@ -5297,186 +4490,10 @@
           </a:fontRef>
         </p:style>
       </p:cxnSp>
-      <p:sp>
-        <p:nvSpPr>
-          <p:cNvPr id="3" name="Flowchart: Connector 2">
-            <a:extLst>
-              <a:ext uri="{FF2B5EF4-FFF2-40B4-BE49-F238E27FC236}">
-                <a16:creationId xmlns:a16="http://schemas.microsoft.com/office/drawing/2014/main" id="{B866F5E7-5391-197D-2CBF-1E8EA752DDD7}"/>
-              </a:ext>
-            </a:extLst>
-          </p:cNvPr>
-          <p:cNvSpPr/>
-          <p:nvPr/>
-        </p:nvSpPr>
-        <p:spPr>
-          <a:xfrm>
-            <a:off x="10319657" y="289154"/>
-            <a:ext cx="667657" cy="456743"/>
-          </a:xfrm>
-          <a:prstGeom prst="flowChartConnector">
-            <a:avLst/>
-          </a:prstGeom>
-          <a:solidFill>
-            <a:srgbClr val="92D050"/>
-          </a:solidFill>
-        </p:spPr>
-        <p:style>
-          <a:lnRef idx="2">
-            <a:schemeClr val="accent1">
-              <a:shade val="15000"/>
-            </a:schemeClr>
-          </a:lnRef>
-          <a:fillRef idx="1">
-            <a:schemeClr val="accent1"/>
-          </a:fillRef>
-          <a:effectRef idx="0">
-            <a:schemeClr val="accent1"/>
-          </a:effectRef>
-          <a:fontRef idx="minor">
-            <a:schemeClr val="lt1"/>
-          </a:fontRef>
-        </p:style>
-        <p:txBody>
-          <a:bodyPr rtlCol="0" anchor="ctr"/>
-          <a:lstStyle/>
-          <a:p>
-            <a:pPr algn="ctr"/>
-            <a:endParaRPr lang="en-US"/>
-          </a:p>
-        </p:txBody>
-      </p:sp>
-      <p:sp>
-        <p:nvSpPr>
-          <p:cNvPr id="14" name="TextBox 13">
-            <a:extLst>
-              <a:ext uri="{FF2B5EF4-FFF2-40B4-BE49-F238E27FC236}">
-                <a16:creationId xmlns:a16="http://schemas.microsoft.com/office/drawing/2014/main" id="{0E7557B9-CD0C-768D-68D6-5F1789146561}"/>
-              </a:ext>
-            </a:extLst>
-          </p:cNvPr>
-          <p:cNvSpPr txBox="1"/>
-          <p:nvPr/>
-        </p:nvSpPr>
-        <p:spPr>
-          <a:xfrm>
-            <a:off x="10963487" y="374422"/>
-            <a:ext cx="1085425" cy="369332"/>
-          </a:xfrm>
-          <a:prstGeom prst="rect">
-            <a:avLst/>
-          </a:prstGeom>
-          <a:noFill/>
-        </p:spPr>
-        <p:txBody>
-          <a:bodyPr wrap="none" rtlCol="0">
-            <a:spAutoFit/>
-          </a:bodyPr>
-          <a:lstStyle/>
-          <a:p>
-            <a:r>
-              <a:rPr lang="en-US" dirty="0"/>
-              <a:t>User data</a:t>
-            </a:r>
-          </a:p>
-        </p:txBody>
-      </p:sp>
-      <p:sp>
-        <p:nvSpPr>
-          <p:cNvPr id="16" name="Flowchart: Connector 15">
-            <a:extLst>
-              <a:ext uri="{FF2B5EF4-FFF2-40B4-BE49-F238E27FC236}">
-                <a16:creationId xmlns:a16="http://schemas.microsoft.com/office/drawing/2014/main" id="{DC2F98ED-8AE9-AE60-E6CB-DA758B3E423B}"/>
-              </a:ext>
-            </a:extLst>
-          </p:cNvPr>
-          <p:cNvSpPr/>
-          <p:nvPr/>
-        </p:nvSpPr>
-        <p:spPr>
-          <a:xfrm>
-            <a:off x="10319657" y="1199472"/>
-            <a:ext cx="667657" cy="456743"/>
-          </a:xfrm>
-          <a:prstGeom prst="flowChartConnector">
-            <a:avLst/>
-          </a:prstGeom>
-          <a:solidFill>
-            <a:schemeClr val="accent2">
-              <a:lumMod val="75000"/>
-            </a:schemeClr>
-          </a:solidFill>
-        </p:spPr>
-        <p:style>
-          <a:lnRef idx="2">
-            <a:schemeClr val="accent1">
-              <a:shade val="15000"/>
-            </a:schemeClr>
-          </a:lnRef>
-          <a:fillRef idx="1">
-            <a:schemeClr val="accent1"/>
-          </a:fillRef>
-          <a:effectRef idx="0">
-            <a:schemeClr val="accent1"/>
-          </a:effectRef>
-          <a:fontRef idx="minor">
-            <a:schemeClr val="lt1"/>
-          </a:fontRef>
-        </p:style>
-        <p:txBody>
-          <a:bodyPr rtlCol="0" anchor="ctr"/>
-          <a:lstStyle/>
-          <a:p>
-            <a:pPr algn="ctr"/>
-            <a:endParaRPr lang="en-US"/>
-          </a:p>
-        </p:txBody>
-      </p:sp>
-      <p:sp>
-        <p:nvSpPr>
-          <p:cNvPr id="18" name="TextBox 17">
-            <a:extLst>
-              <a:ext uri="{FF2B5EF4-FFF2-40B4-BE49-F238E27FC236}">
-                <a16:creationId xmlns:a16="http://schemas.microsoft.com/office/drawing/2014/main" id="{F8A82533-8871-9BED-BDE4-F127EE59D4E4}"/>
-              </a:ext>
-            </a:extLst>
-          </p:cNvPr>
-          <p:cNvSpPr txBox="1"/>
-          <p:nvPr/>
-        </p:nvSpPr>
-        <p:spPr>
-          <a:xfrm>
-            <a:off x="10963487" y="1284740"/>
-            <a:ext cx="1085425" cy="646331"/>
-          </a:xfrm>
-          <a:prstGeom prst="rect">
-            <a:avLst/>
-          </a:prstGeom>
-          <a:noFill/>
-        </p:spPr>
-        <p:txBody>
-          <a:bodyPr wrap="none" rtlCol="0">
-            <a:spAutoFit/>
-          </a:bodyPr>
-          <a:lstStyle/>
-          <a:p>
-            <a:r>
-              <a:rPr lang="en-US" dirty="0"/>
-              <a:t>Needs </a:t>
-            </a:r>
-          </a:p>
-          <a:p>
-            <a:r>
-              <a:rPr lang="en-US" dirty="0"/>
-              <a:t>User data</a:t>
-            </a:r>
-          </a:p>
-        </p:txBody>
-      </p:sp>
     </p:spTree>
     <p:extLst>
       <p:ext uri="{BB962C8B-B14F-4D97-AF65-F5344CB8AC3E}">
-        <p14:creationId xmlns:p14="http://schemas.microsoft.com/office/powerpoint/2010/main" val="2717324435"/>
+        <p14:creationId xmlns:p14="http://schemas.microsoft.com/office/powerpoint/2010/main" val="4208312101"/>
       </p:ext>
     </p:extLst>
   </p:cSld>
@@ -5556,8 +4573,255 @@
           <a:prstGeom prst="flowChartConnector">
             <a:avLst/>
           </a:prstGeom>
+        </p:spPr>
+        <p:style>
+          <a:lnRef idx="2">
+            <a:schemeClr val="accent1">
+              <a:shade val="15000"/>
+            </a:schemeClr>
+          </a:lnRef>
+          <a:fillRef idx="1">
+            <a:schemeClr val="accent1"/>
+          </a:fillRef>
+          <a:effectRef idx="0">
+            <a:schemeClr val="accent1"/>
+          </a:effectRef>
+          <a:fontRef idx="minor">
+            <a:schemeClr val="lt1"/>
+          </a:fontRef>
+        </p:style>
+        <p:txBody>
+          <a:bodyPr rtlCol="0" anchor="ctr"/>
+          <a:lstStyle/>
+          <a:p>
+            <a:pPr algn="ctr"/>
+            <a:r>
+              <a:rPr lang="en-US" dirty="0"/>
+              <a:t>App</a:t>
+            </a:r>
+          </a:p>
+        </p:txBody>
+      </p:sp>
+      <p:sp>
+        <p:nvSpPr>
+          <p:cNvPr id="5" name="Oval 4">
+            <a:extLst>
+              <a:ext uri="{FF2B5EF4-FFF2-40B4-BE49-F238E27FC236}">
+                <a16:creationId xmlns:a16="http://schemas.microsoft.com/office/drawing/2014/main" id="{863F4397-394A-C97F-1809-837A1B495064}"/>
+              </a:ext>
+            </a:extLst>
+          </p:cNvPr>
+          <p:cNvSpPr/>
+          <p:nvPr/>
+        </p:nvSpPr>
+        <p:spPr>
+          <a:xfrm>
+            <a:off x="6995886" y="1964868"/>
+            <a:ext cx="1756228" cy="1001486"/>
+          </a:xfrm>
+          <a:prstGeom prst="ellipse">
+            <a:avLst/>
+          </a:prstGeom>
+        </p:spPr>
+        <p:style>
+          <a:lnRef idx="2">
+            <a:schemeClr val="accent1">
+              <a:shade val="15000"/>
+            </a:schemeClr>
+          </a:lnRef>
+          <a:fillRef idx="1">
+            <a:schemeClr val="accent1"/>
+          </a:fillRef>
+          <a:effectRef idx="0">
+            <a:schemeClr val="accent1"/>
+          </a:effectRef>
+          <a:fontRef idx="minor">
+            <a:schemeClr val="lt1"/>
+          </a:fontRef>
+        </p:style>
+        <p:txBody>
+          <a:bodyPr rtlCol="0" anchor="ctr"/>
+          <a:lstStyle/>
+          <a:p>
+            <a:pPr algn="ctr"/>
+            <a:r>
+              <a:rPr lang="en-US" dirty="0"/>
+              <a:t>orders</a:t>
+            </a:r>
+          </a:p>
+        </p:txBody>
+      </p:sp>
+      <p:sp>
+        <p:nvSpPr>
+          <p:cNvPr id="6" name="Oval 5">
+            <a:extLst>
+              <a:ext uri="{FF2B5EF4-FFF2-40B4-BE49-F238E27FC236}">
+                <a16:creationId xmlns:a16="http://schemas.microsoft.com/office/drawing/2014/main" id="{AE62C8D7-8F16-32B5-DBDB-F3E83418D725}"/>
+              </a:ext>
+            </a:extLst>
+          </p:cNvPr>
+          <p:cNvSpPr/>
+          <p:nvPr/>
+        </p:nvSpPr>
+        <p:spPr>
+          <a:xfrm>
+            <a:off x="3907973" y="3128277"/>
+            <a:ext cx="1756228" cy="1001486"/>
+          </a:xfrm>
+          <a:prstGeom prst="ellipse">
+            <a:avLst/>
+          </a:prstGeom>
+        </p:spPr>
+        <p:style>
+          <a:lnRef idx="2">
+            <a:schemeClr val="accent1">
+              <a:shade val="15000"/>
+            </a:schemeClr>
+          </a:lnRef>
+          <a:fillRef idx="1">
+            <a:schemeClr val="accent1"/>
+          </a:fillRef>
+          <a:effectRef idx="0">
+            <a:schemeClr val="accent1"/>
+          </a:effectRef>
+          <a:fontRef idx="minor">
+            <a:schemeClr val="lt1"/>
+          </a:fontRef>
+        </p:style>
+        <p:txBody>
+          <a:bodyPr rtlCol="0" anchor="ctr"/>
+          <a:lstStyle/>
+          <a:p>
+            <a:pPr algn="ctr"/>
+            <a:r>
+              <a:rPr lang="en-US" dirty="0"/>
+              <a:t>auth</a:t>
+            </a:r>
+          </a:p>
+        </p:txBody>
+      </p:sp>
+      <p:sp>
+        <p:nvSpPr>
+          <p:cNvPr id="7" name="Oval 6">
+            <a:extLst>
+              <a:ext uri="{FF2B5EF4-FFF2-40B4-BE49-F238E27FC236}">
+                <a16:creationId xmlns:a16="http://schemas.microsoft.com/office/drawing/2014/main" id="{C5AD8CEC-8971-260F-FABC-CB13EE600396}"/>
+              </a:ext>
+            </a:extLst>
+          </p:cNvPr>
+          <p:cNvSpPr/>
+          <p:nvPr/>
+        </p:nvSpPr>
+        <p:spPr>
+          <a:xfrm>
+            <a:off x="870856" y="2305502"/>
+            <a:ext cx="1756228" cy="1001486"/>
+          </a:xfrm>
+          <a:prstGeom prst="ellipse">
+            <a:avLst/>
+          </a:prstGeom>
+        </p:spPr>
+        <p:style>
+          <a:lnRef idx="2">
+            <a:schemeClr val="accent1">
+              <a:shade val="15000"/>
+            </a:schemeClr>
+          </a:lnRef>
+          <a:fillRef idx="1">
+            <a:schemeClr val="accent1"/>
+          </a:fillRef>
+          <a:effectRef idx="0">
+            <a:schemeClr val="accent1"/>
+          </a:effectRef>
+          <a:fontRef idx="minor">
+            <a:schemeClr val="lt1"/>
+          </a:fontRef>
+        </p:style>
+        <p:txBody>
+          <a:bodyPr rtlCol="0" anchor="ctr"/>
+          <a:lstStyle/>
+          <a:p>
+            <a:pPr algn="ctr"/>
+            <a:r>
+              <a:rPr lang="en-US" dirty="0"/>
+              <a:t>Settings</a:t>
+            </a:r>
+          </a:p>
+        </p:txBody>
+      </p:sp>
+      <p:sp>
+        <p:nvSpPr>
+          <p:cNvPr id="8" name="Oval 7">
+            <a:extLst>
+              <a:ext uri="{FF2B5EF4-FFF2-40B4-BE49-F238E27FC236}">
+                <a16:creationId xmlns:a16="http://schemas.microsoft.com/office/drawing/2014/main" id="{1FB3DF46-F399-B5E0-791D-C230439A99AB}"/>
+              </a:ext>
+            </a:extLst>
+          </p:cNvPr>
+          <p:cNvSpPr/>
+          <p:nvPr/>
+        </p:nvSpPr>
+        <p:spPr>
+          <a:xfrm>
+            <a:off x="261256" y="4148816"/>
+            <a:ext cx="1756228" cy="1001486"/>
+          </a:xfrm>
+          <a:prstGeom prst="ellipse">
+            <a:avLst/>
+          </a:prstGeom>
+        </p:spPr>
+        <p:style>
+          <a:lnRef idx="2">
+            <a:schemeClr val="accent1">
+              <a:shade val="15000"/>
+            </a:schemeClr>
+          </a:lnRef>
+          <a:fillRef idx="1">
+            <a:schemeClr val="accent1"/>
+          </a:fillRef>
+          <a:effectRef idx="0">
+            <a:schemeClr val="accent1"/>
+          </a:effectRef>
+          <a:fontRef idx="minor">
+            <a:schemeClr val="lt1"/>
+          </a:fontRef>
+        </p:style>
+        <p:txBody>
+          <a:bodyPr rtlCol="0" anchor="ctr"/>
+          <a:lstStyle/>
+          <a:p>
+            <a:pPr algn="ctr"/>
+            <a:r>
+              <a:rPr lang="en-US" dirty="0"/>
+              <a:t>user</a:t>
+            </a:r>
+          </a:p>
+        </p:txBody>
+      </p:sp>
+      <p:sp>
+        <p:nvSpPr>
+          <p:cNvPr id="9" name="Oval 8">
+            <a:extLst>
+              <a:ext uri="{FF2B5EF4-FFF2-40B4-BE49-F238E27FC236}">
+                <a16:creationId xmlns:a16="http://schemas.microsoft.com/office/drawing/2014/main" id="{42770EFB-355D-B5BA-FA68-203E47713E9E}"/>
+              </a:ext>
+            </a:extLst>
+          </p:cNvPr>
+          <p:cNvSpPr/>
+          <p:nvPr/>
+        </p:nvSpPr>
+        <p:spPr>
+          <a:xfrm>
+            <a:off x="261256" y="5496376"/>
+            <a:ext cx="1756228" cy="1001486"/>
+          </a:xfrm>
+          <a:prstGeom prst="ellipse">
+            <a:avLst/>
+          </a:prstGeom>
           <a:solidFill>
-            <a:srgbClr val="FF6600"/>
+            <a:schemeClr val="accent2">
+              <a:lumMod val="75000"/>
+            </a:schemeClr>
           </a:solidFill>
         </p:spPr>
         <p:style>
@@ -5582,22 +4846,18 @@
           <a:p>
             <a:pPr algn="ctr"/>
             <a:r>
-              <a:rPr lang="en-US" dirty="0">
-                <a:solidFill>
-                  <a:schemeClr val="tx1"/>
-                </a:solidFill>
-              </a:rPr>
-              <a:t>App</a:t>
+              <a:rPr lang="en-US" dirty="0"/>
+              <a:t>profile</a:t>
             </a:r>
           </a:p>
         </p:txBody>
       </p:sp>
       <p:sp>
         <p:nvSpPr>
-          <p:cNvPr id="5" name="Oval 4">
-            <a:extLst>
-              <a:ext uri="{FF2B5EF4-FFF2-40B4-BE49-F238E27FC236}">
-                <a16:creationId xmlns:a16="http://schemas.microsoft.com/office/drawing/2014/main" id="{863F4397-394A-C97F-1809-837A1B495064}"/>
+          <p:cNvPr id="10" name="Oval 9">
+            <a:extLst>
+              <a:ext uri="{FF2B5EF4-FFF2-40B4-BE49-F238E27FC236}">
+                <a16:creationId xmlns:a16="http://schemas.microsoft.com/office/drawing/2014/main" id="{3FFBC3B0-F21F-BDFD-C4BF-4E7EDC4A8DD3}"/>
               </a:ext>
             </a:extLst>
           </p:cNvPr>
@@ -5606,231 +4866,7 @@
         </p:nvSpPr>
         <p:spPr>
           <a:xfrm>
-            <a:off x="6995886" y="1964868"/>
-            <a:ext cx="1756228" cy="1001486"/>
-          </a:xfrm>
-          <a:prstGeom prst="ellipse">
-            <a:avLst/>
-          </a:prstGeom>
-          <a:solidFill>
-            <a:srgbClr val="FF6600"/>
-          </a:solidFill>
-        </p:spPr>
-        <p:style>
-          <a:lnRef idx="2">
-            <a:schemeClr val="accent1">
-              <a:shade val="15000"/>
-            </a:schemeClr>
-          </a:lnRef>
-          <a:fillRef idx="1">
-            <a:schemeClr val="accent1"/>
-          </a:fillRef>
-          <a:effectRef idx="0">
-            <a:schemeClr val="accent1"/>
-          </a:effectRef>
-          <a:fontRef idx="minor">
-            <a:schemeClr val="lt1"/>
-          </a:fontRef>
-        </p:style>
-        <p:txBody>
-          <a:bodyPr rtlCol="0" anchor="ctr"/>
-          <a:lstStyle/>
-          <a:p>
-            <a:pPr algn="ctr"/>
-            <a:r>
-              <a:rPr lang="en-US" dirty="0">
-                <a:solidFill>
-                  <a:schemeClr val="tx1"/>
-                </a:solidFill>
-              </a:rPr>
-              <a:t>orders</a:t>
-            </a:r>
-          </a:p>
-        </p:txBody>
-      </p:sp>
-      <p:sp>
-        <p:nvSpPr>
-          <p:cNvPr id="6" name="Oval 5">
-            <a:extLst>
-              <a:ext uri="{FF2B5EF4-FFF2-40B4-BE49-F238E27FC236}">
-                <a16:creationId xmlns:a16="http://schemas.microsoft.com/office/drawing/2014/main" id="{AE62C8D7-8F16-32B5-DBDB-F3E83418D725}"/>
-              </a:ext>
-            </a:extLst>
-          </p:cNvPr>
-          <p:cNvSpPr/>
-          <p:nvPr/>
-        </p:nvSpPr>
-        <p:spPr>
-          <a:xfrm>
-            <a:off x="3907973" y="3128277"/>
-            <a:ext cx="1756228" cy="1001486"/>
-          </a:xfrm>
-          <a:prstGeom prst="ellipse">
-            <a:avLst/>
-          </a:prstGeom>
-          <a:solidFill>
-            <a:srgbClr val="FF6600"/>
-          </a:solidFill>
-        </p:spPr>
-        <p:style>
-          <a:lnRef idx="2">
-            <a:schemeClr val="accent1">
-              <a:shade val="15000"/>
-            </a:schemeClr>
-          </a:lnRef>
-          <a:fillRef idx="1">
-            <a:schemeClr val="accent1"/>
-          </a:fillRef>
-          <a:effectRef idx="0">
-            <a:schemeClr val="accent1"/>
-          </a:effectRef>
-          <a:fontRef idx="minor">
-            <a:schemeClr val="lt1"/>
-          </a:fontRef>
-        </p:style>
-        <p:txBody>
-          <a:bodyPr rtlCol="0" anchor="ctr"/>
-          <a:lstStyle/>
-          <a:p>
-            <a:pPr algn="ctr"/>
-            <a:r>
-              <a:rPr lang="en-US" dirty="0">
-                <a:solidFill>
-                  <a:schemeClr val="tx1"/>
-                </a:solidFill>
-              </a:rPr>
-              <a:t>auth</a:t>
-            </a:r>
-          </a:p>
-        </p:txBody>
-      </p:sp>
-      <p:sp>
-        <p:nvSpPr>
-          <p:cNvPr id="7" name="Oval 6">
-            <a:extLst>
-              <a:ext uri="{FF2B5EF4-FFF2-40B4-BE49-F238E27FC236}">
-                <a16:creationId xmlns:a16="http://schemas.microsoft.com/office/drawing/2014/main" id="{C5AD8CEC-8971-260F-FABC-CB13EE600396}"/>
-              </a:ext>
-            </a:extLst>
-          </p:cNvPr>
-          <p:cNvSpPr/>
-          <p:nvPr/>
-        </p:nvSpPr>
-        <p:spPr>
-          <a:xfrm>
-            <a:off x="870856" y="2305502"/>
-            <a:ext cx="1756228" cy="1001486"/>
-          </a:xfrm>
-          <a:prstGeom prst="ellipse">
-            <a:avLst/>
-          </a:prstGeom>
-          <a:solidFill>
-            <a:srgbClr val="FF6600"/>
-          </a:solidFill>
-        </p:spPr>
-        <p:style>
-          <a:lnRef idx="2">
-            <a:schemeClr val="accent1">
-              <a:shade val="15000"/>
-            </a:schemeClr>
-          </a:lnRef>
-          <a:fillRef idx="1">
-            <a:schemeClr val="accent1"/>
-          </a:fillRef>
-          <a:effectRef idx="0">
-            <a:schemeClr val="accent1"/>
-          </a:effectRef>
-          <a:fontRef idx="minor">
-            <a:schemeClr val="lt1"/>
-          </a:fontRef>
-        </p:style>
-        <p:txBody>
-          <a:bodyPr rtlCol="0" anchor="ctr"/>
-          <a:lstStyle/>
-          <a:p>
-            <a:pPr algn="ctr"/>
-            <a:r>
-              <a:rPr lang="en-US" dirty="0">
-                <a:solidFill>
-                  <a:schemeClr val="tx1"/>
-                </a:solidFill>
-              </a:rPr>
-              <a:t>Settings</a:t>
-            </a:r>
-          </a:p>
-        </p:txBody>
-      </p:sp>
-      <p:sp>
-        <p:nvSpPr>
-          <p:cNvPr id="8" name="Oval 7">
-            <a:extLst>
-              <a:ext uri="{FF2B5EF4-FFF2-40B4-BE49-F238E27FC236}">
-                <a16:creationId xmlns:a16="http://schemas.microsoft.com/office/drawing/2014/main" id="{1FB3DF46-F399-B5E0-791D-C230439A99AB}"/>
-              </a:ext>
-            </a:extLst>
-          </p:cNvPr>
-          <p:cNvSpPr/>
-          <p:nvPr/>
-        </p:nvSpPr>
-        <p:spPr>
-          <a:xfrm>
-            <a:off x="261256" y="4148816"/>
-            <a:ext cx="1756228" cy="1001486"/>
-          </a:xfrm>
-          <a:prstGeom prst="ellipse">
-            <a:avLst/>
-          </a:prstGeom>
-          <a:solidFill>
-            <a:srgbClr val="FF6600"/>
-          </a:solidFill>
-        </p:spPr>
-        <p:style>
-          <a:lnRef idx="2">
-            <a:schemeClr val="accent1">
-              <a:shade val="15000"/>
-            </a:schemeClr>
-          </a:lnRef>
-          <a:fillRef idx="1">
-            <a:schemeClr val="accent1"/>
-          </a:fillRef>
-          <a:effectRef idx="0">
-            <a:schemeClr val="accent1"/>
-          </a:effectRef>
-          <a:fontRef idx="minor">
-            <a:schemeClr val="lt1"/>
-          </a:fontRef>
-        </p:style>
-        <p:txBody>
-          <a:bodyPr rtlCol="0" anchor="ctr"/>
-          <a:lstStyle/>
-          <a:p>
-            <a:pPr algn="ctr"/>
-            <a:r>
-              <a:rPr lang="en-US" dirty="0">
-                <a:solidFill>
-                  <a:schemeClr val="tx1"/>
-                </a:solidFill>
-              </a:rPr>
-              <a:t>user</a:t>
-            </a:r>
-          </a:p>
-        </p:txBody>
-      </p:sp>
-      <p:sp>
-        <p:nvSpPr>
-          <p:cNvPr id="9" name="Oval 8">
-            <a:extLst>
-              <a:ext uri="{FF2B5EF4-FFF2-40B4-BE49-F238E27FC236}">
-                <a16:creationId xmlns:a16="http://schemas.microsoft.com/office/drawing/2014/main" id="{42770EFB-355D-B5BA-FA68-203E47713E9E}"/>
-              </a:ext>
-            </a:extLst>
-          </p:cNvPr>
-          <p:cNvSpPr/>
-          <p:nvPr/>
-        </p:nvSpPr>
-        <p:spPr>
-          <a:xfrm>
-            <a:off x="261256" y="5496376"/>
+            <a:off x="2889248" y="5156652"/>
             <a:ext cx="1756228" cy="1001486"/>
           </a:xfrm>
           <a:prstGeom prst="ellipse">
@@ -5862,22 +4898,18 @@
           <a:p>
             <a:pPr algn="ctr"/>
             <a:r>
-              <a:rPr lang="en-US" dirty="0">
-                <a:solidFill>
-                  <a:schemeClr val="tx1"/>
-                </a:solidFill>
-              </a:rPr>
-              <a:t>profile</a:t>
+              <a:rPr lang="en-US" dirty="0"/>
+              <a:t>Sign in</a:t>
             </a:r>
           </a:p>
         </p:txBody>
       </p:sp>
       <p:sp>
         <p:nvSpPr>
-          <p:cNvPr id="10" name="Oval 9">
-            <a:extLst>
-              <a:ext uri="{FF2B5EF4-FFF2-40B4-BE49-F238E27FC236}">
-                <a16:creationId xmlns:a16="http://schemas.microsoft.com/office/drawing/2014/main" id="{3FFBC3B0-F21F-BDFD-C4BF-4E7EDC4A8DD3}"/>
+          <p:cNvPr id="11" name="Oval 10">
+            <a:extLst>
+              <a:ext uri="{FF2B5EF4-FFF2-40B4-BE49-F238E27FC236}">
+                <a16:creationId xmlns:a16="http://schemas.microsoft.com/office/drawing/2014/main" id="{A0D0640C-ABD4-002B-BCBD-9DAE7531A2F8}"/>
               </a:ext>
             </a:extLst>
           </p:cNvPr>
@@ -5886,7 +4918,7 @@
         </p:nvSpPr>
         <p:spPr>
           <a:xfrm>
-            <a:off x="2889248" y="5156652"/>
+            <a:off x="5523590" y="5156652"/>
             <a:ext cx="1756228" cy="1001486"/>
           </a:xfrm>
           <a:prstGeom prst="ellipse">
@@ -5918,22 +4950,18 @@
           <a:p>
             <a:pPr algn="ctr"/>
             <a:r>
-              <a:rPr lang="en-US" dirty="0">
-                <a:solidFill>
-                  <a:schemeClr val="tx1"/>
-                </a:solidFill>
-              </a:rPr>
-              <a:t>Sign in</a:t>
+              <a:rPr lang="en-US" dirty="0"/>
+              <a:t>Sign Up</a:t>
             </a:r>
           </a:p>
         </p:txBody>
       </p:sp>
       <p:sp>
         <p:nvSpPr>
-          <p:cNvPr id="11" name="Oval 10">
-            <a:extLst>
-              <a:ext uri="{FF2B5EF4-FFF2-40B4-BE49-F238E27FC236}">
-                <a16:creationId xmlns:a16="http://schemas.microsoft.com/office/drawing/2014/main" id="{A0D0640C-ABD4-002B-BCBD-9DAE7531A2F8}"/>
+          <p:cNvPr id="12" name="Oval 11">
+            <a:extLst>
+              <a:ext uri="{FF2B5EF4-FFF2-40B4-BE49-F238E27FC236}">
+                <a16:creationId xmlns:a16="http://schemas.microsoft.com/office/drawing/2014/main" id="{35664FD2-791F-26CE-C9DC-CD3C2E5B7C64}"/>
               </a:ext>
             </a:extLst>
           </p:cNvPr>
@@ -5942,14 +4970,16 @@
         </p:nvSpPr>
         <p:spPr>
           <a:xfrm>
-            <a:off x="5523590" y="5156652"/>
+            <a:off x="6411687" y="3204022"/>
             <a:ext cx="1756228" cy="1001486"/>
           </a:xfrm>
           <a:prstGeom prst="ellipse">
             <a:avLst/>
           </a:prstGeom>
           <a:solidFill>
-            <a:srgbClr val="92D050"/>
+            <a:schemeClr val="accent2">
+              <a:lumMod val="75000"/>
+            </a:schemeClr>
           </a:solidFill>
         </p:spPr>
         <p:style>
@@ -5974,22 +5004,18 @@
           <a:p>
             <a:pPr algn="ctr"/>
             <a:r>
-              <a:rPr lang="en-US" dirty="0">
-                <a:solidFill>
-                  <a:schemeClr val="tx1"/>
-                </a:solidFill>
-              </a:rPr>
-              <a:t>Sign Up</a:t>
+              <a:rPr lang="en-US" dirty="0"/>
+              <a:t>history</a:t>
             </a:r>
           </a:p>
         </p:txBody>
       </p:sp>
       <p:sp>
         <p:nvSpPr>
-          <p:cNvPr id="12" name="Oval 11">
-            <a:extLst>
-              <a:ext uri="{FF2B5EF4-FFF2-40B4-BE49-F238E27FC236}">
-                <a16:creationId xmlns:a16="http://schemas.microsoft.com/office/drawing/2014/main" id="{35664FD2-791F-26CE-C9DC-CD3C2E5B7C64}"/>
+          <p:cNvPr id="13" name="Oval 12">
+            <a:extLst>
+              <a:ext uri="{FF2B5EF4-FFF2-40B4-BE49-F238E27FC236}">
+                <a16:creationId xmlns:a16="http://schemas.microsoft.com/office/drawing/2014/main" id="{5A7ACDBF-5049-230B-59FB-255F16E39283}"/>
               </a:ext>
             </a:extLst>
           </p:cNvPr>
@@ -5998,14 +5024,16 @@
         </p:nvSpPr>
         <p:spPr>
           <a:xfrm>
-            <a:off x="6411687" y="3204022"/>
+            <a:off x="8294915" y="3263898"/>
             <a:ext cx="1756228" cy="1001486"/>
           </a:xfrm>
           <a:prstGeom prst="ellipse">
             <a:avLst/>
           </a:prstGeom>
           <a:solidFill>
-            <a:srgbClr val="92D050"/>
+            <a:schemeClr val="accent2">
+              <a:lumMod val="75000"/>
+            </a:schemeClr>
           </a:solidFill>
         </p:spPr>
         <p:style>
@@ -6030,67 +5058,7 @@
           <a:p>
             <a:pPr algn="ctr"/>
             <a:r>
-              <a:rPr lang="en-US" dirty="0">
-                <a:solidFill>
-                  <a:schemeClr val="tx1"/>
-                </a:solidFill>
-              </a:rPr>
-              <a:t>history</a:t>
-            </a:r>
-          </a:p>
-        </p:txBody>
-      </p:sp>
-      <p:sp>
-        <p:nvSpPr>
-          <p:cNvPr id="13" name="Oval 12">
-            <a:extLst>
-              <a:ext uri="{FF2B5EF4-FFF2-40B4-BE49-F238E27FC236}">
-                <a16:creationId xmlns:a16="http://schemas.microsoft.com/office/drawing/2014/main" id="{5A7ACDBF-5049-230B-59FB-255F16E39283}"/>
-              </a:ext>
-            </a:extLst>
-          </p:cNvPr>
-          <p:cNvSpPr/>
-          <p:nvPr/>
-        </p:nvSpPr>
-        <p:spPr>
-          <a:xfrm>
-            <a:off x="8294915" y="3263898"/>
-            <a:ext cx="1756228" cy="1001486"/>
-          </a:xfrm>
-          <a:prstGeom prst="ellipse">
-            <a:avLst/>
-          </a:prstGeom>
-          <a:solidFill>
-            <a:srgbClr val="92D050"/>
-          </a:solidFill>
-        </p:spPr>
-        <p:style>
-          <a:lnRef idx="2">
-            <a:schemeClr val="accent1">
-              <a:shade val="15000"/>
-            </a:schemeClr>
-          </a:lnRef>
-          <a:fillRef idx="1">
-            <a:schemeClr val="accent1"/>
-          </a:fillRef>
-          <a:effectRef idx="0">
-            <a:schemeClr val="accent1"/>
-          </a:effectRef>
-          <a:fontRef idx="minor">
-            <a:schemeClr val="lt1"/>
-          </a:fontRef>
-        </p:style>
-        <p:txBody>
-          <a:bodyPr rtlCol="0" anchor="ctr"/>
-          <a:lstStyle/>
-          <a:p>
-            <a:pPr algn="ctr"/>
-            <a:r>
-              <a:rPr lang="en-US" dirty="0">
-                <a:solidFill>
-                  <a:schemeClr val="tx1"/>
-                </a:solidFill>
-              </a:rPr>
+              <a:rPr lang="en-US" dirty="0"/>
               <a:t>returns</a:t>
             </a:r>
           </a:p>
@@ -6492,11 +5460,7 @@
           <a:lstStyle/>
           <a:p>
             <a:pPr algn="ctr"/>
-            <a:endParaRPr lang="en-US">
-              <a:solidFill>
-                <a:schemeClr val="tx1"/>
-              </a:solidFill>
-            </a:endParaRPr>
+            <a:endParaRPr lang="en-US"/>
           </a:p>
         </p:txBody>
       </p:sp>
@@ -6582,11 +5546,7 @@
           <a:lstStyle/>
           <a:p>
             <a:pPr algn="ctr"/>
-            <a:endParaRPr lang="en-US">
-              <a:solidFill>
-                <a:schemeClr val="tx1"/>
-              </a:solidFill>
-            </a:endParaRPr>
+            <a:endParaRPr lang="en-US"/>
           </a:p>
         </p:txBody>
       </p:sp>
@@ -6634,7 +5594,7 @@
     </p:spTree>
     <p:extLst>
       <p:ext uri="{BB962C8B-B14F-4D97-AF65-F5344CB8AC3E}">
-        <p14:creationId xmlns:p14="http://schemas.microsoft.com/office/powerpoint/2010/main" val="3059243556"/>
+        <p14:creationId xmlns:p14="http://schemas.microsoft.com/office/powerpoint/2010/main" val="2717324435"/>
       </p:ext>
     </p:extLst>
   </p:cSld>
@@ -6714,7 +5674,9 @@
           <a:prstGeom prst="flowChartConnector">
             <a:avLst/>
           </a:prstGeom>
-          <a:noFill/>
+          <a:solidFill>
+            <a:srgbClr val="FF6600"/>
+          </a:solidFill>
         </p:spPr>
         <p:style>
           <a:lnRef idx="2">
@@ -6768,7 +5730,9 @@
           <a:prstGeom prst="ellipse">
             <a:avLst/>
           </a:prstGeom>
-          <a:noFill/>
+          <a:solidFill>
+            <a:srgbClr val="FF6600"/>
+          </a:solidFill>
         </p:spPr>
         <p:style>
           <a:lnRef idx="2">
@@ -6822,7 +5786,9 @@
           <a:prstGeom prst="ellipse">
             <a:avLst/>
           </a:prstGeom>
-          <a:noFill/>
+          <a:solidFill>
+            <a:srgbClr val="FF6600"/>
+          </a:solidFill>
         </p:spPr>
         <p:style>
           <a:lnRef idx="2">
@@ -6876,7 +5842,9 @@
           <a:prstGeom prst="ellipse">
             <a:avLst/>
           </a:prstGeom>
-          <a:noFill/>
+          <a:solidFill>
+            <a:srgbClr val="FF6600"/>
+          </a:solidFill>
         </p:spPr>
         <p:style>
           <a:lnRef idx="2">
@@ -6930,7 +5898,9 @@
           <a:prstGeom prst="ellipse">
             <a:avLst/>
           </a:prstGeom>
-          <a:noFill/>
+          <a:solidFill>
+            <a:srgbClr val="FF6600"/>
+          </a:solidFill>
         </p:spPr>
         <p:style>
           <a:lnRef idx="2">
@@ -7779,49 +6749,10 @@
           </a:p>
         </p:txBody>
       </p:sp>
-      <p:sp>
-        <p:nvSpPr>
-          <p:cNvPr id="20" name="TextBox 19">
-            <a:extLst>
-              <a:ext uri="{FF2B5EF4-FFF2-40B4-BE49-F238E27FC236}">
-                <a16:creationId xmlns:a16="http://schemas.microsoft.com/office/drawing/2014/main" id="{E5435CF1-A404-3CC5-E1C1-7BCD850DCA53}"/>
-              </a:ext>
-            </a:extLst>
-          </p:cNvPr>
-          <p:cNvSpPr txBox="1"/>
-          <p:nvPr/>
-        </p:nvSpPr>
-        <p:spPr>
-          <a:xfrm>
-            <a:off x="8752114" y="4963886"/>
-            <a:ext cx="2498633" cy="646331"/>
-          </a:xfrm>
-          <a:prstGeom prst="rect">
-            <a:avLst/>
-          </a:prstGeom>
-          <a:noFill/>
-        </p:spPr>
-        <p:txBody>
-          <a:bodyPr wrap="none" rtlCol="0">
-            <a:spAutoFit/>
-          </a:bodyPr>
-          <a:lstStyle/>
-          <a:p>
-            <a:r>
-              <a:rPr lang="en-US" sz="3600" b="1" dirty="0">
-                <a:solidFill>
-                  <a:srgbClr val="92D050"/>
-                </a:solidFill>
-              </a:rPr>
-              <a:t>{ user data }</a:t>
-            </a:r>
-          </a:p>
-        </p:txBody>
-      </p:sp>
     </p:spTree>
     <p:extLst>
       <p:ext uri="{BB962C8B-B14F-4D97-AF65-F5344CB8AC3E}">
-        <p14:creationId xmlns:p14="http://schemas.microsoft.com/office/powerpoint/2010/main" val="2387946441"/>
+        <p14:creationId xmlns:p14="http://schemas.microsoft.com/office/powerpoint/2010/main" val="3059243556"/>
       </p:ext>
     </p:extLst>
   </p:cSld>
@@ -7850,10 +6781,10 @@
       </p:grpSpPr>
       <p:sp>
         <p:nvSpPr>
-          <p:cNvPr id="3" name="Content Placeholder 2">
-            <a:extLst>
-              <a:ext uri="{FF2B5EF4-FFF2-40B4-BE49-F238E27FC236}">
-                <a16:creationId xmlns:a16="http://schemas.microsoft.com/office/drawing/2014/main" id="{62B42430-E1D1-4352-7EEE-EEE2CB577EC1}"/>
+          <p:cNvPr id="2" name="Title 1">
+            <a:extLst>
+              <a:ext uri="{FF2B5EF4-FFF2-40B4-BE49-F238E27FC236}">
+                <a16:creationId xmlns:a16="http://schemas.microsoft.com/office/drawing/2014/main" id="{AEC1970E-DCB2-2B0A-D6E1-0FE38376802F}"/>
               </a:ext>
             </a:extLst>
           </p:cNvPr>
@@ -7861,13 +6792,13 @@
             <a:spLocks noGrp="1"/>
           </p:cNvSpPr>
           <p:nvPr>
-            <p:ph idx="1"/>
+            <p:ph type="title"/>
           </p:nvPr>
         </p:nvSpPr>
         <p:spPr>
           <a:xfrm>
-            <a:off x="838200" y="261257"/>
-            <a:ext cx="10515600" cy="5915706"/>
+            <a:off x="838200" y="365126"/>
+            <a:ext cx="10149114" cy="723446"/>
           </a:xfrm>
         </p:spPr>
         <p:txBody>
@@ -7876,25 +6807,1131 @@
           <a:p>
             <a:r>
               <a:rPr lang="en-US" dirty="0"/>
-              <a:t>Need for Context</a:t>
-            </a:r>
-          </a:p>
+              <a:t>Context</a:t>
+            </a:r>
+          </a:p>
+        </p:txBody>
+      </p:sp>
+      <p:sp>
+        <p:nvSpPr>
+          <p:cNvPr id="4" name="Flowchart: Connector 3">
+            <a:extLst>
+              <a:ext uri="{FF2B5EF4-FFF2-40B4-BE49-F238E27FC236}">
+                <a16:creationId xmlns:a16="http://schemas.microsoft.com/office/drawing/2014/main" id="{0DEE531A-24A1-0176-44E4-C9C5D48551C1}"/>
+              </a:ext>
+            </a:extLst>
+          </p:cNvPr>
+          <p:cNvSpPr/>
+          <p:nvPr/>
+        </p:nvSpPr>
+        <p:spPr>
+          <a:xfrm>
+            <a:off x="4992914" y="348344"/>
+            <a:ext cx="1669143" cy="1219200"/>
+          </a:xfrm>
+          <a:prstGeom prst="flowChartConnector">
+            <a:avLst/>
+          </a:prstGeom>
+          <a:noFill/>
+        </p:spPr>
+        <p:style>
+          <a:lnRef idx="2">
+            <a:schemeClr val="accent1">
+              <a:shade val="15000"/>
+            </a:schemeClr>
+          </a:lnRef>
+          <a:fillRef idx="1">
+            <a:schemeClr val="accent1"/>
+          </a:fillRef>
+          <a:effectRef idx="0">
+            <a:schemeClr val="accent1"/>
+          </a:effectRef>
+          <a:fontRef idx="minor">
+            <a:schemeClr val="lt1"/>
+          </a:fontRef>
+        </p:style>
+        <p:txBody>
+          <a:bodyPr rtlCol="0" anchor="ctr"/>
+          <a:lstStyle/>
+          <a:p>
+            <a:pPr algn="ctr"/>
+            <a:r>
+              <a:rPr lang="en-US" dirty="0">
+                <a:solidFill>
+                  <a:schemeClr val="tx1"/>
+                </a:solidFill>
+              </a:rPr>
+              <a:t>App</a:t>
+            </a:r>
+          </a:p>
+        </p:txBody>
+      </p:sp>
+      <p:sp>
+        <p:nvSpPr>
+          <p:cNvPr id="5" name="Oval 4">
+            <a:extLst>
+              <a:ext uri="{FF2B5EF4-FFF2-40B4-BE49-F238E27FC236}">
+                <a16:creationId xmlns:a16="http://schemas.microsoft.com/office/drawing/2014/main" id="{863F4397-394A-C97F-1809-837A1B495064}"/>
+              </a:ext>
+            </a:extLst>
+          </p:cNvPr>
+          <p:cNvSpPr/>
+          <p:nvPr/>
+        </p:nvSpPr>
+        <p:spPr>
+          <a:xfrm>
+            <a:off x="6995886" y="1964868"/>
+            <a:ext cx="1756228" cy="1001486"/>
+          </a:xfrm>
+          <a:prstGeom prst="ellipse">
+            <a:avLst/>
+          </a:prstGeom>
+          <a:noFill/>
+        </p:spPr>
+        <p:style>
+          <a:lnRef idx="2">
+            <a:schemeClr val="accent1">
+              <a:shade val="15000"/>
+            </a:schemeClr>
+          </a:lnRef>
+          <a:fillRef idx="1">
+            <a:schemeClr val="accent1"/>
+          </a:fillRef>
+          <a:effectRef idx="0">
+            <a:schemeClr val="accent1"/>
+          </a:effectRef>
+          <a:fontRef idx="minor">
+            <a:schemeClr val="lt1"/>
+          </a:fontRef>
+        </p:style>
+        <p:txBody>
+          <a:bodyPr rtlCol="0" anchor="ctr"/>
+          <a:lstStyle/>
+          <a:p>
+            <a:pPr algn="ctr"/>
+            <a:r>
+              <a:rPr lang="en-US" dirty="0">
+                <a:solidFill>
+                  <a:schemeClr val="tx1"/>
+                </a:solidFill>
+              </a:rPr>
+              <a:t>orders</a:t>
+            </a:r>
+          </a:p>
+        </p:txBody>
+      </p:sp>
+      <p:sp>
+        <p:nvSpPr>
+          <p:cNvPr id="6" name="Oval 5">
+            <a:extLst>
+              <a:ext uri="{FF2B5EF4-FFF2-40B4-BE49-F238E27FC236}">
+                <a16:creationId xmlns:a16="http://schemas.microsoft.com/office/drawing/2014/main" id="{AE62C8D7-8F16-32B5-DBDB-F3E83418D725}"/>
+              </a:ext>
+            </a:extLst>
+          </p:cNvPr>
+          <p:cNvSpPr/>
+          <p:nvPr/>
+        </p:nvSpPr>
+        <p:spPr>
+          <a:xfrm>
+            <a:off x="3907973" y="3128277"/>
+            <a:ext cx="1756228" cy="1001486"/>
+          </a:xfrm>
+          <a:prstGeom prst="ellipse">
+            <a:avLst/>
+          </a:prstGeom>
+          <a:noFill/>
+        </p:spPr>
+        <p:style>
+          <a:lnRef idx="2">
+            <a:schemeClr val="accent1">
+              <a:shade val="15000"/>
+            </a:schemeClr>
+          </a:lnRef>
+          <a:fillRef idx="1">
+            <a:schemeClr val="accent1"/>
+          </a:fillRef>
+          <a:effectRef idx="0">
+            <a:schemeClr val="accent1"/>
+          </a:effectRef>
+          <a:fontRef idx="minor">
+            <a:schemeClr val="lt1"/>
+          </a:fontRef>
+        </p:style>
+        <p:txBody>
+          <a:bodyPr rtlCol="0" anchor="ctr"/>
+          <a:lstStyle/>
+          <a:p>
+            <a:pPr algn="ctr"/>
+            <a:r>
+              <a:rPr lang="en-US" dirty="0">
+                <a:solidFill>
+                  <a:schemeClr val="tx1"/>
+                </a:solidFill>
+              </a:rPr>
+              <a:t>auth</a:t>
+            </a:r>
+          </a:p>
+        </p:txBody>
+      </p:sp>
+      <p:sp>
+        <p:nvSpPr>
+          <p:cNvPr id="7" name="Oval 6">
+            <a:extLst>
+              <a:ext uri="{FF2B5EF4-FFF2-40B4-BE49-F238E27FC236}">
+                <a16:creationId xmlns:a16="http://schemas.microsoft.com/office/drawing/2014/main" id="{C5AD8CEC-8971-260F-FABC-CB13EE600396}"/>
+              </a:ext>
+            </a:extLst>
+          </p:cNvPr>
+          <p:cNvSpPr/>
+          <p:nvPr/>
+        </p:nvSpPr>
+        <p:spPr>
+          <a:xfrm>
+            <a:off x="870856" y="2305502"/>
+            <a:ext cx="1756228" cy="1001486"/>
+          </a:xfrm>
+          <a:prstGeom prst="ellipse">
+            <a:avLst/>
+          </a:prstGeom>
+          <a:noFill/>
+        </p:spPr>
+        <p:style>
+          <a:lnRef idx="2">
+            <a:schemeClr val="accent1">
+              <a:shade val="15000"/>
+            </a:schemeClr>
+          </a:lnRef>
+          <a:fillRef idx="1">
+            <a:schemeClr val="accent1"/>
+          </a:fillRef>
+          <a:effectRef idx="0">
+            <a:schemeClr val="accent1"/>
+          </a:effectRef>
+          <a:fontRef idx="minor">
+            <a:schemeClr val="lt1"/>
+          </a:fontRef>
+        </p:style>
+        <p:txBody>
+          <a:bodyPr rtlCol="0" anchor="ctr"/>
+          <a:lstStyle/>
+          <a:p>
+            <a:pPr algn="ctr"/>
+            <a:r>
+              <a:rPr lang="en-US" dirty="0">
+                <a:solidFill>
+                  <a:schemeClr val="tx1"/>
+                </a:solidFill>
+              </a:rPr>
+              <a:t>Settings</a:t>
+            </a:r>
+          </a:p>
+        </p:txBody>
+      </p:sp>
+      <p:sp>
+        <p:nvSpPr>
+          <p:cNvPr id="8" name="Oval 7">
+            <a:extLst>
+              <a:ext uri="{FF2B5EF4-FFF2-40B4-BE49-F238E27FC236}">
+                <a16:creationId xmlns:a16="http://schemas.microsoft.com/office/drawing/2014/main" id="{1FB3DF46-F399-B5E0-791D-C230439A99AB}"/>
+              </a:ext>
+            </a:extLst>
+          </p:cNvPr>
+          <p:cNvSpPr/>
+          <p:nvPr/>
+        </p:nvSpPr>
+        <p:spPr>
+          <a:xfrm>
+            <a:off x="261256" y="4148816"/>
+            <a:ext cx="1756228" cy="1001486"/>
+          </a:xfrm>
+          <a:prstGeom prst="ellipse">
+            <a:avLst/>
+          </a:prstGeom>
+          <a:noFill/>
+        </p:spPr>
+        <p:style>
+          <a:lnRef idx="2">
+            <a:schemeClr val="accent1">
+              <a:shade val="15000"/>
+            </a:schemeClr>
+          </a:lnRef>
+          <a:fillRef idx="1">
+            <a:schemeClr val="accent1"/>
+          </a:fillRef>
+          <a:effectRef idx="0">
+            <a:schemeClr val="accent1"/>
+          </a:effectRef>
+          <a:fontRef idx="minor">
+            <a:schemeClr val="lt1"/>
+          </a:fontRef>
+        </p:style>
+        <p:txBody>
+          <a:bodyPr rtlCol="0" anchor="ctr"/>
+          <a:lstStyle/>
+          <a:p>
+            <a:pPr algn="ctr"/>
+            <a:r>
+              <a:rPr lang="en-US" dirty="0">
+                <a:solidFill>
+                  <a:schemeClr val="tx1"/>
+                </a:solidFill>
+              </a:rPr>
+              <a:t>user</a:t>
+            </a:r>
+          </a:p>
+        </p:txBody>
+      </p:sp>
+      <p:sp>
+        <p:nvSpPr>
+          <p:cNvPr id="9" name="Oval 8">
+            <a:extLst>
+              <a:ext uri="{FF2B5EF4-FFF2-40B4-BE49-F238E27FC236}">
+                <a16:creationId xmlns:a16="http://schemas.microsoft.com/office/drawing/2014/main" id="{42770EFB-355D-B5BA-FA68-203E47713E9E}"/>
+              </a:ext>
+            </a:extLst>
+          </p:cNvPr>
+          <p:cNvSpPr/>
+          <p:nvPr/>
+        </p:nvSpPr>
+        <p:spPr>
+          <a:xfrm>
+            <a:off x="261256" y="5496376"/>
+            <a:ext cx="1756228" cy="1001486"/>
+          </a:xfrm>
+          <a:prstGeom prst="ellipse">
+            <a:avLst/>
+          </a:prstGeom>
+          <a:solidFill>
+            <a:srgbClr val="92D050"/>
+          </a:solidFill>
+        </p:spPr>
+        <p:style>
+          <a:lnRef idx="2">
+            <a:schemeClr val="accent1">
+              <a:shade val="15000"/>
+            </a:schemeClr>
+          </a:lnRef>
+          <a:fillRef idx="1">
+            <a:schemeClr val="accent1"/>
+          </a:fillRef>
+          <a:effectRef idx="0">
+            <a:schemeClr val="accent1"/>
+          </a:effectRef>
+          <a:fontRef idx="minor">
+            <a:schemeClr val="lt1"/>
+          </a:fontRef>
+        </p:style>
+        <p:txBody>
+          <a:bodyPr rtlCol="0" anchor="ctr"/>
+          <a:lstStyle/>
+          <a:p>
+            <a:pPr algn="ctr"/>
+            <a:r>
+              <a:rPr lang="en-US" dirty="0">
+                <a:solidFill>
+                  <a:schemeClr val="tx1"/>
+                </a:solidFill>
+              </a:rPr>
+              <a:t>profile</a:t>
+            </a:r>
+          </a:p>
+        </p:txBody>
+      </p:sp>
+      <p:sp>
+        <p:nvSpPr>
+          <p:cNvPr id="10" name="Oval 9">
+            <a:extLst>
+              <a:ext uri="{FF2B5EF4-FFF2-40B4-BE49-F238E27FC236}">
+                <a16:creationId xmlns:a16="http://schemas.microsoft.com/office/drawing/2014/main" id="{3FFBC3B0-F21F-BDFD-C4BF-4E7EDC4A8DD3}"/>
+              </a:ext>
+            </a:extLst>
+          </p:cNvPr>
+          <p:cNvSpPr/>
+          <p:nvPr/>
+        </p:nvSpPr>
+        <p:spPr>
+          <a:xfrm>
+            <a:off x="2889248" y="5156652"/>
+            <a:ext cx="1756228" cy="1001486"/>
+          </a:xfrm>
+          <a:prstGeom prst="ellipse">
+            <a:avLst/>
+          </a:prstGeom>
+          <a:solidFill>
+            <a:srgbClr val="92D050"/>
+          </a:solidFill>
+        </p:spPr>
+        <p:style>
+          <a:lnRef idx="2">
+            <a:schemeClr val="accent1">
+              <a:shade val="15000"/>
+            </a:schemeClr>
+          </a:lnRef>
+          <a:fillRef idx="1">
+            <a:schemeClr val="accent1"/>
+          </a:fillRef>
+          <a:effectRef idx="0">
+            <a:schemeClr val="accent1"/>
+          </a:effectRef>
+          <a:fontRef idx="minor">
+            <a:schemeClr val="lt1"/>
+          </a:fontRef>
+        </p:style>
+        <p:txBody>
+          <a:bodyPr rtlCol="0" anchor="ctr"/>
+          <a:lstStyle/>
+          <a:p>
+            <a:pPr algn="ctr"/>
+            <a:r>
+              <a:rPr lang="en-US" dirty="0">
+                <a:solidFill>
+                  <a:schemeClr val="tx1"/>
+                </a:solidFill>
+              </a:rPr>
+              <a:t>Sign in</a:t>
+            </a:r>
+          </a:p>
+        </p:txBody>
+      </p:sp>
+      <p:sp>
+        <p:nvSpPr>
+          <p:cNvPr id="11" name="Oval 10">
+            <a:extLst>
+              <a:ext uri="{FF2B5EF4-FFF2-40B4-BE49-F238E27FC236}">
+                <a16:creationId xmlns:a16="http://schemas.microsoft.com/office/drawing/2014/main" id="{A0D0640C-ABD4-002B-BCBD-9DAE7531A2F8}"/>
+              </a:ext>
+            </a:extLst>
+          </p:cNvPr>
+          <p:cNvSpPr/>
+          <p:nvPr/>
+        </p:nvSpPr>
+        <p:spPr>
+          <a:xfrm>
+            <a:off x="5523590" y="5156652"/>
+            <a:ext cx="1756228" cy="1001486"/>
+          </a:xfrm>
+          <a:prstGeom prst="ellipse">
+            <a:avLst/>
+          </a:prstGeom>
+          <a:solidFill>
+            <a:srgbClr val="92D050"/>
+          </a:solidFill>
+        </p:spPr>
+        <p:style>
+          <a:lnRef idx="2">
+            <a:schemeClr val="accent1">
+              <a:shade val="15000"/>
+            </a:schemeClr>
+          </a:lnRef>
+          <a:fillRef idx="1">
+            <a:schemeClr val="accent1"/>
+          </a:fillRef>
+          <a:effectRef idx="0">
+            <a:schemeClr val="accent1"/>
+          </a:effectRef>
+          <a:fontRef idx="minor">
+            <a:schemeClr val="lt1"/>
+          </a:fontRef>
+        </p:style>
+        <p:txBody>
+          <a:bodyPr rtlCol="0" anchor="ctr"/>
+          <a:lstStyle/>
+          <a:p>
+            <a:pPr algn="ctr"/>
+            <a:r>
+              <a:rPr lang="en-US" dirty="0">
+                <a:solidFill>
+                  <a:schemeClr val="tx1"/>
+                </a:solidFill>
+              </a:rPr>
+              <a:t>Sign Up</a:t>
+            </a:r>
+          </a:p>
+        </p:txBody>
+      </p:sp>
+      <p:sp>
+        <p:nvSpPr>
+          <p:cNvPr id="12" name="Oval 11">
+            <a:extLst>
+              <a:ext uri="{FF2B5EF4-FFF2-40B4-BE49-F238E27FC236}">
+                <a16:creationId xmlns:a16="http://schemas.microsoft.com/office/drawing/2014/main" id="{35664FD2-791F-26CE-C9DC-CD3C2E5B7C64}"/>
+              </a:ext>
+            </a:extLst>
+          </p:cNvPr>
+          <p:cNvSpPr/>
+          <p:nvPr/>
+        </p:nvSpPr>
+        <p:spPr>
+          <a:xfrm>
+            <a:off x="6411687" y="3204022"/>
+            <a:ext cx="1756228" cy="1001486"/>
+          </a:xfrm>
+          <a:prstGeom prst="ellipse">
+            <a:avLst/>
+          </a:prstGeom>
+          <a:solidFill>
+            <a:srgbClr val="92D050"/>
+          </a:solidFill>
+        </p:spPr>
+        <p:style>
+          <a:lnRef idx="2">
+            <a:schemeClr val="accent1">
+              <a:shade val="15000"/>
+            </a:schemeClr>
+          </a:lnRef>
+          <a:fillRef idx="1">
+            <a:schemeClr val="accent1"/>
+          </a:fillRef>
+          <a:effectRef idx="0">
+            <a:schemeClr val="accent1"/>
+          </a:effectRef>
+          <a:fontRef idx="minor">
+            <a:schemeClr val="lt1"/>
+          </a:fontRef>
+        </p:style>
+        <p:txBody>
+          <a:bodyPr rtlCol="0" anchor="ctr"/>
+          <a:lstStyle/>
+          <a:p>
+            <a:pPr algn="ctr"/>
+            <a:r>
+              <a:rPr lang="en-US" dirty="0">
+                <a:solidFill>
+                  <a:schemeClr val="tx1"/>
+                </a:solidFill>
+              </a:rPr>
+              <a:t>history</a:t>
+            </a:r>
+          </a:p>
+        </p:txBody>
+      </p:sp>
+      <p:sp>
+        <p:nvSpPr>
+          <p:cNvPr id="13" name="Oval 12">
+            <a:extLst>
+              <a:ext uri="{FF2B5EF4-FFF2-40B4-BE49-F238E27FC236}">
+                <a16:creationId xmlns:a16="http://schemas.microsoft.com/office/drawing/2014/main" id="{5A7ACDBF-5049-230B-59FB-255F16E39283}"/>
+              </a:ext>
+            </a:extLst>
+          </p:cNvPr>
+          <p:cNvSpPr/>
+          <p:nvPr/>
+        </p:nvSpPr>
+        <p:spPr>
+          <a:xfrm>
+            <a:off x="8294915" y="3263898"/>
+            <a:ext cx="1756228" cy="1001486"/>
+          </a:xfrm>
+          <a:prstGeom prst="ellipse">
+            <a:avLst/>
+          </a:prstGeom>
+          <a:solidFill>
+            <a:srgbClr val="92D050"/>
+          </a:solidFill>
+        </p:spPr>
+        <p:style>
+          <a:lnRef idx="2">
+            <a:schemeClr val="accent1">
+              <a:shade val="15000"/>
+            </a:schemeClr>
+          </a:lnRef>
+          <a:fillRef idx="1">
+            <a:schemeClr val="accent1"/>
+          </a:fillRef>
+          <a:effectRef idx="0">
+            <a:schemeClr val="accent1"/>
+          </a:effectRef>
+          <a:fontRef idx="minor">
+            <a:schemeClr val="lt1"/>
+          </a:fontRef>
+        </p:style>
+        <p:txBody>
+          <a:bodyPr rtlCol="0" anchor="ctr"/>
+          <a:lstStyle/>
+          <a:p>
+            <a:pPr algn="ctr"/>
+            <a:r>
+              <a:rPr lang="en-US" dirty="0">
+                <a:solidFill>
+                  <a:schemeClr val="tx1"/>
+                </a:solidFill>
+              </a:rPr>
+              <a:t>returns</a:t>
+            </a:r>
+          </a:p>
+        </p:txBody>
+      </p:sp>
+      <p:cxnSp>
+        <p:nvCxnSpPr>
+          <p:cNvPr id="15" name="Connector: Elbow 14">
+            <a:extLst>
+              <a:ext uri="{FF2B5EF4-FFF2-40B4-BE49-F238E27FC236}">
+                <a16:creationId xmlns:a16="http://schemas.microsoft.com/office/drawing/2014/main" id="{4FF8FCB6-1918-1A5F-7C5B-08A67C3D6C00}"/>
+              </a:ext>
+            </a:extLst>
+          </p:cNvPr>
+          <p:cNvCxnSpPr>
+            <a:stCxn id="4" idx="4"/>
+            <a:endCxn id="6" idx="0"/>
+          </p:cNvCxnSpPr>
+          <p:nvPr/>
+        </p:nvCxnSpPr>
+        <p:spPr>
+          <a:xfrm rot="5400000">
+            <a:off x="4526421" y="1827211"/>
+            <a:ext cx="1560733" cy="1041399"/>
+          </a:xfrm>
+          <a:prstGeom prst="bentConnector3">
+            <a:avLst/>
+          </a:prstGeom>
+        </p:spPr>
+        <p:style>
+          <a:lnRef idx="1">
+            <a:schemeClr val="accent1"/>
+          </a:lnRef>
+          <a:fillRef idx="0">
+            <a:schemeClr val="accent1"/>
+          </a:fillRef>
+          <a:effectRef idx="0">
+            <a:schemeClr val="accent1"/>
+          </a:effectRef>
+          <a:fontRef idx="minor">
+            <a:schemeClr val="tx1"/>
+          </a:fontRef>
+        </p:style>
+      </p:cxnSp>
+      <p:cxnSp>
+        <p:nvCxnSpPr>
+          <p:cNvPr id="17" name="Connector: Elbow 16">
+            <a:extLst>
+              <a:ext uri="{FF2B5EF4-FFF2-40B4-BE49-F238E27FC236}">
+                <a16:creationId xmlns:a16="http://schemas.microsoft.com/office/drawing/2014/main" id="{E2EE3B05-0CB3-9F8B-E87C-81F7413E0572}"/>
+              </a:ext>
+            </a:extLst>
+          </p:cNvPr>
+          <p:cNvCxnSpPr>
+            <a:stCxn id="4" idx="2"/>
+            <a:endCxn id="7" idx="0"/>
+          </p:cNvCxnSpPr>
+          <p:nvPr/>
+        </p:nvCxnSpPr>
+        <p:spPr>
+          <a:xfrm rot="10800000" flipV="1">
+            <a:off x="1748970" y="957944"/>
+            <a:ext cx="3243944" cy="1347558"/>
+          </a:xfrm>
+          <a:prstGeom prst="bentConnector2">
+            <a:avLst/>
+          </a:prstGeom>
+        </p:spPr>
+        <p:style>
+          <a:lnRef idx="1">
+            <a:schemeClr val="accent1"/>
+          </a:lnRef>
+          <a:fillRef idx="0">
+            <a:schemeClr val="accent1"/>
+          </a:fillRef>
+          <a:effectRef idx="0">
+            <a:schemeClr val="accent1"/>
+          </a:effectRef>
+          <a:fontRef idx="minor">
+            <a:schemeClr val="tx1"/>
+          </a:fontRef>
+        </p:style>
+      </p:cxnSp>
+      <p:cxnSp>
+        <p:nvCxnSpPr>
+          <p:cNvPr id="19" name="Connector: Elbow 18">
+            <a:extLst>
+              <a:ext uri="{FF2B5EF4-FFF2-40B4-BE49-F238E27FC236}">
+                <a16:creationId xmlns:a16="http://schemas.microsoft.com/office/drawing/2014/main" id="{28B8D7F7-4A52-F099-8934-54616F937E00}"/>
+              </a:ext>
+            </a:extLst>
+          </p:cNvPr>
+          <p:cNvCxnSpPr>
+            <a:stCxn id="4" idx="6"/>
+            <a:endCxn id="5" idx="0"/>
+          </p:cNvCxnSpPr>
+          <p:nvPr/>
+        </p:nvCxnSpPr>
+        <p:spPr>
+          <a:xfrm>
+            <a:off x="6662057" y="957944"/>
+            <a:ext cx="1211943" cy="1006924"/>
+          </a:xfrm>
+          <a:prstGeom prst="bentConnector2">
+            <a:avLst/>
+          </a:prstGeom>
+        </p:spPr>
+        <p:style>
+          <a:lnRef idx="1">
+            <a:schemeClr val="accent1"/>
+          </a:lnRef>
+          <a:fillRef idx="0">
+            <a:schemeClr val="accent1"/>
+          </a:fillRef>
+          <a:effectRef idx="0">
+            <a:schemeClr val="accent1"/>
+          </a:effectRef>
+          <a:fontRef idx="minor">
+            <a:schemeClr val="tx1"/>
+          </a:fontRef>
+        </p:style>
+      </p:cxnSp>
+      <p:cxnSp>
+        <p:nvCxnSpPr>
+          <p:cNvPr id="21" name="Connector: Elbow 20">
+            <a:extLst>
+              <a:ext uri="{FF2B5EF4-FFF2-40B4-BE49-F238E27FC236}">
+                <a16:creationId xmlns:a16="http://schemas.microsoft.com/office/drawing/2014/main" id="{593FCC46-3E83-7180-B695-3DB81DC76C4B}"/>
+              </a:ext>
+            </a:extLst>
+          </p:cNvPr>
+          <p:cNvCxnSpPr>
+            <a:stCxn id="7" idx="4"/>
+            <a:endCxn id="8" idx="0"/>
+          </p:cNvCxnSpPr>
+          <p:nvPr/>
+        </p:nvCxnSpPr>
+        <p:spPr>
+          <a:xfrm rot="5400000">
+            <a:off x="1023256" y="3423102"/>
+            <a:ext cx="841828" cy="609600"/>
+          </a:xfrm>
+          <a:prstGeom prst="bentConnector3">
+            <a:avLst/>
+          </a:prstGeom>
+        </p:spPr>
+        <p:style>
+          <a:lnRef idx="1">
+            <a:schemeClr val="accent1"/>
+          </a:lnRef>
+          <a:fillRef idx="0">
+            <a:schemeClr val="accent1"/>
+          </a:fillRef>
+          <a:effectRef idx="0">
+            <a:schemeClr val="accent1"/>
+          </a:effectRef>
+          <a:fontRef idx="minor">
+            <a:schemeClr val="tx1"/>
+          </a:fontRef>
+        </p:style>
+      </p:cxnSp>
+      <p:cxnSp>
+        <p:nvCxnSpPr>
+          <p:cNvPr id="23" name="Connector: Elbow 22">
+            <a:extLst>
+              <a:ext uri="{FF2B5EF4-FFF2-40B4-BE49-F238E27FC236}">
+                <a16:creationId xmlns:a16="http://schemas.microsoft.com/office/drawing/2014/main" id="{1ED06FA0-E509-79BD-78B2-DB4CF6F9CA6C}"/>
+              </a:ext>
+            </a:extLst>
+          </p:cNvPr>
+          <p:cNvCxnSpPr>
+            <a:stCxn id="8" idx="4"/>
+            <a:endCxn id="9" idx="0"/>
+          </p:cNvCxnSpPr>
+          <p:nvPr/>
+        </p:nvCxnSpPr>
+        <p:spPr>
+          <a:xfrm rot="5400000">
+            <a:off x="966333" y="5323339"/>
+            <a:ext cx="346074" cy="12700"/>
+          </a:xfrm>
+          <a:prstGeom prst="bentConnector3">
+            <a:avLst/>
+          </a:prstGeom>
+        </p:spPr>
+        <p:style>
+          <a:lnRef idx="1">
+            <a:schemeClr val="accent1"/>
+          </a:lnRef>
+          <a:fillRef idx="0">
+            <a:schemeClr val="accent1"/>
+          </a:fillRef>
+          <a:effectRef idx="0">
+            <a:schemeClr val="accent1"/>
+          </a:effectRef>
+          <a:fontRef idx="minor">
+            <a:schemeClr val="tx1"/>
+          </a:fontRef>
+        </p:style>
+      </p:cxnSp>
+      <p:cxnSp>
+        <p:nvCxnSpPr>
+          <p:cNvPr id="25" name="Connector: Elbow 24">
+            <a:extLst>
+              <a:ext uri="{FF2B5EF4-FFF2-40B4-BE49-F238E27FC236}">
+                <a16:creationId xmlns:a16="http://schemas.microsoft.com/office/drawing/2014/main" id="{382828CA-B497-BC3E-8CAE-EE065020F560}"/>
+              </a:ext>
+            </a:extLst>
+          </p:cNvPr>
+          <p:cNvCxnSpPr>
+            <a:stCxn id="6" idx="4"/>
+            <a:endCxn id="10" idx="0"/>
+          </p:cNvCxnSpPr>
+          <p:nvPr/>
+        </p:nvCxnSpPr>
+        <p:spPr>
+          <a:xfrm rot="5400000">
+            <a:off x="3763281" y="4133845"/>
+            <a:ext cx="1026889" cy="1018725"/>
+          </a:xfrm>
+          <a:prstGeom prst="bentConnector3">
+            <a:avLst/>
+          </a:prstGeom>
+        </p:spPr>
+        <p:style>
+          <a:lnRef idx="1">
+            <a:schemeClr val="accent1"/>
+          </a:lnRef>
+          <a:fillRef idx="0">
+            <a:schemeClr val="accent1"/>
+          </a:fillRef>
+          <a:effectRef idx="0">
+            <a:schemeClr val="accent1"/>
+          </a:effectRef>
+          <a:fontRef idx="minor">
+            <a:schemeClr val="tx1"/>
+          </a:fontRef>
+        </p:style>
+      </p:cxnSp>
+      <p:cxnSp>
+        <p:nvCxnSpPr>
+          <p:cNvPr id="27" name="Connector: Elbow 26">
+            <a:extLst>
+              <a:ext uri="{FF2B5EF4-FFF2-40B4-BE49-F238E27FC236}">
+                <a16:creationId xmlns:a16="http://schemas.microsoft.com/office/drawing/2014/main" id="{1707E679-D061-2F74-AB87-13F3AF97F16F}"/>
+              </a:ext>
+            </a:extLst>
+          </p:cNvPr>
+          <p:cNvCxnSpPr>
+            <a:stCxn id="6" idx="4"/>
+            <a:endCxn id="11" idx="0"/>
+          </p:cNvCxnSpPr>
+          <p:nvPr/>
+        </p:nvCxnSpPr>
+        <p:spPr>
+          <a:xfrm rot="16200000" flipH="1">
+            <a:off x="5080451" y="3835398"/>
+            <a:ext cx="1026889" cy="1615617"/>
+          </a:xfrm>
+          <a:prstGeom prst="bentConnector3">
+            <a:avLst/>
+          </a:prstGeom>
+        </p:spPr>
+        <p:style>
+          <a:lnRef idx="1">
+            <a:schemeClr val="accent1"/>
+          </a:lnRef>
+          <a:fillRef idx="0">
+            <a:schemeClr val="accent1"/>
+          </a:fillRef>
+          <a:effectRef idx="0">
+            <a:schemeClr val="accent1"/>
+          </a:effectRef>
+          <a:fontRef idx="minor">
+            <a:schemeClr val="tx1"/>
+          </a:fontRef>
+        </p:style>
+      </p:cxnSp>
+      <p:cxnSp>
+        <p:nvCxnSpPr>
+          <p:cNvPr id="29" name="Connector: Elbow 28">
+            <a:extLst>
+              <a:ext uri="{FF2B5EF4-FFF2-40B4-BE49-F238E27FC236}">
+                <a16:creationId xmlns:a16="http://schemas.microsoft.com/office/drawing/2014/main" id="{454226FE-D8B4-61FA-F916-8E5DF0D351DA}"/>
+              </a:ext>
+            </a:extLst>
+          </p:cNvPr>
+          <p:cNvCxnSpPr>
+            <a:stCxn id="5" idx="4"/>
+            <a:endCxn id="12" idx="0"/>
+          </p:cNvCxnSpPr>
+          <p:nvPr/>
+        </p:nvCxnSpPr>
+        <p:spPr>
+          <a:xfrm rot="5400000">
+            <a:off x="7463067" y="2793089"/>
+            <a:ext cx="237668" cy="584199"/>
+          </a:xfrm>
+          <a:prstGeom prst="bentConnector3">
+            <a:avLst/>
+          </a:prstGeom>
+        </p:spPr>
+        <p:style>
+          <a:lnRef idx="1">
+            <a:schemeClr val="accent1"/>
+          </a:lnRef>
+          <a:fillRef idx="0">
+            <a:schemeClr val="accent1"/>
+          </a:fillRef>
+          <a:effectRef idx="0">
+            <a:schemeClr val="accent1"/>
+          </a:effectRef>
+          <a:fontRef idx="minor">
+            <a:schemeClr val="tx1"/>
+          </a:fontRef>
+        </p:style>
+      </p:cxnSp>
+      <p:cxnSp>
+        <p:nvCxnSpPr>
+          <p:cNvPr id="31" name="Connector: Elbow 30">
+            <a:extLst>
+              <a:ext uri="{FF2B5EF4-FFF2-40B4-BE49-F238E27FC236}">
+                <a16:creationId xmlns:a16="http://schemas.microsoft.com/office/drawing/2014/main" id="{A86DB53A-B9B4-6B8E-FABB-5DC9A09FD9B2}"/>
+              </a:ext>
+            </a:extLst>
+          </p:cNvPr>
+          <p:cNvCxnSpPr>
+            <a:stCxn id="5" idx="6"/>
+            <a:endCxn id="13" idx="0"/>
+          </p:cNvCxnSpPr>
+          <p:nvPr/>
+        </p:nvCxnSpPr>
+        <p:spPr>
+          <a:xfrm>
+            <a:off x="8752114" y="2465611"/>
+            <a:ext cx="420915" cy="798287"/>
+          </a:xfrm>
+          <a:prstGeom prst="bentConnector2">
+            <a:avLst/>
+          </a:prstGeom>
+        </p:spPr>
+        <p:style>
+          <a:lnRef idx="1">
+            <a:schemeClr val="accent1"/>
+          </a:lnRef>
+          <a:fillRef idx="0">
+            <a:schemeClr val="accent1"/>
+          </a:fillRef>
+          <a:effectRef idx="0">
+            <a:schemeClr val="accent1"/>
+          </a:effectRef>
+          <a:fontRef idx="minor">
+            <a:schemeClr val="tx1"/>
+          </a:fontRef>
+        </p:style>
+      </p:cxnSp>
+      <p:sp>
+        <p:nvSpPr>
+          <p:cNvPr id="3" name="Flowchart: Connector 2">
+            <a:extLst>
+              <a:ext uri="{FF2B5EF4-FFF2-40B4-BE49-F238E27FC236}">
+                <a16:creationId xmlns:a16="http://schemas.microsoft.com/office/drawing/2014/main" id="{B866F5E7-5391-197D-2CBF-1E8EA752DDD7}"/>
+              </a:ext>
+            </a:extLst>
+          </p:cNvPr>
+          <p:cNvSpPr/>
+          <p:nvPr/>
+        </p:nvSpPr>
+        <p:spPr>
+          <a:xfrm>
+            <a:off x="10319657" y="289154"/>
+            <a:ext cx="667657" cy="456743"/>
+          </a:xfrm>
+          <a:prstGeom prst="flowChartConnector">
+            <a:avLst/>
+          </a:prstGeom>
+          <a:solidFill>
+            <a:srgbClr val="92D050"/>
+          </a:solidFill>
+        </p:spPr>
+        <p:style>
+          <a:lnRef idx="2">
+            <a:schemeClr val="accent1">
+              <a:shade val="15000"/>
+            </a:schemeClr>
+          </a:lnRef>
+          <a:fillRef idx="1">
+            <a:schemeClr val="accent1"/>
+          </a:fillRef>
+          <a:effectRef idx="0">
+            <a:schemeClr val="accent1"/>
+          </a:effectRef>
+          <a:fontRef idx="minor">
+            <a:schemeClr val="lt1"/>
+          </a:fontRef>
+        </p:style>
+        <p:txBody>
+          <a:bodyPr rtlCol="0" anchor="ctr"/>
+          <a:lstStyle/>
+          <a:p>
+            <a:pPr algn="ctr"/>
+            <a:endParaRPr lang="en-US">
+              <a:solidFill>
+                <a:schemeClr val="tx1"/>
+              </a:solidFill>
+            </a:endParaRPr>
+          </a:p>
+        </p:txBody>
+      </p:sp>
+      <p:sp>
+        <p:nvSpPr>
+          <p:cNvPr id="14" name="TextBox 13">
+            <a:extLst>
+              <a:ext uri="{FF2B5EF4-FFF2-40B4-BE49-F238E27FC236}">
+                <a16:creationId xmlns:a16="http://schemas.microsoft.com/office/drawing/2014/main" id="{0E7557B9-CD0C-768D-68D6-5F1789146561}"/>
+              </a:ext>
+            </a:extLst>
+          </p:cNvPr>
+          <p:cNvSpPr txBox="1"/>
+          <p:nvPr/>
+        </p:nvSpPr>
+        <p:spPr>
+          <a:xfrm>
+            <a:off x="10963487" y="374422"/>
+            <a:ext cx="1085425" cy="369332"/>
+          </a:xfrm>
+          <a:prstGeom prst="rect">
+            <a:avLst/>
+          </a:prstGeom>
+          <a:noFill/>
+        </p:spPr>
+        <p:txBody>
+          <a:bodyPr wrap="none" rtlCol="0">
+            <a:spAutoFit/>
+          </a:bodyPr>
+          <a:lstStyle/>
           <a:p>
             <a:r>
               <a:rPr lang="en-US" dirty="0"/>
-              <a:t>User Context</a:t>
-            </a:r>
-          </a:p>
+              <a:t>User data</a:t>
+            </a:r>
+          </a:p>
+        </p:txBody>
+      </p:sp>
+      <p:sp>
+        <p:nvSpPr>
+          <p:cNvPr id="16" name="Flowchart: Connector 15">
+            <a:extLst>
+              <a:ext uri="{FF2B5EF4-FFF2-40B4-BE49-F238E27FC236}">
+                <a16:creationId xmlns:a16="http://schemas.microsoft.com/office/drawing/2014/main" id="{DC2F98ED-8AE9-AE60-E6CB-DA758B3E423B}"/>
+              </a:ext>
+            </a:extLst>
+          </p:cNvPr>
+          <p:cNvSpPr/>
+          <p:nvPr/>
+        </p:nvSpPr>
+        <p:spPr>
+          <a:xfrm>
+            <a:off x="10319657" y="1199472"/>
+            <a:ext cx="667657" cy="456743"/>
+          </a:xfrm>
+          <a:prstGeom prst="flowChartConnector">
+            <a:avLst/>
+          </a:prstGeom>
+          <a:solidFill>
+            <a:schemeClr val="accent2">
+              <a:lumMod val="75000"/>
+            </a:schemeClr>
+          </a:solidFill>
+        </p:spPr>
+        <p:style>
+          <a:lnRef idx="2">
+            <a:schemeClr val="accent1">
+              <a:shade val="15000"/>
+            </a:schemeClr>
+          </a:lnRef>
+          <a:fillRef idx="1">
+            <a:schemeClr val="accent1"/>
+          </a:fillRef>
+          <a:effectRef idx="0">
+            <a:schemeClr val="accent1"/>
+          </a:effectRef>
+          <a:fontRef idx="minor">
+            <a:schemeClr val="lt1"/>
+          </a:fontRef>
+        </p:style>
+        <p:txBody>
+          <a:bodyPr rtlCol="0" anchor="ctr"/>
+          <a:lstStyle/>
+          <a:p>
+            <a:pPr algn="ctr"/>
+            <a:endParaRPr lang="en-US">
+              <a:solidFill>
+                <a:schemeClr val="tx1"/>
+              </a:solidFill>
+            </a:endParaRPr>
+          </a:p>
+        </p:txBody>
+      </p:sp>
+      <p:sp>
+        <p:nvSpPr>
+          <p:cNvPr id="18" name="TextBox 17">
+            <a:extLst>
+              <a:ext uri="{FF2B5EF4-FFF2-40B4-BE49-F238E27FC236}">
+                <a16:creationId xmlns:a16="http://schemas.microsoft.com/office/drawing/2014/main" id="{F8A82533-8871-9BED-BDE4-F127EE59D4E4}"/>
+              </a:ext>
+            </a:extLst>
+          </p:cNvPr>
+          <p:cNvSpPr txBox="1"/>
+          <p:nvPr/>
+        </p:nvSpPr>
+        <p:spPr>
+          <a:xfrm>
+            <a:off x="10963487" y="1284740"/>
+            <a:ext cx="1085425" cy="646331"/>
+          </a:xfrm>
+          <a:prstGeom prst="rect">
+            <a:avLst/>
+          </a:prstGeom>
+          <a:noFill/>
+        </p:spPr>
+        <p:txBody>
+          <a:bodyPr wrap="none" rtlCol="0">
+            <a:spAutoFit/>
+          </a:bodyPr>
+          <a:lstStyle/>
           <a:p>
             <a:r>
               <a:rPr lang="en-US" dirty="0"/>
-              <a:t>Rerendering Form Context</a:t>
+              <a:t>Needs </a:t>
             </a:r>
           </a:p>
           <a:p>
             <a:r>
               <a:rPr lang="en-US" dirty="0"/>
-              <a:t>Signing Out</a:t>
+              <a:t>User data</a:t>
+            </a:r>
+          </a:p>
+        </p:txBody>
+      </p:sp>
+      <p:sp>
+        <p:nvSpPr>
+          <p:cNvPr id="20" name="TextBox 19">
+            <a:extLst>
+              <a:ext uri="{FF2B5EF4-FFF2-40B4-BE49-F238E27FC236}">
+                <a16:creationId xmlns:a16="http://schemas.microsoft.com/office/drawing/2014/main" id="{E5435CF1-A404-3CC5-E1C1-7BCD850DCA53}"/>
+              </a:ext>
+            </a:extLst>
+          </p:cNvPr>
+          <p:cNvSpPr txBox="1"/>
+          <p:nvPr/>
+        </p:nvSpPr>
+        <p:spPr>
+          <a:xfrm>
+            <a:off x="8752114" y="4963886"/>
+            <a:ext cx="2498633" cy="646331"/>
+          </a:xfrm>
+          <a:prstGeom prst="rect">
+            <a:avLst/>
+          </a:prstGeom>
+          <a:noFill/>
+        </p:spPr>
+        <p:txBody>
+          <a:bodyPr wrap="none" rtlCol="0">
+            <a:spAutoFit/>
+          </a:bodyPr>
+          <a:lstStyle/>
+          <a:p>
+            <a:r>
+              <a:rPr lang="en-US" sz="3600" b="1" dirty="0">
+                <a:solidFill>
+                  <a:srgbClr val="92D050"/>
+                </a:solidFill>
+              </a:rPr>
+              <a:t>{ user data }</a:t>
             </a:r>
           </a:p>
         </p:txBody>
@@ -7902,7 +7939,7 @@
     </p:spTree>
     <p:extLst>
       <p:ext uri="{BB962C8B-B14F-4D97-AF65-F5344CB8AC3E}">
-        <p14:creationId xmlns:p14="http://schemas.microsoft.com/office/powerpoint/2010/main" val="388547669"/>
+        <p14:creationId xmlns:p14="http://schemas.microsoft.com/office/powerpoint/2010/main" val="2387946441"/>
       </p:ext>
     </p:extLst>
   </p:cSld>
@@ -7931,6 +7968,87 @@
       </p:grpSpPr>
       <p:sp>
         <p:nvSpPr>
+          <p:cNvPr id="3" name="Content Placeholder 2">
+            <a:extLst>
+              <a:ext uri="{FF2B5EF4-FFF2-40B4-BE49-F238E27FC236}">
+                <a16:creationId xmlns:a16="http://schemas.microsoft.com/office/drawing/2014/main" id="{62B42430-E1D1-4352-7EEE-EEE2CB577EC1}"/>
+              </a:ext>
+            </a:extLst>
+          </p:cNvPr>
+          <p:cNvSpPr>
+            <a:spLocks noGrp="1"/>
+          </p:cNvSpPr>
+          <p:nvPr>
+            <p:ph idx="1"/>
+          </p:nvPr>
+        </p:nvSpPr>
+        <p:spPr>
+          <a:xfrm>
+            <a:off x="838200" y="261257"/>
+            <a:ext cx="10515600" cy="5915706"/>
+          </a:xfrm>
+        </p:spPr>
+        <p:txBody>
+          <a:bodyPr/>
+          <a:lstStyle/>
+          <a:p>
+            <a:r>
+              <a:rPr lang="en-US" dirty="0"/>
+              <a:t>Need for Context</a:t>
+            </a:r>
+          </a:p>
+          <a:p>
+            <a:r>
+              <a:rPr lang="en-US" dirty="0"/>
+              <a:t>User Context</a:t>
+            </a:r>
+          </a:p>
+          <a:p>
+            <a:r>
+              <a:rPr lang="en-US" dirty="0"/>
+              <a:t>Rerendering Form Context</a:t>
+            </a:r>
+          </a:p>
+          <a:p>
+            <a:r>
+              <a:rPr lang="en-US" dirty="0"/>
+              <a:t>Signing Out</a:t>
+            </a:r>
+          </a:p>
+        </p:txBody>
+      </p:sp>
+    </p:spTree>
+    <p:extLst>
+      <p:ext uri="{BB962C8B-B14F-4D97-AF65-F5344CB8AC3E}">
+        <p14:creationId xmlns:p14="http://schemas.microsoft.com/office/powerpoint/2010/main" val="388547669"/>
+      </p:ext>
+    </p:extLst>
+  </p:cSld>
+  <p:clrMapOvr>
+    <a:masterClrMapping/>
+  </p:clrMapOvr>
+</p:sld>
+</file>
+
+<file path=ppt/slides/slide16.xml><?xml version="1.0" encoding="utf-8"?>
+<p:sld xmlns:a="http://schemas.openxmlformats.org/drawingml/2006/main" xmlns:r="http://schemas.openxmlformats.org/officeDocument/2006/relationships" xmlns:p="http://schemas.openxmlformats.org/presentationml/2006/main">
+  <p:cSld>
+    <p:spTree>
+      <p:nvGrpSpPr>
+        <p:cNvPr id="1" name=""/>
+        <p:cNvGrpSpPr/>
+        <p:nvPr/>
+      </p:nvGrpSpPr>
+      <p:grpSpPr>
+        <a:xfrm>
+          <a:off x="0" y="0"/>
+          <a:ext cx="0" cy="0"/>
+          <a:chOff x="0" y="0"/>
+          <a:chExt cx="0" cy="0"/>
+        </a:xfrm>
+      </p:grpSpPr>
+      <p:sp>
+        <p:nvSpPr>
           <p:cNvPr id="2" name="Title 1">
             <a:extLst>
               <a:ext uri="{FF2B5EF4-FFF2-40B4-BE49-F238E27FC236}">
@@ -8003,7 +8121,7 @@
 </p:sld>
 </file>
 
-<file path=ppt/slides/slide16.xml><?xml version="1.0" encoding="utf-8"?>
+<file path=ppt/slides/slide17.xml><?xml version="1.0" encoding="utf-8"?>
 <p:sld xmlns:a="http://schemas.openxmlformats.org/drawingml/2006/main" xmlns:r="http://schemas.openxmlformats.org/officeDocument/2006/relationships" xmlns:p="http://schemas.openxmlformats.org/presentationml/2006/main">
   <p:cSld>
     <p:spTree>
@@ -9499,7 +9617,7 @@
 </p:sld>
 </file>
 
-<file path=ppt/slides/slide17.xml><?xml version="1.0" encoding="utf-8"?>
+<file path=ppt/slides/slide18.xml><?xml version="1.0" encoding="utf-8"?>
 <p:sld xmlns:a="http://schemas.openxmlformats.org/drawingml/2006/main" xmlns:r="http://schemas.openxmlformats.org/officeDocument/2006/relationships" xmlns:p="http://schemas.openxmlformats.org/presentationml/2006/main">
   <p:cSld>
     <p:spTree>
@@ -11165,7 +11283,7 @@
 </p:sld>
 </file>
 
-<file path=ppt/slides/slide18.xml><?xml version="1.0" encoding="utf-8"?>
+<file path=ppt/slides/slide19.xml><?xml version="1.0" encoding="utf-8"?>
 <p:sld xmlns:a="http://schemas.openxmlformats.org/drawingml/2006/main" xmlns:r="http://schemas.openxmlformats.org/officeDocument/2006/relationships" xmlns:p="http://schemas.openxmlformats.org/presentationml/2006/main">
   <p:cSld>
     <p:spTree>
@@ -12863,7 +12981,157 @@
 </p:sld>
 </file>
 
-<file path=ppt/slides/slide19.xml><?xml version="1.0" encoding="utf-8"?>
+<file path=ppt/slides/slide2.xml><?xml version="1.0" encoding="utf-8"?>
+<p:sld xmlns:a="http://schemas.openxmlformats.org/drawingml/2006/main" xmlns:r="http://schemas.openxmlformats.org/officeDocument/2006/relationships" xmlns:p="http://schemas.openxmlformats.org/presentationml/2006/main">
+  <p:cSld>
+    <p:spTree>
+      <p:nvGrpSpPr>
+        <p:cNvPr id="1" name=""/>
+        <p:cNvGrpSpPr/>
+        <p:nvPr/>
+      </p:nvGrpSpPr>
+      <p:grpSpPr>
+        <a:xfrm>
+          <a:off x="0" y="0"/>
+          <a:ext cx="0" cy="0"/>
+          <a:chOff x="0" y="0"/>
+          <a:chExt cx="0" cy="0"/>
+        </a:xfrm>
+      </p:grpSpPr>
+      <p:sp>
+        <p:nvSpPr>
+          <p:cNvPr id="2" name="Title 1">
+            <a:extLst>
+              <a:ext uri="{FF2B5EF4-FFF2-40B4-BE49-F238E27FC236}">
+                <a16:creationId xmlns:a16="http://schemas.microsoft.com/office/drawing/2014/main" id="{4D6B132C-539E-14EF-88A9-4898BD2ED831}"/>
+              </a:ext>
+            </a:extLst>
+          </p:cNvPr>
+          <p:cNvSpPr>
+            <a:spLocks noGrp="1"/>
+          </p:cNvSpPr>
+          <p:nvPr>
+            <p:ph type="ctrTitle"/>
+          </p:nvPr>
+        </p:nvSpPr>
+        <p:spPr>
+          <a:xfrm>
+            <a:off x="1683657" y="570820"/>
+            <a:ext cx="9869714" cy="5321980"/>
+          </a:xfrm>
+        </p:spPr>
+        <p:txBody>
+          <a:bodyPr numCol="2" anchor="ctr">
+            <a:normAutofit fontScale="90000"/>
+          </a:bodyPr>
+          <a:lstStyle/>
+          <a:p>
+            <a:r>
+              <a:rPr lang="en-US" dirty="0"/>
+              <a:t>React Basics</a:t>
+            </a:r>
+            <a:br>
+              <a:rPr lang="en-US" dirty="0"/>
+            </a:br>
+            <a:r>
+              <a:rPr lang="en-US" dirty="0"/>
+              <a:t>React Router</a:t>
+            </a:r>
+            <a:br>
+              <a:rPr lang="en-US" dirty="0"/>
+            </a:br>
+            <a:r>
+              <a:rPr lang="en-US" dirty="0"/>
+              <a:t>Context API</a:t>
+            </a:r>
+            <a:br>
+              <a:rPr lang="en-US" dirty="0"/>
+            </a:br>
+            <a:r>
+              <a:rPr lang="en-US" dirty="0"/>
+              <a:t>Hooks</a:t>
+            </a:r>
+            <a:br>
+              <a:rPr lang="en-US" dirty="0"/>
+            </a:br>
+            <a:r>
+              <a:rPr lang="en-US" dirty="0"/>
+              <a:t>Firebase</a:t>
+            </a:r>
+            <a:br>
+              <a:rPr lang="en-US" dirty="0"/>
+            </a:br>
+            <a:r>
+              <a:rPr lang="en-US" dirty="0"/>
+              <a:t>payments – stripe</a:t>
+            </a:r>
+            <a:br>
+              <a:rPr lang="en-US" dirty="0"/>
+            </a:br>
+            <a:r>
+              <a:rPr lang="en-US" dirty="0" err="1"/>
+              <a:t>css</a:t>
+            </a:r>
+            <a:r>
+              <a:rPr lang="en-US" dirty="0"/>
+              <a:t> in </a:t>
+            </a:r>
+            <a:r>
+              <a:rPr lang="en-US" dirty="0" err="1"/>
+              <a:t>jS</a:t>
+            </a:r>
+            <a:br>
+              <a:rPr lang="en-US" dirty="0"/>
+            </a:br>
+            <a:r>
+              <a:rPr lang="en-US" dirty="0"/>
+              <a:t>Performance</a:t>
+            </a:r>
+            <a:br>
+              <a:rPr lang="en-US" dirty="0"/>
+            </a:br>
+            <a:r>
+              <a:rPr lang="en-US" dirty="0"/>
+              <a:t>PWA</a:t>
+            </a:r>
+            <a:br>
+              <a:rPr lang="en-US" dirty="0"/>
+            </a:br>
+            <a:r>
+              <a:rPr lang="en-US" dirty="0"/>
+              <a:t>Redux</a:t>
+            </a:r>
+            <a:br>
+              <a:rPr lang="en-US" dirty="0"/>
+            </a:br>
+            <a:r>
+              <a:rPr lang="en-US" dirty="0"/>
+              <a:t>Redux-Saga</a:t>
+            </a:r>
+            <a:br>
+              <a:rPr lang="en-US" dirty="0"/>
+            </a:br>
+            <a:r>
+              <a:rPr lang="en-US" dirty="0"/>
+              <a:t>Testing</a:t>
+            </a:r>
+          </a:p>
+        </p:txBody>
+      </p:sp>
+    </p:spTree>
+    <p:extLst>
+      <p:ext uri="{BB962C8B-B14F-4D97-AF65-F5344CB8AC3E}">
+        <p14:creationId xmlns:p14="http://schemas.microsoft.com/office/powerpoint/2010/main" val="605087398"/>
+      </p:ext>
+    </p:extLst>
+  </p:cSld>
+  <p:clrMapOvr>
+    <a:masterClrMapping/>
+  </p:clrMapOvr>
+</p:sld>
+</file>
+
+<file path=ppt/slides/slide20.xml><?xml version="1.0" encoding="utf-8"?>
 <p:sld xmlns:a="http://schemas.openxmlformats.org/drawingml/2006/main" xmlns:r="http://schemas.openxmlformats.org/officeDocument/2006/relationships" xmlns:p="http://schemas.openxmlformats.org/presentationml/2006/main">
   <p:cSld>
     <p:spTree>
@@ -14545,339 +14813,7 @@
 </p:sld>
 </file>
 
-<file path=ppt/slides/slide2.xml><?xml version="1.0" encoding="utf-8"?>
-<p:sld xmlns:a="http://schemas.openxmlformats.org/drawingml/2006/main" xmlns:r="http://schemas.openxmlformats.org/officeDocument/2006/relationships" xmlns:p="http://schemas.openxmlformats.org/presentationml/2006/main">
-  <p:cSld>
-    <p:spTree>
-      <p:nvGrpSpPr>
-        <p:cNvPr id="1" name=""/>
-        <p:cNvGrpSpPr/>
-        <p:nvPr/>
-      </p:nvGrpSpPr>
-      <p:grpSpPr>
-        <a:xfrm>
-          <a:off x="0" y="0"/>
-          <a:ext cx="0" cy="0"/>
-          <a:chOff x="0" y="0"/>
-          <a:chExt cx="0" cy="0"/>
-        </a:xfrm>
-      </p:grpSpPr>
-      <p:sp>
-        <p:nvSpPr>
-          <p:cNvPr id="3" name="Content Placeholder 2">
-            <a:extLst>
-              <a:ext uri="{FF2B5EF4-FFF2-40B4-BE49-F238E27FC236}">
-                <a16:creationId xmlns:a16="http://schemas.microsoft.com/office/drawing/2014/main" id="{584E3C20-624D-B278-6D25-EB061448D628}"/>
-              </a:ext>
-            </a:extLst>
-          </p:cNvPr>
-          <p:cNvSpPr>
-            <a:spLocks noGrp="1"/>
-          </p:cNvSpPr>
-          <p:nvPr>
-            <p:ph idx="1"/>
-          </p:nvPr>
-        </p:nvSpPr>
-        <p:spPr>
-          <a:xfrm>
-            <a:off x="838200" y="638629"/>
-            <a:ext cx="4154714" cy="5538334"/>
-          </a:xfrm>
-        </p:spPr>
-        <p:txBody>
-          <a:bodyPr/>
-          <a:lstStyle/>
-          <a:p>
-            <a:r>
-              <a:rPr lang="en-US" dirty="0"/>
-              <a:t>Before React ?</a:t>
-            </a:r>
-          </a:p>
-          <a:p>
-            <a:r>
-              <a:rPr lang="en-US" dirty="0"/>
-              <a:t>Why React?</a:t>
-            </a:r>
-          </a:p>
-          <a:p>
-            <a:r>
-              <a:rPr lang="en-US" dirty="0"/>
-              <a:t>Declarative</a:t>
-            </a:r>
-          </a:p>
-          <a:p>
-            <a:r>
-              <a:rPr lang="en-US" dirty="0"/>
-              <a:t>Component Architecture</a:t>
-            </a:r>
-          </a:p>
-          <a:p>
-            <a:r>
-              <a:rPr lang="en-US" dirty="0"/>
-              <a:t>Unidirectional Data Flow</a:t>
-            </a:r>
-          </a:p>
-          <a:p>
-            <a:r>
-              <a:rPr lang="en-US" dirty="0"/>
-              <a:t>UI Layer</a:t>
-            </a:r>
-          </a:p>
-        </p:txBody>
-      </p:sp>
-      <p:sp>
-        <p:nvSpPr>
-          <p:cNvPr id="4" name="Content Placeholder 2">
-            <a:extLst>
-              <a:ext uri="{FF2B5EF4-FFF2-40B4-BE49-F238E27FC236}">
-                <a16:creationId xmlns:a16="http://schemas.microsoft.com/office/drawing/2014/main" id="{6EE79BC5-A2B9-903E-33D5-8683345EB170}"/>
-              </a:ext>
-            </a:extLst>
-          </p:cNvPr>
-          <p:cNvSpPr txBox="1">
-            <a:spLocks/>
-          </p:cNvSpPr>
-          <p:nvPr/>
-        </p:nvSpPr>
-        <p:spPr>
-          <a:xfrm>
-            <a:off x="6934200" y="659833"/>
-            <a:ext cx="4154714" cy="5538334"/>
-          </a:xfrm>
-          <a:prstGeom prst="rect">
-            <a:avLst/>
-          </a:prstGeom>
-        </p:spPr>
-        <p:txBody>
-          <a:bodyPr vert="horz" lIns="91440" tIns="45720" rIns="91440" bIns="45720" rtlCol="0">
-            <a:normAutofit/>
-          </a:bodyPr>
-          <a:lstStyle>
-            <a:lvl1pPr marL="228600" indent="-228600" algn="l" defTabSz="914400" rtl="0" eaLnBrk="1" latinLnBrk="0" hangingPunct="1">
-              <a:lnSpc>
-                <a:spcPct val="90000"/>
-              </a:lnSpc>
-              <a:spcBef>
-                <a:spcPts val="1000"/>
-              </a:spcBef>
-              <a:buFont typeface="Arial" panose="020B0604020202020204" pitchFamily="34" charset="0"/>
-              <a:buChar char="•"/>
-              <a:defRPr sz="2800" kern="1200">
-                <a:solidFill>
-                  <a:schemeClr val="tx1"/>
-                </a:solidFill>
-                <a:latin typeface="+mn-lt"/>
-                <a:ea typeface="+mn-ea"/>
-                <a:cs typeface="+mn-cs"/>
-              </a:defRPr>
-            </a:lvl1pPr>
-            <a:lvl2pPr marL="685800" indent="-228600" algn="l" defTabSz="914400" rtl="0" eaLnBrk="1" latinLnBrk="0" hangingPunct="1">
-              <a:lnSpc>
-                <a:spcPct val="90000"/>
-              </a:lnSpc>
-              <a:spcBef>
-                <a:spcPts val="500"/>
-              </a:spcBef>
-              <a:buFont typeface="Arial" panose="020B0604020202020204" pitchFamily="34" charset="0"/>
-              <a:buChar char="•"/>
-              <a:defRPr sz="2400" kern="1200">
-                <a:solidFill>
-                  <a:schemeClr val="tx1"/>
-                </a:solidFill>
-                <a:latin typeface="+mn-lt"/>
-                <a:ea typeface="+mn-ea"/>
-                <a:cs typeface="+mn-cs"/>
-              </a:defRPr>
-            </a:lvl2pPr>
-            <a:lvl3pPr marL="1143000" indent="-228600" algn="l" defTabSz="914400" rtl="0" eaLnBrk="1" latinLnBrk="0" hangingPunct="1">
-              <a:lnSpc>
-                <a:spcPct val="90000"/>
-              </a:lnSpc>
-              <a:spcBef>
-                <a:spcPts val="500"/>
-              </a:spcBef>
-              <a:buFont typeface="Arial" panose="020B0604020202020204" pitchFamily="34" charset="0"/>
-              <a:buChar char="•"/>
-              <a:defRPr sz="2000" kern="1200">
-                <a:solidFill>
-                  <a:schemeClr val="tx1"/>
-                </a:solidFill>
-                <a:latin typeface="+mn-lt"/>
-                <a:ea typeface="+mn-ea"/>
-                <a:cs typeface="+mn-cs"/>
-              </a:defRPr>
-            </a:lvl3pPr>
-            <a:lvl4pPr marL="1600200" indent="-228600" algn="l" defTabSz="914400" rtl="0" eaLnBrk="1" latinLnBrk="0" hangingPunct="1">
-              <a:lnSpc>
-                <a:spcPct val="90000"/>
-              </a:lnSpc>
-              <a:spcBef>
-                <a:spcPts val="500"/>
-              </a:spcBef>
-              <a:buFont typeface="Arial" panose="020B0604020202020204" pitchFamily="34" charset="0"/>
-              <a:buChar char="•"/>
-              <a:defRPr sz="1800" kern="1200">
-                <a:solidFill>
-                  <a:schemeClr val="tx1"/>
-                </a:solidFill>
-                <a:latin typeface="+mn-lt"/>
-                <a:ea typeface="+mn-ea"/>
-                <a:cs typeface="+mn-cs"/>
-              </a:defRPr>
-            </a:lvl4pPr>
-            <a:lvl5pPr marL="2057400" indent="-228600" algn="l" defTabSz="914400" rtl="0" eaLnBrk="1" latinLnBrk="0" hangingPunct="1">
-              <a:lnSpc>
-                <a:spcPct val="90000"/>
-              </a:lnSpc>
-              <a:spcBef>
-                <a:spcPts val="500"/>
-              </a:spcBef>
-              <a:buFont typeface="Arial" panose="020B0604020202020204" pitchFamily="34" charset="0"/>
-              <a:buChar char="•"/>
-              <a:defRPr sz="1800" kern="1200">
-                <a:solidFill>
-                  <a:schemeClr val="tx1"/>
-                </a:solidFill>
-                <a:latin typeface="+mn-lt"/>
-                <a:ea typeface="+mn-ea"/>
-                <a:cs typeface="+mn-cs"/>
-              </a:defRPr>
-            </a:lvl5pPr>
-            <a:lvl6pPr marL="2514600" indent="-228600" algn="l" defTabSz="914400" rtl="0" eaLnBrk="1" latinLnBrk="0" hangingPunct="1">
-              <a:lnSpc>
-                <a:spcPct val="90000"/>
-              </a:lnSpc>
-              <a:spcBef>
-                <a:spcPts val="500"/>
-              </a:spcBef>
-              <a:buFont typeface="Arial" panose="020B0604020202020204" pitchFamily="34" charset="0"/>
-              <a:buChar char="•"/>
-              <a:defRPr sz="1800" kern="1200">
-                <a:solidFill>
-                  <a:schemeClr val="tx1"/>
-                </a:solidFill>
-                <a:latin typeface="+mn-lt"/>
-                <a:ea typeface="+mn-ea"/>
-                <a:cs typeface="+mn-cs"/>
-              </a:defRPr>
-            </a:lvl6pPr>
-            <a:lvl7pPr marL="2971800" indent="-228600" algn="l" defTabSz="914400" rtl="0" eaLnBrk="1" latinLnBrk="0" hangingPunct="1">
-              <a:lnSpc>
-                <a:spcPct val="90000"/>
-              </a:lnSpc>
-              <a:spcBef>
-                <a:spcPts val="500"/>
-              </a:spcBef>
-              <a:buFont typeface="Arial" panose="020B0604020202020204" pitchFamily="34" charset="0"/>
-              <a:buChar char="•"/>
-              <a:defRPr sz="1800" kern="1200">
-                <a:solidFill>
-                  <a:schemeClr val="tx1"/>
-                </a:solidFill>
-                <a:latin typeface="+mn-lt"/>
-                <a:ea typeface="+mn-ea"/>
-                <a:cs typeface="+mn-cs"/>
-              </a:defRPr>
-            </a:lvl7pPr>
-            <a:lvl8pPr marL="3429000" indent="-228600" algn="l" defTabSz="914400" rtl="0" eaLnBrk="1" latinLnBrk="0" hangingPunct="1">
-              <a:lnSpc>
-                <a:spcPct val="90000"/>
-              </a:lnSpc>
-              <a:spcBef>
-                <a:spcPts val="500"/>
-              </a:spcBef>
-              <a:buFont typeface="Arial" panose="020B0604020202020204" pitchFamily="34" charset="0"/>
-              <a:buChar char="•"/>
-              <a:defRPr sz="1800" kern="1200">
-                <a:solidFill>
-                  <a:schemeClr val="tx1"/>
-                </a:solidFill>
-                <a:latin typeface="+mn-lt"/>
-                <a:ea typeface="+mn-ea"/>
-                <a:cs typeface="+mn-cs"/>
-              </a:defRPr>
-            </a:lvl8pPr>
-            <a:lvl9pPr marL="3886200" indent="-228600" algn="l" defTabSz="914400" rtl="0" eaLnBrk="1" latinLnBrk="0" hangingPunct="1">
-              <a:lnSpc>
-                <a:spcPct val="90000"/>
-              </a:lnSpc>
-              <a:spcBef>
-                <a:spcPts val="500"/>
-              </a:spcBef>
-              <a:buFont typeface="Arial" panose="020B0604020202020204" pitchFamily="34" charset="0"/>
-              <a:buChar char="•"/>
-              <a:defRPr sz="1800" kern="1200">
-                <a:solidFill>
-                  <a:schemeClr val="tx1"/>
-                </a:solidFill>
-                <a:latin typeface="+mn-lt"/>
-                <a:ea typeface="+mn-ea"/>
-                <a:cs typeface="+mn-cs"/>
-              </a:defRPr>
-            </a:lvl9pPr>
-          </a:lstStyle>
-          <a:p>
-            <a:pPr marL="0" indent="0">
-              <a:buNone/>
-            </a:pPr>
-            <a:r>
-              <a:rPr lang="en-US" dirty="0"/>
-              <a:t>Keywords</a:t>
-            </a:r>
-          </a:p>
-          <a:p>
-            <a:r>
-              <a:rPr lang="en-US" dirty="0"/>
-              <a:t>Declarative</a:t>
-            </a:r>
-          </a:p>
-          <a:p>
-            <a:r>
-              <a:rPr lang="en-US" dirty="0"/>
-              <a:t>JSX</a:t>
-            </a:r>
-          </a:p>
-          <a:p>
-            <a:r>
-              <a:rPr lang="en-US" dirty="0"/>
-              <a:t>Components</a:t>
-            </a:r>
-          </a:p>
-          <a:p>
-            <a:r>
-              <a:rPr lang="en-US" dirty="0"/>
-              <a:t>State</a:t>
-            </a:r>
-          </a:p>
-          <a:p>
-            <a:r>
-              <a:rPr lang="en-US" dirty="0"/>
-              <a:t>Props</a:t>
-            </a:r>
-          </a:p>
-          <a:p>
-            <a:r>
-              <a:rPr lang="en-US" dirty="0" err="1"/>
-              <a:t>VirtualDOM</a:t>
-            </a:r>
-            <a:endParaRPr lang="en-US" dirty="0"/>
-          </a:p>
-        </p:txBody>
-      </p:sp>
-    </p:spTree>
-    <p:extLst>
-      <p:ext uri="{BB962C8B-B14F-4D97-AF65-F5344CB8AC3E}">
-        <p14:creationId xmlns:p14="http://schemas.microsoft.com/office/powerpoint/2010/main" val="4270465314"/>
-      </p:ext>
-    </p:extLst>
-  </p:cSld>
-  <p:clrMapOvr>
-    <a:masterClrMapping/>
-  </p:clrMapOvr>
-</p:sld>
-</file>
-
-<file path=ppt/slides/slide20.xml><?xml version="1.0" encoding="utf-8"?>
+<file path=ppt/slides/slide21.xml><?xml version="1.0" encoding="utf-8"?>
 <p:sld xmlns:a="http://schemas.openxmlformats.org/drawingml/2006/main" xmlns:r="http://schemas.openxmlformats.org/officeDocument/2006/relationships" xmlns:p="http://schemas.openxmlformats.org/presentationml/2006/main">
   <p:cSld>
     <p:spTree>
@@ -15971,7 +15907,7 @@
 </p:sld>
 </file>
 
-<file path=ppt/slides/slide21.xml><?xml version="1.0" encoding="utf-8"?>
+<file path=ppt/slides/slide22.xml><?xml version="1.0" encoding="utf-8"?>
 <p:sld xmlns:a="http://schemas.openxmlformats.org/drawingml/2006/main" xmlns:r="http://schemas.openxmlformats.org/officeDocument/2006/relationships" xmlns:p="http://schemas.openxmlformats.org/presentationml/2006/main">
   <p:cSld>
     <p:spTree>
@@ -16045,123 +15981,6 @@
     <p:extLst>
       <p:ext uri="{BB962C8B-B14F-4D97-AF65-F5344CB8AC3E}">
         <p14:creationId xmlns:p14="http://schemas.microsoft.com/office/powerpoint/2010/main" val="59620597"/>
-      </p:ext>
-    </p:extLst>
-  </p:cSld>
-  <p:clrMapOvr>
-    <a:masterClrMapping/>
-  </p:clrMapOvr>
-</p:sld>
-</file>
-
-<file path=ppt/slides/slide22.xml><?xml version="1.0" encoding="utf-8"?>
-<p:sld xmlns:a="http://schemas.openxmlformats.org/drawingml/2006/main" xmlns:r="http://schemas.openxmlformats.org/officeDocument/2006/relationships" xmlns:p="http://schemas.openxmlformats.org/presentationml/2006/main">
-  <p:cSld>
-    <p:spTree>
-      <p:nvGrpSpPr>
-        <p:cNvPr id="1" name=""/>
-        <p:cNvGrpSpPr/>
-        <p:nvPr/>
-      </p:nvGrpSpPr>
-      <p:grpSpPr>
-        <a:xfrm>
-          <a:off x="0" y="0"/>
-          <a:ext cx="0" cy="0"/>
-          <a:chOff x="0" y="0"/>
-          <a:chExt cx="0" cy="0"/>
-        </a:xfrm>
-      </p:grpSpPr>
-      <p:sp>
-        <p:nvSpPr>
-          <p:cNvPr id="3" name="Content Placeholder 2">
-            <a:extLst>
-              <a:ext uri="{FF2B5EF4-FFF2-40B4-BE49-F238E27FC236}">
-                <a16:creationId xmlns:a16="http://schemas.microsoft.com/office/drawing/2014/main" id="{39F3963D-D57E-D1C1-3F20-C2DE94205DFA}"/>
-              </a:ext>
-            </a:extLst>
-          </p:cNvPr>
-          <p:cNvSpPr>
-            <a:spLocks noGrp="1"/>
-          </p:cNvSpPr>
-          <p:nvPr>
-            <p:ph idx="1"/>
-          </p:nvPr>
-        </p:nvSpPr>
-        <p:spPr>
-          <a:xfrm>
-            <a:off x="838200" y="327546"/>
-            <a:ext cx="10515600" cy="5849417"/>
-          </a:xfrm>
-        </p:spPr>
-        <p:txBody>
-          <a:bodyPr/>
-          <a:lstStyle/>
-          <a:p>
-            <a:r>
-              <a:rPr lang="en-US" dirty="0"/>
-              <a:t>New Shop page</a:t>
-            </a:r>
-          </a:p>
-          <a:p>
-            <a:r>
-              <a:rPr lang="en-US" dirty="0"/>
-              <a:t>Products context</a:t>
-            </a:r>
-          </a:p>
-          <a:p>
-            <a:r>
-              <a:rPr lang="en-US" dirty="0"/>
-              <a:t>Product card component</a:t>
-            </a:r>
-          </a:p>
-          <a:p>
-            <a:r>
-              <a:rPr lang="en-US" dirty="0"/>
-              <a:t>Cart Icon &amp; Dropdown</a:t>
-            </a:r>
-          </a:p>
-          <a:p>
-            <a:r>
-              <a:rPr lang="en-US" dirty="0"/>
-              <a:t>Toggle Cart Open</a:t>
-            </a:r>
-          </a:p>
-          <a:p>
-            <a:r>
-              <a:rPr lang="en-US" dirty="0"/>
-              <a:t>Add to Cart</a:t>
-            </a:r>
-          </a:p>
-          <a:p>
-            <a:r>
-              <a:rPr lang="en-US" dirty="0"/>
-              <a:t>Cart Item Designs</a:t>
-            </a:r>
-          </a:p>
-          <a:p>
-            <a:r>
-              <a:rPr lang="en-US" dirty="0"/>
-              <a:t>Creating Checkout Page</a:t>
-            </a:r>
-          </a:p>
-          <a:p>
-            <a:r>
-              <a:rPr lang="en-US" dirty="0"/>
-              <a:t>Cart Total</a:t>
-            </a:r>
-          </a:p>
-          <a:p>
-            <a:endParaRPr lang="en-US" dirty="0"/>
-          </a:p>
-          <a:p>
-            <a:endParaRPr lang="en-US" dirty="0"/>
-          </a:p>
-        </p:txBody>
-      </p:sp>
-    </p:spTree>
-    <p:extLst>
-      <p:ext uri="{BB962C8B-B14F-4D97-AF65-F5344CB8AC3E}">
-        <p14:creationId xmlns:p14="http://schemas.microsoft.com/office/powerpoint/2010/main" val="3186367981"/>
       </p:ext>
     </p:extLst>
   </p:cSld>
@@ -16190,6 +16009,123 @@
       </p:grpSpPr>
       <p:sp>
         <p:nvSpPr>
+          <p:cNvPr id="3" name="Content Placeholder 2">
+            <a:extLst>
+              <a:ext uri="{FF2B5EF4-FFF2-40B4-BE49-F238E27FC236}">
+                <a16:creationId xmlns:a16="http://schemas.microsoft.com/office/drawing/2014/main" id="{39F3963D-D57E-D1C1-3F20-C2DE94205DFA}"/>
+              </a:ext>
+            </a:extLst>
+          </p:cNvPr>
+          <p:cNvSpPr>
+            <a:spLocks noGrp="1"/>
+          </p:cNvSpPr>
+          <p:nvPr>
+            <p:ph idx="1"/>
+          </p:nvPr>
+        </p:nvSpPr>
+        <p:spPr>
+          <a:xfrm>
+            <a:off x="838200" y="327546"/>
+            <a:ext cx="10515600" cy="5849417"/>
+          </a:xfrm>
+        </p:spPr>
+        <p:txBody>
+          <a:bodyPr/>
+          <a:lstStyle/>
+          <a:p>
+            <a:r>
+              <a:rPr lang="en-US" dirty="0"/>
+              <a:t>New Shop page</a:t>
+            </a:r>
+          </a:p>
+          <a:p>
+            <a:r>
+              <a:rPr lang="en-US" dirty="0"/>
+              <a:t>Products context</a:t>
+            </a:r>
+          </a:p>
+          <a:p>
+            <a:r>
+              <a:rPr lang="en-US" dirty="0"/>
+              <a:t>Product card component</a:t>
+            </a:r>
+          </a:p>
+          <a:p>
+            <a:r>
+              <a:rPr lang="en-US" dirty="0"/>
+              <a:t>Cart Icon &amp; Dropdown</a:t>
+            </a:r>
+          </a:p>
+          <a:p>
+            <a:r>
+              <a:rPr lang="en-US" dirty="0"/>
+              <a:t>Toggle Cart Open</a:t>
+            </a:r>
+          </a:p>
+          <a:p>
+            <a:r>
+              <a:rPr lang="en-US" dirty="0"/>
+              <a:t>Add to Cart</a:t>
+            </a:r>
+          </a:p>
+          <a:p>
+            <a:r>
+              <a:rPr lang="en-US" dirty="0"/>
+              <a:t>Cart Item Designs</a:t>
+            </a:r>
+          </a:p>
+          <a:p>
+            <a:r>
+              <a:rPr lang="en-US" dirty="0"/>
+              <a:t>Creating Checkout Page</a:t>
+            </a:r>
+          </a:p>
+          <a:p>
+            <a:r>
+              <a:rPr lang="en-US" dirty="0"/>
+              <a:t>Cart Total</a:t>
+            </a:r>
+          </a:p>
+          <a:p>
+            <a:endParaRPr lang="en-US" dirty="0"/>
+          </a:p>
+          <a:p>
+            <a:endParaRPr lang="en-US" dirty="0"/>
+          </a:p>
+        </p:txBody>
+      </p:sp>
+    </p:spTree>
+    <p:extLst>
+      <p:ext uri="{BB962C8B-B14F-4D97-AF65-F5344CB8AC3E}">
+        <p14:creationId xmlns:p14="http://schemas.microsoft.com/office/powerpoint/2010/main" val="3186367981"/>
+      </p:ext>
+    </p:extLst>
+  </p:cSld>
+  <p:clrMapOvr>
+    <a:masterClrMapping/>
+  </p:clrMapOvr>
+</p:sld>
+</file>
+
+<file path=ppt/slides/slide24.xml><?xml version="1.0" encoding="utf-8"?>
+<p:sld xmlns:a="http://schemas.openxmlformats.org/drawingml/2006/main" xmlns:r="http://schemas.openxmlformats.org/officeDocument/2006/relationships" xmlns:p="http://schemas.openxmlformats.org/presentationml/2006/main">
+  <p:cSld>
+    <p:spTree>
+      <p:nvGrpSpPr>
+        <p:cNvPr id="1" name=""/>
+        <p:cNvGrpSpPr/>
+        <p:nvPr/>
+      </p:nvGrpSpPr>
+      <p:grpSpPr>
+        <a:xfrm>
+          <a:off x="0" y="0"/>
+          <a:ext cx="0" cy="0"/>
+          <a:chOff x="0" y="0"/>
+          <a:chExt cx="0" cy="0"/>
+        </a:xfrm>
+      </p:grpSpPr>
+      <p:sp>
+        <p:nvSpPr>
           <p:cNvPr id="2" name="Title 1">
             <a:extLst>
               <a:ext uri="{FF2B5EF4-FFF2-40B4-BE49-F238E27FC236}">
@@ -16289,6 +16225,113 @@
     <p:extLst>
       <p:ext uri="{BB962C8B-B14F-4D97-AF65-F5344CB8AC3E}">
         <p14:creationId xmlns:p14="http://schemas.microsoft.com/office/powerpoint/2010/main" val="4259664430"/>
+      </p:ext>
+    </p:extLst>
+  </p:cSld>
+  <p:clrMapOvr>
+    <a:masterClrMapping/>
+  </p:clrMapOvr>
+</p:sld>
+</file>
+
+<file path=ppt/slides/slide25.xml><?xml version="1.0" encoding="utf-8"?>
+<p:sld xmlns:a="http://schemas.openxmlformats.org/drawingml/2006/main" xmlns:r="http://schemas.openxmlformats.org/officeDocument/2006/relationships" xmlns:p="http://schemas.openxmlformats.org/presentationml/2006/main">
+  <p:cSld>
+    <p:spTree>
+      <p:nvGrpSpPr>
+        <p:cNvPr id="1" name=""/>
+        <p:cNvGrpSpPr/>
+        <p:nvPr/>
+      </p:nvGrpSpPr>
+      <p:grpSpPr>
+        <a:xfrm>
+          <a:off x="0" y="0"/>
+          <a:ext cx="0" cy="0"/>
+          <a:chOff x="0" y="0"/>
+          <a:chExt cx="0" cy="0"/>
+        </a:xfrm>
+      </p:grpSpPr>
+      <p:sp>
+        <p:nvSpPr>
+          <p:cNvPr id="2" name="Title 1">
+            <a:extLst>
+              <a:ext uri="{FF2B5EF4-FFF2-40B4-BE49-F238E27FC236}">
+                <a16:creationId xmlns:a16="http://schemas.microsoft.com/office/drawing/2014/main" id="{E1277A47-B2DB-4991-0348-FF0298AC0F1D}"/>
+              </a:ext>
+            </a:extLst>
+          </p:cNvPr>
+          <p:cNvSpPr>
+            <a:spLocks noGrp="1"/>
+          </p:cNvSpPr>
+          <p:nvPr>
+            <p:ph type="title"/>
+          </p:nvPr>
+        </p:nvSpPr>
+        <p:spPr>
+          <a:xfrm>
+            <a:off x="838200" y="365125"/>
+            <a:ext cx="10515600" cy="6213096"/>
+          </a:xfrm>
+        </p:spPr>
+        <p:txBody>
+          <a:bodyPr/>
+          <a:lstStyle/>
+          <a:p>
+            <a:r>
+              <a:rPr lang="en-US" dirty="0"/>
+              <a:t>Intro </a:t>
+            </a:r>
+            <a:r>
+              <a:rPr lang="en-US" dirty="0" err="1"/>
+              <a:t>Styledcomponents</a:t>
+            </a:r>
+            <a:br>
+              <a:rPr lang="en-US" dirty="0"/>
+            </a:br>
+            <a:r>
+              <a:rPr lang="en-US" dirty="0"/>
+              <a:t>styled Components Button</a:t>
+            </a:r>
+            <a:br>
+              <a:rPr lang="en-US" dirty="0"/>
+            </a:br>
+            <a:r>
+              <a:rPr lang="en-US" dirty="0" err="1"/>
+              <a:t>StyledComponent</a:t>
+            </a:r>
+            <a:r>
+              <a:rPr lang="en-US" dirty="0"/>
+              <a:t> Cart Dropdown</a:t>
+            </a:r>
+            <a:br>
+              <a:rPr lang="en-US" dirty="0"/>
+            </a:br>
+            <a:r>
+              <a:rPr lang="en-US" dirty="0" err="1"/>
+              <a:t>Styledcomponent</a:t>
+            </a:r>
+            <a:r>
+              <a:rPr lang="en-US" dirty="0"/>
+              <a:t> Directory Item &amp; Cart Icon</a:t>
+            </a:r>
+            <a:br>
+              <a:rPr lang="en-US" dirty="0"/>
+            </a:br>
+            <a:r>
+              <a:rPr lang="en-US" dirty="0" err="1"/>
+              <a:t>StyledComponent</a:t>
+            </a:r>
+            <a:r>
+              <a:rPr lang="en-US" dirty="0"/>
+              <a:t> Form Input Component </a:t>
+            </a:r>
+          </a:p>
+        </p:txBody>
+      </p:sp>
+    </p:spTree>
+    <p:extLst>
+      <p:ext uri="{BB962C8B-B14F-4D97-AF65-F5344CB8AC3E}">
+        <p14:creationId xmlns:p14="http://schemas.microsoft.com/office/powerpoint/2010/main" val="1301683927"/>
       </p:ext>
     </p:extLst>
   </p:cSld>
@@ -16317,38 +16360,10 @@
       </p:grpSpPr>
       <p:sp>
         <p:nvSpPr>
-          <p:cNvPr id="2" name="Title 1">
-            <a:extLst>
-              <a:ext uri="{FF2B5EF4-FFF2-40B4-BE49-F238E27FC236}">
-                <a16:creationId xmlns:a16="http://schemas.microsoft.com/office/drawing/2014/main" id="{6D663B04-E717-F8BD-0066-8B132B8331E9}"/>
-              </a:ext>
-            </a:extLst>
-          </p:cNvPr>
-          <p:cNvSpPr>
-            <a:spLocks noGrp="1"/>
-          </p:cNvSpPr>
-          <p:nvPr>
-            <p:ph type="title"/>
-          </p:nvPr>
-        </p:nvSpPr>
-        <p:spPr/>
-        <p:txBody>
-          <a:bodyPr/>
-          <a:lstStyle/>
-          <a:p>
-            <a:r>
-              <a:rPr lang="en-US" dirty="0"/>
-              <a:t>The Job of a React Developer</a:t>
-            </a:r>
-          </a:p>
-        </p:txBody>
-      </p:sp>
-      <p:sp>
-        <p:nvSpPr>
           <p:cNvPr id="3" name="Content Placeholder 2">
             <a:extLst>
               <a:ext uri="{FF2B5EF4-FFF2-40B4-BE49-F238E27FC236}">
-                <a16:creationId xmlns:a16="http://schemas.microsoft.com/office/drawing/2014/main" id="{EBD99E2F-24AC-ACD5-5EFC-BA2D4FCD7EAA}"/>
+                <a16:creationId xmlns:a16="http://schemas.microsoft.com/office/drawing/2014/main" id="{584E3C20-624D-B278-6D25-EB061448D628}"/>
               </a:ext>
             </a:extLst>
           </p:cNvPr>
@@ -16359,43 +16374,296 @@
             <p:ph idx="1"/>
           </p:nvPr>
         </p:nvSpPr>
-        <p:spPr/>
+        <p:spPr>
+          <a:xfrm>
+            <a:off x="838200" y="638629"/>
+            <a:ext cx="4154714" cy="5538334"/>
+          </a:xfrm>
+        </p:spPr>
         <p:txBody>
           <a:bodyPr/>
           <a:lstStyle/>
           <a:p>
-            <a:pPr marL="514350" indent="-514350">
-              <a:buAutoNum type="arabicPeriod"/>
+            <a:r>
+              <a:rPr lang="en-US" dirty="0"/>
+              <a:t>Before React ?</a:t>
+            </a:r>
+          </a:p>
+          <a:p>
+            <a:r>
+              <a:rPr lang="en-US" dirty="0"/>
+              <a:t>Why React?</a:t>
+            </a:r>
+          </a:p>
+          <a:p>
+            <a:r>
+              <a:rPr lang="en-US" dirty="0"/>
+              <a:t>Declarative</a:t>
+            </a:r>
+          </a:p>
+          <a:p>
+            <a:r>
+              <a:rPr lang="en-US" dirty="0"/>
+              <a:t>Component Architecture</a:t>
+            </a:r>
+          </a:p>
+          <a:p>
+            <a:r>
+              <a:rPr lang="en-US" dirty="0"/>
+              <a:t>Unidirectional Data Flow</a:t>
+            </a:r>
+          </a:p>
+          <a:p>
+            <a:r>
+              <a:rPr lang="en-US" dirty="0"/>
+              <a:t>UI Layer</a:t>
+            </a:r>
+          </a:p>
+        </p:txBody>
+      </p:sp>
+      <p:sp>
+        <p:nvSpPr>
+          <p:cNvPr id="4" name="Content Placeholder 2">
+            <a:extLst>
+              <a:ext uri="{FF2B5EF4-FFF2-40B4-BE49-F238E27FC236}">
+                <a16:creationId xmlns:a16="http://schemas.microsoft.com/office/drawing/2014/main" id="{6EE79BC5-A2B9-903E-33D5-8683345EB170}"/>
+              </a:ext>
+            </a:extLst>
+          </p:cNvPr>
+          <p:cNvSpPr txBox="1">
+            <a:spLocks/>
+          </p:cNvSpPr>
+          <p:nvPr/>
+        </p:nvSpPr>
+        <p:spPr>
+          <a:xfrm>
+            <a:off x="6934200" y="659833"/>
+            <a:ext cx="4154714" cy="5538334"/>
+          </a:xfrm>
+          <a:prstGeom prst="rect">
+            <a:avLst/>
+          </a:prstGeom>
+        </p:spPr>
+        <p:txBody>
+          <a:bodyPr vert="horz" lIns="91440" tIns="45720" rIns="91440" bIns="45720" rtlCol="0">
+            <a:normAutofit/>
+          </a:bodyPr>
+          <a:lstStyle>
+            <a:lvl1pPr marL="228600" indent="-228600" algn="l" defTabSz="914400" rtl="0" eaLnBrk="1" latinLnBrk="0" hangingPunct="1">
+              <a:lnSpc>
+                <a:spcPct val="90000"/>
+              </a:lnSpc>
+              <a:spcBef>
+                <a:spcPts val="1000"/>
+              </a:spcBef>
+              <a:buFont typeface="Arial" panose="020B0604020202020204" pitchFamily="34" charset="0"/>
+              <a:buChar char="•"/>
+              <a:defRPr sz="2800" kern="1200">
+                <a:solidFill>
+                  <a:schemeClr val="tx1"/>
+                </a:solidFill>
+                <a:latin typeface="+mn-lt"/>
+                <a:ea typeface="+mn-ea"/>
+                <a:cs typeface="+mn-cs"/>
+              </a:defRPr>
+            </a:lvl1pPr>
+            <a:lvl2pPr marL="685800" indent="-228600" algn="l" defTabSz="914400" rtl="0" eaLnBrk="1" latinLnBrk="0" hangingPunct="1">
+              <a:lnSpc>
+                <a:spcPct val="90000"/>
+              </a:lnSpc>
+              <a:spcBef>
+                <a:spcPts val="500"/>
+              </a:spcBef>
+              <a:buFont typeface="Arial" panose="020B0604020202020204" pitchFamily="34" charset="0"/>
+              <a:buChar char="•"/>
+              <a:defRPr sz="2400" kern="1200">
+                <a:solidFill>
+                  <a:schemeClr val="tx1"/>
+                </a:solidFill>
+                <a:latin typeface="+mn-lt"/>
+                <a:ea typeface="+mn-ea"/>
+                <a:cs typeface="+mn-cs"/>
+              </a:defRPr>
+            </a:lvl2pPr>
+            <a:lvl3pPr marL="1143000" indent="-228600" algn="l" defTabSz="914400" rtl="0" eaLnBrk="1" latinLnBrk="0" hangingPunct="1">
+              <a:lnSpc>
+                <a:spcPct val="90000"/>
+              </a:lnSpc>
+              <a:spcBef>
+                <a:spcPts val="500"/>
+              </a:spcBef>
+              <a:buFont typeface="Arial" panose="020B0604020202020204" pitchFamily="34" charset="0"/>
+              <a:buChar char="•"/>
+              <a:defRPr sz="2000" kern="1200">
+                <a:solidFill>
+                  <a:schemeClr val="tx1"/>
+                </a:solidFill>
+                <a:latin typeface="+mn-lt"/>
+                <a:ea typeface="+mn-ea"/>
+                <a:cs typeface="+mn-cs"/>
+              </a:defRPr>
+            </a:lvl3pPr>
+            <a:lvl4pPr marL="1600200" indent="-228600" algn="l" defTabSz="914400" rtl="0" eaLnBrk="1" latinLnBrk="0" hangingPunct="1">
+              <a:lnSpc>
+                <a:spcPct val="90000"/>
+              </a:lnSpc>
+              <a:spcBef>
+                <a:spcPts val="500"/>
+              </a:spcBef>
+              <a:buFont typeface="Arial" panose="020B0604020202020204" pitchFamily="34" charset="0"/>
+              <a:buChar char="•"/>
+              <a:defRPr sz="1800" kern="1200">
+                <a:solidFill>
+                  <a:schemeClr val="tx1"/>
+                </a:solidFill>
+                <a:latin typeface="+mn-lt"/>
+                <a:ea typeface="+mn-ea"/>
+                <a:cs typeface="+mn-cs"/>
+              </a:defRPr>
+            </a:lvl4pPr>
+            <a:lvl5pPr marL="2057400" indent="-228600" algn="l" defTabSz="914400" rtl="0" eaLnBrk="1" latinLnBrk="0" hangingPunct="1">
+              <a:lnSpc>
+                <a:spcPct val="90000"/>
+              </a:lnSpc>
+              <a:spcBef>
+                <a:spcPts val="500"/>
+              </a:spcBef>
+              <a:buFont typeface="Arial" panose="020B0604020202020204" pitchFamily="34" charset="0"/>
+              <a:buChar char="•"/>
+              <a:defRPr sz="1800" kern="1200">
+                <a:solidFill>
+                  <a:schemeClr val="tx1"/>
+                </a:solidFill>
+                <a:latin typeface="+mn-lt"/>
+                <a:ea typeface="+mn-ea"/>
+                <a:cs typeface="+mn-cs"/>
+              </a:defRPr>
+            </a:lvl5pPr>
+            <a:lvl6pPr marL="2514600" indent="-228600" algn="l" defTabSz="914400" rtl="0" eaLnBrk="1" latinLnBrk="0" hangingPunct="1">
+              <a:lnSpc>
+                <a:spcPct val="90000"/>
+              </a:lnSpc>
+              <a:spcBef>
+                <a:spcPts val="500"/>
+              </a:spcBef>
+              <a:buFont typeface="Arial" panose="020B0604020202020204" pitchFamily="34" charset="0"/>
+              <a:buChar char="•"/>
+              <a:defRPr sz="1800" kern="1200">
+                <a:solidFill>
+                  <a:schemeClr val="tx1"/>
+                </a:solidFill>
+                <a:latin typeface="+mn-lt"/>
+                <a:ea typeface="+mn-ea"/>
+                <a:cs typeface="+mn-cs"/>
+              </a:defRPr>
+            </a:lvl6pPr>
+            <a:lvl7pPr marL="2971800" indent="-228600" algn="l" defTabSz="914400" rtl="0" eaLnBrk="1" latinLnBrk="0" hangingPunct="1">
+              <a:lnSpc>
+                <a:spcPct val="90000"/>
+              </a:lnSpc>
+              <a:spcBef>
+                <a:spcPts val="500"/>
+              </a:spcBef>
+              <a:buFont typeface="Arial" panose="020B0604020202020204" pitchFamily="34" charset="0"/>
+              <a:buChar char="•"/>
+              <a:defRPr sz="1800" kern="1200">
+                <a:solidFill>
+                  <a:schemeClr val="tx1"/>
+                </a:solidFill>
+                <a:latin typeface="+mn-lt"/>
+                <a:ea typeface="+mn-ea"/>
+                <a:cs typeface="+mn-cs"/>
+              </a:defRPr>
+            </a:lvl7pPr>
+            <a:lvl8pPr marL="3429000" indent="-228600" algn="l" defTabSz="914400" rtl="0" eaLnBrk="1" latinLnBrk="0" hangingPunct="1">
+              <a:lnSpc>
+                <a:spcPct val="90000"/>
+              </a:lnSpc>
+              <a:spcBef>
+                <a:spcPts val="500"/>
+              </a:spcBef>
+              <a:buFont typeface="Arial" panose="020B0604020202020204" pitchFamily="34" charset="0"/>
+              <a:buChar char="•"/>
+              <a:defRPr sz="1800" kern="1200">
+                <a:solidFill>
+                  <a:schemeClr val="tx1"/>
+                </a:solidFill>
+                <a:latin typeface="+mn-lt"/>
+                <a:ea typeface="+mn-ea"/>
+                <a:cs typeface="+mn-cs"/>
+              </a:defRPr>
+            </a:lvl8pPr>
+            <a:lvl9pPr marL="3886200" indent="-228600" algn="l" defTabSz="914400" rtl="0" eaLnBrk="1" latinLnBrk="0" hangingPunct="1">
+              <a:lnSpc>
+                <a:spcPct val="90000"/>
+              </a:lnSpc>
+              <a:spcBef>
+                <a:spcPts val="500"/>
+              </a:spcBef>
+              <a:buFont typeface="Arial" panose="020B0604020202020204" pitchFamily="34" charset="0"/>
+              <a:buChar char="•"/>
+              <a:defRPr sz="1800" kern="1200">
+                <a:solidFill>
+                  <a:schemeClr val="tx1"/>
+                </a:solidFill>
+                <a:latin typeface="+mn-lt"/>
+                <a:ea typeface="+mn-ea"/>
+                <a:cs typeface="+mn-cs"/>
+              </a:defRPr>
+            </a:lvl9pPr>
+          </a:lstStyle>
+          <a:p>
+            <a:pPr marL="0" indent="0">
+              <a:buNone/>
             </a:pPr>
             <a:r>
               <a:rPr lang="en-US" dirty="0"/>
-              <a:t>Decide on Components</a:t>
-            </a:r>
-          </a:p>
-          <a:p>
-            <a:pPr marL="514350" indent="-514350">
-              <a:buAutoNum type="arabicPeriod"/>
-            </a:pPr>
+              <a:t>Keywords</a:t>
+            </a:r>
+          </a:p>
+          <a:p>
             <a:r>
               <a:rPr lang="en-US" dirty="0"/>
-              <a:t>Decide the State and where it lives</a:t>
-            </a:r>
-          </a:p>
-          <a:p>
-            <a:pPr marL="514350" indent="-514350">
-              <a:buAutoNum type="arabicPeriod"/>
-            </a:pPr>
+              <a:t>Declarative</a:t>
+            </a:r>
+          </a:p>
+          <a:p>
             <a:r>
               <a:rPr lang="en-US" dirty="0"/>
-              <a:t>What changes when state changes</a:t>
-            </a:r>
+              <a:t>JSX</a:t>
+            </a:r>
+          </a:p>
+          <a:p>
+            <a:r>
+              <a:rPr lang="en-US" dirty="0"/>
+              <a:t>Components</a:t>
+            </a:r>
+          </a:p>
+          <a:p>
+            <a:r>
+              <a:rPr lang="en-US" dirty="0"/>
+              <a:t>State</a:t>
+            </a:r>
+          </a:p>
+          <a:p>
+            <a:r>
+              <a:rPr lang="en-US" dirty="0"/>
+              <a:t>Props</a:t>
+            </a:r>
+          </a:p>
+          <a:p>
+            <a:r>
+              <a:rPr lang="en-US" dirty="0" err="1"/>
+              <a:t>VirtualDOM</a:t>
+            </a:r>
+            <a:endParaRPr lang="en-US" dirty="0"/>
           </a:p>
         </p:txBody>
       </p:sp>
     </p:spTree>
     <p:extLst>
       <p:ext uri="{BB962C8B-B14F-4D97-AF65-F5344CB8AC3E}">
-        <p14:creationId xmlns:p14="http://schemas.microsoft.com/office/powerpoint/2010/main" val="2663301825"/>
+        <p14:creationId xmlns:p14="http://schemas.microsoft.com/office/powerpoint/2010/main" val="4270465314"/>
       </p:ext>
     </p:extLst>
   </p:cSld>
@@ -16427,7 +16695,7 @@
           <p:cNvPr id="2" name="Title 1">
             <a:extLst>
               <a:ext uri="{FF2B5EF4-FFF2-40B4-BE49-F238E27FC236}">
-                <a16:creationId xmlns:a16="http://schemas.microsoft.com/office/drawing/2014/main" id="{8E0FB75F-4F2F-AE06-2977-A3551A377702}"/>
+                <a16:creationId xmlns:a16="http://schemas.microsoft.com/office/drawing/2014/main" id="{6D663B04-E717-F8BD-0066-8B132B8331E9}"/>
               </a:ext>
             </a:extLst>
           </p:cNvPr>
@@ -16445,7 +16713,7 @@
           <a:p>
             <a:r>
               <a:rPr lang="en-US" dirty="0"/>
-              <a:t>React Basic</a:t>
+              <a:t>The Job of a React Developer</a:t>
             </a:r>
           </a:p>
         </p:txBody>
@@ -16455,7 +16723,7 @@
           <p:cNvPr id="3" name="Content Placeholder 2">
             <a:extLst>
               <a:ext uri="{FF2B5EF4-FFF2-40B4-BE49-F238E27FC236}">
-                <a16:creationId xmlns:a16="http://schemas.microsoft.com/office/drawing/2014/main" id="{E8607D83-3DE7-347C-826E-05DC189D149C}"/>
+                <a16:creationId xmlns:a16="http://schemas.microsoft.com/office/drawing/2014/main" id="{EBD99E2F-24AC-ACD5-5EFC-BA2D4FCD7EAA}"/>
               </a:ext>
             </a:extLst>
           </p:cNvPr>
@@ -16468,243 +16736,41 @@
         </p:nvSpPr>
         <p:spPr/>
         <p:txBody>
-          <a:bodyPr numCol="2">
-            <a:normAutofit fontScale="47500" lnSpcReduction="20000"/>
-          </a:bodyPr>
+          <a:bodyPr/>
           <a:lstStyle/>
           <a:p>
+            <a:pPr marL="514350" indent="-514350">
+              <a:buAutoNum type="arabicPeriod"/>
+            </a:pPr>
             <a:r>
               <a:rPr lang="en-US" dirty="0"/>
-              <a:t>Overview</a:t>
-            </a:r>
-          </a:p>
-          <a:p>
+              <a:t>Decide on Components</a:t>
+            </a:r>
+          </a:p>
+          <a:p>
+            <a:pPr marL="514350" indent="-514350">
+              <a:buAutoNum type="arabicPeriod"/>
+            </a:pPr>
             <a:r>
               <a:rPr lang="en-US" dirty="0"/>
-              <a:t>Environment Setup for Yarn</a:t>
-            </a:r>
-          </a:p>
-          <a:p>
+              <a:t>Decide the State and where it lives</a:t>
+            </a:r>
+          </a:p>
+          <a:p>
+            <a:pPr marL="514350" indent="-514350">
+              <a:buAutoNum type="arabicPeriod"/>
+            </a:pPr>
             <a:r>
               <a:rPr lang="en-US" dirty="0"/>
-              <a:t>Create React App NPX</a:t>
-            </a:r>
-          </a:p>
-          <a:p>
-            <a:r>
-              <a:rPr lang="en-US" dirty="0"/>
-              <a:t>Classes vs Hooks</a:t>
-            </a:r>
-          </a:p>
-          <a:p>
-            <a:r>
-              <a:rPr lang="en-US" dirty="0"/>
-              <a:t>Component State</a:t>
-            </a:r>
-          </a:p>
-          <a:p>
-            <a:r>
-              <a:rPr lang="en-US" dirty="0" err="1"/>
-              <a:t>SetState</a:t>
-            </a:r>
-            <a:endParaRPr lang="en-US" dirty="0"/>
-          </a:p>
-          <a:p>
-            <a:r>
-              <a:rPr lang="en-US" dirty="0"/>
-              <a:t>Secondary Callback</a:t>
-            </a:r>
-          </a:p>
-          <a:p>
-            <a:r>
-              <a:rPr lang="en-US" dirty="0"/>
-              <a:t>Mapping Arrays to Elements</a:t>
-            </a:r>
-          </a:p>
-          <a:p>
-            <a:r>
-              <a:rPr lang="en-US" dirty="0"/>
-              <a:t>Keys to Mapping	</a:t>
-            </a:r>
-          </a:p>
-          <a:p>
-            <a:r>
-              <a:rPr lang="en-US" dirty="0"/>
-              <a:t>Lifecycle Method </a:t>
-            </a:r>
-            <a:r>
-              <a:rPr lang="en-US" dirty="0" err="1"/>
-              <a:t>componentDidMount</a:t>
-            </a:r>
-            <a:endParaRPr lang="en-US" dirty="0"/>
-          </a:p>
-          <a:p>
-            <a:r>
-              <a:rPr lang="en-US" dirty="0"/>
-              <a:t>Renders &amp; </a:t>
-            </a:r>
-            <a:r>
-              <a:rPr lang="en-US" dirty="0" err="1"/>
-              <a:t>Rerenders</a:t>
-            </a:r>
-            <a:endParaRPr lang="en-US" dirty="0"/>
-          </a:p>
-          <a:p>
-            <a:r>
-              <a:rPr lang="en-US" dirty="0"/>
-              <a:t>Input Search Box component</a:t>
-            </a:r>
-          </a:p>
-          <a:p>
-            <a:r>
-              <a:rPr lang="en-US" dirty="0"/>
-              <a:t>Searching &amp; </a:t>
-            </a:r>
-            <a:r>
-              <a:rPr lang="en-US" dirty="0" err="1"/>
-              <a:t>Flitering</a:t>
-            </a:r>
-            <a:endParaRPr lang="en-US" dirty="0"/>
-          </a:p>
-          <a:p>
-            <a:r>
-              <a:rPr lang="en-US" dirty="0"/>
-              <a:t>Storing Original Data</a:t>
-            </a:r>
-          </a:p>
-          <a:p>
-            <a:r>
-              <a:rPr lang="en-US" dirty="0"/>
-              <a:t>Optimizations</a:t>
-            </a:r>
-          </a:p>
-          <a:p>
-            <a:r>
-              <a:rPr lang="en-US" dirty="0"/>
-              <a:t>Understanding Components</a:t>
-            </a:r>
-          </a:p>
-          <a:p>
-            <a:r>
-              <a:rPr lang="en-US" dirty="0"/>
-              <a:t>Component Props</a:t>
-            </a:r>
-          </a:p>
-          <a:p>
-            <a:r>
-              <a:rPr lang="en-US" dirty="0"/>
-              <a:t>Rendering and Rerendering</a:t>
-            </a:r>
-          </a:p>
-          <a:p>
-            <a:r>
-              <a:rPr lang="en-US" dirty="0" err="1"/>
-              <a:t>SearchBox</a:t>
-            </a:r>
-            <a:r>
-              <a:rPr lang="en-US" dirty="0"/>
-              <a:t> Component</a:t>
-            </a:r>
-          </a:p>
-          <a:p>
-            <a:r>
-              <a:rPr lang="en-US" dirty="0"/>
-              <a:t>CSS in React</a:t>
-            </a:r>
-          </a:p>
-          <a:p>
-            <a:r>
-              <a:rPr lang="en-US" dirty="0" err="1"/>
-              <a:t>Cardlist</a:t>
-            </a:r>
-            <a:r>
-              <a:rPr lang="en-US" dirty="0"/>
-              <a:t> component</a:t>
-            </a:r>
-          </a:p>
-          <a:p>
-            <a:r>
-              <a:rPr lang="en-US" dirty="0"/>
-              <a:t>Finishing touches</a:t>
-            </a:r>
-          </a:p>
-          <a:p>
-            <a:r>
-              <a:rPr lang="en-US" dirty="0"/>
-              <a:t>Class Component Lifecycle Methods Breakdown</a:t>
-            </a:r>
-          </a:p>
-          <a:p>
-            <a:r>
-              <a:rPr lang="en-US" dirty="0"/>
-              <a:t>Functional Component intro</a:t>
-            </a:r>
-          </a:p>
-          <a:p>
-            <a:r>
-              <a:rPr lang="en-US" dirty="0"/>
-              <a:t>Pure &amp; Impure functions</a:t>
-            </a:r>
-          </a:p>
-          <a:p>
-            <a:r>
-              <a:rPr lang="en-US" dirty="0"/>
-              <a:t>Hooks </a:t>
-            </a:r>
-            <a:r>
-              <a:rPr lang="en-US" dirty="0" err="1"/>
-              <a:t>useState</a:t>
-            </a:r>
-            <a:endParaRPr lang="en-US" dirty="0"/>
-          </a:p>
-          <a:p>
-            <a:r>
-              <a:rPr lang="en-US" dirty="0"/>
-              <a:t>Functional component Rerendering</a:t>
-            </a:r>
-          </a:p>
-          <a:p>
-            <a:r>
-              <a:rPr lang="en-US" dirty="0"/>
-              <a:t>Infinite Rerendering</a:t>
-            </a:r>
-          </a:p>
-          <a:p>
-            <a:r>
-              <a:rPr lang="en-US" dirty="0"/>
-              <a:t>Hooks </a:t>
-            </a:r>
-            <a:r>
-              <a:rPr lang="en-US" dirty="0" err="1"/>
-              <a:t>useEffect</a:t>
-            </a:r>
-            <a:endParaRPr lang="en-US" dirty="0"/>
-          </a:p>
-          <a:p>
-            <a:r>
-              <a:rPr lang="en-US" dirty="0"/>
-              <a:t>Remaining Components</a:t>
-            </a:r>
-          </a:p>
-          <a:p>
-            <a:r>
-              <a:rPr lang="en-US" dirty="0"/>
-              <a:t>Migrating project to REACTDOMv18</a:t>
-            </a:r>
-          </a:p>
-          <a:p>
-            <a:r>
-              <a:rPr lang="en-US" dirty="0" err="1"/>
-              <a:t>StrictMode</a:t>
-            </a:r>
-            <a:endParaRPr lang="en-US" dirty="0"/>
+              <a:t>What changes when state changes</a:t>
+            </a:r>
           </a:p>
         </p:txBody>
       </p:sp>
     </p:spTree>
     <p:extLst>
       <p:ext uri="{BB962C8B-B14F-4D97-AF65-F5344CB8AC3E}">
-        <p14:creationId xmlns:p14="http://schemas.microsoft.com/office/powerpoint/2010/main" val="4126486694"/>
+        <p14:creationId xmlns:p14="http://schemas.microsoft.com/office/powerpoint/2010/main" val="2663301825"/>
       </p:ext>
     </p:extLst>
   </p:cSld>
@@ -16736,7 +16802,7 @@
           <p:cNvPr id="2" name="Title 1">
             <a:extLst>
               <a:ext uri="{FF2B5EF4-FFF2-40B4-BE49-F238E27FC236}">
-                <a16:creationId xmlns:a16="http://schemas.microsoft.com/office/drawing/2014/main" id="{6A2DC4D8-87FC-AB51-521A-A8E34318F10C}"/>
+                <a16:creationId xmlns:a16="http://schemas.microsoft.com/office/drawing/2014/main" id="{8E0FB75F-4F2F-AE06-2977-A3551A377702}"/>
               </a:ext>
             </a:extLst>
           </p:cNvPr>
@@ -16754,7 +16820,7 @@
           <a:p>
             <a:r>
               <a:rPr lang="en-US" dirty="0"/>
-              <a:t>Capstone - Project</a:t>
+              <a:t>React Basic</a:t>
             </a:r>
           </a:p>
         </p:txBody>
@@ -16764,7 +16830,7 @@
           <p:cNvPr id="3" name="Content Placeholder 2">
             <a:extLst>
               <a:ext uri="{FF2B5EF4-FFF2-40B4-BE49-F238E27FC236}">
-                <a16:creationId xmlns:a16="http://schemas.microsoft.com/office/drawing/2014/main" id="{CF7ABBAC-C3F6-F46E-0157-28AC94A0DB1D}"/>
+                <a16:creationId xmlns:a16="http://schemas.microsoft.com/office/drawing/2014/main" id="{E8607D83-3DE7-347C-826E-05DC189D149C}"/>
               </a:ext>
             </a:extLst>
           </p:cNvPr>
@@ -16778,99 +16844,242 @@
         <p:spPr/>
         <p:txBody>
           <a:bodyPr numCol="2">
-            <a:normAutofit/>
+            <a:normAutofit fontScale="47500" lnSpcReduction="20000"/>
           </a:bodyPr>
           <a:lstStyle/>
           <a:p>
             <a:r>
               <a:rPr lang="en-US" dirty="0"/>
-              <a:t>Project Setup</a:t>
+              <a:t>Overview</a:t>
             </a:r>
           </a:p>
           <a:p>
             <a:r>
               <a:rPr lang="en-US" dirty="0"/>
-              <a:t>Setting Up Our Categories</a:t>
+              <a:t>Environment Setup for Yarn</a:t>
             </a:r>
           </a:p>
           <a:p>
             <a:r>
               <a:rPr lang="en-US" dirty="0"/>
-              <a:t>Adding Sass</a:t>
+              <a:t>Create React App NPX</a:t>
             </a:r>
           </a:p>
           <a:p>
             <a:r>
               <a:rPr lang="en-US" dirty="0"/>
-              <a:t>Category Item Component</a:t>
+              <a:t>Classes vs Hooks</a:t>
             </a:r>
           </a:p>
           <a:p>
             <a:r>
               <a:rPr lang="en-US" dirty="0"/>
-              <a:t>Directory Component</a:t>
-            </a:r>
+              <a:t>Component State</a:t>
+            </a:r>
+          </a:p>
+          <a:p>
+            <a:r>
+              <a:rPr lang="en-US" dirty="0" err="1"/>
+              <a:t>SetState</a:t>
+            </a:r>
+            <a:endParaRPr lang="en-US" dirty="0"/>
           </a:p>
           <a:p>
             <a:r>
               <a:rPr lang="en-US" dirty="0"/>
-              <a:t>Adding Fonts</a:t>
+              <a:t>Secondary Callback</a:t>
             </a:r>
           </a:p>
           <a:p>
             <a:r>
               <a:rPr lang="en-US" dirty="0"/>
-              <a:t>Routing</a:t>
+              <a:t>Mapping Arrays to Elements</a:t>
             </a:r>
           </a:p>
           <a:p>
             <a:r>
               <a:rPr lang="en-US" dirty="0"/>
-              <a:t>Sub-route</a:t>
+              <a:t>Keys to Mapping	</a:t>
             </a:r>
           </a:p>
           <a:p>
             <a:r>
               <a:rPr lang="en-US" dirty="0"/>
-              <a:t>Setting Up Our Homepage</a:t>
-            </a:r>
+              <a:t>Lifecycle Method </a:t>
+            </a:r>
+            <a:r>
+              <a:rPr lang="en-US" dirty="0" err="1"/>
+              <a:t>componentDidMount</a:t>
+            </a:r>
+            <a:endParaRPr lang="en-US" dirty="0"/>
           </a:p>
           <a:p>
             <a:r>
               <a:rPr lang="en-US" dirty="0"/>
-              <a:t>React Router Outlet</a:t>
-            </a:r>
+              <a:t>Renders &amp; </a:t>
+            </a:r>
+            <a:r>
+              <a:rPr lang="en-US" dirty="0" err="1"/>
+              <a:t>Rerenders</a:t>
+            </a:r>
+            <a:endParaRPr lang="en-US" dirty="0"/>
           </a:p>
           <a:p>
             <a:r>
               <a:rPr lang="en-US" dirty="0"/>
-              <a:t>Navigation Bar Component</a:t>
+              <a:t>Input Search Box component</a:t>
             </a:r>
           </a:p>
           <a:p>
             <a:r>
               <a:rPr lang="en-US" dirty="0"/>
-              <a:t>React Router Link</a:t>
-            </a:r>
+              <a:t>Searching &amp; </a:t>
+            </a:r>
+            <a:r>
+              <a:rPr lang="en-US" dirty="0" err="1"/>
+              <a:t>Flitering</a:t>
+            </a:r>
+            <a:endParaRPr lang="en-US" dirty="0"/>
           </a:p>
           <a:p>
             <a:r>
               <a:rPr lang="en-US" dirty="0"/>
-              <a:t>Styling for Navigation Logo</a:t>
+              <a:t>Storing Original Data</a:t>
             </a:r>
           </a:p>
           <a:p>
             <a:r>
               <a:rPr lang="en-US" dirty="0"/>
-              <a:t>Setting Up Firebase</a:t>
-            </a:r>
+              <a:t>Optimizations</a:t>
+            </a:r>
+          </a:p>
+          <a:p>
+            <a:r>
+              <a:rPr lang="en-US" dirty="0"/>
+              <a:t>Understanding Components</a:t>
+            </a:r>
+          </a:p>
+          <a:p>
+            <a:r>
+              <a:rPr lang="en-US" dirty="0"/>
+              <a:t>Component Props</a:t>
+            </a:r>
+          </a:p>
+          <a:p>
+            <a:r>
+              <a:rPr lang="en-US" dirty="0"/>
+              <a:t>Rendering and Rerendering</a:t>
+            </a:r>
+          </a:p>
+          <a:p>
+            <a:r>
+              <a:rPr lang="en-US" dirty="0" err="1"/>
+              <a:t>SearchBox</a:t>
+            </a:r>
+            <a:r>
+              <a:rPr lang="en-US" dirty="0"/>
+              <a:t> Component</a:t>
+            </a:r>
+          </a:p>
+          <a:p>
+            <a:r>
+              <a:rPr lang="en-US" dirty="0"/>
+              <a:t>CSS in React</a:t>
+            </a:r>
+          </a:p>
+          <a:p>
+            <a:r>
+              <a:rPr lang="en-US" dirty="0" err="1"/>
+              <a:t>Cardlist</a:t>
+            </a:r>
+            <a:r>
+              <a:rPr lang="en-US" dirty="0"/>
+              <a:t> component</a:t>
+            </a:r>
+          </a:p>
+          <a:p>
+            <a:r>
+              <a:rPr lang="en-US" dirty="0"/>
+              <a:t>Finishing touches</a:t>
+            </a:r>
+          </a:p>
+          <a:p>
+            <a:r>
+              <a:rPr lang="en-US" dirty="0"/>
+              <a:t>Class Component Lifecycle Methods Breakdown</a:t>
+            </a:r>
+          </a:p>
+          <a:p>
+            <a:r>
+              <a:rPr lang="en-US" dirty="0"/>
+              <a:t>Functional Component intro</a:t>
+            </a:r>
+          </a:p>
+          <a:p>
+            <a:r>
+              <a:rPr lang="en-US" dirty="0"/>
+              <a:t>Pure &amp; Impure functions</a:t>
+            </a:r>
+          </a:p>
+          <a:p>
+            <a:r>
+              <a:rPr lang="en-US" dirty="0"/>
+              <a:t>Hooks </a:t>
+            </a:r>
+            <a:r>
+              <a:rPr lang="en-US" dirty="0" err="1"/>
+              <a:t>useState</a:t>
+            </a:r>
+            <a:endParaRPr lang="en-US" dirty="0"/>
+          </a:p>
+          <a:p>
+            <a:r>
+              <a:rPr lang="en-US" dirty="0"/>
+              <a:t>Functional component Rerendering</a:t>
+            </a:r>
+          </a:p>
+          <a:p>
+            <a:r>
+              <a:rPr lang="en-US" dirty="0"/>
+              <a:t>Infinite Rerendering</a:t>
+            </a:r>
+          </a:p>
+          <a:p>
+            <a:r>
+              <a:rPr lang="en-US" dirty="0"/>
+              <a:t>Hooks </a:t>
+            </a:r>
+            <a:r>
+              <a:rPr lang="en-US" dirty="0" err="1"/>
+              <a:t>useEffect</a:t>
+            </a:r>
+            <a:endParaRPr lang="en-US" dirty="0"/>
+          </a:p>
+          <a:p>
+            <a:r>
+              <a:rPr lang="en-US" dirty="0"/>
+              <a:t>Remaining Components</a:t>
+            </a:r>
+          </a:p>
+          <a:p>
+            <a:r>
+              <a:rPr lang="en-US" dirty="0"/>
+              <a:t>Migrating project to REACTDOMv18</a:t>
+            </a:r>
+          </a:p>
+          <a:p>
+            <a:r>
+              <a:rPr lang="en-US" dirty="0" err="1"/>
+              <a:t>StrictMode</a:t>
+            </a:r>
+            <a:endParaRPr lang="en-US" dirty="0"/>
           </a:p>
         </p:txBody>
       </p:sp>
     </p:spTree>
     <p:extLst>
       <p:ext uri="{BB962C8B-B14F-4D97-AF65-F5344CB8AC3E}">
-        <p14:creationId xmlns:p14="http://schemas.microsoft.com/office/powerpoint/2010/main" val="3308266144"/>
+        <p14:creationId xmlns:p14="http://schemas.microsoft.com/office/powerpoint/2010/main" val="4126486694"/>
       </p:ext>
     </p:extLst>
   </p:cSld>
@@ -16899,88 +17108,136 @@
       </p:grpSpPr>
       <p:sp>
         <p:nvSpPr>
-          <p:cNvPr id="4" name="TextBox 3">
-            <a:extLst>
-              <a:ext uri="{FF2B5EF4-FFF2-40B4-BE49-F238E27FC236}">
-                <a16:creationId xmlns:a16="http://schemas.microsoft.com/office/drawing/2014/main" id="{1FF126B4-BB35-7426-B23D-46D3DE257BF7}"/>
-              </a:ext>
-            </a:extLst>
-          </p:cNvPr>
-          <p:cNvSpPr txBox="1"/>
-          <p:nvPr/>
+          <p:cNvPr id="2" name="Title 1">
+            <a:extLst>
+              <a:ext uri="{FF2B5EF4-FFF2-40B4-BE49-F238E27FC236}">
+                <a16:creationId xmlns:a16="http://schemas.microsoft.com/office/drawing/2014/main" id="{6A2DC4D8-87FC-AB51-521A-A8E34318F10C}"/>
+              </a:ext>
+            </a:extLst>
+          </p:cNvPr>
+          <p:cNvSpPr>
+            <a:spLocks noGrp="1"/>
+          </p:cNvSpPr>
+          <p:nvPr>
+            <p:ph type="title"/>
+          </p:nvPr>
         </p:nvSpPr>
-        <p:spPr>
-          <a:xfrm>
-            <a:off x="478971" y="275771"/>
-            <a:ext cx="2078774" cy="369332"/>
-          </a:xfrm>
-          <a:prstGeom prst="rect">
-            <a:avLst/>
-          </a:prstGeom>
-          <a:noFill/>
-        </p:spPr>
+        <p:spPr/>
         <p:txBody>
-          <a:bodyPr wrap="none" rtlCol="0">
-            <a:spAutoFit/>
-          </a:bodyPr>
+          <a:bodyPr/>
           <a:lstStyle/>
           <a:p>
             <a:r>
               <a:rPr lang="en-US" dirty="0"/>
-              <a:t>Authentication Flow</a:t>
+              <a:t>Capstone - Project</a:t>
             </a:r>
           </a:p>
         </p:txBody>
       </p:sp>
       <p:sp>
         <p:nvSpPr>
-          <p:cNvPr id="5" name="TextBox 4">
-            <a:extLst>
-              <a:ext uri="{FF2B5EF4-FFF2-40B4-BE49-F238E27FC236}">
-                <a16:creationId xmlns:a16="http://schemas.microsoft.com/office/drawing/2014/main" id="{0B123926-8DC5-BC12-9658-A7222247CA3F}"/>
-              </a:ext>
-            </a:extLst>
-          </p:cNvPr>
-          <p:cNvSpPr txBox="1"/>
-          <p:nvPr/>
+          <p:cNvPr id="3" name="Content Placeholder 2">
+            <a:extLst>
+              <a:ext uri="{FF2B5EF4-FFF2-40B4-BE49-F238E27FC236}">
+                <a16:creationId xmlns:a16="http://schemas.microsoft.com/office/drawing/2014/main" id="{CF7ABBAC-C3F6-F46E-0157-28AC94A0DB1D}"/>
+              </a:ext>
+            </a:extLst>
+          </p:cNvPr>
+          <p:cNvSpPr>
+            <a:spLocks noGrp="1"/>
+          </p:cNvSpPr>
+          <p:nvPr>
+            <p:ph idx="1"/>
+          </p:nvPr>
         </p:nvSpPr>
-        <p:spPr>
-          <a:xfrm>
-            <a:off x="1190171" y="2380343"/>
-            <a:ext cx="9811658" cy="2554545"/>
-          </a:xfrm>
-          <a:prstGeom prst="rect">
-            <a:avLst/>
-          </a:prstGeom>
-          <a:noFill/>
-        </p:spPr>
+        <p:spPr/>
         <p:txBody>
-          <a:bodyPr wrap="square" rtlCol="0">
-            <a:spAutoFit/>
+          <a:bodyPr numCol="2">
+            <a:normAutofit/>
           </a:bodyPr>
           <a:lstStyle/>
           <a:p>
             <a:r>
-              <a:rPr lang="en-US" sz="4000" dirty="0"/>
-              <a:t>C – Create </a:t>
-            </a:r>
-          </a:p>
-          <a:p>
-            <a:r>
-              <a:rPr lang="en-US" sz="4000" dirty="0"/>
-              <a:t>R – Read </a:t>
-            </a:r>
-          </a:p>
-          <a:p>
-            <a:r>
-              <a:rPr lang="en-US" sz="4000" dirty="0"/>
-              <a:t>U – Update </a:t>
-            </a:r>
-          </a:p>
-          <a:p>
-            <a:r>
-              <a:rPr lang="en-US" sz="4000" dirty="0"/>
-              <a:t>D – Delete </a:t>
+              <a:rPr lang="en-US" dirty="0"/>
+              <a:t>Project Setup</a:t>
+            </a:r>
+          </a:p>
+          <a:p>
+            <a:r>
+              <a:rPr lang="en-US" dirty="0"/>
+              <a:t>Setting Up Our Categories</a:t>
+            </a:r>
+          </a:p>
+          <a:p>
+            <a:r>
+              <a:rPr lang="en-US" dirty="0"/>
+              <a:t>Adding Sass</a:t>
+            </a:r>
+          </a:p>
+          <a:p>
+            <a:r>
+              <a:rPr lang="en-US" dirty="0"/>
+              <a:t>Category Item Component</a:t>
+            </a:r>
+          </a:p>
+          <a:p>
+            <a:r>
+              <a:rPr lang="en-US" dirty="0"/>
+              <a:t>Directory Component</a:t>
+            </a:r>
+          </a:p>
+          <a:p>
+            <a:r>
+              <a:rPr lang="en-US" dirty="0"/>
+              <a:t>Adding Fonts</a:t>
+            </a:r>
+          </a:p>
+          <a:p>
+            <a:r>
+              <a:rPr lang="en-US" dirty="0"/>
+              <a:t>Routing</a:t>
+            </a:r>
+          </a:p>
+          <a:p>
+            <a:r>
+              <a:rPr lang="en-US" dirty="0"/>
+              <a:t>Sub-route</a:t>
+            </a:r>
+          </a:p>
+          <a:p>
+            <a:r>
+              <a:rPr lang="en-US" dirty="0"/>
+              <a:t>Setting Up Our Homepage</a:t>
+            </a:r>
+          </a:p>
+          <a:p>
+            <a:r>
+              <a:rPr lang="en-US" dirty="0"/>
+              <a:t>React Router Outlet</a:t>
+            </a:r>
+          </a:p>
+          <a:p>
+            <a:r>
+              <a:rPr lang="en-US" dirty="0"/>
+              <a:t>Navigation Bar Component</a:t>
+            </a:r>
+          </a:p>
+          <a:p>
+            <a:r>
+              <a:rPr lang="en-US" dirty="0"/>
+              <a:t>React Router Link</a:t>
+            </a:r>
+          </a:p>
+          <a:p>
+            <a:r>
+              <a:rPr lang="en-US" dirty="0"/>
+              <a:t>Styling for Navigation Logo</a:t>
+            </a:r>
+          </a:p>
+          <a:p>
+            <a:r>
+              <a:rPr lang="en-US" dirty="0"/>
+              <a:t>Setting Up Firebase</a:t>
             </a:r>
           </a:p>
         </p:txBody>
@@ -16988,7 +17245,7 @@
     </p:spTree>
     <p:extLst>
       <p:ext uri="{BB962C8B-B14F-4D97-AF65-F5344CB8AC3E}">
-        <p14:creationId xmlns:p14="http://schemas.microsoft.com/office/powerpoint/2010/main" val="3929491012"/>
+        <p14:creationId xmlns:p14="http://schemas.microsoft.com/office/powerpoint/2010/main" val="3308266144"/>
       </p:ext>
     </p:extLst>
   </p:cSld>
@@ -17017,199 +17274,10 @@
       </p:grpSpPr>
       <p:sp>
         <p:nvSpPr>
-          <p:cNvPr id="4" name="Rectangle: Diagonal Corners Rounded 3">
-            <a:extLst>
-              <a:ext uri="{FF2B5EF4-FFF2-40B4-BE49-F238E27FC236}">
-                <a16:creationId xmlns:a16="http://schemas.microsoft.com/office/drawing/2014/main" id="{8EF0B082-E97C-ABBF-298A-A43AB32573CA}"/>
-              </a:ext>
-            </a:extLst>
-          </p:cNvPr>
-          <p:cNvSpPr/>
-          <p:nvPr/>
-        </p:nvSpPr>
-        <p:spPr>
-          <a:xfrm>
-            <a:off x="9390743" y="1407886"/>
-            <a:ext cx="2061028" cy="2743200"/>
-          </a:xfrm>
-          <a:prstGeom prst="round2DiagRect">
-            <a:avLst/>
-          </a:prstGeom>
-        </p:spPr>
-        <p:style>
-          <a:lnRef idx="2">
-            <a:schemeClr val="accent1">
-              <a:shade val="15000"/>
-            </a:schemeClr>
-          </a:lnRef>
-          <a:fillRef idx="1">
-            <a:schemeClr val="accent1"/>
-          </a:fillRef>
-          <a:effectRef idx="0">
-            <a:schemeClr val="accent1"/>
-          </a:effectRef>
-          <a:fontRef idx="minor">
-            <a:schemeClr val="lt1"/>
-          </a:fontRef>
-        </p:style>
-        <p:txBody>
-          <a:bodyPr rtlCol="0" anchor="ctr"/>
-          <a:lstStyle/>
-          <a:p>
-            <a:pPr algn="ctr"/>
-            <a:r>
-              <a:rPr lang="en-US" sz="3600" dirty="0"/>
-              <a:t>Firebase</a:t>
-            </a:r>
-          </a:p>
-        </p:txBody>
-      </p:sp>
-      <p:sp>
-        <p:nvSpPr>
-          <p:cNvPr id="5" name="Chord 4">
-            <a:extLst>
-              <a:ext uri="{FF2B5EF4-FFF2-40B4-BE49-F238E27FC236}">
-                <a16:creationId xmlns:a16="http://schemas.microsoft.com/office/drawing/2014/main" id="{AAF1DF0F-C4E4-B541-DB37-9551360DC078}"/>
-              </a:ext>
-            </a:extLst>
-          </p:cNvPr>
-          <p:cNvSpPr/>
-          <p:nvPr/>
-        </p:nvSpPr>
-        <p:spPr>
-          <a:xfrm>
-            <a:off x="595086" y="1262743"/>
-            <a:ext cx="2699657" cy="2046514"/>
-          </a:xfrm>
-          <a:prstGeom prst="chord">
-            <a:avLst/>
-          </a:prstGeom>
-        </p:spPr>
-        <p:style>
-          <a:lnRef idx="2">
-            <a:schemeClr val="accent1">
-              <a:shade val="15000"/>
-            </a:schemeClr>
-          </a:lnRef>
-          <a:fillRef idx="1">
-            <a:schemeClr val="accent1"/>
-          </a:fillRef>
-          <a:effectRef idx="0">
-            <a:schemeClr val="accent1"/>
-          </a:effectRef>
-          <a:fontRef idx="minor">
-            <a:schemeClr val="lt1"/>
-          </a:fontRef>
-        </p:style>
-        <p:txBody>
-          <a:bodyPr rtlCol="0" anchor="ctr"/>
-          <a:lstStyle/>
-          <a:p>
-            <a:r>
-              <a:rPr lang="en-US" sz="2800" dirty="0">
-                <a:ln w="0"/>
-                <a:solidFill>
-                  <a:schemeClr val="tx1"/>
-                </a:solidFill>
-                <a:effectLst>
-                  <a:outerShdw blurRad="38100" dist="19050" dir="2700000" algn="tl" rotWithShape="0">
-                    <a:schemeClr val="dk1">
-                      <a:alpha val="40000"/>
-                    </a:schemeClr>
-                  </a:outerShdw>
-                </a:effectLst>
-              </a:rPr>
-              <a:t>Clothing App</a:t>
-            </a:r>
-          </a:p>
-        </p:txBody>
-      </p:sp>
-      <p:cxnSp>
-        <p:nvCxnSpPr>
-          <p:cNvPr id="7" name="Straight Arrow Connector 6">
-            <a:extLst>
-              <a:ext uri="{FF2B5EF4-FFF2-40B4-BE49-F238E27FC236}">
-                <a16:creationId xmlns:a16="http://schemas.microsoft.com/office/drawing/2014/main" id="{55B2D674-CEFB-4F62-55FB-C081DEA2ECF7}"/>
-              </a:ext>
-            </a:extLst>
-          </p:cNvPr>
-          <p:cNvCxnSpPr/>
-          <p:nvPr/>
-        </p:nvCxnSpPr>
-        <p:spPr>
-          <a:xfrm>
-            <a:off x="2699657" y="1857829"/>
-            <a:ext cx="6066972" cy="0"/>
-          </a:xfrm>
-          <a:prstGeom prst="straightConnector1">
-            <a:avLst/>
-          </a:prstGeom>
-          <a:ln w="57150">
-            <a:tailEnd type="triangle"/>
-          </a:ln>
-        </p:spPr>
-        <p:style>
-          <a:lnRef idx="1">
-            <a:schemeClr val="dk1"/>
-          </a:lnRef>
-          <a:fillRef idx="0">
-            <a:schemeClr val="dk1"/>
-          </a:fillRef>
-          <a:effectRef idx="0">
-            <a:schemeClr val="dk1"/>
-          </a:effectRef>
-          <a:fontRef idx="minor">
-            <a:schemeClr val="tx1"/>
-          </a:fontRef>
-        </p:style>
-      </p:cxnSp>
-      <p:cxnSp>
-        <p:nvCxnSpPr>
-          <p:cNvPr id="8" name="Straight Arrow Connector 7">
-            <a:extLst>
-              <a:ext uri="{FF2B5EF4-FFF2-40B4-BE49-F238E27FC236}">
-                <a16:creationId xmlns:a16="http://schemas.microsoft.com/office/drawing/2014/main" id="{6199E5EC-1C58-77FA-B462-10810E0D6747}"/>
-              </a:ext>
-            </a:extLst>
-          </p:cNvPr>
-          <p:cNvCxnSpPr>
-            <a:cxnSpLocks/>
-          </p:cNvCxnSpPr>
-          <p:nvPr/>
-        </p:nvCxnSpPr>
-        <p:spPr>
-          <a:xfrm flipH="1">
-            <a:off x="2852057" y="2772229"/>
-            <a:ext cx="5711372" cy="0"/>
-          </a:xfrm>
-          <a:prstGeom prst="straightConnector1">
-            <a:avLst/>
-          </a:prstGeom>
-          <a:ln w="57150">
-            <a:tailEnd type="triangle"/>
-          </a:ln>
-        </p:spPr>
-        <p:style>
-          <a:lnRef idx="1">
-            <a:schemeClr val="dk1"/>
-          </a:lnRef>
-          <a:fillRef idx="0">
-            <a:schemeClr val="dk1"/>
-          </a:fillRef>
-          <a:effectRef idx="0">
-            <a:schemeClr val="dk1"/>
-          </a:effectRef>
-          <a:fontRef idx="minor">
-            <a:schemeClr val="tx1"/>
-          </a:fontRef>
-        </p:style>
-      </p:cxnSp>
-      <p:sp>
-        <p:nvSpPr>
-          <p:cNvPr id="11" name="TextBox 10">
-            <a:extLst>
-              <a:ext uri="{FF2B5EF4-FFF2-40B4-BE49-F238E27FC236}">
-                <a16:creationId xmlns:a16="http://schemas.microsoft.com/office/drawing/2014/main" id="{52C62800-B634-E9BB-1674-57CB71BBE2BD}"/>
+          <p:cNvPr id="4" name="TextBox 3">
+            <a:extLst>
+              <a:ext uri="{FF2B5EF4-FFF2-40B4-BE49-F238E27FC236}">
+                <a16:creationId xmlns:a16="http://schemas.microsoft.com/office/drawing/2014/main" id="{1FF126B4-BB35-7426-B23D-46D3DE257BF7}"/>
               </a:ext>
             </a:extLst>
           </p:cNvPr>
@@ -17218,8 +17286,8 @@
         </p:nvSpPr>
         <p:spPr>
           <a:xfrm>
-            <a:off x="4586513" y="2772229"/>
-            <a:ext cx="1900007" cy="523220"/>
+            <a:off x="478971" y="275771"/>
+            <a:ext cx="2078774" cy="369332"/>
           </a:xfrm>
           <a:prstGeom prst="rect">
             <a:avLst/>
@@ -17233,18 +17301,18 @@
           <a:lstStyle/>
           <a:p>
             <a:r>
-              <a:rPr lang="en-US" sz="2800" dirty="0"/>
-              <a:t>Return data</a:t>
+              <a:rPr lang="en-US" dirty="0"/>
+              <a:t>Authentication Flow</a:t>
             </a:r>
           </a:p>
         </p:txBody>
       </p:sp>
       <p:sp>
         <p:nvSpPr>
-          <p:cNvPr id="12" name="TextBox 11">
-            <a:extLst>
-              <a:ext uri="{FF2B5EF4-FFF2-40B4-BE49-F238E27FC236}">
-                <a16:creationId xmlns:a16="http://schemas.microsoft.com/office/drawing/2014/main" id="{E4A5CB6B-D6C0-B0E5-DCD7-18C56DE967AA}"/>
+          <p:cNvPr id="5" name="TextBox 4">
+            <a:extLst>
+              <a:ext uri="{FF2B5EF4-FFF2-40B4-BE49-F238E27FC236}">
+                <a16:creationId xmlns:a16="http://schemas.microsoft.com/office/drawing/2014/main" id="{0B123926-8DC5-BC12-9658-A7222247CA3F}"/>
               </a:ext>
             </a:extLst>
           </p:cNvPr>
@@ -17253,8 +17321,8 @@
         </p:nvSpPr>
         <p:spPr>
           <a:xfrm>
-            <a:off x="4586513" y="1262743"/>
-            <a:ext cx="1704313" cy="523220"/>
+            <a:off x="1190171" y="2380343"/>
+            <a:ext cx="9811658" cy="2554545"/>
           </a:xfrm>
           <a:prstGeom prst="rect">
             <a:avLst/>
@@ -17262,14 +17330,32 @@
           <a:noFill/>
         </p:spPr>
         <p:txBody>
-          <a:bodyPr wrap="none" rtlCol="0">
+          <a:bodyPr wrap="square" rtlCol="0">
             <a:spAutoFit/>
           </a:bodyPr>
           <a:lstStyle/>
           <a:p>
             <a:r>
-              <a:rPr lang="en-US" sz="2800" dirty="0"/>
-              <a:t>Fetch data</a:t>
+              <a:rPr lang="en-US" sz="4000" dirty="0"/>
+              <a:t>C – Create </a:t>
+            </a:r>
+          </a:p>
+          <a:p>
+            <a:r>
+              <a:rPr lang="en-US" sz="4000" dirty="0"/>
+              <a:t>R – Read </a:t>
+            </a:r>
+          </a:p>
+          <a:p>
+            <a:r>
+              <a:rPr lang="en-US" sz="4000" dirty="0"/>
+              <a:t>U – Update </a:t>
+            </a:r>
+          </a:p>
+          <a:p>
+            <a:r>
+              <a:rPr lang="en-US" sz="4000" dirty="0"/>
+              <a:t>D – Delete </a:t>
             </a:r>
           </a:p>
         </p:txBody>
@@ -17277,7 +17363,7 @@
     </p:spTree>
     <p:extLst>
       <p:ext uri="{BB962C8B-B14F-4D97-AF65-F5344CB8AC3E}">
-        <p14:creationId xmlns:p14="http://schemas.microsoft.com/office/powerpoint/2010/main" val="3288831332"/>
+        <p14:creationId xmlns:p14="http://schemas.microsoft.com/office/powerpoint/2010/main" val="3929491012"/>
       </p:ext>
     </p:extLst>
   </p:cSld>
@@ -17318,7 +17404,7 @@
         </p:nvSpPr>
         <p:spPr>
           <a:xfrm>
-            <a:off x="9042399" y="152753"/>
+            <a:off x="9390743" y="1407886"/>
             <a:ext cx="2061028" cy="2743200"/>
           </a:xfrm>
           <a:prstGeom prst="round2DiagRect">
@@ -17367,7 +17453,7 @@
         </p:nvSpPr>
         <p:spPr>
           <a:xfrm>
-            <a:off x="986971" y="2101333"/>
+            <a:off x="595086" y="1262743"/>
             <a:ext cx="2699657" cy="2046514"/>
           </a:xfrm>
           <a:prstGeom prst="chord">
@@ -17413,97 +17499,12 @@
           </a:p>
         </p:txBody>
       </p:sp>
-      <p:sp>
-        <p:nvSpPr>
-          <p:cNvPr id="2" name="TextBox 1">
-            <a:extLst>
-              <a:ext uri="{FF2B5EF4-FFF2-40B4-BE49-F238E27FC236}">
-                <a16:creationId xmlns:a16="http://schemas.microsoft.com/office/drawing/2014/main" id="{EC6EC623-F47F-0CCE-A457-0CA5F47EC9AF}"/>
-              </a:ext>
-            </a:extLst>
-          </p:cNvPr>
-          <p:cNvSpPr txBox="1"/>
-          <p:nvPr/>
-        </p:nvSpPr>
-        <p:spPr>
-          <a:xfrm>
-            <a:off x="1498726" y="4249839"/>
-            <a:ext cx="1284262" cy="369332"/>
-          </a:xfrm>
-          <a:prstGeom prst="rect">
-            <a:avLst/>
-          </a:prstGeom>
-          <a:noFill/>
-        </p:spPr>
-        <p:txBody>
-          <a:bodyPr wrap="none" rtlCol="0">
-            <a:spAutoFit/>
-          </a:bodyPr>
-          <a:lstStyle/>
-          <a:p>
-            <a:r>
-              <a:rPr lang="en-US" dirty="0" err="1"/>
-              <a:t>Auth_token</a:t>
-            </a:r>
-            <a:endParaRPr lang="en-US" dirty="0"/>
-          </a:p>
-        </p:txBody>
-      </p:sp>
-      <p:sp>
-        <p:nvSpPr>
-          <p:cNvPr id="3" name="Cloud 2">
-            <a:extLst>
-              <a:ext uri="{FF2B5EF4-FFF2-40B4-BE49-F238E27FC236}">
-                <a16:creationId xmlns:a16="http://schemas.microsoft.com/office/drawing/2014/main" id="{C752B468-B429-5D17-CFCF-D08333FA2B16}"/>
-              </a:ext>
-            </a:extLst>
-          </p:cNvPr>
-          <p:cNvSpPr/>
-          <p:nvPr/>
-        </p:nvSpPr>
-        <p:spPr>
-          <a:xfrm>
-            <a:off x="8215085" y="4619171"/>
-            <a:ext cx="3715657" cy="1661886"/>
-          </a:xfrm>
-          <a:prstGeom prst="cloud">
-            <a:avLst/>
-          </a:prstGeom>
-        </p:spPr>
-        <p:style>
-          <a:lnRef idx="2">
-            <a:schemeClr val="accent1">
-              <a:shade val="15000"/>
-            </a:schemeClr>
-          </a:lnRef>
-          <a:fillRef idx="1">
-            <a:schemeClr val="accent1"/>
-          </a:fillRef>
-          <a:effectRef idx="0">
-            <a:schemeClr val="accent1"/>
-          </a:effectRef>
-          <a:fontRef idx="minor">
-            <a:schemeClr val="lt1"/>
-          </a:fontRef>
-        </p:style>
-        <p:txBody>
-          <a:bodyPr rtlCol="0" anchor="ctr"/>
-          <a:lstStyle/>
-          <a:p>
-            <a:pPr algn="ctr"/>
-            <a:r>
-              <a:rPr lang="en-US" sz="3600" dirty="0"/>
-              <a:t>Google</a:t>
-            </a:r>
-          </a:p>
-        </p:txBody>
-      </p:sp>
       <p:cxnSp>
         <p:nvCxnSpPr>
-          <p:cNvPr id="9" name="Straight Arrow Connector 8">
-            <a:extLst>
-              <a:ext uri="{FF2B5EF4-FFF2-40B4-BE49-F238E27FC236}">
-                <a16:creationId xmlns:a16="http://schemas.microsoft.com/office/drawing/2014/main" id="{D865665A-1A1B-9773-2E77-76BC8FEAB0EB}"/>
+          <p:cNvPr id="7" name="Straight Arrow Connector 6">
+            <a:extLst>
+              <a:ext uri="{FF2B5EF4-FFF2-40B4-BE49-F238E27FC236}">
+                <a16:creationId xmlns:a16="http://schemas.microsoft.com/office/drawing/2014/main" id="{55B2D674-CEFB-4F62-55FB-C081DEA2ECF7}"/>
               </a:ext>
             </a:extLst>
           </p:cNvPr>
@@ -17511,346 +17512,55 @@
           <p:nvPr/>
         </p:nvCxnSpPr>
         <p:spPr>
-          <a:xfrm flipH="1" flipV="1">
-            <a:off x="3294743" y="3733410"/>
-            <a:ext cx="4441371" cy="2144876"/>
+          <a:xfrm>
+            <a:off x="2699657" y="1857829"/>
+            <a:ext cx="6066972" cy="0"/>
           </a:xfrm>
           <a:prstGeom prst="straightConnector1">
             <a:avLst/>
           </a:prstGeom>
-          <a:ln>
+          <a:ln w="57150">
             <a:tailEnd type="triangle"/>
           </a:ln>
         </p:spPr>
         <p:style>
           <a:lnRef idx="1">
-            <a:schemeClr val="accent1"/>
+            <a:schemeClr val="dk1"/>
           </a:lnRef>
           <a:fillRef idx="0">
-            <a:schemeClr val="accent1"/>
+            <a:schemeClr val="dk1"/>
           </a:fillRef>
           <a:effectRef idx="0">
-            <a:schemeClr val="accent1"/>
+            <a:schemeClr val="dk1"/>
           </a:effectRef>
           <a:fontRef idx="minor">
             <a:schemeClr val="tx1"/>
           </a:fontRef>
         </p:style>
       </p:cxnSp>
-      <p:sp>
-        <p:nvSpPr>
-          <p:cNvPr id="10" name="TextBox 9">
-            <a:extLst>
-              <a:ext uri="{FF2B5EF4-FFF2-40B4-BE49-F238E27FC236}">
-                <a16:creationId xmlns:a16="http://schemas.microsoft.com/office/drawing/2014/main" id="{3845BEEF-29FC-BAD9-D828-ABA4611D85C7}"/>
-              </a:ext>
-            </a:extLst>
-          </p:cNvPr>
-          <p:cNvSpPr txBox="1"/>
-          <p:nvPr/>
-        </p:nvSpPr>
-        <p:spPr>
-          <a:xfrm>
-            <a:off x="5167086" y="4252686"/>
-            <a:ext cx="1485471" cy="369332"/>
-          </a:xfrm>
-          <a:prstGeom prst="rect">
-            <a:avLst/>
-          </a:prstGeom>
-          <a:noFill/>
-        </p:spPr>
-        <p:txBody>
-          <a:bodyPr wrap="none" rtlCol="0">
-            <a:spAutoFit/>
-          </a:bodyPr>
-          <a:lstStyle/>
-          <a:p>
-            <a:r>
-              <a:rPr lang="en-US" dirty="0"/>
-              <a:t>Respond back</a:t>
-            </a:r>
-          </a:p>
-        </p:txBody>
-      </p:sp>
       <p:cxnSp>
         <p:nvCxnSpPr>
-          <p:cNvPr id="14" name="Straight Arrow Connector 13">
-            <a:extLst>
-              <a:ext uri="{FF2B5EF4-FFF2-40B4-BE49-F238E27FC236}">
-                <a16:creationId xmlns:a16="http://schemas.microsoft.com/office/drawing/2014/main" id="{1F43554D-89D6-9AA5-3E52-399B9461F1EC}"/>
-              </a:ext>
-            </a:extLst>
-          </p:cNvPr>
-          <p:cNvCxnSpPr/>
-          <p:nvPr/>
-        </p:nvCxnSpPr>
-        <p:spPr>
-          <a:xfrm flipV="1">
-            <a:off x="3294743" y="1770743"/>
-            <a:ext cx="4920342" cy="1538514"/>
-          </a:xfrm>
-          <a:prstGeom prst="straightConnector1">
-            <a:avLst/>
-          </a:prstGeom>
-          <a:ln>
-            <a:tailEnd type="triangle"/>
-          </a:ln>
-        </p:spPr>
-        <p:style>
-          <a:lnRef idx="1">
-            <a:schemeClr val="accent1"/>
-          </a:lnRef>
-          <a:fillRef idx="0">
-            <a:schemeClr val="accent1"/>
-          </a:fillRef>
-          <a:effectRef idx="0">
-            <a:schemeClr val="accent1"/>
-          </a:effectRef>
-          <a:fontRef idx="minor">
-            <a:schemeClr val="tx1"/>
-          </a:fontRef>
-        </p:style>
-      </p:cxnSp>
-      <p:sp>
-        <p:nvSpPr>
-          <p:cNvPr id="15" name="TextBox 14">
-            <a:extLst>
-              <a:ext uri="{FF2B5EF4-FFF2-40B4-BE49-F238E27FC236}">
-                <a16:creationId xmlns:a16="http://schemas.microsoft.com/office/drawing/2014/main" id="{809ACF24-EE6B-2104-B962-35968E2E3CCF}"/>
-              </a:ext>
-            </a:extLst>
-          </p:cNvPr>
-          <p:cNvSpPr txBox="1"/>
-          <p:nvPr/>
-        </p:nvSpPr>
-        <p:spPr>
-          <a:xfrm>
-            <a:off x="4252686" y="2177143"/>
-            <a:ext cx="1232966" cy="369332"/>
-          </a:xfrm>
-          <a:prstGeom prst="rect">
-            <a:avLst/>
-          </a:prstGeom>
-          <a:noFill/>
-        </p:spPr>
-        <p:txBody>
-          <a:bodyPr wrap="none" rtlCol="0">
-            <a:spAutoFit/>
-          </a:bodyPr>
-          <a:lstStyle/>
-          <a:p>
-            <a:r>
-              <a:rPr lang="en-US" dirty="0"/>
-              <a:t>Send token</a:t>
-            </a:r>
-          </a:p>
-        </p:txBody>
-      </p:sp>
-      <p:sp>
-        <p:nvSpPr>
-          <p:cNvPr id="16" name="TextBox 15">
-            <a:extLst>
-              <a:ext uri="{FF2B5EF4-FFF2-40B4-BE49-F238E27FC236}">
-                <a16:creationId xmlns:a16="http://schemas.microsoft.com/office/drawing/2014/main" id="{06C04C12-6E4B-AFF1-8A29-8A3B3E71B306}"/>
-              </a:ext>
-            </a:extLst>
-          </p:cNvPr>
-          <p:cNvSpPr txBox="1"/>
-          <p:nvPr/>
-        </p:nvSpPr>
-        <p:spPr>
-          <a:xfrm>
-            <a:off x="9317917" y="2994746"/>
-            <a:ext cx="1284262" cy="369332"/>
-          </a:xfrm>
-          <a:prstGeom prst="rect">
-            <a:avLst/>
-          </a:prstGeom>
-          <a:noFill/>
-        </p:spPr>
-        <p:txBody>
-          <a:bodyPr wrap="none" rtlCol="0">
-            <a:spAutoFit/>
-          </a:bodyPr>
-          <a:lstStyle/>
-          <a:p>
-            <a:r>
-              <a:rPr lang="en-US" dirty="0" err="1"/>
-              <a:t>Auth_token</a:t>
-            </a:r>
-            <a:endParaRPr lang="en-US" dirty="0"/>
-          </a:p>
-        </p:txBody>
-      </p:sp>
-      <p:cxnSp>
-        <p:nvCxnSpPr>
-          <p:cNvPr id="18" name="Straight Arrow Connector 17">
-            <a:extLst>
-              <a:ext uri="{FF2B5EF4-FFF2-40B4-BE49-F238E27FC236}">
-                <a16:creationId xmlns:a16="http://schemas.microsoft.com/office/drawing/2014/main" id="{4E615CF2-705D-B0ED-1267-CF0F2E3BB610}"/>
-              </a:ext>
-            </a:extLst>
-          </p:cNvPr>
-          <p:cNvCxnSpPr/>
-          <p:nvPr/>
-        </p:nvCxnSpPr>
-        <p:spPr>
-          <a:xfrm>
-            <a:off x="8534400" y="2895953"/>
-            <a:ext cx="928914" cy="1541399"/>
-          </a:xfrm>
-          <a:prstGeom prst="straightConnector1">
-            <a:avLst/>
-          </a:prstGeom>
-          <a:ln>
-            <a:tailEnd type="triangle"/>
-          </a:ln>
-        </p:spPr>
-        <p:style>
-          <a:lnRef idx="1">
-            <a:schemeClr val="accent1"/>
-          </a:lnRef>
-          <a:fillRef idx="0">
-            <a:schemeClr val="accent1"/>
-          </a:fillRef>
-          <a:effectRef idx="0">
-            <a:schemeClr val="accent1"/>
-          </a:effectRef>
-          <a:fontRef idx="minor">
-            <a:schemeClr val="tx1"/>
-          </a:fontRef>
-        </p:style>
-      </p:cxnSp>
-      <p:sp>
-        <p:nvSpPr>
-          <p:cNvPr id="19" name="TextBox 18">
-            <a:extLst>
-              <a:ext uri="{FF2B5EF4-FFF2-40B4-BE49-F238E27FC236}">
-                <a16:creationId xmlns:a16="http://schemas.microsoft.com/office/drawing/2014/main" id="{9696925C-1B05-FC91-67C9-65CC30EC9C55}"/>
-              </a:ext>
-            </a:extLst>
-          </p:cNvPr>
-          <p:cNvSpPr txBox="1"/>
-          <p:nvPr/>
-        </p:nvSpPr>
-        <p:spPr>
-          <a:xfrm>
-            <a:off x="8215085" y="4020457"/>
-            <a:ext cx="1312411" cy="369332"/>
-          </a:xfrm>
-          <a:prstGeom prst="rect">
-            <a:avLst/>
-          </a:prstGeom>
-          <a:noFill/>
-        </p:spPr>
-        <p:txBody>
-          <a:bodyPr wrap="none" rtlCol="0">
-            <a:spAutoFit/>
-          </a:bodyPr>
-          <a:lstStyle/>
-          <a:p>
-            <a:r>
-              <a:rPr lang="en-US" dirty="0"/>
-              <a:t>Verify token</a:t>
-            </a:r>
-          </a:p>
-        </p:txBody>
-      </p:sp>
-      <p:cxnSp>
-        <p:nvCxnSpPr>
-          <p:cNvPr id="21" name="Straight Arrow Connector 20">
-            <a:extLst>
-              <a:ext uri="{FF2B5EF4-FFF2-40B4-BE49-F238E27FC236}">
-                <a16:creationId xmlns:a16="http://schemas.microsoft.com/office/drawing/2014/main" id="{3FBDD4A0-0B07-B05E-C95E-123FA0F5F281}"/>
-              </a:ext>
-            </a:extLst>
-          </p:cNvPr>
-          <p:cNvCxnSpPr/>
-          <p:nvPr/>
-        </p:nvCxnSpPr>
-        <p:spPr>
-          <a:xfrm flipH="1" flipV="1">
-            <a:off x="11103427" y="2994746"/>
-            <a:ext cx="377373" cy="1395043"/>
-          </a:xfrm>
-          <a:prstGeom prst="straightConnector1">
-            <a:avLst/>
-          </a:prstGeom>
-          <a:ln>
-            <a:tailEnd type="triangle"/>
-          </a:ln>
-        </p:spPr>
-        <p:style>
-          <a:lnRef idx="1">
-            <a:schemeClr val="accent1"/>
-          </a:lnRef>
-          <a:fillRef idx="0">
-            <a:schemeClr val="accent1"/>
-          </a:fillRef>
-          <a:effectRef idx="0">
-            <a:schemeClr val="accent1"/>
-          </a:effectRef>
-          <a:fontRef idx="minor">
-            <a:schemeClr val="tx1"/>
-          </a:fontRef>
-        </p:style>
-      </p:cxnSp>
-      <p:sp>
-        <p:nvSpPr>
-          <p:cNvPr id="22" name="TextBox 21">
-            <a:extLst>
-              <a:ext uri="{FF2B5EF4-FFF2-40B4-BE49-F238E27FC236}">
-                <a16:creationId xmlns:a16="http://schemas.microsoft.com/office/drawing/2014/main" id="{44876FE4-BCC5-73BD-83CC-A12B22898AF3}"/>
-              </a:ext>
-            </a:extLst>
-          </p:cNvPr>
-          <p:cNvSpPr txBox="1"/>
-          <p:nvPr/>
-        </p:nvSpPr>
-        <p:spPr>
-          <a:xfrm>
-            <a:off x="10421257" y="3875314"/>
-            <a:ext cx="1521763" cy="369332"/>
-          </a:xfrm>
-          <a:prstGeom prst="rect">
-            <a:avLst/>
-          </a:prstGeom>
-          <a:noFill/>
-        </p:spPr>
-        <p:txBody>
-          <a:bodyPr wrap="none" rtlCol="0">
-            <a:spAutoFit/>
-          </a:bodyPr>
-          <a:lstStyle/>
-          <a:p>
-            <a:r>
-              <a:rPr lang="en-US" dirty="0"/>
-              <a:t>Confirm token</a:t>
-            </a:r>
-          </a:p>
-        </p:txBody>
-      </p:sp>
-      <p:cxnSp>
-        <p:nvCxnSpPr>
-          <p:cNvPr id="24" name="Straight Arrow Connector 23">
-            <a:extLst>
-              <a:ext uri="{FF2B5EF4-FFF2-40B4-BE49-F238E27FC236}">
-                <a16:creationId xmlns:a16="http://schemas.microsoft.com/office/drawing/2014/main" id="{8E9FC7EE-8D01-6060-C0EA-FF70B1218734}"/>
-              </a:ext>
-            </a:extLst>
-          </p:cNvPr>
-          <p:cNvCxnSpPr/>
+          <p:cNvPr id="8" name="Straight Arrow Connector 7">
+            <a:extLst>
+              <a:ext uri="{FF2B5EF4-FFF2-40B4-BE49-F238E27FC236}">
+                <a16:creationId xmlns:a16="http://schemas.microsoft.com/office/drawing/2014/main" id="{6199E5EC-1C58-77FA-B462-10810E0D6747}"/>
+              </a:ext>
+            </a:extLst>
+          </p:cNvPr>
+          <p:cNvCxnSpPr>
+            <a:cxnSpLocks/>
+          </p:cNvCxnSpPr>
           <p:nvPr/>
         </p:nvCxnSpPr>
         <p:spPr>
           <a:xfrm flipH="1">
-            <a:off x="2815771" y="449943"/>
-            <a:ext cx="6055519" cy="1596571"/>
+            <a:off x="2852057" y="2772229"/>
+            <a:ext cx="5711372" cy="0"/>
           </a:xfrm>
           <a:prstGeom prst="straightConnector1">
             <a:avLst/>
           </a:prstGeom>
-          <a:ln>
+          <a:ln w="57150">
             <a:tailEnd type="triangle"/>
           </a:ln>
         </p:spPr>
@@ -17871,10 +17581,10 @@
       </p:cxnSp>
       <p:sp>
         <p:nvSpPr>
-          <p:cNvPr id="25" name="TextBox 24">
-            <a:extLst>
-              <a:ext uri="{FF2B5EF4-FFF2-40B4-BE49-F238E27FC236}">
-                <a16:creationId xmlns:a16="http://schemas.microsoft.com/office/drawing/2014/main" id="{4C53FD28-A116-8E59-CEEE-5A1CA59298EC}"/>
+          <p:cNvPr id="11" name="TextBox 10">
+            <a:extLst>
+              <a:ext uri="{FF2B5EF4-FFF2-40B4-BE49-F238E27FC236}">
+                <a16:creationId xmlns:a16="http://schemas.microsoft.com/office/drawing/2014/main" id="{52C62800-B634-E9BB-1674-57CB71BBE2BD}"/>
               </a:ext>
             </a:extLst>
           </p:cNvPr>
@@ -17883,8 +17593,8 @@
         </p:nvSpPr>
         <p:spPr>
           <a:xfrm>
-            <a:off x="3889829" y="1045029"/>
-            <a:ext cx="1726498" cy="369332"/>
+            <a:off x="4586513" y="2772229"/>
+            <a:ext cx="1900007" cy="523220"/>
           </a:xfrm>
           <a:prstGeom prst="rect">
             <a:avLst/>
@@ -17898,8 +17608,43 @@
           <a:lstStyle/>
           <a:p>
             <a:r>
-              <a:rPr lang="en-US" dirty="0"/>
-              <a:t>Return response</a:t>
+              <a:rPr lang="en-US" sz="2800" dirty="0"/>
+              <a:t>Return data</a:t>
+            </a:r>
+          </a:p>
+        </p:txBody>
+      </p:sp>
+      <p:sp>
+        <p:nvSpPr>
+          <p:cNvPr id="12" name="TextBox 11">
+            <a:extLst>
+              <a:ext uri="{FF2B5EF4-FFF2-40B4-BE49-F238E27FC236}">
+                <a16:creationId xmlns:a16="http://schemas.microsoft.com/office/drawing/2014/main" id="{E4A5CB6B-D6C0-B0E5-DCD7-18C56DE967AA}"/>
+              </a:ext>
+            </a:extLst>
+          </p:cNvPr>
+          <p:cNvSpPr txBox="1"/>
+          <p:nvPr/>
+        </p:nvSpPr>
+        <p:spPr>
+          <a:xfrm>
+            <a:off x="4586513" y="1262743"/>
+            <a:ext cx="1704313" cy="523220"/>
+          </a:xfrm>
+          <a:prstGeom prst="rect">
+            <a:avLst/>
+          </a:prstGeom>
+          <a:noFill/>
+        </p:spPr>
+        <p:txBody>
+          <a:bodyPr wrap="none" rtlCol="0">
+            <a:spAutoFit/>
+          </a:bodyPr>
+          <a:lstStyle/>
+          <a:p>
+            <a:r>
+              <a:rPr lang="en-US" sz="2800" dirty="0"/>
+              <a:t>Fetch data</a:t>
             </a:r>
           </a:p>
         </p:txBody>
@@ -17907,7 +17652,7 @@
     </p:spTree>
     <p:extLst>
       <p:ext uri="{BB962C8B-B14F-4D97-AF65-F5344CB8AC3E}">
-        <p14:creationId xmlns:p14="http://schemas.microsoft.com/office/powerpoint/2010/main" val="4009548158"/>
+        <p14:creationId xmlns:p14="http://schemas.microsoft.com/office/powerpoint/2010/main" val="3288831332"/>
       </p:ext>
     </p:extLst>
   </p:cSld>
@@ -17936,93 +17681,600 @@
       </p:grpSpPr>
       <p:sp>
         <p:nvSpPr>
-          <p:cNvPr id="3" name="Content Placeholder 2">
-            <a:extLst>
-              <a:ext uri="{FF2B5EF4-FFF2-40B4-BE49-F238E27FC236}">
-                <a16:creationId xmlns:a16="http://schemas.microsoft.com/office/drawing/2014/main" id="{19763195-B3D1-599A-5947-1949B05CCD4C}"/>
-              </a:ext>
-            </a:extLst>
-          </p:cNvPr>
-          <p:cNvSpPr>
-            <a:spLocks noGrp="1"/>
-          </p:cNvSpPr>
-          <p:nvPr>
-            <p:ph idx="1"/>
-          </p:nvPr>
+          <p:cNvPr id="4" name="Rectangle: Diagonal Corners Rounded 3">
+            <a:extLst>
+              <a:ext uri="{FF2B5EF4-FFF2-40B4-BE49-F238E27FC236}">
+                <a16:creationId xmlns:a16="http://schemas.microsoft.com/office/drawing/2014/main" id="{8EF0B082-E97C-ABBF-298A-A43AB32573CA}"/>
+              </a:ext>
+            </a:extLst>
+          </p:cNvPr>
+          <p:cNvSpPr/>
+          <p:nvPr/>
         </p:nvSpPr>
         <p:spPr>
           <a:xfrm>
-            <a:off x="838200" y="304800"/>
-            <a:ext cx="10515600" cy="5872163"/>
-          </a:xfrm>
+            <a:off x="9042399" y="152753"/>
+            <a:ext cx="2061028" cy="2743200"/>
+          </a:xfrm>
+          <a:prstGeom prst="round2DiagRect">
+            <a:avLst/>
+          </a:prstGeom>
+        </p:spPr>
+        <p:style>
+          <a:lnRef idx="2">
+            <a:schemeClr val="accent1">
+              <a:shade val="15000"/>
+            </a:schemeClr>
+          </a:lnRef>
+          <a:fillRef idx="1">
+            <a:schemeClr val="accent1"/>
+          </a:fillRef>
+          <a:effectRef idx="0">
+            <a:schemeClr val="accent1"/>
+          </a:effectRef>
+          <a:fontRef idx="minor">
+            <a:schemeClr val="lt1"/>
+          </a:fontRef>
+        </p:style>
+        <p:txBody>
+          <a:bodyPr rtlCol="0" anchor="ctr"/>
+          <a:lstStyle/>
+          <a:p>
+            <a:pPr algn="ctr"/>
+            <a:r>
+              <a:rPr lang="en-US" sz="3600" dirty="0"/>
+              <a:t>Firebase</a:t>
+            </a:r>
+          </a:p>
+        </p:txBody>
+      </p:sp>
+      <p:sp>
+        <p:nvSpPr>
+          <p:cNvPr id="5" name="Chord 4">
+            <a:extLst>
+              <a:ext uri="{FF2B5EF4-FFF2-40B4-BE49-F238E27FC236}">
+                <a16:creationId xmlns:a16="http://schemas.microsoft.com/office/drawing/2014/main" id="{AAF1DF0F-C4E4-B541-DB37-9551360DC078}"/>
+              </a:ext>
+            </a:extLst>
+          </p:cNvPr>
+          <p:cNvSpPr/>
+          <p:nvPr/>
+        </p:nvSpPr>
+        <p:spPr>
+          <a:xfrm>
+            <a:off x="986971" y="2101333"/>
+            <a:ext cx="2699657" cy="2046514"/>
+          </a:xfrm>
+          <a:prstGeom prst="chord">
+            <a:avLst/>
+          </a:prstGeom>
+        </p:spPr>
+        <p:style>
+          <a:lnRef idx="2">
+            <a:schemeClr val="accent1">
+              <a:shade val="15000"/>
+            </a:schemeClr>
+          </a:lnRef>
+          <a:fillRef idx="1">
+            <a:schemeClr val="accent1"/>
+          </a:fillRef>
+          <a:effectRef idx="0">
+            <a:schemeClr val="accent1"/>
+          </a:effectRef>
+          <a:fontRef idx="minor">
+            <a:schemeClr val="lt1"/>
+          </a:fontRef>
+        </p:style>
+        <p:txBody>
+          <a:bodyPr rtlCol="0" anchor="ctr"/>
+          <a:lstStyle/>
+          <a:p>
+            <a:r>
+              <a:rPr lang="en-US" sz="2800" dirty="0">
+                <a:ln w="0"/>
+                <a:solidFill>
+                  <a:schemeClr val="tx1"/>
+                </a:solidFill>
+                <a:effectLst>
+                  <a:outerShdw blurRad="38100" dist="19050" dir="2700000" algn="tl" rotWithShape="0">
+                    <a:schemeClr val="dk1">
+                      <a:alpha val="40000"/>
+                    </a:schemeClr>
+                  </a:outerShdw>
+                </a:effectLst>
+              </a:rPr>
+              <a:t>Clothing App</a:t>
+            </a:r>
+          </a:p>
+        </p:txBody>
+      </p:sp>
+      <p:sp>
+        <p:nvSpPr>
+          <p:cNvPr id="2" name="TextBox 1">
+            <a:extLst>
+              <a:ext uri="{FF2B5EF4-FFF2-40B4-BE49-F238E27FC236}">
+                <a16:creationId xmlns:a16="http://schemas.microsoft.com/office/drawing/2014/main" id="{EC6EC623-F47F-0CCE-A457-0CA5F47EC9AF}"/>
+              </a:ext>
+            </a:extLst>
+          </p:cNvPr>
+          <p:cNvSpPr txBox="1"/>
+          <p:nvPr/>
+        </p:nvSpPr>
+        <p:spPr>
+          <a:xfrm>
+            <a:off x="1498726" y="4249839"/>
+            <a:ext cx="1284262" cy="369332"/>
+          </a:xfrm>
+          <a:prstGeom prst="rect">
+            <a:avLst/>
+          </a:prstGeom>
+          <a:noFill/>
         </p:spPr>
         <p:txBody>
-          <a:bodyPr/>
+          <a:bodyPr wrap="none" rtlCol="0">
+            <a:spAutoFit/>
+          </a:bodyPr>
           <a:lstStyle/>
           <a:p>
             <a:r>
+              <a:rPr lang="en-US" dirty="0" err="1"/>
+              <a:t>Auth_token</a:t>
+            </a:r>
+            <a:endParaRPr lang="en-US" dirty="0"/>
+          </a:p>
+        </p:txBody>
+      </p:sp>
+      <p:sp>
+        <p:nvSpPr>
+          <p:cNvPr id="3" name="Cloud 2">
+            <a:extLst>
+              <a:ext uri="{FF2B5EF4-FFF2-40B4-BE49-F238E27FC236}">
+                <a16:creationId xmlns:a16="http://schemas.microsoft.com/office/drawing/2014/main" id="{C752B468-B429-5D17-CFCF-D08333FA2B16}"/>
+              </a:ext>
+            </a:extLst>
+          </p:cNvPr>
+          <p:cNvSpPr/>
+          <p:nvPr/>
+        </p:nvSpPr>
+        <p:spPr>
+          <a:xfrm>
+            <a:off x="8215085" y="4619171"/>
+            <a:ext cx="3715657" cy="1661886"/>
+          </a:xfrm>
+          <a:prstGeom prst="cloud">
+            <a:avLst/>
+          </a:prstGeom>
+        </p:spPr>
+        <p:style>
+          <a:lnRef idx="2">
+            <a:schemeClr val="accent1">
+              <a:shade val="15000"/>
+            </a:schemeClr>
+          </a:lnRef>
+          <a:fillRef idx="1">
+            <a:schemeClr val="accent1"/>
+          </a:fillRef>
+          <a:effectRef idx="0">
+            <a:schemeClr val="accent1"/>
+          </a:effectRef>
+          <a:fontRef idx="minor">
+            <a:schemeClr val="lt1"/>
+          </a:fontRef>
+        </p:style>
+        <p:txBody>
+          <a:bodyPr rtlCol="0" anchor="ctr"/>
+          <a:lstStyle/>
+          <a:p>
+            <a:pPr algn="ctr"/>
+            <a:r>
+              <a:rPr lang="en-US" sz="3600" dirty="0"/>
+              <a:t>Google</a:t>
+            </a:r>
+          </a:p>
+        </p:txBody>
+      </p:sp>
+      <p:cxnSp>
+        <p:nvCxnSpPr>
+          <p:cNvPr id="9" name="Straight Arrow Connector 8">
+            <a:extLst>
+              <a:ext uri="{FF2B5EF4-FFF2-40B4-BE49-F238E27FC236}">
+                <a16:creationId xmlns:a16="http://schemas.microsoft.com/office/drawing/2014/main" id="{D865665A-1A1B-9773-2E77-76BC8FEAB0EB}"/>
+              </a:ext>
+            </a:extLst>
+          </p:cNvPr>
+          <p:cNvCxnSpPr/>
+          <p:nvPr/>
+        </p:nvCxnSpPr>
+        <p:spPr>
+          <a:xfrm flipH="1" flipV="1">
+            <a:off x="3294743" y="3733410"/>
+            <a:ext cx="4441371" cy="2144876"/>
+          </a:xfrm>
+          <a:prstGeom prst="straightConnector1">
+            <a:avLst/>
+          </a:prstGeom>
+          <a:ln>
+            <a:tailEnd type="triangle"/>
+          </a:ln>
+        </p:spPr>
+        <p:style>
+          <a:lnRef idx="1">
+            <a:schemeClr val="accent1"/>
+          </a:lnRef>
+          <a:fillRef idx="0">
+            <a:schemeClr val="accent1"/>
+          </a:fillRef>
+          <a:effectRef idx="0">
+            <a:schemeClr val="accent1"/>
+          </a:effectRef>
+          <a:fontRef idx="minor">
+            <a:schemeClr val="tx1"/>
+          </a:fontRef>
+        </p:style>
+      </p:cxnSp>
+      <p:sp>
+        <p:nvSpPr>
+          <p:cNvPr id="10" name="TextBox 9">
+            <a:extLst>
+              <a:ext uri="{FF2B5EF4-FFF2-40B4-BE49-F238E27FC236}">
+                <a16:creationId xmlns:a16="http://schemas.microsoft.com/office/drawing/2014/main" id="{3845BEEF-29FC-BAD9-D828-ABA4611D85C7}"/>
+              </a:ext>
+            </a:extLst>
+          </p:cNvPr>
+          <p:cNvSpPr txBox="1"/>
+          <p:nvPr/>
+        </p:nvSpPr>
+        <p:spPr>
+          <a:xfrm>
+            <a:off x="5167086" y="4252686"/>
+            <a:ext cx="1485471" cy="369332"/>
+          </a:xfrm>
+          <a:prstGeom prst="rect">
+            <a:avLst/>
+          </a:prstGeom>
+          <a:noFill/>
+        </p:spPr>
+        <p:txBody>
+          <a:bodyPr wrap="none" rtlCol="0">
+            <a:spAutoFit/>
+          </a:bodyPr>
+          <a:lstStyle/>
+          <a:p>
+            <a:r>
               <a:rPr lang="en-US" dirty="0"/>
-              <a:t>Generalizing Form Input Component</a:t>
-            </a:r>
-          </a:p>
+              <a:t>Respond back</a:t>
+            </a:r>
+          </a:p>
+        </p:txBody>
+      </p:sp>
+      <p:cxnSp>
+        <p:nvCxnSpPr>
+          <p:cNvPr id="14" name="Straight Arrow Connector 13">
+            <a:extLst>
+              <a:ext uri="{FF2B5EF4-FFF2-40B4-BE49-F238E27FC236}">
+                <a16:creationId xmlns:a16="http://schemas.microsoft.com/office/drawing/2014/main" id="{1F43554D-89D6-9AA5-3E52-399B9461F1EC}"/>
+              </a:ext>
+            </a:extLst>
+          </p:cNvPr>
+          <p:cNvCxnSpPr/>
+          <p:nvPr/>
+        </p:nvCxnSpPr>
+        <p:spPr>
+          <a:xfrm flipV="1">
+            <a:off x="3294743" y="1770743"/>
+            <a:ext cx="4920342" cy="1538514"/>
+          </a:xfrm>
+          <a:prstGeom prst="straightConnector1">
+            <a:avLst/>
+          </a:prstGeom>
+          <a:ln>
+            <a:tailEnd type="triangle"/>
+          </a:ln>
+        </p:spPr>
+        <p:style>
+          <a:lnRef idx="1">
+            <a:schemeClr val="accent1"/>
+          </a:lnRef>
+          <a:fillRef idx="0">
+            <a:schemeClr val="accent1"/>
+          </a:fillRef>
+          <a:effectRef idx="0">
+            <a:schemeClr val="accent1"/>
+          </a:effectRef>
+          <a:fontRef idx="minor">
+            <a:schemeClr val="tx1"/>
+          </a:fontRef>
+        </p:style>
+      </p:cxnSp>
+      <p:sp>
+        <p:nvSpPr>
+          <p:cNvPr id="15" name="TextBox 14">
+            <a:extLst>
+              <a:ext uri="{FF2B5EF4-FFF2-40B4-BE49-F238E27FC236}">
+                <a16:creationId xmlns:a16="http://schemas.microsoft.com/office/drawing/2014/main" id="{809ACF24-EE6B-2104-B962-35968E2E3CCF}"/>
+              </a:ext>
+            </a:extLst>
+          </p:cNvPr>
+          <p:cNvSpPr txBox="1"/>
+          <p:nvPr/>
+        </p:nvSpPr>
+        <p:spPr>
+          <a:xfrm>
+            <a:off x="4252686" y="2177143"/>
+            <a:ext cx="1232966" cy="369332"/>
+          </a:xfrm>
+          <a:prstGeom prst="rect">
+            <a:avLst/>
+          </a:prstGeom>
+          <a:noFill/>
+        </p:spPr>
+        <p:txBody>
+          <a:bodyPr wrap="none" rtlCol="0">
+            <a:spAutoFit/>
+          </a:bodyPr>
+          <a:lstStyle/>
           <a:p>
             <a:r>
               <a:rPr lang="en-US" dirty="0"/>
-              <a:t>Firestore Data Models</a:t>
-            </a:r>
-          </a:p>
+              <a:t>Send token</a:t>
+            </a:r>
+          </a:p>
+        </p:txBody>
+      </p:sp>
+      <p:sp>
+        <p:nvSpPr>
+          <p:cNvPr id="16" name="TextBox 15">
+            <a:extLst>
+              <a:ext uri="{FF2B5EF4-FFF2-40B4-BE49-F238E27FC236}">
+                <a16:creationId xmlns:a16="http://schemas.microsoft.com/office/drawing/2014/main" id="{06C04C12-6E4B-AFF1-8A29-8A3B3E71B306}"/>
+              </a:ext>
+            </a:extLst>
+          </p:cNvPr>
+          <p:cNvSpPr txBox="1"/>
+          <p:nvPr/>
+        </p:nvSpPr>
+        <p:spPr>
+          <a:xfrm>
+            <a:off x="9317917" y="2994746"/>
+            <a:ext cx="1284262" cy="369332"/>
+          </a:xfrm>
+          <a:prstGeom prst="rect">
+            <a:avLst/>
+          </a:prstGeom>
+          <a:noFill/>
+        </p:spPr>
+        <p:txBody>
+          <a:bodyPr wrap="none" rtlCol="0">
+            <a:spAutoFit/>
+          </a:bodyPr>
+          <a:lstStyle/>
+          <a:p>
+            <a:r>
+              <a:rPr lang="en-US" dirty="0" err="1"/>
+              <a:t>Auth_token</a:t>
+            </a:r>
+            <a:endParaRPr lang="en-US" dirty="0"/>
+          </a:p>
+        </p:txBody>
+      </p:sp>
+      <p:cxnSp>
+        <p:nvCxnSpPr>
+          <p:cNvPr id="18" name="Straight Arrow Connector 17">
+            <a:extLst>
+              <a:ext uri="{FF2B5EF4-FFF2-40B4-BE49-F238E27FC236}">
+                <a16:creationId xmlns:a16="http://schemas.microsoft.com/office/drawing/2014/main" id="{4E615CF2-705D-B0ED-1267-CF0F2E3BB610}"/>
+              </a:ext>
+            </a:extLst>
+          </p:cNvPr>
+          <p:cNvCxnSpPr/>
+          <p:nvPr/>
+        </p:nvCxnSpPr>
+        <p:spPr>
+          <a:xfrm>
+            <a:off x="8534400" y="2895953"/>
+            <a:ext cx="928914" cy="1541399"/>
+          </a:xfrm>
+          <a:prstGeom prst="straightConnector1">
+            <a:avLst/>
+          </a:prstGeom>
+          <a:ln>
+            <a:tailEnd type="triangle"/>
+          </a:ln>
+        </p:spPr>
+        <p:style>
+          <a:lnRef idx="1">
+            <a:schemeClr val="accent1"/>
+          </a:lnRef>
+          <a:fillRef idx="0">
+            <a:schemeClr val="accent1"/>
+          </a:fillRef>
+          <a:effectRef idx="0">
+            <a:schemeClr val="accent1"/>
+          </a:effectRef>
+          <a:fontRef idx="minor">
+            <a:schemeClr val="tx1"/>
+          </a:fontRef>
+        </p:style>
+      </p:cxnSp>
+      <p:sp>
+        <p:nvSpPr>
+          <p:cNvPr id="19" name="TextBox 18">
+            <a:extLst>
+              <a:ext uri="{FF2B5EF4-FFF2-40B4-BE49-F238E27FC236}">
+                <a16:creationId xmlns:a16="http://schemas.microsoft.com/office/drawing/2014/main" id="{9696925C-1B05-FC91-67C9-65CC30EC9C55}"/>
+              </a:ext>
+            </a:extLst>
+          </p:cNvPr>
+          <p:cNvSpPr txBox="1"/>
+          <p:nvPr/>
+        </p:nvSpPr>
+        <p:spPr>
+          <a:xfrm>
+            <a:off x="8215085" y="4020457"/>
+            <a:ext cx="1312411" cy="369332"/>
+          </a:xfrm>
+          <a:prstGeom prst="rect">
+            <a:avLst/>
+          </a:prstGeom>
+          <a:noFill/>
+        </p:spPr>
+        <p:txBody>
+          <a:bodyPr wrap="none" rtlCol="0">
+            <a:spAutoFit/>
+          </a:bodyPr>
+          <a:lstStyle/>
           <a:p>
             <a:r>
               <a:rPr lang="en-US" dirty="0"/>
-              <a:t>Setting up user Documents</a:t>
-            </a:r>
-          </a:p>
+              <a:t>Verify token</a:t>
+            </a:r>
+          </a:p>
+        </p:txBody>
+      </p:sp>
+      <p:cxnSp>
+        <p:nvCxnSpPr>
+          <p:cNvPr id="21" name="Straight Arrow Connector 20">
+            <a:extLst>
+              <a:ext uri="{FF2B5EF4-FFF2-40B4-BE49-F238E27FC236}">
+                <a16:creationId xmlns:a16="http://schemas.microsoft.com/office/drawing/2014/main" id="{3FBDD4A0-0B07-B05E-C95E-123FA0F5F281}"/>
+              </a:ext>
+            </a:extLst>
+          </p:cNvPr>
+          <p:cNvCxnSpPr/>
+          <p:nvPr/>
+        </p:nvCxnSpPr>
+        <p:spPr>
+          <a:xfrm flipH="1" flipV="1">
+            <a:off x="11103427" y="2994746"/>
+            <a:ext cx="377373" cy="1395043"/>
+          </a:xfrm>
+          <a:prstGeom prst="straightConnector1">
+            <a:avLst/>
+          </a:prstGeom>
+          <a:ln>
+            <a:tailEnd type="triangle"/>
+          </a:ln>
+        </p:spPr>
+        <p:style>
+          <a:lnRef idx="1">
+            <a:schemeClr val="accent1"/>
+          </a:lnRef>
+          <a:fillRef idx="0">
+            <a:schemeClr val="accent1"/>
+          </a:fillRef>
+          <a:effectRef idx="0">
+            <a:schemeClr val="accent1"/>
+          </a:effectRef>
+          <a:fontRef idx="minor">
+            <a:schemeClr val="tx1"/>
+          </a:fontRef>
+        </p:style>
+      </p:cxnSp>
+      <p:sp>
+        <p:nvSpPr>
+          <p:cNvPr id="22" name="TextBox 21">
+            <a:extLst>
+              <a:ext uri="{FF2B5EF4-FFF2-40B4-BE49-F238E27FC236}">
+                <a16:creationId xmlns:a16="http://schemas.microsoft.com/office/drawing/2014/main" id="{44876FE4-BCC5-73BD-83CC-A12B22898AF3}"/>
+              </a:ext>
+            </a:extLst>
+          </p:cNvPr>
+          <p:cNvSpPr txBox="1"/>
+          <p:nvPr/>
+        </p:nvSpPr>
+        <p:spPr>
+          <a:xfrm>
+            <a:off x="10421257" y="3875314"/>
+            <a:ext cx="1521763" cy="369332"/>
+          </a:xfrm>
+          <a:prstGeom prst="rect">
+            <a:avLst/>
+          </a:prstGeom>
+          <a:noFill/>
+        </p:spPr>
+        <p:txBody>
+          <a:bodyPr wrap="none" rtlCol="0">
+            <a:spAutoFit/>
+          </a:bodyPr>
+          <a:lstStyle/>
           <a:p>
             <a:r>
               <a:rPr lang="en-US" dirty="0"/>
-              <a:t>Finish Creating User Documents</a:t>
-            </a:r>
-          </a:p>
+              <a:t>Confirm token</a:t>
+            </a:r>
+          </a:p>
+        </p:txBody>
+      </p:sp>
+      <p:cxnSp>
+        <p:nvCxnSpPr>
+          <p:cNvPr id="24" name="Straight Arrow Connector 23">
+            <a:extLst>
+              <a:ext uri="{FF2B5EF4-FFF2-40B4-BE49-F238E27FC236}">
+                <a16:creationId xmlns:a16="http://schemas.microsoft.com/office/drawing/2014/main" id="{8E9FC7EE-8D01-6060-C0EA-FF70B1218734}"/>
+              </a:ext>
+            </a:extLst>
+          </p:cNvPr>
+          <p:cNvCxnSpPr/>
+          <p:nvPr/>
+        </p:nvCxnSpPr>
+        <p:spPr>
+          <a:xfrm flipH="1">
+            <a:off x="2815771" y="449943"/>
+            <a:ext cx="6055519" cy="1596571"/>
+          </a:xfrm>
+          <a:prstGeom prst="straightConnector1">
+            <a:avLst/>
+          </a:prstGeom>
+          <a:ln>
+            <a:tailEnd type="triangle"/>
+          </a:ln>
+        </p:spPr>
+        <p:style>
+          <a:lnRef idx="1">
+            <a:schemeClr val="dk1"/>
+          </a:lnRef>
+          <a:fillRef idx="0">
+            <a:schemeClr val="dk1"/>
+          </a:fillRef>
+          <a:effectRef idx="0">
+            <a:schemeClr val="dk1"/>
+          </a:effectRef>
+          <a:fontRef idx="minor">
+            <a:schemeClr val="tx1"/>
+          </a:fontRef>
+        </p:style>
+      </p:cxnSp>
+      <p:sp>
+        <p:nvSpPr>
+          <p:cNvPr id="25" name="TextBox 24">
+            <a:extLst>
+              <a:ext uri="{FF2B5EF4-FFF2-40B4-BE49-F238E27FC236}">
+                <a16:creationId xmlns:a16="http://schemas.microsoft.com/office/drawing/2014/main" id="{4C53FD28-A116-8E59-CEEE-5A1CA59298EC}"/>
+              </a:ext>
+            </a:extLst>
+          </p:cNvPr>
+          <p:cNvSpPr txBox="1"/>
+          <p:nvPr/>
+        </p:nvSpPr>
+        <p:spPr>
+          <a:xfrm>
+            <a:off x="3889829" y="1045029"/>
+            <a:ext cx="1726498" cy="369332"/>
+          </a:xfrm>
+          <a:prstGeom prst="rect">
+            <a:avLst/>
+          </a:prstGeom>
+          <a:noFill/>
+        </p:spPr>
+        <p:txBody>
+          <a:bodyPr wrap="none" rtlCol="0">
+            <a:spAutoFit/>
+          </a:bodyPr>
+          <a:lstStyle/>
           <a:p>
             <a:r>
               <a:rPr lang="en-US" dirty="0"/>
-              <a:t>Sign In with Redirect</a:t>
-            </a:r>
-          </a:p>
-          <a:p>
-            <a:r>
-              <a:rPr lang="en-US" dirty="0"/>
-              <a:t>Sign Up Form</a:t>
-            </a:r>
-          </a:p>
-          <a:p>
-            <a:r>
-              <a:rPr lang="en-US" dirty="0"/>
-              <a:t>Sign Up with email password </a:t>
-            </a:r>
-          </a:p>
-          <a:p>
-            <a:r>
-              <a:rPr lang="en-US" dirty="0"/>
-              <a:t>Generalizing Form Input Component</a:t>
-            </a:r>
-          </a:p>
-          <a:p>
-            <a:r>
-              <a:rPr lang="en-US" dirty="0"/>
-              <a:t>Custom button component</a:t>
-            </a:r>
-          </a:p>
-          <a:p>
-            <a:r>
-              <a:rPr lang="en-US" dirty="0"/>
-              <a:t>Sign In Form</a:t>
-            </a:r>
-          </a:p>
-          <a:p>
-            <a:r>
-              <a:rPr lang="en-US" dirty="0"/>
-              <a:t>Finishing Authentication Page</a:t>
+              <a:t>Return response</a:t>
             </a:r>
           </a:p>
         </p:txBody>
@@ -18030,7 +18282,7 @@
     </p:spTree>
     <p:extLst>
       <p:ext uri="{BB962C8B-B14F-4D97-AF65-F5344CB8AC3E}">
-        <p14:creationId xmlns:p14="http://schemas.microsoft.com/office/powerpoint/2010/main" val="2533297870"/>
+        <p14:creationId xmlns:p14="http://schemas.microsoft.com/office/powerpoint/2010/main" val="4009548158"/>
       </p:ext>
     </p:extLst>
   </p:cSld>

--- a/ReactJSNew/Reactjs.pptx
+++ b/ReactJSNew/Reactjs.pptx
@@ -30,6 +30,7 @@
     <p:sldId id="277" r:id="rId24"/>
     <p:sldId id="278" r:id="rId25"/>
     <p:sldId id="279" r:id="rId26"/>
+    <p:sldId id="281" r:id="rId27"/>
   </p:sldIdLst>
   <p:sldSz cx="12192000" cy="6858000"/>
   <p:notesSz cx="6858000" cy="9144000"/>
@@ -283,7 +284,7 @@
           <a:p>
             <a:fld id="{9A5E46BC-724F-4E92-A585-0C922623FDCA}" type="datetimeFigureOut">
               <a:rPr lang="en-US" smtClean="0"/>
-              <a:t>10/11/2023</a:t>
+              <a:t>10/13/2023</a:t>
             </a:fld>
             <a:endParaRPr lang="en-US"/>
           </a:p>
@@ -481,7 +482,7 @@
           <a:p>
             <a:fld id="{9A5E46BC-724F-4E92-A585-0C922623FDCA}" type="datetimeFigureOut">
               <a:rPr lang="en-US" smtClean="0"/>
-              <a:t>10/11/2023</a:t>
+              <a:t>10/13/2023</a:t>
             </a:fld>
             <a:endParaRPr lang="en-US"/>
           </a:p>
@@ -689,7 +690,7 @@
           <a:p>
             <a:fld id="{9A5E46BC-724F-4E92-A585-0C922623FDCA}" type="datetimeFigureOut">
               <a:rPr lang="en-US" smtClean="0"/>
-              <a:t>10/11/2023</a:t>
+              <a:t>10/13/2023</a:t>
             </a:fld>
             <a:endParaRPr lang="en-US"/>
           </a:p>
@@ -887,7 +888,7 @@
           <a:p>
             <a:fld id="{9A5E46BC-724F-4E92-A585-0C922623FDCA}" type="datetimeFigureOut">
               <a:rPr lang="en-US" smtClean="0"/>
-              <a:t>10/11/2023</a:t>
+              <a:t>10/13/2023</a:t>
             </a:fld>
             <a:endParaRPr lang="en-US"/>
           </a:p>
@@ -1162,7 +1163,7 @@
           <a:p>
             <a:fld id="{9A5E46BC-724F-4E92-A585-0C922623FDCA}" type="datetimeFigureOut">
               <a:rPr lang="en-US" smtClean="0"/>
-              <a:t>10/11/2023</a:t>
+              <a:t>10/13/2023</a:t>
             </a:fld>
             <a:endParaRPr lang="en-US"/>
           </a:p>
@@ -1427,7 +1428,7 @@
           <a:p>
             <a:fld id="{9A5E46BC-724F-4E92-A585-0C922623FDCA}" type="datetimeFigureOut">
               <a:rPr lang="en-US" smtClean="0"/>
-              <a:t>10/11/2023</a:t>
+              <a:t>10/13/2023</a:t>
             </a:fld>
             <a:endParaRPr lang="en-US"/>
           </a:p>
@@ -1839,7 +1840,7 @@
           <a:p>
             <a:fld id="{9A5E46BC-724F-4E92-A585-0C922623FDCA}" type="datetimeFigureOut">
               <a:rPr lang="en-US" smtClean="0"/>
-              <a:t>10/11/2023</a:t>
+              <a:t>10/13/2023</a:t>
             </a:fld>
             <a:endParaRPr lang="en-US"/>
           </a:p>
@@ -1980,7 +1981,7 @@
           <a:p>
             <a:fld id="{9A5E46BC-724F-4E92-A585-0C922623FDCA}" type="datetimeFigureOut">
               <a:rPr lang="en-US" smtClean="0"/>
-              <a:t>10/11/2023</a:t>
+              <a:t>10/13/2023</a:t>
             </a:fld>
             <a:endParaRPr lang="en-US"/>
           </a:p>
@@ -2093,7 +2094,7 @@
           <a:p>
             <a:fld id="{9A5E46BC-724F-4E92-A585-0C922623FDCA}" type="datetimeFigureOut">
               <a:rPr lang="en-US" smtClean="0"/>
-              <a:t>10/11/2023</a:t>
+              <a:t>10/13/2023</a:t>
             </a:fld>
             <a:endParaRPr lang="en-US"/>
           </a:p>
@@ -2404,7 +2405,7 @@
           <a:p>
             <a:fld id="{9A5E46BC-724F-4E92-A585-0C922623FDCA}" type="datetimeFigureOut">
               <a:rPr lang="en-US" smtClean="0"/>
-              <a:t>10/11/2023</a:t>
+              <a:t>10/13/2023</a:t>
             </a:fld>
             <a:endParaRPr lang="en-US"/>
           </a:p>
@@ -2692,7 +2693,7 @@
           <a:p>
             <a:fld id="{9A5E46BC-724F-4E92-A585-0C922623FDCA}" type="datetimeFigureOut">
               <a:rPr lang="en-US" smtClean="0"/>
-              <a:t>10/11/2023</a:t>
+              <a:t>10/13/2023</a:t>
             </a:fld>
             <a:endParaRPr lang="en-US"/>
           </a:p>
@@ -2933,7 +2934,7 @@
           <a:p>
             <a:fld id="{9A5E46BC-724F-4E92-A585-0C922623FDCA}" type="datetimeFigureOut">
               <a:rPr lang="en-US" smtClean="0"/>
-              <a:t>10/11/2023</a:t>
+              <a:t>10/13/2023</a:t>
             </a:fld>
             <a:endParaRPr lang="en-US"/>
           </a:p>
@@ -16325,6 +16326,13 @@
               <a:rPr lang="en-US" dirty="0"/>
               <a:t> Form Input Component </a:t>
             </a:r>
+            <a:br>
+              <a:rPr lang="en-US" dirty="0"/>
+            </a:br>
+            <a:r>
+              <a:rPr lang="en-US" dirty="0"/>
+              <a:t>Last Touches</a:t>
+            </a:r>
           </a:p>
         </p:txBody>
       </p:sp>
@@ -16332,6 +16340,322 @@
     <p:extLst>
       <p:ext uri="{BB962C8B-B14F-4D97-AF65-F5344CB8AC3E}">
         <p14:creationId xmlns:p14="http://schemas.microsoft.com/office/powerpoint/2010/main" val="1301683927"/>
+      </p:ext>
+    </p:extLst>
+  </p:cSld>
+  <p:clrMapOvr>
+    <a:masterClrMapping/>
+  </p:clrMapOvr>
+</p:sld>
+</file>
+
+<file path=ppt/slides/slide26.xml><?xml version="1.0" encoding="utf-8"?>
+<p:sld xmlns:a="http://schemas.openxmlformats.org/drawingml/2006/main" xmlns:r="http://schemas.openxmlformats.org/officeDocument/2006/relationships" xmlns:p="http://schemas.openxmlformats.org/presentationml/2006/main">
+  <p:cSld>
+    <p:spTree>
+      <p:nvGrpSpPr>
+        <p:cNvPr id="1" name=""/>
+        <p:cNvGrpSpPr/>
+        <p:nvPr/>
+      </p:nvGrpSpPr>
+      <p:grpSpPr>
+        <a:xfrm>
+          <a:off x="0" y="0"/>
+          <a:ext cx="0" cy="0"/>
+          <a:chOff x="0" y="0"/>
+          <a:chExt cx="0" cy="0"/>
+        </a:xfrm>
+      </p:grpSpPr>
+      <p:sp>
+        <p:nvSpPr>
+          <p:cNvPr id="2" name="Title 1">
+            <a:extLst>
+              <a:ext uri="{FF2B5EF4-FFF2-40B4-BE49-F238E27FC236}">
+                <a16:creationId xmlns:a16="http://schemas.microsoft.com/office/drawing/2014/main" id="{07230EC5-A6D1-1A20-9284-198CE4446E07}"/>
+              </a:ext>
+            </a:extLst>
+          </p:cNvPr>
+          <p:cNvSpPr>
+            <a:spLocks noGrp="1"/>
+          </p:cNvSpPr>
+          <p:nvPr>
+            <p:ph type="title"/>
+          </p:nvPr>
+        </p:nvSpPr>
+        <p:spPr>
+          <a:xfrm>
+            <a:off x="838200" y="487955"/>
+            <a:ext cx="10515600" cy="1325563"/>
+          </a:xfrm>
+        </p:spPr>
+        <p:txBody>
+          <a:bodyPr/>
+          <a:lstStyle/>
+          <a:p>
+            <a:r>
+              <a:rPr lang="en-US" dirty="0"/>
+              <a:t>Deploying On </a:t>
+            </a:r>
+            <a:r>
+              <a:rPr lang="en-US" dirty="0" err="1"/>
+              <a:t>Netilfy</a:t>
+            </a:r>
+            <a:endParaRPr lang="en-US" dirty="0"/>
+          </a:p>
+        </p:txBody>
+      </p:sp>
+      <p:sp>
+        <p:nvSpPr>
+          <p:cNvPr id="4" name="Rectangle 3">
+            <a:extLst>
+              <a:ext uri="{FF2B5EF4-FFF2-40B4-BE49-F238E27FC236}">
+                <a16:creationId xmlns:a16="http://schemas.microsoft.com/office/drawing/2014/main" id="{042020F7-E34F-7EE4-91EA-997756948A4D}"/>
+              </a:ext>
+            </a:extLst>
+          </p:cNvPr>
+          <p:cNvSpPr/>
+          <p:nvPr/>
+        </p:nvSpPr>
+        <p:spPr>
+          <a:xfrm>
+            <a:off x="1419367" y="2320119"/>
+            <a:ext cx="2388358" cy="1951630"/>
+          </a:xfrm>
+          <a:prstGeom prst="rect">
+            <a:avLst/>
+          </a:prstGeom>
+        </p:spPr>
+        <p:style>
+          <a:lnRef idx="2">
+            <a:schemeClr val="accent1">
+              <a:shade val="15000"/>
+            </a:schemeClr>
+          </a:lnRef>
+          <a:fillRef idx="1">
+            <a:schemeClr val="accent1"/>
+          </a:fillRef>
+          <a:effectRef idx="0">
+            <a:schemeClr val="accent1"/>
+          </a:effectRef>
+          <a:fontRef idx="minor">
+            <a:schemeClr val="lt1"/>
+          </a:fontRef>
+        </p:style>
+        <p:txBody>
+          <a:bodyPr rtlCol="0" anchor="ctr"/>
+          <a:lstStyle/>
+          <a:p>
+            <a:pPr algn="ctr"/>
+            <a:r>
+              <a:rPr lang="en-US" sz="3200" dirty="0"/>
+              <a:t>Clothing.com</a:t>
+            </a:r>
+          </a:p>
+        </p:txBody>
+      </p:sp>
+      <p:sp>
+        <p:nvSpPr>
+          <p:cNvPr id="5" name="Rectangle 4">
+            <a:extLst>
+              <a:ext uri="{FF2B5EF4-FFF2-40B4-BE49-F238E27FC236}">
+                <a16:creationId xmlns:a16="http://schemas.microsoft.com/office/drawing/2014/main" id="{BDE6FB35-DEBF-76AA-8E58-D86909762706}"/>
+              </a:ext>
+            </a:extLst>
+          </p:cNvPr>
+          <p:cNvSpPr/>
+          <p:nvPr/>
+        </p:nvSpPr>
+        <p:spPr>
+          <a:xfrm>
+            <a:off x="9103056" y="2156345"/>
+            <a:ext cx="1669577" cy="3398294"/>
+          </a:xfrm>
+          <a:prstGeom prst="rect">
+            <a:avLst/>
+          </a:prstGeom>
+        </p:spPr>
+        <p:style>
+          <a:lnRef idx="2">
+            <a:schemeClr val="accent1">
+              <a:shade val="15000"/>
+            </a:schemeClr>
+          </a:lnRef>
+          <a:fillRef idx="1">
+            <a:schemeClr val="accent1"/>
+          </a:fillRef>
+          <a:effectRef idx="0">
+            <a:schemeClr val="accent1"/>
+          </a:effectRef>
+          <a:fontRef idx="minor">
+            <a:schemeClr val="lt1"/>
+          </a:fontRef>
+        </p:style>
+        <p:txBody>
+          <a:bodyPr rtlCol="0" anchor="ctr"/>
+          <a:lstStyle/>
+          <a:p>
+            <a:pPr algn="ctr"/>
+            <a:r>
+              <a:rPr lang="en-US" sz="3200" dirty="0"/>
+              <a:t>Netlify Web Server</a:t>
+            </a:r>
+          </a:p>
+        </p:txBody>
+      </p:sp>
+      <p:cxnSp>
+        <p:nvCxnSpPr>
+          <p:cNvPr id="7" name="Straight Arrow Connector 6">
+            <a:extLst>
+              <a:ext uri="{FF2B5EF4-FFF2-40B4-BE49-F238E27FC236}">
+                <a16:creationId xmlns:a16="http://schemas.microsoft.com/office/drawing/2014/main" id="{D91F14BC-72E2-4A99-103C-8E9E29284553}"/>
+              </a:ext>
+            </a:extLst>
+          </p:cNvPr>
+          <p:cNvCxnSpPr/>
+          <p:nvPr/>
+        </p:nvCxnSpPr>
+        <p:spPr>
+          <a:xfrm>
+            <a:off x="4244454" y="2975212"/>
+            <a:ext cx="4476465" cy="0"/>
+          </a:xfrm>
+          <a:prstGeom prst="straightConnector1">
+            <a:avLst/>
+          </a:prstGeom>
+          <a:ln>
+            <a:tailEnd type="triangle"/>
+          </a:ln>
+        </p:spPr>
+        <p:style>
+          <a:lnRef idx="1">
+            <a:schemeClr val="accent1"/>
+          </a:lnRef>
+          <a:fillRef idx="0">
+            <a:schemeClr val="accent1"/>
+          </a:fillRef>
+          <a:effectRef idx="0">
+            <a:schemeClr val="accent1"/>
+          </a:effectRef>
+          <a:fontRef idx="minor">
+            <a:schemeClr val="tx1"/>
+          </a:fontRef>
+        </p:style>
+      </p:cxnSp>
+      <p:sp>
+        <p:nvSpPr>
+          <p:cNvPr id="8" name="TextBox 7">
+            <a:extLst>
+              <a:ext uri="{FF2B5EF4-FFF2-40B4-BE49-F238E27FC236}">
+                <a16:creationId xmlns:a16="http://schemas.microsoft.com/office/drawing/2014/main" id="{150B66EE-D44F-F62A-997E-DA1A728272F1}"/>
+              </a:ext>
+            </a:extLst>
+          </p:cNvPr>
+          <p:cNvSpPr txBox="1"/>
+          <p:nvPr/>
+        </p:nvSpPr>
+        <p:spPr>
+          <a:xfrm>
+            <a:off x="5063319" y="2156345"/>
+            <a:ext cx="3181512" cy="369332"/>
+          </a:xfrm>
+          <a:prstGeom prst="rect">
+            <a:avLst/>
+          </a:prstGeom>
+          <a:noFill/>
+        </p:spPr>
+        <p:txBody>
+          <a:bodyPr wrap="none" rtlCol="0">
+            <a:spAutoFit/>
+          </a:bodyPr>
+          <a:lstStyle/>
+          <a:p>
+            <a:r>
+              <a:rPr lang="en-US" dirty="0"/>
+              <a:t>Request resource for / endpoint</a:t>
+            </a:r>
+          </a:p>
+        </p:txBody>
+      </p:sp>
+      <p:cxnSp>
+        <p:nvCxnSpPr>
+          <p:cNvPr id="9" name="Straight Arrow Connector 8">
+            <a:extLst>
+              <a:ext uri="{FF2B5EF4-FFF2-40B4-BE49-F238E27FC236}">
+                <a16:creationId xmlns:a16="http://schemas.microsoft.com/office/drawing/2014/main" id="{ABD76758-B464-2CC8-E709-077A588C0DB1}"/>
+              </a:ext>
+            </a:extLst>
+          </p:cNvPr>
+          <p:cNvCxnSpPr>
+            <a:cxnSpLocks/>
+          </p:cNvCxnSpPr>
+          <p:nvPr/>
+        </p:nvCxnSpPr>
+        <p:spPr>
+          <a:xfrm flipH="1">
+            <a:off x="4244454" y="3782905"/>
+            <a:ext cx="4476465" cy="0"/>
+          </a:xfrm>
+          <a:prstGeom prst="straightConnector1">
+            <a:avLst/>
+          </a:prstGeom>
+          <a:ln>
+            <a:tailEnd type="triangle"/>
+          </a:ln>
+        </p:spPr>
+        <p:style>
+          <a:lnRef idx="1">
+            <a:schemeClr val="accent1"/>
+          </a:lnRef>
+          <a:fillRef idx="0">
+            <a:schemeClr val="accent1"/>
+          </a:fillRef>
+          <a:effectRef idx="0">
+            <a:schemeClr val="accent1"/>
+          </a:effectRef>
+          <a:fontRef idx="minor">
+            <a:schemeClr val="tx1"/>
+          </a:fontRef>
+        </p:style>
+      </p:cxnSp>
+      <p:sp>
+        <p:nvSpPr>
+          <p:cNvPr id="12" name="TextBox 11">
+            <a:extLst>
+              <a:ext uri="{FF2B5EF4-FFF2-40B4-BE49-F238E27FC236}">
+                <a16:creationId xmlns:a16="http://schemas.microsoft.com/office/drawing/2014/main" id="{2251662D-4209-670E-2CD2-DAC0BE449B9C}"/>
+              </a:ext>
+            </a:extLst>
+          </p:cNvPr>
+          <p:cNvSpPr txBox="1"/>
+          <p:nvPr/>
+        </p:nvSpPr>
+        <p:spPr>
+          <a:xfrm>
+            <a:off x="4864634" y="4221266"/>
+            <a:ext cx="2189254" cy="369332"/>
+          </a:xfrm>
+          <a:prstGeom prst="rect">
+            <a:avLst/>
+          </a:prstGeom>
+          <a:noFill/>
+        </p:spPr>
+        <p:txBody>
+          <a:bodyPr wrap="none" rtlCol="0">
+            <a:spAutoFit/>
+          </a:bodyPr>
+          <a:lstStyle/>
+          <a:p>
+            <a:r>
+              <a:rPr lang="en-US" dirty="0"/>
+              <a:t>Send back index.html</a:t>
+            </a:r>
+          </a:p>
+        </p:txBody>
+      </p:sp>
+    </p:spTree>
+    <p:extLst>
+      <p:ext uri="{BB962C8B-B14F-4D97-AF65-F5344CB8AC3E}">
+        <p14:creationId xmlns:p14="http://schemas.microsoft.com/office/powerpoint/2010/main" val="116940745"/>
       </p:ext>
     </p:extLst>
   </p:cSld>
